--- a/dlgs.pptx
+++ b/dlgs.pptx
@@ -1,40 +1,40 @@
 
 <file path=ppt/presentation.xml><?xml version="1.0" encoding="utf-8"?>
-<p:presentation xmlns:a="http://schemas.openxmlformats.org/drawingml/2006/main" xmlns:r="http://schemas.openxmlformats.org/officeDocument/2006/relationships" xmlns:p="http://schemas.openxmlformats.org/presentationml/2006/main" xmlns:m="http://schemas.openxmlformats.org/officeDocument/2006/math" xmlns:a14="http://schemas.microsoft.com/office/drawing/2010/main">
+<p:presentation xmlns:a="http://schemas.openxmlformats.org/drawingml/2006/main" xmlns:r="http://schemas.openxmlformats.org/officeDocument/2006/relationships" xmlns:p="http://schemas.openxmlformats.org/presentationml/2006/main">
   <p:sldMasterIdLst>
-    <p:sldMasterId id="2147483648" r:id="rId5"/>
+    <p:sldMasterId id="2147483648" r:id="rId1"/>
   </p:sldMasterIdLst>
   <p:notesMasterIdLst>
-    <p:notesMasterId r:id="rId7"/>
+    <p:notesMasterId r:id="rId27"/>
   </p:notesMasterIdLst>
   <p:sldIdLst>
-    <p:sldId id="256" r:id="rId8"/>
-    <p:sldId id="257" r:id="rId9"/>
-    <p:sldId id="258" r:id="rId10"/>
-    <p:sldId id="259" r:id="rId11"/>
-    <p:sldId id="260" r:id="rId12"/>
-    <p:sldId id="261" r:id="rId13"/>
-    <p:sldId id="262" r:id="rId14"/>
-    <p:sldId id="263" r:id="rId15"/>
-    <p:sldId id="264" r:id="rId16"/>
-    <p:sldId id="265" r:id="rId17"/>
-    <p:sldId id="266" r:id="rId18"/>
-    <p:sldId id="267" r:id="rId19"/>
-    <p:sldId id="268" r:id="rId20"/>
-    <p:sldId id="269" r:id="rId21"/>
-    <p:sldId id="270" r:id="rId22"/>
-    <p:sldId id="271" r:id="rId23"/>
-    <p:sldId id="272" r:id="rId24"/>
-    <p:sldId id="273" r:id="rId25"/>
-    <p:sldId id="274" r:id="rId26"/>
-    <p:sldId id="275" r:id="rId27"/>
-    <p:sldId id="276" r:id="rId28"/>
-    <p:sldId id="277" r:id="rId29"/>
-    <p:sldId id="278" r:id="rId30"/>
-    <p:sldId id="279" r:id="rId31"/>
-    <p:sldId id="280" r:id="rId32"/>
+    <p:sldId id="256" r:id="rId2"/>
+    <p:sldId id="257" r:id="rId3"/>
+    <p:sldId id="258" r:id="rId4"/>
+    <p:sldId id="259" r:id="rId5"/>
+    <p:sldId id="260" r:id="rId6"/>
+    <p:sldId id="261" r:id="rId7"/>
+    <p:sldId id="262" r:id="rId8"/>
+    <p:sldId id="263" r:id="rId9"/>
+    <p:sldId id="264" r:id="rId10"/>
+    <p:sldId id="265" r:id="rId11"/>
+    <p:sldId id="266" r:id="rId12"/>
+    <p:sldId id="267" r:id="rId13"/>
+    <p:sldId id="268" r:id="rId14"/>
+    <p:sldId id="269" r:id="rId15"/>
+    <p:sldId id="270" r:id="rId16"/>
+    <p:sldId id="271" r:id="rId17"/>
+    <p:sldId id="272" r:id="rId18"/>
+    <p:sldId id="273" r:id="rId19"/>
+    <p:sldId id="274" r:id="rId20"/>
+    <p:sldId id="275" r:id="rId21"/>
+    <p:sldId id="276" r:id="rId22"/>
+    <p:sldId id="277" r:id="rId23"/>
+    <p:sldId id="278" r:id="rId24"/>
+    <p:sldId id="281" r:id="rId25"/>
+    <p:sldId id="280" r:id="rId26"/>
   </p:sldIdLst>
-  <p:sldSz cx="9144000" cy="5143500"/>
+  <p:sldSz cx="9144000" cy="5143500" type="screen16x9"/>
   <p:notesSz cx="6858000" cy="9144000"/>
   <p:defaultTextStyle>
     <a:defPPr marL="0" marR="0" indent="0" algn="l" defTabSz="914400" rtl="0" fontAlgn="auto" latinLnBrk="1" hangingPunct="0">
@@ -52,7 +52,7 @@
       <a:buFontTx/>
       <a:buNone/>
       <a:tabLst/>
-      <a:defRPr b="0" baseline="0" cap="none" i="0" spc="0" strike="noStrike" sz="1800" u="none" kumimoji="0" normalizeH="0">
+      <a:defRPr kumimoji="0" sz="1800" b="0" i="0" u="none" strike="noStrike" cap="none" spc="0" normalizeH="0" baseline="0">
         <a:ln>
           <a:noFill/>
         </a:ln>
@@ -78,7 +78,7 @@
       <a:buFontTx/>
       <a:buNone/>
       <a:tabLst/>
-      <a:defRPr b="0" baseline="0" cap="none" i="0" spc="0" strike="noStrike" sz="700" u="none" kumimoji="0" normalizeH="0">
+      <a:defRPr kumimoji="0" sz="700" b="0" i="0" u="none" strike="noStrike" cap="none" spc="0" normalizeH="0" baseline="0">
         <a:ln>
           <a:noFill/>
         </a:ln>
@@ -108,7 +108,7 @@
       <a:buFontTx/>
       <a:buNone/>
       <a:tabLst/>
-      <a:defRPr b="0" baseline="0" cap="none" i="0" spc="0" strike="noStrike" sz="700" u="none" kumimoji="0" normalizeH="0">
+      <a:defRPr kumimoji="0" sz="700" b="0" i="0" u="none" strike="noStrike" cap="none" spc="0" normalizeH="0" baseline="0">
         <a:ln>
           <a:noFill/>
         </a:ln>
@@ -138,7 +138,7 @@
       <a:buFontTx/>
       <a:buNone/>
       <a:tabLst/>
-      <a:defRPr b="0" baseline="0" cap="none" i="0" spc="0" strike="noStrike" sz="700" u="none" kumimoji="0" normalizeH="0">
+      <a:defRPr kumimoji="0" sz="700" b="0" i="0" u="none" strike="noStrike" cap="none" spc="0" normalizeH="0" baseline="0">
         <a:ln>
           <a:noFill/>
         </a:ln>
@@ -168,7 +168,7 @@
       <a:buFontTx/>
       <a:buNone/>
       <a:tabLst/>
-      <a:defRPr b="0" baseline="0" cap="none" i="0" spc="0" strike="noStrike" sz="700" u="none" kumimoji="0" normalizeH="0">
+      <a:defRPr kumimoji="0" sz="700" b="0" i="0" u="none" strike="noStrike" cap="none" spc="0" normalizeH="0" baseline="0">
         <a:ln>
           <a:noFill/>
         </a:ln>
@@ -198,7 +198,7 @@
       <a:buFontTx/>
       <a:buNone/>
       <a:tabLst/>
-      <a:defRPr b="0" baseline="0" cap="none" i="0" spc="0" strike="noStrike" sz="700" u="none" kumimoji="0" normalizeH="0">
+      <a:defRPr kumimoji="0" sz="700" b="0" i="0" u="none" strike="noStrike" cap="none" spc="0" normalizeH="0" baseline="0">
         <a:ln>
           <a:noFill/>
         </a:ln>
@@ -228,7 +228,7 @@
       <a:buFontTx/>
       <a:buNone/>
       <a:tabLst/>
-      <a:defRPr b="0" baseline="0" cap="none" i="0" spc="0" strike="noStrike" sz="700" u="none" kumimoji="0" normalizeH="0">
+      <a:defRPr kumimoji="0" sz="700" b="0" i="0" u="none" strike="noStrike" cap="none" spc="0" normalizeH="0" baseline="0">
         <a:ln>
           <a:noFill/>
         </a:ln>
@@ -258,7 +258,7 @@
       <a:buFontTx/>
       <a:buNone/>
       <a:tabLst/>
-      <a:defRPr b="0" baseline="0" cap="none" i="0" spc="0" strike="noStrike" sz="700" u="none" kumimoji="0" normalizeH="0">
+      <a:defRPr kumimoji="0" sz="700" b="0" i="0" u="none" strike="noStrike" cap="none" spc="0" normalizeH="0" baseline="0">
         <a:ln>
           <a:noFill/>
         </a:ln>
@@ -288,7 +288,7 @@
       <a:buFontTx/>
       <a:buNone/>
       <a:tabLst/>
-      <a:defRPr b="0" baseline="0" cap="none" i="0" spc="0" strike="noStrike" sz="700" u="none" kumimoji="0" normalizeH="0">
+      <a:defRPr kumimoji="0" sz="700" b="0" i="0" u="none" strike="noStrike" cap="none" spc="0" normalizeH="0" baseline="0">
         <a:ln>
           <a:noFill/>
         </a:ln>
@@ -318,7 +318,7 @@
       <a:buFontTx/>
       <a:buNone/>
       <a:tabLst/>
-      <a:defRPr b="0" baseline="0" cap="none" i="0" spc="0" strike="noStrike" sz="700" u="none" kumimoji="0" normalizeH="0">
+      <a:defRPr kumimoji="0" sz="700" b="0" i="0" u="none" strike="noStrike" cap="none" spc="0" normalizeH="0" baseline="0">
         <a:ln>
           <a:noFill/>
         </a:ln>
@@ -337,13 +337,14 @@
 </p:presentation>
 </file>
 
-<file path=ppt/commentAuthors.xml><?xml version="1.0" encoding="utf-8"?>
-<p:cmAuthorLst xmlns:a="http://schemas.openxmlformats.org/drawingml/2006/main" xmlns:r="http://schemas.openxmlformats.org/officeDocument/2006/relationships" xmlns:p="http://schemas.openxmlformats.org/presentationml/2006/main" xmlns:m="http://schemas.openxmlformats.org/officeDocument/2006/math" xmlns:a14="http://schemas.microsoft.com/office/drawing/2010/main"/>
-</file>
-
 <file path=ppt/notesMasters/notesMaster1.xml><?xml version="1.0" encoding="utf-8"?>
-<p:notesMaster xmlns:a="http://schemas.openxmlformats.org/drawingml/2006/main" xmlns:r="http://schemas.openxmlformats.org/officeDocument/2006/relationships" xmlns:p="http://schemas.openxmlformats.org/presentationml/2006/main" xmlns:m="http://schemas.openxmlformats.org/officeDocument/2006/math" xmlns:a14="http://schemas.microsoft.com/office/drawing/2010/main">
+<p:notesMaster xmlns:a="http://schemas.openxmlformats.org/drawingml/2006/main" xmlns:r="http://schemas.openxmlformats.org/officeDocument/2006/relationships" xmlns:p="http://schemas.openxmlformats.org/presentationml/2006/main">
   <p:cSld>
+    <p:bg>
+      <p:bgRef idx="1001">
+        <a:schemeClr val="bg1"/>
+      </p:bgRef>
+    </p:bg>
     <p:spTree>
       <p:nvGrpSpPr>
         <p:cNvPr id="1" name=""/>
@@ -361,7 +362,9 @@
       <p:sp>
         <p:nvSpPr>
           <p:cNvPr id="106" name="Shape 106"/>
-          <p:cNvSpPr/>
+          <p:cNvSpPr>
+            <a:spLocks noGrp="1" noRot="1" noChangeAspect="1"/>
+          </p:cNvSpPr>
           <p:nvPr>
             <p:ph type="sldImg"/>
           </p:nvPr>
@@ -379,14 +382,16 @@
           <a:bodyPr/>
           <a:lstStyle/>
           <a:p>
-            <a:pPr/>
+            <a:endParaRPr/>
           </a:p>
         </p:txBody>
       </p:sp>
       <p:sp>
         <p:nvSpPr>
           <p:cNvPr id="107" name="Shape 107"/>
-          <p:cNvSpPr/>
+          <p:cNvSpPr>
+            <a:spLocks noGrp="1"/>
+          </p:cNvSpPr>
           <p:nvPr>
             <p:ph type="body" sz="quarter" idx="1"/>
           </p:nvPr>
@@ -404,7 +409,7 @@
           <a:bodyPr/>
           <a:lstStyle/>
           <a:p>
-            <a:pPr/>
+            <a:endParaRPr/>
           </a:p>
         </p:txBody>
       </p:sp>
@@ -489,7 +494,7 @@
 </file>
 
 <file path=ppt/slideLayouts/slideLayout1.xml><?xml version="1.0" encoding="utf-8"?>
-<p:sldLayout xmlns:a="http://schemas.openxmlformats.org/drawingml/2006/main" xmlns:r="http://schemas.openxmlformats.org/officeDocument/2006/relationships" xmlns:p="http://schemas.openxmlformats.org/presentationml/2006/main" xmlns:m="http://schemas.openxmlformats.org/officeDocument/2006/math" xmlns:a14="http://schemas.microsoft.com/office/drawing/2010/main" type="title" showMasterSp="1" showMasterPhAnim="1">
+<p:sldLayout xmlns:a="http://schemas.openxmlformats.org/drawingml/2006/main" xmlns:r="http://schemas.openxmlformats.org/officeDocument/2006/relationships" xmlns:p="http://schemas.openxmlformats.org/presentationml/2006/main" type="title">
   <p:cSld name="TITLE">
     <p:spTree>
       <p:nvGrpSpPr>
@@ -508,7 +513,9 @@
       <p:sp>
         <p:nvSpPr>
           <p:cNvPr id="11" name="Title Text"/>
-          <p:cNvSpPr txBox="1"/>
+          <p:cNvSpPr txBox="1">
+            <a:spLocks noGrp="1"/>
+          </p:cNvSpPr>
           <p:nvPr>
             <p:ph type="title"/>
           </p:nvPr>
@@ -530,7 +537,6 @@
             </a:lvl1pPr>
           </a:lstStyle>
           <a:p>
-            <a:pPr/>
             <a:r>
               <a:t>Title Text</a:t>
             </a:r>
@@ -540,7 +546,9 @@
       <p:sp>
         <p:nvSpPr>
           <p:cNvPr id="12" name="Body Level One…"/>
-          <p:cNvSpPr txBox="1"/>
+          <p:cNvSpPr txBox="1">
+            <a:spLocks noGrp="1"/>
+          </p:cNvSpPr>
           <p:nvPr>
             <p:ph type="body" sz="quarter" idx="1"/>
           </p:nvPr>
@@ -609,7 +617,6 @@
             </a:lvl5pPr>
           </a:lstStyle>
           <a:p>
-            <a:pPr/>
             <a:r>
               <a:t>Body Level One</a:t>
             </a:r>
@@ -643,7 +650,9 @@
       <p:sp>
         <p:nvSpPr>
           <p:cNvPr id="13" name="Slide Number"/>
-          <p:cNvSpPr txBox="1"/>
+          <p:cNvSpPr txBox="1">
+            <a:spLocks noGrp="1"/>
+          </p:cNvSpPr>
           <p:nvPr>
             <p:ph type="sldNum" sz="quarter" idx="2"/>
           </p:nvPr>
@@ -657,8 +666,10 @@
           <a:bodyPr/>
           <a:lstStyle/>
           <a:p>
-            <a:pPr/>
-            <a:fld id="{86CB4B4D-7CA3-9044-876B-883B54F8677D}" type="slidenum"/>
+            <a:fld id="{86CB4B4D-7CA3-9044-876B-883B54F8677D}" type="slidenum">
+              <a:t>‹#›</a:t>
+            </a:fld>
+            <a:endParaRPr/>
           </a:p>
         </p:txBody>
       </p:sp>
@@ -667,12 +678,12 @@
   <p:clrMapOvr>
     <a:masterClrMapping/>
   </p:clrMapOvr>
-  <p:transition xmlns:p14="http://schemas.microsoft.com/office/powerpoint/2010/main" spd="med" advClick="1"/>
+  <p:transition spd="med"/>
 </p:sldLayout>
 </file>
 
 <file path=ppt/slideLayouts/slideLayout10.xml><?xml version="1.0" encoding="utf-8"?>
-<p:sldLayout xmlns:a="http://schemas.openxmlformats.org/drawingml/2006/main" xmlns:r="http://schemas.openxmlformats.org/officeDocument/2006/relationships" xmlns:p="http://schemas.openxmlformats.org/presentationml/2006/main" xmlns:m="http://schemas.openxmlformats.org/officeDocument/2006/math" xmlns:a14="http://schemas.microsoft.com/office/drawing/2010/main" type="tx" showMasterSp="1" showMasterPhAnim="1">
+<p:sldLayout xmlns:a="http://schemas.openxmlformats.org/drawingml/2006/main" xmlns:r="http://schemas.openxmlformats.org/officeDocument/2006/relationships" xmlns:p="http://schemas.openxmlformats.org/presentationml/2006/main" type="tx">
   <p:cSld name="BIG_NUMBER">
     <p:spTree>
       <p:nvGrpSpPr>
@@ -691,7 +702,9 @@
       <p:sp>
         <p:nvSpPr>
           <p:cNvPr id="91" name="xx%"/>
-          <p:cNvSpPr txBox="1"/>
+          <p:cNvSpPr txBox="1">
+            <a:spLocks noGrp="1"/>
+          </p:cNvSpPr>
           <p:nvPr>
             <p:ph type="title" hasCustomPrompt="1"/>
           </p:nvPr>
@@ -713,7 +726,6 @@
             </a:lvl1pPr>
           </a:lstStyle>
           <a:p>
-            <a:pPr/>
             <a:r>
               <a:t>xx%</a:t>
             </a:r>
@@ -723,7 +735,9 @@
       <p:sp>
         <p:nvSpPr>
           <p:cNvPr id="92" name="Body Level One…"/>
-          <p:cNvSpPr txBox="1"/>
+          <p:cNvSpPr txBox="1">
+            <a:spLocks noGrp="1"/>
+          </p:cNvSpPr>
           <p:nvPr>
             <p:ph type="body" sz="half" idx="1"/>
           </p:nvPr>
@@ -747,7 +761,6 @@
             <a:lvl5pPr algn="ctr"/>
           </a:lstStyle>
           <a:p>
-            <a:pPr/>
             <a:r>
               <a:t>Body Level One</a:t>
             </a:r>
@@ -781,7 +794,9 @@
       <p:sp>
         <p:nvSpPr>
           <p:cNvPr id="93" name="Slide Number"/>
-          <p:cNvSpPr txBox="1"/>
+          <p:cNvSpPr txBox="1">
+            <a:spLocks noGrp="1"/>
+          </p:cNvSpPr>
           <p:nvPr>
             <p:ph type="sldNum" sz="quarter" idx="2"/>
           </p:nvPr>
@@ -795,8 +810,10 @@
           <a:bodyPr/>
           <a:lstStyle/>
           <a:p>
-            <a:pPr/>
-            <a:fld id="{86CB4B4D-7CA3-9044-876B-883B54F8677D}" type="slidenum"/>
+            <a:fld id="{86CB4B4D-7CA3-9044-876B-883B54F8677D}" type="slidenum">
+              <a:t>‹#›</a:t>
+            </a:fld>
+            <a:endParaRPr/>
           </a:p>
         </p:txBody>
       </p:sp>
@@ -805,12 +822,12 @@
   <p:clrMapOvr>
     <a:masterClrMapping/>
   </p:clrMapOvr>
-  <p:transition xmlns:p14="http://schemas.microsoft.com/office/powerpoint/2010/main" spd="med" advClick="1"/>
+  <p:transition spd="med"/>
 </p:sldLayout>
 </file>
 
 <file path=ppt/slideLayouts/slideLayout11.xml><?xml version="1.0" encoding="utf-8"?>
-<p:sldLayout xmlns:a="http://schemas.openxmlformats.org/drawingml/2006/main" xmlns:r="http://schemas.openxmlformats.org/officeDocument/2006/relationships" xmlns:p="http://schemas.openxmlformats.org/presentationml/2006/main" xmlns:m="http://schemas.openxmlformats.org/officeDocument/2006/math" xmlns:a14="http://schemas.microsoft.com/office/drawing/2010/main" type="tx" showMasterSp="1" showMasterPhAnim="1">
+<p:sldLayout xmlns:a="http://schemas.openxmlformats.org/drawingml/2006/main" xmlns:r="http://schemas.openxmlformats.org/officeDocument/2006/relationships" xmlns:p="http://schemas.openxmlformats.org/presentationml/2006/main" type="tx">
   <p:cSld name="BLANK">
     <p:spTree>
       <p:nvGrpSpPr>
@@ -829,7 +846,9 @@
       <p:sp>
         <p:nvSpPr>
           <p:cNvPr id="100" name="Slide Number"/>
-          <p:cNvSpPr txBox="1"/>
+          <p:cNvSpPr txBox="1">
+            <a:spLocks noGrp="1"/>
+          </p:cNvSpPr>
           <p:nvPr>
             <p:ph type="sldNum" sz="quarter" idx="2"/>
           </p:nvPr>
@@ -843,8 +862,10 @@
           <a:bodyPr/>
           <a:lstStyle/>
           <a:p>
-            <a:pPr/>
-            <a:fld id="{86CB4B4D-7CA3-9044-876B-883B54F8677D}" type="slidenum"/>
+            <a:fld id="{86CB4B4D-7CA3-9044-876B-883B54F8677D}" type="slidenum">
+              <a:t>‹#›</a:t>
+            </a:fld>
+            <a:endParaRPr/>
           </a:p>
         </p:txBody>
       </p:sp>
@@ -853,12 +874,12 @@
   <p:clrMapOvr>
     <a:masterClrMapping/>
   </p:clrMapOvr>
-  <p:transition xmlns:p14="http://schemas.microsoft.com/office/powerpoint/2010/main" spd="med" advClick="1"/>
+  <p:transition spd="med"/>
 </p:sldLayout>
 </file>
 
 <file path=ppt/slideLayouts/slideLayout2.xml><?xml version="1.0" encoding="utf-8"?>
-<p:sldLayout xmlns:a="http://schemas.openxmlformats.org/drawingml/2006/main" xmlns:r="http://schemas.openxmlformats.org/officeDocument/2006/relationships" xmlns:p="http://schemas.openxmlformats.org/presentationml/2006/main" xmlns:m="http://schemas.openxmlformats.org/officeDocument/2006/math" xmlns:a14="http://schemas.microsoft.com/office/drawing/2010/main" type="tx" showMasterSp="1" showMasterPhAnim="1">
+<p:sldLayout xmlns:a="http://schemas.openxmlformats.org/drawingml/2006/main" xmlns:r="http://schemas.openxmlformats.org/officeDocument/2006/relationships" xmlns:p="http://schemas.openxmlformats.org/presentationml/2006/main" type="tx">
   <p:cSld name="SECTION_HEADER">
     <p:spTree>
       <p:nvGrpSpPr>
@@ -877,7 +898,9 @@
       <p:sp>
         <p:nvSpPr>
           <p:cNvPr id="20" name="Title Text"/>
-          <p:cNvSpPr txBox="1"/>
+          <p:cNvSpPr txBox="1">
+            <a:spLocks noGrp="1"/>
+          </p:cNvSpPr>
           <p:nvPr>
             <p:ph type="title"/>
           </p:nvPr>
@@ -899,7 +922,6 @@
             </a:lvl1pPr>
           </a:lstStyle>
           <a:p>
-            <a:pPr/>
             <a:r>
               <a:t>Title Text</a:t>
             </a:r>
@@ -909,7 +931,9 @@
       <p:sp>
         <p:nvSpPr>
           <p:cNvPr id="21" name="Slide Number"/>
-          <p:cNvSpPr txBox="1"/>
+          <p:cNvSpPr txBox="1">
+            <a:spLocks noGrp="1"/>
+          </p:cNvSpPr>
           <p:nvPr>
             <p:ph type="sldNum" sz="quarter" idx="2"/>
           </p:nvPr>
@@ -923,8 +947,10 @@
           <a:bodyPr/>
           <a:lstStyle/>
           <a:p>
-            <a:pPr/>
-            <a:fld id="{86CB4B4D-7CA3-9044-876B-883B54F8677D}" type="slidenum"/>
+            <a:fld id="{86CB4B4D-7CA3-9044-876B-883B54F8677D}" type="slidenum">
+              <a:t>‹#›</a:t>
+            </a:fld>
+            <a:endParaRPr/>
           </a:p>
         </p:txBody>
       </p:sp>
@@ -933,12 +959,12 @@
   <p:clrMapOvr>
     <a:masterClrMapping/>
   </p:clrMapOvr>
-  <p:transition xmlns:p14="http://schemas.microsoft.com/office/powerpoint/2010/main" spd="med" advClick="1"/>
+  <p:transition spd="med"/>
 </p:sldLayout>
 </file>
 
 <file path=ppt/slideLayouts/slideLayout3.xml><?xml version="1.0" encoding="utf-8"?>
-<p:sldLayout xmlns:a="http://schemas.openxmlformats.org/drawingml/2006/main" xmlns:r="http://schemas.openxmlformats.org/officeDocument/2006/relationships" xmlns:p="http://schemas.openxmlformats.org/presentationml/2006/main" xmlns:m="http://schemas.openxmlformats.org/officeDocument/2006/math" xmlns:a14="http://schemas.microsoft.com/office/drawing/2010/main" type="tx" showMasterSp="1" showMasterPhAnim="1">
+<p:sldLayout xmlns:a="http://schemas.openxmlformats.org/drawingml/2006/main" xmlns:r="http://schemas.openxmlformats.org/officeDocument/2006/relationships" xmlns:p="http://schemas.openxmlformats.org/presentationml/2006/main" type="tx">
   <p:cSld name="TITLE_AND_BODY">
     <p:spTree>
       <p:nvGrpSpPr>
@@ -957,7 +983,9 @@
       <p:sp>
         <p:nvSpPr>
           <p:cNvPr id="28" name="Title Text"/>
-          <p:cNvSpPr txBox="1"/>
+          <p:cNvSpPr txBox="1">
+            <a:spLocks noGrp="1"/>
+          </p:cNvSpPr>
           <p:nvPr>
             <p:ph type="title"/>
           </p:nvPr>
@@ -971,7 +999,6 @@
           <a:bodyPr/>
           <a:lstStyle/>
           <a:p>
-            <a:pPr/>
             <a:r>
               <a:t>Title Text</a:t>
             </a:r>
@@ -981,7 +1008,9 @@
       <p:sp>
         <p:nvSpPr>
           <p:cNvPr id="29" name="Body Level One…"/>
-          <p:cNvSpPr txBox="1"/>
+          <p:cNvSpPr txBox="1">
+            <a:spLocks noGrp="1"/>
+          </p:cNvSpPr>
           <p:nvPr>
             <p:ph type="body" idx="1"/>
           </p:nvPr>
@@ -995,7 +1024,6 @@
           <a:bodyPr/>
           <a:lstStyle/>
           <a:p>
-            <a:pPr/>
             <a:r>
               <a:t>Body Level One</a:t>
             </a:r>
@@ -1029,7 +1057,9 @@
       <p:sp>
         <p:nvSpPr>
           <p:cNvPr id="30" name="Slide Number"/>
-          <p:cNvSpPr txBox="1"/>
+          <p:cNvSpPr txBox="1">
+            <a:spLocks noGrp="1"/>
+          </p:cNvSpPr>
           <p:nvPr>
             <p:ph type="sldNum" sz="quarter" idx="2"/>
           </p:nvPr>
@@ -1043,8 +1073,10 @@
           <a:bodyPr/>
           <a:lstStyle/>
           <a:p>
-            <a:pPr/>
-            <a:fld id="{86CB4B4D-7CA3-9044-876B-883B54F8677D}" type="slidenum"/>
+            <a:fld id="{86CB4B4D-7CA3-9044-876B-883B54F8677D}" type="slidenum">
+              <a:t>‹#›</a:t>
+            </a:fld>
+            <a:endParaRPr/>
           </a:p>
         </p:txBody>
       </p:sp>
@@ -1053,12 +1085,12 @@
   <p:clrMapOvr>
     <a:masterClrMapping/>
   </p:clrMapOvr>
-  <p:transition xmlns:p14="http://schemas.microsoft.com/office/powerpoint/2010/main" spd="med" advClick="1"/>
+  <p:transition spd="med"/>
 </p:sldLayout>
 </file>
 
 <file path=ppt/slideLayouts/slideLayout4.xml><?xml version="1.0" encoding="utf-8"?>
-<p:sldLayout xmlns:a="http://schemas.openxmlformats.org/drawingml/2006/main" xmlns:r="http://schemas.openxmlformats.org/officeDocument/2006/relationships" xmlns:p="http://schemas.openxmlformats.org/presentationml/2006/main" xmlns:m="http://schemas.openxmlformats.org/officeDocument/2006/math" xmlns:a14="http://schemas.microsoft.com/office/drawing/2010/main" type="tx" showMasterSp="1" showMasterPhAnim="1">
+<p:sldLayout xmlns:a="http://schemas.openxmlformats.org/drawingml/2006/main" xmlns:r="http://schemas.openxmlformats.org/officeDocument/2006/relationships" xmlns:p="http://schemas.openxmlformats.org/presentationml/2006/main" type="tx">
   <p:cSld name="TITLE_AND_TWO_COLUMNS">
     <p:spTree>
       <p:nvGrpSpPr>
@@ -1077,7 +1109,9 @@
       <p:sp>
         <p:nvSpPr>
           <p:cNvPr id="37" name="Title Text"/>
-          <p:cNvSpPr txBox="1"/>
+          <p:cNvSpPr txBox="1">
+            <a:spLocks noGrp="1"/>
+          </p:cNvSpPr>
           <p:nvPr>
             <p:ph type="title"/>
           </p:nvPr>
@@ -1091,7 +1125,6 @@
           <a:bodyPr/>
           <a:lstStyle/>
           <a:p>
-            <a:pPr/>
             <a:r>
               <a:t>Title Text</a:t>
             </a:r>
@@ -1101,7 +1134,9 @@
       <p:sp>
         <p:nvSpPr>
           <p:cNvPr id="38" name="Body Level One…"/>
-          <p:cNvSpPr txBox="1"/>
+          <p:cNvSpPr txBox="1">
+            <a:spLocks noGrp="1"/>
+          </p:cNvSpPr>
           <p:nvPr>
             <p:ph type="body" sz="half" idx="1"/>
           </p:nvPr>
@@ -1140,7 +1175,6 @@
             </a:lvl5pPr>
           </a:lstStyle>
           <a:p>
-            <a:pPr/>
             <a:r>
               <a:t>Body Level One</a:t>
             </a:r>
@@ -1174,7 +1208,9 @@
       <p:sp>
         <p:nvSpPr>
           <p:cNvPr id="39" name="Google Shape;23;p5"/>
-          <p:cNvSpPr txBox="1"/>
+          <p:cNvSpPr txBox="1">
+            <a:spLocks noGrp="1"/>
+          </p:cNvSpPr>
           <p:nvPr>
             <p:ph type="body" sz="half" idx="21"/>
           </p:nvPr>
@@ -1201,13 +1237,16 @@
                 <a:sym typeface="Space Mono"/>
               </a:defRPr>
             </a:pPr>
+            <a:endParaRPr/>
           </a:p>
         </p:txBody>
       </p:sp>
       <p:sp>
         <p:nvSpPr>
           <p:cNvPr id="40" name="Slide Number"/>
-          <p:cNvSpPr txBox="1"/>
+          <p:cNvSpPr txBox="1">
+            <a:spLocks noGrp="1"/>
+          </p:cNvSpPr>
           <p:nvPr>
             <p:ph type="sldNum" sz="quarter" idx="2"/>
           </p:nvPr>
@@ -1221,8 +1260,10 @@
           <a:bodyPr/>
           <a:lstStyle/>
           <a:p>
-            <a:pPr/>
-            <a:fld id="{86CB4B4D-7CA3-9044-876B-883B54F8677D}" type="slidenum"/>
+            <a:fld id="{86CB4B4D-7CA3-9044-876B-883B54F8677D}" type="slidenum">
+              <a:t>‹#›</a:t>
+            </a:fld>
+            <a:endParaRPr/>
           </a:p>
         </p:txBody>
       </p:sp>
@@ -1231,12 +1272,12 @@
   <p:clrMapOvr>
     <a:masterClrMapping/>
   </p:clrMapOvr>
-  <p:transition xmlns:p14="http://schemas.microsoft.com/office/powerpoint/2010/main" spd="med" advClick="1"/>
+  <p:transition spd="med"/>
 </p:sldLayout>
 </file>
 
 <file path=ppt/slideLayouts/slideLayout5.xml><?xml version="1.0" encoding="utf-8"?>
-<p:sldLayout xmlns:a="http://schemas.openxmlformats.org/drawingml/2006/main" xmlns:r="http://schemas.openxmlformats.org/officeDocument/2006/relationships" xmlns:p="http://schemas.openxmlformats.org/presentationml/2006/main" xmlns:m="http://schemas.openxmlformats.org/officeDocument/2006/math" xmlns:a14="http://schemas.microsoft.com/office/drawing/2010/main" type="tx" showMasterSp="1" showMasterPhAnim="1">
+<p:sldLayout xmlns:a="http://schemas.openxmlformats.org/drawingml/2006/main" xmlns:r="http://schemas.openxmlformats.org/officeDocument/2006/relationships" xmlns:p="http://schemas.openxmlformats.org/presentationml/2006/main" type="tx">
   <p:cSld name="TITLE_ONLY">
     <p:spTree>
       <p:nvGrpSpPr>
@@ -1255,7 +1296,9 @@
       <p:sp>
         <p:nvSpPr>
           <p:cNvPr id="47" name="Title Text"/>
-          <p:cNvSpPr txBox="1"/>
+          <p:cNvSpPr txBox="1">
+            <a:spLocks noGrp="1"/>
+          </p:cNvSpPr>
           <p:nvPr>
             <p:ph type="title"/>
           </p:nvPr>
@@ -1269,7 +1312,6 @@
           <a:bodyPr/>
           <a:lstStyle/>
           <a:p>
-            <a:pPr/>
             <a:r>
               <a:t>Title Text</a:t>
             </a:r>
@@ -1279,7 +1321,9 @@
       <p:sp>
         <p:nvSpPr>
           <p:cNvPr id="48" name="Slide Number"/>
-          <p:cNvSpPr txBox="1"/>
+          <p:cNvSpPr txBox="1">
+            <a:spLocks noGrp="1"/>
+          </p:cNvSpPr>
           <p:nvPr>
             <p:ph type="sldNum" sz="quarter" idx="2"/>
           </p:nvPr>
@@ -1293,8 +1337,10 @@
           <a:bodyPr/>
           <a:lstStyle/>
           <a:p>
-            <a:pPr/>
-            <a:fld id="{86CB4B4D-7CA3-9044-876B-883B54F8677D}" type="slidenum"/>
+            <a:fld id="{86CB4B4D-7CA3-9044-876B-883B54F8677D}" type="slidenum">
+              <a:t>‹#›</a:t>
+            </a:fld>
+            <a:endParaRPr/>
           </a:p>
         </p:txBody>
       </p:sp>
@@ -1303,12 +1349,12 @@
   <p:clrMapOvr>
     <a:masterClrMapping/>
   </p:clrMapOvr>
-  <p:transition xmlns:p14="http://schemas.microsoft.com/office/powerpoint/2010/main" spd="med" advClick="1"/>
+  <p:transition spd="med"/>
 </p:sldLayout>
 </file>
 
 <file path=ppt/slideLayouts/slideLayout6.xml><?xml version="1.0" encoding="utf-8"?>
-<p:sldLayout xmlns:a="http://schemas.openxmlformats.org/drawingml/2006/main" xmlns:r="http://schemas.openxmlformats.org/officeDocument/2006/relationships" xmlns:p="http://schemas.openxmlformats.org/presentationml/2006/main" xmlns:m="http://schemas.openxmlformats.org/officeDocument/2006/math" xmlns:a14="http://schemas.microsoft.com/office/drawing/2010/main" type="tx" showMasterSp="1" showMasterPhAnim="1">
+<p:sldLayout xmlns:a="http://schemas.openxmlformats.org/drawingml/2006/main" xmlns:r="http://schemas.openxmlformats.org/officeDocument/2006/relationships" xmlns:p="http://schemas.openxmlformats.org/presentationml/2006/main" type="tx">
   <p:cSld name="ONE_COLUMN_TEXT">
     <p:spTree>
       <p:nvGrpSpPr>
@@ -1327,7 +1373,9 @@
       <p:sp>
         <p:nvSpPr>
           <p:cNvPr id="55" name="Title Text"/>
-          <p:cNvSpPr txBox="1"/>
+          <p:cNvSpPr txBox="1">
+            <a:spLocks noGrp="1"/>
+          </p:cNvSpPr>
           <p:nvPr>
             <p:ph type="title"/>
           </p:nvPr>
@@ -1349,7 +1397,6 @@
             </a:lvl1pPr>
           </a:lstStyle>
           <a:p>
-            <a:pPr/>
             <a:r>
               <a:t>Title Text</a:t>
             </a:r>
@@ -1359,7 +1406,9 @@
       <p:sp>
         <p:nvSpPr>
           <p:cNvPr id="56" name="Body Level One…"/>
-          <p:cNvSpPr txBox="1"/>
+          <p:cNvSpPr txBox="1">
+            <a:spLocks noGrp="1"/>
+          </p:cNvSpPr>
           <p:nvPr>
             <p:ph type="body" sz="quarter" idx="1"/>
           </p:nvPr>
@@ -1398,7 +1447,6 @@
             </a:lvl5pPr>
           </a:lstStyle>
           <a:p>
-            <a:pPr/>
             <a:r>
               <a:t>Body Level One</a:t>
             </a:r>
@@ -1432,7 +1480,9 @@
       <p:sp>
         <p:nvSpPr>
           <p:cNvPr id="57" name="Slide Number"/>
-          <p:cNvSpPr txBox="1"/>
+          <p:cNvSpPr txBox="1">
+            <a:spLocks noGrp="1"/>
+          </p:cNvSpPr>
           <p:nvPr>
             <p:ph type="sldNum" sz="quarter" idx="2"/>
           </p:nvPr>
@@ -1446,8 +1496,10 @@
           <a:bodyPr/>
           <a:lstStyle/>
           <a:p>
-            <a:pPr/>
-            <a:fld id="{86CB4B4D-7CA3-9044-876B-883B54F8677D}" type="slidenum"/>
+            <a:fld id="{86CB4B4D-7CA3-9044-876B-883B54F8677D}" type="slidenum">
+              <a:t>‹#›</a:t>
+            </a:fld>
+            <a:endParaRPr/>
           </a:p>
         </p:txBody>
       </p:sp>
@@ -1456,12 +1508,12 @@
   <p:clrMapOvr>
     <a:masterClrMapping/>
   </p:clrMapOvr>
-  <p:transition xmlns:p14="http://schemas.microsoft.com/office/powerpoint/2010/main" spd="med" advClick="1"/>
+  <p:transition spd="med"/>
 </p:sldLayout>
 </file>
 
 <file path=ppt/slideLayouts/slideLayout7.xml><?xml version="1.0" encoding="utf-8"?>
-<p:sldLayout xmlns:a="http://schemas.openxmlformats.org/drawingml/2006/main" xmlns:r="http://schemas.openxmlformats.org/officeDocument/2006/relationships" xmlns:p="http://schemas.openxmlformats.org/presentationml/2006/main" xmlns:m="http://schemas.openxmlformats.org/officeDocument/2006/math" xmlns:a14="http://schemas.microsoft.com/office/drawing/2010/main" type="tx" showMasterSp="1" showMasterPhAnim="1">
+<p:sldLayout xmlns:a="http://schemas.openxmlformats.org/drawingml/2006/main" xmlns:r="http://schemas.openxmlformats.org/officeDocument/2006/relationships" xmlns:p="http://schemas.openxmlformats.org/presentationml/2006/main" type="tx">
   <p:cSld name="MAIN_POINT">
     <p:spTree>
       <p:nvGrpSpPr>
@@ -1480,7 +1532,9 @@
       <p:sp>
         <p:nvSpPr>
           <p:cNvPr id="64" name="Title Text"/>
-          <p:cNvSpPr txBox="1"/>
+          <p:cNvSpPr txBox="1">
+            <a:spLocks noGrp="1"/>
+          </p:cNvSpPr>
           <p:nvPr>
             <p:ph type="title"/>
           </p:nvPr>
@@ -1512,7 +1566,6 @@
             </a:lvl1pPr>
           </a:lstStyle>
           <a:p>
-            <a:pPr/>
             <a:r>
               <a:t>Title Text</a:t>
             </a:r>
@@ -1522,7 +1575,9 @@
       <p:sp>
         <p:nvSpPr>
           <p:cNvPr id="65" name="Slide Number"/>
-          <p:cNvSpPr txBox="1"/>
+          <p:cNvSpPr txBox="1">
+            <a:spLocks noGrp="1"/>
+          </p:cNvSpPr>
           <p:nvPr>
             <p:ph type="sldNum" sz="quarter" idx="2"/>
           </p:nvPr>
@@ -1536,8 +1591,10 @@
           <a:bodyPr/>
           <a:lstStyle/>
           <a:p>
-            <a:pPr/>
-            <a:fld id="{86CB4B4D-7CA3-9044-876B-883B54F8677D}" type="slidenum"/>
+            <a:fld id="{86CB4B4D-7CA3-9044-876B-883B54F8677D}" type="slidenum">
+              <a:t>‹#›</a:t>
+            </a:fld>
+            <a:endParaRPr/>
           </a:p>
         </p:txBody>
       </p:sp>
@@ -1546,12 +1603,12 @@
   <p:clrMapOvr>
     <a:masterClrMapping/>
   </p:clrMapOvr>
-  <p:transition xmlns:p14="http://schemas.microsoft.com/office/powerpoint/2010/main" spd="med" advClick="1"/>
+  <p:transition spd="med"/>
 </p:sldLayout>
 </file>
 
 <file path=ppt/slideLayouts/slideLayout8.xml><?xml version="1.0" encoding="utf-8"?>
-<p:sldLayout xmlns:a="http://schemas.openxmlformats.org/drawingml/2006/main" xmlns:r="http://schemas.openxmlformats.org/officeDocument/2006/relationships" xmlns:p="http://schemas.openxmlformats.org/presentationml/2006/main" xmlns:m="http://schemas.openxmlformats.org/officeDocument/2006/math" xmlns:a14="http://schemas.microsoft.com/office/drawing/2010/main" type="tx" showMasterSp="1" showMasterPhAnim="1">
+<p:sldLayout xmlns:a="http://schemas.openxmlformats.org/drawingml/2006/main" xmlns:r="http://schemas.openxmlformats.org/officeDocument/2006/relationships" xmlns:p="http://schemas.openxmlformats.org/presentationml/2006/main" type="tx">
   <p:cSld name="SECTION_TITLE_AND_DESCRIPTION">
     <p:spTree>
       <p:nvGrpSpPr>
@@ -1606,13 +1663,16 @@
                 <a:sym typeface="Arial"/>
               </a:defRPr>
             </a:pPr>
+            <a:endParaRPr/>
           </a:p>
         </p:txBody>
       </p:sp>
       <p:sp>
         <p:nvSpPr>
           <p:cNvPr id="73" name="Title Text"/>
-          <p:cNvSpPr txBox="1"/>
+          <p:cNvSpPr txBox="1">
+            <a:spLocks noGrp="1"/>
+          </p:cNvSpPr>
           <p:nvPr>
             <p:ph type="title"/>
           </p:nvPr>
@@ -1642,7 +1702,6 @@
             </a:lvl1pPr>
           </a:lstStyle>
           <a:p>
-            <a:pPr/>
             <a:r>
               <a:t>Title Text</a:t>
             </a:r>
@@ -1652,7 +1711,9 @@
       <p:sp>
         <p:nvSpPr>
           <p:cNvPr id="74" name="Body Level One…"/>
-          <p:cNvSpPr txBox="1"/>
+          <p:cNvSpPr txBox="1">
+            <a:spLocks noGrp="1"/>
+          </p:cNvSpPr>
           <p:nvPr>
             <p:ph type="body" sz="quarter" idx="1"/>
           </p:nvPr>
@@ -1721,7 +1782,6 @@
             </a:lvl5pPr>
           </a:lstStyle>
           <a:p>
-            <a:pPr/>
             <a:r>
               <a:t>Body Level One</a:t>
             </a:r>
@@ -1755,7 +1815,9 @@
       <p:sp>
         <p:nvSpPr>
           <p:cNvPr id="75" name="Google Shape;39;p9"/>
-          <p:cNvSpPr txBox="1"/>
+          <p:cNvSpPr txBox="1">
+            <a:spLocks noGrp="1"/>
+          </p:cNvSpPr>
           <p:nvPr>
             <p:ph type="body" sz="half" idx="21"/>
           </p:nvPr>
@@ -1781,13 +1843,16 @@
                 <a:sym typeface="Space Mono"/>
               </a:defRPr>
             </a:pPr>
+            <a:endParaRPr/>
           </a:p>
         </p:txBody>
       </p:sp>
       <p:sp>
         <p:nvSpPr>
           <p:cNvPr id="76" name="Slide Number"/>
-          <p:cNvSpPr txBox="1"/>
+          <p:cNvSpPr txBox="1">
+            <a:spLocks noGrp="1"/>
+          </p:cNvSpPr>
           <p:nvPr>
             <p:ph type="sldNum" sz="quarter" idx="2"/>
           </p:nvPr>
@@ -1801,8 +1866,10 @@
           <a:bodyPr/>
           <a:lstStyle/>
           <a:p>
-            <a:pPr/>
-            <a:fld id="{86CB4B4D-7CA3-9044-876B-883B54F8677D}" type="slidenum"/>
+            <a:fld id="{86CB4B4D-7CA3-9044-876B-883B54F8677D}" type="slidenum">
+              <a:t>‹#›</a:t>
+            </a:fld>
+            <a:endParaRPr/>
           </a:p>
         </p:txBody>
       </p:sp>
@@ -1811,12 +1878,12 @@
   <p:clrMapOvr>
     <a:masterClrMapping/>
   </p:clrMapOvr>
-  <p:transition xmlns:p14="http://schemas.microsoft.com/office/powerpoint/2010/main" spd="med" advClick="1"/>
+  <p:transition spd="med"/>
 </p:sldLayout>
 </file>
 
 <file path=ppt/slideLayouts/slideLayout9.xml><?xml version="1.0" encoding="utf-8"?>
-<p:sldLayout xmlns:a="http://schemas.openxmlformats.org/drawingml/2006/main" xmlns:r="http://schemas.openxmlformats.org/officeDocument/2006/relationships" xmlns:p="http://schemas.openxmlformats.org/presentationml/2006/main" xmlns:m="http://schemas.openxmlformats.org/officeDocument/2006/math" xmlns:a14="http://schemas.microsoft.com/office/drawing/2010/main" type="tx" showMasterSp="1" showMasterPhAnim="1">
+<p:sldLayout xmlns:a="http://schemas.openxmlformats.org/drawingml/2006/main" xmlns:r="http://schemas.openxmlformats.org/officeDocument/2006/relationships" xmlns:p="http://schemas.openxmlformats.org/presentationml/2006/main" type="tx">
   <p:cSld name="CAPTION_ONLY">
     <p:spTree>
       <p:nvGrpSpPr>
@@ -1835,7 +1902,9 @@
       <p:sp>
         <p:nvSpPr>
           <p:cNvPr id="83" name="Body Level One…"/>
-          <p:cNvSpPr txBox="1"/>
+          <p:cNvSpPr txBox="1">
+            <a:spLocks noGrp="1"/>
+          </p:cNvSpPr>
           <p:nvPr>
             <p:ph type="body" sz="quarter" idx="1"/>
           </p:nvPr>
@@ -1891,7 +1960,6 @@
             </a:lvl5pPr>
           </a:lstStyle>
           <a:p>
-            <a:pPr/>
             <a:r>
               <a:t>Body Level One</a:t>
             </a:r>
@@ -1925,7 +1993,9 @@
       <p:sp>
         <p:nvSpPr>
           <p:cNvPr id="84" name="Slide Number"/>
-          <p:cNvSpPr txBox="1"/>
+          <p:cNvSpPr txBox="1">
+            <a:spLocks noGrp="1"/>
+          </p:cNvSpPr>
           <p:nvPr>
             <p:ph type="sldNum" sz="quarter" idx="2"/>
           </p:nvPr>
@@ -1939,8 +2009,10 @@
           <a:bodyPr/>
           <a:lstStyle/>
           <a:p>
-            <a:pPr/>
-            <a:fld id="{86CB4B4D-7CA3-9044-876B-883B54F8677D}" type="slidenum"/>
+            <a:fld id="{86CB4B4D-7CA3-9044-876B-883B54F8677D}" type="slidenum">
+              <a:t>‹#›</a:t>
+            </a:fld>
+            <a:endParaRPr/>
           </a:p>
         </p:txBody>
       </p:sp>
@@ -1949,18 +2021,19 @@
   <p:clrMapOvr>
     <a:masterClrMapping/>
   </p:clrMapOvr>
-  <p:transition xmlns:p14="http://schemas.microsoft.com/office/powerpoint/2010/main" spd="med" advClick="1"/>
+  <p:transition spd="med"/>
 </p:sldLayout>
 </file>
 
 <file path=ppt/slideMasters/slideMaster1.xml><?xml version="1.0" encoding="utf-8"?>
-<p:sldMaster xmlns:a="http://schemas.openxmlformats.org/drawingml/2006/main" xmlns:r="http://schemas.openxmlformats.org/officeDocument/2006/relationships" xmlns:p="http://schemas.openxmlformats.org/presentationml/2006/main" xmlns:m="http://schemas.openxmlformats.org/officeDocument/2006/math" xmlns:a14="http://schemas.microsoft.com/office/drawing/2010/main">
+<p:sldMaster xmlns:a="http://schemas.openxmlformats.org/drawingml/2006/main" xmlns:r="http://schemas.openxmlformats.org/officeDocument/2006/relationships" xmlns:p="http://schemas.openxmlformats.org/presentationml/2006/main">
   <p:cSld>
     <p:bg>
       <p:bgPr>
         <a:solidFill>
           <a:srgbClr val="FFFFFF"/>
         </a:solidFill>
+        <a:effectLst/>
       </p:bgPr>
     </p:bg>
     <p:spTree>
@@ -1980,7 +2053,9 @@
       <p:sp>
         <p:nvSpPr>
           <p:cNvPr id="2" name="Title Text"/>
-          <p:cNvSpPr txBox="1"/>
+          <p:cNvSpPr txBox="1">
+            <a:spLocks noGrp="1"/>
+          </p:cNvSpPr>
           <p:nvPr>
             <p:ph type="title"/>
           </p:nvPr>
@@ -1998,17 +2073,16 @@
           </a:ln>
           <a:extLst>
             <a:ext uri="{C572A759-6A51-4108-AA02-DFA0A04FC94B}">
-              <ma14:wrappingTextBoxFlag xmlns:ma14="http://schemas.microsoft.com/office/mac/drawingml/2011/main" val="1"/>
+              <ma14:wrappingTextBoxFlag xmlns:ma14="http://schemas.microsoft.com/office/mac/drawingml/2011/main" xmlns:a14="http://schemas.microsoft.com/office/drawing/2010/main" xmlns:m="http://schemas.openxmlformats.org/officeDocument/2006/math" xmlns="" val="1"/>
             </a:ext>
           </a:extLst>
         </p:spPr>
         <p:txBody>
           <a:bodyPr lIns="91424" tIns="91424" rIns="91424" bIns="91424">
-            <a:normAutofit fontScale="100000" lnSpcReduction="0"/>
+            <a:normAutofit/>
           </a:bodyPr>
           <a:lstStyle/>
           <a:p>
-            <a:pPr/>
             <a:r>
               <a:t>Title Text</a:t>
             </a:r>
@@ -2018,7 +2092,9 @@
       <p:sp>
         <p:nvSpPr>
           <p:cNvPr id="3" name="Body Level One…"/>
-          <p:cNvSpPr txBox="1"/>
+          <p:cNvSpPr txBox="1">
+            <a:spLocks noGrp="1"/>
+          </p:cNvSpPr>
           <p:nvPr>
             <p:ph type="body" idx="1"/>
           </p:nvPr>
@@ -2036,17 +2112,16 @@
           </a:ln>
           <a:extLst>
             <a:ext uri="{C572A759-6A51-4108-AA02-DFA0A04FC94B}">
-              <ma14:wrappingTextBoxFlag xmlns:ma14="http://schemas.microsoft.com/office/mac/drawingml/2011/main" val="1"/>
+              <ma14:wrappingTextBoxFlag xmlns:ma14="http://schemas.microsoft.com/office/mac/drawingml/2011/main" xmlns:a14="http://schemas.microsoft.com/office/drawing/2010/main" xmlns:m="http://schemas.openxmlformats.org/officeDocument/2006/math" xmlns="" val="1"/>
             </a:ext>
           </a:extLst>
         </p:spPr>
         <p:txBody>
           <a:bodyPr lIns="91424" tIns="91424" rIns="91424" bIns="91424">
-            <a:normAutofit fontScale="100000" lnSpcReduction="0"/>
+            <a:normAutofit/>
           </a:bodyPr>
           <a:lstStyle/>
           <a:p>
-            <a:pPr/>
             <a:r>
               <a:t>Body Level One</a:t>
             </a:r>
@@ -2080,7 +2155,9 @@
       <p:sp>
         <p:nvSpPr>
           <p:cNvPr id="4" name="Slide Number"/>
-          <p:cNvSpPr txBox="1"/>
+          <p:cNvSpPr txBox="1">
+            <a:spLocks noGrp="1"/>
+          </p:cNvSpPr>
           <p:nvPr>
             <p:ph type="sldNum" sz="quarter" idx="2"/>
           </p:nvPr>
@@ -2099,7 +2176,7 @@
         </p:spPr>
         <p:txBody>
           <a:bodyPr wrap="none" lIns="91424" tIns="91424" rIns="91424" bIns="91424" anchor="ctr">
-            <a:normAutofit fontScale="100000" lnSpcReduction="0"/>
+            <a:normAutofit/>
           </a:bodyPr>
           <a:lstStyle>
             <a:lvl1pPr>
@@ -2120,8 +2197,10 @@
             </a:lvl1pPr>
           </a:lstStyle>
           <a:p>
-            <a:pPr/>
-            <a:fld id="{86CB4B4D-7CA3-9044-876B-883B54F8677D}" type="slidenum"/>
+            <a:fld id="{86CB4B4D-7CA3-9044-876B-883B54F8677D}" type="slidenum">
+              <a:t>‹#›</a:t>
+            </a:fld>
+            <a:endParaRPr/>
           </a:p>
         </p:txBody>
       </p:sp>
@@ -2129,19 +2208,19 @@
   </p:cSld>
   <p:clrMap bg1="lt1" tx1="dk1" bg2="lt2" tx2="dk2" accent1="accent1" accent2="accent2" accent3="accent3" accent4="accent4" accent5="accent5" accent6="accent6" hlink="hlink" folHlink="folHlink"/>
   <p:sldLayoutIdLst>
-    <p:sldLayoutId id="2147483649" r:id="rId2"/>
-    <p:sldLayoutId id="2147483650" r:id="rId3"/>
-    <p:sldLayoutId id="2147483651" r:id="rId4"/>
-    <p:sldLayoutId id="2147483652" r:id="rId5"/>
-    <p:sldLayoutId id="2147483653" r:id="rId6"/>
-    <p:sldLayoutId id="2147483654" r:id="rId7"/>
-    <p:sldLayoutId id="2147483655" r:id="rId8"/>
-    <p:sldLayoutId id="2147483656" r:id="rId9"/>
-    <p:sldLayoutId id="2147483657" r:id="rId10"/>
-    <p:sldLayoutId id="2147483658" r:id="rId11"/>
-    <p:sldLayoutId id="2147483659" r:id="rId12"/>
+    <p:sldLayoutId id="2147483649" r:id="rId1"/>
+    <p:sldLayoutId id="2147483650" r:id="rId2"/>
+    <p:sldLayoutId id="2147483651" r:id="rId3"/>
+    <p:sldLayoutId id="2147483652" r:id="rId4"/>
+    <p:sldLayoutId id="2147483653" r:id="rId5"/>
+    <p:sldLayoutId id="2147483654" r:id="rId6"/>
+    <p:sldLayoutId id="2147483655" r:id="rId7"/>
+    <p:sldLayoutId id="2147483656" r:id="rId8"/>
+    <p:sldLayoutId id="2147483657" r:id="rId9"/>
+    <p:sldLayoutId id="2147483658" r:id="rId10"/>
+    <p:sldLayoutId id="2147483659" r:id="rId11"/>
   </p:sldLayoutIdLst>
-  <p:transition xmlns:p14="http://schemas.microsoft.com/office/powerpoint/2010/main" spd="med" advClick="1"/>
+  <p:transition spd="med"/>
   <p:txStyles>
     <p:titleStyle>
       <a:lvl1pPr marL="0" marR="0" indent="0" algn="l" defTabSz="914400" rtl="0" latinLnBrk="0">
@@ -2159,7 +2238,7 @@
         <a:buFontTx/>
         <a:buNone/>
         <a:tabLst/>
-        <a:defRPr b="0" baseline="0" cap="none" i="0" spc="0" strike="noStrike" sz="2800" u="none">
+        <a:defRPr sz="2800" b="0" i="0" u="none" strike="noStrike" cap="none" spc="0" baseline="0">
           <a:solidFill>
             <a:srgbClr val="000000"/>
           </a:solidFill>
@@ -2185,7 +2264,7 @@
         <a:buFontTx/>
         <a:buNone/>
         <a:tabLst/>
-        <a:defRPr b="0" baseline="0" cap="none" i="0" spc="0" strike="noStrike" sz="2800" u="none">
+        <a:defRPr sz="2800" b="0" i="0" u="none" strike="noStrike" cap="none" spc="0" baseline="0">
           <a:solidFill>
             <a:srgbClr val="000000"/>
           </a:solidFill>
@@ -2211,7 +2290,7 @@
         <a:buFontTx/>
         <a:buNone/>
         <a:tabLst/>
-        <a:defRPr b="0" baseline="0" cap="none" i="0" spc="0" strike="noStrike" sz="2800" u="none">
+        <a:defRPr sz="2800" b="0" i="0" u="none" strike="noStrike" cap="none" spc="0" baseline="0">
           <a:solidFill>
             <a:srgbClr val="000000"/>
           </a:solidFill>
@@ -2237,7 +2316,7 @@
         <a:buFontTx/>
         <a:buNone/>
         <a:tabLst/>
-        <a:defRPr b="0" baseline="0" cap="none" i="0" spc="0" strike="noStrike" sz="2800" u="none">
+        <a:defRPr sz="2800" b="0" i="0" u="none" strike="noStrike" cap="none" spc="0" baseline="0">
           <a:solidFill>
             <a:srgbClr val="000000"/>
           </a:solidFill>
@@ -2263,7 +2342,7 @@
         <a:buFontTx/>
         <a:buNone/>
         <a:tabLst/>
-        <a:defRPr b="0" baseline="0" cap="none" i="0" spc="0" strike="noStrike" sz="2800" u="none">
+        <a:defRPr sz="2800" b="0" i="0" u="none" strike="noStrike" cap="none" spc="0" baseline="0">
           <a:solidFill>
             <a:srgbClr val="000000"/>
           </a:solidFill>
@@ -2289,7 +2368,7 @@
         <a:buFontTx/>
         <a:buNone/>
         <a:tabLst/>
-        <a:defRPr b="0" baseline="0" cap="none" i="0" spc="0" strike="noStrike" sz="2800" u="none">
+        <a:defRPr sz="2800" b="0" i="0" u="none" strike="noStrike" cap="none" spc="0" baseline="0">
           <a:solidFill>
             <a:srgbClr val="000000"/>
           </a:solidFill>
@@ -2315,7 +2394,7 @@
         <a:buFontTx/>
         <a:buNone/>
         <a:tabLst/>
-        <a:defRPr b="0" baseline="0" cap="none" i="0" spc="0" strike="noStrike" sz="2800" u="none">
+        <a:defRPr sz="2800" b="0" i="0" u="none" strike="noStrike" cap="none" spc="0" baseline="0">
           <a:solidFill>
             <a:srgbClr val="000000"/>
           </a:solidFill>
@@ -2341,7 +2420,7 @@
         <a:buFontTx/>
         <a:buNone/>
         <a:tabLst/>
-        <a:defRPr b="0" baseline="0" cap="none" i="0" spc="0" strike="noStrike" sz="2800" u="none">
+        <a:defRPr sz="2800" b="0" i="0" u="none" strike="noStrike" cap="none" spc="0" baseline="0">
           <a:solidFill>
             <a:srgbClr val="000000"/>
           </a:solidFill>
@@ -2367,7 +2446,7 @@
         <a:buFontTx/>
         <a:buNone/>
         <a:tabLst/>
-        <a:defRPr b="0" baseline="0" cap="none" i="0" spc="0" strike="noStrike" sz="2800" u="none">
+        <a:defRPr sz="2800" b="0" i="0" u="none" strike="noStrike" cap="none" spc="0" baseline="0">
           <a:solidFill>
             <a:srgbClr val="000000"/>
           </a:solidFill>
@@ -2399,7 +2478,7 @@
         <a:buFont typeface="Arial"/>
         <a:buChar char="●"/>
         <a:tabLst/>
-        <a:defRPr b="0" baseline="0" cap="none" i="0" spc="0" strike="noStrike" sz="1800" u="none">
+        <a:defRPr sz="1800" b="0" i="0" u="none" strike="noStrike" cap="none" spc="0" baseline="0">
           <a:solidFill>
             <a:schemeClr val="accent2">
               <a:lumOff val="21764"/>
@@ -2431,7 +2510,7 @@
         <a:buFont typeface="Arial"/>
         <a:buChar char="○"/>
         <a:tabLst/>
-        <a:defRPr b="0" baseline="0" cap="none" i="0" spc="0" strike="noStrike" sz="1800" u="none">
+        <a:defRPr sz="1800" b="0" i="0" u="none" strike="noStrike" cap="none" spc="0" baseline="0">
           <a:solidFill>
             <a:schemeClr val="accent2">
               <a:lumOff val="21764"/>
@@ -2463,7 +2542,7 @@
         <a:buFont typeface="Arial"/>
         <a:buChar char="■"/>
         <a:tabLst/>
-        <a:defRPr b="0" baseline="0" cap="none" i="0" spc="0" strike="noStrike" sz="1800" u="none">
+        <a:defRPr sz="1800" b="0" i="0" u="none" strike="noStrike" cap="none" spc="0" baseline="0">
           <a:solidFill>
             <a:schemeClr val="accent2">
               <a:lumOff val="21764"/>
@@ -2495,7 +2574,7 @@
         <a:buFont typeface="Arial"/>
         <a:buChar char="●"/>
         <a:tabLst/>
-        <a:defRPr b="0" baseline="0" cap="none" i="0" spc="0" strike="noStrike" sz="1800" u="none">
+        <a:defRPr sz="1800" b="0" i="0" u="none" strike="noStrike" cap="none" spc="0" baseline="0">
           <a:solidFill>
             <a:schemeClr val="accent2">
               <a:lumOff val="21764"/>
@@ -2527,7 +2606,7 @@
         <a:buFont typeface="Arial"/>
         <a:buChar char="○"/>
         <a:tabLst/>
-        <a:defRPr b="0" baseline="0" cap="none" i="0" spc="0" strike="noStrike" sz="1800" u="none">
+        <a:defRPr sz="1800" b="0" i="0" u="none" strike="noStrike" cap="none" spc="0" baseline="0">
           <a:solidFill>
             <a:schemeClr val="accent2">
               <a:lumOff val="21764"/>
@@ -2559,7 +2638,7 @@
         <a:buFont typeface="Arial"/>
         <a:buChar char="■"/>
         <a:tabLst/>
-        <a:defRPr b="0" baseline="0" cap="none" i="0" spc="0" strike="noStrike" sz="1800" u="none">
+        <a:defRPr sz="1800" b="0" i="0" u="none" strike="noStrike" cap="none" spc="0" baseline="0">
           <a:solidFill>
             <a:schemeClr val="accent2">
               <a:lumOff val="21764"/>
@@ -2591,7 +2670,7 @@
         <a:buFont typeface="Arial"/>
         <a:buChar char="●"/>
         <a:tabLst/>
-        <a:defRPr b="0" baseline="0" cap="none" i="0" spc="0" strike="noStrike" sz="1800" u="none">
+        <a:defRPr sz="1800" b="0" i="0" u="none" strike="noStrike" cap="none" spc="0" baseline="0">
           <a:solidFill>
             <a:schemeClr val="accent2">
               <a:lumOff val="21764"/>
@@ -2623,7 +2702,7 @@
         <a:buFont typeface="Arial"/>
         <a:buChar char="○"/>
         <a:tabLst/>
-        <a:defRPr b="0" baseline="0" cap="none" i="0" spc="0" strike="noStrike" sz="1800" u="none">
+        <a:defRPr sz="1800" b="0" i="0" u="none" strike="noStrike" cap="none" spc="0" baseline="0">
           <a:solidFill>
             <a:schemeClr val="accent2">
               <a:lumOff val="21764"/>
@@ -2655,7 +2734,7 @@
         <a:buFont typeface="Arial"/>
         <a:buChar char="■"/>
         <a:tabLst/>
-        <a:defRPr b="0" baseline="0" cap="none" i="0" spc="0" strike="noStrike" sz="1800" u="none">
+        <a:defRPr sz="1800" b="0" i="0" u="none" strike="noStrike" cap="none" spc="0" baseline="0">
           <a:solidFill>
             <a:schemeClr val="accent2">
               <a:lumOff val="21764"/>
@@ -2685,7 +2764,7 @@
         <a:buFontTx/>
         <a:buNone/>
         <a:tabLst/>
-        <a:defRPr b="0" baseline="0" cap="none" i="0" spc="0" strike="noStrike" sz="1000" u="none">
+        <a:defRPr sz="1000" b="0" i="0" u="none" strike="noStrike" cap="none" spc="0" baseline="0">
           <a:solidFill>
             <a:schemeClr val="tx1"/>
           </a:solidFill>
@@ -2711,7 +2790,7 @@
         <a:buFontTx/>
         <a:buNone/>
         <a:tabLst/>
-        <a:defRPr b="0" baseline="0" cap="none" i="0" spc="0" strike="noStrike" sz="1000" u="none">
+        <a:defRPr sz="1000" b="0" i="0" u="none" strike="noStrike" cap="none" spc="0" baseline="0">
           <a:solidFill>
             <a:schemeClr val="tx1"/>
           </a:solidFill>
@@ -2737,7 +2816,7 @@
         <a:buFontTx/>
         <a:buNone/>
         <a:tabLst/>
-        <a:defRPr b="0" baseline="0" cap="none" i="0" spc="0" strike="noStrike" sz="1000" u="none">
+        <a:defRPr sz="1000" b="0" i="0" u="none" strike="noStrike" cap="none" spc="0" baseline="0">
           <a:solidFill>
             <a:schemeClr val="tx1"/>
           </a:solidFill>
@@ -2763,7 +2842,7 @@
         <a:buFontTx/>
         <a:buNone/>
         <a:tabLst/>
-        <a:defRPr b="0" baseline="0" cap="none" i="0" spc="0" strike="noStrike" sz="1000" u="none">
+        <a:defRPr sz="1000" b="0" i="0" u="none" strike="noStrike" cap="none" spc="0" baseline="0">
           <a:solidFill>
             <a:schemeClr val="tx1"/>
           </a:solidFill>
@@ -2789,7 +2868,7 @@
         <a:buFontTx/>
         <a:buNone/>
         <a:tabLst/>
-        <a:defRPr b="0" baseline="0" cap="none" i="0" spc="0" strike="noStrike" sz="1000" u="none">
+        <a:defRPr sz="1000" b="0" i="0" u="none" strike="noStrike" cap="none" spc="0" baseline="0">
           <a:solidFill>
             <a:schemeClr val="tx1"/>
           </a:solidFill>
@@ -2815,7 +2894,7 @@
         <a:buFontTx/>
         <a:buNone/>
         <a:tabLst/>
-        <a:defRPr b="0" baseline="0" cap="none" i="0" spc="0" strike="noStrike" sz="1000" u="none">
+        <a:defRPr sz="1000" b="0" i="0" u="none" strike="noStrike" cap="none" spc="0" baseline="0">
           <a:solidFill>
             <a:schemeClr val="tx1"/>
           </a:solidFill>
@@ -2841,7 +2920,7 @@
         <a:buFontTx/>
         <a:buNone/>
         <a:tabLst/>
-        <a:defRPr b="0" baseline="0" cap="none" i="0" spc="0" strike="noStrike" sz="1000" u="none">
+        <a:defRPr sz="1000" b="0" i="0" u="none" strike="noStrike" cap="none" spc="0" baseline="0">
           <a:solidFill>
             <a:schemeClr val="tx1"/>
           </a:solidFill>
@@ -2867,7 +2946,7 @@
         <a:buFontTx/>
         <a:buNone/>
         <a:tabLst/>
-        <a:defRPr b="0" baseline="0" cap="none" i="0" spc="0" strike="noStrike" sz="1000" u="none">
+        <a:defRPr sz="1000" b="0" i="0" u="none" strike="noStrike" cap="none" spc="0" baseline="0">
           <a:solidFill>
             <a:schemeClr val="tx1"/>
           </a:solidFill>
@@ -2893,7 +2972,7 @@
         <a:buFontTx/>
         <a:buNone/>
         <a:tabLst/>
-        <a:defRPr b="0" baseline="0" cap="none" i="0" spc="0" strike="noStrike" sz="1000" u="none">
+        <a:defRPr sz="1000" b="0" i="0" u="none" strike="noStrike" cap="none" spc="0" baseline="0">
           <a:solidFill>
             <a:schemeClr val="tx1"/>
           </a:solidFill>
@@ -2910,13 +2989,14 @@
 </file>
 
 <file path=ppt/slides/slide1.xml><?xml version="1.0" encoding="utf-8"?>
-<p:sld xmlns:a="http://schemas.openxmlformats.org/drawingml/2006/main" xmlns:r="http://schemas.openxmlformats.org/officeDocument/2006/relationships" xmlns:p="http://schemas.openxmlformats.org/presentationml/2006/main" xmlns:m="http://schemas.openxmlformats.org/officeDocument/2006/math" xmlns:a14="http://schemas.microsoft.com/office/drawing/2010/main" showMasterSp="1" showMasterPhAnim="1">
+<p:sld xmlns:a="http://schemas.openxmlformats.org/drawingml/2006/main" xmlns:r="http://schemas.openxmlformats.org/officeDocument/2006/relationships" xmlns:p="http://schemas.openxmlformats.org/presentationml/2006/main">
   <p:cSld>
     <p:bg>
       <p:bgPr>
         <a:solidFill>
           <a:srgbClr val="D9D9D9"/>
         </a:solidFill>
+        <a:effectLst/>
       </p:bgPr>
     </p:bg>
     <p:spTree>
@@ -2971,6 +3051,7 @@
                 <a:sym typeface="Arial"/>
               </a:defRPr>
             </a:pPr>
+            <a:endParaRPr/>
           </a:p>
         </p:txBody>
       </p:sp>
@@ -2993,7 +3074,7 @@
           </a:ln>
           <a:extLst>
             <a:ext uri="{C572A759-6A51-4108-AA02-DFA0A04FC94B}">
-              <ma14:wrappingTextBoxFlag xmlns:ma14="http://schemas.microsoft.com/office/mac/drawingml/2011/main" val="1"/>
+              <ma14:wrappingTextBoxFlag xmlns:ma14="http://schemas.microsoft.com/office/mac/drawingml/2011/main" xmlns:a14="http://schemas.microsoft.com/office/drawing/2010/main" xmlns:m="http://schemas.openxmlformats.org/officeDocument/2006/math" xmlns="" val="1"/>
             </a:ext>
           </a:extLst>
         </p:spPr>
@@ -3003,7 +3084,6 @@
           </a:bodyPr>
           <a:lstStyle/>
           <a:p>
-            <a:pPr/>
             <a:r>
               <a:t>ITU Copenhagen, Fall 2023</a:t>
             </a:r>
@@ -3029,7 +3109,7 @@
           </a:ln>
           <a:extLst>
             <a:ext uri="{C572A759-6A51-4108-AA02-DFA0A04FC94B}">
-              <ma14:wrappingTextBoxFlag xmlns:ma14="http://schemas.microsoft.com/office/mac/drawingml/2011/main" val="1"/>
+              <ma14:wrappingTextBoxFlag xmlns:ma14="http://schemas.microsoft.com/office/mac/drawingml/2011/main" xmlns:a14="http://schemas.microsoft.com/office/drawing/2010/main" xmlns:m="http://schemas.openxmlformats.org/officeDocument/2006/math" xmlns="" val="1"/>
             </a:ext>
           </a:extLst>
         </p:spPr>
@@ -3039,7 +3119,6 @@
           </a:bodyPr>
           <a:lstStyle/>
           <a:p>
-            <a:pPr/>
             <a:r>
               <a:t>Deep Learning for Games and Simulations</a:t>
             </a:r>
@@ -3065,7 +3144,7 @@
           </a:ln>
           <a:extLst>
             <a:ext uri="{C572A759-6A51-4108-AA02-DFA0A04FC94B}">
-              <ma14:wrappingTextBoxFlag xmlns:ma14="http://schemas.microsoft.com/office/mac/drawingml/2011/main" val="1"/>
+              <ma14:wrappingTextBoxFlag xmlns:ma14="http://schemas.microsoft.com/office/mac/drawingml/2011/main" xmlns:a14="http://schemas.microsoft.com/office/drawing/2010/main" xmlns:m="http://schemas.openxmlformats.org/officeDocument/2006/math" xmlns="" val="1"/>
             </a:ext>
           </a:extLst>
         </p:spPr>
@@ -3123,9 +3202,7 @@
           <p:nvPr/>
         </p:nvPicPr>
         <p:blipFill>
-          <a:blip r:embed="rId2">
-            <a:extLst/>
-          </a:blip>
+          <a:blip r:embed="rId2"/>
           <a:stretch>
             <a:fillRect/>
           </a:stretch>
@@ -3148,18 +3225,19 @@
   <p:clrMapOvr>
     <a:masterClrMapping/>
   </p:clrMapOvr>
-  <p:transition xmlns:p14="http://schemas.microsoft.com/office/powerpoint/2010/main" spd="med" advClick="1"/>
+  <p:transition spd="med"/>
 </p:sld>
 </file>
 
 <file path=ppt/slides/slide10.xml><?xml version="1.0" encoding="utf-8"?>
-<p:sld xmlns:a="http://schemas.openxmlformats.org/drawingml/2006/main" xmlns:r="http://schemas.openxmlformats.org/officeDocument/2006/relationships" xmlns:p="http://schemas.openxmlformats.org/presentationml/2006/main" xmlns:m="http://schemas.openxmlformats.org/officeDocument/2006/math" xmlns:a14="http://schemas.microsoft.com/office/drawing/2010/main" showMasterSp="1" showMasterPhAnim="1">
+<p:sld xmlns:a="http://schemas.openxmlformats.org/drawingml/2006/main" xmlns:r="http://schemas.openxmlformats.org/officeDocument/2006/relationships" xmlns:p="http://schemas.openxmlformats.org/presentationml/2006/main">
   <p:cSld>
     <p:bg>
       <p:bgPr>
         <a:solidFill>
           <a:srgbClr val="D9D9D9"/>
         </a:solidFill>
+        <a:effectLst/>
       </p:bgPr>
     </p:bg>
     <p:spTree>
@@ -3214,6 +3292,7 @@
                 <a:sym typeface="Arial"/>
               </a:defRPr>
             </a:pPr>
+            <a:endParaRPr/>
           </a:p>
         </p:txBody>
       </p:sp>
@@ -3236,7 +3315,7 @@
           </a:ln>
           <a:extLst>
             <a:ext uri="{C572A759-6A51-4108-AA02-DFA0A04FC94B}">
-              <ma14:wrappingTextBoxFlag xmlns:ma14="http://schemas.microsoft.com/office/mac/drawingml/2011/main" val="1"/>
+              <ma14:wrappingTextBoxFlag xmlns:ma14="http://schemas.microsoft.com/office/mac/drawingml/2011/main" xmlns:a14="http://schemas.microsoft.com/office/drawing/2010/main" xmlns:m="http://schemas.openxmlformats.org/officeDocument/2006/math" xmlns="" val="1"/>
             </a:ext>
           </a:extLst>
         </p:spPr>
@@ -3298,6 +3377,7 @@
                 <a:sym typeface="IBM Plex Sans"/>
               </a:defRPr>
             </a:pPr>
+            <a:endParaRPr/>
           </a:p>
           <a:p>
             <a:pPr algn="l">
@@ -3339,7 +3419,7 @@
           </a:ln>
           <a:extLst>
             <a:ext uri="{C572A759-6A51-4108-AA02-DFA0A04FC94B}">
-              <ma14:wrappingTextBoxFlag xmlns:ma14="http://schemas.microsoft.com/office/mac/drawingml/2011/main" val="1"/>
+              <ma14:wrappingTextBoxFlag xmlns:ma14="http://schemas.microsoft.com/office/mac/drawingml/2011/main" xmlns:a14="http://schemas.microsoft.com/office/drawing/2010/main" xmlns:m="http://schemas.openxmlformats.org/officeDocument/2006/math" xmlns="" val="1"/>
             </a:ext>
           </a:extLst>
         </p:spPr>
@@ -3349,7 +3429,6 @@
           </a:bodyPr>
           <a:lstStyle/>
           <a:p>
-            <a:pPr/>
             <a:r>
               <a:t>Deep Learning for Games and Simulations</a:t>
             </a:r>
@@ -3375,7 +3454,7 @@
           </a:ln>
           <a:extLst>
             <a:ext uri="{C572A759-6A51-4108-AA02-DFA0A04FC94B}">
-              <ma14:wrappingTextBoxFlag xmlns:ma14="http://schemas.microsoft.com/office/mac/drawingml/2011/main" val="1"/>
+              <ma14:wrappingTextBoxFlag xmlns:ma14="http://schemas.microsoft.com/office/mac/drawingml/2011/main" xmlns:a14="http://schemas.microsoft.com/office/drawing/2010/main" xmlns:m="http://schemas.openxmlformats.org/officeDocument/2006/math" xmlns="" val="1"/>
             </a:ext>
           </a:extLst>
         </p:spPr>
@@ -3385,7 +3464,6 @@
           </a:bodyPr>
           <a:lstStyle/>
           <a:p>
-            <a:pPr/>
             <a:r>
               <a:t>ITU Copenhagen, Fall 2023</a:t>
             </a:r>
@@ -3397,18 +3475,19 @@
   <p:clrMapOvr>
     <a:masterClrMapping/>
   </p:clrMapOvr>
-  <p:transition xmlns:p14="http://schemas.microsoft.com/office/powerpoint/2010/main" spd="med" advClick="1"/>
+  <p:transition spd="med"/>
 </p:sld>
 </file>
 
 <file path=ppt/slides/slide11.xml><?xml version="1.0" encoding="utf-8"?>
-<p:sld xmlns:a="http://schemas.openxmlformats.org/drawingml/2006/main" xmlns:r="http://schemas.openxmlformats.org/officeDocument/2006/relationships" xmlns:p="http://schemas.openxmlformats.org/presentationml/2006/main" xmlns:m="http://schemas.openxmlformats.org/officeDocument/2006/math" xmlns:a14="http://schemas.microsoft.com/office/drawing/2010/main" showMasterSp="1" showMasterPhAnim="1">
+<p:sld xmlns:a="http://schemas.openxmlformats.org/drawingml/2006/main" xmlns:r="http://schemas.openxmlformats.org/officeDocument/2006/relationships" xmlns:p="http://schemas.openxmlformats.org/presentationml/2006/main">
   <p:cSld>
     <p:bg>
       <p:bgPr>
         <a:solidFill>
           <a:srgbClr val="D9D9D9"/>
         </a:solidFill>
+        <a:effectLst/>
       </p:bgPr>
     </p:bg>
     <p:spTree>
@@ -3463,6 +3542,7 @@
                 <a:sym typeface="Arial"/>
               </a:defRPr>
             </a:pPr>
+            <a:endParaRPr/>
           </a:p>
         </p:txBody>
       </p:sp>
@@ -3485,7 +3565,7 @@
           </a:ln>
           <a:extLst>
             <a:ext uri="{C572A759-6A51-4108-AA02-DFA0A04FC94B}">
-              <ma14:wrappingTextBoxFlag xmlns:ma14="http://schemas.microsoft.com/office/mac/drawingml/2011/main" val="1"/>
+              <ma14:wrappingTextBoxFlag xmlns:ma14="http://schemas.microsoft.com/office/mac/drawingml/2011/main" xmlns:a14="http://schemas.microsoft.com/office/drawing/2010/main" xmlns:m="http://schemas.openxmlformats.org/officeDocument/2006/math" xmlns="" val="1"/>
             </a:ext>
           </a:extLst>
         </p:spPr>
@@ -3495,7 +3575,6 @@
           </a:bodyPr>
           <a:lstStyle/>
           <a:p>
-            <a:pPr/>
             <a:r>
               <a:t>Deep Learning for Games and Simulations</a:t>
             </a:r>
@@ -3521,7 +3600,7 @@
           </a:ln>
           <a:extLst>
             <a:ext uri="{C572A759-6A51-4108-AA02-DFA0A04FC94B}">
-              <ma14:wrappingTextBoxFlag xmlns:ma14="http://schemas.microsoft.com/office/mac/drawingml/2011/main" val="1"/>
+              <ma14:wrappingTextBoxFlag xmlns:ma14="http://schemas.microsoft.com/office/mac/drawingml/2011/main" xmlns:a14="http://schemas.microsoft.com/office/drawing/2010/main" xmlns:m="http://schemas.openxmlformats.org/officeDocument/2006/math" xmlns="" val="1"/>
             </a:ext>
           </a:extLst>
         </p:spPr>
@@ -3531,7 +3610,6 @@
           </a:bodyPr>
           <a:lstStyle/>
           <a:p>
-            <a:pPr/>
             <a:r>
               <a:t>ITU Copenhagen, Fall 2023</a:t>
             </a:r>
@@ -3557,7 +3635,7 @@
           </a:ln>
           <a:extLst>
             <a:ext uri="{C572A759-6A51-4108-AA02-DFA0A04FC94B}">
-              <ma14:wrappingTextBoxFlag xmlns:ma14="http://schemas.microsoft.com/office/mac/drawingml/2011/main" val="1"/>
+              <ma14:wrappingTextBoxFlag xmlns:ma14="http://schemas.microsoft.com/office/mac/drawingml/2011/main" xmlns:a14="http://schemas.microsoft.com/office/drawing/2010/main" xmlns:m="http://schemas.openxmlformats.org/officeDocument/2006/math" xmlns="" val="1"/>
             </a:ext>
           </a:extLst>
         </p:spPr>
@@ -3568,7 +3646,7 @@
           <a:lstStyle/>
           <a:p>
             <a:pPr algn="l">
-              <a:defRPr b="1" sz="1800">
+              <a:defRPr sz="1800" b="1">
                 <a:solidFill>
                   <a:srgbClr val="9EB935"/>
                 </a:solidFill>
@@ -3600,7 +3678,7 @@
           </a:ln>
           <a:extLst>
             <a:ext uri="{C572A759-6A51-4108-AA02-DFA0A04FC94B}">
-              <ma14:wrappingTextBoxFlag xmlns:ma14="http://schemas.microsoft.com/office/mac/drawingml/2011/main" val="1"/>
+              <ma14:wrappingTextBoxFlag xmlns:ma14="http://schemas.microsoft.com/office/mac/drawingml/2011/main" xmlns:a14="http://schemas.microsoft.com/office/drawing/2010/main" xmlns:m="http://schemas.openxmlformats.org/officeDocument/2006/math" xmlns="" val="1"/>
             </a:ext>
           </a:extLst>
         </p:spPr>
@@ -3616,6 +3694,7 @@
               </a:lnSpc>
               <a:defRPr sz="1400"/>
             </a:pPr>
+            <a:endParaRPr/>
           </a:p>
           <a:p>
             <a:pPr algn="l">
@@ -3649,7 +3728,7 @@
           </a:ln>
           <a:extLst>
             <a:ext uri="{C572A759-6A51-4108-AA02-DFA0A04FC94B}">
-              <ma14:wrappingTextBoxFlag xmlns:ma14="http://schemas.microsoft.com/office/mac/drawingml/2011/main" val="1"/>
+              <ma14:wrappingTextBoxFlag xmlns:ma14="http://schemas.microsoft.com/office/mac/drawingml/2011/main" xmlns:a14="http://schemas.microsoft.com/office/drawing/2010/main" xmlns:m="http://schemas.openxmlformats.org/officeDocument/2006/math" xmlns="" val="1"/>
             </a:ext>
           </a:extLst>
         </p:spPr>
@@ -3660,7 +3739,7 @@
           <a:lstStyle/>
           <a:p>
             <a:pPr algn="l">
-              <a:defRPr b="1" sz="1800">
+              <a:defRPr sz="1800" b="1">
                 <a:solidFill>
                   <a:srgbClr val="9EB935"/>
                 </a:solidFill>
@@ -3692,7 +3771,7 @@
           </a:ln>
           <a:extLst>
             <a:ext uri="{C572A759-6A51-4108-AA02-DFA0A04FC94B}">
-              <ma14:wrappingTextBoxFlag xmlns:ma14="http://schemas.microsoft.com/office/mac/drawingml/2011/main" val="1"/>
+              <ma14:wrappingTextBoxFlag xmlns:ma14="http://schemas.microsoft.com/office/mac/drawingml/2011/main" xmlns:a14="http://schemas.microsoft.com/office/drawing/2010/main" xmlns:m="http://schemas.openxmlformats.org/officeDocument/2006/math" xmlns="" val="1"/>
             </a:ext>
           </a:extLst>
         </p:spPr>
@@ -3708,6 +3787,7 @@
               </a:lnSpc>
               <a:defRPr sz="1400"/>
             </a:pPr>
+            <a:endParaRPr/>
           </a:p>
           <a:p>
             <a:pPr algn="l">
@@ -3741,7 +3821,7 @@
           </a:ln>
           <a:extLst>
             <a:ext uri="{C572A759-6A51-4108-AA02-DFA0A04FC94B}">
-              <ma14:wrappingTextBoxFlag xmlns:ma14="http://schemas.microsoft.com/office/mac/drawingml/2011/main" val="1"/>
+              <ma14:wrappingTextBoxFlag xmlns:ma14="http://schemas.microsoft.com/office/mac/drawingml/2011/main" xmlns:a14="http://schemas.microsoft.com/office/drawing/2010/main" xmlns:m="http://schemas.openxmlformats.org/officeDocument/2006/math" xmlns="" val="1"/>
             </a:ext>
           </a:extLst>
         </p:spPr>
@@ -3752,7 +3832,7 @@
           <a:lstStyle/>
           <a:p>
             <a:pPr algn="l">
-              <a:defRPr b="1" sz="1800">
+              <a:defRPr sz="1800" b="1">
                 <a:solidFill>
                   <a:srgbClr val="9EB935"/>
                 </a:solidFill>
@@ -3784,7 +3864,7 @@
           </a:ln>
           <a:extLst>
             <a:ext uri="{C572A759-6A51-4108-AA02-DFA0A04FC94B}">
-              <ma14:wrappingTextBoxFlag xmlns:ma14="http://schemas.microsoft.com/office/mac/drawingml/2011/main" val="1"/>
+              <ma14:wrappingTextBoxFlag xmlns:ma14="http://schemas.microsoft.com/office/mac/drawingml/2011/main" xmlns:a14="http://schemas.microsoft.com/office/drawing/2010/main" xmlns:m="http://schemas.openxmlformats.org/officeDocument/2006/math" xmlns="" val="1"/>
             </a:ext>
           </a:extLst>
         </p:spPr>
@@ -3800,6 +3880,7 @@
               </a:lnSpc>
               <a:defRPr sz="1400"/>
             </a:pPr>
+            <a:endParaRPr/>
           </a:p>
           <a:p>
             <a:pPr algn="l">
@@ -3824,18 +3905,19 @@
   <p:clrMapOvr>
     <a:masterClrMapping/>
   </p:clrMapOvr>
-  <p:transition xmlns:p14="http://schemas.microsoft.com/office/powerpoint/2010/main" spd="med" advClick="1"/>
+  <p:transition spd="med"/>
 </p:sld>
 </file>
 
 <file path=ppt/slides/slide12.xml><?xml version="1.0" encoding="utf-8"?>
-<p:sld xmlns:a="http://schemas.openxmlformats.org/drawingml/2006/main" xmlns:r="http://schemas.openxmlformats.org/officeDocument/2006/relationships" xmlns:p="http://schemas.openxmlformats.org/presentationml/2006/main" xmlns:m="http://schemas.openxmlformats.org/officeDocument/2006/math" xmlns:a14="http://schemas.microsoft.com/office/drawing/2010/main" showMasterSp="1" showMasterPhAnim="1">
+<p:sld xmlns:a="http://schemas.openxmlformats.org/drawingml/2006/main" xmlns:r="http://schemas.openxmlformats.org/officeDocument/2006/relationships" xmlns:p="http://schemas.openxmlformats.org/presentationml/2006/main">
   <p:cSld>
     <p:bg>
       <p:bgPr>
         <a:solidFill>
           <a:srgbClr val="D9D9D9"/>
         </a:solidFill>
+        <a:effectLst/>
       </p:bgPr>
     </p:bg>
     <p:spTree>
@@ -3890,6 +3972,7 @@
                 <a:sym typeface="Arial"/>
               </a:defRPr>
             </a:pPr>
+            <a:endParaRPr/>
           </a:p>
         </p:txBody>
       </p:sp>
@@ -3912,7 +3995,7 @@
           </a:ln>
           <a:extLst>
             <a:ext uri="{C572A759-6A51-4108-AA02-DFA0A04FC94B}">
-              <ma14:wrappingTextBoxFlag xmlns:ma14="http://schemas.microsoft.com/office/mac/drawingml/2011/main" val="1"/>
+              <ma14:wrappingTextBoxFlag xmlns:ma14="http://schemas.microsoft.com/office/mac/drawingml/2011/main" xmlns:a14="http://schemas.microsoft.com/office/drawing/2010/main" xmlns:m="http://schemas.openxmlformats.org/officeDocument/2006/math" xmlns="" val="1"/>
             </a:ext>
           </a:extLst>
         </p:spPr>
@@ -3922,7 +4005,6 @@
           </a:bodyPr>
           <a:lstStyle/>
           <a:p>
-            <a:pPr/>
             <a:r>
               <a:t>Deep Learning for Games and Simulations</a:t>
             </a:r>
@@ -3948,7 +4030,7 @@
           </a:ln>
           <a:extLst>
             <a:ext uri="{C572A759-6A51-4108-AA02-DFA0A04FC94B}">
-              <ma14:wrappingTextBoxFlag xmlns:ma14="http://schemas.microsoft.com/office/mac/drawingml/2011/main" val="1"/>
+              <ma14:wrappingTextBoxFlag xmlns:ma14="http://schemas.microsoft.com/office/mac/drawingml/2011/main" xmlns:a14="http://schemas.microsoft.com/office/drawing/2010/main" xmlns:m="http://schemas.openxmlformats.org/officeDocument/2006/math" xmlns="" val="1"/>
             </a:ext>
           </a:extLst>
         </p:spPr>
@@ -3958,7 +4040,6 @@
           </a:bodyPr>
           <a:lstStyle/>
           <a:p>
-            <a:pPr/>
             <a:r>
               <a:t>ITU Copenhagen, Fall 2023</a:t>
             </a:r>
@@ -3984,7 +4065,7 @@
           </a:ln>
           <a:extLst>
             <a:ext uri="{C572A759-6A51-4108-AA02-DFA0A04FC94B}">
-              <ma14:wrappingTextBoxFlag xmlns:ma14="http://schemas.microsoft.com/office/mac/drawingml/2011/main" val="1"/>
+              <ma14:wrappingTextBoxFlag xmlns:ma14="http://schemas.microsoft.com/office/mac/drawingml/2011/main" xmlns:a14="http://schemas.microsoft.com/office/drawing/2010/main" xmlns:m="http://schemas.openxmlformats.org/officeDocument/2006/math" xmlns="" val="1"/>
             </a:ext>
           </a:extLst>
         </p:spPr>
@@ -3995,7 +4076,7 @@
           <a:lstStyle/>
           <a:p>
             <a:pPr algn="l">
-              <a:defRPr b="1" sz="1800">
+              <a:defRPr sz="1800" b="1">
                 <a:solidFill>
                   <a:srgbClr val="9EB935"/>
                 </a:solidFill>
@@ -4006,6 +4087,7 @@
               <a:t>(4) Gradient</a:t>
             </a:r>
             <a:br/>
+            <a:endParaRPr/>
           </a:p>
         </p:txBody>
       </p:sp>
@@ -4018,10 +4100,8 @@
           <p:nvPr/>
         </p:nvPicPr>
         <p:blipFill>
-          <a:blip r:embed="rId2">
-            <a:extLst/>
-          </a:blip>
-          <a:srcRect l="0" t="18858" r="0" b="0"/>
+          <a:blip r:embed="rId2"/>
+          <a:srcRect t="18858"/>
           <a:stretch>
             <a:fillRect/>
           </a:stretch>
@@ -4058,7 +4138,7 @@
           </a:ln>
           <a:extLst>
             <a:ext uri="{C572A759-6A51-4108-AA02-DFA0A04FC94B}">
-              <ma14:wrappingTextBoxFlag xmlns:ma14="http://schemas.microsoft.com/office/mac/drawingml/2011/main" val="1"/>
+              <ma14:wrappingTextBoxFlag xmlns:ma14="http://schemas.microsoft.com/office/mac/drawingml/2011/main" xmlns:a14="http://schemas.microsoft.com/office/drawing/2010/main" xmlns:m="http://schemas.openxmlformats.org/officeDocument/2006/math" xmlns="" val="1"/>
             </a:ext>
           </a:extLst>
         </p:spPr>
@@ -4068,7 +4148,7 @@
           </a:bodyPr>
           <a:lstStyle>
             <a:lvl1pPr algn="l">
-              <a:defRPr b="1" sz="1800">
+              <a:defRPr sz="1800" b="1">
                 <a:solidFill>
                   <a:schemeClr val="accent2">
                     <a:lumOff val="43529"/>
@@ -4078,7 +4158,6 @@
             </a:lvl1pPr>
           </a:lstStyle>
           <a:p>
-            <a:pPr/>
             <a:r>
               <a:t>Chain Rule Formula</a:t>
             </a:r>
@@ -4090,18 +4169,19 @@
   <p:clrMapOvr>
     <a:masterClrMapping/>
   </p:clrMapOvr>
-  <p:transition xmlns:p14="http://schemas.microsoft.com/office/powerpoint/2010/main" spd="med" advClick="1"/>
+  <p:transition spd="med"/>
 </p:sld>
 </file>
 
 <file path=ppt/slides/slide13.xml><?xml version="1.0" encoding="utf-8"?>
-<p:sld xmlns:a="http://schemas.openxmlformats.org/drawingml/2006/main" xmlns:r="http://schemas.openxmlformats.org/officeDocument/2006/relationships" xmlns:p="http://schemas.openxmlformats.org/presentationml/2006/main" xmlns:m="http://schemas.openxmlformats.org/officeDocument/2006/math" xmlns:a14="http://schemas.microsoft.com/office/drawing/2010/main" showMasterSp="1" showMasterPhAnim="1">
+<p:sld xmlns:a="http://schemas.openxmlformats.org/drawingml/2006/main" xmlns:r="http://schemas.openxmlformats.org/officeDocument/2006/relationships" xmlns:p="http://schemas.openxmlformats.org/presentationml/2006/main">
   <p:cSld>
     <p:bg>
       <p:bgPr>
         <a:solidFill>
           <a:srgbClr val="D9D9D9"/>
         </a:solidFill>
+        <a:effectLst/>
       </p:bgPr>
     </p:bg>
     <p:spTree>
@@ -4156,6 +4236,7 @@
                 <a:sym typeface="Arial"/>
               </a:defRPr>
             </a:pPr>
+            <a:endParaRPr/>
           </a:p>
         </p:txBody>
       </p:sp>
@@ -4178,7 +4259,7 @@
           </a:ln>
           <a:extLst>
             <a:ext uri="{C572A759-6A51-4108-AA02-DFA0A04FC94B}">
-              <ma14:wrappingTextBoxFlag xmlns:ma14="http://schemas.microsoft.com/office/mac/drawingml/2011/main" val="1"/>
+              <ma14:wrappingTextBoxFlag xmlns:ma14="http://schemas.microsoft.com/office/mac/drawingml/2011/main" xmlns:a14="http://schemas.microsoft.com/office/drawing/2010/main" xmlns:m="http://schemas.openxmlformats.org/officeDocument/2006/math" xmlns="" val="1"/>
             </a:ext>
           </a:extLst>
         </p:spPr>
@@ -4188,7 +4269,6 @@
           </a:bodyPr>
           <a:lstStyle/>
           <a:p>
-            <a:pPr/>
             <a:r>
               <a:t>Deep Learning for Games and Simulations</a:t>
             </a:r>
@@ -4214,7 +4294,7 @@
           </a:ln>
           <a:extLst>
             <a:ext uri="{C572A759-6A51-4108-AA02-DFA0A04FC94B}">
-              <ma14:wrappingTextBoxFlag xmlns:ma14="http://schemas.microsoft.com/office/mac/drawingml/2011/main" val="1"/>
+              <ma14:wrappingTextBoxFlag xmlns:ma14="http://schemas.microsoft.com/office/mac/drawingml/2011/main" xmlns:a14="http://schemas.microsoft.com/office/drawing/2010/main" xmlns:m="http://schemas.openxmlformats.org/officeDocument/2006/math" xmlns="" val="1"/>
             </a:ext>
           </a:extLst>
         </p:spPr>
@@ -4224,7 +4304,6 @@
           </a:bodyPr>
           <a:lstStyle/>
           <a:p>
-            <a:pPr/>
             <a:r>
               <a:t>ITU Copenhagen, Fall 2023</a:t>
             </a:r>
@@ -4240,9 +4319,7 @@
           <p:nvPr/>
         </p:nvPicPr>
         <p:blipFill>
-          <a:blip r:embed="rId2">
-            <a:extLst/>
-          </a:blip>
+          <a:blip r:embed="rId2"/>
           <a:stretch>
             <a:fillRect/>
           </a:stretch>
@@ -4279,7 +4356,7 @@
           </a:ln>
           <a:extLst>
             <a:ext uri="{C572A759-6A51-4108-AA02-DFA0A04FC94B}">
-              <ma14:wrappingTextBoxFlag xmlns:ma14="http://schemas.microsoft.com/office/mac/drawingml/2011/main" val="1"/>
+              <ma14:wrappingTextBoxFlag xmlns:ma14="http://schemas.microsoft.com/office/mac/drawingml/2011/main" xmlns:a14="http://schemas.microsoft.com/office/drawing/2010/main" xmlns:m="http://schemas.openxmlformats.org/officeDocument/2006/math" xmlns="" val="1"/>
             </a:ext>
           </a:extLst>
         </p:spPr>
@@ -4290,7 +4367,7 @@
           <a:lstStyle/>
           <a:p>
             <a:pPr algn="l">
-              <a:defRPr b="1" sz="1800">
+              <a:defRPr sz="1800" b="1">
                 <a:solidFill>
                   <a:srgbClr val="9EB935"/>
                 </a:solidFill>
@@ -4303,14 +4380,16 @@
           </a:p>
           <a:p>
             <a:pPr algn="l">
-              <a:defRPr b="1" sz="1800"/>
-            </a:pPr>
+              <a:defRPr sz="1800" b="1"/>
+            </a:pPr>
+            <a:endParaRPr/>
           </a:p>
           <a:p>
             <a:pPr algn="l">
-              <a:defRPr b="1" sz="1800"/>
+              <a:defRPr sz="1800" b="1"/>
             </a:pPr>
             <a:br/>
+            <a:endParaRPr/>
           </a:p>
         </p:txBody>
       </p:sp>
@@ -4333,7 +4412,7 @@
           </a:ln>
           <a:extLst>
             <a:ext uri="{C572A759-6A51-4108-AA02-DFA0A04FC94B}">
-              <ma14:wrappingTextBoxFlag xmlns:ma14="http://schemas.microsoft.com/office/mac/drawingml/2011/main" val="1"/>
+              <ma14:wrappingTextBoxFlag xmlns:ma14="http://schemas.microsoft.com/office/mac/drawingml/2011/main" xmlns:a14="http://schemas.microsoft.com/office/drawing/2010/main" xmlns:m="http://schemas.openxmlformats.org/officeDocument/2006/math" xmlns="" val="1"/>
             </a:ext>
           </a:extLst>
         </p:spPr>
@@ -4370,14 +4449,20 @@
           </a:p>
           <a:p>
             <a:pPr algn="l">
-              <a:defRPr b="1" sz="1400"/>
-            </a:pPr>
+              <a:defRPr sz="1400" b="1"/>
+            </a:pPr>
+            <a:endParaRPr>
+              <a:solidFill>
+                <a:srgbClr val="DD8C71"/>
+              </a:solidFill>
+            </a:endParaRPr>
           </a:p>
           <a:p>
             <a:pPr algn="l">
-              <a:defRPr b="1" sz="1400"/>
+              <a:defRPr sz="1400" b="1"/>
             </a:pPr>
             <a:br/>
+            <a:endParaRPr/>
           </a:p>
         </p:txBody>
       </p:sp>
@@ -4400,7 +4485,7 @@
           </a:ln>
           <a:extLst>
             <a:ext uri="{C572A759-6A51-4108-AA02-DFA0A04FC94B}">
-              <ma14:wrappingTextBoxFlag xmlns:ma14="http://schemas.microsoft.com/office/mac/drawingml/2011/main" val="1"/>
+              <ma14:wrappingTextBoxFlag xmlns:ma14="http://schemas.microsoft.com/office/mac/drawingml/2011/main" xmlns:a14="http://schemas.microsoft.com/office/drawing/2010/main" xmlns:m="http://schemas.openxmlformats.org/officeDocument/2006/math" xmlns="" val="1"/>
             </a:ext>
           </a:extLst>
         </p:spPr>
@@ -4421,6 +4506,7 @@
             </a:r>
             <a:br/>
             <a:br/>
+            <a:endParaRPr/>
           </a:p>
           <a:p>
             <a:pPr algn="l">
@@ -4511,6 +4597,7 @@
               <a:t>Use python operator overloading</a:t>
             </a:r>
             <a:br/>
+            <a:endParaRPr/>
           </a:p>
         </p:txBody>
       </p:sp>
@@ -4519,18 +4606,19 @@
   <p:clrMapOvr>
     <a:masterClrMapping/>
   </p:clrMapOvr>
-  <p:transition xmlns:p14="http://schemas.microsoft.com/office/powerpoint/2010/main" spd="med" advClick="1"/>
+  <p:transition spd="med"/>
 </p:sld>
 </file>
 
 <file path=ppt/slides/slide14.xml><?xml version="1.0" encoding="utf-8"?>
-<p:sld xmlns:a="http://schemas.openxmlformats.org/drawingml/2006/main" xmlns:r="http://schemas.openxmlformats.org/officeDocument/2006/relationships" xmlns:p="http://schemas.openxmlformats.org/presentationml/2006/main" xmlns:m="http://schemas.openxmlformats.org/officeDocument/2006/math" xmlns:a14="http://schemas.microsoft.com/office/drawing/2010/main" showMasterSp="1" showMasterPhAnim="1">
+<p:sld xmlns:a="http://schemas.openxmlformats.org/drawingml/2006/main" xmlns:r="http://schemas.openxmlformats.org/officeDocument/2006/relationships" xmlns:p="http://schemas.openxmlformats.org/presentationml/2006/main">
   <p:cSld>
     <p:bg>
       <p:bgPr>
         <a:solidFill>
           <a:srgbClr val="D9D9D9"/>
         </a:solidFill>
+        <a:effectLst/>
       </p:bgPr>
     </p:bg>
     <p:spTree>
@@ -4585,6 +4673,7 @@
                 <a:sym typeface="Arial"/>
               </a:defRPr>
             </a:pPr>
+            <a:endParaRPr/>
           </a:p>
         </p:txBody>
       </p:sp>
@@ -4607,7 +4696,7 @@
           </a:ln>
           <a:extLst>
             <a:ext uri="{C572A759-6A51-4108-AA02-DFA0A04FC94B}">
-              <ma14:wrappingTextBoxFlag xmlns:ma14="http://schemas.microsoft.com/office/mac/drawingml/2011/main" val="1"/>
+              <ma14:wrappingTextBoxFlag xmlns:ma14="http://schemas.microsoft.com/office/mac/drawingml/2011/main" xmlns:a14="http://schemas.microsoft.com/office/drawing/2010/main" xmlns:m="http://schemas.openxmlformats.org/officeDocument/2006/math" xmlns="" val="1"/>
             </a:ext>
           </a:extLst>
         </p:spPr>
@@ -4669,6 +4758,7 @@
                 <a:sym typeface="IBM Plex Sans"/>
               </a:defRPr>
             </a:pPr>
+            <a:endParaRPr/>
           </a:p>
           <a:p>
             <a:pPr algn="l">
@@ -4710,7 +4800,7 @@
           </a:ln>
           <a:extLst>
             <a:ext uri="{C572A759-6A51-4108-AA02-DFA0A04FC94B}">
-              <ma14:wrappingTextBoxFlag xmlns:ma14="http://schemas.microsoft.com/office/mac/drawingml/2011/main" val="1"/>
+              <ma14:wrappingTextBoxFlag xmlns:ma14="http://schemas.microsoft.com/office/mac/drawingml/2011/main" xmlns:a14="http://schemas.microsoft.com/office/drawing/2010/main" xmlns:m="http://schemas.openxmlformats.org/officeDocument/2006/math" xmlns="" val="1"/>
             </a:ext>
           </a:extLst>
         </p:spPr>
@@ -4720,7 +4810,6 @@
           </a:bodyPr>
           <a:lstStyle/>
           <a:p>
-            <a:pPr/>
             <a:r>
               <a:t>Deep Learning for Games and Simulations</a:t>
             </a:r>
@@ -4746,7 +4835,7 @@
           </a:ln>
           <a:extLst>
             <a:ext uri="{C572A759-6A51-4108-AA02-DFA0A04FC94B}">
-              <ma14:wrappingTextBoxFlag xmlns:ma14="http://schemas.microsoft.com/office/mac/drawingml/2011/main" val="1"/>
+              <ma14:wrappingTextBoxFlag xmlns:ma14="http://schemas.microsoft.com/office/mac/drawingml/2011/main" xmlns:a14="http://schemas.microsoft.com/office/drawing/2010/main" xmlns:m="http://schemas.openxmlformats.org/officeDocument/2006/math" xmlns="" val="1"/>
             </a:ext>
           </a:extLst>
         </p:spPr>
@@ -4756,7 +4845,6 @@
           </a:bodyPr>
           <a:lstStyle/>
           <a:p>
-            <a:pPr/>
             <a:r>
               <a:t>ITU Copenhagen, Fall 2023</a:t>
             </a:r>
@@ -4768,18 +4856,19 @@
   <p:clrMapOvr>
     <a:masterClrMapping/>
   </p:clrMapOvr>
-  <p:transition xmlns:p14="http://schemas.microsoft.com/office/powerpoint/2010/main" spd="med" advClick="1"/>
+  <p:transition spd="med"/>
 </p:sld>
 </file>
 
 <file path=ppt/slides/slide15.xml><?xml version="1.0" encoding="utf-8"?>
-<p:sld xmlns:a="http://schemas.openxmlformats.org/drawingml/2006/main" xmlns:r="http://schemas.openxmlformats.org/officeDocument/2006/relationships" xmlns:p="http://schemas.openxmlformats.org/presentationml/2006/main" xmlns:m="http://schemas.openxmlformats.org/officeDocument/2006/math" xmlns:a14="http://schemas.microsoft.com/office/drawing/2010/main" showMasterSp="1" showMasterPhAnim="1">
+<p:sld xmlns:a="http://schemas.openxmlformats.org/drawingml/2006/main" xmlns:r="http://schemas.openxmlformats.org/officeDocument/2006/relationships" xmlns:p="http://schemas.openxmlformats.org/presentationml/2006/main">
   <p:cSld>
     <p:bg>
       <p:bgPr>
         <a:solidFill>
           <a:srgbClr val="D9D9D9"/>
         </a:solidFill>
+        <a:effectLst/>
       </p:bgPr>
     </p:bg>
     <p:spTree>
@@ -4834,6 +4923,7 @@
                 <a:sym typeface="Arial"/>
               </a:defRPr>
             </a:pPr>
+            <a:endParaRPr/>
           </a:p>
         </p:txBody>
       </p:sp>
@@ -4856,7 +4946,7 @@
           </a:ln>
           <a:extLst>
             <a:ext uri="{C572A759-6A51-4108-AA02-DFA0A04FC94B}">
-              <ma14:wrappingTextBoxFlag xmlns:ma14="http://schemas.microsoft.com/office/mac/drawingml/2011/main" val="1"/>
+              <ma14:wrappingTextBoxFlag xmlns:ma14="http://schemas.microsoft.com/office/mac/drawingml/2011/main" xmlns:a14="http://schemas.microsoft.com/office/drawing/2010/main" xmlns:m="http://schemas.openxmlformats.org/officeDocument/2006/math" xmlns="" val="1"/>
             </a:ext>
           </a:extLst>
         </p:spPr>
@@ -4866,7 +4956,6 @@
           </a:bodyPr>
           <a:lstStyle/>
           <a:p>
-            <a:pPr/>
             <a:r>
               <a:t>Deep Learning for Games and Simulations</a:t>
             </a:r>
@@ -4892,7 +4981,7 @@
           </a:ln>
           <a:extLst>
             <a:ext uri="{C572A759-6A51-4108-AA02-DFA0A04FC94B}">
-              <ma14:wrappingTextBoxFlag xmlns:ma14="http://schemas.microsoft.com/office/mac/drawingml/2011/main" val="1"/>
+              <ma14:wrappingTextBoxFlag xmlns:ma14="http://schemas.microsoft.com/office/mac/drawingml/2011/main" xmlns:a14="http://schemas.microsoft.com/office/drawing/2010/main" xmlns:m="http://schemas.openxmlformats.org/officeDocument/2006/math" xmlns="" val="1"/>
             </a:ext>
           </a:extLst>
         </p:spPr>
@@ -4902,7 +4991,6 @@
           </a:bodyPr>
           <a:lstStyle/>
           <a:p>
-            <a:pPr/>
             <a:r>
               <a:t>ITU Copenhagen, Fall 2023</a:t>
             </a:r>
@@ -4928,7 +5016,7 @@
           </a:ln>
           <a:extLst>
             <a:ext uri="{C572A759-6A51-4108-AA02-DFA0A04FC94B}">
-              <ma14:wrappingTextBoxFlag xmlns:ma14="http://schemas.microsoft.com/office/mac/drawingml/2011/main" val="1"/>
+              <ma14:wrappingTextBoxFlag xmlns:ma14="http://schemas.microsoft.com/office/mac/drawingml/2011/main" xmlns:a14="http://schemas.microsoft.com/office/drawing/2010/main" xmlns:m="http://schemas.openxmlformats.org/officeDocument/2006/math" xmlns="" val="1"/>
             </a:ext>
           </a:extLst>
         </p:spPr>
@@ -4939,7 +5027,7 @@
           <a:lstStyle/>
           <a:p>
             <a:pPr algn="l">
-              <a:defRPr b="1" sz="2400">
+              <a:defRPr sz="2400" b="1">
                 <a:solidFill>
                   <a:srgbClr val="9EB935"/>
                 </a:solidFill>
@@ -4955,7 +5043,7 @@
           </a:p>
           <a:p>
             <a:pPr algn="l">
-              <a:defRPr b="1" sz="2400">
+              <a:defRPr sz="2400" b="1">
                 <a:solidFill>
                   <a:srgbClr val="9EB935"/>
                 </a:solidFill>
@@ -4971,7 +5059,7 @@
           </a:p>
           <a:p>
             <a:pPr algn="l">
-              <a:defRPr b="1" sz="2400">
+              <a:defRPr sz="2400" b="1">
                 <a:solidFill>
                   <a:srgbClr val="9EB935"/>
                 </a:solidFill>
@@ -5006,7 +5094,7 @@
           </a:ln>
           <a:extLst>
             <a:ext uri="{C572A759-6A51-4108-AA02-DFA0A04FC94B}">
-              <ma14:wrappingTextBoxFlag xmlns:ma14="http://schemas.microsoft.com/office/mac/drawingml/2011/main" val="1"/>
+              <ma14:wrappingTextBoxFlag xmlns:ma14="http://schemas.microsoft.com/office/mac/drawingml/2011/main" xmlns:a14="http://schemas.microsoft.com/office/drawing/2010/main" xmlns:m="http://schemas.openxmlformats.org/officeDocument/2006/math" xmlns="" val="1"/>
             </a:ext>
           </a:extLst>
         </p:spPr>
@@ -5022,6 +5110,7 @@
               </a:lnSpc>
               <a:defRPr sz="1400"/>
             </a:pPr>
+            <a:endParaRPr/>
           </a:p>
           <a:p>
             <a:pPr algn="l">
@@ -5030,6 +5119,7 @@
               </a:lnSpc>
               <a:defRPr sz="1400"/>
             </a:pPr>
+            <a:endParaRPr/>
           </a:p>
         </p:txBody>
       </p:sp>
@@ -5052,7 +5142,7 @@
           </a:ln>
           <a:extLst>
             <a:ext uri="{C572A759-6A51-4108-AA02-DFA0A04FC94B}">
-              <ma14:wrappingTextBoxFlag xmlns:ma14="http://schemas.microsoft.com/office/mac/drawingml/2011/main" val="1"/>
+              <ma14:wrappingTextBoxFlag xmlns:ma14="http://schemas.microsoft.com/office/mac/drawingml/2011/main" xmlns:a14="http://schemas.microsoft.com/office/drawing/2010/main" xmlns:m="http://schemas.openxmlformats.org/officeDocument/2006/math" xmlns="" val="1"/>
             </a:ext>
           </a:extLst>
         </p:spPr>
@@ -5102,18 +5192,19 @@
   <p:clrMapOvr>
     <a:masterClrMapping/>
   </p:clrMapOvr>
-  <p:transition xmlns:p14="http://schemas.microsoft.com/office/powerpoint/2010/main" spd="med" advClick="1"/>
+  <p:transition spd="med"/>
 </p:sld>
 </file>
 
 <file path=ppt/slides/slide16.xml><?xml version="1.0" encoding="utf-8"?>
-<p:sld xmlns:a="http://schemas.openxmlformats.org/drawingml/2006/main" xmlns:r="http://schemas.openxmlformats.org/officeDocument/2006/relationships" xmlns:p="http://schemas.openxmlformats.org/presentationml/2006/main" xmlns:m="http://schemas.openxmlformats.org/officeDocument/2006/math" xmlns:a14="http://schemas.microsoft.com/office/drawing/2010/main" showMasterSp="1" showMasterPhAnim="1">
+<p:sld xmlns:a="http://schemas.openxmlformats.org/drawingml/2006/main" xmlns:r="http://schemas.openxmlformats.org/officeDocument/2006/relationships" xmlns:p="http://schemas.openxmlformats.org/presentationml/2006/main">
   <p:cSld>
     <p:bg>
       <p:bgPr>
         <a:solidFill>
           <a:srgbClr val="D9D9D9"/>
         </a:solidFill>
+        <a:effectLst/>
       </p:bgPr>
     </p:bg>
     <p:spTree>
@@ -5168,6 +5259,7 @@
                 <a:sym typeface="Arial"/>
               </a:defRPr>
             </a:pPr>
+            <a:endParaRPr/>
           </a:p>
         </p:txBody>
       </p:sp>
@@ -5190,7 +5282,7 @@
           </a:ln>
           <a:extLst>
             <a:ext uri="{C572A759-6A51-4108-AA02-DFA0A04FC94B}">
-              <ma14:wrappingTextBoxFlag xmlns:ma14="http://schemas.microsoft.com/office/mac/drawingml/2011/main" val="1"/>
+              <ma14:wrappingTextBoxFlag xmlns:ma14="http://schemas.microsoft.com/office/mac/drawingml/2011/main" xmlns:a14="http://schemas.microsoft.com/office/drawing/2010/main" xmlns:m="http://schemas.openxmlformats.org/officeDocument/2006/math" xmlns="" val="1"/>
             </a:ext>
           </a:extLst>
         </p:spPr>
@@ -5200,7 +5292,6 @@
           </a:bodyPr>
           <a:lstStyle/>
           <a:p>
-            <a:pPr/>
             <a:r>
               <a:t>Deep Learning for Games and Simulations</a:t>
             </a:r>
@@ -5226,7 +5317,7 @@
           </a:ln>
           <a:extLst>
             <a:ext uri="{C572A759-6A51-4108-AA02-DFA0A04FC94B}">
-              <ma14:wrappingTextBoxFlag xmlns:ma14="http://schemas.microsoft.com/office/mac/drawingml/2011/main" val="1"/>
+              <ma14:wrappingTextBoxFlag xmlns:ma14="http://schemas.microsoft.com/office/mac/drawingml/2011/main" xmlns:a14="http://schemas.microsoft.com/office/drawing/2010/main" xmlns:m="http://schemas.openxmlformats.org/officeDocument/2006/math" xmlns="" val="1"/>
             </a:ext>
           </a:extLst>
         </p:spPr>
@@ -5236,7 +5327,6 @@
           </a:bodyPr>
           <a:lstStyle/>
           <a:p>
-            <a:pPr/>
             <a:r>
               <a:t>ITU Copenhagen, Fall 2023</a:t>
             </a:r>
@@ -5262,7 +5352,7 @@
           </a:ln>
           <a:extLst>
             <a:ext uri="{C572A759-6A51-4108-AA02-DFA0A04FC94B}">
-              <ma14:wrappingTextBoxFlag xmlns:ma14="http://schemas.microsoft.com/office/mac/drawingml/2011/main" val="1"/>
+              <ma14:wrappingTextBoxFlag xmlns:ma14="http://schemas.microsoft.com/office/mac/drawingml/2011/main" xmlns:a14="http://schemas.microsoft.com/office/drawing/2010/main" xmlns:m="http://schemas.openxmlformats.org/officeDocument/2006/math" xmlns="" val="1"/>
             </a:ext>
           </a:extLst>
         </p:spPr>
@@ -5273,7 +5363,7 @@
           <a:lstStyle/>
           <a:p>
             <a:pPr algn="l">
-              <a:defRPr b="1" sz="3300">
+              <a:defRPr sz="3300" b="1">
                 <a:solidFill>
                   <a:srgbClr val="9EB935"/>
                 </a:solidFill>
@@ -5289,7 +5379,7 @@
           </a:p>
           <a:p>
             <a:pPr algn="l">
-              <a:defRPr b="1" sz="3300">
+              <a:defRPr sz="3300" b="1">
                 <a:solidFill>
                   <a:srgbClr val="9EB935"/>
                 </a:solidFill>
@@ -5324,7 +5414,7 @@
           </a:ln>
           <a:extLst>
             <a:ext uri="{C572A759-6A51-4108-AA02-DFA0A04FC94B}">
-              <ma14:wrappingTextBoxFlag xmlns:ma14="http://schemas.microsoft.com/office/mac/drawingml/2011/main" val="1"/>
+              <ma14:wrappingTextBoxFlag xmlns:ma14="http://schemas.microsoft.com/office/mac/drawingml/2011/main" xmlns:a14="http://schemas.microsoft.com/office/drawing/2010/main" xmlns:m="http://schemas.openxmlformats.org/officeDocument/2006/math" xmlns="" val="1"/>
             </a:ext>
           </a:extLst>
         </p:spPr>
@@ -5340,6 +5430,7 @@
               </a:lnSpc>
               <a:defRPr sz="1400"/>
             </a:pPr>
+            <a:endParaRPr/>
           </a:p>
           <a:p>
             <a:pPr algn="l">
@@ -5348,6 +5439,7 @@
               </a:lnSpc>
               <a:defRPr sz="1400"/>
             </a:pPr>
+            <a:endParaRPr/>
           </a:p>
         </p:txBody>
       </p:sp>
@@ -5360,9 +5452,7 @@
           <p:nvPr/>
         </p:nvPicPr>
         <p:blipFill>
-          <a:blip r:embed="rId2">
-            <a:extLst/>
-          </a:blip>
+          <a:blip r:embed="rId2"/>
           <a:stretch>
             <a:fillRect/>
           </a:stretch>
@@ -5399,7 +5489,7 @@
           </a:ln>
           <a:extLst>
             <a:ext uri="{C572A759-6A51-4108-AA02-DFA0A04FC94B}">
-              <ma14:wrappingTextBoxFlag xmlns:ma14="http://schemas.microsoft.com/office/mac/drawingml/2011/main" val="1"/>
+              <ma14:wrappingTextBoxFlag xmlns:ma14="http://schemas.microsoft.com/office/mac/drawingml/2011/main" xmlns:a14="http://schemas.microsoft.com/office/drawing/2010/main" xmlns:m="http://schemas.openxmlformats.org/officeDocument/2006/math" xmlns="" val="1"/>
             </a:ext>
           </a:extLst>
         </p:spPr>
@@ -5431,6 +5521,7 @@
               <a:t>&gt;for each layer, define: input size and output size, activation functions (e.g. tanh, relu), parameter initialization (e.g. Gaussian)</a:t>
             </a:r>
             <a:br/>
+            <a:endParaRPr/>
           </a:p>
           <a:p>
             <a:pPr algn="l">
@@ -5462,18 +5553,19 @@
   <p:clrMapOvr>
     <a:masterClrMapping/>
   </p:clrMapOvr>
-  <p:transition xmlns:p14="http://schemas.microsoft.com/office/powerpoint/2010/main" spd="med" advClick="1"/>
+  <p:transition spd="med"/>
 </p:sld>
 </file>
 
 <file path=ppt/slides/slide17.xml><?xml version="1.0" encoding="utf-8"?>
-<p:sld xmlns:a="http://schemas.openxmlformats.org/drawingml/2006/main" xmlns:r="http://schemas.openxmlformats.org/officeDocument/2006/relationships" xmlns:p="http://schemas.openxmlformats.org/presentationml/2006/main" xmlns:m="http://schemas.openxmlformats.org/officeDocument/2006/math" xmlns:a14="http://schemas.microsoft.com/office/drawing/2010/main" showMasterSp="1" showMasterPhAnim="1">
+<p:sld xmlns:a="http://schemas.openxmlformats.org/drawingml/2006/main" xmlns:r="http://schemas.openxmlformats.org/officeDocument/2006/relationships" xmlns:p="http://schemas.openxmlformats.org/presentationml/2006/main">
   <p:cSld>
     <p:bg>
       <p:bgPr>
         <a:solidFill>
           <a:srgbClr val="D9D9D9"/>
         </a:solidFill>
+        <a:effectLst/>
       </p:bgPr>
     </p:bg>
     <p:spTree>
@@ -5528,6 +5620,7 @@
                 <a:sym typeface="Arial"/>
               </a:defRPr>
             </a:pPr>
+            <a:endParaRPr/>
           </a:p>
         </p:txBody>
       </p:sp>
@@ -5550,7 +5643,7 @@
           </a:ln>
           <a:extLst>
             <a:ext uri="{C572A759-6A51-4108-AA02-DFA0A04FC94B}">
-              <ma14:wrappingTextBoxFlag xmlns:ma14="http://schemas.microsoft.com/office/mac/drawingml/2011/main" val="1"/>
+              <ma14:wrappingTextBoxFlag xmlns:ma14="http://schemas.microsoft.com/office/mac/drawingml/2011/main" xmlns:a14="http://schemas.microsoft.com/office/drawing/2010/main" xmlns:m="http://schemas.openxmlformats.org/officeDocument/2006/math" xmlns="" val="1"/>
             </a:ext>
           </a:extLst>
         </p:spPr>
@@ -5560,7 +5653,6 @@
           </a:bodyPr>
           <a:lstStyle/>
           <a:p>
-            <a:pPr/>
             <a:r>
               <a:t>Deep Learning for Games and Simulations</a:t>
             </a:r>
@@ -5586,7 +5678,7 @@
           </a:ln>
           <a:extLst>
             <a:ext uri="{C572A759-6A51-4108-AA02-DFA0A04FC94B}">
-              <ma14:wrappingTextBoxFlag xmlns:ma14="http://schemas.microsoft.com/office/mac/drawingml/2011/main" val="1"/>
+              <ma14:wrappingTextBoxFlag xmlns:ma14="http://schemas.microsoft.com/office/mac/drawingml/2011/main" xmlns:a14="http://schemas.microsoft.com/office/drawing/2010/main" xmlns:m="http://schemas.openxmlformats.org/officeDocument/2006/math" xmlns="" val="1"/>
             </a:ext>
           </a:extLst>
         </p:spPr>
@@ -5596,7 +5688,6 @@
           </a:bodyPr>
           <a:lstStyle/>
           <a:p>
-            <a:pPr/>
             <a:r>
               <a:t>ITU Copenhagen, Fall 2023</a:t>
             </a:r>
@@ -5622,7 +5713,7 @@
           </a:ln>
           <a:extLst>
             <a:ext uri="{C572A759-6A51-4108-AA02-DFA0A04FC94B}">
-              <ma14:wrappingTextBoxFlag xmlns:ma14="http://schemas.microsoft.com/office/mac/drawingml/2011/main" val="1"/>
+              <ma14:wrappingTextBoxFlag xmlns:ma14="http://schemas.microsoft.com/office/mac/drawingml/2011/main" xmlns:a14="http://schemas.microsoft.com/office/drawing/2010/main" xmlns:m="http://schemas.openxmlformats.org/officeDocument/2006/math" xmlns="" val="1"/>
             </a:ext>
           </a:extLst>
         </p:spPr>
@@ -5633,7 +5724,7 @@
           <a:lstStyle/>
           <a:p>
             <a:pPr algn="l">
-              <a:defRPr b="1" sz="2500">
+              <a:defRPr sz="2500" b="1">
                 <a:solidFill>
                   <a:srgbClr val="9EB935"/>
                 </a:solidFill>
@@ -5649,7 +5740,7 @@
           </a:p>
           <a:p>
             <a:pPr algn="l">
-              <a:defRPr b="1" sz="2500">
+              <a:defRPr sz="2500" b="1">
                 <a:solidFill>
                   <a:srgbClr val="9EB935"/>
                 </a:solidFill>
@@ -5684,7 +5775,7 @@
           </a:ln>
           <a:extLst>
             <a:ext uri="{C572A759-6A51-4108-AA02-DFA0A04FC94B}">
-              <ma14:wrappingTextBoxFlag xmlns:ma14="http://schemas.microsoft.com/office/mac/drawingml/2011/main" val="1"/>
+              <ma14:wrappingTextBoxFlag xmlns:ma14="http://schemas.microsoft.com/office/mac/drawingml/2011/main" xmlns:a14="http://schemas.microsoft.com/office/drawing/2010/main" xmlns:m="http://schemas.openxmlformats.org/officeDocument/2006/math" xmlns="" val="1"/>
             </a:ext>
           </a:extLst>
         </p:spPr>
@@ -5859,7 +5950,7 @@
           </a:ln>
           <a:extLst>
             <a:ext uri="{C572A759-6A51-4108-AA02-DFA0A04FC94B}">
-              <ma14:wrappingTextBoxFlag xmlns:ma14="http://schemas.microsoft.com/office/mac/drawingml/2011/main" val="1"/>
+              <ma14:wrappingTextBoxFlag xmlns:ma14="http://schemas.microsoft.com/office/mac/drawingml/2011/main" xmlns:a14="http://schemas.microsoft.com/office/drawing/2010/main" xmlns:m="http://schemas.openxmlformats.org/officeDocument/2006/math" xmlns="" val="1"/>
             </a:ext>
           </a:extLst>
         </p:spPr>
@@ -5869,7 +5960,7 @@
           </a:bodyPr>
           <a:lstStyle>
             <a:lvl1pPr algn="l">
-              <a:defRPr b="1" sz="2500">
+              <a:defRPr sz="2500" b="1">
                 <a:solidFill>
                   <a:srgbClr val="9EB935"/>
                 </a:solidFill>
@@ -5881,7 +5972,6 @@
             </a:lvl1pPr>
           </a:lstStyle>
           <a:p>
-            <a:pPr/>
             <a:r>
               <a:t>(h) Training Neural Networks</a:t>
             </a:r>
@@ -5897,9 +5987,7 @@
           <p:nvPr/>
         </p:nvPicPr>
         <p:blipFill>
-          <a:blip r:embed="rId2">
-            <a:extLst/>
-          </a:blip>
+          <a:blip r:embed="rId2"/>
           <a:stretch>
             <a:fillRect/>
           </a:stretch>
@@ -5922,18 +6010,19 @@
   <p:clrMapOvr>
     <a:masterClrMapping/>
   </p:clrMapOvr>
-  <p:transition xmlns:p14="http://schemas.microsoft.com/office/powerpoint/2010/main" spd="med" advClick="1"/>
+  <p:transition spd="med"/>
 </p:sld>
 </file>
 
 <file path=ppt/slides/slide18.xml><?xml version="1.0" encoding="utf-8"?>
-<p:sld xmlns:a="http://schemas.openxmlformats.org/drawingml/2006/main" xmlns:r="http://schemas.openxmlformats.org/officeDocument/2006/relationships" xmlns:p="http://schemas.openxmlformats.org/presentationml/2006/main" xmlns:m="http://schemas.openxmlformats.org/officeDocument/2006/math" xmlns:a14="http://schemas.microsoft.com/office/drawing/2010/main" showMasterSp="1" showMasterPhAnim="1">
+<p:sld xmlns:a="http://schemas.openxmlformats.org/drawingml/2006/main" xmlns:r="http://schemas.openxmlformats.org/officeDocument/2006/relationships" xmlns:p="http://schemas.openxmlformats.org/presentationml/2006/main">
   <p:cSld>
     <p:bg>
       <p:bgPr>
         <a:solidFill>
           <a:srgbClr val="D9D9D9"/>
         </a:solidFill>
+        <a:effectLst/>
       </p:bgPr>
     </p:bg>
     <p:spTree>
@@ -5988,6 +6077,7 @@
                 <a:sym typeface="Arial"/>
               </a:defRPr>
             </a:pPr>
+            <a:endParaRPr/>
           </a:p>
         </p:txBody>
       </p:sp>
@@ -6010,7 +6100,7 @@
           </a:ln>
           <a:extLst>
             <a:ext uri="{C572A759-6A51-4108-AA02-DFA0A04FC94B}">
-              <ma14:wrappingTextBoxFlag xmlns:ma14="http://schemas.microsoft.com/office/mac/drawingml/2011/main" val="1"/>
+              <ma14:wrappingTextBoxFlag xmlns:ma14="http://schemas.microsoft.com/office/mac/drawingml/2011/main" xmlns:a14="http://schemas.microsoft.com/office/drawing/2010/main" xmlns:m="http://schemas.openxmlformats.org/officeDocument/2006/math" xmlns="" val="1"/>
             </a:ext>
           </a:extLst>
         </p:spPr>
@@ -6057,6 +6147,7 @@
               <a:t>Reinforcement Learning</a:t>
             </a:r>
             <a:br/>
+            <a:endParaRPr/>
           </a:p>
           <a:p>
             <a:pPr algn="l">
@@ -6098,7 +6189,7 @@
           </a:ln>
           <a:extLst>
             <a:ext uri="{C572A759-6A51-4108-AA02-DFA0A04FC94B}">
-              <ma14:wrappingTextBoxFlag xmlns:ma14="http://schemas.microsoft.com/office/mac/drawingml/2011/main" val="1"/>
+              <ma14:wrappingTextBoxFlag xmlns:ma14="http://schemas.microsoft.com/office/mac/drawingml/2011/main" xmlns:a14="http://schemas.microsoft.com/office/drawing/2010/main" xmlns:m="http://schemas.openxmlformats.org/officeDocument/2006/math" xmlns="" val="1"/>
             </a:ext>
           </a:extLst>
         </p:spPr>
@@ -6108,7 +6199,6 @@
           </a:bodyPr>
           <a:lstStyle/>
           <a:p>
-            <a:pPr/>
             <a:r>
               <a:t>Deep Learning for Games and Simulations</a:t>
             </a:r>
@@ -6134,7 +6224,7 @@
           </a:ln>
           <a:extLst>
             <a:ext uri="{C572A759-6A51-4108-AA02-DFA0A04FC94B}">
-              <ma14:wrappingTextBoxFlag xmlns:ma14="http://schemas.microsoft.com/office/mac/drawingml/2011/main" val="1"/>
+              <ma14:wrappingTextBoxFlag xmlns:ma14="http://schemas.microsoft.com/office/mac/drawingml/2011/main" xmlns:a14="http://schemas.microsoft.com/office/drawing/2010/main" xmlns:m="http://schemas.openxmlformats.org/officeDocument/2006/math" xmlns="" val="1"/>
             </a:ext>
           </a:extLst>
         </p:spPr>
@@ -6144,7 +6234,6 @@
           </a:bodyPr>
           <a:lstStyle/>
           <a:p>
-            <a:pPr/>
             <a:r>
               <a:t>ITU Copenhagen, Fall 2023</a:t>
             </a:r>
@@ -6156,18 +6245,19 @@
   <p:clrMapOvr>
     <a:masterClrMapping/>
   </p:clrMapOvr>
-  <p:transition xmlns:p14="http://schemas.microsoft.com/office/powerpoint/2010/main" spd="med" advClick="1"/>
+  <p:transition spd="med"/>
 </p:sld>
 </file>
 
 <file path=ppt/slides/slide19.xml><?xml version="1.0" encoding="utf-8"?>
-<p:sld xmlns:a="http://schemas.openxmlformats.org/drawingml/2006/main" xmlns:r="http://schemas.openxmlformats.org/officeDocument/2006/relationships" xmlns:p="http://schemas.openxmlformats.org/presentationml/2006/main" xmlns:m="http://schemas.openxmlformats.org/officeDocument/2006/math" xmlns:a14="http://schemas.microsoft.com/office/drawing/2010/main" showMasterSp="1" showMasterPhAnim="1">
+<p:sld xmlns:a="http://schemas.openxmlformats.org/drawingml/2006/main" xmlns:r="http://schemas.openxmlformats.org/officeDocument/2006/relationships" xmlns:p="http://schemas.openxmlformats.org/presentationml/2006/main">
   <p:cSld>
     <p:bg>
       <p:bgPr>
         <a:solidFill>
           <a:srgbClr val="D9D9D9"/>
         </a:solidFill>
+        <a:effectLst/>
       </p:bgPr>
     </p:bg>
     <p:spTree>
@@ -6222,6 +6312,7 @@
                 <a:sym typeface="Arial"/>
               </a:defRPr>
             </a:pPr>
+            <a:endParaRPr/>
           </a:p>
         </p:txBody>
       </p:sp>
@@ -6244,7 +6335,7 @@
           </a:ln>
           <a:extLst>
             <a:ext uri="{C572A759-6A51-4108-AA02-DFA0A04FC94B}">
-              <ma14:wrappingTextBoxFlag xmlns:ma14="http://schemas.microsoft.com/office/mac/drawingml/2011/main" val="1"/>
+              <ma14:wrappingTextBoxFlag xmlns:ma14="http://schemas.microsoft.com/office/mac/drawingml/2011/main" xmlns:a14="http://schemas.microsoft.com/office/drawing/2010/main" xmlns:m="http://schemas.openxmlformats.org/officeDocument/2006/math" xmlns="" val="1"/>
             </a:ext>
           </a:extLst>
         </p:spPr>
@@ -6269,7 +6360,6 @@
             </a:lvl1pPr>
           </a:lstStyle>
           <a:p>
-            <a:pPr/>
             <a:r>
               <a:t>Q-Learning</a:t>
             </a:r>
@@ -6295,7 +6385,7 @@
           </a:ln>
           <a:extLst>
             <a:ext uri="{C572A759-6A51-4108-AA02-DFA0A04FC94B}">
-              <ma14:wrappingTextBoxFlag xmlns:ma14="http://schemas.microsoft.com/office/mac/drawingml/2011/main" val="1"/>
+              <ma14:wrappingTextBoxFlag xmlns:ma14="http://schemas.microsoft.com/office/mac/drawingml/2011/main" xmlns:a14="http://schemas.microsoft.com/office/drawing/2010/main" xmlns:m="http://schemas.openxmlformats.org/officeDocument/2006/math" xmlns="" val="1"/>
             </a:ext>
           </a:extLst>
         </p:spPr>
@@ -6305,7 +6395,6 @@
           </a:bodyPr>
           <a:lstStyle/>
           <a:p>
-            <a:pPr/>
             <a:r>
               <a:t>Deep Learning for Games and Simulations</a:t>
             </a:r>
@@ -6331,7 +6420,7 @@
           </a:ln>
           <a:extLst>
             <a:ext uri="{C572A759-6A51-4108-AA02-DFA0A04FC94B}">
-              <ma14:wrappingTextBoxFlag xmlns:ma14="http://schemas.microsoft.com/office/mac/drawingml/2011/main" val="1"/>
+              <ma14:wrappingTextBoxFlag xmlns:ma14="http://schemas.microsoft.com/office/mac/drawingml/2011/main" xmlns:a14="http://schemas.microsoft.com/office/drawing/2010/main" xmlns:m="http://schemas.openxmlformats.org/officeDocument/2006/math" xmlns="" val="1"/>
             </a:ext>
           </a:extLst>
         </p:spPr>
@@ -6341,7 +6430,6 @@
           </a:bodyPr>
           <a:lstStyle/>
           <a:p>
-            <a:pPr/>
             <a:r>
               <a:t>ITU Copenhagen, Fall 2023</a:t>
             </a:r>
@@ -6367,7 +6455,7 @@
           </a:ln>
           <a:extLst>
             <a:ext uri="{C572A759-6A51-4108-AA02-DFA0A04FC94B}">
-              <ma14:wrappingTextBoxFlag xmlns:ma14="http://schemas.microsoft.com/office/mac/drawingml/2011/main" val="1"/>
+              <ma14:wrappingTextBoxFlag xmlns:ma14="http://schemas.microsoft.com/office/mac/drawingml/2011/main" xmlns:a14="http://schemas.microsoft.com/office/drawing/2010/main" xmlns:m="http://schemas.openxmlformats.org/officeDocument/2006/math" xmlns="" val="1"/>
             </a:ext>
           </a:extLst>
         </p:spPr>
@@ -6404,10 +6492,7 @@
               <a:t>Value-based method: </a:t>
             </a:r>
             <a:r>
-              <a:t>finds the optima</a:t>
-            </a:r>
-            <a:r>
-              <a:t>l policy indirectly by </a:t>
+              <a:t>finds the optimal policy indirectly by </a:t>
             </a:r>
             <a:r>
               <a:rPr b="1">
@@ -6440,6 +6525,7 @@
                 <a:sym typeface="IBM Plex Sans"/>
               </a:defRPr>
             </a:pPr>
+            <a:endParaRPr/>
           </a:p>
           <a:p>
             <a:pPr algn="l">
@@ -6581,6 +6667,7 @@
                 <a:sym typeface="IBM Plex Sans"/>
               </a:defRPr>
             </a:pPr>
+            <a:endParaRPr/>
           </a:p>
           <a:p>
             <a:pPr algn="l" defTabSz="457200">
@@ -6594,6 +6681,7 @@
                 <a:sym typeface="IBM Plex Sans"/>
               </a:defRPr>
             </a:pPr>
+            <a:endParaRPr/>
           </a:p>
         </p:txBody>
       </p:sp>
@@ -6606,9 +6694,7 @@
           <p:nvPr/>
         </p:nvPicPr>
         <p:blipFill>
-          <a:blip r:embed="rId2">
-            <a:extLst/>
-          </a:blip>
+          <a:blip r:embed="rId2"/>
           <a:stretch>
             <a:fillRect/>
           </a:stretch>
@@ -6635,9 +6721,7 @@
           <p:nvPr/>
         </p:nvPicPr>
         <p:blipFill>
-          <a:blip r:embed="rId3">
-            <a:extLst/>
-          </a:blip>
+          <a:blip r:embed="rId3"/>
           <a:stretch>
             <a:fillRect/>
           </a:stretch>
@@ -6674,7 +6758,7 @@
           </a:ln>
           <a:extLst>
             <a:ext uri="{C572A759-6A51-4108-AA02-DFA0A04FC94B}">
-              <ma14:wrappingTextBoxFlag xmlns:ma14="http://schemas.microsoft.com/office/mac/drawingml/2011/main" val="1"/>
+              <ma14:wrappingTextBoxFlag xmlns:ma14="http://schemas.microsoft.com/office/mac/drawingml/2011/main" xmlns:a14="http://schemas.microsoft.com/office/drawing/2010/main" xmlns:m="http://schemas.openxmlformats.org/officeDocument/2006/math" xmlns="" val="1"/>
             </a:ext>
           </a:extLst>
         </p:spPr>
@@ -6692,7 +6776,6 @@
             </a:lvl1pPr>
           </a:lstStyle>
           <a:p>
-            <a:pPr/>
             <a:r>
               <a:t>Actions</a:t>
             </a:r>
@@ -6718,7 +6801,7 @@
           </a:ln>
           <a:extLst>
             <a:ext uri="{C572A759-6A51-4108-AA02-DFA0A04FC94B}">
-              <ma14:wrappingTextBoxFlag xmlns:ma14="http://schemas.microsoft.com/office/mac/drawingml/2011/main" val="1"/>
+              <ma14:wrappingTextBoxFlag xmlns:ma14="http://schemas.microsoft.com/office/mac/drawingml/2011/main" xmlns:a14="http://schemas.microsoft.com/office/drawing/2010/main" xmlns:m="http://schemas.openxmlformats.org/officeDocument/2006/math" xmlns="" val="1"/>
             </a:ext>
           </a:extLst>
         </p:spPr>
@@ -6736,7 +6819,6 @@
             </a:lvl1pPr>
           </a:lstStyle>
           <a:p>
-            <a:pPr/>
             <a:r>
               <a:t>States</a:t>
             </a:r>
@@ -6748,18 +6830,19 @@
   <p:clrMapOvr>
     <a:masterClrMapping/>
   </p:clrMapOvr>
-  <p:transition xmlns:p14="http://schemas.microsoft.com/office/powerpoint/2010/main" spd="med" advClick="1"/>
+  <p:transition spd="med"/>
 </p:sld>
 </file>
 
 <file path=ppt/slides/slide2.xml><?xml version="1.0" encoding="utf-8"?>
-<p:sld xmlns:a="http://schemas.openxmlformats.org/drawingml/2006/main" xmlns:r="http://schemas.openxmlformats.org/officeDocument/2006/relationships" xmlns:p="http://schemas.openxmlformats.org/presentationml/2006/main" xmlns:m="http://schemas.openxmlformats.org/officeDocument/2006/math" xmlns:a14="http://schemas.microsoft.com/office/drawing/2010/main" showMasterSp="1" showMasterPhAnim="1">
+<p:sld xmlns:a="http://schemas.openxmlformats.org/drawingml/2006/main" xmlns:r="http://schemas.openxmlformats.org/officeDocument/2006/relationships" xmlns:p="http://schemas.openxmlformats.org/presentationml/2006/main">
   <p:cSld>
     <p:bg>
       <p:bgPr>
         <a:solidFill>
           <a:srgbClr val="D9D9D9"/>
         </a:solidFill>
+        <a:effectLst/>
       </p:bgPr>
     </p:bg>
     <p:spTree>
@@ -6814,6 +6897,7 @@
                 <a:sym typeface="Arial"/>
               </a:defRPr>
             </a:pPr>
+            <a:endParaRPr/>
           </a:p>
         </p:txBody>
       </p:sp>
@@ -6836,7 +6920,7 @@
           </a:ln>
           <a:extLst>
             <a:ext uri="{C572A759-6A51-4108-AA02-DFA0A04FC94B}">
-              <ma14:wrappingTextBoxFlag xmlns:ma14="http://schemas.microsoft.com/office/mac/drawingml/2011/main" val="1"/>
+              <ma14:wrappingTextBoxFlag xmlns:ma14="http://schemas.microsoft.com/office/mac/drawingml/2011/main" xmlns:a14="http://schemas.microsoft.com/office/drawing/2010/main" xmlns:m="http://schemas.openxmlformats.org/officeDocument/2006/math" xmlns="" val="1"/>
             </a:ext>
           </a:extLst>
         </p:spPr>
@@ -6846,7 +6930,6 @@
           </a:bodyPr>
           <a:lstStyle/>
           <a:p>
-            <a:pPr/>
             <a:r>
               <a:t>Deep Learning for Games and Simulations</a:t>
             </a:r>
@@ -6872,7 +6955,7 @@
           </a:ln>
           <a:extLst>
             <a:ext uri="{C572A759-6A51-4108-AA02-DFA0A04FC94B}">
-              <ma14:wrappingTextBoxFlag xmlns:ma14="http://schemas.microsoft.com/office/mac/drawingml/2011/main" val="1"/>
+              <ma14:wrappingTextBoxFlag xmlns:ma14="http://schemas.microsoft.com/office/mac/drawingml/2011/main" xmlns:a14="http://schemas.microsoft.com/office/drawing/2010/main" xmlns:m="http://schemas.openxmlformats.org/officeDocument/2006/math" xmlns="" val="1"/>
             </a:ext>
           </a:extLst>
         </p:spPr>
@@ -6882,7 +6965,6 @@
           </a:bodyPr>
           <a:lstStyle/>
           <a:p>
-            <a:pPr/>
             <a:r>
               <a:t>ITU Copenhagen, Fall 2023</a:t>
             </a:r>
@@ -6908,7 +6990,7 @@
           </a:ln>
           <a:extLst>
             <a:ext uri="{C572A759-6A51-4108-AA02-DFA0A04FC94B}">
-              <ma14:wrappingTextBoxFlag xmlns:ma14="http://schemas.microsoft.com/office/mac/drawingml/2011/main" val="1"/>
+              <ma14:wrappingTextBoxFlag xmlns:ma14="http://schemas.microsoft.com/office/mac/drawingml/2011/main" xmlns:a14="http://schemas.microsoft.com/office/drawing/2010/main" xmlns:m="http://schemas.openxmlformats.org/officeDocument/2006/math" xmlns="" val="1"/>
             </a:ext>
           </a:extLst>
         </p:spPr>
@@ -6919,7 +7001,7 @@
           <a:lstStyle/>
           <a:p>
             <a:pPr algn="l">
-              <a:defRPr b="1" sz="1400">
+              <a:defRPr sz="1400" b="1">
                 <a:solidFill>
                   <a:srgbClr val="9EB935"/>
                 </a:solidFill>
@@ -6931,7 +7013,7 @@
           </a:p>
           <a:p>
             <a:pPr algn="l">
-              <a:defRPr b="1" sz="1400">
+              <a:defRPr sz="1400" b="1">
                 <a:solidFill>
                   <a:srgbClr val="9EB935"/>
                 </a:solidFill>
@@ -6953,7 +7035,7 @@
           </a:p>
           <a:p>
             <a:pPr algn="l">
-              <a:defRPr b="1" sz="1100"/>
+              <a:defRPr sz="1100" b="1"/>
             </a:pPr>
             <a:r>
               <a:rPr b="0"/>
@@ -7006,7 +7088,7 @@
           </a:ln>
           <a:extLst>
             <a:ext uri="{C572A759-6A51-4108-AA02-DFA0A04FC94B}">
-              <ma14:wrappingTextBoxFlag xmlns:ma14="http://schemas.microsoft.com/office/mac/drawingml/2011/main" val="1"/>
+              <ma14:wrappingTextBoxFlag xmlns:ma14="http://schemas.microsoft.com/office/mac/drawingml/2011/main" xmlns:a14="http://schemas.microsoft.com/office/drawing/2010/main" xmlns:m="http://schemas.openxmlformats.org/officeDocument/2006/math" xmlns="" val="1"/>
             </a:ext>
           </a:extLst>
         </p:spPr>
@@ -7017,7 +7099,7 @@
           <a:lstStyle/>
           <a:p>
             <a:pPr algn="l">
-              <a:defRPr b="1" sz="1400">
+              <a:defRPr sz="1400" b="1">
                 <a:solidFill>
                   <a:srgbClr val="9EB935"/>
                 </a:solidFill>
@@ -7029,7 +7111,7 @@
           </a:p>
           <a:p>
             <a:pPr algn="l">
-              <a:defRPr b="1" sz="1400">
+              <a:defRPr sz="1400" b="1">
                 <a:solidFill>
                   <a:srgbClr val="9EB935"/>
                 </a:solidFill>
@@ -7115,7 +7197,7 @@
           </a:ln>
           <a:extLst>
             <a:ext uri="{C572A759-6A51-4108-AA02-DFA0A04FC94B}">
-              <ma14:wrappingTextBoxFlag xmlns:ma14="http://schemas.microsoft.com/office/mac/drawingml/2011/main" val="1"/>
+              <ma14:wrappingTextBoxFlag xmlns:ma14="http://schemas.microsoft.com/office/mac/drawingml/2011/main" xmlns:a14="http://schemas.microsoft.com/office/drawing/2010/main" xmlns:m="http://schemas.openxmlformats.org/officeDocument/2006/math" xmlns="" val="1"/>
             </a:ext>
           </a:extLst>
         </p:spPr>
@@ -7126,7 +7208,7 @@
           <a:lstStyle/>
           <a:p>
             <a:pPr algn="l">
-              <a:defRPr b="1" sz="1400">
+              <a:defRPr sz="1400" b="1">
                 <a:solidFill>
                   <a:srgbClr val="9EB935"/>
                 </a:solidFill>
@@ -7141,11 +7223,11 @@
             </a:r>
             <a:br/>
             <a:r>
-              <a:rPr b="0" sz="1100"/>
+              <a:rPr sz="1100" b="0"/>
               <a:t>- </a:t>
             </a:r>
             <a:r>
-              <a:rPr b="0" sz="1100">
+              <a:rPr sz="1100" b="0">
                 <a:solidFill>
                   <a:srgbClr val="544F59"/>
                 </a:solidFill>
@@ -7153,14 +7235,14 @@
               <a:t>To open directly from Github url:</a:t>
             </a:r>
             <a:br>
-              <a:rPr b="0" sz="1100">
+              <a:rPr sz="1100" b="0">
                 <a:solidFill>
                   <a:srgbClr val="544F59"/>
                 </a:solidFill>
               </a:rPr>
             </a:br>
             <a:r>
-              <a:rPr b="0" sz="1100">
+              <a:rPr sz="1100" b="0">
                 <a:solidFill>
                   <a:srgbClr val="D76028"/>
                 </a:solidFill>
@@ -7168,14 +7250,14 @@
               <a:t>https://colab.research.google.com/github/{username}/{repository_name}/blob/{branch_name}/{notebook_path}</a:t>
             </a:r>
             <a:br>
-              <a:rPr b="0" sz="1100">
+              <a:rPr sz="1100" b="0">
                 <a:solidFill>
                   <a:srgbClr val="544F59"/>
                 </a:solidFill>
               </a:rPr>
             </a:br>
             <a:r>
-              <a:rPr b="0" sz="1100">
+              <a:rPr sz="1100" b="0">
                 <a:solidFill>
                   <a:srgbClr val="5F5862"/>
                 </a:solidFill>
@@ -7203,7 +7285,7 @@
                     <a:schemeClr val="accent5"/>
                   </a:solidFill>
                 </a:uFill>
-                <a:hlinkClick r:id="rId2" invalidUrl="" action="" tgtFrame="" tooltip="" history="1" highlightClick="0" endSnd="0"/>
+                <a:hlinkClick r:id="rId2"/>
               </a:rPr>
               <a:t>https://colab.research.google.com/github/claireaoi/dlgs/blob/main/labs/lab1_mcts.ipynb</a:t>
             </a:r>
@@ -7221,7 +7303,7 @@
                     <a:schemeClr val="accent5"/>
                   </a:solidFill>
                 </a:uFill>
-                <a:hlinkClick r:id="rId3" invalidUrl="" action="" tgtFrame="" tooltip="" history="1" highlightClick="0" endSnd="0"/>
+                <a:hlinkClick r:id="rId3"/>
               </a:rPr>
               <a:t>https://colab.research.google.com/</a:t>
             </a:r>
@@ -7282,10 +7364,7 @@
               <a:t>- Some notebooks may require specific dependencies. To install necessary libraries using </a:t>
             </a:r>
             <a:r>
-              <a:t>!pip install librar</a:t>
-            </a:r>
-            <a:r>
-              <a:t>y-name </a:t>
+              <a:t>!pip install library-name </a:t>
             </a:r>
           </a:p>
         </p:txBody>
@@ -7309,7 +7388,7 @@
           </a:ln>
           <a:extLst>
             <a:ext uri="{C572A759-6A51-4108-AA02-DFA0A04FC94B}">
-              <ma14:wrappingTextBoxFlag xmlns:ma14="http://schemas.microsoft.com/office/mac/drawingml/2011/main" val="1"/>
+              <ma14:wrappingTextBoxFlag xmlns:ma14="http://schemas.microsoft.com/office/mac/drawingml/2011/main" xmlns:a14="http://schemas.microsoft.com/office/drawing/2010/main" xmlns:m="http://schemas.openxmlformats.org/officeDocument/2006/math" xmlns="" val="1"/>
             </a:ext>
           </a:extLst>
         </p:spPr>
@@ -7327,7 +7406,6 @@
             </a:lvl1pPr>
           </a:lstStyle>
           <a:p>
-            <a:pPr/>
             <a:r>
               <a:t>git clone git@github.com:claireaoi/dlgs.git</a:t>
             </a:r>
@@ -7353,7 +7431,7 @@
           </a:ln>
           <a:extLst>
             <a:ext uri="{C572A759-6A51-4108-AA02-DFA0A04FC94B}">
-              <ma14:wrappingTextBoxFlag xmlns:ma14="http://schemas.microsoft.com/office/mac/drawingml/2011/main" val="1"/>
+              <ma14:wrappingTextBoxFlag xmlns:ma14="http://schemas.microsoft.com/office/mac/drawingml/2011/main" xmlns:a14="http://schemas.microsoft.com/office/drawing/2010/main" xmlns:m="http://schemas.openxmlformats.org/officeDocument/2006/math" xmlns="" val="1"/>
             </a:ext>
           </a:extLst>
         </p:spPr>
@@ -7364,7 +7442,7 @@
           <a:lstStyle/>
           <a:p>
             <a:pPr algn="l">
-              <a:defRPr b="1" sz="1400">
+              <a:defRPr sz="1400" b="1">
                 <a:solidFill>
                   <a:srgbClr val="9EB935"/>
                 </a:solidFill>
@@ -7399,7 +7477,7 @@
           </a:ln>
           <a:extLst>
             <a:ext uri="{C572A759-6A51-4108-AA02-DFA0A04FC94B}">
-              <ma14:wrappingTextBoxFlag xmlns:ma14="http://schemas.microsoft.com/office/mac/drawingml/2011/main" val="1"/>
+              <ma14:wrappingTextBoxFlag xmlns:ma14="http://schemas.microsoft.com/office/mac/drawingml/2011/main" xmlns:a14="http://schemas.microsoft.com/office/drawing/2010/main" xmlns:m="http://schemas.openxmlformats.org/officeDocument/2006/math" xmlns="" val="1"/>
             </a:ext>
           </a:extLst>
         </p:spPr>
@@ -7409,7 +7487,7 @@
           </a:bodyPr>
           <a:lstStyle>
             <a:lvl1pPr algn="l">
-              <a:defRPr b="1" sz="1400">
+              <a:defRPr sz="1400" b="1">
                 <a:solidFill>
                   <a:srgbClr val="9EB935"/>
                 </a:solidFill>
@@ -7417,7 +7495,6 @@
             </a:lvl1pPr>
           </a:lstStyle>
           <a:p>
-            <a:pPr/>
             <a:r>
               <a:t>ETC.</a:t>
             </a:r>
@@ -7443,7 +7520,7 @@
           </a:ln>
           <a:extLst>
             <a:ext uri="{C572A759-6A51-4108-AA02-DFA0A04FC94B}">
-              <ma14:wrappingTextBoxFlag xmlns:ma14="http://schemas.microsoft.com/office/mac/drawingml/2011/main" val="1"/>
+              <ma14:wrappingTextBoxFlag xmlns:ma14="http://schemas.microsoft.com/office/mac/drawingml/2011/main" xmlns:a14="http://schemas.microsoft.com/office/drawing/2010/main" xmlns:m="http://schemas.openxmlformats.org/officeDocument/2006/math" xmlns="" val="1"/>
             </a:ext>
           </a:extLst>
         </p:spPr>
@@ -7468,7 +7545,6 @@
             </a:lvl1pPr>
           </a:lstStyle>
           <a:p>
-            <a:pPr/>
             <a:r>
               <a:t>How to Run Labs</a:t>
             </a:r>
@@ -7480,18 +7556,19 @@
   <p:clrMapOvr>
     <a:masterClrMapping/>
   </p:clrMapOvr>
-  <p:transition xmlns:p14="http://schemas.microsoft.com/office/powerpoint/2010/main" spd="med" advClick="1"/>
+  <p:transition spd="med"/>
 </p:sld>
 </file>
 
 <file path=ppt/slides/slide20.xml><?xml version="1.0" encoding="utf-8"?>
-<p:sld xmlns:a="http://schemas.openxmlformats.org/drawingml/2006/main" xmlns:r="http://schemas.openxmlformats.org/officeDocument/2006/relationships" xmlns:p="http://schemas.openxmlformats.org/presentationml/2006/main" xmlns:m="http://schemas.openxmlformats.org/officeDocument/2006/math" xmlns:a14="http://schemas.microsoft.com/office/drawing/2010/main" showMasterSp="1" showMasterPhAnim="1">
+<p:sld xmlns:a="http://schemas.openxmlformats.org/drawingml/2006/main" xmlns:r="http://schemas.openxmlformats.org/officeDocument/2006/relationships" xmlns:p="http://schemas.openxmlformats.org/presentationml/2006/main">
   <p:cSld>
     <p:bg>
       <p:bgPr>
         <a:solidFill>
           <a:srgbClr val="D9D9D9"/>
         </a:solidFill>
+        <a:effectLst/>
       </p:bgPr>
     </p:bg>
     <p:spTree>
@@ -7546,6 +7623,7 @@
                 <a:sym typeface="Arial"/>
               </a:defRPr>
             </a:pPr>
+            <a:endParaRPr/>
           </a:p>
         </p:txBody>
       </p:sp>
@@ -7568,7 +7646,7 @@
           </a:ln>
           <a:extLst>
             <a:ext uri="{C572A759-6A51-4108-AA02-DFA0A04FC94B}">
-              <ma14:wrappingTextBoxFlag xmlns:ma14="http://schemas.microsoft.com/office/mac/drawingml/2011/main" val="1"/>
+              <ma14:wrappingTextBoxFlag xmlns:ma14="http://schemas.microsoft.com/office/mac/drawingml/2011/main" xmlns:a14="http://schemas.microsoft.com/office/drawing/2010/main" xmlns:m="http://schemas.openxmlformats.org/officeDocument/2006/math" xmlns="" val="1"/>
             </a:ext>
           </a:extLst>
         </p:spPr>
@@ -7593,7 +7671,6 @@
             </a:lvl1pPr>
           </a:lstStyle>
           <a:p>
-            <a:pPr/>
             <a:r>
               <a:t>(1-3) Init Env &amp; Agent</a:t>
             </a:r>
@@ -7619,7 +7696,7 @@
           </a:ln>
           <a:extLst>
             <a:ext uri="{C572A759-6A51-4108-AA02-DFA0A04FC94B}">
-              <ma14:wrappingTextBoxFlag xmlns:ma14="http://schemas.microsoft.com/office/mac/drawingml/2011/main" val="1"/>
+              <ma14:wrappingTextBoxFlag xmlns:ma14="http://schemas.microsoft.com/office/mac/drawingml/2011/main" xmlns:a14="http://schemas.microsoft.com/office/drawing/2010/main" xmlns:m="http://schemas.openxmlformats.org/officeDocument/2006/math" xmlns="" val="1"/>
             </a:ext>
           </a:extLst>
         </p:spPr>
@@ -7629,7 +7706,6 @@
           </a:bodyPr>
           <a:lstStyle/>
           <a:p>
-            <a:pPr/>
             <a:r>
               <a:t>Deep Learning for Games and Simulations</a:t>
             </a:r>
@@ -7655,7 +7731,7 @@
           </a:ln>
           <a:extLst>
             <a:ext uri="{C572A759-6A51-4108-AA02-DFA0A04FC94B}">
-              <ma14:wrappingTextBoxFlag xmlns:ma14="http://schemas.microsoft.com/office/mac/drawingml/2011/main" val="1"/>
+              <ma14:wrappingTextBoxFlag xmlns:ma14="http://schemas.microsoft.com/office/mac/drawingml/2011/main" xmlns:a14="http://schemas.microsoft.com/office/drawing/2010/main" xmlns:m="http://schemas.openxmlformats.org/officeDocument/2006/math" xmlns="" val="1"/>
             </a:ext>
           </a:extLst>
         </p:spPr>
@@ -7665,7 +7741,6 @@
           </a:bodyPr>
           <a:lstStyle/>
           <a:p>
-            <a:pPr/>
             <a:r>
               <a:t>ITU Copenhagen, Fall 2023</a:t>
             </a:r>
@@ -7691,7 +7766,7 @@
           </a:ln>
           <a:extLst>
             <a:ext uri="{C572A759-6A51-4108-AA02-DFA0A04FC94B}">
-              <ma14:wrappingTextBoxFlag xmlns:ma14="http://schemas.microsoft.com/office/mac/drawingml/2011/main" val="1"/>
+              <ma14:wrappingTextBoxFlag xmlns:ma14="http://schemas.microsoft.com/office/mac/drawingml/2011/main" xmlns:a14="http://schemas.microsoft.com/office/drawing/2010/main" xmlns:m="http://schemas.openxmlformats.org/officeDocument/2006/math" xmlns="" val="1"/>
             </a:ext>
           </a:extLst>
         </p:spPr>
@@ -7719,7 +7794,6 @@
               <a:rPr b="1"/>
               <a:t>Environment: </a:t>
             </a:r>
-            <a:endParaRPr b="1"/>
           </a:p>
           <a:p>
             <a:pPr algn="l">
@@ -7811,6 +7885,7 @@
                 <a:sym typeface="Helvetica"/>
               </a:defRPr>
             </a:pPr>
+            <a:endParaRPr/>
           </a:p>
           <a:p>
             <a:pPr algn="l">
@@ -7827,6 +7902,7 @@
                 <a:sym typeface="Helvetica"/>
               </a:defRPr>
             </a:pPr>
+            <a:endParaRPr/>
           </a:p>
           <a:p>
             <a:pPr algn="l">
@@ -7884,7 +7960,6 @@
               <a:rPr b="1"/>
               <a:t>def __init__(</a:t>
             </a:r>
-            <a:endParaRPr b="1"/>
           </a:p>
           <a:p>
             <a:pPr lvl="2" indent="457200" algn="l">
@@ -7987,6 +8062,7 @@
                 <a:sym typeface="Helvetica"/>
               </a:defRPr>
             </a:pPr>
+            <a:endParaRPr b="1"/>
           </a:p>
           <a:p>
             <a:pPr algn="l" defTabSz="457200">
@@ -8000,6 +8076,7 @@
                 <a:sym typeface="IBM Plex Sans"/>
               </a:defRPr>
             </a:pPr>
+            <a:endParaRPr b="1"/>
           </a:p>
           <a:p>
             <a:pPr algn="l" defTabSz="457200">
@@ -8013,6 +8090,7 @@
                 <a:sym typeface="IBM Plex Sans"/>
               </a:defRPr>
             </a:pPr>
+            <a:endParaRPr b="1"/>
           </a:p>
         </p:txBody>
       </p:sp>
@@ -8025,9 +8103,7 @@
           <p:nvPr/>
         </p:nvPicPr>
         <p:blipFill>
-          <a:blip r:embed="rId2">
-            <a:extLst/>
-          </a:blip>
+          <a:blip r:embed="rId2"/>
           <a:srcRect l="5563" t="8735" r="24222" b="2928"/>
           <a:stretch>
             <a:fillRect/>
@@ -8051,18 +8127,19 @@
   <p:clrMapOvr>
     <a:masterClrMapping/>
   </p:clrMapOvr>
-  <p:transition xmlns:p14="http://schemas.microsoft.com/office/powerpoint/2010/main" spd="med" advClick="1"/>
+  <p:transition spd="med"/>
 </p:sld>
 </file>
 
 <file path=ppt/slides/slide21.xml><?xml version="1.0" encoding="utf-8"?>
-<p:sld xmlns:a="http://schemas.openxmlformats.org/drawingml/2006/main" xmlns:r="http://schemas.openxmlformats.org/officeDocument/2006/relationships" xmlns:p="http://schemas.openxmlformats.org/presentationml/2006/main" xmlns:m="http://schemas.openxmlformats.org/officeDocument/2006/math" xmlns:a14="http://schemas.microsoft.com/office/drawing/2010/main" showMasterSp="1" showMasterPhAnim="1">
+<p:sld xmlns:a="http://schemas.openxmlformats.org/drawingml/2006/main" xmlns:r="http://schemas.openxmlformats.org/officeDocument/2006/relationships" xmlns:p="http://schemas.openxmlformats.org/presentationml/2006/main">
   <p:cSld>
     <p:bg>
       <p:bgPr>
         <a:solidFill>
           <a:srgbClr val="D9D9D9"/>
         </a:solidFill>
+        <a:effectLst/>
       </p:bgPr>
     </p:bg>
     <p:spTree>
@@ -8117,6 +8194,7 @@
                 <a:sym typeface="Arial"/>
               </a:defRPr>
             </a:pPr>
+            <a:endParaRPr/>
           </a:p>
         </p:txBody>
       </p:sp>
@@ -8139,7 +8217,7 @@
           </a:ln>
           <a:extLst>
             <a:ext uri="{C572A759-6A51-4108-AA02-DFA0A04FC94B}">
-              <ma14:wrappingTextBoxFlag xmlns:ma14="http://schemas.microsoft.com/office/mac/drawingml/2011/main" val="1"/>
+              <ma14:wrappingTextBoxFlag xmlns:ma14="http://schemas.microsoft.com/office/mac/drawingml/2011/main" xmlns:a14="http://schemas.microsoft.com/office/drawing/2010/main" xmlns:m="http://schemas.openxmlformats.org/officeDocument/2006/math" xmlns="" val="1"/>
             </a:ext>
           </a:extLst>
         </p:spPr>
@@ -8164,7 +8242,6 @@
             </a:lvl1pPr>
           </a:lstStyle>
           <a:p>
-            <a:pPr/>
             <a:r>
               <a:t>(4) Q-Learning Algorithm</a:t>
             </a:r>
@@ -8190,7 +8267,7 @@
           </a:ln>
           <a:extLst>
             <a:ext uri="{C572A759-6A51-4108-AA02-DFA0A04FC94B}">
-              <ma14:wrappingTextBoxFlag xmlns:ma14="http://schemas.microsoft.com/office/mac/drawingml/2011/main" val="1"/>
+              <ma14:wrappingTextBoxFlag xmlns:ma14="http://schemas.microsoft.com/office/mac/drawingml/2011/main" xmlns:a14="http://schemas.microsoft.com/office/drawing/2010/main" xmlns:m="http://schemas.openxmlformats.org/officeDocument/2006/math" xmlns="" val="1"/>
             </a:ext>
           </a:extLst>
         </p:spPr>
@@ -8200,7 +8277,6 @@
           </a:bodyPr>
           <a:lstStyle/>
           <a:p>
-            <a:pPr/>
             <a:r>
               <a:t>Deep Learning for Games and Simulations</a:t>
             </a:r>
@@ -8226,7 +8302,7 @@
           </a:ln>
           <a:extLst>
             <a:ext uri="{C572A759-6A51-4108-AA02-DFA0A04FC94B}">
-              <ma14:wrappingTextBoxFlag xmlns:ma14="http://schemas.microsoft.com/office/mac/drawingml/2011/main" val="1"/>
+              <ma14:wrappingTextBoxFlag xmlns:ma14="http://schemas.microsoft.com/office/mac/drawingml/2011/main" xmlns:a14="http://schemas.microsoft.com/office/drawing/2010/main" xmlns:m="http://schemas.openxmlformats.org/officeDocument/2006/math" xmlns="" val="1"/>
             </a:ext>
           </a:extLst>
         </p:spPr>
@@ -8236,7 +8312,6 @@
           </a:bodyPr>
           <a:lstStyle/>
           <a:p>
-            <a:pPr/>
             <a:r>
               <a:t>ITU Copenhagen, Fall 2023</a:t>
             </a:r>
@@ -8252,9 +8327,7 @@
           <p:nvPr/>
         </p:nvPicPr>
         <p:blipFill>
-          <a:blip r:embed="rId2">
-            <a:extLst/>
-          </a:blip>
+          <a:blip r:embed="rId2"/>
           <a:stretch>
             <a:fillRect/>
           </a:stretch>
@@ -8281,9 +8354,7 @@
           <p:nvPr/>
         </p:nvPicPr>
         <p:blipFill>
-          <a:blip r:embed="rId3">
-            <a:extLst/>
-          </a:blip>
+          <a:blip r:embed="rId3"/>
           <a:stretch>
             <a:fillRect/>
           </a:stretch>
@@ -8320,7 +8391,7 @@
           </a:ln>
           <a:extLst>
             <a:ext uri="{C572A759-6A51-4108-AA02-DFA0A04FC94B}">
-              <ma14:wrappingTextBoxFlag xmlns:ma14="http://schemas.microsoft.com/office/mac/drawingml/2011/main" val="1"/>
+              <ma14:wrappingTextBoxFlag xmlns:ma14="http://schemas.microsoft.com/office/mac/drawingml/2011/main" xmlns:a14="http://schemas.microsoft.com/office/drawing/2010/main" xmlns:m="http://schemas.openxmlformats.org/officeDocument/2006/math" xmlns="" val="1"/>
             </a:ext>
           </a:extLst>
         </p:spPr>
@@ -8338,7 +8409,6 @@
             </a:lvl1pPr>
           </a:lstStyle>
           <a:p>
-            <a:pPr/>
             <a:r>
               <a:t>Greedy Policy</a:t>
             </a:r>
@@ -8384,6 +8454,7 @@
                 <a:sym typeface="Arial"/>
               </a:defRPr>
             </a:pPr>
+            <a:endParaRPr/>
           </a:p>
         </p:txBody>
       </p:sp>
@@ -8430,6 +8501,7 @@
                 <a:sym typeface="Arial"/>
               </a:defRPr>
             </a:pPr>
+            <a:endParaRPr/>
           </a:p>
         </p:txBody>
       </p:sp>
@@ -8438,18 +8510,19 @@
   <p:clrMapOvr>
     <a:masterClrMapping/>
   </p:clrMapOvr>
-  <p:transition xmlns:p14="http://schemas.microsoft.com/office/powerpoint/2010/main" spd="med" advClick="1"/>
+  <p:transition spd="med"/>
 </p:sld>
 </file>
 
 <file path=ppt/slides/slide22.xml><?xml version="1.0" encoding="utf-8"?>
-<p:sld xmlns:a="http://schemas.openxmlformats.org/drawingml/2006/main" xmlns:r="http://schemas.openxmlformats.org/officeDocument/2006/relationships" xmlns:p="http://schemas.openxmlformats.org/presentationml/2006/main" xmlns:m="http://schemas.openxmlformats.org/officeDocument/2006/math" xmlns:a14="http://schemas.microsoft.com/office/drawing/2010/main" showMasterSp="1" showMasterPhAnim="1">
+<p:sld xmlns:a="http://schemas.openxmlformats.org/drawingml/2006/main" xmlns:r="http://schemas.openxmlformats.org/officeDocument/2006/relationships" xmlns:p="http://schemas.openxmlformats.org/presentationml/2006/main">
   <p:cSld>
     <p:bg>
       <p:bgPr>
         <a:solidFill>
           <a:srgbClr val="D9D9D9"/>
         </a:solidFill>
+        <a:effectLst/>
       </p:bgPr>
     </p:bg>
     <p:spTree>
@@ -8504,6 +8577,7 @@
                 <a:sym typeface="Arial"/>
               </a:defRPr>
             </a:pPr>
+            <a:endParaRPr/>
           </a:p>
         </p:txBody>
       </p:sp>
@@ -8526,7 +8600,7 @@
           </a:ln>
           <a:extLst>
             <a:ext uri="{C572A759-6A51-4108-AA02-DFA0A04FC94B}">
-              <ma14:wrappingTextBoxFlag xmlns:ma14="http://schemas.microsoft.com/office/mac/drawingml/2011/main" val="1"/>
+              <ma14:wrappingTextBoxFlag xmlns:ma14="http://schemas.microsoft.com/office/mac/drawingml/2011/main" xmlns:a14="http://schemas.microsoft.com/office/drawing/2010/main" xmlns:m="http://schemas.openxmlformats.org/officeDocument/2006/math" xmlns="" val="1"/>
             </a:ext>
           </a:extLst>
         </p:spPr>
@@ -8551,7 +8625,6 @@
             </a:lvl1pPr>
           </a:lstStyle>
           <a:p>
-            <a:pPr/>
             <a:r>
               <a:t>(5) Evaluate</a:t>
             </a:r>
@@ -8577,7 +8650,7 @@
           </a:ln>
           <a:extLst>
             <a:ext uri="{C572A759-6A51-4108-AA02-DFA0A04FC94B}">
-              <ma14:wrappingTextBoxFlag xmlns:ma14="http://schemas.microsoft.com/office/mac/drawingml/2011/main" val="1"/>
+              <ma14:wrappingTextBoxFlag xmlns:ma14="http://schemas.microsoft.com/office/mac/drawingml/2011/main" xmlns:a14="http://schemas.microsoft.com/office/drawing/2010/main" xmlns:m="http://schemas.openxmlformats.org/officeDocument/2006/math" xmlns="" val="1"/>
             </a:ext>
           </a:extLst>
         </p:spPr>
@@ -8587,7 +8660,6 @@
           </a:bodyPr>
           <a:lstStyle/>
           <a:p>
-            <a:pPr/>
             <a:r>
               <a:t>Deep Learning for Games and Simulations</a:t>
             </a:r>
@@ -8613,7 +8685,7 @@
           </a:ln>
           <a:extLst>
             <a:ext uri="{C572A759-6A51-4108-AA02-DFA0A04FC94B}">
-              <ma14:wrappingTextBoxFlag xmlns:ma14="http://schemas.microsoft.com/office/mac/drawingml/2011/main" val="1"/>
+              <ma14:wrappingTextBoxFlag xmlns:ma14="http://schemas.microsoft.com/office/mac/drawingml/2011/main" xmlns:a14="http://schemas.microsoft.com/office/drawing/2010/main" xmlns:m="http://schemas.openxmlformats.org/officeDocument/2006/math" xmlns="" val="1"/>
             </a:ext>
           </a:extLst>
         </p:spPr>
@@ -8623,7 +8695,6 @@
           </a:bodyPr>
           <a:lstStyle/>
           <a:p>
-            <a:pPr/>
             <a:r>
               <a:t>ITU Copenhagen, Fall 2023</a:t>
             </a:r>
@@ -8649,7 +8720,7 @@
           </a:ln>
           <a:extLst>
             <a:ext uri="{C572A759-6A51-4108-AA02-DFA0A04FC94B}">
-              <ma14:wrappingTextBoxFlag xmlns:ma14="http://schemas.microsoft.com/office/mac/drawingml/2011/main" val="1"/>
+              <ma14:wrappingTextBoxFlag xmlns:ma14="http://schemas.microsoft.com/office/mac/drawingml/2011/main" xmlns:a14="http://schemas.microsoft.com/office/drawing/2010/main" xmlns:m="http://schemas.openxmlformats.org/officeDocument/2006/math" xmlns="" val="1"/>
             </a:ext>
           </a:extLst>
         </p:spPr>
@@ -8715,6 +8786,7 @@
                 <a:sym typeface="Helvetica"/>
               </a:defRPr>
             </a:pPr>
+            <a:endParaRPr/>
           </a:p>
           <a:p>
             <a:pPr algn="l">
@@ -8731,6 +8803,7 @@
                 <a:sym typeface="Helvetica"/>
               </a:defRPr>
             </a:pPr>
+            <a:endParaRPr/>
           </a:p>
           <a:p>
             <a:pPr algn="l">
@@ -8747,6 +8820,7 @@
                 <a:sym typeface="Helvetica"/>
               </a:defRPr>
             </a:pPr>
+            <a:endParaRPr/>
           </a:p>
           <a:p>
             <a:pPr algn="l">
@@ -8763,6 +8837,7 @@
                 <a:sym typeface="Helvetica"/>
               </a:defRPr>
             </a:pPr>
+            <a:endParaRPr/>
           </a:p>
           <a:p>
             <a:pPr algn="l">
@@ -8779,6 +8854,7 @@
                 <a:sym typeface="Helvetica"/>
               </a:defRPr>
             </a:pPr>
+            <a:endParaRPr/>
           </a:p>
           <a:p>
             <a:pPr algn="l">
@@ -8795,6 +8871,7 @@
                 <a:sym typeface="Helvetica"/>
               </a:defRPr>
             </a:pPr>
+            <a:endParaRPr/>
           </a:p>
           <a:p>
             <a:pPr algn="l">
@@ -8811,6 +8888,7 @@
                 <a:sym typeface="Helvetica"/>
               </a:defRPr>
             </a:pPr>
+            <a:endParaRPr/>
           </a:p>
           <a:p>
             <a:pPr algn="l">
@@ -8827,6 +8905,7 @@
                 <a:sym typeface="Helvetica"/>
               </a:defRPr>
             </a:pPr>
+            <a:endParaRPr/>
           </a:p>
           <a:p>
             <a:pPr algn="l">
@@ -8863,6 +8942,7 @@
                 <a:sym typeface="IBM Plex Sans"/>
               </a:defRPr>
             </a:pPr>
+            <a:endParaRPr/>
           </a:p>
           <a:p>
             <a:pPr algn="l" defTabSz="457200">
@@ -8876,6 +8956,7 @@
                 <a:sym typeface="IBM Plex Sans"/>
               </a:defRPr>
             </a:pPr>
+            <a:endParaRPr/>
           </a:p>
         </p:txBody>
       </p:sp>
@@ -8898,7 +8979,7 @@
           </a:ln>
           <a:extLst>
             <a:ext uri="{C572A759-6A51-4108-AA02-DFA0A04FC94B}">
-              <ma14:wrappingTextBoxFlag xmlns:ma14="http://schemas.microsoft.com/office/mac/drawingml/2011/main" val="1"/>
+              <ma14:wrappingTextBoxFlag xmlns:ma14="http://schemas.microsoft.com/office/mac/drawingml/2011/main" xmlns:a14="http://schemas.microsoft.com/office/drawing/2010/main" xmlns:m="http://schemas.openxmlformats.org/officeDocument/2006/math" xmlns="" val="1"/>
             </a:ext>
           </a:extLst>
         </p:spPr>
@@ -8923,7 +9004,6 @@
             </a:lvl1pPr>
           </a:lstStyle>
           <a:p>
-            <a:pPr/>
             <a:r>
               <a:t>(6) Classical Control </a:t>
             </a:r>
@@ -8935,18 +9015,19 @@
   <p:clrMapOvr>
     <a:masterClrMapping/>
   </p:clrMapOvr>
-  <p:transition xmlns:p14="http://schemas.microsoft.com/office/powerpoint/2010/main" spd="med" advClick="1"/>
+  <p:transition spd="med"/>
 </p:sld>
 </file>
 
 <file path=ppt/slides/slide23.xml><?xml version="1.0" encoding="utf-8"?>
-<p:sld xmlns:a="http://schemas.openxmlformats.org/drawingml/2006/main" xmlns:r="http://schemas.openxmlformats.org/officeDocument/2006/relationships" xmlns:p="http://schemas.openxmlformats.org/presentationml/2006/main" xmlns:m="http://schemas.openxmlformats.org/officeDocument/2006/math" xmlns:a14="http://schemas.microsoft.com/office/drawing/2010/main" showMasterSp="1" showMasterPhAnim="1">
+<p:sld xmlns:a="http://schemas.openxmlformats.org/drawingml/2006/main" xmlns:r="http://schemas.openxmlformats.org/officeDocument/2006/relationships" xmlns:p="http://schemas.openxmlformats.org/presentationml/2006/main">
   <p:cSld>
     <p:bg>
       <p:bgPr>
         <a:solidFill>
           <a:srgbClr val="D9D9D9"/>
         </a:solidFill>
+        <a:effectLst/>
       </p:bgPr>
     </p:bg>
     <p:spTree>
@@ -9001,6 +9082,7 @@
                 <a:sym typeface="Arial"/>
               </a:defRPr>
             </a:pPr>
+            <a:endParaRPr/>
           </a:p>
         </p:txBody>
       </p:sp>
@@ -9023,7 +9105,7 @@
           </a:ln>
           <a:extLst>
             <a:ext uri="{C572A759-6A51-4108-AA02-DFA0A04FC94B}">
-              <ma14:wrappingTextBoxFlag xmlns:ma14="http://schemas.microsoft.com/office/mac/drawingml/2011/main" val="1"/>
+              <ma14:wrappingTextBoxFlag xmlns:ma14="http://schemas.microsoft.com/office/mac/drawingml/2011/main" xmlns:a14="http://schemas.microsoft.com/office/drawing/2010/main" xmlns:m="http://schemas.openxmlformats.org/officeDocument/2006/math" xmlns="" val="1"/>
             </a:ext>
           </a:extLst>
         </p:spPr>
@@ -9048,6 +9130,7 @@
               </a:defRPr>
             </a:pPr>
             <a:r>
+              <a:rPr dirty="0"/>
               <a:t>LAB 05 </a:t>
             </a:r>
           </a:p>
@@ -9067,6 +9150,7 @@
               </a:defRPr>
             </a:pPr>
             <a:r>
+              <a:rPr dirty="0"/>
               <a:t>Deep Reinforcement Learning</a:t>
             </a:r>
           </a:p>
@@ -9085,6 +9169,7 @@
                 <a:sym typeface="IBM Plex Sans"/>
               </a:defRPr>
             </a:pPr>
+            <a:endParaRPr dirty="0"/>
           </a:p>
           <a:p>
             <a:pPr algn="l">
@@ -9102,7 +9187,40 @@
               </a:defRPr>
             </a:pPr>
             <a:r>
-              <a:t>https://colab.research.google.com/github/claireaoi/dlgs/blob/main/labs/lab5_drl.ipynb</a:t>
+              <a:rPr dirty="0"/>
+              <a:t>https://</a:t>
+            </a:r>
+            <a:r>
+              <a:rPr dirty="0" err="1"/>
+              <a:t>colab.research.google.com</a:t>
+            </a:r>
+            <a:r>
+              <a:rPr dirty="0"/>
+              <a:t>/</a:t>
+            </a:r>
+            <a:r>
+              <a:rPr dirty="0" err="1"/>
+              <a:t>github</a:t>
+            </a:r>
+            <a:r>
+              <a:rPr dirty="0"/>
+              <a:t>/</a:t>
+            </a:r>
+            <a:r>
+              <a:rPr dirty="0" err="1"/>
+              <a:t>claireaoi</a:t>
+            </a:r>
+            <a:r>
+              <a:rPr dirty="0"/>
+              <a:t>/</a:t>
+            </a:r>
+            <a:r>
+              <a:rPr dirty="0" err="1"/>
+              <a:t>dlgs</a:t>
+            </a:r>
+            <a:r>
+              <a:rPr dirty="0"/>
+              <a:t>/blob/main/labs/lab5_drl.ipynb</a:t>
             </a:r>
           </a:p>
         </p:txBody>
@@ -9126,7 +9244,7 @@
           </a:ln>
           <a:extLst>
             <a:ext uri="{C572A759-6A51-4108-AA02-DFA0A04FC94B}">
-              <ma14:wrappingTextBoxFlag xmlns:ma14="http://schemas.microsoft.com/office/mac/drawingml/2011/main" val="1"/>
+              <ma14:wrappingTextBoxFlag xmlns:ma14="http://schemas.microsoft.com/office/mac/drawingml/2011/main" xmlns:a14="http://schemas.microsoft.com/office/drawing/2010/main" xmlns:m="http://schemas.openxmlformats.org/officeDocument/2006/math" xmlns="" val="1"/>
             </a:ext>
           </a:extLst>
         </p:spPr>
@@ -9136,7 +9254,6 @@
           </a:bodyPr>
           <a:lstStyle/>
           <a:p>
-            <a:pPr/>
             <a:r>
               <a:t>Deep Learning for Games and Simulations</a:t>
             </a:r>
@@ -9162,7 +9279,7 @@
           </a:ln>
           <a:extLst>
             <a:ext uri="{C572A759-6A51-4108-AA02-DFA0A04FC94B}">
-              <ma14:wrappingTextBoxFlag xmlns:ma14="http://schemas.microsoft.com/office/mac/drawingml/2011/main" val="1"/>
+              <ma14:wrappingTextBoxFlag xmlns:ma14="http://schemas.microsoft.com/office/mac/drawingml/2011/main" xmlns:a14="http://schemas.microsoft.com/office/drawing/2010/main" xmlns:m="http://schemas.openxmlformats.org/officeDocument/2006/math" xmlns="" val="1"/>
             </a:ext>
           </a:extLst>
         </p:spPr>
@@ -9172,7 +9289,6 @@
           </a:bodyPr>
           <a:lstStyle/>
           <a:p>
-            <a:pPr/>
             <a:r>
               <a:t>ITU Copenhagen, Fall 2023</a:t>
             </a:r>
@@ -9184,18 +9300,19 @@
   <p:clrMapOvr>
     <a:masterClrMapping/>
   </p:clrMapOvr>
-  <p:transition xmlns:p14="http://schemas.microsoft.com/office/powerpoint/2010/main" spd="med" advClick="1"/>
+  <p:transition spd="med"/>
 </p:sld>
 </file>
 
 <file path=ppt/slides/slide24.xml><?xml version="1.0" encoding="utf-8"?>
-<p:sld xmlns:a="http://schemas.openxmlformats.org/drawingml/2006/main" xmlns:r="http://schemas.openxmlformats.org/officeDocument/2006/relationships" xmlns:p="http://schemas.openxmlformats.org/presentationml/2006/main" xmlns:m="http://schemas.openxmlformats.org/officeDocument/2006/math" xmlns:a14="http://schemas.microsoft.com/office/drawing/2010/main" showMasterSp="1" showMasterPhAnim="1">
+<p:sld xmlns:a="http://schemas.openxmlformats.org/drawingml/2006/main" xmlns:r="http://schemas.openxmlformats.org/officeDocument/2006/relationships" xmlns:p="http://schemas.openxmlformats.org/presentationml/2006/main">
   <p:cSld>
     <p:bg>
       <p:bgPr>
         <a:solidFill>
           <a:srgbClr val="D9D9D9"/>
         </a:solidFill>
+        <a:effectLst/>
       </p:bgPr>
     </p:bg>
     <p:spTree>
@@ -9214,7 +9331,7 @@
       </p:grpSpPr>
       <p:sp>
         <p:nvSpPr>
-          <p:cNvPr id="277" name="Google Shape;73;p15"/>
+          <p:cNvPr id="248" name="Google Shape;73;p15"/>
           <p:cNvSpPr/>
           <p:nvPr/>
         </p:nvSpPr>
@@ -9250,19 +9367,20 @@
                 <a:sym typeface="Arial"/>
               </a:defRPr>
             </a:pPr>
-          </a:p>
-        </p:txBody>
-      </p:sp>
-      <p:sp>
-        <p:nvSpPr>
-          <p:cNvPr id="278" name="Google Shape;124;p20"/>
+            <a:endParaRPr/>
+          </a:p>
+        </p:txBody>
+      </p:sp>
+      <p:sp>
+        <p:nvSpPr>
+          <p:cNvPr id="249" name="Google Shape;124;p20"/>
           <p:cNvSpPr txBox="1"/>
           <p:nvPr/>
         </p:nvSpPr>
         <p:spPr>
           <a:xfrm>
             <a:off x="385389" y="938568"/>
-            <a:ext cx="2924019" cy="1630651"/>
+            <a:ext cx="2924019" cy="3908730"/>
           </a:xfrm>
           <a:prstGeom prst="rect">
             <a:avLst/>
@@ -9272,7 +9390,101 @@
           </a:ln>
           <a:extLst>
             <a:ext uri="{C572A759-6A51-4108-AA02-DFA0A04FC94B}">
-              <ma14:wrappingTextBoxFlag xmlns:ma14="http://schemas.microsoft.com/office/mac/drawingml/2011/main" val="1"/>
+              <ma14:wrappingTextBoxFlag xmlns="" xmlns:m="http://schemas.openxmlformats.org/officeDocument/2006/math" xmlns:a14="http://schemas.microsoft.com/office/drawing/2010/main" xmlns:ma14="http://schemas.microsoft.com/office/mac/drawingml/2011/main" val="1"/>
+            </a:ext>
+          </a:extLst>
+        </p:spPr>
+        <p:txBody>
+          <a:bodyPr lIns="91424" tIns="91424" rIns="91424" bIns="91424">
+            <a:spAutoFit/>
+          </a:bodyPr>
+          <a:lstStyle>
+            <a:lvl1pPr algn="l">
+              <a:lnSpc>
+                <a:spcPct val="100000"/>
+              </a:lnSpc>
+              <a:defRPr sz="2200">
+                <a:solidFill>
+                  <a:srgbClr val="75910B"/>
+                </a:solidFill>
+                <a:latin typeface="+mn-lt"/>
+                <a:ea typeface="+mn-ea"/>
+                <a:cs typeface="+mn-cs"/>
+                <a:sym typeface="IBM Plex Sans"/>
+              </a:defRPr>
+            </a:lvl1pPr>
+          </a:lstStyle>
+          <a:p>
+            <a:r>
+              <a:rPr dirty="0"/>
+              <a:t>(1) </a:t>
+            </a:r>
+            <a:r>
+              <a:rPr lang="da-DK" dirty="0"/>
+              <a:t>Model (Neural)</a:t>
+            </a:r>
+          </a:p>
+          <a:p>
+            <a:endParaRPr lang="da-DK" dirty="0"/>
+          </a:p>
+          <a:p>
+            <a:endParaRPr lang="da-DK" dirty="0"/>
+          </a:p>
+          <a:p>
+            <a:r>
+              <a:rPr lang="da-DK" dirty="0"/>
+              <a:t>(2) DQN Agent</a:t>
+            </a:r>
+          </a:p>
+          <a:p>
+            <a:endParaRPr lang="da-DK" dirty="0"/>
+          </a:p>
+          <a:p>
+            <a:endParaRPr lang="da-DK" dirty="0"/>
+          </a:p>
+          <a:p>
+            <a:r>
+              <a:rPr lang="da-DK" dirty="0"/>
+              <a:t>(3) Training Loop</a:t>
+            </a:r>
+          </a:p>
+          <a:p>
+            <a:endParaRPr lang="da-DK" dirty="0"/>
+          </a:p>
+          <a:p>
+            <a:endParaRPr lang="da-DK" dirty="0"/>
+          </a:p>
+          <a:p>
+            <a:r>
+              <a:rPr lang="da-DK" dirty="0"/>
+              <a:t>(4) Train !</a:t>
+            </a:r>
+          </a:p>
+          <a:p>
+            <a:endParaRPr dirty="0"/>
+          </a:p>
+        </p:txBody>
+      </p:sp>
+      <p:sp>
+        <p:nvSpPr>
+          <p:cNvPr id="250" name="Google Shape;55;p13"/>
+          <p:cNvSpPr txBox="1"/>
+          <p:nvPr/>
+        </p:nvSpPr>
+        <p:spPr>
+          <a:xfrm>
+            <a:off x="130048" y="0"/>
+            <a:ext cx="3134841" cy="284451"/>
+          </a:xfrm>
+          <a:prstGeom prst="rect">
+            <a:avLst/>
+          </a:prstGeom>
+          <a:ln w="12700">
+            <a:miter lim="400000"/>
+          </a:ln>
+          <a:extLst>
+            <a:ext uri="{C572A759-6A51-4108-AA02-DFA0A04FC94B}">
+              <ma14:wrappingTextBoxFlag xmlns="" xmlns:m="http://schemas.openxmlformats.org/officeDocument/2006/math" xmlns:a14="http://schemas.microsoft.com/office/drawing/2010/main" xmlns:ma14="http://schemas.microsoft.com/office/mac/drawingml/2011/main" val="1"/>
             </a:ext>
           </a:extLst>
         </p:spPr>
@@ -9282,203 +9494,216 @@
           </a:bodyPr>
           <a:lstStyle/>
           <a:p>
+            <a:r>
+              <a:t>Deep Learning for Games and Simulations</a:t>
+            </a:r>
+          </a:p>
+        </p:txBody>
+      </p:sp>
+      <p:sp>
+        <p:nvSpPr>
+          <p:cNvPr id="251" name="Google Shape;56;p13"/>
+          <p:cNvSpPr txBox="1"/>
+          <p:nvPr/>
+        </p:nvSpPr>
+        <p:spPr>
+          <a:xfrm>
+            <a:off x="6600259" y="0"/>
+            <a:ext cx="2384701" cy="284450"/>
+          </a:xfrm>
+          <a:prstGeom prst="rect">
+            <a:avLst/>
+          </a:prstGeom>
+          <a:ln w="12700">
+            <a:miter lim="400000"/>
+          </a:ln>
+          <a:extLst>
+            <a:ext uri="{C572A759-6A51-4108-AA02-DFA0A04FC94B}">
+              <ma14:wrappingTextBoxFlag xmlns="" xmlns:m="http://schemas.openxmlformats.org/officeDocument/2006/math" xmlns:a14="http://schemas.microsoft.com/office/drawing/2010/main" xmlns:ma14="http://schemas.microsoft.com/office/mac/drawingml/2011/main" val="1"/>
+            </a:ext>
+          </a:extLst>
+        </p:spPr>
+        <p:txBody>
+          <a:bodyPr lIns="91424" tIns="91424" rIns="91424" bIns="91424">
+            <a:spAutoFit/>
+          </a:bodyPr>
+          <a:lstStyle/>
+          <a:p>
+            <a:r>
+              <a:t>ITU Copenhagen, Fall 2023</a:t>
+            </a:r>
+          </a:p>
+        </p:txBody>
+      </p:sp>
+      <p:sp>
+        <p:nvSpPr>
+          <p:cNvPr id="252" name="Environment:…"/>
+          <p:cNvSpPr txBox="1"/>
+          <p:nvPr/>
+        </p:nvSpPr>
+        <p:spPr>
+          <a:xfrm>
+            <a:off x="4031367" y="798839"/>
+            <a:ext cx="4783033" cy="1508105"/>
+          </a:xfrm>
+          <a:prstGeom prst="rect">
+            <a:avLst/>
+          </a:prstGeom>
+          <a:ln w="12700">
+            <a:miter lim="400000"/>
+          </a:ln>
+          <a:extLst>
+            <a:ext uri="{C572A759-6A51-4108-AA02-DFA0A04FC94B}">
+              <ma14:wrappingTextBoxFlag xmlns="" xmlns:m="http://schemas.openxmlformats.org/officeDocument/2006/math" xmlns:a14="http://schemas.microsoft.com/office/drawing/2010/main" xmlns:ma14="http://schemas.microsoft.com/office/mac/drawingml/2011/main" val="1"/>
+            </a:ext>
+          </a:extLst>
+        </p:spPr>
+        <p:txBody>
+          <a:bodyPr lIns="0" tIns="0" rIns="0" bIns="0">
+            <a:spAutoFit/>
+          </a:bodyPr>
+          <a:lstStyle/>
+          <a:p>
             <a:pPr algn="l">
               <a:lnSpc>
                 <a:spcPct val="100000"/>
               </a:lnSpc>
-              <a:defRPr sz="3200">
-                <a:solidFill>
-                  <a:srgbClr val="75910B"/>
-                </a:solidFill>
+              <a:defRPr sz="1400">
+                <a:solidFill>
+                  <a:srgbClr val="000000"/>
+                </a:solidFill>
+                <a:latin typeface="Helvetica"/>
+                <a:ea typeface="Helvetica"/>
+                <a:cs typeface="Helvetica"/>
+                <a:sym typeface="Helvetica"/>
+              </a:defRPr>
+            </a:pPr>
+            <a:endParaRPr lang="en-DK" b="1" dirty="0"/>
+          </a:p>
+          <a:p>
+            <a:pPr algn="l">
+              <a:lnSpc>
+                <a:spcPct val="100000"/>
+              </a:lnSpc>
+              <a:defRPr sz="1400">
+                <a:solidFill>
+                  <a:srgbClr val="000000"/>
+                </a:solidFill>
+                <a:latin typeface="Helvetica"/>
+                <a:ea typeface="Helvetica"/>
+                <a:cs typeface="Helvetica"/>
+                <a:sym typeface="Helvetica"/>
+              </a:defRPr>
+            </a:pPr>
+            <a:r>
+              <a:rPr lang="en-DK" dirty="0"/>
+              <a:t>MLP for instance, with specific activation layer. Cf Lab3</a:t>
+            </a:r>
+          </a:p>
+          <a:p>
+            <a:pPr algn="l">
+              <a:lnSpc>
+                <a:spcPct val="100000"/>
+              </a:lnSpc>
+              <a:defRPr sz="1400">
+                <a:solidFill>
+                  <a:srgbClr val="000000"/>
+                </a:solidFill>
+                <a:latin typeface="Helvetica"/>
+                <a:ea typeface="Helvetica"/>
+                <a:cs typeface="Helvetica"/>
+                <a:sym typeface="Helvetica"/>
+              </a:defRPr>
+            </a:pPr>
+            <a:endParaRPr dirty="0"/>
+          </a:p>
+          <a:p>
+            <a:pPr algn="l">
+              <a:lnSpc>
+                <a:spcPct val="100000"/>
+              </a:lnSpc>
+              <a:defRPr sz="1400">
+                <a:solidFill>
+                  <a:srgbClr val="000000"/>
+                </a:solidFill>
+                <a:latin typeface="Helvetica"/>
+                <a:ea typeface="Helvetica"/>
+                <a:cs typeface="Helvetica"/>
+                <a:sym typeface="Helvetica"/>
+              </a:defRPr>
+            </a:pPr>
+            <a:endParaRPr dirty="0"/>
+          </a:p>
+          <a:p>
+            <a:pPr algn="l">
+              <a:lnSpc>
+                <a:spcPct val="100000"/>
+              </a:lnSpc>
+              <a:defRPr sz="1400">
+                <a:solidFill>
+                  <a:srgbClr val="000000"/>
+                </a:solidFill>
+                <a:latin typeface="Helvetica"/>
+                <a:ea typeface="Helvetica"/>
+                <a:cs typeface="Helvetica"/>
+                <a:sym typeface="Helvetica"/>
+              </a:defRPr>
+            </a:pPr>
+            <a:endParaRPr b="1" dirty="0"/>
+          </a:p>
+          <a:p>
+            <a:pPr algn="l" defTabSz="457200">
+              <a:lnSpc>
+                <a:spcPct val="100000"/>
+              </a:lnSpc>
+              <a:defRPr sz="1400">
                 <a:latin typeface="+mn-lt"/>
                 <a:ea typeface="+mn-ea"/>
                 <a:cs typeface="+mn-cs"/>
                 <a:sym typeface="IBM Plex Sans"/>
               </a:defRPr>
             </a:pPr>
-            <a:r>
-              <a:t>Deep </a:t>
-            </a:r>
-            <a:br/>
-            <a:r>
-              <a:t>Q Learning</a:t>
-            </a:r>
-          </a:p>
-        </p:txBody>
-      </p:sp>
-      <p:sp>
-        <p:nvSpPr>
-          <p:cNvPr id="279" name="Google Shape;55;p13"/>
-          <p:cNvSpPr txBox="1"/>
-          <p:nvPr/>
-        </p:nvSpPr>
-        <p:spPr>
-          <a:xfrm>
-            <a:off x="130048" y="0"/>
-            <a:ext cx="3134841" cy="284451"/>
-          </a:xfrm>
-          <a:prstGeom prst="rect">
-            <a:avLst/>
-          </a:prstGeom>
-          <a:ln w="12700">
-            <a:miter lim="400000"/>
-          </a:ln>
-          <a:extLst>
-            <a:ext uri="{C572A759-6A51-4108-AA02-DFA0A04FC94B}">
-              <ma14:wrappingTextBoxFlag xmlns:ma14="http://schemas.microsoft.com/office/mac/drawingml/2011/main" val="1"/>
-            </a:ext>
-          </a:extLst>
-        </p:spPr>
-        <p:txBody>
-          <a:bodyPr lIns="91424" tIns="91424" rIns="91424" bIns="91424">
-            <a:spAutoFit/>
-          </a:bodyPr>
-          <a:lstStyle/>
-          <a:p>
-            <a:pPr/>
-            <a:r>
-              <a:t>Deep Learning for Games and Simulations</a:t>
-            </a:r>
-          </a:p>
-        </p:txBody>
-      </p:sp>
-      <p:sp>
-        <p:nvSpPr>
-          <p:cNvPr id="280" name="Google Shape;56;p13"/>
-          <p:cNvSpPr txBox="1"/>
-          <p:nvPr/>
-        </p:nvSpPr>
-        <p:spPr>
-          <a:xfrm>
-            <a:off x="6600259" y="0"/>
-            <a:ext cx="2384701" cy="284450"/>
-          </a:xfrm>
-          <a:prstGeom prst="rect">
-            <a:avLst/>
-          </a:prstGeom>
-          <a:ln w="12700">
-            <a:miter lim="400000"/>
-          </a:ln>
-          <a:extLst>
-            <a:ext uri="{C572A759-6A51-4108-AA02-DFA0A04FC94B}">
-              <ma14:wrappingTextBoxFlag xmlns:ma14="http://schemas.microsoft.com/office/mac/drawingml/2011/main" val="1"/>
-            </a:ext>
-          </a:extLst>
-        </p:spPr>
-        <p:txBody>
-          <a:bodyPr lIns="91424" tIns="91424" rIns="91424" bIns="91424">
-            <a:spAutoFit/>
-          </a:bodyPr>
-          <a:lstStyle/>
-          <a:p>
-            <a:pPr/>
-            <a:r>
-              <a:t>ITU Copenhagen, Fall 2023</a:t>
-            </a:r>
-          </a:p>
-        </p:txBody>
-      </p:sp>
-      <p:sp>
-        <p:nvSpPr>
-          <p:cNvPr id="281" name="Off-policy value-based method  Approximate the Q Value with a Neural Network"/>
-          <p:cNvSpPr txBox="1"/>
-          <p:nvPr/>
-        </p:nvSpPr>
-        <p:spPr>
-          <a:xfrm>
-            <a:off x="3314548" y="568441"/>
-            <a:ext cx="5368859" cy="1219201"/>
-          </a:xfrm>
-          <a:prstGeom prst="rect">
-            <a:avLst/>
-          </a:prstGeom>
-          <a:ln w="12700">
-            <a:miter lim="400000"/>
-          </a:ln>
-          <a:extLst>
-            <a:ext uri="{C572A759-6A51-4108-AA02-DFA0A04FC94B}">
-              <ma14:wrappingTextBoxFlag xmlns:ma14="http://schemas.microsoft.com/office/mac/drawingml/2011/main" val="1"/>
-            </a:ext>
-          </a:extLst>
-        </p:spPr>
-        <p:txBody>
-          <a:bodyPr lIns="0" tIns="0" rIns="0" bIns="0">
-            <a:spAutoFit/>
-          </a:bodyPr>
-          <a:lstStyle/>
-          <a:p>
-            <a:pPr algn="l">
-              <a:lnSpc>
-                <a:spcPct val="100000"/>
-              </a:lnSpc>
-              <a:defRPr sz="1500">
-                <a:solidFill>
-                  <a:srgbClr val="000000"/>
-                </a:solidFill>
+            <a:endParaRPr b="1" dirty="0"/>
+          </a:p>
+          <a:p>
+            <a:pPr algn="l" defTabSz="457200">
+              <a:lnSpc>
+                <a:spcPct val="100000"/>
+              </a:lnSpc>
+              <a:defRPr sz="1400">
                 <a:latin typeface="+mn-lt"/>
                 <a:ea typeface="+mn-ea"/>
                 <a:cs typeface="+mn-cs"/>
                 <a:sym typeface="IBM Plex Sans"/>
               </a:defRPr>
             </a:pPr>
-            <a:r>
-              <a:rPr b="1"/>
-              <a:t>Off-policy value-based method</a:t>
-            </a:r>
-            <a:br/>
-            <a:br>
-              <a:rPr b="1"/>
-            </a:br>
-            <a:r>
-              <a:rPr b="1"/>
-              <a:t>Approximate the Q Value with a Neural Network</a:t>
-            </a:r>
-          </a:p>
-          <a:p>
-            <a:pPr algn="l" defTabSz="457200">
-              <a:lnSpc>
-                <a:spcPct val="100000"/>
-              </a:lnSpc>
-              <a:defRPr sz="1200">
-                <a:latin typeface="+mn-lt"/>
-                <a:ea typeface="+mn-ea"/>
-                <a:cs typeface="+mn-cs"/>
-                <a:sym typeface="IBM Plex Sans"/>
-              </a:defRPr>
-            </a:pPr>
-          </a:p>
-          <a:p>
-            <a:pPr algn="l" defTabSz="457200">
-              <a:lnSpc>
-                <a:spcPct val="100000"/>
-              </a:lnSpc>
-              <a:defRPr sz="1200">
-                <a:latin typeface="+mn-lt"/>
-                <a:ea typeface="+mn-ea"/>
-                <a:cs typeface="+mn-cs"/>
-                <a:sym typeface="IBM Plex Sans"/>
-              </a:defRPr>
-            </a:pPr>
+            <a:endParaRPr b="1" dirty="0"/>
           </a:p>
         </p:txBody>
       </p:sp>
     </p:spTree>
+    <p:extLst>
+      <p:ext uri="{BB962C8B-B14F-4D97-AF65-F5344CB8AC3E}">
+        <p14:creationId xmlns:p14="http://schemas.microsoft.com/office/powerpoint/2010/main" val="50002009"/>
+      </p:ext>
+    </p:extLst>
   </p:cSld>
   <p:clrMapOvr>
     <a:masterClrMapping/>
   </p:clrMapOvr>
-  <p:transition xmlns:p14="http://schemas.microsoft.com/office/powerpoint/2010/main" spd="med" advClick="1"/>
+  <p:transition spd="med"/>
 </p:sld>
 </file>
 
 <file path=ppt/slides/slide25.xml><?xml version="1.0" encoding="utf-8"?>
-<p:sld xmlns:a="http://schemas.openxmlformats.org/drawingml/2006/main" xmlns:r="http://schemas.openxmlformats.org/officeDocument/2006/relationships" xmlns:p="http://schemas.openxmlformats.org/presentationml/2006/main" xmlns:m="http://schemas.openxmlformats.org/officeDocument/2006/math" xmlns:a14="http://schemas.microsoft.com/office/drawing/2010/main" showMasterSp="1" showMasterPhAnim="1">
+<p:sld xmlns:a="http://schemas.openxmlformats.org/drawingml/2006/main" xmlns:r="http://schemas.openxmlformats.org/officeDocument/2006/relationships" xmlns:p="http://schemas.openxmlformats.org/presentationml/2006/main">
   <p:cSld>
     <p:bg>
       <p:bgPr>
         <a:solidFill>
           <a:srgbClr val="D9D9D9"/>
         </a:solidFill>
+        <a:effectLst/>
       </p:bgPr>
     </p:bg>
     <p:spTree>
@@ -9533,6 +9758,7 @@
                 <a:sym typeface="Arial"/>
               </a:defRPr>
             </a:pPr>
+            <a:endParaRPr/>
           </a:p>
         </p:txBody>
       </p:sp>
@@ -9555,7 +9781,7 @@
           </a:ln>
           <a:extLst>
             <a:ext uri="{C572A759-6A51-4108-AA02-DFA0A04FC94B}">
-              <ma14:wrappingTextBoxFlag xmlns:ma14="http://schemas.microsoft.com/office/mac/drawingml/2011/main" val="1"/>
+              <ma14:wrappingTextBoxFlag xmlns:ma14="http://schemas.microsoft.com/office/mac/drawingml/2011/main" xmlns:a14="http://schemas.microsoft.com/office/drawing/2010/main" xmlns:m="http://schemas.openxmlformats.org/officeDocument/2006/math" xmlns="" val="1"/>
             </a:ext>
           </a:extLst>
         </p:spPr>
@@ -9617,6 +9843,7 @@
                 <a:sym typeface="IBM Plex Sans"/>
               </a:defRPr>
             </a:pPr>
+            <a:endParaRPr/>
           </a:p>
           <a:p>
             <a:pPr algn="l">
@@ -9658,7 +9885,7 @@
           </a:ln>
           <a:extLst>
             <a:ext uri="{C572A759-6A51-4108-AA02-DFA0A04FC94B}">
-              <ma14:wrappingTextBoxFlag xmlns:ma14="http://schemas.microsoft.com/office/mac/drawingml/2011/main" val="1"/>
+              <ma14:wrappingTextBoxFlag xmlns:ma14="http://schemas.microsoft.com/office/mac/drawingml/2011/main" xmlns:a14="http://schemas.microsoft.com/office/drawing/2010/main" xmlns:m="http://schemas.openxmlformats.org/officeDocument/2006/math" xmlns="" val="1"/>
             </a:ext>
           </a:extLst>
         </p:spPr>
@@ -9668,7 +9895,6 @@
           </a:bodyPr>
           <a:lstStyle/>
           <a:p>
-            <a:pPr/>
             <a:r>
               <a:t>Deep Learning for Games and Simulations</a:t>
             </a:r>
@@ -9694,7 +9920,7 @@
           </a:ln>
           <a:extLst>
             <a:ext uri="{C572A759-6A51-4108-AA02-DFA0A04FC94B}">
-              <ma14:wrappingTextBoxFlag xmlns:ma14="http://schemas.microsoft.com/office/mac/drawingml/2011/main" val="1"/>
+              <ma14:wrappingTextBoxFlag xmlns:ma14="http://schemas.microsoft.com/office/mac/drawingml/2011/main" xmlns:a14="http://schemas.microsoft.com/office/drawing/2010/main" xmlns:m="http://schemas.openxmlformats.org/officeDocument/2006/math" xmlns="" val="1"/>
             </a:ext>
           </a:extLst>
         </p:spPr>
@@ -9704,7 +9930,6 @@
           </a:bodyPr>
           <a:lstStyle/>
           <a:p>
-            <a:pPr/>
             <a:r>
               <a:t>ITU Copenhagen, Fall 2023</a:t>
             </a:r>
@@ -9716,18 +9941,19 @@
   <p:clrMapOvr>
     <a:masterClrMapping/>
   </p:clrMapOvr>
-  <p:transition xmlns:p14="http://schemas.microsoft.com/office/powerpoint/2010/main" spd="med" advClick="1"/>
+  <p:transition spd="med"/>
 </p:sld>
 </file>
 
 <file path=ppt/slides/slide3.xml><?xml version="1.0" encoding="utf-8"?>
-<p:sld xmlns:a="http://schemas.openxmlformats.org/drawingml/2006/main" xmlns:r="http://schemas.openxmlformats.org/officeDocument/2006/relationships" xmlns:p="http://schemas.openxmlformats.org/presentationml/2006/main" xmlns:m="http://schemas.openxmlformats.org/officeDocument/2006/math" xmlns:a14="http://schemas.microsoft.com/office/drawing/2010/main" showMasterSp="1" showMasterPhAnim="1">
+<p:sld xmlns:a="http://schemas.openxmlformats.org/drawingml/2006/main" xmlns:r="http://schemas.openxmlformats.org/officeDocument/2006/relationships" xmlns:p="http://schemas.openxmlformats.org/presentationml/2006/main">
   <p:cSld>
     <p:bg>
       <p:bgPr>
         <a:solidFill>
           <a:srgbClr val="D9D9D9"/>
         </a:solidFill>
+        <a:effectLst/>
       </p:bgPr>
     </p:bg>
     <p:spTree>
@@ -9782,6 +10008,7 @@
                 <a:sym typeface="Arial"/>
               </a:defRPr>
             </a:pPr>
+            <a:endParaRPr/>
           </a:p>
         </p:txBody>
       </p:sp>
@@ -9804,7 +10031,7 @@
           </a:ln>
           <a:extLst>
             <a:ext uri="{C572A759-6A51-4108-AA02-DFA0A04FC94B}">
-              <ma14:wrappingTextBoxFlag xmlns:ma14="http://schemas.microsoft.com/office/mac/drawingml/2011/main" val="1"/>
+              <ma14:wrappingTextBoxFlag xmlns:ma14="http://schemas.microsoft.com/office/mac/drawingml/2011/main" xmlns:a14="http://schemas.microsoft.com/office/drawing/2010/main" xmlns:m="http://schemas.openxmlformats.org/officeDocument/2006/math" xmlns="" val="1"/>
             </a:ext>
           </a:extLst>
         </p:spPr>
@@ -9872,7 +10099,7 @@
           </a:ln>
           <a:extLst>
             <a:ext uri="{C572A759-6A51-4108-AA02-DFA0A04FC94B}">
-              <ma14:wrappingTextBoxFlag xmlns:ma14="http://schemas.microsoft.com/office/mac/drawingml/2011/main" val="1"/>
+              <ma14:wrappingTextBoxFlag xmlns:ma14="http://schemas.microsoft.com/office/mac/drawingml/2011/main" xmlns:a14="http://schemas.microsoft.com/office/drawing/2010/main" xmlns:m="http://schemas.openxmlformats.org/officeDocument/2006/math" xmlns="" val="1"/>
             </a:ext>
           </a:extLst>
         </p:spPr>
@@ -9882,7 +10109,6 @@
           </a:bodyPr>
           <a:lstStyle/>
           <a:p>
-            <a:pPr/>
             <a:r>
               <a:t>Deep Learning for Games and Simulations</a:t>
             </a:r>
@@ -9908,7 +10134,7 @@
           </a:ln>
           <a:extLst>
             <a:ext uri="{C572A759-6A51-4108-AA02-DFA0A04FC94B}">
-              <ma14:wrappingTextBoxFlag xmlns:ma14="http://schemas.microsoft.com/office/mac/drawingml/2011/main" val="1"/>
+              <ma14:wrappingTextBoxFlag xmlns:ma14="http://schemas.microsoft.com/office/mac/drawingml/2011/main" xmlns:a14="http://schemas.microsoft.com/office/drawing/2010/main" xmlns:m="http://schemas.openxmlformats.org/officeDocument/2006/math" xmlns="" val="1"/>
             </a:ext>
           </a:extLst>
         </p:spPr>
@@ -9918,7 +10144,6 @@
           </a:bodyPr>
           <a:lstStyle/>
           <a:p>
-            <a:pPr/>
             <a:r>
               <a:t>ITU Copenhagen, Fall 2023</a:t>
             </a:r>
@@ -9934,9 +10159,7 @@
           <p:nvPr/>
         </p:nvPicPr>
         <p:blipFill>
-          <a:blip r:embed="rId2">
-            <a:extLst/>
-          </a:blip>
+          <a:blip r:embed="rId2"/>
           <a:stretch>
             <a:fillRect/>
           </a:stretch>
@@ -9973,7 +10196,7 @@
           </a:ln>
           <a:extLst>
             <a:ext uri="{C572A759-6A51-4108-AA02-DFA0A04FC94B}">
-              <ma14:wrappingTextBoxFlag xmlns:ma14="http://schemas.microsoft.com/office/mac/drawingml/2011/main" val="1"/>
+              <ma14:wrappingTextBoxFlag xmlns:ma14="http://schemas.microsoft.com/office/mac/drawingml/2011/main" xmlns:a14="http://schemas.microsoft.com/office/drawing/2010/main" xmlns:m="http://schemas.openxmlformats.org/officeDocument/2006/math" xmlns="" val="1"/>
             </a:ext>
           </a:extLst>
         </p:spPr>
@@ -9987,7 +10210,6 @@
             </a:lvl1pPr>
           </a:lstStyle>
           <a:p>
-            <a:pPr/>
             <a:r>
               <a:t>https://github.com/claireaoi/dlgs</a:t>
             </a:r>
@@ -9999,18 +10221,19 @@
   <p:clrMapOvr>
     <a:masterClrMapping/>
   </p:clrMapOvr>
-  <p:transition xmlns:p14="http://schemas.microsoft.com/office/powerpoint/2010/main" spd="med" advClick="1"/>
+  <p:transition spd="med"/>
 </p:sld>
 </file>
 
 <file path=ppt/slides/slide4.xml><?xml version="1.0" encoding="utf-8"?>
-<p:sld xmlns:a="http://schemas.openxmlformats.org/drawingml/2006/main" xmlns:r="http://schemas.openxmlformats.org/officeDocument/2006/relationships" xmlns:p="http://schemas.openxmlformats.org/presentationml/2006/main" xmlns:m="http://schemas.openxmlformats.org/officeDocument/2006/math" xmlns:a14="http://schemas.microsoft.com/office/drawing/2010/main" showMasterSp="1" showMasterPhAnim="1">
+<p:sld xmlns:a="http://schemas.openxmlformats.org/drawingml/2006/main" xmlns:r="http://schemas.openxmlformats.org/officeDocument/2006/relationships" xmlns:p="http://schemas.openxmlformats.org/presentationml/2006/main">
   <p:cSld>
     <p:bg>
       <p:bgPr>
         <a:solidFill>
           <a:srgbClr val="D9D9D9"/>
         </a:solidFill>
+        <a:effectLst/>
       </p:bgPr>
     </p:bg>
     <p:spTree>
@@ -10065,6 +10288,7 @@
                 <a:sym typeface="Arial"/>
               </a:defRPr>
             </a:pPr>
+            <a:endParaRPr/>
           </a:p>
         </p:txBody>
       </p:sp>
@@ -10087,7 +10311,7 @@
           </a:ln>
           <a:extLst>
             <a:ext uri="{C572A759-6A51-4108-AA02-DFA0A04FC94B}">
-              <ma14:wrappingTextBoxFlag xmlns:ma14="http://schemas.microsoft.com/office/mac/drawingml/2011/main" val="1"/>
+              <ma14:wrappingTextBoxFlag xmlns:ma14="http://schemas.microsoft.com/office/mac/drawingml/2011/main" xmlns:a14="http://schemas.microsoft.com/office/drawing/2010/main" xmlns:m="http://schemas.openxmlformats.org/officeDocument/2006/math" xmlns="" val="1"/>
             </a:ext>
           </a:extLst>
         </p:spPr>
@@ -10097,7 +10321,6 @@
           </a:bodyPr>
           <a:lstStyle/>
           <a:p>
-            <a:pPr/>
             <a:r>
               <a:t>Deep Learning for Games and Simulations</a:t>
             </a:r>
@@ -10123,7 +10346,7 @@
           </a:ln>
           <a:extLst>
             <a:ext uri="{C572A759-6A51-4108-AA02-DFA0A04FC94B}">
-              <ma14:wrappingTextBoxFlag xmlns:ma14="http://schemas.microsoft.com/office/mac/drawingml/2011/main" val="1"/>
+              <ma14:wrappingTextBoxFlag xmlns:ma14="http://schemas.microsoft.com/office/mac/drawingml/2011/main" xmlns:a14="http://schemas.microsoft.com/office/drawing/2010/main" xmlns:m="http://schemas.openxmlformats.org/officeDocument/2006/math" xmlns="" val="1"/>
             </a:ext>
           </a:extLst>
         </p:spPr>
@@ -10133,7 +10356,6 @@
           </a:bodyPr>
           <a:lstStyle/>
           <a:p>
-            <a:pPr/>
             <a:r>
               <a:t>ITU Copenhagen, Fall 2023</a:t>
             </a:r>
@@ -10159,7 +10381,7 @@
           </a:ln>
           <a:extLst>
             <a:ext uri="{C572A759-6A51-4108-AA02-DFA0A04FC94B}">
-              <ma14:wrappingTextBoxFlag xmlns:ma14="http://schemas.microsoft.com/office/mac/drawingml/2011/main" val="1"/>
+              <ma14:wrappingTextBoxFlag xmlns:ma14="http://schemas.microsoft.com/office/mac/drawingml/2011/main" xmlns:a14="http://schemas.microsoft.com/office/drawing/2010/main" xmlns:m="http://schemas.openxmlformats.org/officeDocument/2006/math" xmlns="" val="1"/>
             </a:ext>
           </a:extLst>
         </p:spPr>
@@ -10235,7 +10457,7 @@
           </a:ln>
           <a:extLst>
             <a:ext uri="{C572A759-6A51-4108-AA02-DFA0A04FC94B}">
-              <ma14:wrappingTextBoxFlag xmlns:ma14="http://schemas.microsoft.com/office/mac/drawingml/2011/main" val="1"/>
+              <ma14:wrappingTextBoxFlag xmlns:ma14="http://schemas.microsoft.com/office/mac/drawingml/2011/main" xmlns:a14="http://schemas.microsoft.com/office/drawing/2010/main" xmlns:m="http://schemas.openxmlformats.org/officeDocument/2006/math" xmlns="" val="1"/>
             </a:ext>
           </a:extLst>
         </p:spPr>
@@ -10260,7 +10482,6 @@
             </a:lvl1pPr>
           </a:lstStyle>
           <a:p>
-            <a:pPr/>
             <a:r>
               <a:t>LAB 01</a:t>
             </a:r>
@@ -10272,18 +10493,19 @@
   <p:clrMapOvr>
     <a:masterClrMapping/>
   </p:clrMapOvr>
-  <p:transition xmlns:p14="http://schemas.microsoft.com/office/powerpoint/2010/main" spd="med" advClick="1"/>
+  <p:transition spd="med"/>
 </p:sld>
 </file>
 
 <file path=ppt/slides/slide5.xml><?xml version="1.0" encoding="utf-8"?>
-<p:sld xmlns:a="http://schemas.openxmlformats.org/drawingml/2006/main" xmlns:r="http://schemas.openxmlformats.org/officeDocument/2006/relationships" xmlns:p="http://schemas.openxmlformats.org/presentationml/2006/main" xmlns:m="http://schemas.openxmlformats.org/officeDocument/2006/math" xmlns:a14="http://schemas.microsoft.com/office/drawing/2010/main" showMasterSp="1" showMasterPhAnim="1">
+<p:sld xmlns:a="http://schemas.openxmlformats.org/drawingml/2006/main" xmlns:r="http://schemas.openxmlformats.org/officeDocument/2006/relationships" xmlns:p="http://schemas.openxmlformats.org/presentationml/2006/main">
   <p:cSld>
     <p:bg>
       <p:bgPr>
         <a:solidFill>
           <a:srgbClr val="D9D9D9"/>
         </a:solidFill>
+        <a:effectLst/>
       </p:bgPr>
     </p:bg>
     <p:spTree>
@@ -10338,6 +10560,7 @@
                 <a:sym typeface="Arial"/>
               </a:defRPr>
             </a:pPr>
+            <a:endParaRPr/>
           </a:p>
         </p:txBody>
       </p:sp>
@@ -10360,7 +10583,7 @@
           </a:ln>
           <a:extLst>
             <a:ext uri="{C572A759-6A51-4108-AA02-DFA0A04FC94B}">
-              <ma14:wrappingTextBoxFlag xmlns:ma14="http://schemas.microsoft.com/office/mac/drawingml/2011/main" val="1"/>
+              <ma14:wrappingTextBoxFlag xmlns:ma14="http://schemas.microsoft.com/office/mac/drawingml/2011/main" xmlns:a14="http://schemas.microsoft.com/office/drawing/2010/main" xmlns:m="http://schemas.openxmlformats.org/officeDocument/2006/math" xmlns="" val="1"/>
             </a:ext>
           </a:extLst>
         </p:spPr>
@@ -10370,7 +10593,6 @@
           </a:bodyPr>
           <a:lstStyle/>
           <a:p>
-            <a:pPr/>
             <a:r>
               <a:t>Deep Learning for Games and Simulations</a:t>
             </a:r>
@@ -10396,7 +10618,7 @@
           </a:ln>
           <a:extLst>
             <a:ext uri="{C572A759-6A51-4108-AA02-DFA0A04FC94B}">
-              <ma14:wrappingTextBoxFlag xmlns:ma14="http://schemas.microsoft.com/office/mac/drawingml/2011/main" val="1"/>
+              <ma14:wrappingTextBoxFlag xmlns:ma14="http://schemas.microsoft.com/office/mac/drawingml/2011/main" xmlns:a14="http://schemas.microsoft.com/office/drawing/2010/main" xmlns:m="http://schemas.openxmlformats.org/officeDocument/2006/math" xmlns="" val="1"/>
             </a:ext>
           </a:extLst>
         </p:spPr>
@@ -10406,7 +10628,6 @@
           </a:bodyPr>
           <a:lstStyle/>
           <a:p>
-            <a:pPr/>
             <a:r>
               <a:t>ITU Copenhagen, Fall 2023</a:t>
             </a:r>
@@ -10432,7 +10653,7 @@
           </a:ln>
           <a:extLst>
             <a:ext uri="{C572A759-6A51-4108-AA02-DFA0A04FC94B}">
-              <ma14:wrappingTextBoxFlag xmlns:ma14="http://schemas.microsoft.com/office/mac/drawingml/2011/main" val="1"/>
+              <ma14:wrappingTextBoxFlag xmlns:ma14="http://schemas.microsoft.com/office/mac/drawingml/2011/main" xmlns:a14="http://schemas.microsoft.com/office/drawing/2010/main" xmlns:m="http://schemas.openxmlformats.org/officeDocument/2006/math" xmlns="" val="1"/>
             </a:ext>
           </a:extLst>
         </p:spPr>
@@ -10443,7 +10664,7 @@
           <a:lstStyle/>
           <a:p>
             <a:pPr algn="l">
-              <a:defRPr b="1" sz="1800"/>
+              <a:defRPr sz="1800" b="1"/>
             </a:pPr>
             <a:br/>
             <a:r>
@@ -10452,14 +10673,16 @@
           </a:p>
           <a:p>
             <a:pPr algn="l">
-              <a:defRPr b="1" sz="1800"/>
-            </a:pPr>
+              <a:defRPr sz="1800" b="1"/>
+            </a:pPr>
+            <a:endParaRPr/>
           </a:p>
           <a:p>
             <a:pPr algn="l">
-              <a:defRPr b="1" sz="1800"/>
+              <a:defRPr sz="1800" b="1"/>
             </a:pPr>
             <a:br/>
+            <a:endParaRPr/>
           </a:p>
         </p:txBody>
       </p:sp>
@@ -10482,7 +10705,7 @@
           </a:ln>
           <a:extLst>
             <a:ext uri="{C572A759-6A51-4108-AA02-DFA0A04FC94B}">
-              <ma14:wrappingTextBoxFlag xmlns:ma14="http://schemas.microsoft.com/office/mac/drawingml/2011/main" val="1"/>
+              <ma14:wrappingTextBoxFlag xmlns:ma14="http://schemas.microsoft.com/office/mac/drawingml/2011/main" xmlns:a14="http://schemas.microsoft.com/office/drawing/2010/main" xmlns:m="http://schemas.openxmlformats.org/officeDocument/2006/math" xmlns="" val="1"/>
             </a:ext>
           </a:extLst>
         </p:spPr>
@@ -10493,8 +10716,9 @@
           <a:lstStyle/>
           <a:p>
             <a:pPr algn="l">
-              <a:defRPr b="1" sz="1800"/>
-            </a:pPr>
+              <a:defRPr sz="1800" b="1"/>
+            </a:pPr>
+            <a:endParaRPr/>
           </a:p>
           <a:p>
             <a:pPr algn="l" defTabSz="457200">
@@ -10511,6 +10735,7 @@
                 <a:sym typeface="IBM Plex Sans"/>
               </a:defRPr>
             </a:pPr>
+            <a:endParaRPr/>
           </a:p>
           <a:p>
             <a:pPr algn="l" defTabSz="457200">
@@ -10655,18 +10880,19 @@
   <p:clrMapOvr>
     <a:masterClrMapping/>
   </p:clrMapOvr>
-  <p:transition xmlns:p14="http://schemas.microsoft.com/office/powerpoint/2010/main" spd="med" advClick="1"/>
+  <p:transition spd="med"/>
 </p:sld>
 </file>
 
 <file path=ppt/slides/slide6.xml><?xml version="1.0" encoding="utf-8"?>
-<p:sld xmlns:a="http://schemas.openxmlformats.org/drawingml/2006/main" xmlns:r="http://schemas.openxmlformats.org/officeDocument/2006/relationships" xmlns:p="http://schemas.openxmlformats.org/presentationml/2006/main" xmlns:m="http://schemas.openxmlformats.org/officeDocument/2006/math" xmlns:a14="http://schemas.microsoft.com/office/drawing/2010/main" showMasterSp="1" showMasterPhAnim="1">
+<p:sld xmlns:a="http://schemas.openxmlformats.org/drawingml/2006/main" xmlns:r="http://schemas.openxmlformats.org/officeDocument/2006/relationships" xmlns:p="http://schemas.openxmlformats.org/presentationml/2006/main">
   <p:cSld>
     <p:bg>
       <p:bgPr>
         <a:solidFill>
           <a:srgbClr val="D9D9D9"/>
         </a:solidFill>
+        <a:effectLst/>
       </p:bgPr>
     </p:bg>
     <p:spTree>
@@ -10721,6 +10947,7 @@
                 <a:sym typeface="Arial"/>
               </a:defRPr>
             </a:pPr>
+            <a:endParaRPr/>
           </a:p>
         </p:txBody>
       </p:sp>
@@ -10743,7 +10970,7 @@
           </a:ln>
           <a:extLst>
             <a:ext uri="{C572A759-6A51-4108-AA02-DFA0A04FC94B}">
-              <ma14:wrappingTextBoxFlag xmlns:ma14="http://schemas.microsoft.com/office/mac/drawingml/2011/main" val="1"/>
+              <ma14:wrappingTextBoxFlag xmlns:ma14="http://schemas.microsoft.com/office/mac/drawingml/2011/main" xmlns:a14="http://schemas.microsoft.com/office/drawing/2010/main" xmlns:m="http://schemas.openxmlformats.org/officeDocument/2006/math" xmlns="" val="1"/>
             </a:ext>
           </a:extLst>
         </p:spPr>
@@ -10753,7 +10980,6 @@
           </a:bodyPr>
           <a:lstStyle/>
           <a:p>
-            <a:pPr/>
             <a:r>
               <a:t>Deep Learning for Games and Simulations</a:t>
             </a:r>
@@ -10779,7 +11005,7 @@
           </a:ln>
           <a:extLst>
             <a:ext uri="{C572A759-6A51-4108-AA02-DFA0A04FC94B}">
-              <ma14:wrappingTextBoxFlag xmlns:ma14="http://schemas.microsoft.com/office/mac/drawingml/2011/main" val="1"/>
+              <ma14:wrappingTextBoxFlag xmlns:ma14="http://schemas.microsoft.com/office/mac/drawingml/2011/main" xmlns:a14="http://schemas.microsoft.com/office/drawing/2010/main" xmlns:m="http://schemas.openxmlformats.org/officeDocument/2006/math" xmlns="" val="1"/>
             </a:ext>
           </a:extLst>
         </p:spPr>
@@ -10789,7 +11015,6 @@
           </a:bodyPr>
           <a:lstStyle/>
           <a:p>
-            <a:pPr/>
             <a:r>
               <a:t>ITU Copenhagen, Fall 2023</a:t>
             </a:r>
@@ -10815,7 +11040,7 @@
           </a:ln>
           <a:extLst>
             <a:ext uri="{C572A759-6A51-4108-AA02-DFA0A04FC94B}">
-              <ma14:wrappingTextBoxFlag xmlns:ma14="http://schemas.microsoft.com/office/mac/drawingml/2011/main" val="1"/>
+              <ma14:wrappingTextBoxFlag xmlns:ma14="http://schemas.microsoft.com/office/mac/drawingml/2011/main" xmlns:a14="http://schemas.microsoft.com/office/drawing/2010/main" xmlns:m="http://schemas.openxmlformats.org/officeDocument/2006/math" xmlns="" val="1"/>
             </a:ext>
           </a:extLst>
         </p:spPr>
@@ -10953,7 +11178,7 @@
           </a:ln>
           <a:extLst>
             <a:ext uri="{C572A759-6A51-4108-AA02-DFA0A04FC94B}">
-              <ma14:wrappingTextBoxFlag xmlns:ma14="http://schemas.microsoft.com/office/mac/drawingml/2011/main" val="1"/>
+              <ma14:wrappingTextBoxFlag xmlns:ma14="http://schemas.microsoft.com/office/mac/drawingml/2011/main" xmlns:a14="http://schemas.microsoft.com/office/drawing/2010/main" xmlns:m="http://schemas.openxmlformats.org/officeDocument/2006/math" xmlns="" val="1"/>
             </a:ext>
           </a:extLst>
         </p:spPr>
@@ -10964,7 +11189,7 @@
           <a:lstStyle/>
           <a:p>
             <a:pPr algn="l">
-              <a:defRPr b="1" sz="1800"/>
+              <a:defRPr sz="1800" b="1"/>
             </a:pPr>
             <a:br/>
             <a:r>
@@ -10973,14 +11198,16 @@
           </a:p>
           <a:p>
             <a:pPr algn="l">
-              <a:defRPr b="1" sz="1800"/>
-            </a:pPr>
+              <a:defRPr sz="1800" b="1"/>
+            </a:pPr>
+            <a:endParaRPr/>
           </a:p>
           <a:p>
             <a:pPr algn="l">
-              <a:defRPr b="1" sz="1800"/>
+              <a:defRPr sz="1800" b="1"/>
             </a:pPr>
             <a:br/>
+            <a:endParaRPr/>
           </a:p>
         </p:txBody>
       </p:sp>
@@ -11003,7 +11230,7 @@
           </a:ln>
           <a:extLst>
             <a:ext uri="{C572A759-6A51-4108-AA02-DFA0A04FC94B}">
-              <ma14:wrappingTextBoxFlag xmlns:ma14="http://schemas.microsoft.com/office/mac/drawingml/2011/main" val="1"/>
+              <ma14:wrappingTextBoxFlag xmlns:ma14="http://schemas.microsoft.com/office/mac/drawingml/2011/main" xmlns:a14="http://schemas.microsoft.com/office/drawing/2010/main" xmlns:m="http://schemas.openxmlformats.org/officeDocument/2006/math" xmlns="" val="1"/>
             </a:ext>
           </a:extLst>
         </p:spPr>
@@ -11133,6 +11360,7 @@
                 <a:sym typeface="IBM Plex Sans"/>
               </a:defRPr>
             </a:pPr>
+            <a:endParaRPr/>
           </a:p>
           <a:p>
             <a:pPr algn="l" defTabSz="457200">
@@ -11149,6 +11377,7 @@
                 <a:sym typeface="IBM Plex Sans"/>
               </a:defRPr>
             </a:pPr>
+            <a:endParaRPr/>
           </a:p>
           <a:p>
             <a:pPr algn="l" defTabSz="457200">
@@ -11201,7 +11430,7 @@
           </a:ln>
           <a:extLst>
             <a:ext uri="{C572A759-6A51-4108-AA02-DFA0A04FC94B}">
-              <ma14:wrappingTextBoxFlag xmlns:ma14="http://schemas.microsoft.com/office/mac/drawingml/2011/main" val="1"/>
+              <ma14:wrappingTextBoxFlag xmlns:ma14="http://schemas.microsoft.com/office/mac/drawingml/2011/main" xmlns:a14="http://schemas.microsoft.com/office/drawing/2010/main" xmlns:m="http://schemas.openxmlformats.org/officeDocument/2006/math" xmlns="" val="1"/>
             </a:ext>
           </a:extLst>
         </p:spPr>
@@ -11219,7 +11448,6 @@
             </a:lvl1pPr>
           </a:lstStyle>
           <a:p>
-            <a:pPr/>
             <a:r>
               <a:t>-&gt; Can you beat it ?</a:t>
             </a:r>
@@ -11231,18 +11459,19 @@
   <p:clrMapOvr>
     <a:masterClrMapping/>
   </p:clrMapOvr>
-  <p:transition xmlns:p14="http://schemas.microsoft.com/office/powerpoint/2010/main" spd="med" advClick="1"/>
+  <p:transition spd="med"/>
 </p:sld>
 </file>
 
 <file path=ppt/slides/slide7.xml><?xml version="1.0" encoding="utf-8"?>
-<p:sld xmlns:a="http://schemas.openxmlformats.org/drawingml/2006/main" xmlns:r="http://schemas.openxmlformats.org/officeDocument/2006/relationships" xmlns:p="http://schemas.openxmlformats.org/presentationml/2006/main" xmlns:m="http://schemas.openxmlformats.org/officeDocument/2006/math" xmlns:a14="http://schemas.microsoft.com/office/drawing/2010/main" showMasterSp="1" showMasterPhAnim="1">
+<p:sld xmlns:a="http://schemas.openxmlformats.org/drawingml/2006/main" xmlns:r="http://schemas.openxmlformats.org/officeDocument/2006/relationships" xmlns:p="http://schemas.openxmlformats.org/presentationml/2006/main">
   <p:cSld>
     <p:bg>
       <p:bgPr>
         <a:solidFill>
           <a:srgbClr val="D9D9D9"/>
         </a:solidFill>
+        <a:effectLst/>
       </p:bgPr>
     </p:bg>
     <p:spTree>
@@ -11297,6 +11526,7 @@
                 <a:sym typeface="Arial"/>
               </a:defRPr>
             </a:pPr>
+            <a:endParaRPr/>
           </a:p>
         </p:txBody>
       </p:sp>
@@ -11319,7 +11549,7 @@
           </a:ln>
           <a:extLst>
             <a:ext uri="{C572A759-6A51-4108-AA02-DFA0A04FC94B}">
-              <ma14:wrappingTextBoxFlag xmlns:ma14="http://schemas.microsoft.com/office/mac/drawingml/2011/main" val="1"/>
+              <ma14:wrappingTextBoxFlag xmlns:ma14="http://schemas.microsoft.com/office/mac/drawingml/2011/main" xmlns:a14="http://schemas.microsoft.com/office/drawing/2010/main" xmlns:m="http://schemas.openxmlformats.org/officeDocument/2006/math" xmlns="" val="1"/>
             </a:ext>
           </a:extLst>
         </p:spPr>
@@ -11329,7 +11559,6 @@
           </a:bodyPr>
           <a:lstStyle/>
           <a:p>
-            <a:pPr/>
             <a:r>
               <a:t>Deep Learning for Games and Simulations</a:t>
             </a:r>
@@ -11355,7 +11584,7 @@
           </a:ln>
           <a:extLst>
             <a:ext uri="{C572A759-6A51-4108-AA02-DFA0A04FC94B}">
-              <ma14:wrappingTextBoxFlag xmlns:ma14="http://schemas.microsoft.com/office/mac/drawingml/2011/main" val="1"/>
+              <ma14:wrappingTextBoxFlag xmlns:ma14="http://schemas.microsoft.com/office/mac/drawingml/2011/main" xmlns:a14="http://schemas.microsoft.com/office/drawing/2010/main" xmlns:m="http://schemas.openxmlformats.org/officeDocument/2006/math" xmlns="" val="1"/>
             </a:ext>
           </a:extLst>
         </p:spPr>
@@ -11365,7 +11594,6 @@
           </a:bodyPr>
           <a:lstStyle/>
           <a:p>
-            <a:pPr/>
             <a:r>
               <a:t>ITU Copenhagen, Fall 2023</a:t>
             </a:r>
@@ -11391,7 +11619,7 @@
           </a:ln>
           <a:extLst>
             <a:ext uri="{C572A759-6A51-4108-AA02-DFA0A04FC94B}">
-              <ma14:wrappingTextBoxFlag xmlns:ma14="http://schemas.microsoft.com/office/mac/drawingml/2011/main" val="1"/>
+              <ma14:wrappingTextBoxFlag xmlns:ma14="http://schemas.microsoft.com/office/mac/drawingml/2011/main" xmlns:a14="http://schemas.microsoft.com/office/drawing/2010/main" xmlns:m="http://schemas.openxmlformats.org/officeDocument/2006/math" xmlns="" val="1"/>
             </a:ext>
           </a:extLst>
         </p:spPr>
@@ -11402,7 +11630,7 @@
           <a:lstStyle/>
           <a:p>
             <a:pPr algn="l">
-              <a:defRPr b="1" sz="1800"/>
+              <a:defRPr sz="1800" b="1"/>
             </a:pPr>
             <a:br/>
             <a:r>
@@ -11411,14 +11639,16 @@
           </a:p>
           <a:p>
             <a:pPr algn="l">
-              <a:defRPr b="1" sz="1800"/>
-            </a:pPr>
+              <a:defRPr sz="1800" b="1"/>
+            </a:pPr>
+            <a:endParaRPr/>
           </a:p>
           <a:p>
             <a:pPr algn="l">
-              <a:defRPr b="1" sz="1800"/>
+              <a:defRPr sz="1800" b="1"/>
             </a:pPr>
             <a:br/>
+            <a:endParaRPr/>
           </a:p>
         </p:txBody>
       </p:sp>
@@ -11441,7 +11671,7 @@
           </a:ln>
           <a:extLst>
             <a:ext uri="{C572A759-6A51-4108-AA02-DFA0A04FC94B}">
-              <ma14:wrappingTextBoxFlag xmlns:ma14="http://schemas.microsoft.com/office/mac/drawingml/2011/main" val="1"/>
+              <ma14:wrappingTextBoxFlag xmlns:ma14="http://schemas.microsoft.com/office/mac/drawingml/2011/main" xmlns:a14="http://schemas.microsoft.com/office/drawing/2010/main" xmlns:m="http://schemas.openxmlformats.org/officeDocument/2006/math" xmlns="" val="1"/>
             </a:ext>
           </a:extLst>
         </p:spPr>
@@ -11492,6 +11722,7 @@
                 <a:sym typeface="IBM Plex Sans"/>
               </a:defRPr>
             </a:pPr>
+            <a:endParaRPr/>
           </a:p>
           <a:p>
             <a:pPr algn="l" defTabSz="457200">
@@ -11609,6 +11840,7 @@
                 <a:sym typeface="IBM Plex Sans"/>
               </a:defRPr>
             </a:pPr>
+            <a:endParaRPr/>
           </a:p>
           <a:p>
             <a:pPr algn="l" defTabSz="457200">
@@ -11756,6 +11988,7 @@
                 <a:sym typeface="IBM Plex Sans"/>
               </a:defRPr>
             </a:pPr>
+            <a:endParaRPr/>
           </a:p>
           <a:p>
             <a:pPr algn="l" defTabSz="457200">
@@ -11802,6 +12035,7 @@
                 <a:sym typeface="IBM Plex Sans"/>
               </a:defRPr>
             </a:pPr>
+            <a:endParaRPr/>
           </a:p>
           <a:p>
             <a:pPr lvl="2" indent="457200" algn="l" defTabSz="457200">
@@ -11818,6 +12052,7 @@
                 <a:sym typeface="IBM Plex Sans"/>
               </a:defRPr>
             </a:pPr>
+            <a:endParaRPr/>
           </a:p>
           <a:p>
             <a:pPr lvl="2" indent="457200" algn="l" defTabSz="457200">
@@ -11859,7 +12094,7 @@
           </a:ln>
           <a:extLst>
             <a:ext uri="{C572A759-6A51-4108-AA02-DFA0A04FC94B}">
-              <ma14:wrappingTextBoxFlag xmlns:ma14="http://schemas.microsoft.com/office/mac/drawingml/2011/main" val="1"/>
+              <ma14:wrappingTextBoxFlag xmlns:ma14="http://schemas.microsoft.com/office/mac/drawingml/2011/main" xmlns:a14="http://schemas.microsoft.com/office/drawing/2010/main" xmlns:m="http://schemas.openxmlformats.org/officeDocument/2006/math" xmlns="" val="1"/>
             </a:ext>
           </a:extLst>
         </p:spPr>
@@ -11877,7 +12112,6 @@
             </a:lvl1pPr>
           </a:lstStyle>
           <a:p>
-            <a:pPr/>
             <a:r>
               <a:t>Can have a depth parameter to make it faster </a:t>
             </a:r>
@@ -11915,7 +12149,7 @@
             </a:cxnLst>
             <a:rect l="0" t="0" r="r" b="b"/>
             <a:pathLst>
-              <a:path w="21600" h="21600" fill="norm" stroke="1" extrusionOk="0">
+              <a:path w="21600" h="21600" extrusionOk="0">
                 <a:moveTo>
                   <a:pt x="11469" y="7344"/>
                 </a:moveTo>
@@ -11966,6 +12200,7 @@
                 <a:sym typeface="Arial"/>
               </a:defRPr>
             </a:pPr>
+            <a:endParaRPr/>
           </a:p>
         </p:txBody>
       </p:sp>
@@ -11988,7 +12223,7 @@
           </a:ln>
           <a:extLst>
             <a:ext uri="{C572A759-6A51-4108-AA02-DFA0A04FC94B}">
-              <ma14:wrappingTextBoxFlag xmlns:ma14="http://schemas.microsoft.com/office/mac/drawingml/2011/main" val="1"/>
+              <ma14:wrappingTextBoxFlag xmlns:ma14="http://schemas.microsoft.com/office/mac/drawingml/2011/main" xmlns:a14="http://schemas.microsoft.com/office/drawing/2010/main" xmlns:m="http://schemas.openxmlformats.org/officeDocument/2006/math" xmlns="" val="1"/>
             </a:ext>
           </a:extLst>
         </p:spPr>
@@ -12006,7 +12241,6 @@
             </a:lvl1pPr>
           </a:lstStyle>
           <a:p>
-            <a:pPr/>
             <a:r>
               <a:t>-&gt; Can you beat it ?</a:t>
             </a:r>
@@ -12018,18 +12252,19 @@
   <p:clrMapOvr>
     <a:masterClrMapping/>
   </p:clrMapOvr>
-  <p:transition xmlns:p14="http://schemas.microsoft.com/office/powerpoint/2010/main" spd="med" advClick="1"/>
+  <p:transition spd="med"/>
 </p:sld>
 </file>
 
 <file path=ppt/slides/slide8.xml><?xml version="1.0" encoding="utf-8"?>
-<p:sld xmlns:a="http://schemas.openxmlformats.org/drawingml/2006/main" xmlns:r="http://schemas.openxmlformats.org/officeDocument/2006/relationships" xmlns:p="http://schemas.openxmlformats.org/presentationml/2006/main" xmlns:m="http://schemas.openxmlformats.org/officeDocument/2006/math" xmlns:a14="http://schemas.microsoft.com/office/drawing/2010/main" showMasterSp="1" showMasterPhAnim="1">
+<p:sld xmlns:a="http://schemas.openxmlformats.org/drawingml/2006/main" xmlns:r="http://schemas.openxmlformats.org/officeDocument/2006/relationships" xmlns:p="http://schemas.openxmlformats.org/presentationml/2006/main">
   <p:cSld>
     <p:bg>
       <p:bgPr>
         <a:solidFill>
           <a:srgbClr val="D9D9D9"/>
         </a:solidFill>
+        <a:effectLst/>
       </p:bgPr>
     </p:bg>
     <p:spTree>
@@ -12084,6 +12319,7 @@
                 <a:sym typeface="Arial"/>
               </a:defRPr>
             </a:pPr>
+            <a:endParaRPr/>
           </a:p>
         </p:txBody>
       </p:sp>
@@ -12106,7 +12342,7 @@
           </a:ln>
           <a:extLst>
             <a:ext uri="{C572A759-6A51-4108-AA02-DFA0A04FC94B}">
-              <ma14:wrappingTextBoxFlag xmlns:ma14="http://schemas.microsoft.com/office/mac/drawingml/2011/main" val="1"/>
+              <ma14:wrappingTextBoxFlag xmlns:ma14="http://schemas.microsoft.com/office/mac/drawingml/2011/main" xmlns:a14="http://schemas.microsoft.com/office/drawing/2010/main" xmlns:m="http://schemas.openxmlformats.org/officeDocument/2006/math" xmlns="" val="1"/>
             </a:ext>
           </a:extLst>
         </p:spPr>
@@ -12116,7 +12352,6 @@
           </a:bodyPr>
           <a:lstStyle/>
           <a:p>
-            <a:pPr/>
             <a:r>
               <a:t>Deep Learning for Games and Simulations</a:t>
             </a:r>
@@ -12142,7 +12377,7 @@
           </a:ln>
           <a:extLst>
             <a:ext uri="{C572A759-6A51-4108-AA02-DFA0A04FC94B}">
-              <ma14:wrappingTextBoxFlag xmlns:ma14="http://schemas.microsoft.com/office/mac/drawingml/2011/main" val="1"/>
+              <ma14:wrappingTextBoxFlag xmlns:ma14="http://schemas.microsoft.com/office/mac/drawingml/2011/main" xmlns:a14="http://schemas.microsoft.com/office/drawing/2010/main" xmlns:m="http://schemas.openxmlformats.org/officeDocument/2006/math" xmlns="" val="1"/>
             </a:ext>
           </a:extLst>
         </p:spPr>
@@ -12152,7 +12387,6 @@
           </a:bodyPr>
           <a:lstStyle/>
           <a:p>
-            <a:pPr/>
             <a:r>
               <a:t>ITU Copenhagen, Fall 2023</a:t>
             </a:r>
@@ -12178,7 +12412,7 @@
           </a:ln>
           <a:extLst>
             <a:ext uri="{C572A759-6A51-4108-AA02-DFA0A04FC94B}">
-              <ma14:wrappingTextBoxFlag xmlns:ma14="http://schemas.microsoft.com/office/mac/drawingml/2011/main" val="1"/>
+              <ma14:wrappingTextBoxFlag xmlns:ma14="http://schemas.microsoft.com/office/mac/drawingml/2011/main" xmlns:a14="http://schemas.microsoft.com/office/drawing/2010/main" xmlns:m="http://schemas.openxmlformats.org/officeDocument/2006/math" xmlns="" val="1"/>
             </a:ext>
           </a:extLst>
         </p:spPr>
@@ -12189,7 +12423,7 @@
           <a:lstStyle/>
           <a:p>
             <a:pPr algn="l">
-              <a:defRPr b="1" sz="1800"/>
+              <a:defRPr sz="1800" b="1"/>
             </a:pPr>
             <a:br/>
             <a:r>
@@ -12198,14 +12432,16 @@
           </a:p>
           <a:p>
             <a:pPr algn="l">
-              <a:defRPr b="1" sz="1800"/>
-            </a:pPr>
+              <a:defRPr sz="1800" b="1"/>
+            </a:pPr>
+            <a:endParaRPr/>
           </a:p>
           <a:p>
             <a:pPr algn="l">
-              <a:defRPr b="1" sz="1800"/>
+              <a:defRPr sz="1800" b="1"/>
             </a:pPr>
             <a:br/>
+            <a:endParaRPr/>
           </a:p>
         </p:txBody>
       </p:sp>
@@ -12228,7 +12464,7 @@
           </a:ln>
           <a:extLst>
             <a:ext uri="{C572A759-6A51-4108-AA02-DFA0A04FC94B}">
-              <ma14:wrappingTextBoxFlag xmlns:ma14="http://schemas.microsoft.com/office/mac/drawingml/2011/main" val="1"/>
+              <ma14:wrappingTextBoxFlag xmlns:ma14="http://schemas.microsoft.com/office/mac/drawingml/2011/main" xmlns:a14="http://schemas.microsoft.com/office/drawing/2010/main" xmlns:m="http://schemas.openxmlformats.org/officeDocument/2006/math" xmlns="" val="1"/>
             </a:ext>
           </a:extLst>
         </p:spPr>
@@ -12279,6 +12515,7 @@
                 <a:sym typeface="IBM Plex Sans"/>
               </a:defRPr>
             </a:pPr>
+            <a:endParaRPr/>
           </a:p>
           <a:p>
             <a:pPr lvl="2" indent="457200" algn="l" defTabSz="457200">
@@ -12374,6 +12611,7 @@
                 <a:sym typeface="IBM Plex Sans"/>
               </a:defRPr>
             </a:pPr>
+            <a:endParaRPr/>
           </a:p>
           <a:p>
             <a:pPr lvl="2" indent="457200" algn="l" defTabSz="457200">
@@ -12417,6 +12655,7 @@
                 <a:sym typeface="IBM Plex Sans"/>
               </a:defRPr>
             </a:pPr>
+            <a:endParaRPr/>
           </a:p>
           <a:p>
             <a:pPr lvl="2" indent="457200" algn="l" defTabSz="457200">
@@ -12460,6 +12699,7 @@
                 <a:sym typeface="IBM Plex Sans"/>
               </a:defRPr>
             </a:pPr>
+            <a:endParaRPr/>
           </a:p>
           <a:p>
             <a:pPr lvl="2" indent="457200" algn="l" defTabSz="457200">
@@ -12503,6 +12743,7 @@
                 <a:sym typeface="IBM Plex Sans"/>
               </a:defRPr>
             </a:pPr>
+            <a:endParaRPr/>
           </a:p>
           <a:p>
             <a:pPr lvl="2" indent="457200" algn="l" defTabSz="457200">
@@ -12546,6 +12787,7 @@
                 <a:sym typeface="IBM Plex Sans"/>
               </a:defRPr>
             </a:pPr>
+            <a:endParaRPr/>
           </a:p>
           <a:p>
             <a:pPr lvl="2" indent="457200" algn="l" defTabSz="457200">
@@ -12589,6 +12831,7 @@
                 <a:sym typeface="IBM Plex Sans"/>
               </a:defRPr>
             </a:pPr>
+            <a:endParaRPr/>
           </a:p>
           <a:p>
             <a:pPr lvl="2" indent="457200" algn="l" defTabSz="457200">
@@ -12632,6 +12875,7 @@
                 <a:sym typeface="IBM Plex Sans"/>
               </a:defRPr>
             </a:pPr>
+            <a:endParaRPr/>
           </a:p>
         </p:txBody>
       </p:sp>
@@ -12654,7 +12898,7 @@
           </a:ln>
           <a:extLst>
             <a:ext uri="{C572A759-6A51-4108-AA02-DFA0A04FC94B}">
-              <ma14:wrappingTextBoxFlag xmlns:ma14="http://schemas.microsoft.com/office/mac/drawingml/2011/main" val="1"/>
+              <ma14:wrappingTextBoxFlag xmlns:ma14="http://schemas.microsoft.com/office/mac/drawingml/2011/main" xmlns:a14="http://schemas.microsoft.com/office/drawing/2010/main" xmlns:m="http://schemas.openxmlformats.org/officeDocument/2006/math" xmlns="" val="1"/>
             </a:ext>
           </a:extLst>
         </p:spPr>
@@ -12672,7 +12916,6 @@
             </a:lvl1pPr>
           </a:lstStyle>
           <a:p>
-            <a:pPr/>
             <a:r>
               <a:t>-&gt; Can you beat it ?</a:t>
             </a:r>
@@ -12684,18 +12927,19 @@
   <p:clrMapOvr>
     <a:masterClrMapping/>
   </p:clrMapOvr>
-  <p:transition xmlns:p14="http://schemas.microsoft.com/office/powerpoint/2010/main" spd="med" advClick="1"/>
+  <p:transition spd="med"/>
 </p:sld>
 </file>
 
 <file path=ppt/slides/slide9.xml><?xml version="1.0" encoding="utf-8"?>
-<p:sld xmlns:a="http://schemas.openxmlformats.org/drawingml/2006/main" xmlns:r="http://schemas.openxmlformats.org/officeDocument/2006/relationships" xmlns:p="http://schemas.openxmlformats.org/presentationml/2006/main" xmlns:m="http://schemas.openxmlformats.org/officeDocument/2006/math" xmlns:a14="http://schemas.microsoft.com/office/drawing/2010/main" showMasterSp="1" showMasterPhAnim="1">
+<p:sld xmlns:a="http://schemas.openxmlformats.org/drawingml/2006/main" xmlns:r="http://schemas.openxmlformats.org/officeDocument/2006/relationships" xmlns:p="http://schemas.openxmlformats.org/presentationml/2006/main">
   <p:cSld>
     <p:bg>
       <p:bgPr>
         <a:solidFill>
           <a:srgbClr val="D9D9D9"/>
         </a:solidFill>
+        <a:effectLst/>
       </p:bgPr>
     </p:bg>
     <p:spTree>
@@ -12750,6 +12994,7 @@
                 <a:sym typeface="Arial"/>
               </a:defRPr>
             </a:pPr>
+            <a:endParaRPr/>
           </a:p>
         </p:txBody>
       </p:sp>
@@ -12772,7 +13017,7 @@
           </a:ln>
           <a:extLst>
             <a:ext uri="{C572A759-6A51-4108-AA02-DFA0A04FC94B}">
-              <ma14:wrappingTextBoxFlag xmlns:ma14="http://schemas.microsoft.com/office/mac/drawingml/2011/main" val="1"/>
+              <ma14:wrappingTextBoxFlag xmlns:ma14="http://schemas.microsoft.com/office/mac/drawingml/2011/main" xmlns:a14="http://schemas.microsoft.com/office/drawing/2010/main" xmlns:m="http://schemas.openxmlformats.org/officeDocument/2006/math" xmlns="" val="1"/>
             </a:ext>
           </a:extLst>
         </p:spPr>
@@ -12782,7 +13027,6 @@
           </a:bodyPr>
           <a:lstStyle/>
           <a:p>
-            <a:pPr/>
             <a:r>
               <a:t>Deep Learning for Games and Simulations</a:t>
             </a:r>
@@ -12808,7 +13052,7 @@
           </a:ln>
           <a:extLst>
             <a:ext uri="{C572A759-6A51-4108-AA02-DFA0A04FC94B}">
-              <ma14:wrappingTextBoxFlag xmlns:ma14="http://schemas.microsoft.com/office/mac/drawingml/2011/main" val="1"/>
+              <ma14:wrappingTextBoxFlag xmlns:ma14="http://schemas.microsoft.com/office/mac/drawingml/2011/main" xmlns:a14="http://schemas.microsoft.com/office/drawing/2010/main" xmlns:m="http://schemas.openxmlformats.org/officeDocument/2006/math" xmlns="" val="1"/>
             </a:ext>
           </a:extLst>
         </p:spPr>
@@ -12818,7 +13062,6 @@
           </a:bodyPr>
           <a:lstStyle/>
           <a:p>
-            <a:pPr/>
             <a:r>
               <a:t>ITU Copenhagen, Fall 2023</a:t>
             </a:r>
@@ -12844,7 +13087,7 @@
           </a:ln>
           <a:extLst>
             <a:ext uri="{C572A759-6A51-4108-AA02-DFA0A04FC94B}">
-              <ma14:wrappingTextBoxFlag xmlns:ma14="http://schemas.microsoft.com/office/mac/drawingml/2011/main" val="1"/>
+              <ma14:wrappingTextBoxFlag xmlns:ma14="http://schemas.microsoft.com/office/mac/drawingml/2011/main" xmlns:a14="http://schemas.microsoft.com/office/drawing/2010/main" xmlns:m="http://schemas.openxmlformats.org/officeDocument/2006/math" xmlns="" val="1"/>
             </a:ext>
           </a:extLst>
         </p:spPr>
@@ -12855,7 +13098,7 @@
           <a:lstStyle/>
           <a:p>
             <a:pPr algn="l">
-              <a:defRPr b="1" sz="1800"/>
+              <a:defRPr sz="1800" b="1"/>
             </a:pPr>
             <a:br/>
             <a:r>
@@ -12888,7 +13131,7 @@
           </a:ln>
           <a:extLst>
             <a:ext uri="{C572A759-6A51-4108-AA02-DFA0A04FC94B}">
-              <ma14:wrappingTextBoxFlag xmlns:ma14="http://schemas.microsoft.com/office/mac/drawingml/2011/main" val="1"/>
+              <ma14:wrappingTextBoxFlag xmlns:ma14="http://schemas.microsoft.com/office/mac/drawingml/2011/main" xmlns:a14="http://schemas.microsoft.com/office/drawing/2010/main" xmlns:m="http://schemas.openxmlformats.org/officeDocument/2006/math" xmlns="" val="1"/>
             </a:ext>
           </a:extLst>
         </p:spPr>
@@ -12904,6 +13147,7 @@
               </a:lnSpc>
               <a:defRPr sz="1400"/>
             </a:pPr>
+            <a:endParaRPr/>
           </a:p>
           <a:p>
             <a:pPr algn="l">
@@ -12917,13 +13161,7 @@
             </a:r>
             <a:br/>
             <a:r>
-              <a:t>-&gt; M</a:t>
-            </a:r>
-            <a:r>
-              <a:t>ake the algorithm more efficient as it avoids evaluating the same state multiple times</a:t>
-            </a:r>
-            <a:r>
-              <a:t>.</a:t>
+              <a:t>-&gt; Make the algorithm more efficient as it avoids evaluating the same state multiple times.</a:t>
             </a:r>
           </a:p>
         </p:txBody>
@@ -12933,12 +13171,12 @@
   <p:clrMapOvr>
     <a:masterClrMapping/>
   </p:clrMapOvr>
-  <p:transition xmlns:p14="http://schemas.microsoft.com/office/powerpoint/2010/main" spd="med" advClick="1"/>
+  <p:transition spd="med"/>
 </p:sld>
 </file>
 
 <file path=ppt/theme/theme1.xml><?xml version="1.0" encoding="utf-8"?>
-<a:theme xmlns:a="http://schemas.openxmlformats.org/drawingml/2006/main" xmlns:r="http://schemas.openxmlformats.org/officeDocument/2006/relationships" name="Simple Light">
+<a:theme xmlns:a="http://schemas.openxmlformats.org/drawingml/2006/main" name="Simple Light">
   <a:themeElements>
     <a:clrScheme name="Simple Light">
       <a:dk1>
@@ -13070,7 +13308,7 @@
         </a:effectStyle>
         <a:effectStyle>
           <a:effectLst>
-            <a:outerShdw sx="100000" sy="100000" kx="0" ky="0" algn="b" rotWithShape="0" blurRad="38100" dist="20000" dir="5400000">
+            <a:outerShdw blurRad="38100" dist="20000" dir="5400000" rotWithShape="0">
               <a:srgbClr val="000000">
                 <a:alpha val="38000"/>
               </a:srgbClr>
@@ -13146,7 +13384,7 @@
         <a:effectLst/>
         <a:sp3d/>
       </a:spPr>
-      <a:bodyPr rot="0" spcFirstLastPara="1" vertOverflow="overflow" horzOverflow="overflow" vert="horz" wrap="square" lIns="0" tIns="0" rIns="0" bIns="0" numCol="1" spcCol="38100" rtlCol="0" anchor="t" upright="0">
+      <a:bodyPr rot="0" spcFirstLastPara="1" vertOverflow="overflow" horzOverflow="overflow" vert="horz" wrap="square" lIns="0" tIns="0" rIns="0" bIns="0" numCol="1" spcCol="38100" rtlCol="0" anchor="t">
         <a:spAutoFit/>
       </a:bodyPr>
       <a:lstStyle>
@@ -13165,7 +13403,7 @@
           <a:buFontTx/>
           <a:buNone/>
           <a:tabLst/>
-          <a:defRPr b="0" baseline="0" cap="none" i="0" spc="0" strike="noStrike" sz="1400" u="none" kumimoji="0" normalizeH="0">
+          <a:defRPr kumimoji="0" sz="1400" b="0" i="0" u="none" strike="noStrike" cap="none" spc="0" normalizeH="0" baseline="0">
             <a:ln>
               <a:noFill/>
             </a:ln>
@@ -13195,7 +13433,7 @@
           <a:buFontTx/>
           <a:buNone/>
           <a:tabLst/>
-          <a:defRPr b="0" baseline="0" cap="none" i="0" spc="0" strike="noStrike" sz="1800" u="none" kumimoji="0" normalizeH="0">
+          <a:defRPr kumimoji="0" sz="1800" b="0" i="0" u="none" strike="noStrike" cap="none" spc="0" normalizeH="0" baseline="0">
             <a:ln>
               <a:noFill/>
             </a:ln>
@@ -13221,7 +13459,7 @@
           <a:buFontTx/>
           <a:buNone/>
           <a:tabLst/>
-          <a:defRPr b="0" baseline="0" cap="none" i="0" spc="0" strike="noStrike" sz="1800" u="none" kumimoji="0" normalizeH="0">
+          <a:defRPr kumimoji="0" sz="1800" b="0" i="0" u="none" strike="noStrike" cap="none" spc="0" normalizeH="0" baseline="0">
             <a:ln>
               <a:noFill/>
             </a:ln>
@@ -13247,7 +13485,7 @@
           <a:buFontTx/>
           <a:buNone/>
           <a:tabLst/>
-          <a:defRPr b="0" baseline="0" cap="none" i="0" spc="0" strike="noStrike" sz="1800" u="none" kumimoji="0" normalizeH="0">
+          <a:defRPr kumimoji="0" sz="1800" b="0" i="0" u="none" strike="noStrike" cap="none" spc="0" normalizeH="0" baseline="0">
             <a:ln>
               <a:noFill/>
             </a:ln>
@@ -13273,7 +13511,7 @@
           <a:buFontTx/>
           <a:buNone/>
           <a:tabLst/>
-          <a:defRPr b="0" baseline="0" cap="none" i="0" spc="0" strike="noStrike" sz="1800" u="none" kumimoji="0" normalizeH="0">
+          <a:defRPr kumimoji="0" sz="1800" b="0" i="0" u="none" strike="noStrike" cap="none" spc="0" normalizeH="0" baseline="0">
             <a:ln>
               <a:noFill/>
             </a:ln>
@@ -13299,7 +13537,7 @@
           <a:buFontTx/>
           <a:buNone/>
           <a:tabLst/>
-          <a:defRPr b="0" baseline="0" cap="none" i="0" spc="0" strike="noStrike" sz="1800" u="none" kumimoji="0" normalizeH="0">
+          <a:defRPr kumimoji="0" sz="1800" b="0" i="0" u="none" strike="noStrike" cap="none" spc="0" normalizeH="0" baseline="0">
             <a:ln>
               <a:noFill/>
             </a:ln>
@@ -13325,7 +13563,7 @@
           <a:buFontTx/>
           <a:buNone/>
           <a:tabLst/>
-          <a:defRPr b="0" baseline="0" cap="none" i="0" spc="0" strike="noStrike" sz="1800" u="none" kumimoji="0" normalizeH="0">
+          <a:defRPr kumimoji="0" sz="1800" b="0" i="0" u="none" strike="noStrike" cap="none" spc="0" normalizeH="0" baseline="0">
             <a:ln>
               <a:noFill/>
             </a:ln>
@@ -13351,7 +13589,7 @@
           <a:buFontTx/>
           <a:buNone/>
           <a:tabLst/>
-          <a:defRPr b="0" baseline="0" cap="none" i="0" spc="0" strike="noStrike" sz="1800" u="none" kumimoji="0" normalizeH="0">
+          <a:defRPr kumimoji="0" sz="1800" b="0" i="0" u="none" strike="noStrike" cap="none" spc="0" normalizeH="0" baseline="0">
             <a:ln>
               <a:noFill/>
             </a:ln>
@@ -13377,7 +13615,7 @@
           <a:buFontTx/>
           <a:buNone/>
           <a:tabLst/>
-          <a:defRPr b="0" baseline="0" cap="none" i="0" spc="0" strike="noStrike" sz="1800" u="none" kumimoji="0" normalizeH="0">
+          <a:defRPr kumimoji="0" sz="1800" b="0" i="0" u="none" strike="noStrike" cap="none" spc="0" normalizeH="0" baseline="0">
             <a:ln>
               <a:noFill/>
             </a:ln>
@@ -13403,7 +13641,7 @@
           <a:buFontTx/>
           <a:buNone/>
           <a:tabLst/>
-          <a:defRPr b="0" baseline="0" cap="none" i="0" spc="0" strike="noStrike" sz="1800" u="none" kumimoji="0" normalizeH="0">
+          <a:defRPr kumimoji="0" sz="1800" b="0" i="0" u="none" strike="noStrike" cap="none" spc="0" normalizeH="0" baseline="0">
             <a:ln>
               <a:noFill/>
             </a:ln>
@@ -13416,9 +13654,15 @@
         </a:lvl9pPr>
       </a:lstStyle>
       <a:style>
-        <a:lnRef idx="0"/>
-        <a:fillRef idx="0"/>
-        <a:effectRef idx="0"/>
+        <a:lnRef idx="0">
+          <a:scrgbClr r="0" g="0" b="0"/>
+        </a:lnRef>
+        <a:fillRef idx="0">
+          <a:scrgbClr r="0" g="0" b="0"/>
+        </a:fillRef>
+        <a:effectRef idx="0">
+          <a:scrgbClr r="0" g="0" b="0"/>
+        </a:effectRef>
         <a:fontRef idx="none"/>
       </a:style>
     </a:spDef>
@@ -13433,7 +13677,7 @@
           <a:round/>
         </a:ln>
         <a:effectLst>
-          <a:outerShdw sx="100000" sy="100000" kx="0" ky="0" algn="b" rotWithShape="0" blurRad="38100" dist="20000" dir="5400000">
+          <a:outerShdw blurRad="38100" dist="20000" dir="5400000" rotWithShape="0">
             <a:srgbClr val="000000">
               <a:alpha val="38000"/>
             </a:srgbClr>
@@ -13441,7 +13685,7 @@
         </a:effectLst>
         <a:sp3d/>
       </a:spPr>
-      <a:bodyPr rot="0" spcFirstLastPara="1" vertOverflow="overflow" horzOverflow="overflow" vert="horz" wrap="square" lIns="91439" tIns="45719" rIns="91439" bIns="45719" numCol="1" spcCol="38100" rtlCol="0" anchor="t" upright="0">
+      <a:bodyPr rot="0" spcFirstLastPara="1" vertOverflow="overflow" horzOverflow="overflow" vert="horz" wrap="square" lIns="91439" tIns="45719" rIns="91439" bIns="45719" numCol="1" spcCol="38100" rtlCol="0" anchor="t">
         <a:noAutofit/>
       </a:bodyPr>
       <a:lstStyle>
@@ -13460,7 +13704,7 @@
           <a:buFontTx/>
           <a:buNone/>
           <a:tabLst/>
-          <a:defRPr b="0" baseline="0" cap="none" i="0" spc="0" strike="noStrike" sz="1800" u="none" kumimoji="0" normalizeH="0">
+          <a:defRPr kumimoji="0" sz="1800" b="0" i="0" u="none" strike="noStrike" cap="none" spc="0" normalizeH="0" baseline="0">
             <a:ln>
               <a:noFill/>
             </a:ln>
@@ -13486,7 +13730,7 @@
           <a:buFontTx/>
           <a:buNone/>
           <a:tabLst/>
-          <a:defRPr b="0" baseline="0" cap="none" i="0" spc="0" strike="noStrike" sz="1800" u="none" kumimoji="0" normalizeH="0">
+          <a:defRPr kumimoji="0" sz="1800" b="0" i="0" u="none" strike="noStrike" cap="none" spc="0" normalizeH="0" baseline="0">
             <a:ln>
               <a:noFill/>
             </a:ln>
@@ -13512,7 +13756,7 @@
           <a:buFontTx/>
           <a:buNone/>
           <a:tabLst/>
-          <a:defRPr b="0" baseline="0" cap="none" i="0" spc="0" strike="noStrike" sz="1800" u="none" kumimoji="0" normalizeH="0">
+          <a:defRPr kumimoji="0" sz="1800" b="0" i="0" u="none" strike="noStrike" cap="none" spc="0" normalizeH="0" baseline="0">
             <a:ln>
               <a:noFill/>
             </a:ln>
@@ -13538,7 +13782,7 @@
           <a:buFontTx/>
           <a:buNone/>
           <a:tabLst/>
-          <a:defRPr b="0" baseline="0" cap="none" i="0" spc="0" strike="noStrike" sz="1800" u="none" kumimoji="0" normalizeH="0">
+          <a:defRPr kumimoji="0" sz="1800" b="0" i="0" u="none" strike="noStrike" cap="none" spc="0" normalizeH="0" baseline="0">
             <a:ln>
               <a:noFill/>
             </a:ln>
@@ -13564,7 +13808,7 @@
           <a:buFontTx/>
           <a:buNone/>
           <a:tabLst/>
-          <a:defRPr b="0" baseline="0" cap="none" i="0" spc="0" strike="noStrike" sz="1800" u="none" kumimoji="0" normalizeH="0">
+          <a:defRPr kumimoji="0" sz="1800" b="0" i="0" u="none" strike="noStrike" cap="none" spc="0" normalizeH="0" baseline="0">
             <a:ln>
               <a:noFill/>
             </a:ln>
@@ -13590,7 +13834,7 @@
           <a:buFontTx/>
           <a:buNone/>
           <a:tabLst/>
-          <a:defRPr b="0" baseline="0" cap="none" i="0" spc="0" strike="noStrike" sz="1800" u="none" kumimoji="0" normalizeH="0">
+          <a:defRPr kumimoji="0" sz="1800" b="0" i="0" u="none" strike="noStrike" cap="none" spc="0" normalizeH="0" baseline="0">
             <a:ln>
               <a:noFill/>
             </a:ln>
@@ -13616,7 +13860,7 @@
           <a:buFontTx/>
           <a:buNone/>
           <a:tabLst/>
-          <a:defRPr b="0" baseline="0" cap="none" i="0" spc="0" strike="noStrike" sz="1800" u="none" kumimoji="0" normalizeH="0">
+          <a:defRPr kumimoji="0" sz="1800" b="0" i="0" u="none" strike="noStrike" cap="none" spc="0" normalizeH="0" baseline="0">
             <a:ln>
               <a:noFill/>
             </a:ln>
@@ -13642,7 +13886,7 @@
           <a:buFontTx/>
           <a:buNone/>
           <a:tabLst/>
-          <a:defRPr b="0" baseline="0" cap="none" i="0" spc="0" strike="noStrike" sz="1800" u="none" kumimoji="0" normalizeH="0">
+          <a:defRPr kumimoji="0" sz="1800" b="0" i="0" u="none" strike="noStrike" cap="none" spc="0" normalizeH="0" baseline="0">
             <a:ln>
               <a:noFill/>
             </a:ln>
@@ -13668,7 +13912,7 @@
           <a:buFontTx/>
           <a:buNone/>
           <a:tabLst/>
-          <a:defRPr b="0" baseline="0" cap="none" i="0" spc="0" strike="noStrike" sz="1800" u="none" kumimoji="0" normalizeH="0">
+          <a:defRPr kumimoji="0" sz="1800" b="0" i="0" u="none" strike="noStrike" cap="none" spc="0" normalizeH="0" baseline="0">
             <a:ln>
               <a:noFill/>
             </a:ln>
@@ -13694,7 +13938,7 @@
           <a:buFontTx/>
           <a:buNone/>
           <a:tabLst/>
-          <a:defRPr b="0" baseline="0" cap="none" i="0" spc="0" strike="noStrike" sz="1800" u="none" kumimoji="0" normalizeH="0">
+          <a:defRPr kumimoji="0" sz="1800" b="0" i="0" u="none" strike="noStrike" cap="none" spc="0" normalizeH="0" baseline="0">
             <a:ln>
               <a:noFill/>
             </a:ln>
@@ -13707,9 +13951,15 @@
         </a:lvl9pPr>
       </a:lstStyle>
       <a:style>
-        <a:lnRef idx="0"/>
-        <a:fillRef idx="0"/>
-        <a:effectRef idx="0"/>
+        <a:lnRef idx="0">
+          <a:scrgbClr r="0" g="0" b="0"/>
+        </a:lnRef>
+        <a:fillRef idx="0">
+          <a:scrgbClr r="0" g="0" b="0"/>
+        </a:fillRef>
+        <a:effectRef idx="0">
+          <a:scrgbClr r="0" g="0" b="0"/>
+        </a:effectRef>
         <a:fontRef idx="none"/>
       </a:style>
     </a:lnDef>
@@ -13723,7 +13973,7 @@
         <a:effectLst/>
         <a:sp3d/>
       </a:spPr>
-      <a:bodyPr rot="0" spcFirstLastPara="1" vertOverflow="overflow" horzOverflow="overflow" vert="horz" wrap="square" lIns="0" tIns="0" rIns="0" bIns="0" numCol="1" spcCol="38100" rtlCol="0" anchor="t" upright="0">
+      <a:bodyPr rot="0" spcFirstLastPara="1" vertOverflow="overflow" horzOverflow="overflow" vert="horz" wrap="square" lIns="0" tIns="0" rIns="0" bIns="0" numCol="1" spcCol="38100" rtlCol="0" anchor="t">
         <a:spAutoFit/>
       </a:bodyPr>
       <a:lstStyle>
@@ -13742,7 +13992,7 @@
           <a:buFontTx/>
           <a:buNone/>
           <a:tabLst/>
-          <a:defRPr b="0" baseline="0" cap="none" i="0" spc="0" strike="noStrike" sz="700" u="none" kumimoji="0" normalizeH="0">
+          <a:defRPr kumimoji="0" sz="700" b="0" i="0" u="none" strike="noStrike" cap="none" spc="0" normalizeH="0" baseline="0">
             <a:ln>
               <a:noFill/>
             </a:ln>
@@ -13772,7 +14022,7 @@
           <a:buFontTx/>
           <a:buNone/>
           <a:tabLst/>
-          <a:defRPr b="0" baseline="0" cap="none" i="0" spc="0" strike="noStrike" sz="1800" u="none" kumimoji="0" normalizeH="0">
+          <a:defRPr kumimoji="0" sz="1800" b="0" i="0" u="none" strike="noStrike" cap="none" spc="0" normalizeH="0" baseline="0">
             <a:ln>
               <a:noFill/>
             </a:ln>
@@ -13798,7 +14048,7 @@
           <a:buFontTx/>
           <a:buNone/>
           <a:tabLst/>
-          <a:defRPr b="0" baseline="0" cap="none" i="0" spc="0" strike="noStrike" sz="1800" u="none" kumimoji="0" normalizeH="0">
+          <a:defRPr kumimoji="0" sz="1800" b="0" i="0" u="none" strike="noStrike" cap="none" spc="0" normalizeH="0" baseline="0">
             <a:ln>
               <a:noFill/>
             </a:ln>
@@ -13824,7 +14074,7 @@
           <a:buFontTx/>
           <a:buNone/>
           <a:tabLst/>
-          <a:defRPr b="0" baseline="0" cap="none" i="0" spc="0" strike="noStrike" sz="1800" u="none" kumimoji="0" normalizeH="0">
+          <a:defRPr kumimoji="0" sz="1800" b="0" i="0" u="none" strike="noStrike" cap="none" spc="0" normalizeH="0" baseline="0">
             <a:ln>
               <a:noFill/>
             </a:ln>
@@ -13850,7 +14100,7 @@
           <a:buFontTx/>
           <a:buNone/>
           <a:tabLst/>
-          <a:defRPr b="0" baseline="0" cap="none" i="0" spc="0" strike="noStrike" sz="1800" u="none" kumimoji="0" normalizeH="0">
+          <a:defRPr kumimoji="0" sz="1800" b="0" i="0" u="none" strike="noStrike" cap="none" spc="0" normalizeH="0" baseline="0">
             <a:ln>
               <a:noFill/>
             </a:ln>
@@ -13876,7 +14126,7 @@
           <a:buFontTx/>
           <a:buNone/>
           <a:tabLst/>
-          <a:defRPr b="0" baseline="0" cap="none" i="0" spc="0" strike="noStrike" sz="1800" u="none" kumimoji="0" normalizeH="0">
+          <a:defRPr kumimoji="0" sz="1800" b="0" i="0" u="none" strike="noStrike" cap="none" spc="0" normalizeH="0" baseline="0">
             <a:ln>
               <a:noFill/>
             </a:ln>
@@ -13902,7 +14152,7 @@
           <a:buFontTx/>
           <a:buNone/>
           <a:tabLst/>
-          <a:defRPr b="0" baseline="0" cap="none" i="0" spc="0" strike="noStrike" sz="1800" u="none" kumimoji="0" normalizeH="0">
+          <a:defRPr kumimoji="0" sz="1800" b="0" i="0" u="none" strike="noStrike" cap="none" spc="0" normalizeH="0" baseline="0">
             <a:ln>
               <a:noFill/>
             </a:ln>
@@ -13928,7 +14178,7 @@
           <a:buFontTx/>
           <a:buNone/>
           <a:tabLst/>
-          <a:defRPr b="0" baseline="0" cap="none" i="0" spc="0" strike="noStrike" sz="1800" u="none" kumimoji="0" normalizeH="0">
+          <a:defRPr kumimoji="0" sz="1800" b="0" i="0" u="none" strike="noStrike" cap="none" spc="0" normalizeH="0" baseline="0">
             <a:ln>
               <a:noFill/>
             </a:ln>
@@ -13954,7 +14204,7 @@
           <a:buFontTx/>
           <a:buNone/>
           <a:tabLst/>
-          <a:defRPr b="0" baseline="0" cap="none" i="0" spc="0" strike="noStrike" sz="1800" u="none" kumimoji="0" normalizeH="0">
+          <a:defRPr kumimoji="0" sz="1800" b="0" i="0" u="none" strike="noStrike" cap="none" spc="0" normalizeH="0" baseline="0">
             <a:ln>
               <a:noFill/>
             </a:ln>
@@ -13980,7 +14230,7 @@
           <a:buFontTx/>
           <a:buNone/>
           <a:tabLst/>
-          <a:defRPr b="0" baseline="0" cap="none" i="0" spc="0" strike="noStrike" sz="1800" u="none" kumimoji="0" normalizeH="0">
+          <a:defRPr kumimoji="0" sz="1800" b="0" i="0" u="none" strike="noStrike" cap="none" spc="0" normalizeH="0" baseline="0">
             <a:ln>
               <a:noFill/>
             </a:ln>
@@ -13993,18 +14243,25 @@
         </a:lvl9pPr>
       </a:lstStyle>
       <a:style>
-        <a:lnRef idx="0"/>
-        <a:fillRef idx="0"/>
-        <a:effectRef idx="0"/>
+        <a:lnRef idx="0">
+          <a:scrgbClr r="0" g="0" b="0"/>
+        </a:lnRef>
+        <a:fillRef idx="0">
+          <a:scrgbClr r="0" g="0" b="0"/>
+        </a:fillRef>
+        <a:effectRef idx="0">
+          <a:scrgbClr r="0" g="0" b="0"/>
+        </a:effectRef>
         <a:fontRef idx="none"/>
       </a:style>
     </a:txDef>
   </a:objectDefaults>
+  <a:extraClrSchemeLst/>
 </a:theme>
 </file>
 
 <file path=ppt/theme/theme2.xml><?xml version="1.0" encoding="utf-8"?>
-<a:theme xmlns:a="http://schemas.openxmlformats.org/drawingml/2006/main" xmlns:r="http://schemas.openxmlformats.org/officeDocument/2006/relationships" name="Simple Light">
+<a:theme xmlns:a="http://schemas.openxmlformats.org/drawingml/2006/main" name="Simple Light">
   <a:themeElements>
     <a:clrScheme name="Simple Light">
       <a:dk1>
@@ -14136,7 +14393,7 @@
         </a:effectStyle>
         <a:effectStyle>
           <a:effectLst>
-            <a:outerShdw sx="100000" sy="100000" kx="0" ky="0" algn="b" rotWithShape="0" blurRad="38100" dist="20000" dir="5400000">
+            <a:outerShdw blurRad="38100" dist="20000" dir="5400000" rotWithShape="0">
               <a:srgbClr val="000000">
                 <a:alpha val="38000"/>
               </a:srgbClr>
@@ -14212,7 +14469,7 @@
         <a:effectLst/>
         <a:sp3d/>
       </a:spPr>
-      <a:bodyPr rot="0" spcFirstLastPara="1" vertOverflow="overflow" horzOverflow="overflow" vert="horz" wrap="square" lIns="0" tIns="0" rIns="0" bIns="0" numCol="1" spcCol="38100" rtlCol="0" anchor="t" upright="0">
+      <a:bodyPr rot="0" spcFirstLastPara="1" vertOverflow="overflow" horzOverflow="overflow" vert="horz" wrap="square" lIns="0" tIns="0" rIns="0" bIns="0" numCol="1" spcCol="38100" rtlCol="0" anchor="t">
         <a:spAutoFit/>
       </a:bodyPr>
       <a:lstStyle>
@@ -14231,7 +14488,7 @@
           <a:buFontTx/>
           <a:buNone/>
           <a:tabLst/>
-          <a:defRPr b="0" baseline="0" cap="none" i="0" spc="0" strike="noStrike" sz="1400" u="none" kumimoji="0" normalizeH="0">
+          <a:defRPr kumimoji="0" sz="1400" b="0" i="0" u="none" strike="noStrike" cap="none" spc="0" normalizeH="0" baseline="0">
             <a:ln>
               <a:noFill/>
             </a:ln>
@@ -14261,7 +14518,7 @@
           <a:buFontTx/>
           <a:buNone/>
           <a:tabLst/>
-          <a:defRPr b="0" baseline="0" cap="none" i="0" spc="0" strike="noStrike" sz="1800" u="none" kumimoji="0" normalizeH="0">
+          <a:defRPr kumimoji="0" sz="1800" b="0" i="0" u="none" strike="noStrike" cap="none" spc="0" normalizeH="0" baseline="0">
             <a:ln>
               <a:noFill/>
             </a:ln>
@@ -14287,7 +14544,7 @@
           <a:buFontTx/>
           <a:buNone/>
           <a:tabLst/>
-          <a:defRPr b="0" baseline="0" cap="none" i="0" spc="0" strike="noStrike" sz="1800" u="none" kumimoji="0" normalizeH="0">
+          <a:defRPr kumimoji="0" sz="1800" b="0" i="0" u="none" strike="noStrike" cap="none" spc="0" normalizeH="0" baseline="0">
             <a:ln>
               <a:noFill/>
             </a:ln>
@@ -14313,7 +14570,7 @@
           <a:buFontTx/>
           <a:buNone/>
           <a:tabLst/>
-          <a:defRPr b="0" baseline="0" cap="none" i="0" spc="0" strike="noStrike" sz="1800" u="none" kumimoji="0" normalizeH="0">
+          <a:defRPr kumimoji="0" sz="1800" b="0" i="0" u="none" strike="noStrike" cap="none" spc="0" normalizeH="0" baseline="0">
             <a:ln>
               <a:noFill/>
             </a:ln>
@@ -14339,7 +14596,7 @@
           <a:buFontTx/>
           <a:buNone/>
           <a:tabLst/>
-          <a:defRPr b="0" baseline="0" cap="none" i="0" spc="0" strike="noStrike" sz="1800" u="none" kumimoji="0" normalizeH="0">
+          <a:defRPr kumimoji="0" sz="1800" b="0" i="0" u="none" strike="noStrike" cap="none" spc="0" normalizeH="0" baseline="0">
             <a:ln>
               <a:noFill/>
             </a:ln>
@@ -14365,7 +14622,7 @@
           <a:buFontTx/>
           <a:buNone/>
           <a:tabLst/>
-          <a:defRPr b="0" baseline="0" cap="none" i="0" spc="0" strike="noStrike" sz="1800" u="none" kumimoji="0" normalizeH="0">
+          <a:defRPr kumimoji="0" sz="1800" b="0" i="0" u="none" strike="noStrike" cap="none" spc="0" normalizeH="0" baseline="0">
             <a:ln>
               <a:noFill/>
             </a:ln>
@@ -14391,7 +14648,7 @@
           <a:buFontTx/>
           <a:buNone/>
           <a:tabLst/>
-          <a:defRPr b="0" baseline="0" cap="none" i="0" spc="0" strike="noStrike" sz="1800" u="none" kumimoji="0" normalizeH="0">
+          <a:defRPr kumimoji="0" sz="1800" b="0" i="0" u="none" strike="noStrike" cap="none" spc="0" normalizeH="0" baseline="0">
             <a:ln>
               <a:noFill/>
             </a:ln>
@@ -14417,7 +14674,7 @@
           <a:buFontTx/>
           <a:buNone/>
           <a:tabLst/>
-          <a:defRPr b="0" baseline="0" cap="none" i="0" spc="0" strike="noStrike" sz="1800" u="none" kumimoji="0" normalizeH="0">
+          <a:defRPr kumimoji="0" sz="1800" b="0" i="0" u="none" strike="noStrike" cap="none" spc="0" normalizeH="0" baseline="0">
             <a:ln>
               <a:noFill/>
             </a:ln>
@@ -14443,7 +14700,7 @@
           <a:buFontTx/>
           <a:buNone/>
           <a:tabLst/>
-          <a:defRPr b="0" baseline="0" cap="none" i="0" spc="0" strike="noStrike" sz="1800" u="none" kumimoji="0" normalizeH="0">
+          <a:defRPr kumimoji="0" sz="1800" b="0" i="0" u="none" strike="noStrike" cap="none" spc="0" normalizeH="0" baseline="0">
             <a:ln>
               <a:noFill/>
             </a:ln>
@@ -14469,7 +14726,7 @@
           <a:buFontTx/>
           <a:buNone/>
           <a:tabLst/>
-          <a:defRPr b="0" baseline="0" cap="none" i="0" spc="0" strike="noStrike" sz="1800" u="none" kumimoji="0" normalizeH="0">
+          <a:defRPr kumimoji="0" sz="1800" b="0" i="0" u="none" strike="noStrike" cap="none" spc="0" normalizeH="0" baseline="0">
             <a:ln>
               <a:noFill/>
             </a:ln>
@@ -14482,9 +14739,15 @@
         </a:lvl9pPr>
       </a:lstStyle>
       <a:style>
-        <a:lnRef idx="0"/>
-        <a:fillRef idx="0"/>
-        <a:effectRef idx="0"/>
+        <a:lnRef idx="0">
+          <a:scrgbClr r="0" g="0" b="0"/>
+        </a:lnRef>
+        <a:fillRef idx="0">
+          <a:scrgbClr r="0" g="0" b="0"/>
+        </a:fillRef>
+        <a:effectRef idx="0">
+          <a:scrgbClr r="0" g="0" b="0"/>
+        </a:effectRef>
         <a:fontRef idx="none"/>
       </a:style>
     </a:spDef>
@@ -14499,7 +14762,7 @@
           <a:round/>
         </a:ln>
         <a:effectLst>
-          <a:outerShdw sx="100000" sy="100000" kx="0" ky="0" algn="b" rotWithShape="0" blurRad="38100" dist="20000" dir="5400000">
+          <a:outerShdw blurRad="38100" dist="20000" dir="5400000" rotWithShape="0">
             <a:srgbClr val="000000">
               <a:alpha val="38000"/>
             </a:srgbClr>
@@ -14507,7 +14770,7 @@
         </a:effectLst>
         <a:sp3d/>
       </a:spPr>
-      <a:bodyPr rot="0" spcFirstLastPara="1" vertOverflow="overflow" horzOverflow="overflow" vert="horz" wrap="square" lIns="91439" tIns="45719" rIns="91439" bIns="45719" numCol="1" spcCol="38100" rtlCol="0" anchor="t" upright="0">
+      <a:bodyPr rot="0" spcFirstLastPara="1" vertOverflow="overflow" horzOverflow="overflow" vert="horz" wrap="square" lIns="91439" tIns="45719" rIns="91439" bIns="45719" numCol="1" spcCol="38100" rtlCol="0" anchor="t">
         <a:noAutofit/>
       </a:bodyPr>
       <a:lstStyle>
@@ -14526,7 +14789,7 @@
           <a:buFontTx/>
           <a:buNone/>
           <a:tabLst/>
-          <a:defRPr b="0" baseline="0" cap="none" i="0" spc="0" strike="noStrike" sz="1800" u="none" kumimoji="0" normalizeH="0">
+          <a:defRPr kumimoji="0" sz="1800" b="0" i="0" u="none" strike="noStrike" cap="none" spc="0" normalizeH="0" baseline="0">
             <a:ln>
               <a:noFill/>
             </a:ln>
@@ -14552,7 +14815,7 @@
           <a:buFontTx/>
           <a:buNone/>
           <a:tabLst/>
-          <a:defRPr b="0" baseline="0" cap="none" i="0" spc="0" strike="noStrike" sz="1800" u="none" kumimoji="0" normalizeH="0">
+          <a:defRPr kumimoji="0" sz="1800" b="0" i="0" u="none" strike="noStrike" cap="none" spc="0" normalizeH="0" baseline="0">
             <a:ln>
               <a:noFill/>
             </a:ln>
@@ -14578,7 +14841,7 @@
           <a:buFontTx/>
           <a:buNone/>
           <a:tabLst/>
-          <a:defRPr b="0" baseline="0" cap="none" i="0" spc="0" strike="noStrike" sz="1800" u="none" kumimoji="0" normalizeH="0">
+          <a:defRPr kumimoji="0" sz="1800" b="0" i="0" u="none" strike="noStrike" cap="none" spc="0" normalizeH="0" baseline="0">
             <a:ln>
               <a:noFill/>
             </a:ln>
@@ -14604,7 +14867,7 @@
           <a:buFontTx/>
           <a:buNone/>
           <a:tabLst/>
-          <a:defRPr b="0" baseline="0" cap="none" i="0" spc="0" strike="noStrike" sz="1800" u="none" kumimoji="0" normalizeH="0">
+          <a:defRPr kumimoji="0" sz="1800" b="0" i="0" u="none" strike="noStrike" cap="none" spc="0" normalizeH="0" baseline="0">
             <a:ln>
               <a:noFill/>
             </a:ln>
@@ -14630,7 +14893,7 @@
           <a:buFontTx/>
           <a:buNone/>
           <a:tabLst/>
-          <a:defRPr b="0" baseline="0" cap="none" i="0" spc="0" strike="noStrike" sz="1800" u="none" kumimoji="0" normalizeH="0">
+          <a:defRPr kumimoji="0" sz="1800" b="0" i="0" u="none" strike="noStrike" cap="none" spc="0" normalizeH="0" baseline="0">
             <a:ln>
               <a:noFill/>
             </a:ln>
@@ -14656,7 +14919,7 @@
           <a:buFontTx/>
           <a:buNone/>
           <a:tabLst/>
-          <a:defRPr b="0" baseline="0" cap="none" i="0" spc="0" strike="noStrike" sz="1800" u="none" kumimoji="0" normalizeH="0">
+          <a:defRPr kumimoji="0" sz="1800" b="0" i="0" u="none" strike="noStrike" cap="none" spc="0" normalizeH="0" baseline="0">
             <a:ln>
               <a:noFill/>
             </a:ln>
@@ -14682,7 +14945,7 @@
           <a:buFontTx/>
           <a:buNone/>
           <a:tabLst/>
-          <a:defRPr b="0" baseline="0" cap="none" i="0" spc="0" strike="noStrike" sz="1800" u="none" kumimoji="0" normalizeH="0">
+          <a:defRPr kumimoji="0" sz="1800" b="0" i="0" u="none" strike="noStrike" cap="none" spc="0" normalizeH="0" baseline="0">
             <a:ln>
               <a:noFill/>
             </a:ln>
@@ -14708,7 +14971,7 @@
           <a:buFontTx/>
           <a:buNone/>
           <a:tabLst/>
-          <a:defRPr b="0" baseline="0" cap="none" i="0" spc="0" strike="noStrike" sz="1800" u="none" kumimoji="0" normalizeH="0">
+          <a:defRPr kumimoji="0" sz="1800" b="0" i="0" u="none" strike="noStrike" cap="none" spc="0" normalizeH="0" baseline="0">
             <a:ln>
               <a:noFill/>
             </a:ln>
@@ -14734,7 +14997,7 @@
           <a:buFontTx/>
           <a:buNone/>
           <a:tabLst/>
-          <a:defRPr b="0" baseline="0" cap="none" i="0" spc="0" strike="noStrike" sz="1800" u="none" kumimoji="0" normalizeH="0">
+          <a:defRPr kumimoji="0" sz="1800" b="0" i="0" u="none" strike="noStrike" cap="none" spc="0" normalizeH="0" baseline="0">
             <a:ln>
               <a:noFill/>
             </a:ln>
@@ -14760,7 +15023,7 @@
           <a:buFontTx/>
           <a:buNone/>
           <a:tabLst/>
-          <a:defRPr b="0" baseline="0" cap="none" i="0" spc="0" strike="noStrike" sz="1800" u="none" kumimoji="0" normalizeH="0">
+          <a:defRPr kumimoji="0" sz="1800" b="0" i="0" u="none" strike="noStrike" cap="none" spc="0" normalizeH="0" baseline="0">
             <a:ln>
               <a:noFill/>
             </a:ln>
@@ -14773,9 +15036,15 @@
         </a:lvl9pPr>
       </a:lstStyle>
       <a:style>
-        <a:lnRef idx="0"/>
-        <a:fillRef idx="0"/>
-        <a:effectRef idx="0"/>
+        <a:lnRef idx="0">
+          <a:scrgbClr r="0" g="0" b="0"/>
+        </a:lnRef>
+        <a:fillRef idx="0">
+          <a:scrgbClr r="0" g="0" b="0"/>
+        </a:fillRef>
+        <a:effectRef idx="0">
+          <a:scrgbClr r="0" g="0" b="0"/>
+        </a:effectRef>
         <a:fontRef idx="none"/>
       </a:style>
     </a:lnDef>
@@ -14789,7 +15058,7 @@
         <a:effectLst/>
         <a:sp3d/>
       </a:spPr>
-      <a:bodyPr rot="0" spcFirstLastPara="1" vertOverflow="overflow" horzOverflow="overflow" vert="horz" wrap="square" lIns="0" tIns="0" rIns="0" bIns="0" numCol="1" spcCol="38100" rtlCol="0" anchor="t" upright="0">
+      <a:bodyPr rot="0" spcFirstLastPara="1" vertOverflow="overflow" horzOverflow="overflow" vert="horz" wrap="square" lIns="0" tIns="0" rIns="0" bIns="0" numCol="1" spcCol="38100" rtlCol="0" anchor="t">
         <a:spAutoFit/>
       </a:bodyPr>
       <a:lstStyle>
@@ -14808,7 +15077,7 @@
           <a:buFontTx/>
           <a:buNone/>
           <a:tabLst/>
-          <a:defRPr b="0" baseline="0" cap="none" i="0" spc="0" strike="noStrike" sz="700" u="none" kumimoji="0" normalizeH="0">
+          <a:defRPr kumimoji="0" sz="700" b="0" i="0" u="none" strike="noStrike" cap="none" spc="0" normalizeH="0" baseline="0">
             <a:ln>
               <a:noFill/>
             </a:ln>
@@ -14838,7 +15107,7 @@
           <a:buFontTx/>
           <a:buNone/>
           <a:tabLst/>
-          <a:defRPr b="0" baseline="0" cap="none" i="0" spc="0" strike="noStrike" sz="1800" u="none" kumimoji="0" normalizeH="0">
+          <a:defRPr kumimoji="0" sz="1800" b="0" i="0" u="none" strike="noStrike" cap="none" spc="0" normalizeH="0" baseline="0">
             <a:ln>
               <a:noFill/>
             </a:ln>
@@ -14864,7 +15133,7 @@
           <a:buFontTx/>
           <a:buNone/>
           <a:tabLst/>
-          <a:defRPr b="0" baseline="0" cap="none" i="0" spc="0" strike="noStrike" sz="1800" u="none" kumimoji="0" normalizeH="0">
+          <a:defRPr kumimoji="0" sz="1800" b="0" i="0" u="none" strike="noStrike" cap="none" spc="0" normalizeH="0" baseline="0">
             <a:ln>
               <a:noFill/>
             </a:ln>
@@ -14890,7 +15159,7 @@
           <a:buFontTx/>
           <a:buNone/>
           <a:tabLst/>
-          <a:defRPr b="0" baseline="0" cap="none" i="0" spc="0" strike="noStrike" sz="1800" u="none" kumimoji="0" normalizeH="0">
+          <a:defRPr kumimoji="0" sz="1800" b="0" i="0" u="none" strike="noStrike" cap="none" spc="0" normalizeH="0" baseline="0">
             <a:ln>
               <a:noFill/>
             </a:ln>
@@ -14916,7 +15185,7 @@
           <a:buFontTx/>
           <a:buNone/>
           <a:tabLst/>
-          <a:defRPr b="0" baseline="0" cap="none" i="0" spc="0" strike="noStrike" sz="1800" u="none" kumimoji="0" normalizeH="0">
+          <a:defRPr kumimoji="0" sz="1800" b="0" i="0" u="none" strike="noStrike" cap="none" spc="0" normalizeH="0" baseline="0">
             <a:ln>
               <a:noFill/>
             </a:ln>
@@ -14942,7 +15211,7 @@
           <a:buFontTx/>
           <a:buNone/>
           <a:tabLst/>
-          <a:defRPr b="0" baseline="0" cap="none" i="0" spc="0" strike="noStrike" sz="1800" u="none" kumimoji="0" normalizeH="0">
+          <a:defRPr kumimoji="0" sz="1800" b="0" i="0" u="none" strike="noStrike" cap="none" spc="0" normalizeH="0" baseline="0">
             <a:ln>
               <a:noFill/>
             </a:ln>
@@ -14968,7 +15237,7 @@
           <a:buFontTx/>
           <a:buNone/>
           <a:tabLst/>
-          <a:defRPr b="0" baseline="0" cap="none" i="0" spc="0" strike="noStrike" sz="1800" u="none" kumimoji="0" normalizeH="0">
+          <a:defRPr kumimoji="0" sz="1800" b="0" i="0" u="none" strike="noStrike" cap="none" spc="0" normalizeH="0" baseline="0">
             <a:ln>
               <a:noFill/>
             </a:ln>
@@ -14994,7 +15263,7 @@
           <a:buFontTx/>
           <a:buNone/>
           <a:tabLst/>
-          <a:defRPr b="0" baseline="0" cap="none" i="0" spc="0" strike="noStrike" sz="1800" u="none" kumimoji="0" normalizeH="0">
+          <a:defRPr kumimoji="0" sz="1800" b="0" i="0" u="none" strike="noStrike" cap="none" spc="0" normalizeH="0" baseline="0">
             <a:ln>
               <a:noFill/>
             </a:ln>
@@ -15020,7 +15289,7 @@
           <a:buFontTx/>
           <a:buNone/>
           <a:tabLst/>
-          <a:defRPr b="0" baseline="0" cap="none" i="0" spc="0" strike="noStrike" sz="1800" u="none" kumimoji="0" normalizeH="0">
+          <a:defRPr kumimoji="0" sz="1800" b="0" i="0" u="none" strike="noStrike" cap="none" spc="0" normalizeH="0" baseline="0">
             <a:ln>
               <a:noFill/>
             </a:ln>
@@ -15046,7 +15315,7 @@
           <a:buFontTx/>
           <a:buNone/>
           <a:tabLst/>
-          <a:defRPr b="0" baseline="0" cap="none" i="0" spc="0" strike="noStrike" sz="1800" u="none" kumimoji="0" normalizeH="0">
+          <a:defRPr kumimoji="0" sz="1800" b="0" i="0" u="none" strike="noStrike" cap="none" spc="0" normalizeH="0" baseline="0">
             <a:ln>
               <a:noFill/>
             </a:ln>
@@ -15059,12 +15328,19 @@
         </a:lvl9pPr>
       </a:lstStyle>
       <a:style>
-        <a:lnRef idx="0"/>
-        <a:fillRef idx="0"/>
-        <a:effectRef idx="0"/>
+        <a:lnRef idx="0">
+          <a:scrgbClr r="0" g="0" b="0"/>
+        </a:lnRef>
+        <a:fillRef idx="0">
+          <a:scrgbClr r="0" g="0" b="0"/>
+        </a:fillRef>
+        <a:effectRef idx="0">
+          <a:scrgbClr r="0" g="0" b="0"/>
+        </a:effectRef>
         <a:fontRef idx="none"/>
       </a:style>
     </a:txDef>
   </a:objectDefaults>
+  <a:extraClrSchemeLst/>
 </a:theme>
 </file>
--- a/dlgs.pptx
+++ b/dlgs.pptx
@@ -5,7 +5,7 @@
     <p:sldMasterId id="2147483648" r:id="rId1"/>
   </p:sldMasterIdLst>
   <p:notesMasterIdLst>
-    <p:notesMasterId r:id="rId27"/>
+    <p:notesMasterId r:id="rId28"/>
   </p:notesMasterIdLst>
   <p:sldIdLst>
     <p:sldId id="256" r:id="rId2"/>
@@ -32,7 +32,8 @@
     <p:sldId id="277" r:id="rId23"/>
     <p:sldId id="278" r:id="rId24"/>
     <p:sldId id="281" r:id="rId25"/>
-    <p:sldId id="280" r:id="rId26"/>
+    <p:sldId id="282" r:id="rId26"/>
+    <p:sldId id="280" r:id="rId27"/>
   </p:sldIdLst>
   <p:sldSz cx="9144000" cy="5143500" type="screen16x9"/>
   <p:notesSz cx="6858000" cy="9144000"/>
@@ -9380,7 +9381,7 @@
         <p:spPr>
           <a:xfrm>
             <a:off x="385389" y="938568"/>
-            <a:ext cx="2924019" cy="3908730"/>
+            <a:ext cx="2924019" cy="2215959"/>
           </a:xfrm>
           <a:prstGeom prst="rect">
             <a:avLst/>
@@ -9428,9 +9429,6 @@
             <a:endParaRPr lang="da-DK" dirty="0"/>
           </a:p>
           <a:p>
-            <a:endParaRPr lang="da-DK" dirty="0"/>
-          </a:p>
-          <a:p>
             <a:r>
               <a:rPr lang="da-DK" dirty="0"/>
               <a:t>(2) DQN Agent</a:t>
@@ -9441,24 +9439,6 @@
           </a:p>
           <a:p>
             <a:endParaRPr lang="da-DK" dirty="0"/>
-          </a:p>
-          <a:p>
-            <a:r>
-              <a:rPr lang="da-DK" dirty="0"/>
-              <a:t>(3) Training Loop</a:t>
-            </a:r>
-          </a:p>
-          <a:p>
-            <a:endParaRPr lang="da-DK" dirty="0"/>
-          </a:p>
-          <a:p>
-            <a:endParaRPr lang="da-DK" dirty="0"/>
-          </a:p>
-          <a:p>
-            <a:r>
-              <a:rPr lang="da-DK" dirty="0"/>
-              <a:t>(4) Train !</a:t>
-            </a:r>
           </a:p>
           <a:p>
             <a:endParaRPr dirty="0"/>
@@ -9543,8 +9523,8 @@
         </p:nvSpPr>
         <p:spPr>
           <a:xfrm>
-            <a:off x="4031367" y="798839"/>
-            <a:ext cx="4783033" cy="1508105"/>
+            <a:off x="3102429" y="798839"/>
+            <a:ext cx="5711971" cy="4647426"/>
           </a:xfrm>
           <a:prstGeom prst="rect">
             <a:avLst/>
@@ -9559,7 +9539,7 @@
           </a:extLst>
         </p:spPr>
         <p:txBody>
-          <a:bodyPr lIns="0" tIns="0" rIns="0" bIns="0">
+          <a:bodyPr wrap="square" lIns="0" tIns="0" rIns="0" bIns="0">
             <a:spAutoFit/>
           </a:bodyPr>
           <a:lstStyle/>
@@ -9632,7 +9612,589 @@
                 <a:sym typeface="Helvetica"/>
               </a:defRPr>
             </a:pPr>
-            <a:endParaRPr dirty="0"/>
+            <a:endParaRPr lang="en-DK" dirty="0"/>
+          </a:p>
+          <a:p>
+            <a:pPr algn="l"/>
+            <a:endParaRPr lang="en-GB" sz="1000" dirty="0">
+              <a:solidFill>
+                <a:srgbClr val="0000FF"/>
+              </a:solidFill>
+              <a:latin typeface="Courier New" panose="02070309020205020404" pitchFamily="49" charset="0"/>
+            </a:endParaRPr>
+          </a:p>
+          <a:p>
+            <a:pPr algn="l"/>
+            <a:r>
+              <a:rPr lang="en-GB" sz="1000" b="0" dirty="0">
+                <a:solidFill>
+                  <a:srgbClr val="0000FF"/>
+                </a:solidFill>
+                <a:effectLst/>
+                <a:latin typeface="Courier New" panose="02070309020205020404" pitchFamily="49" charset="0"/>
+              </a:rPr>
+              <a:t>def</a:t>
+            </a:r>
+            <a:r>
+              <a:rPr lang="en-GB" sz="1000" b="0" dirty="0">
+                <a:solidFill>
+                  <a:srgbClr val="000000"/>
+                </a:solidFill>
+                <a:effectLst/>
+                <a:latin typeface="Courier New" panose="02070309020205020404" pitchFamily="49" charset="0"/>
+              </a:rPr>
+              <a:t> </a:t>
+            </a:r>
+            <a:r>
+              <a:rPr lang="en-GB" sz="1000" b="0" dirty="0">
+                <a:solidFill>
+                  <a:srgbClr val="795E26"/>
+                </a:solidFill>
+                <a:effectLst/>
+                <a:latin typeface="Courier New" panose="02070309020205020404" pitchFamily="49" charset="0"/>
+              </a:rPr>
+              <a:t>act</a:t>
+            </a:r>
+            <a:r>
+              <a:rPr lang="en-GB" sz="1000" b="0" dirty="0">
+                <a:solidFill>
+                  <a:srgbClr val="000000"/>
+                </a:solidFill>
+                <a:effectLst/>
+                <a:latin typeface="Courier New" panose="02070309020205020404" pitchFamily="49" charset="0"/>
+              </a:rPr>
+              <a:t>(</a:t>
+            </a:r>
+            <a:r>
+              <a:rPr lang="en-GB" sz="1000" b="0" dirty="0">
+                <a:solidFill>
+                  <a:srgbClr val="001080"/>
+                </a:solidFill>
+                <a:effectLst/>
+                <a:latin typeface="Courier New" panose="02070309020205020404" pitchFamily="49" charset="0"/>
+              </a:rPr>
+              <a:t>self</a:t>
+            </a:r>
+            <a:r>
+              <a:rPr lang="en-GB" sz="1000" b="0" dirty="0">
+                <a:solidFill>
+                  <a:srgbClr val="000000"/>
+                </a:solidFill>
+                <a:effectLst/>
+                <a:latin typeface="Courier New" panose="02070309020205020404" pitchFamily="49" charset="0"/>
+              </a:rPr>
+              <a:t>, </a:t>
+            </a:r>
+            <a:r>
+              <a:rPr lang="en-GB" sz="1000" b="0" dirty="0">
+                <a:solidFill>
+                  <a:srgbClr val="001080"/>
+                </a:solidFill>
+                <a:effectLst/>
+                <a:latin typeface="Courier New" panose="02070309020205020404" pitchFamily="49" charset="0"/>
+              </a:rPr>
+              <a:t>state</a:t>
+            </a:r>
+            <a:r>
+              <a:rPr lang="en-GB" sz="1000" b="0" dirty="0">
+                <a:solidFill>
+                  <a:srgbClr val="000000"/>
+                </a:solidFill>
+                <a:effectLst/>
+                <a:latin typeface="Courier New" panose="02070309020205020404" pitchFamily="49" charset="0"/>
+              </a:rPr>
+              <a:t>):</a:t>
+            </a:r>
+          </a:p>
+          <a:p>
+            <a:pPr algn="l"/>
+            <a:r>
+              <a:rPr lang="en-GB" sz="1000" b="0" dirty="0">
+                <a:solidFill>
+                  <a:srgbClr val="008000"/>
+                </a:solidFill>
+                <a:effectLst/>
+                <a:latin typeface="Courier New" panose="02070309020205020404" pitchFamily="49" charset="0"/>
+              </a:rPr>
+              <a:t>	# Epsilon-greedy action selection</a:t>
+            </a:r>
+            <a:endParaRPr lang="en-GB" sz="1000" b="0" dirty="0">
+              <a:solidFill>
+                <a:srgbClr val="000000"/>
+              </a:solidFill>
+              <a:effectLst/>
+              <a:latin typeface="Courier New" panose="02070309020205020404" pitchFamily="49" charset="0"/>
+            </a:endParaRPr>
+          </a:p>
+          <a:p>
+            <a:pPr algn="l"/>
+            <a:r>
+              <a:rPr lang="en-GB" sz="1000" b="0" dirty="0">
+                <a:solidFill>
+                  <a:srgbClr val="0000FF"/>
+                </a:solidFill>
+                <a:effectLst/>
+                <a:latin typeface="Courier New" panose="02070309020205020404" pitchFamily="49" charset="0"/>
+              </a:rPr>
+              <a:t>def</a:t>
+            </a:r>
+            <a:r>
+              <a:rPr lang="en-GB" sz="1000" b="0" dirty="0">
+                <a:solidFill>
+                  <a:srgbClr val="000000"/>
+                </a:solidFill>
+                <a:effectLst/>
+                <a:latin typeface="Courier New" panose="02070309020205020404" pitchFamily="49" charset="0"/>
+              </a:rPr>
+              <a:t> </a:t>
+            </a:r>
+            <a:r>
+              <a:rPr lang="en-GB" sz="1000" b="0" dirty="0">
+                <a:solidFill>
+                  <a:srgbClr val="795E26"/>
+                </a:solidFill>
+                <a:effectLst/>
+                <a:latin typeface="Courier New" panose="02070309020205020404" pitchFamily="49" charset="0"/>
+              </a:rPr>
+              <a:t>replay</a:t>
+            </a:r>
+            <a:r>
+              <a:rPr lang="en-GB" sz="1000" b="0" dirty="0">
+                <a:solidFill>
+                  <a:srgbClr val="000000"/>
+                </a:solidFill>
+                <a:effectLst/>
+                <a:latin typeface="Courier New" panose="02070309020205020404" pitchFamily="49" charset="0"/>
+              </a:rPr>
+              <a:t>(</a:t>
+            </a:r>
+            <a:r>
+              <a:rPr lang="en-GB" sz="1000" b="0" dirty="0">
+                <a:solidFill>
+                  <a:srgbClr val="001080"/>
+                </a:solidFill>
+                <a:effectLst/>
+                <a:latin typeface="Courier New" panose="02070309020205020404" pitchFamily="49" charset="0"/>
+              </a:rPr>
+              <a:t>self</a:t>
+            </a:r>
+            <a:r>
+              <a:rPr lang="en-GB" sz="1000" b="0" dirty="0">
+                <a:solidFill>
+                  <a:srgbClr val="000000"/>
+                </a:solidFill>
+                <a:effectLst/>
+                <a:latin typeface="Courier New" panose="02070309020205020404" pitchFamily="49" charset="0"/>
+              </a:rPr>
+              <a:t>, </a:t>
+            </a:r>
+            <a:r>
+              <a:rPr lang="en-GB" sz="1000" b="0" dirty="0" err="1">
+                <a:solidFill>
+                  <a:srgbClr val="001080"/>
+                </a:solidFill>
+                <a:effectLst/>
+                <a:latin typeface="Courier New" panose="02070309020205020404" pitchFamily="49" charset="0"/>
+              </a:rPr>
+              <a:t>batch_size</a:t>
+            </a:r>
+            <a:r>
+              <a:rPr lang="en-GB" sz="1000" b="0" dirty="0">
+                <a:solidFill>
+                  <a:srgbClr val="000000"/>
+                </a:solidFill>
+                <a:effectLst/>
+                <a:latin typeface="Courier New" panose="02070309020205020404" pitchFamily="49" charset="0"/>
+              </a:rPr>
+              <a:t>):</a:t>
+            </a:r>
+            <a:endParaRPr lang="en-GB" sz="1000" b="0" dirty="0">
+              <a:solidFill>
+                <a:srgbClr val="0000FF"/>
+              </a:solidFill>
+              <a:effectLst/>
+              <a:latin typeface="Courier New" panose="02070309020205020404" pitchFamily="49" charset="0"/>
+            </a:endParaRPr>
+          </a:p>
+          <a:p>
+            <a:pPr algn="l"/>
+            <a:r>
+              <a:rPr lang="en-GB" sz="1000" b="0" dirty="0">
+                <a:solidFill>
+                  <a:srgbClr val="008000"/>
+                </a:solidFill>
+                <a:effectLst/>
+                <a:latin typeface="Courier New" panose="02070309020205020404" pitchFamily="49" charset="0"/>
+              </a:rPr>
+              <a:t>	#apply Q-learning update rule for each experience in batch.</a:t>
+            </a:r>
+            <a:endParaRPr lang="en-GB" sz="1000" b="0" dirty="0">
+              <a:solidFill>
+                <a:srgbClr val="000000"/>
+              </a:solidFill>
+              <a:effectLst/>
+              <a:latin typeface="Courier New" panose="02070309020205020404" pitchFamily="49" charset="0"/>
+            </a:endParaRPr>
+          </a:p>
+          <a:p>
+            <a:pPr algn="l"/>
+            <a:endParaRPr lang="en-GB" sz="1000" b="0" dirty="0">
+              <a:solidFill>
+                <a:srgbClr val="0000FF"/>
+              </a:solidFill>
+              <a:effectLst/>
+              <a:latin typeface="Courier New" panose="02070309020205020404" pitchFamily="49" charset="0"/>
+            </a:endParaRPr>
+          </a:p>
+          <a:p>
+            <a:pPr algn="l"/>
+            <a:r>
+              <a:rPr lang="en-GB" sz="1000" b="0" dirty="0">
+                <a:solidFill>
+                  <a:srgbClr val="0000FF"/>
+                </a:solidFill>
+                <a:effectLst/>
+                <a:latin typeface="Courier New" panose="02070309020205020404" pitchFamily="49" charset="0"/>
+              </a:rPr>
+              <a:t>def</a:t>
+            </a:r>
+            <a:r>
+              <a:rPr lang="en-GB" sz="1000" b="0" dirty="0">
+                <a:solidFill>
+                  <a:srgbClr val="000000"/>
+                </a:solidFill>
+                <a:effectLst/>
+                <a:latin typeface="Courier New" panose="02070309020205020404" pitchFamily="49" charset="0"/>
+              </a:rPr>
+              <a:t> </a:t>
+            </a:r>
+            <a:r>
+              <a:rPr lang="en-GB" sz="1000" b="0" dirty="0">
+                <a:solidFill>
+                  <a:srgbClr val="795E26"/>
+                </a:solidFill>
+                <a:effectLst/>
+                <a:latin typeface="Courier New" panose="02070309020205020404" pitchFamily="49" charset="0"/>
+              </a:rPr>
+              <a:t>train</a:t>
+            </a:r>
+            <a:r>
+              <a:rPr lang="en-GB" sz="1000" b="0" dirty="0">
+                <a:solidFill>
+                  <a:srgbClr val="000000"/>
+                </a:solidFill>
+                <a:effectLst/>
+                <a:latin typeface="Courier New" panose="02070309020205020404" pitchFamily="49" charset="0"/>
+              </a:rPr>
+              <a:t>(</a:t>
+            </a:r>
+            <a:r>
+              <a:rPr lang="en-GB" sz="1000" b="0" dirty="0">
+                <a:solidFill>
+                  <a:srgbClr val="001080"/>
+                </a:solidFill>
+                <a:effectLst/>
+                <a:latin typeface="Courier New" panose="02070309020205020404" pitchFamily="49" charset="0"/>
+              </a:rPr>
+              <a:t>self</a:t>
+            </a:r>
+            <a:r>
+              <a:rPr lang="en-GB" sz="1000" b="0" dirty="0">
+                <a:solidFill>
+                  <a:srgbClr val="000000"/>
+                </a:solidFill>
+                <a:effectLst/>
+                <a:latin typeface="Courier New" panose="02070309020205020404" pitchFamily="49" charset="0"/>
+              </a:rPr>
+              <a:t>, </a:t>
+            </a:r>
+            <a:r>
+              <a:rPr lang="en-GB" sz="1000" b="0" dirty="0">
+                <a:solidFill>
+                  <a:srgbClr val="001080"/>
+                </a:solidFill>
+                <a:effectLst/>
+                <a:latin typeface="Courier New" panose="02070309020205020404" pitchFamily="49" charset="0"/>
+              </a:rPr>
+              <a:t>batch</a:t>
+            </a:r>
+            <a:r>
+              <a:rPr lang="en-GB" sz="1000" b="0" dirty="0">
+                <a:solidFill>
+                  <a:srgbClr val="000000"/>
+                </a:solidFill>
+                <a:effectLst/>
+                <a:latin typeface="Courier New" panose="02070309020205020404" pitchFamily="49" charset="0"/>
+              </a:rPr>
+              <a:t>):</a:t>
+            </a:r>
+          </a:p>
+          <a:p>
+            <a:pPr algn="l"/>
+            <a:r>
+              <a:rPr lang="en-GB" sz="1000" b="0" dirty="0">
+                <a:solidFill>
+                  <a:srgbClr val="AF00DB"/>
+                </a:solidFill>
+                <a:effectLst/>
+                <a:latin typeface="Courier New" panose="02070309020205020404" pitchFamily="49" charset="0"/>
+              </a:rPr>
+              <a:t>	for</a:t>
+            </a:r>
+            <a:r>
+              <a:rPr lang="en-GB" sz="1000" b="0" dirty="0">
+                <a:solidFill>
+                  <a:srgbClr val="000000"/>
+                </a:solidFill>
+                <a:effectLst/>
+                <a:latin typeface="Courier New" panose="02070309020205020404" pitchFamily="49" charset="0"/>
+              </a:rPr>
+              <a:t> state, action, reward, </a:t>
+            </a:r>
+            <a:r>
+              <a:rPr lang="en-GB" sz="1000" b="0" dirty="0" err="1">
+                <a:solidFill>
+                  <a:srgbClr val="000000"/>
+                </a:solidFill>
+                <a:effectLst/>
+                <a:latin typeface="Courier New" panose="02070309020205020404" pitchFamily="49" charset="0"/>
+              </a:rPr>
+              <a:t>next_state</a:t>
+            </a:r>
+            <a:r>
+              <a:rPr lang="en-GB" sz="1000" b="0" dirty="0">
+                <a:solidFill>
+                  <a:srgbClr val="000000"/>
+                </a:solidFill>
+                <a:effectLst/>
+                <a:latin typeface="Courier New" panose="02070309020205020404" pitchFamily="49" charset="0"/>
+              </a:rPr>
+              <a:t>, done </a:t>
+            </a:r>
+            <a:r>
+              <a:rPr lang="en-GB" sz="1000" b="0" dirty="0">
+                <a:solidFill>
+                  <a:srgbClr val="0000FF"/>
+                </a:solidFill>
+                <a:effectLst/>
+                <a:latin typeface="Courier New" panose="02070309020205020404" pitchFamily="49" charset="0"/>
+              </a:rPr>
+              <a:t>in</a:t>
+            </a:r>
+            <a:r>
+              <a:rPr lang="en-GB" sz="1000" b="0" dirty="0">
+                <a:solidFill>
+                  <a:srgbClr val="000000"/>
+                </a:solidFill>
+                <a:effectLst/>
+                <a:latin typeface="Courier New" panose="02070309020205020404" pitchFamily="49" charset="0"/>
+              </a:rPr>
+              <a:t> batch:</a:t>
+            </a:r>
+          </a:p>
+          <a:p>
+            <a:pPr algn="l">
+              <a:lnSpc>
+                <a:spcPct val="100000"/>
+              </a:lnSpc>
+              <a:defRPr sz="1400">
+                <a:solidFill>
+                  <a:srgbClr val="000000"/>
+                </a:solidFill>
+                <a:latin typeface="Helvetica"/>
+                <a:ea typeface="Helvetica"/>
+                <a:cs typeface="Helvetica"/>
+                <a:sym typeface="Helvetica"/>
+              </a:defRPr>
+            </a:pPr>
+            <a:endParaRPr sz="1000" dirty="0"/>
+          </a:p>
+          <a:p>
+            <a:pPr algn="l">
+              <a:lnSpc>
+                <a:spcPct val="100000"/>
+              </a:lnSpc>
+              <a:defRPr sz="1400">
+                <a:solidFill>
+                  <a:srgbClr val="000000"/>
+                </a:solidFill>
+                <a:latin typeface="Helvetica"/>
+                <a:ea typeface="Helvetica"/>
+                <a:cs typeface="Helvetica"/>
+                <a:sym typeface="Helvetica"/>
+              </a:defRPr>
+            </a:pPr>
+            <a:r>
+              <a:rPr lang="da-DK" sz="1000" b="1" dirty="0"/>
+              <a:t>	</a:t>
+            </a:r>
+            <a:r>
+              <a:rPr lang="en-GB" sz="1000" b="0" dirty="0">
+                <a:solidFill>
+                  <a:srgbClr val="008000"/>
+                </a:solidFill>
+                <a:effectLst/>
+                <a:latin typeface="Courier New" panose="02070309020205020404" pitchFamily="49" charset="0"/>
+              </a:rPr>
+              <a:t># Q-learning update rule</a:t>
+            </a:r>
+            <a:endParaRPr lang="en-GB" sz="1000" b="0" dirty="0">
+              <a:solidFill>
+                <a:srgbClr val="000000"/>
+              </a:solidFill>
+              <a:effectLst/>
+              <a:latin typeface="Courier New" panose="02070309020205020404" pitchFamily="49" charset="0"/>
+            </a:endParaRPr>
+          </a:p>
+          <a:p>
+            <a:pPr lvl="2" algn="l">
+              <a:lnSpc>
+                <a:spcPct val="100000"/>
+              </a:lnSpc>
+              <a:defRPr sz="1400">
+                <a:solidFill>
+                  <a:srgbClr val="000000"/>
+                </a:solidFill>
+                <a:latin typeface="Helvetica"/>
+                <a:ea typeface="Helvetica"/>
+                <a:cs typeface="Helvetica"/>
+                <a:sym typeface="Helvetica"/>
+              </a:defRPr>
+            </a:pPr>
+            <a:r>
+              <a:rPr lang="en-GB" sz="1000" b="0" dirty="0">
+                <a:solidFill>
+                  <a:srgbClr val="008000"/>
+                </a:solidFill>
+                <a:effectLst/>
+                <a:latin typeface="Courier New" panose="02070309020205020404" pitchFamily="49" charset="0"/>
+              </a:rPr>
+              <a:t>	target=</a:t>
+            </a:r>
+          </a:p>
+          <a:p>
+            <a:pPr lvl="2" algn="l">
+              <a:lnSpc>
+                <a:spcPct val="100000"/>
+              </a:lnSpc>
+              <a:defRPr sz="1400">
+                <a:solidFill>
+                  <a:srgbClr val="000000"/>
+                </a:solidFill>
+                <a:latin typeface="Helvetica"/>
+                <a:ea typeface="Helvetica"/>
+                <a:cs typeface="Helvetica"/>
+                <a:sym typeface="Helvetica"/>
+              </a:defRPr>
+            </a:pPr>
+            <a:r>
+              <a:rPr lang="en-GB" sz="1000" b="0" dirty="0">
+                <a:solidFill>
+                  <a:srgbClr val="008000"/>
+                </a:solidFill>
+                <a:effectLst/>
+                <a:latin typeface="Courier New" panose="02070309020205020404" pitchFamily="49" charset="0"/>
+              </a:rPr>
+              <a:t>	# Compute the loss and update the model</a:t>
+            </a:r>
+          </a:p>
+          <a:p>
+            <a:pPr lvl="2" algn="l">
+              <a:lnSpc>
+                <a:spcPct val="100000"/>
+              </a:lnSpc>
+              <a:defRPr sz="1400">
+                <a:solidFill>
+                  <a:srgbClr val="000000"/>
+                </a:solidFill>
+                <a:latin typeface="Helvetica"/>
+                <a:ea typeface="Helvetica"/>
+                <a:cs typeface="Helvetica"/>
+                <a:sym typeface="Helvetica"/>
+              </a:defRPr>
+            </a:pPr>
+            <a:r>
+              <a:rPr lang="en-GB" sz="1000" dirty="0">
+                <a:solidFill>
+                  <a:srgbClr val="008000"/>
+                </a:solidFill>
+                <a:latin typeface="Courier New" panose="02070309020205020404" pitchFamily="49" charset="0"/>
+              </a:rPr>
+              <a:t>	loss=</a:t>
+            </a:r>
+          </a:p>
+          <a:p>
+            <a:pPr lvl="2" algn="l">
+              <a:lnSpc>
+                <a:spcPct val="100000"/>
+              </a:lnSpc>
+              <a:defRPr sz="1400">
+                <a:solidFill>
+                  <a:srgbClr val="000000"/>
+                </a:solidFill>
+                <a:latin typeface="Helvetica"/>
+                <a:ea typeface="Helvetica"/>
+                <a:cs typeface="Helvetica"/>
+                <a:sym typeface="Helvetica"/>
+              </a:defRPr>
+            </a:pPr>
+            <a:r>
+              <a:rPr lang="en-GB" sz="1000" dirty="0">
+                <a:solidFill>
+                  <a:srgbClr val="008000"/>
+                </a:solidFill>
+                <a:latin typeface="Courier New" panose="02070309020205020404" pitchFamily="49" charset="0"/>
+              </a:rPr>
+              <a:t>	#remember zero gradient before backward pass</a:t>
+            </a:r>
+          </a:p>
+          <a:p>
+            <a:pPr lvl="2" algn="l">
+              <a:lnSpc>
+                <a:spcPct val="100000"/>
+              </a:lnSpc>
+              <a:defRPr sz="1400">
+                <a:solidFill>
+                  <a:srgbClr val="000000"/>
+                </a:solidFill>
+                <a:latin typeface="Helvetica"/>
+                <a:ea typeface="Helvetica"/>
+                <a:cs typeface="Helvetica"/>
+                <a:sym typeface="Helvetica"/>
+              </a:defRPr>
+            </a:pPr>
+            <a:r>
+              <a:rPr lang="en-GB" sz="1000" dirty="0">
+                <a:solidFill>
+                  <a:srgbClr val="008000"/>
+                </a:solidFill>
+                <a:latin typeface="Courier New" panose="02070309020205020404" pitchFamily="49" charset="0"/>
+              </a:rPr>
+              <a:t>	#backward prop step</a:t>
+            </a:r>
+          </a:p>
+          <a:p>
+            <a:pPr algn="l">
+              <a:lnSpc>
+                <a:spcPct val="100000"/>
+              </a:lnSpc>
+              <a:defRPr sz="1400">
+                <a:solidFill>
+                  <a:srgbClr val="000000"/>
+                </a:solidFill>
+                <a:latin typeface="Helvetica"/>
+                <a:ea typeface="Helvetica"/>
+                <a:cs typeface="Helvetica"/>
+                <a:sym typeface="Helvetica"/>
+              </a:defRPr>
+            </a:pPr>
+            <a:endParaRPr lang="en-GB" b="0" dirty="0">
+              <a:solidFill>
+                <a:srgbClr val="000000"/>
+              </a:solidFill>
+              <a:effectLst/>
+              <a:latin typeface="Courier New" panose="02070309020205020404" pitchFamily="49" charset="0"/>
+            </a:endParaRPr>
           </a:p>
           <a:p>
             <a:pPr algn="l">
@@ -9696,6 +10258,361 @@
 </file>
 
 <file path=ppt/slides/slide25.xml><?xml version="1.0" encoding="utf-8"?>
+<p:sld xmlns:a="http://schemas.openxmlformats.org/drawingml/2006/main" xmlns:r="http://schemas.openxmlformats.org/officeDocument/2006/relationships" xmlns:p="http://schemas.openxmlformats.org/presentationml/2006/main">
+  <p:cSld>
+    <p:bg>
+      <p:bgPr>
+        <a:solidFill>
+          <a:srgbClr val="D9D9D9"/>
+        </a:solidFill>
+        <a:effectLst/>
+      </p:bgPr>
+    </p:bg>
+    <p:spTree>
+      <p:nvGrpSpPr>
+        <p:cNvPr id="1" name=""/>
+        <p:cNvGrpSpPr/>
+        <p:nvPr/>
+      </p:nvGrpSpPr>
+      <p:grpSpPr>
+        <a:xfrm>
+          <a:off x="0" y="0"/>
+          <a:ext cx="0" cy="0"/>
+          <a:chOff x="0" y="0"/>
+          <a:chExt cx="0" cy="0"/>
+        </a:xfrm>
+      </p:grpSpPr>
+      <p:sp>
+        <p:nvSpPr>
+          <p:cNvPr id="248" name="Google Shape;73;p15"/>
+          <p:cNvSpPr/>
+          <p:nvPr/>
+        </p:nvSpPr>
+        <p:spPr>
+          <a:xfrm>
+            <a:off x="217499" y="245475"/>
+            <a:ext cx="8709002" cy="1"/>
+          </a:xfrm>
+          <a:prstGeom prst="line">
+            <a:avLst/>
+          </a:prstGeom>
+          <a:ln>
+            <a:solidFill>
+              <a:srgbClr val="073763"/>
+            </a:solidFill>
+          </a:ln>
+        </p:spPr>
+        <p:txBody>
+          <a:bodyPr lIns="0" tIns="0" rIns="0" bIns="0"/>
+          <a:lstStyle/>
+          <a:p>
+            <a:pPr algn="l">
+              <a:lnSpc>
+                <a:spcPct val="100000"/>
+              </a:lnSpc>
+              <a:defRPr sz="1400">
+                <a:solidFill>
+                  <a:srgbClr val="000000"/>
+                </a:solidFill>
+                <a:latin typeface="+mj-lt"/>
+                <a:ea typeface="+mj-ea"/>
+                <a:cs typeface="+mj-cs"/>
+                <a:sym typeface="Arial"/>
+              </a:defRPr>
+            </a:pPr>
+            <a:endParaRPr/>
+          </a:p>
+        </p:txBody>
+      </p:sp>
+      <p:sp>
+        <p:nvSpPr>
+          <p:cNvPr id="249" name="Google Shape;124;p20"/>
+          <p:cNvSpPr txBox="1"/>
+          <p:nvPr/>
+        </p:nvSpPr>
+        <p:spPr>
+          <a:xfrm>
+            <a:off x="385389" y="938568"/>
+            <a:ext cx="2924019" cy="3231622"/>
+          </a:xfrm>
+          <a:prstGeom prst="rect">
+            <a:avLst/>
+          </a:prstGeom>
+          <a:ln w="12700">
+            <a:miter lim="400000"/>
+          </a:ln>
+          <a:extLst>
+            <a:ext uri="{C572A759-6A51-4108-AA02-DFA0A04FC94B}">
+              <ma14:wrappingTextBoxFlag xmlns:ma14="http://schemas.microsoft.com/office/mac/drawingml/2011/main" xmlns:a14="http://schemas.microsoft.com/office/drawing/2010/main" xmlns:m="http://schemas.openxmlformats.org/officeDocument/2006/math" xmlns="" val="1"/>
+            </a:ext>
+          </a:extLst>
+        </p:spPr>
+        <p:txBody>
+          <a:bodyPr lIns="91424" tIns="91424" rIns="91424" bIns="91424">
+            <a:spAutoFit/>
+          </a:bodyPr>
+          <a:lstStyle>
+            <a:lvl1pPr algn="l">
+              <a:lnSpc>
+                <a:spcPct val="100000"/>
+              </a:lnSpc>
+              <a:defRPr sz="2200">
+                <a:solidFill>
+                  <a:srgbClr val="75910B"/>
+                </a:solidFill>
+                <a:latin typeface="+mn-lt"/>
+                <a:ea typeface="+mn-ea"/>
+                <a:cs typeface="+mn-cs"/>
+                <a:sym typeface="IBM Plex Sans"/>
+              </a:defRPr>
+            </a:lvl1pPr>
+          </a:lstStyle>
+          <a:p>
+            <a:endParaRPr lang="da-DK" dirty="0"/>
+          </a:p>
+          <a:p>
+            <a:r>
+              <a:rPr lang="da-DK" dirty="0"/>
+              <a:t>(3) Training Loop</a:t>
+            </a:r>
+          </a:p>
+          <a:p>
+            <a:endParaRPr lang="da-DK" dirty="0"/>
+          </a:p>
+          <a:p>
+            <a:endParaRPr lang="da-DK" dirty="0"/>
+          </a:p>
+          <a:p>
+            <a:endParaRPr lang="da-DK" dirty="0"/>
+          </a:p>
+          <a:p>
+            <a:endParaRPr lang="da-DK" dirty="0"/>
+          </a:p>
+          <a:p>
+            <a:endParaRPr lang="da-DK" dirty="0"/>
+          </a:p>
+          <a:p>
+            <a:r>
+              <a:rPr lang="da-DK" dirty="0"/>
+              <a:t>(4) Train !</a:t>
+            </a:r>
+          </a:p>
+          <a:p>
+            <a:endParaRPr dirty="0"/>
+          </a:p>
+        </p:txBody>
+      </p:sp>
+      <p:sp>
+        <p:nvSpPr>
+          <p:cNvPr id="250" name="Google Shape;55;p13"/>
+          <p:cNvSpPr txBox="1"/>
+          <p:nvPr/>
+        </p:nvSpPr>
+        <p:spPr>
+          <a:xfrm>
+            <a:off x="130048" y="0"/>
+            <a:ext cx="3134841" cy="284451"/>
+          </a:xfrm>
+          <a:prstGeom prst="rect">
+            <a:avLst/>
+          </a:prstGeom>
+          <a:ln w="12700">
+            <a:miter lim="400000"/>
+          </a:ln>
+          <a:extLst>
+            <a:ext uri="{C572A759-6A51-4108-AA02-DFA0A04FC94B}">
+              <ma14:wrappingTextBoxFlag xmlns:ma14="http://schemas.microsoft.com/office/mac/drawingml/2011/main" xmlns:a14="http://schemas.microsoft.com/office/drawing/2010/main" xmlns:m="http://schemas.openxmlformats.org/officeDocument/2006/math" xmlns="" val="1"/>
+            </a:ext>
+          </a:extLst>
+        </p:spPr>
+        <p:txBody>
+          <a:bodyPr lIns="91424" tIns="91424" rIns="91424" bIns="91424">
+            <a:spAutoFit/>
+          </a:bodyPr>
+          <a:lstStyle/>
+          <a:p>
+            <a:r>
+              <a:t>Deep Learning for Games and Simulations</a:t>
+            </a:r>
+          </a:p>
+        </p:txBody>
+      </p:sp>
+      <p:sp>
+        <p:nvSpPr>
+          <p:cNvPr id="251" name="Google Shape;56;p13"/>
+          <p:cNvSpPr txBox="1"/>
+          <p:nvPr/>
+        </p:nvSpPr>
+        <p:spPr>
+          <a:xfrm>
+            <a:off x="6600259" y="0"/>
+            <a:ext cx="2384701" cy="284450"/>
+          </a:xfrm>
+          <a:prstGeom prst="rect">
+            <a:avLst/>
+          </a:prstGeom>
+          <a:ln w="12700">
+            <a:miter lim="400000"/>
+          </a:ln>
+          <a:extLst>
+            <a:ext uri="{C572A759-6A51-4108-AA02-DFA0A04FC94B}">
+              <ma14:wrappingTextBoxFlag xmlns:ma14="http://schemas.microsoft.com/office/mac/drawingml/2011/main" xmlns:a14="http://schemas.microsoft.com/office/drawing/2010/main" xmlns:m="http://schemas.openxmlformats.org/officeDocument/2006/math" xmlns="" val="1"/>
+            </a:ext>
+          </a:extLst>
+        </p:spPr>
+        <p:txBody>
+          <a:bodyPr lIns="91424" tIns="91424" rIns="91424" bIns="91424">
+            <a:spAutoFit/>
+          </a:bodyPr>
+          <a:lstStyle/>
+          <a:p>
+            <a:r>
+              <a:t>ITU Copenhagen, Fall 2023</a:t>
+            </a:r>
+          </a:p>
+        </p:txBody>
+      </p:sp>
+      <p:sp>
+        <p:nvSpPr>
+          <p:cNvPr id="252" name="Environment:…"/>
+          <p:cNvSpPr txBox="1"/>
+          <p:nvPr/>
+        </p:nvSpPr>
+        <p:spPr>
+          <a:xfrm>
+            <a:off x="3102429" y="798839"/>
+            <a:ext cx="5711971" cy="1092607"/>
+          </a:xfrm>
+          <a:prstGeom prst="rect">
+            <a:avLst/>
+          </a:prstGeom>
+          <a:ln w="12700">
+            <a:miter lim="400000"/>
+          </a:ln>
+          <a:extLst>
+            <a:ext uri="{C572A759-6A51-4108-AA02-DFA0A04FC94B}">
+              <ma14:wrappingTextBoxFlag xmlns:ma14="http://schemas.microsoft.com/office/mac/drawingml/2011/main" xmlns:a14="http://schemas.microsoft.com/office/drawing/2010/main" xmlns:m="http://schemas.openxmlformats.org/officeDocument/2006/math" xmlns="" val="1"/>
+            </a:ext>
+          </a:extLst>
+        </p:spPr>
+        <p:txBody>
+          <a:bodyPr wrap="square" lIns="0" tIns="0" rIns="0" bIns="0">
+            <a:spAutoFit/>
+          </a:bodyPr>
+          <a:lstStyle/>
+          <a:p>
+            <a:pPr algn="l">
+              <a:lnSpc>
+                <a:spcPct val="100000"/>
+              </a:lnSpc>
+              <a:defRPr sz="1400">
+                <a:solidFill>
+                  <a:srgbClr val="000000"/>
+                </a:solidFill>
+                <a:latin typeface="Helvetica"/>
+                <a:ea typeface="Helvetica"/>
+                <a:cs typeface="Helvetica"/>
+                <a:sym typeface="Helvetica"/>
+              </a:defRPr>
+            </a:pPr>
+            <a:endParaRPr lang="en-DK" b="1" dirty="0"/>
+          </a:p>
+          <a:p>
+            <a:pPr algn="l"/>
+            <a:r>
+              <a:rPr lang="en-GB" sz="1000" b="0" dirty="0">
+                <a:solidFill>
+                  <a:srgbClr val="0000FF"/>
+                </a:solidFill>
+                <a:effectLst/>
+                <a:latin typeface="Courier New" panose="02070309020205020404" pitchFamily="49" charset="0"/>
+              </a:rPr>
+              <a:t>def</a:t>
+            </a:r>
+            <a:r>
+              <a:rPr lang="en-GB" sz="1000" b="0" dirty="0">
+                <a:solidFill>
+                  <a:srgbClr val="000000"/>
+                </a:solidFill>
+                <a:effectLst/>
+                <a:latin typeface="Courier New" panose="02070309020205020404" pitchFamily="49" charset="0"/>
+              </a:rPr>
+              <a:t> </a:t>
+            </a:r>
+            <a:r>
+              <a:rPr lang="da-DK" sz="1000" b="0" dirty="0">
+                <a:solidFill>
+                  <a:srgbClr val="795E26"/>
+                </a:solidFill>
+                <a:effectLst/>
+                <a:latin typeface="Courier New" panose="02070309020205020404" pitchFamily="49" charset="0"/>
+              </a:rPr>
+              <a:t>…</a:t>
+            </a:r>
+            <a:endParaRPr dirty="0"/>
+          </a:p>
+          <a:p>
+            <a:pPr algn="l">
+              <a:lnSpc>
+                <a:spcPct val="100000"/>
+              </a:lnSpc>
+              <a:defRPr sz="1400">
+                <a:solidFill>
+                  <a:srgbClr val="000000"/>
+                </a:solidFill>
+                <a:latin typeface="Helvetica"/>
+                <a:ea typeface="Helvetica"/>
+                <a:cs typeface="Helvetica"/>
+                <a:sym typeface="Helvetica"/>
+              </a:defRPr>
+            </a:pPr>
+            <a:endParaRPr b="1" dirty="0"/>
+          </a:p>
+          <a:p>
+            <a:pPr algn="l" defTabSz="457200">
+              <a:lnSpc>
+                <a:spcPct val="100000"/>
+              </a:lnSpc>
+              <a:defRPr sz="1400">
+                <a:latin typeface="+mn-lt"/>
+                <a:ea typeface="+mn-ea"/>
+                <a:cs typeface="+mn-cs"/>
+                <a:sym typeface="IBM Plex Sans"/>
+              </a:defRPr>
+            </a:pPr>
+            <a:endParaRPr b="1" dirty="0"/>
+          </a:p>
+          <a:p>
+            <a:pPr algn="l" defTabSz="457200">
+              <a:lnSpc>
+                <a:spcPct val="100000"/>
+              </a:lnSpc>
+              <a:defRPr sz="1400">
+                <a:latin typeface="+mn-lt"/>
+                <a:ea typeface="+mn-ea"/>
+                <a:cs typeface="+mn-cs"/>
+                <a:sym typeface="IBM Plex Sans"/>
+              </a:defRPr>
+            </a:pPr>
+            <a:endParaRPr b="1" dirty="0"/>
+          </a:p>
+        </p:txBody>
+      </p:sp>
+    </p:spTree>
+    <p:extLst>
+      <p:ext uri="{BB962C8B-B14F-4D97-AF65-F5344CB8AC3E}">
+        <p14:creationId xmlns:p14="http://schemas.microsoft.com/office/powerpoint/2010/main" val="2034978253"/>
+      </p:ext>
+    </p:extLst>
+  </p:cSld>
+  <p:clrMapOvr>
+    <a:masterClrMapping/>
+  </p:clrMapOvr>
+  <p:transition spd="med"/>
+</p:sld>
+</file>
+
+<file path=ppt/slides/slide26.xml><?xml version="1.0" encoding="utf-8"?>
 <p:sld xmlns:a="http://schemas.openxmlformats.org/drawingml/2006/main" xmlns:r="http://schemas.openxmlformats.org/officeDocument/2006/relationships" xmlns:p="http://schemas.openxmlformats.org/presentationml/2006/main">
   <p:cSld>
     <p:bg>

--- a/dlgs.pptx
+++ b/dlgs.pptx
@@ -10481,7 +10481,7 @@
         <p:spPr>
           <a:xfrm>
             <a:off x="3102429" y="798839"/>
-            <a:ext cx="5711971" cy="1092607"/>
+            <a:ext cx="5711971" cy="3123932"/>
           </a:xfrm>
           <a:prstGeom prst="rect">
             <a:avLst/>
@@ -10540,36 +10540,503 @@
               <a:t> </a:t>
             </a:r>
             <a:r>
-              <a:rPr lang="da-DK" sz="1000" b="0" dirty="0">
+              <a:rPr lang="en-GB" sz="1000" b="0" dirty="0">
                 <a:solidFill>
                   <a:srgbClr val="795E26"/>
                 </a:solidFill>
                 <a:effectLst/>
                 <a:latin typeface="Courier New" panose="02070309020205020404" pitchFamily="49" charset="0"/>
               </a:rPr>
-              <a:t>…</a:t>
-            </a:r>
-            <a:endParaRPr dirty="0"/>
-          </a:p>
-          <a:p>
-            <a:pPr algn="l">
-              <a:lnSpc>
-                <a:spcPct val="100000"/>
-              </a:lnSpc>
-              <a:defRPr sz="1400">
+              <a:t>train</a:t>
+            </a:r>
+            <a:r>
+              <a:rPr lang="en-GB" sz="1000" b="0" dirty="0">
                 <a:solidFill>
                   <a:srgbClr val="000000"/>
                 </a:solidFill>
-                <a:latin typeface="Helvetica"/>
-                <a:ea typeface="Helvetica"/>
-                <a:cs typeface="Helvetica"/>
-                <a:sym typeface="Helvetica"/>
-              </a:defRPr>
-            </a:pPr>
-            <a:endParaRPr b="1" dirty="0"/>
-          </a:p>
-          <a:p>
-            <a:pPr algn="l" defTabSz="457200">
+                <a:effectLst/>
+                <a:latin typeface="Courier New" panose="02070309020205020404" pitchFamily="49" charset="0"/>
+              </a:rPr>
+              <a:t>(</a:t>
+            </a:r>
+            <a:r>
+              <a:rPr lang="en-GB" sz="1000" b="0" dirty="0">
+                <a:solidFill>
+                  <a:srgbClr val="001080"/>
+                </a:solidFill>
+                <a:effectLst/>
+                <a:latin typeface="Courier New" panose="02070309020205020404" pitchFamily="49" charset="0"/>
+              </a:rPr>
+              <a:t>env</a:t>
+            </a:r>
+            <a:r>
+              <a:rPr lang="en-GB" sz="1000" b="0" dirty="0">
+                <a:solidFill>
+                  <a:srgbClr val="000000"/>
+                </a:solidFill>
+                <a:effectLst/>
+                <a:latin typeface="Courier New" panose="02070309020205020404" pitchFamily="49" charset="0"/>
+              </a:rPr>
+              <a:t>, </a:t>
+            </a:r>
+            <a:r>
+              <a:rPr lang="en-GB" sz="1000" b="0" dirty="0">
+                <a:solidFill>
+                  <a:srgbClr val="001080"/>
+                </a:solidFill>
+                <a:effectLst/>
+                <a:latin typeface="Courier New" panose="02070309020205020404" pitchFamily="49" charset="0"/>
+              </a:rPr>
+              <a:t>agent</a:t>
+            </a:r>
+            <a:r>
+              <a:rPr lang="en-GB" sz="1000" b="0" dirty="0">
+                <a:solidFill>
+                  <a:srgbClr val="000000"/>
+                </a:solidFill>
+                <a:effectLst/>
+                <a:latin typeface="Courier New" panose="02070309020205020404" pitchFamily="49" charset="0"/>
+              </a:rPr>
+              <a:t>, </a:t>
+            </a:r>
+            <a:r>
+              <a:rPr lang="en-GB" sz="1000" b="0" dirty="0">
+                <a:solidFill>
+                  <a:srgbClr val="001080"/>
+                </a:solidFill>
+                <a:effectLst/>
+                <a:latin typeface="Courier New" panose="02070309020205020404" pitchFamily="49" charset="0"/>
+              </a:rPr>
+              <a:t>episodes</a:t>
+            </a:r>
+            <a:r>
+              <a:rPr lang="en-GB" sz="1000" b="0" dirty="0">
+                <a:solidFill>
+                  <a:srgbClr val="000000"/>
+                </a:solidFill>
+                <a:effectLst/>
+                <a:latin typeface="Courier New" panose="02070309020205020404" pitchFamily="49" charset="0"/>
+              </a:rPr>
+              <a:t>=</a:t>
+            </a:r>
+            <a:r>
+              <a:rPr lang="en-GB" sz="1000" b="0" dirty="0">
+                <a:solidFill>
+                  <a:srgbClr val="098156"/>
+                </a:solidFill>
+                <a:effectLst/>
+                <a:latin typeface="Courier New" panose="02070309020205020404" pitchFamily="49" charset="0"/>
+              </a:rPr>
+              <a:t>1000</a:t>
+            </a:r>
+            <a:r>
+              <a:rPr lang="en-GB" sz="1000" b="0" dirty="0">
+                <a:solidFill>
+                  <a:srgbClr val="000000"/>
+                </a:solidFill>
+                <a:effectLst/>
+                <a:latin typeface="Courier New" panose="02070309020205020404" pitchFamily="49" charset="0"/>
+              </a:rPr>
+              <a:t>, </a:t>
+            </a:r>
+            <a:r>
+              <a:rPr lang="en-GB" sz="1000" b="0" dirty="0" err="1">
+                <a:solidFill>
+                  <a:srgbClr val="001080"/>
+                </a:solidFill>
+                <a:effectLst/>
+                <a:latin typeface="Courier New" panose="02070309020205020404" pitchFamily="49" charset="0"/>
+              </a:rPr>
+              <a:t>batch_size</a:t>
+            </a:r>
+            <a:r>
+              <a:rPr lang="en-GB" sz="1000" b="0" dirty="0">
+                <a:solidFill>
+                  <a:srgbClr val="000000"/>
+                </a:solidFill>
+                <a:effectLst/>
+                <a:latin typeface="Courier New" panose="02070309020205020404" pitchFamily="49" charset="0"/>
+              </a:rPr>
+              <a:t>=</a:t>
+            </a:r>
+            <a:r>
+              <a:rPr lang="en-GB" sz="1000" b="0" dirty="0">
+                <a:solidFill>
+                  <a:srgbClr val="098156"/>
+                </a:solidFill>
+                <a:effectLst/>
+                <a:latin typeface="Courier New" panose="02070309020205020404" pitchFamily="49" charset="0"/>
+              </a:rPr>
+              <a:t>64</a:t>
+            </a:r>
+            <a:r>
+              <a:rPr lang="en-GB" sz="1000" b="0" dirty="0">
+                <a:solidFill>
+                  <a:srgbClr val="000000"/>
+                </a:solidFill>
+                <a:effectLst/>
+                <a:latin typeface="Courier New" panose="02070309020205020404" pitchFamily="49" charset="0"/>
+              </a:rPr>
+              <a:t>):</a:t>
+            </a:r>
+          </a:p>
+          <a:p>
+            <a:pPr algn="l"/>
+            <a:r>
+              <a:rPr lang="en-GB" sz="1000" b="0" dirty="0">
+                <a:solidFill>
+                  <a:srgbClr val="AF00DB"/>
+                </a:solidFill>
+                <a:effectLst/>
+                <a:latin typeface="Courier New" panose="02070309020205020404" pitchFamily="49" charset="0"/>
+              </a:rPr>
+              <a:t>	for</a:t>
+            </a:r>
+            <a:r>
+              <a:rPr lang="en-GB" sz="1000" b="0" dirty="0">
+                <a:solidFill>
+                  <a:srgbClr val="000000"/>
+                </a:solidFill>
+                <a:effectLst/>
+                <a:latin typeface="Courier New" panose="02070309020205020404" pitchFamily="49" charset="0"/>
+              </a:rPr>
+              <a:t> episode </a:t>
+            </a:r>
+            <a:r>
+              <a:rPr lang="en-GB" sz="1000" b="0" dirty="0">
+                <a:solidFill>
+                  <a:srgbClr val="0000FF"/>
+                </a:solidFill>
+                <a:effectLst/>
+                <a:latin typeface="Courier New" panose="02070309020205020404" pitchFamily="49" charset="0"/>
+              </a:rPr>
+              <a:t>in</a:t>
+            </a:r>
+            <a:r>
+              <a:rPr lang="en-GB" sz="1000" b="0" dirty="0">
+                <a:solidFill>
+                  <a:srgbClr val="000000"/>
+                </a:solidFill>
+                <a:effectLst/>
+                <a:latin typeface="Courier New" panose="02070309020205020404" pitchFamily="49" charset="0"/>
+              </a:rPr>
+              <a:t> </a:t>
+            </a:r>
+            <a:r>
+              <a:rPr lang="en-GB" sz="1000" b="0" dirty="0" err="1">
+                <a:solidFill>
+                  <a:srgbClr val="000000"/>
+                </a:solidFill>
+                <a:effectLst/>
+                <a:latin typeface="Courier New" panose="02070309020205020404" pitchFamily="49" charset="0"/>
+              </a:rPr>
+              <a:t>tqdm</a:t>
+            </a:r>
+            <a:r>
+              <a:rPr lang="en-GB" sz="1000" b="0" dirty="0">
+                <a:solidFill>
+                  <a:srgbClr val="000000"/>
+                </a:solidFill>
+                <a:effectLst/>
+                <a:latin typeface="Courier New" panose="02070309020205020404" pitchFamily="49" charset="0"/>
+              </a:rPr>
+              <a:t>(</a:t>
+            </a:r>
+            <a:r>
+              <a:rPr lang="en-GB" sz="1000" b="0" dirty="0">
+                <a:solidFill>
+                  <a:srgbClr val="795E26"/>
+                </a:solidFill>
+                <a:effectLst/>
+                <a:latin typeface="Courier New" panose="02070309020205020404" pitchFamily="49" charset="0"/>
+              </a:rPr>
+              <a:t>range</a:t>
+            </a:r>
+            <a:r>
+              <a:rPr lang="en-GB" sz="1000" b="0" dirty="0">
+                <a:solidFill>
+                  <a:srgbClr val="000000"/>
+                </a:solidFill>
+                <a:effectLst/>
+                <a:latin typeface="Courier New" panose="02070309020205020404" pitchFamily="49" charset="0"/>
+              </a:rPr>
+              <a:t>(episodes)):</a:t>
+            </a:r>
+          </a:p>
+          <a:p>
+            <a:pPr lvl="1" algn="l"/>
+            <a:r>
+              <a:rPr lang="en-GB" sz="1000" b="0" dirty="0">
+                <a:solidFill>
+                  <a:srgbClr val="AF00DB"/>
+                </a:solidFill>
+                <a:effectLst/>
+                <a:latin typeface="Courier New" panose="02070309020205020404" pitchFamily="49" charset="0"/>
+              </a:rPr>
+              <a:t>		while</a:t>
+            </a:r>
+            <a:r>
+              <a:rPr lang="en-GB" sz="1000" b="0" dirty="0">
+                <a:solidFill>
+                  <a:srgbClr val="000000"/>
+                </a:solidFill>
+                <a:effectLst/>
+                <a:latin typeface="Courier New" panose="02070309020205020404" pitchFamily="49" charset="0"/>
+              </a:rPr>
+              <a:t> </a:t>
+            </a:r>
+            <a:r>
+              <a:rPr lang="en-GB" sz="1000" b="0" dirty="0">
+                <a:solidFill>
+                  <a:srgbClr val="0000FF"/>
+                </a:solidFill>
+                <a:effectLst/>
+                <a:latin typeface="Courier New" panose="02070309020205020404" pitchFamily="49" charset="0"/>
+              </a:rPr>
+              <a:t>not</a:t>
+            </a:r>
+            <a:r>
+              <a:rPr lang="en-GB" sz="1000" b="0" dirty="0">
+                <a:solidFill>
+                  <a:srgbClr val="000000"/>
+                </a:solidFill>
+                <a:effectLst/>
+                <a:latin typeface="Courier New" panose="02070309020205020404" pitchFamily="49" charset="0"/>
+              </a:rPr>
+              <a:t> done:</a:t>
+            </a:r>
+          </a:p>
+          <a:p>
+            <a:pPr lvl="1" algn="l"/>
+            <a:r>
+              <a:rPr lang="en-GB" sz="1000" b="0" dirty="0">
+                <a:solidFill>
+                  <a:srgbClr val="008000"/>
+                </a:solidFill>
+                <a:effectLst/>
+                <a:latin typeface="Courier New" panose="02070309020205020404" pitchFamily="49" charset="0"/>
+              </a:rPr>
+              <a:t>		# 1. Make a move in the game.</a:t>
+            </a:r>
+            <a:endParaRPr lang="en-GB" sz="1000" b="0" dirty="0">
+              <a:solidFill>
+                <a:srgbClr val="000000"/>
+              </a:solidFill>
+              <a:effectLst/>
+              <a:latin typeface="Courier New" panose="02070309020205020404" pitchFamily="49" charset="0"/>
+            </a:endParaRPr>
+          </a:p>
+          <a:p>
+            <a:pPr lvl="1" algn="l"/>
+            <a:br>
+              <a:rPr lang="en-GB" sz="1000" b="0" dirty="0">
+                <a:solidFill>
+                  <a:srgbClr val="000000"/>
+                </a:solidFill>
+                <a:effectLst/>
+                <a:latin typeface="Courier New" panose="02070309020205020404" pitchFamily="49" charset="0"/>
+              </a:rPr>
+            </a:br>
+            <a:r>
+              <a:rPr lang="en-GB" sz="1000" b="0" dirty="0">
+                <a:solidFill>
+                  <a:srgbClr val="000000"/>
+                </a:solidFill>
+                <a:effectLst/>
+                <a:latin typeface="Courier New" panose="02070309020205020404" pitchFamily="49" charset="0"/>
+              </a:rPr>
+              <a:t>		</a:t>
+            </a:r>
+            <a:r>
+              <a:rPr lang="en-GB" sz="1000" b="0" dirty="0">
+                <a:solidFill>
+                  <a:srgbClr val="008000"/>
+                </a:solidFill>
+                <a:effectLst/>
+                <a:latin typeface="Courier New" panose="02070309020205020404" pitchFamily="49" charset="0"/>
+              </a:rPr>
+              <a:t># 2. Observe new state and reward from env</a:t>
+            </a:r>
+            <a:br>
+              <a:rPr lang="en-GB" sz="1000" b="0" dirty="0">
+                <a:solidFill>
+                  <a:srgbClr val="000000"/>
+                </a:solidFill>
+                <a:effectLst/>
+                <a:latin typeface="Courier New" panose="02070309020205020404" pitchFamily="49" charset="0"/>
+              </a:rPr>
+            </a:br>
+            <a:r>
+              <a:rPr lang="en-GB" sz="1000" b="0" dirty="0">
+                <a:solidFill>
+                  <a:srgbClr val="000000"/>
+                </a:solidFill>
+                <a:effectLst/>
+                <a:latin typeface="Courier New" panose="02070309020205020404" pitchFamily="49" charset="0"/>
+              </a:rPr>
+              <a:t>		</a:t>
+            </a:r>
+            <a:r>
+              <a:rPr lang="en-GB" sz="1000" b="0" dirty="0">
+                <a:solidFill>
+                  <a:srgbClr val="008000"/>
+                </a:solidFill>
+                <a:effectLst/>
+                <a:latin typeface="Courier New" panose="02070309020205020404" pitchFamily="49" charset="0"/>
+              </a:rPr>
+              <a:t># 3. Have the agent remember the transition.</a:t>
+            </a:r>
+            <a:br>
+              <a:rPr lang="en-GB" sz="1000" b="0" dirty="0">
+                <a:solidFill>
+                  <a:srgbClr val="000000"/>
+                </a:solidFill>
+                <a:effectLst/>
+                <a:latin typeface="Courier New" panose="02070309020205020404" pitchFamily="49" charset="0"/>
+              </a:rPr>
+            </a:br>
+            <a:r>
+              <a:rPr lang="en-GB" sz="1000" b="0" dirty="0">
+                <a:solidFill>
+                  <a:srgbClr val="000000"/>
+                </a:solidFill>
+                <a:effectLst/>
+                <a:latin typeface="Courier New" panose="02070309020205020404" pitchFamily="49" charset="0"/>
+              </a:rPr>
+              <a:t>		</a:t>
+            </a:r>
+            <a:r>
+              <a:rPr lang="en-GB" sz="1000" b="0" dirty="0">
+                <a:solidFill>
+                  <a:srgbClr val="008000"/>
+                </a:solidFill>
+                <a:effectLst/>
+                <a:latin typeface="Courier New" panose="02070309020205020404" pitchFamily="49" charset="0"/>
+              </a:rPr>
+              <a:t># 4. Update current state.</a:t>
+            </a:r>
+            <a:br>
+              <a:rPr lang="en-GB" sz="1000" b="0" dirty="0">
+                <a:solidFill>
+                  <a:srgbClr val="000000"/>
+                </a:solidFill>
+                <a:effectLst/>
+                <a:latin typeface="Courier New" panose="02070309020205020404" pitchFamily="49" charset="0"/>
+              </a:rPr>
+            </a:br>
+            <a:r>
+              <a:rPr lang="en-GB" sz="1000" b="0" dirty="0">
+                <a:solidFill>
+                  <a:srgbClr val="000000"/>
+                </a:solidFill>
+                <a:effectLst/>
+                <a:latin typeface="Courier New" panose="02070309020205020404" pitchFamily="49" charset="0"/>
+              </a:rPr>
+              <a:t>		</a:t>
+            </a:r>
+            <a:r>
+              <a:rPr lang="en-GB" sz="1000" b="0" dirty="0">
+                <a:solidFill>
+                  <a:srgbClr val="008000"/>
+                </a:solidFill>
+                <a:effectLst/>
+                <a:latin typeface="Courier New" panose="02070309020205020404" pitchFamily="49" charset="0"/>
+              </a:rPr>
+              <a:t># 5. If we have enough experiences in our memory, learn from a batch with replay.</a:t>
+            </a:r>
+            <a:endParaRPr lang="en-GB" sz="1000" b="0" dirty="0">
+              <a:solidFill>
+                <a:srgbClr val="000000"/>
+              </a:solidFill>
+              <a:effectLst/>
+              <a:latin typeface="Courier New" panose="02070309020205020404" pitchFamily="49" charset="0"/>
+            </a:endParaRPr>
+          </a:p>
+          <a:p>
+            <a:pPr lvl="1" algn="l"/>
+            <a:r>
+              <a:rPr lang="en-GB" sz="1000" b="0" dirty="0">
+                <a:solidFill>
+                  <a:srgbClr val="AF00DB"/>
+                </a:solidFill>
+                <a:effectLst/>
+                <a:latin typeface="Courier New" panose="02070309020205020404" pitchFamily="49" charset="0"/>
+              </a:rPr>
+              <a:t>		if</a:t>
+            </a:r>
+            <a:r>
+              <a:rPr lang="en-GB" sz="1000" b="0" dirty="0">
+                <a:solidFill>
+                  <a:srgbClr val="000000"/>
+                </a:solidFill>
+                <a:effectLst/>
+                <a:latin typeface="Courier New" panose="02070309020205020404" pitchFamily="49" charset="0"/>
+              </a:rPr>
+              <a:t> </a:t>
+            </a:r>
+            <a:r>
+              <a:rPr lang="en-GB" sz="1000" b="0" dirty="0" err="1">
+                <a:solidFill>
+                  <a:srgbClr val="795E26"/>
+                </a:solidFill>
+                <a:effectLst/>
+                <a:latin typeface="Courier New" panose="02070309020205020404" pitchFamily="49" charset="0"/>
+              </a:rPr>
+              <a:t>len</a:t>
+            </a:r>
+            <a:r>
+              <a:rPr lang="en-GB" sz="1000" b="0" dirty="0">
+                <a:solidFill>
+                  <a:srgbClr val="000000"/>
+                </a:solidFill>
+                <a:effectLst/>
+                <a:latin typeface="Courier New" panose="02070309020205020404" pitchFamily="49" charset="0"/>
+              </a:rPr>
+              <a:t>(</a:t>
+            </a:r>
+            <a:r>
+              <a:rPr lang="en-GB" sz="1000" b="0" dirty="0" err="1">
+                <a:solidFill>
+                  <a:srgbClr val="000000"/>
+                </a:solidFill>
+                <a:effectLst/>
+                <a:latin typeface="Courier New" panose="02070309020205020404" pitchFamily="49" charset="0"/>
+              </a:rPr>
+              <a:t>agent.memory</a:t>
+            </a:r>
+            <a:r>
+              <a:rPr lang="en-GB" sz="1000" b="0" dirty="0">
+                <a:solidFill>
+                  <a:srgbClr val="000000"/>
+                </a:solidFill>
+                <a:effectLst/>
+                <a:latin typeface="Courier New" panose="02070309020205020404" pitchFamily="49" charset="0"/>
+              </a:rPr>
+              <a:t>) &gt;= </a:t>
+            </a:r>
+            <a:r>
+              <a:rPr lang="en-GB" sz="1000" b="0" dirty="0" err="1">
+                <a:solidFill>
+                  <a:srgbClr val="000000"/>
+                </a:solidFill>
+                <a:effectLst/>
+                <a:latin typeface="Courier New" panose="02070309020205020404" pitchFamily="49" charset="0"/>
+              </a:rPr>
+              <a:t>batch_size</a:t>
+            </a:r>
+            <a:r>
+              <a:rPr lang="en-GB" sz="1000" b="0" dirty="0">
+                <a:solidFill>
+                  <a:srgbClr val="000000"/>
+                </a:solidFill>
+                <a:effectLst/>
+                <a:latin typeface="Courier New" panose="02070309020205020404" pitchFamily="49" charset="0"/>
+              </a:rPr>
+              <a:t>:</a:t>
+            </a:r>
+          </a:p>
+          <a:p>
+            <a:pPr lvl="1" algn="l" defTabSz="457200">
               <a:lnSpc>
                 <a:spcPct val="100000"/>
               </a:lnSpc>
@@ -10580,7 +11047,7 @@
                 <a:sym typeface="IBM Plex Sans"/>
               </a:defRPr>
             </a:pPr>
-            <a:endParaRPr b="1" dirty="0"/>
+            <a:endParaRPr sz="1000" b="1" dirty="0"/>
           </a:p>
           <a:p>
             <a:pPr algn="l" defTabSz="457200">
@@ -10595,6 +11062,85 @@
               </a:defRPr>
             </a:pPr>
             <a:endParaRPr b="1" dirty="0"/>
+          </a:p>
+        </p:txBody>
+      </p:sp>
+      <p:sp>
+        <p:nvSpPr>
+          <p:cNvPr id="3" name="TextBox 2">
+            <a:extLst>
+              <a:ext uri="{FF2B5EF4-FFF2-40B4-BE49-F238E27FC236}">
+                <a16:creationId xmlns:a16="http://schemas.microsoft.com/office/drawing/2014/main" id="{8500EEA6-01E7-2DA4-8855-C9612235634B}"/>
+              </a:ext>
+            </a:extLst>
+          </p:cNvPr>
+          <p:cNvSpPr txBox="1"/>
+          <p:nvPr/>
+        </p:nvSpPr>
+        <p:spPr>
+          <a:xfrm>
+            <a:off x="3559564" y="1232807"/>
+            <a:ext cx="65" cy="161583"/>
+          </a:xfrm>
+          <a:prstGeom prst="rect">
+            <a:avLst/>
+          </a:prstGeom>
+          <a:noFill/>
+          <a:ln w="12700" cap="flat">
+            <a:noFill/>
+            <a:miter lim="400000"/>
+          </a:ln>
+          <a:effectLst/>
+          <a:sp3d/>
+        </p:spPr>
+        <p:style>
+          <a:lnRef idx="0">
+            <a:scrgbClr r="0" g="0" b="0"/>
+          </a:lnRef>
+          <a:fillRef idx="0">
+            <a:scrgbClr r="0" g="0" b="0"/>
+          </a:fillRef>
+          <a:effectRef idx="0">
+            <a:scrgbClr r="0" g="0" b="0"/>
+          </a:effectRef>
+          <a:fontRef idx="none"/>
+        </p:style>
+        <p:txBody>
+          <a:bodyPr rot="0" spcFirstLastPara="1" vertOverflow="overflow" horzOverflow="overflow" vert="horz" wrap="none" lIns="0" tIns="0" rIns="0" bIns="0" numCol="1" spcCol="38100" rtlCol="0" anchor="t">
+            <a:spAutoFit/>
+          </a:bodyPr>
+          <a:lstStyle/>
+          <a:p>
+            <a:pPr marL="0" marR="0" indent="0" algn="r" defTabSz="914400" rtl="0" fontAlgn="auto" latinLnBrk="0" hangingPunct="0">
+              <a:lnSpc>
+                <a:spcPct val="150000"/>
+              </a:lnSpc>
+              <a:spcBef>
+                <a:spcPts val="0"/>
+              </a:spcBef>
+              <a:spcAft>
+                <a:spcPts val="0"/>
+              </a:spcAft>
+              <a:buClrTx/>
+              <a:buSzTx/>
+              <a:buFontTx/>
+              <a:buNone/>
+              <a:tabLst/>
+            </a:pPr>
+            <a:endParaRPr kumimoji="0" lang="en-DK" sz="700" b="0" i="0" u="none" strike="noStrike" cap="none" spc="0" normalizeH="0" baseline="0">
+              <a:ln>
+                <a:noFill/>
+              </a:ln>
+              <a:solidFill>
+                <a:srgbClr val="535353"/>
+              </a:solidFill>
+              <a:effectLst/>
+              <a:uFillTx/>
+              <a:latin typeface="Space Mono"/>
+              <a:ea typeface="Space Mono"/>
+              <a:cs typeface="Space Mono"/>
+              <a:sym typeface="Space Mono"/>
+            </a:endParaRPr>
           </a:p>
         </p:txBody>
       </p:sp>

--- a/dlgs.pptx
+++ b/dlgs.pptx
@@ -492,6 +492,72 @@
     </a:lvl9pPr>
   </p:notesStyle>
 </p:notesMaster>
+</file>
+
+<file path=ppt/notesSlides/notesSlide1.xml><?xml version="1.0" encoding="utf-8"?>
+<p:notes xmlns:a="http://schemas.openxmlformats.org/drawingml/2006/main" xmlns:r="http://schemas.openxmlformats.org/officeDocument/2006/relationships" xmlns:p="http://schemas.openxmlformats.org/presentationml/2006/main">
+  <p:cSld>
+    <p:spTree>
+      <p:nvGrpSpPr>
+        <p:cNvPr id="1" name=""/>
+        <p:cNvGrpSpPr/>
+        <p:nvPr/>
+      </p:nvGrpSpPr>
+      <p:grpSpPr>
+        <a:xfrm>
+          <a:off x="0" y="0"/>
+          <a:ext cx="0" cy="0"/>
+          <a:chOff x="0" y="0"/>
+          <a:chExt cx="0" cy="0"/>
+        </a:xfrm>
+      </p:grpSpPr>
+      <p:sp>
+        <p:nvSpPr>
+          <p:cNvPr id="2" name="Slide Image Placeholder 1"/>
+          <p:cNvSpPr>
+            <a:spLocks noGrp="1" noRot="1" noChangeAspect="1"/>
+          </p:cNvSpPr>
+          <p:nvPr>
+            <p:ph type="sldImg"/>
+          </p:nvPr>
+        </p:nvSpPr>
+        <p:spPr>
+          <a:xfrm>
+            <a:off x="381000" y="685800"/>
+            <a:ext cx="6096000" cy="3429000"/>
+          </a:xfrm>
+        </p:spPr>
+      </p:sp>
+      <p:sp>
+        <p:nvSpPr>
+          <p:cNvPr id="3" name="Notes Placeholder 2"/>
+          <p:cNvSpPr>
+            <a:spLocks noGrp="1"/>
+          </p:cNvSpPr>
+          <p:nvPr>
+            <p:ph type="body" idx="1"/>
+          </p:nvPr>
+        </p:nvSpPr>
+        <p:spPr/>
+        <p:txBody>
+          <a:bodyPr/>
+          <a:lstStyle/>
+          <a:p>
+            <a:endParaRPr lang="en-DK" dirty="0"/>
+          </a:p>
+        </p:txBody>
+      </p:sp>
+    </p:spTree>
+    <p:extLst>
+      <p:ext uri="{BB962C8B-B14F-4D97-AF65-F5344CB8AC3E}">
+        <p14:creationId xmlns:p14="http://schemas.microsoft.com/office/powerpoint/2010/main" val="1999519674"/>
+      </p:ext>
+    </p:extLst>
+  </p:cSld>
+  <p:clrMapOvr>
+    <a:masterClrMapping/>
+  </p:clrMapOvr>
+</p:notes>
 </file>
 
 <file path=ppt/slideLayouts/slideLayout1.xml><?xml version="1.0" encoding="utf-8"?>
@@ -9422,7 +9488,7 @@
             </a:r>
             <a:r>
               <a:rPr lang="da-DK" dirty="0"/>
-              <a:t>Model (Neural)</a:t>
+              <a:t>Model (NN)</a:t>
             </a:r>
           </a:p>
           <a:p>
@@ -9524,7 +9590,7 @@
         <p:spPr>
           <a:xfrm>
             <a:off x="3102429" y="798839"/>
-            <a:ext cx="5711971" cy="4647426"/>
+            <a:ext cx="5711971" cy="4801314"/>
           </a:xfrm>
           <a:prstGeom prst="rect">
             <a:avLst/>
@@ -10071,6 +10137,38 @@
               </a:rPr>
               <a:t>	target=</a:t>
             </a:r>
+          </a:p>
+          <a:p>
+            <a:pPr lvl="2" algn="l">
+              <a:lnSpc>
+                <a:spcPct val="100000"/>
+              </a:lnSpc>
+              <a:defRPr sz="1400">
+                <a:solidFill>
+                  <a:srgbClr val="000000"/>
+                </a:solidFill>
+                <a:latin typeface="Helvetica"/>
+                <a:ea typeface="Helvetica"/>
+                <a:cs typeface="Helvetica"/>
+                <a:sym typeface="Helvetica"/>
+              </a:defRPr>
+            </a:pPr>
+            <a:r>
+              <a:rPr lang="en-GB" sz="1000" dirty="0">
+                <a:solidFill>
+                  <a:srgbClr val="008000"/>
+                </a:solidFill>
+                <a:latin typeface="Courier New" panose="02070309020205020404" pitchFamily="49" charset="0"/>
+              </a:rPr>
+              <a:t>	predicted=</a:t>
+            </a:r>
+            <a:endParaRPr lang="en-GB" sz="1000" b="0" dirty="0">
+              <a:solidFill>
+                <a:srgbClr val="008000"/>
+              </a:solidFill>
+              <a:effectLst/>
+              <a:latin typeface="Courier New" panose="02070309020205020404" pitchFamily="49" charset="0"/>
+            </a:endParaRPr>
           </a:p>
           <a:p>
             <a:pPr lvl="2" algn="l">
@@ -11062,85 +11160,6 @@
               </a:defRPr>
             </a:pPr>
             <a:endParaRPr b="1" dirty="0"/>
-          </a:p>
-        </p:txBody>
-      </p:sp>
-      <p:sp>
-        <p:nvSpPr>
-          <p:cNvPr id="3" name="TextBox 2">
-            <a:extLst>
-              <a:ext uri="{FF2B5EF4-FFF2-40B4-BE49-F238E27FC236}">
-                <a16:creationId xmlns:a16="http://schemas.microsoft.com/office/drawing/2014/main" id="{8500EEA6-01E7-2DA4-8855-C9612235634B}"/>
-              </a:ext>
-            </a:extLst>
-          </p:cNvPr>
-          <p:cNvSpPr txBox="1"/>
-          <p:nvPr/>
-        </p:nvSpPr>
-        <p:spPr>
-          <a:xfrm>
-            <a:off x="3559564" y="1232807"/>
-            <a:ext cx="65" cy="161583"/>
-          </a:xfrm>
-          <a:prstGeom prst="rect">
-            <a:avLst/>
-          </a:prstGeom>
-          <a:noFill/>
-          <a:ln w="12700" cap="flat">
-            <a:noFill/>
-            <a:miter lim="400000"/>
-          </a:ln>
-          <a:effectLst/>
-          <a:sp3d/>
-        </p:spPr>
-        <p:style>
-          <a:lnRef idx="0">
-            <a:scrgbClr r="0" g="0" b="0"/>
-          </a:lnRef>
-          <a:fillRef idx="0">
-            <a:scrgbClr r="0" g="0" b="0"/>
-          </a:fillRef>
-          <a:effectRef idx="0">
-            <a:scrgbClr r="0" g="0" b="0"/>
-          </a:effectRef>
-          <a:fontRef idx="none"/>
-        </p:style>
-        <p:txBody>
-          <a:bodyPr rot="0" spcFirstLastPara="1" vertOverflow="overflow" horzOverflow="overflow" vert="horz" wrap="none" lIns="0" tIns="0" rIns="0" bIns="0" numCol="1" spcCol="38100" rtlCol="0" anchor="t">
-            <a:spAutoFit/>
-          </a:bodyPr>
-          <a:lstStyle/>
-          <a:p>
-            <a:pPr marL="0" marR="0" indent="0" algn="r" defTabSz="914400" rtl="0" fontAlgn="auto" latinLnBrk="0" hangingPunct="0">
-              <a:lnSpc>
-                <a:spcPct val="150000"/>
-              </a:lnSpc>
-              <a:spcBef>
-                <a:spcPts val="0"/>
-              </a:spcBef>
-              <a:spcAft>
-                <a:spcPts val="0"/>
-              </a:spcAft>
-              <a:buClrTx/>
-              <a:buSzTx/>
-              <a:buFontTx/>
-              <a:buNone/>
-              <a:tabLst/>
-            </a:pPr>
-            <a:endParaRPr kumimoji="0" lang="en-DK" sz="700" b="0" i="0" u="none" strike="noStrike" cap="none" spc="0" normalizeH="0" baseline="0">
-              <a:ln>
-                <a:noFill/>
-              </a:ln>
-              <a:solidFill>
-                <a:srgbClr val="535353"/>
-              </a:solidFill>
-              <a:effectLst/>
-              <a:uFillTx/>
-              <a:latin typeface="Space Mono"/>
-              <a:ea typeface="Space Mono"/>
-              <a:cs typeface="Space Mono"/>
-              <a:sym typeface="Space Mono"/>
-            </a:endParaRPr>
           </a:p>
         </p:txBody>
       </p:sp>

--- a/dlgs.pptx
+++ b/dlgs.pptx
@@ -5,7 +5,7 @@
     <p:sldMasterId id="2147483648" r:id="rId1"/>
   </p:sldMasterIdLst>
   <p:notesMasterIdLst>
-    <p:notesMasterId r:id="rId28"/>
+    <p:notesMasterId r:id="rId32"/>
   </p:notesMasterIdLst>
   <p:sldIdLst>
     <p:sldId id="256" r:id="rId2"/>
@@ -34,6 +34,10 @@
     <p:sldId id="281" r:id="rId25"/>
     <p:sldId id="282" r:id="rId26"/>
     <p:sldId id="280" r:id="rId27"/>
+    <p:sldId id="284" r:id="rId28"/>
+    <p:sldId id="283" r:id="rId29"/>
+    <p:sldId id="286" r:id="rId30"/>
+    <p:sldId id="285" r:id="rId31"/>
   </p:sldIdLst>
   <p:sldSz cx="9144000" cy="5143500" type="screen16x9"/>
   <p:notesSz cx="6858000" cy="9144000"/>
@@ -335,6 +339,11 @@
       </a:defRPr>
     </a:lvl9pPr>
   </p:defaultTextStyle>
+  <p:extLst>
+    <p:ext uri="{EFAFB233-063F-42B5-8137-9DF3F51BA10A}">
+      <p15:sldGuideLst xmlns:p15="http://schemas.microsoft.com/office/powerpoint/2012/main"/>
+    </p:ext>
+  </p:extLst>
 </p:presentation>
 </file>
 
@@ -2140,7 +2149,7 @@
           </a:ln>
           <a:extLst>
             <a:ext uri="{C572A759-6A51-4108-AA02-DFA0A04FC94B}">
-              <ma14:wrappingTextBoxFlag xmlns:ma14="http://schemas.microsoft.com/office/mac/drawingml/2011/main" xmlns:a14="http://schemas.microsoft.com/office/drawing/2010/main" xmlns:m="http://schemas.openxmlformats.org/officeDocument/2006/math" xmlns="" val="1"/>
+              <ma14:wrappingTextBoxFlag xmlns="" xmlns:m="http://schemas.openxmlformats.org/officeDocument/2006/math" xmlns:a14="http://schemas.microsoft.com/office/drawing/2010/main" xmlns:ma14="http://schemas.microsoft.com/office/mac/drawingml/2011/main" val="1"/>
             </a:ext>
           </a:extLst>
         </p:spPr>
@@ -2179,7 +2188,7 @@
           </a:ln>
           <a:extLst>
             <a:ext uri="{C572A759-6A51-4108-AA02-DFA0A04FC94B}">
-              <ma14:wrappingTextBoxFlag xmlns:ma14="http://schemas.microsoft.com/office/mac/drawingml/2011/main" xmlns:a14="http://schemas.microsoft.com/office/drawing/2010/main" xmlns:m="http://schemas.openxmlformats.org/officeDocument/2006/math" xmlns="" val="1"/>
+              <ma14:wrappingTextBoxFlag xmlns="" xmlns:m="http://schemas.openxmlformats.org/officeDocument/2006/math" xmlns:a14="http://schemas.microsoft.com/office/drawing/2010/main" xmlns:ma14="http://schemas.microsoft.com/office/mac/drawingml/2011/main" val="1"/>
             </a:ext>
           </a:extLst>
         </p:spPr>
@@ -3141,7 +3150,7 @@
           </a:ln>
           <a:extLst>
             <a:ext uri="{C572A759-6A51-4108-AA02-DFA0A04FC94B}">
-              <ma14:wrappingTextBoxFlag xmlns:ma14="http://schemas.microsoft.com/office/mac/drawingml/2011/main" xmlns:a14="http://schemas.microsoft.com/office/drawing/2010/main" xmlns:m="http://schemas.openxmlformats.org/officeDocument/2006/math" xmlns="" val="1"/>
+              <ma14:wrappingTextBoxFlag xmlns="" xmlns:m="http://schemas.openxmlformats.org/officeDocument/2006/math" xmlns:a14="http://schemas.microsoft.com/office/drawing/2010/main" xmlns:ma14="http://schemas.microsoft.com/office/mac/drawingml/2011/main" val="1"/>
             </a:ext>
           </a:extLst>
         </p:spPr>
@@ -3176,7 +3185,7 @@
           </a:ln>
           <a:extLst>
             <a:ext uri="{C572A759-6A51-4108-AA02-DFA0A04FC94B}">
-              <ma14:wrappingTextBoxFlag xmlns:ma14="http://schemas.microsoft.com/office/mac/drawingml/2011/main" xmlns:a14="http://schemas.microsoft.com/office/drawing/2010/main" xmlns:m="http://schemas.openxmlformats.org/officeDocument/2006/math" xmlns="" val="1"/>
+              <ma14:wrappingTextBoxFlag xmlns="" xmlns:m="http://schemas.openxmlformats.org/officeDocument/2006/math" xmlns:a14="http://schemas.microsoft.com/office/drawing/2010/main" xmlns:ma14="http://schemas.microsoft.com/office/mac/drawingml/2011/main" val="1"/>
             </a:ext>
           </a:extLst>
         </p:spPr>
@@ -3211,7 +3220,7 @@
           </a:ln>
           <a:extLst>
             <a:ext uri="{C572A759-6A51-4108-AA02-DFA0A04FC94B}">
-              <ma14:wrappingTextBoxFlag xmlns:ma14="http://schemas.microsoft.com/office/mac/drawingml/2011/main" xmlns:a14="http://schemas.microsoft.com/office/drawing/2010/main" xmlns:m="http://schemas.openxmlformats.org/officeDocument/2006/math" xmlns="" val="1"/>
+              <ma14:wrappingTextBoxFlag xmlns="" xmlns:m="http://schemas.openxmlformats.org/officeDocument/2006/math" xmlns:a14="http://schemas.microsoft.com/office/drawing/2010/main" xmlns:ma14="http://schemas.microsoft.com/office/mac/drawingml/2011/main" val="1"/>
             </a:ext>
           </a:extLst>
         </p:spPr>
@@ -3382,7 +3391,7 @@
           </a:ln>
           <a:extLst>
             <a:ext uri="{C572A759-6A51-4108-AA02-DFA0A04FC94B}">
-              <ma14:wrappingTextBoxFlag xmlns:ma14="http://schemas.microsoft.com/office/mac/drawingml/2011/main" xmlns:a14="http://schemas.microsoft.com/office/drawing/2010/main" xmlns:m="http://schemas.openxmlformats.org/officeDocument/2006/math" xmlns="" val="1"/>
+              <ma14:wrappingTextBoxFlag xmlns="" xmlns:m="http://schemas.openxmlformats.org/officeDocument/2006/math" xmlns:a14="http://schemas.microsoft.com/office/drawing/2010/main" xmlns:ma14="http://schemas.microsoft.com/office/mac/drawingml/2011/main" val="1"/>
             </a:ext>
           </a:extLst>
         </p:spPr>
@@ -3486,7 +3495,7 @@
           </a:ln>
           <a:extLst>
             <a:ext uri="{C572A759-6A51-4108-AA02-DFA0A04FC94B}">
-              <ma14:wrappingTextBoxFlag xmlns:ma14="http://schemas.microsoft.com/office/mac/drawingml/2011/main" xmlns:a14="http://schemas.microsoft.com/office/drawing/2010/main" xmlns:m="http://schemas.openxmlformats.org/officeDocument/2006/math" xmlns="" val="1"/>
+              <ma14:wrappingTextBoxFlag xmlns="" xmlns:m="http://schemas.openxmlformats.org/officeDocument/2006/math" xmlns:a14="http://schemas.microsoft.com/office/drawing/2010/main" xmlns:ma14="http://schemas.microsoft.com/office/mac/drawingml/2011/main" val="1"/>
             </a:ext>
           </a:extLst>
         </p:spPr>
@@ -3521,7 +3530,7 @@
           </a:ln>
           <a:extLst>
             <a:ext uri="{C572A759-6A51-4108-AA02-DFA0A04FC94B}">
-              <ma14:wrappingTextBoxFlag xmlns:ma14="http://schemas.microsoft.com/office/mac/drawingml/2011/main" xmlns:a14="http://schemas.microsoft.com/office/drawing/2010/main" xmlns:m="http://schemas.openxmlformats.org/officeDocument/2006/math" xmlns="" val="1"/>
+              <ma14:wrappingTextBoxFlag xmlns="" xmlns:m="http://schemas.openxmlformats.org/officeDocument/2006/math" xmlns:a14="http://schemas.microsoft.com/office/drawing/2010/main" xmlns:ma14="http://schemas.microsoft.com/office/mac/drawingml/2011/main" val="1"/>
             </a:ext>
           </a:extLst>
         </p:spPr>
@@ -3632,7 +3641,7 @@
           </a:ln>
           <a:extLst>
             <a:ext uri="{C572A759-6A51-4108-AA02-DFA0A04FC94B}">
-              <ma14:wrappingTextBoxFlag xmlns:ma14="http://schemas.microsoft.com/office/mac/drawingml/2011/main" xmlns:a14="http://schemas.microsoft.com/office/drawing/2010/main" xmlns:m="http://schemas.openxmlformats.org/officeDocument/2006/math" xmlns="" val="1"/>
+              <ma14:wrappingTextBoxFlag xmlns="" xmlns:m="http://schemas.openxmlformats.org/officeDocument/2006/math" xmlns:a14="http://schemas.microsoft.com/office/drawing/2010/main" xmlns:ma14="http://schemas.microsoft.com/office/mac/drawingml/2011/main" val="1"/>
             </a:ext>
           </a:extLst>
         </p:spPr>
@@ -3667,7 +3676,7 @@
           </a:ln>
           <a:extLst>
             <a:ext uri="{C572A759-6A51-4108-AA02-DFA0A04FC94B}">
-              <ma14:wrappingTextBoxFlag xmlns:ma14="http://schemas.microsoft.com/office/mac/drawingml/2011/main" xmlns:a14="http://schemas.microsoft.com/office/drawing/2010/main" xmlns:m="http://schemas.openxmlformats.org/officeDocument/2006/math" xmlns="" val="1"/>
+              <ma14:wrappingTextBoxFlag xmlns="" xmlns:m="http://schemas.openxmlformats.org/officeDocument/2006/math" xmlns:a14="http://schemas.microsoft.com/office/drawing/2010/main" xmlns:ma14="http://schemas.microsoft.com/office/mac/drawingml/2011/main" val="1"/>
             </a:ext>
           </a:extLst>
         </p:spPr>
@@ -3702,7 +3711,7 @@
           </a:ln>
           <a:extLst>
             <a:ext uri="{C572A759-6A51-4108-AA02-DFA0A04FC94B}">
-              <ma14:wrappingTextBoxFlag xmlns:ma14="http://schemas.microsoft.com/office/mac/drawingml/2011/main" xmlns:a14="http://schemas.microsoft.com/office/drawing/2010/main" xmlns:m="http://schemas.openxmlformats.org/officeDocument/2006/math" xmlns="" val="1"/>
+              <ma14:wrappingTextBoxFlag xmlns="" xmlns:m="http://schemas.openxmlformats.org/officeDocument/2006/math" xmlns:a14="http://schemas.microsoft.com/office/drawing/2010/main" xmlns:ma14="http://schemas.microsoft.com/office/mac/drawingml/2011/main" val="1"/>
             </a:ext>
           </a:extLst>
         </p:spPr>
@@ -3745,7 +3754,7 @@
           </a:ln>
           <a:extLst>
             <a:ext uri="{C572A759-6A51-4108-AA02-DFA0A04FC94B}">
-              <ma14:wrappingTextBoxFlag xmlns:ma14="http://schemas.microsoft.com/office/mac/drawingml/2011/main" xmlns:a14="http://schemas.microsoft.com/office/drawing/2010/main" xmlns:m="http://schemas.openxmlformats.org/officeDocument/2006/math" xmlns="" val="1"/>
+              <ma14:wrappingTextBoxFlag xmlns="" xmlns:m="http://schemas.openxmlformats.org/officeDocument/2006/math" xmlns:a14="http://schemas.microsoft.com/office/drawing/2010/main" xmlns:ma14="http://schemas.microsoft.com/office/mac/drawingml/2011/main" val="1"/>
             </a:ext>
           </a:extLst>
         </p:spPr>
@@ -3795,7 +3804,7 @@
           </a:ln>
           <a:extLst>
             <a:ext uri="{C572A759-6A51-4108-AA02-DFA0A04FC94B}">
-              <ma14:wrappingTextBoxFlag xmlns:ma14="http://schemas.microsoft.com/office/mac/drawingml/2011/main" xmlns:a14="http://schemas.microsoft.com/office/drawing/2010/main" xmlns:m="http://schemas.openxmlformats.org/officeDocument/2006/math" xmlns="" val="1"/>
+              <ma14:wrappingTextBoxFlag xmlns="" xmlns:m="http://schemas.openxmlformats.org/officeDocument/2006/math" xmlns:a14="http://schemas.microsoft.com/office/drawing/2010/main" xmlns:ma14="http://schemas.microsoft.com/office/mac/drawingml/2011/main" val="1"/>
             </a:ext>
           </a:extLst>
         </p:spPr>
@@ -3838,7 +3847,7 @@
           </a:ln>
           <a:extLst>
             <a:ext uri="{C572A759-6A51-4108-AA02-DFA0A04FC94B}">
-              <ma14:wrappingTextBoxFlag xmlns:ma14="http://schemas.microsoft.com/office/mac/drawingml/2011/main" xmlns:a14="http://schemas.microsoft.com/office/drawing/2010/main" xmlns:m="http://schemas.openxmlformats.org/officeDocument/2006/math" xmlns="" val="1"/>
+              <ma14:wrappingTextBoxFlag xmlns="" xmlns:m="http://schemas.openxmlformats.org/officeDocument/2006/math" xmlns:a14="http://schemas.microsoft.com/office/drawing/2010/main" xmlns:ma14="http://schemas.microsoft.com/office/mac/drawingml/2011/main" val="1"/>
             </a:ext>
           </a:extLst>
         </p:spPr>
@@ -3888,7 +3897,7 @@
           </a:ln>
           <a:extLst>
             <a:ext uri="{C572A759-6A51-4108-AA02-DFA0A04FC94B}">
-              <ma14:wrappingTextBoxFlag xmlns:ma14="http://schemas.microsoft.com/office/mac/drawingml/2011/main" xmlns:a14="http://schemas.microsoft.com/office/drawing/2010/main" xmlns:m="http://schemas.openxmlformats.org/officeDocument/2006/math" xmlns="" val="1"/>
+              <ma14:wrappingTextBoxFlag xmlns="" xmlns:m="http://schemas.openxmlformats.org/officeDocument/2006/math" xmlns:a14="http://schemas.microsoft.com/office/drawing/2010/main" xmlns:ma14="http://schemas.microsoft.com/office/mac/drawingml/2011/main" val="1"/>
             </a:ext>
           </a:extLst>
         </p:spPr>
@@ -3931,7 +3940,7 @@
           </a:ln>
           <a:extLst>
             <a:ext uri="{C572A759-6A51-4108-AA02-DFA0A04FC94B}">
-              <ma14:wrappingTextBoxFlag xmlns:ma14="http://schemas.microsoft.com/office/mac/drawingml/2011/main" xmlns:a14="http://schemas.microsoft.com/office/drawing/2010/main" xmlns:m="http://schemas.openxmlformats.org/officeDocument/2006/math" xmlns="" val="1"/>
+              <ma14:wrappingTextBoxFlag xmlns="" xmlns:m="http://schemas.openxmlformats.org/officeDocument/2006/math" xmlns:a14="http://schemas.microsoft.com/office/drawing/2010/main" xmlns:ma14="http://schemas.microsoft.com/office/mac/drawingml/2011/main" val="1"/>
             </a:ext>
           </a:extLst>
         </p:spPr>
@@ -4062,7 +4071,7 @@
           </a:ln>
           <a:extLst>
             <a:ext uri="{C572A759-6A51-4108-AA02-DFA0A04FC94B}">
-              <ma14:wrappingTextBoxFlag xmlns:ma14="http://schemas.microsoft.com/office/mac/drawingml/2011/main" xmlns:a14="http://schemas.microsoft.com/office/drawing/2010/main" xmlns:m="http://schemas.openxmlformats.org/officeDocument/2006/math" xmlns="" val="1"/>
+              <ma14:wrappingTextBoxFlag xmlns="" xmlns:m="http://schemas.openxmlformats.org/officeDocument/2006/math" xmlns:a14="http://schemas.microsoft.com/office/drawing/2010/main" xmlns:ma14="http://schemas.microsoft.com/office/mac/drawingml/2011/main" val="1"/>
             </a:ext>
           </a:extLst>
         </p:spPr>
@@ -4097,7 +4106,7 @@
           </a:ln>
           <a:extLst>
             <a:ext uri="{C572A759-6A51-4108-AA02-DFA0A04FC94B}">
-              <ma14:wrappingTextBoxFlag xmlns:ma14="http://schemas.microsoft.com/office/mac/drawingml/2011/main" xmlns:a14="http://schemas.microsoft.com/office/drawing/2010/main" xmlns:m="http://schemas.openxmlformats.org/officeDocument/2006/math" xmlns="" val="1"/>
+              <ma14:wrappingTextBoxFlag xmlns="" xmlns:m="http://schemas.openxmlformats.org/officeDocument/2006/math" xmlns:a14="http://schemas.microsoft.com/office/drawing/2010/main" xmlns:ma14="http://schemas.microsoft.com/office/mac/drawingml/2011/main" val="1"/>
             </a:ext>
           </a:extLst>
         </p:spPr>
@@ -4132,7 +4141,7 @@
           </a:ln>
           <a:extLst>
             <a:ext uri="{C572A759-6A51-4108-AA02-DFA0A04FC94B}">
-              <ma14:wrappingTextBoxFlag xmlns:ma14="http://schemas.microsoft.com/office/mac/drawingml/2011/main" xmlns:a14="http://schemas.microsoft.com/office/drawing/2010/main" xmlns:m="http://schemas.openxmlformats.org/officeDocument/2006/math" xmlns="" val="1"/>
+              <ma14:wrappingTextBoxFlag xmlns="" xmlns:m="http://schemas.openxmlformats.org/officeDocument/2006/math" xmlns:a14="http://schemas.microsoft.com/office/drawing/2010/main" xmlns:ma14="http://schemas.microsoft.com/office/mac/drawingml/2011/main" val="1"/>
             </a:ext>
           </a:extLst>
         </p:spPr>
@@ -4205,7 +4214,7 @@
           </a:ln>
           <a:extLst>
             <a:ext uri="{C572A759-6A51-4108-AA02-DFA0A04FC94B}">
-              <ma14:wrappingTextBoxFlag xmlns:ma14="http://schemas.microsoft.com/office/mac/drawingml/2011/main" xmlns:a14="http://schemas.microsoft.com/office/drawing/2010/main" xmlns:m="http://schemas.openxmlformats.org/officeDocument/2006/math" xmlns="" val="1"/>
+              <ma14:wrappingTextBoxFlag xmlns="" xmlns:m="http://schemas.openxmlformats.org/officeDocument/2006/math" xmlns:a14="http://schemas.microsoft.com/office/drawing/2010/main" xmlns:ma14="http://schemas.microsoft.com/office/mac/drawingml/2011/main" val="1"/>
             </a:ext>
           </a:extLst>
         </p:spPr>
@@ -4326,7 +4335,7 @@
           </a:ln>
           <a:extLst>
             <a:ext uri="{C572A759-6A51-4108-AA02-DFA0A04FC94B}">
-              <ma14:wrappingTextBoxFlag xmlns:ma14="http://schemas.microsoft.com/office/mac/drawingml/2011/main" xmlns:a14="http://schemas.microsoft.com/office/drawing/2010/main" xmlns:m="http://schemas.openxmlformats.org/officeDocument/2006/math" xmlns="" val="1"/>
+              <ma14:wrappingTextBoxFlag xmlns="" xmlns:m="http://schemas.openxmlformats.org/officeDocument/2006/math" xmlns:a14="http://schemas.microsoft.com/office/drawing/2010/main" xmlns:ma14="http://schemas.microsoft.com/office/mac/drawingml/2011/main" val="1"/>
             </a:ext>
           </a:extLst>
         </p:spPr>
@@ -4361,7 +4370,7 @@
           </a:ln>
           <a:extLst>
             <a:ext uri="{C572A759-6A51-4108-AA02-DFA0A04FC94B}">
-              <ma14:wrappingTextBoxFlag xmlns:ma14="http://schemas.microsoft.com/office/mac/drawingml/2011/main" xmlns:a14="http://schemas.microsoft.com/office/drawing/2010/main" xmlns:m="http://schemas.openxmlformats.org/officeDocument/2006/math" xmlns="" val="1"/>
+              <ma14:wrappingTextBoxFlag xmlns="" xmlns:m="http://schemas.openxmlformats.org/officeDocument/2006/math" xmlns:a14="http://schemas.microsoft.com/office/drawing/2010/main" xmlns:ma14="http://schemas.microsoft.com/office/mac/drawingml/2011/main" val="1"/>
             </a:ext>
           </a:extLst>
         </p:spPr>
@@ -4423,7 +4432,7 @@
           </a:ln>
           <a:extLst>
             <a:ext uri="{C572A759-6A51-4108-AA02-DFA0A04FC94B}">
-              <ma14:wrappingTextBoxFlag xmlns:ma14="http://schemas.microsoft.com/office/mac/drawingml/2011/main" xmlns:a14="http://schemas.microsoft.com/office/drawing/2010/main" xmlns:m="http://schemas.openxmlformats.org/officeDocument/2006/math" xmlns="" val="1"/>
+              <ma14:wrappingTextBoxFlag xmlns="" xmlns:m="http://schemas.openxmlformats.org/officeDocument/2006/math" xmlns:a14="http://schemas.microsoft.com/office/drawing/2010/main" xmlns:ma14="http://schemas.microsoft.com/office/mac/drawingml/2011/main" val="1"/>
             </a:ext>
           </a:extLst>
         </p:spPr>
@@ -4479,7 +4488,7 @@
           </a:ln>
           <a:extLst>
             <a:ext uri="{C572A759-6A51-4108-AA02-DFA0A04FC94B}">
-              <ma14:wrappingTextBoxFlag xmlns:ma14="http://schemas.microsoft.com/office/mac/drawingml/2011/main" xmlns:a14="http://schemas.microsoft.com/office/drawing/2010/main" xmlns:m="http://schemas.openxmlformats.org/officeDocument/2006/math" xmlns="" val="1"/>
+              <ma14:wrappingTextBoxFlag xmlns="" xmlns:m="http://schemas.openxmlformats.org/officeDocument/2006/math" xmlns:a14="http://schemas.microsoft.com/office/drawing/2010/main" xmlns:ma14="http://schemas.microsoft.com/office/mac/drawingml/2011/main" val="1"/>
             </a:ext>
           </a:extLst>
         </p:spPr>
@@ -4552,7 +4561,7 @@
           </a:ln>
           <a:extLst>
             <a:ext uri="{C572A759-6A51-4108-AA02-DFA0A04FC94B}">
-              <ma14:wrappingTextBoxFlag xmlns:ma14="http://schemas.microsoft.com/office/mac/drawingml/2011/main" xmlns:a14="http://schemas.microsoft.com/office/drawing/2010/main" xmlns:m="http://schemas.openxmlformats.org/officeDocument/2006/math" xmlns="" val="1"/>
+              <ma14:wrappingTextBoxFlag xmlns="" xmlns:m="http://schemas.openxmlformats.org/officeDocument/2006/math" xmlns:a14="http://schemas.microsoft.com/office/drawing/2010/main" xmlns:ma14="http://schemas.microsoft.com/office/mac/drawingml/2011/main" val="1"/>
             </a:ext>
           </a:extLst>
         </p:spPr>
@@ -4763,7 +4772,7 @@
           </a:ln>
           <a:extLst>
             <a:ext uri="{C572A759-6A51-4108-AA02-DFA0A04FC94B}">
-              <ma14:wrappingTextBoxFlag xmlns:ma14="http://schemas.microsoft.com/office/mac/drawingml/2011/main" xmlns:a14="http://schemas.microsoft.com/office/drawing/2010/main" xmlns:m="http://schemas.openxmlformats.org/officeDocument/2006/math" xmlns="" val="1"/>
+              <ma14:wrappingTextBoxFlag xmlns="" xmlns:m="http://schemas.openxmlformats.org/officeDocument/2006/math" xmlns:a14="http://schemas.microsoft.com/office/drawing/2010/main" xmlns:ma14="http://schemas.microsoft.com/office/mac/drawingml/2011/main" val="1"/>
             </a:ext>
           </a:extLst>
         </p:spPr>
@@ -4867,7 +4876,7 @@
           </a:ln>
           <a:extLst>
             <a:ext uri="{C572A759-6A51-4108-AA02-DFA0A04FC94B}">
-              <ma14:wrappingTextBoxFlag xmlns:ma14="http://schemas.microsoft.com/office/mac/drawingml/2011/main" xmlns:a14="http://schemas.microsoft.com/office/drawing/2010/main" xmlns:m="http://schemas.openxmlformats.org/officeDocument/2006/math" xmlns="" val="1"/>
+              <ma14:wrappingTextBoxFlag xmlns="" xmlns:m="http://schemas.openxmlformats.org/officeDocument/2006/math" xmlns:a14="http://schemas.microsoft.com/office/drawing/2010/main" xmlns:ma14="http://schemas.microsoft.com/office/mac/drawingml/2011/main" val="1"/>
             </a:ext>
           </a:extLst>
         </p:spPr>
@@ -4902,7 +4911,7 @@
           </a:ln>
           <a:extLst>
             <a:ext uri="{C572A759-6A51-4108-AA02-DFA0A04FC94B}">
-              <ma14:wrappingTextBoxFlag xmlns:ma14="http://schemas.microsoft.com/office/mac/drawingml/2011/main" xmlns:a14="http://schemas.microsoft.com/office/drawing/2010/main" xmlns:m="http://schemas.openxmlformats.org/officeDocument/2006/math" xmlns="" val="1"/>
+              <ma14:wrappingTextBoxFlag xmlns="" xmlns:m="http://schemas.openxmlformats.org/officeDocument/2006/math" xmlns:a14="http://schemas.microsoft.com/office/drawing/2010/main" xmlns:ma14="http://schemas.microsoft.com/office/mac/drawingml/2011/main" val="1"/>
             </a:ext>
           </a:extLst>
         </p:spPr>
@@ -5013,7 +5022,7 @@
           </a:ln>
           <a:extLst>
             <a:ext uri="{C572A759-6A51-4108-AA02-DFA0A04FC94B}">
-              <ma14:wrappingTextBoxFlag xmlns:ma14="http://schemas.microsoft.com/office/mac/drawingml/2011/main" xmlns:a14="http://schemas.microsoft.com/office/drawing/2010/main" xmlns:m="http://schemas.openxmlformats.org/officeDocument/2006/math" xmlns="" val="1"/>
+              <ma14:wrappingTextBoxFlag xmlns="" xmlns:m="http://schemas.openxmlformats.org/officeDocument/2006/math" xmlns:a14="http://schemas.microsoft.com/office/drawing/2010/main" xmlns:ma14="http://schemas.microsoft.com/office/mac/drawingml/2011/main" val="1"/>
             </a:ext>
           </a:extLst>
         </p:spPr>
@@ -5048,7 +5057,7 @@
           </a:ln>
           <a:extLst>
             <a:ext uri="{C572A759-6A51-4108-AA02-DFA0A04FC94B}">
-              <ma14:wrappingTextBoxFlag xmlns:ma14="http://schemas.microsoft.com/office/mac/drawingml/2011/main" xmlns:a14="http://schemas.microsoft.com/office/drawing/2010/main" xmlns:m="http://schemas.openxmlformats.org/officeDocument/2006/math" xmlns="" val="1"/>
+              <ma14:wrappingTextBoxFlag xmlns="" xmlns:m="http://schemas.openxmlformats.org/officeDocument/2006/math" xmlns:a14="http://schemas.microsoft.com/office/drawing/2010/main" xmlns:ma14="http://schemas.microsoft.com/office/mac/drawingml/2011/main" val="1"/>
             </a:ext>
           </a:extLst>
         </p:spPr>
@@ -5083,7 +5092,7 @@
           </a:ln>
           <a:extLst>
             <a:ext uri="{C572A759-6A51-4108-AA02-DFA0A04FC94B}">
-              <ma14:wrappingTextBoxFlag xmlns:ma14="http://schemas.microsoft.com/office/mac/drawingml/2011/main" xmlns:a14="http://schemas.microsoft.com/office/drawing/2010/main" xmlns:m="http://schemas.openxmlformats.org/officeDocument/2006/math" xmlns="" val="1"/>
+              <ma14:wrappingTextBoxFlag xmlns="" xmlns:m="http://schemas.openxmlformats.org/officeDocument/2006/math" xmlns:a14="http://schemas.microsoft.com/office/drawing/2010/main" xmlns:ma14="http://schemas.microsoft.com/office/mac/drawingml/2011/main" val="1"/>
             </a:ext>
           </a:extLst>
         </p:spPr>
@@ -5161,7 +5170,7 @@
           </a:ln>
           <a:extLst>
             <a:ext uri="{C572A759-6A51-4108-AA02-DFA0A04FC94B}">
-              <ma14:wrappingTextBoxFlag xmlns:ma14="http://schemas.microsoft.com/office/mac/drawingml/2011/main" xmlns:a14="http://schemas.microsoft.com/office/drawing/2010/main" xmlns:m="http://schemas.openxmlformats.org/officeDocument/2006/math" xmlns="" val="1"/>
+              <ma14:wrappingTextBoxFlag xmlns="" xmlns:m="http://schemas.openxmlformats.org/officeDocument/2006/math" xmlns:a14="http://schemas.microsoft.com/office/drawing/2010/main" xmlns:ma14="http://schemas.microsoft.com/office/mac/drawingml/2011/main" val="1"/>
             </a:ext>
           </a:extLst>
         </p:spPr>
@@ -5209,7 +5218,7 @@
           </a:ln>
           <a:extLst>
             <a:ext uri="{C572A759-6A51-4108-AA02-DFA0A04FC94B}">
-              <ma14:wrappingTextBoxFlag xmlns:ma14="http://schemas.microsoft.com/office/mac/drawingml/2011/main" xmlns:a14="http://schemas.microsoft.com/office/drawing/2010/main" xmlns:m="http://schemas.openxmlformats.org/officeDocument/2006/math" xmlns="" val="1"/>
+              <ma14:wrappingTextBoxFlag xmlns="" xmlns:m="http://schemas.openxmlformats.org/officeDocument/2006/math" xmlns:a14="http://schemas.microsoft.com/office/drawing/2010/main" xmlns:ma14="http://schemas.microsoft.com/office/mac/drawingml/2011/main" val="1"/>
             </a:ext>
           </a:extLst>
         </p:spPr>
@@ -5349,7 +5358,7 @@
           </a:ln>
           <a:extLst>
             <a:ext uri="{C572A759-6A51-4108-AA02-DFA0A04FC94B}">
-              <ma14:wrappingTextBoxFlag xmlns:ma14="http://schemas.microsoft.com/office/mac/drawingml/2011/main" xmlns:a14="http://schemas.microsoft.com/office/drawing/2010/main" xmlns:m="http://schemas.openxmlformats.org/officeDocument/2006/math" xmlns="" val="1"/>
+              <ma14:wrappingTextBoxFlag xmlns="" xmlns:m="http://schemas.openxmlformats.org/officeDocument/2006/math" xmlns:a14="http://schemas.microsoft.com/office/drawing/2010/main" xmlns:ma14="http://schemas.microsoft.com/office/mac/drawingml/2011/main" val="1"/>
             </a:ext>
           </a:extLst>
         </p:spPr>
@@ -5384,7 +5393,7 @@
           </a:ln>
           <a:extLst>
             <a:ext uri="{C572A759-6A51-4108-AA02-DFA0A04FC94B}">
-              <ma14:wrappingTextBoxFlag xmlns:ma14="http://schemas.microsoft.com/office/mac/drawingml/2011/main" xmlns:a14="http://schemas.microsoft.com/office/drawing/2010/main" xmlns:m="http://schemas.openxmlformats.org/officeDocument/2006/math" xmlns="" val="1"/>
+              <ma14:wrappingTextBoxFlag xmlns="" xmlns:m="http://schemas.openxmlformats.org/officeDocument/2006/math" xmlns:a14="http://schemas.microsoft.com/office/drawing/2010/main" xmlns:ma14="http://schemas.microsoft.com/office/mac/drawingml/2011/main" val="1"/>
             </a:ext>
           </a:extLst>
         </p:spPr>
@@ -5419,7 +5428,7 @@
           </a:ln>
           <a:extLst>
             <a:ext uri="{C572A759-6A51-4108-AA02-DFA0A04FC94B}">
-              <ma14:wrappingTextBoxFlag xmlns:ma14="http://schemas.microsoft.com/office/mac/drawingml/2011/main" xmlns:a14="http://schemas.microsoft.com/office/drawing/2010/main" xmlns:m="http://schemas.openxmlformats.org/officeDocument/2006/math" xmlns="" val="1"/>
+              <ma14:wrappingTextBoxFlag xmlns="" xmlns:m="http://schemas.openxmlformats.org/officeDocument/2006/math" xmlns:a14="http://schemas.microsoft.com/office/drawing/2010/main" xmlns:ma14="http://schemas.microsoft.com/office/mac/drawingml/2011/main" val="1"/>
             </a:ext>
           </a:extLst>
         </p:spPr>
@@ -5481,7 +5490,7 @@
           </a:ln>
           <a:extLst>
             <a:ext uri="{C572A759-6A51-4108-AA02-DFA0A04FC94B}">
-              <ma14:wrappingTextBoxFlag xmlns:ma14="http://schemas.microsoft.com/office/mac/drawingml/2011/main" xmlns:a14="http://schemas.microsoft.com/office/drawing/2010/main" xmlns:m="http://schemas.openxmlformats.org/officeDocument/2006/math" xmlns="" val="1"/>
+              <ma14:wrappingTextBoxFlag xmlns="" xmlns:m="http://schemas.openxmlformats.org/officeDocument/2006/math" xmlns:a14="http://schemas.microsoft.com/office/drawing/2010/main" xmlns:ma14="http://schemas.microsoft.com/office/mac/drawingml/2011/main" val="1"/>
             </a:ext>
           </a:extLst>
         </p:spPr>
@@ -5556,7 +5565,7 @@
           </a:ln>
           <a:extLst>
             <a:ext uri="{C572A759-6A51-4108-AA02-DFA0A04FC94B}">
-              <ma14:wrappingTextBoxFlag xmlns:ma14="http://schemas.microsoft.com/office/mac/drawingml/2011/main" xmlns:a14="http://schemas.microsoft.com/office/drawing/2010/main" xmlns:m="http://schemas.openxmlformats.org/officeDocument/2006/math" xmlns="" val="1"/>
+              <ma14:wrappingTextBoxFlag xmlns="" xmlns:m="http://schemas.openxmlformats.org/officeDocument/2006/math" xmlns:a14="http://schemas.microsoft.com/office/drawing/2010/main" xmlns:ma14="http://schemas.microsoft.com/office/mac/drawingml/2011/main" val="1"/>
             </a:ext>
           </a:extLst>
         </p:spPr>
@@ -5710,7 +5719,7 @@
           </a:ln>
           <a:extLst>
             <a:ext uri="{C572A759-6A51-4108-AA02-DFA0A04FC94B}">
-              <ma14:wrappingTextBoxFlag xmlns:ma14="http://schemas.microsoft.com/office/mac/drawingml/2011/main" xmlns:a14="http://schemas.microsoft.com/office/drawing/2010/main" xmlns:m="http://schemas.openxmlformats.org/officeDocument/2006/math" xmlns="" val="1"/>
+              <ma14:wrappingTextBoxFlag xmlns="" xmlns:m="http://schemas.openxmlformats.org/officeDocument/2006/math" xmlns:a14="http://schemas.microsoft.com/office/drawing/2010/main" xmlns:ma14="http://schemas.microsoft.com/office/mac/drawingml/2011/main" val="1"/>
             </a:ext>
           </a:extLst>
         </p:spPr>
@@ -5745,7 +5754,7 @@
           </a:ln>
           <a:extLst>
             <a:ext uri="{C572A759-6A51-4108-AA02-DFA0A04FC94B}">
-              <ma14:wrappingTextBoxFlag xmlns:ma14="http://schemas.microsoft.com/office/mac/drawingml/2011/main" xmlns:a14="http://schemas.microsoft.com/office/drawing/2010/main" xmlns:m="http://schemas.openxmlformats.org/officeDocument/2006/math" xmlns="" val="1"/>
+              <ma14:wrappingTextBoxFlag xmlns="" xmlns:m="http://schemas.openxmlformats.org/officeDocument/2006/math" xmlns:a14="http://schemas.microsoft.com/office/drawing/2010/main" xmlns:ma14="http://schemas.microsoft.com/office/mac/drawingml/2011/main" val="1"/>
             </a:ext>
           </a:extLst>
         </p:spPr>
@@ -5780,7 +5789,7 @@
           </a:ln>
           <a:extLst>
             <a:ext uri="{C572A759-6A51-4108-AA02-DFA0A04FC94B}">
-              <ma14:wrappingTextBoxFlag xmlns:ma14="http://schemas.microsoft.com/office/mac/drawingml/2011/main" xmlns:a14="http://schemas.microsoft.com/office/drawing/2010/main" xmlns:m="http://schemas.openxmlformats.org/officeDocument/2006/math" xmlns="" val="1"/>
+              <ma14:wrappingTextBoxFlag xmlns="" xmlns:m="http://schemas.openxmlformats.org/officeDocument/2006/math" xmlns:a14="http://schemas.microsoft.com/office/drawing/2010/main" xmlns:ma14="http://schemas.microsoft.com/office/mac/drawingml/2011/main" val="1"/>
             </a:ext>
           </a:extLst>
         </p:spPr>
@@ -5842,7 +5851,7 @@
           </a:ln>
           <a:extLst>
             <a:ext uri="{C572A759-6A51-4108-AA02-DFA0A04FC94B}">
-              <ma14:wrappingTextBoxFlag xmlns:ma14="http://schemas.microsoft.com/office/mac/drawingml/2011/main" xmlns:a14="http://schemas.microsoft.com/office/drawing/2010/main" xmlns:m="http://schemas.openxmlformats.org/officeDocument/2006/math" xmlns="" val="1"/>
+              <ma14:wrappingTextBoxFlag xmlns="" xmlns:m="http://schemas.openxmlformats.org/officeDocument/2006/math" xmlns:a14="http://schemas.microsoft.com/office/drawing/2010/main" xmlns:ma14="http://schemas.microsoft.com/office/mac/drawingml/2011/main" val="1"/>
             </a:ext>
           </a:extLst>
         </p:spPr>
@@ -6017,7 +6026,7 @@
           </a:ln>
           <a:extLst>
             <a:ext uri="{C572A759-6A51-4108-AA02-DFA0A04FC94B}">
-              <ma14:wrappingTextBoxFlag xmlns:ma14="http://schemas.microsoft.com/office/mac/drawingml/2011/main" xmlns:a14="http://schemas.microsoft.com/office/drawing/2010/main" xmlns:m="http://schemas.openxmlformats.org/officeDocument/2006/math" xmlns="" val="1"/>
+              <ma14:wrappingTextBoxFlag xmlns="" xmlns:m="http://schemas.openxmlformats.org/officeDocument/2006/math" xmlns:a14="http://schemas.microsoft.com/office/drawing/2010/main" xmlns:ma14="http://schemas.microsoft.com/office/mac/drawingml/2011/main" val="1"/>
             </a:ext>
           </a:extLst>
         </p:spPr>
@@ -6167,7 +6176,7 @@
           </a:ln>
           <a:extLst>
             <a:ext uri="{C572A759-6A51-4108-AA02-DFA0A04FC94B}">
-              <ma14:wrappingTextBoxFlag xmlns:ma14="http://schemas.microsoft.com/office/mac/drawingml/2011/main" xmlns:a14="http://schemas.microsoft.com/office/drawing/2010/main" xmlns:m="http://schemas.openxmlformats.org/officeDocument/2006/math" xmlns="" val="1"/>
+              <ma14:wrappingTextBoxFlag xmlns="" xmlns:m="http://schemas.openxmlformats.org/officeDocument/2006/math" xmlns:a14="http://schemas.microsoft.com/office/drawing/2010/main" xmlns:ma14="http://schemas.microsoft.com/office/mac/drawingml/2011/main" val="1"/>
             </a:ext>
           </a:extLst>
         </p:spPr>
@@ -6256,7 +6265,7 @@
           </a:ln>
           <a:extLst>
             <a:ext uri="{C572A759-6A51-4108-AA02-DFA0A04FC94B}">
-              <ma14:wrappingTextBoxFlag xmlns:ma14="http://schemas.microsoft.com/office/mac/drawingml/2011/main" xmlns:a14="http://schemas.microsoft.com/office/drawing/2010/main" xmlns:m="http://schemas.openxmlformats.org/officeDocument/2006/math" xmlns="" val="1"/>
+              <ma14:wrappingTextBoxFlag xmlns="" xmlns:m="http://schemas.openxmlformats.org/officeDocument/2006/math" xmlns:a14="http://schemas.microsoft.com/office/drawing/2010/main" xmlns:ma14="http://schemas.microsoft.com/office/mac/drawingml/2011/main" val="1"/>
             </a:ext>
           </a:extLst>
         </p:spPr>
@@ -6291,7 +6300,7 @@
           </a:ln>
           <a:extLst>
             <a:ext uri="{C572A759-6A51-4108-AA02-DFA0A04FC94B}">
-              <ma14:wrappingTextBoxFlag xmlns:ma14="http://schemas.microsoft.com/office/mac/drawingml/2011/main" xmlns:a14="http://schemas.microsoft.com/office/drawing/2010/main" xmlns:m="http://schemas.openxmlformats.org/officeDocument/2006/math" xmlns="" val="1"/>
+              <ma14:wrappingTextBoxFlag xmlns="" xmlns:m="http://schemas.openxmlformats.org/officeDocument/2006/math" xmlns:a14="http://schemas.microsoft.com/office/drawing/2010/main" xmlns:ma14="http://schemas.microsoft.com/office/mac/drawingml/2011/main" val="1"/>
             </a:ext>
           </a:extLst>
         </p:spPr>
@@ -6402,7 +6411,7 @@
           </a:ln>
           <a:extLst>
             <a:ext uri="{C572A759-6A51-4108-AA02-DFA0A04FC94B}">
-              <ma14:wrappingTextBoxFlag xmlns:ma14="http://schemas.microsoft.com/office/mac/drawingml/2011/main" xmlns:a14="http://schemas.microsoft.com/office/drawing/2010/main" xmlns:m="http://schemas.openxmlformats.org/officeDocument/2006/math" xmlns="" val="1"/>
+              <ma14:wrappingTextBoxFlag xmlns="" xmlns:m="http://schemas.openxmlformats.org/officeDocument/2006/math" xmlns:a14="http://schemas.microsoft.com/office/drawing/2010/main" xmlns:ma14="http://schemas.microsoft.com/office/mac/drawingml/2011/main" val="1"/>
             </a:ext>
           </a:extLst>
         </p:spPr>
@@ -6452,7 +6461,7 @@
           </a:ln>
           <a:extLst>
             <a:ext uri="{C572A759-6A51-4108-AA02-DFA0A04FC94B}">
-              <ma14:wrappingTextBoxFlag xmlns:ma14="http://schemas.microsoft.com/office/mac/drawingml/2011/main" xmlns:a14="http://schemas.microsoft.com/office/drawing/2010/main" xmlns:m="http://schemas.openxmlformats.org/officeDocument/2006/math" xmlns="" val="1"/>
+              <ma14:wrappingTextBoxFlag xmlns="" xmlns:m="http://schemas.openxmlformats.org/officeDocument/2006/math" xmlns:a14="http://schemas.microsoft.com/office/drawing/2010/main" xmlns:ma14="http://schemas.microsoft.com/office/mac/drawingml/2011/main" val="1"/>
             </a:ext>
           </a:extLst>
         </p:spPr>
@@ -6487,7 +6496,7 @@
           </a:ln>
           <a:extLst>
             <a:ext uri="{C572A759-6A51-4108-AA02-DFA0A04FC94B}">
-              <ma14:wrappingTextBoxFlag xmlns:ma14="http://schemas.microsoft.com/office/mac/drawingml/2011/main" xmlns:a14="http://schemas.microsoft.com/office/drawing/2010/main" xmlns:m="http://schemas.openxmlformats.org/officeDocument/2006/math" xmlns="" val="1"/>
+              <ma14:wrappingTextBoxFlag xmlns="" xmlns:m="http://schemas.openxmlformats.org/officeDocument/2006/math" xmlns:a14="http://schemas.microsoft.com/office/drawing/2010/main" xmlns:ma14="http://schemas.microsoft.com/office/mac/drawingml/2011/main" val="1"/>
             </a:ext>
           </a:extLst>
         </p:spPr>
@@ -6522,7 +6531,7 @@
           </a:ln>
           <a:extLst>
             <a:ext uri="{C572A759-6A51-4108-AA02-DFA0A04FC94B}">
-              <ma14:wrappingTextBoxFlag xmlns:ma14="http://schemas.microsoft.com/office/mac/drawingml/2011/main" xmlns:a14="http://schemas.microsoft.com/office/drawing/2010/main" xmlns:m="http://schemas.openxmlformats.org/officeDocument/2006/math" xmlns="" val="1"/>
+              <ma14:wrappingTextBoxFlag xmlns="" xmlns:m="http://schemas.openxmlformats.org/officeDocument/2006/math" xmlns:a14="http://schemas.microsoft.com/office/drawing/2010/main" xmlns:ma14="http://schemas.microsoft.com/office/mac/drawingml/2011/main" val="1"/>
             </a:ext>
           </a:extLst>
         </p:spPr>
@@ -6825,7 +6834,7 @@
           </a:ln>
           <a:extLst>
             <a:ext uri="{C572A759-6A51-4108-AA02-DFA0A04FC94B}">
-              <ma14:wrappingTextBoxFlag xmlns:ma14="http://schemas.microsoft.com/office/mac/drawingml/2011/main" xmlns:a14="http://schemas.microsoft.com/office/drawing/2010/main" xmlns:m="http://schemas.openxmlformats.org/officeDocument/2006/math" xmlns="" val="1"/>
+              <ma14:wrappingTextBoxFlag xmlns="" xmlns:m="http://schemas.openxmlformats.org/officeDocument/2006/math" xmlns:a14="http://schemas.microsoft.com/office/drawing/2010/main" xmlns:ma14="http://schemas.microsoft.com/office/mac/drawingml/2011/main" val="1"/>
             </a:ext>
           </a:extLst>
         </p:spPr>
@@ -6868,7 +6877,7 @@
           </a:ln>
           <a:extLst>
             <a:ext uri="{C572A759-6A51-4108-AA02-DFA0A04FC94B}">
-              <ma14:wrappingTextBoxFlag xmlns:ma14="http://schemas.microsoft.com/office/mac/drawingml/2011/main" xmlns:a14="http://schemas.microsoft.com/office/drawing/2010/main" xmlns:m="http://schemas.openxmlformats.org/officeDocument/2006/math" xmlns="" val="1"/>
+              <ma14:wrappingTextBoxFlag xmlns="" xmlns:m="http://schemas.openxmlformats.org/officeDocument/2006/math" xmlns:a14="http://schemas.microsoft.com/office/drawing/2010/main" xmlns:ma14="http://schemas.microsoft.com/office/mac/drawingml/2011/main" val="1"/>
             </a:ext>
           </a:extLst>
         </p:spPr>
@@ -6987,7 +6996,7 @@
           </a:ln>
           <a:extLst>
             <a:ext uri="{C572A759-6A51-4108-AA02-DFA0A04FC94B}">
-              <ma14:wrappingTextBoxFlag xmlns:ma14="http://schemas.microsoft.com/office/mac/drawingml/2011/main" xmlns:a14="http://schemas.microsoft.com/office/drawing/2010/main" xmlns:m="http://schemas.openxmlformats.org/officeDocument/2006/math" xmlns="" val="1"/>
+              <ma14:wrappingTextBoxFlag xmlns="" xmlns:m="http://schemas.openxmlformats.org/officeDocument/2006/math" xmlns:a14="http://schemas.microsoft.com/office/drawing/2010/main" xmlns:ma14="http://schemas.microsoft.com/office/mac/drawingml/2011/main" val="1"/>
             </a:ext>
           </a:extLst>
         </p:spPr>
@@ -7022,7 +7031,7 @@
           </a:ln>
           <a:extLst>
             <a:ext uri="{C572A759-6A51-4108-AA02-DFA0A04FC94B}">
-              <ma14:wrappingTextBoxFlag xmlns:ma14="http://schemas.microsoft.com/office/mac/drawingml/2011/main" xmlns:a14="http://schemas.microsoft.com/office/drawing/2010/main" xmlns:m="http://schemas.openxmlformats.org/officeDocument/2006/math" xmlns="" val="1"/>
+              <ma14:wrappingTextBoxFlag xmlns="" xmlns:m="http://schemas.openxmlformats.org/officeDocument/2006/math" xmlns:a14="http://schemas.microsoft.com/office/drawing/2010/main" xmlns:ma14="http://schemas.microsoft.com/office/mac/drawingml/2011/main" val="1"/>
             </a:ext>
           </a:extLst>
         </p:spPr>
@@ -7057,7 +7066,7 @@
           </a:ln>
           <a:extLst>
             <a:ext uri="{C572A759-6A51-4108-AA02-DFA0A04FC94B}">
-              <ma14:wrappingTextBoxFlag xmlns:ma14="http://schemas.microsoft.com/office/mac/drawingml/2011/main" xmlns:a14="http://schemas.microsoft.com/office/drawing/2010/main" xmlns:m="http://schemas.openxmlformats.org/officeDocument/2006/math" xmlns="" val="1"/>
+              <ma14:wrappingTextBoxFlag xmlns="" xmlns:m="http://schemas.openxmlformats.org/officeDocument/2006/math" xmlns:a14="http://schemas.microsoft.com/office/drawing/2010/main" xmlns:ma14="http://schemas.microsoft.com/office/mac/drawingml/2011/main" val="1"/>
             </a:ext>
           </a:extLst>
         </p:spPr>
@@ -7155,7 +7164,7 @@
           </a:ln>
           <a:extLst>
             <a:ext uri="{C572A759-6A51-4108-AA02-DFA0A04FC94B}">
-              <ma14:wrappingTextBoxFlag xmlns:ma14="http://schemas.microsoft.com/office/mac/drawingml/2011/main" xmlns:a14="http://schemas.microsoft.com/office/drawing/2010/main" xmlns:m="http://schemas.openxmlformats.org/officeDocument/2006/math" xmlns="" val="1"/>
+              <ma14:wrappingTextBoxFlag xmlns="" xmlns:m="http://schemas.openxmlformats.org/officeDocument/2006/math" xmlns:a14="http://schemas.microsoft.com/office/drawing/2010/main" xmlns:ma14="http://schemas.microsoft.com/office/mac/drawingml/2011/main" val="1"/>
             </a:ext>
           </a:extLst>
         </p:spPr>
@@ -7264,7 +7273,7 @@
           </a:ln>
           <a:extLst>
             <a:ext uri="{C572A759-6A51-4108-AA02-DFA0A04FC94B}">
-              <ma14:wrappingTextBoxFlag xmlns:ma14="http://schemas.microsoft.com/office/mac/drawingml/2011/main" xmlns:a14="http://schemas.microsoft.com/office/drawing/2010/main" xmlns:m="http://schemas.openxmlformats.org/officeDocument/2006/math" xmlns="" val="1"/>
+              <ma14:wrappingTextBoxFlag xmlns="" xmlns:m="http://schemas.openxmlformats.org/officeDocument/2006/math" xmlns:a14="http://schemas.microsoft.com/office/drawing/2010/main" xmlns:ma14="http://schemas.microsoft.com/office/mac/drawingml/2011/main" val="1"/>
             </a:ext>
           </a:extLst>
         </p:spPr>
@@ -7455,7 +7464,7 @@
           </a:ln>
           <a:extLst>
             <a:ext uri="{C572A759-6A51-4108-AA02-DFA0A04FC94B}">
-              <ma14:wrappingTextBoxFlag xmlns:ma14="http://schemas.microsoft.com/office/mac/drawingml/2011/main" xmlns:a14="http://schemas.microsoft.com/office/drawing/2010/main" xmlns:m="http://schemas.openxmlformats.org/officeDocument/2006/math" xmlns="" val="1"/>
+              <ma14:wrappingTextBoxFlag xmlns="" xmlns:m="http://schemas.openxmlformats.org/officeDocument/2006/math" xmlns:a14="http://schemas.microsoft.com/office/drawing/2010/main" xmlns:ma14="http://schemas.microsoft.com/office/mac/drawingml/2011/main" val="1"/>
             </a:ext>
           </a:extLst>
         </p:spPr>
@@ -7498,7 +7507,7 @@
           </a:ln>
           <a:extLst>
             <a:ext uri="{C572A759-6A51-4108-AA02-DFA0A04FC94B}">
-              <ma14:wrappingTextBoxFlag xmlns:ma14="http://schemas.microsoft.com/office/mac/drawingml/2011/main" xmlns:a14="http://schemas.microsoft.com/office/drawing/2010/main" xmlns:m="http://schemas.openxmlformats.org/officeDocument/2006/math" xmlns="" val="1"/>
+              <ma14:wrappingTextBoxFlag xmlns="" xmlns:m="http://schemas.openxmlformats.org/officeDocument/2006/math" xmlns:a14="http://schemas.microsoft.com/office/drawing/2010/main" xmlns:ma14="http://schemas.microsoft.com/office/mac/drawingml/2011/main" val="1"/>
             </a:ext>
           </a:extLst>
         </p:spPr>
@@ -7544,7 +7553,7 @@
           </a:ln>
           <a:extLst>
             <a:ext uri="{C572A759-6A51-4108-AA02-DFA0A04FC94B}">
-              <ma14:wrappingTextBoxFlag xmlns:ma14="http://schemas.microsoft.com/office/mac/drawingml/2011/main" xmlns:a14="http://schemas.microsoft.com/office/drawing/2010/main" xmlns:m="http://schemas.openxmlformats.org/officeDocument/2006/math" xmlns="" val="1"/>
+              <ma14:wrappingTextBoxFlag xmlns="" xmlns:m="http://schemas.openxmlformats.org/officeDocument/2006/math" xmlns:a14="http://schemas.microsoft.com/office/drawing/2010/main" xmlns:ma14="http://schemas.microsoft.com/office/mac/drawingml/2011/main" val="1"/>
             </a:ext>
           </a:extLst>
         </p:spPr>
@@ -7587,7 +7596,7 @@
           </a:ln>
           <a:extLst>
             <a:ext uri="{C572A759-6A51-4108-AA02-DFA0A04FC94B}">
-              <ma14:wrappingTextBoxFlag xmlns:ma14="http://schemas.microsoft.com/office/mac/drawingml/2011/main" xmlns:a14="http://schemas.microsoft.com/office/drawing/2010/main" xmlns:m="http://schemas.openxmlformats.org/officeDocument/2006/math" xmlns="" val="1"/>
+              <ma14:wrappingTextBoxFlag xmlns="" xmlns:m="http://schemas.openxmlformats.org/officeDocument/2006/math" xmlns:a14="http://schemas.microsoft.com/office/drawing/2010/main" xmlns:ma14="http://schemas.microsoft.com/office/mac/drawingml/2011/main" val="1"/>
             </a:ext>
           </a:extLst>
         </p:spPr>
@@ -7713,7 +7722,7 @@
           </a:ln>
           <a:extLst>
             <a:ext uri="{C572A759-6A51-4108-AA02-DFA0A04FC94B}">
-              <ma14:wrappingTextBoxFlag xmlns:ma14="http://schemas.microsoft.com/office/mac/drawingml/2011/main" xmlns:a14="http://schemas.microsoft.com/office/drawing/2010/main" xmlns:m="http://schemas.openxmlformats.org/officeDocument/2006/math" xmlns="" val="1"/>
+              <ma14:wrappingTextBoxFlag xmlns="" xmlns:m="http://schemas.openxmlformats.org/officeDocument/2006/math" xmlns:a14="http://schemas.microsoft.com/office/drawing/2010/main" xmlns:ma14="http://schemas.microsoft.com/office/mac/drawingml/2011/main" val="1"/>
             </a:ext>
           </a:extLst>
         </p:spPr>
@@ -7763,7 +7772,7 @@
           </a:ln>
           <a:extLst>
             <a:ext uri="{C572A759-6A51-4108-AA02-DFA0A04FC94B}">
-              <ma14:wrappingTextBoxFlag xmlns:ma14="http://schemas.microsoft.com/office/mac/drawingml/2011/main" xmlns:a14="http://schemas.microsoft.com/office/drawing/2010/main" xmlns:m="http://schemas.openxmlformats.org/officeDocument/2006/math" xmlns="" val="1"/>
+              <ma14:wrappingTextBoxFlag xmlns="" xmlns:m="http://schemas.openxmlformats.org/officeDocument/2006/math" xmlns:a14="http://schemas.microsoft.com/office/drawing/2010/main" xmlns:ma14="http://schemas.microsoft.com/office/mac/drawingml/2011/main" val="1"/>
             </a:ext>
           </a:extLst>
         </p:spPr>
@@ -7798,7 +7807,7 @@
           </a:ln>
           <a:extLst>
             <a:ext uri="{C572A759-6A51-4108-AA02-DFA0A04FC94B}">
-              <ma14:wrappingTextBoxFlag xmlns:ma14="http://schemas.microsoft.com/office/mac/drawingml/2011/main" xmlns:a14="http://schemas.microsoft.com/office/drawing/2010/main" xmlns:m="http://schemas.openxmlformats.org/officeDocument/2006/math" xmlns="" val="1"/>
+              <ma14:wrappingTextBoxFlag xmlns="" xmlns:m="http://schemas.openxmlformats.org/officeDocument/2006/math" xmlns:a14="http://schemas.microsoft.com/office/drawing/2010/main" xmlns:ma14="http://schemas.microsoft.com/office/mac/drawingml/2011/main" val="1"/>
             </a:ext>
           </a:extLst>
         </p:spPr>
@@ -7833,7 +7842,7 @@
           </a:ln>
           <a:extLst>
             <a:ext uri="{C572A759-6A51-4108-AA02-DFA0A04FC94B}">
-              <ma14:wrappingTextBoxFlag xmlns:ma14="http://schemas.microsoft.com/office/mac/drawingml/2011/main" xmlns:a14="http://schemas.microsoft.com/office/drawing/2010/main" xmlns:m="http://schemas.openxmlformats.org/officeDocument/2006/math" xmlns="" val="1"/>
+              <ma14:wrappingTextBoxFlag xmlns="" xmlns:m="http://schemas.openxmlformats.org/officeDocument/2006/math" xmlns:a14="http://schemas.microsoft.com/office/drawing/2010/main" xmlns:ma14="http://schemas.microsoft.com/office/mac/drawingml/2011/main" val="1"/>
             </a:ext>
           </a:extLst>
         </p:spPr>
@@ -8284,7 +8293,7 @@
           </a:ln>
           <a:extLst>
             <a:ext uri="{C572A759-6A51-4108-AA02-DFA0A04FC94B}">
-              <ma14:wrappingTextBoxFlag xmlns:ma14="http://schemas.microsoft.com/office/mac/drawingml/2011/main" xmlns:a14="http://schemas.microsoft.com/office/drawing/2010/main" xmlns:m="http://schemas.openxmlformats.org/officeDocument/2006/math" xmlns="" val="1"/>
+              <ma14:wrappingTextBoxFlag xmlns="" xmlns:m="http://schemas.openxmlformats.org/officeDocument/2006/math" xmlns:a14="http://schemas.microsoft.com/office/drawing/2010/main" xmlns:ma14="http://schemas.microsoft.com/office/mac/drawingml/2011/main" val="1"/>
             </a:ext>
           </a:extLst>
         </p:spPr>
@@ -8334,7 +8343,7 @@
           </a:ln>
           <a:extLst>
             <a:ext uri="{C572A759-6A51-4108-AA02-DFA0A04FC94B}">
-              <ma14:wrappingTextBoxFlag xmlns:ma14="http://schemas.microsoft.com/office/mac/drawingml/2011/main" xmlns:a14="http://schemas.microsoft.com/office/drawing/2010/main" xmlns:m="http://schemas.openxmlformats.org/officeDocument/2006/math" xmlns="" val="1"/>
+              <ma14:wrappingTextBoxFlag xmlns="" xmlns:m="http://schemas.openxmlformats.org/officeDocument/2006/math" xmlns:a14="http://schemas.microsoft.com/office/drawing/2010/main" xmlns:ma14="http://schemas.microsoft.com/office/mac/drawingml/2011/main" val="1"/>
             </a:ext>
           </a:extLst>
         </p:spPr>
@@ -8369,7 +8378,7 @@
           </a:ln>
           <a:extLst>
             <a:ext uri="{C572A759-6A51-4108-AA02-DFA0A04FC94B}">
-              <ma14:wrappingTextBoxFlag xmlns:ma14="http://schemas.microsoft.com/office/mac/drawingml/2011/main" xmlns:a14="http://schemas.microsoft.com/office/drawing/2010/main" xmlns:m="http://schemas.openxmlformats.org/officeDocument/2006/math" xmlns="" val="1"/>
+              <ma14:wrappingTextBoxFlag xmlns="" xmlns:m="http://schemas.openxmlformats.org/officeDocument/2006/math" xmlns:a14="http://schemas.microsoft.com/office/drawing/2010/main" xmlns:ma14="http://schemas.microsoft.com/office/mac/drawingml/2011/main" val="1"/>
             </a:ext>
           </a:extLst>
         </p:spPr>
@@ -8458,7 +8467,7 @@
           </a:ln>
           <a:extLst>
             <a:ext uri="{C572A759-6A51-4108-AA02-DFA0A04FC94B}">
-              <ma14:wrappingTextBoxFlag xmlns:ma14="http://schemas.microsoft.com/office/mac/drawingml/2011/main" xmlns:a14="http://schemas.microsoft.com/office/drawing/2010/main" xmlns:m="http://schemas.openxmlformats.org/officeDocument/2006/math" xmlns="" val="1"/>
+              <ma14:wrappingTextBoxFlag xmlns="" xmlns:m="http://schemas.openxmlformats.org/officeDocument/2006/math" xmlns:a14="http://schemas.microsoft.com/office/drawing/2010/main" xmlns:ma14="http://schemas.microsoft.com/office/mac/drawingml/2011/main" val="1"/>
             </a:ext>
           </a:extLst>
         </p:spPr>
@@ -8667,7 +8676,7 @@
           </a:ln>
           <a:extLst>
             <a:ext uri="{C572A759-6A51-4108-AA02-DFA0A04FC94B}">
-              <ma14:wrappingTextBoxFlag xmlns:ma14="http://schemas.microsoft.com/office/mac/drawingml/2011/main" xmlns:a14="http://schemas.microsoft.com/office/drawing/2010/main" xmlns:m="http://schemas.openxmlformats.org/officeDocument/2006/math" xmlns="" val="1"/>
+              <ma14:wrappingTextBoxFlag xmlns="" xmlns:m="http://schemas.openxmlformats.org/officeDocument/2006/math" xmlns:a14="http://schemas.microsoft.com/office/drawing/2010/main" xmlns:ma14="http://schemas.microsoft.com/office/mac/drawingml/2011/main" val="1"/>
             </a:ext>
           </a:extLst>
         </p:spPr>
@@ -8717,7 +8726,7 @@
           </a:ln>
           <a:extLst>
             <a:ext uri="{C572A759-6A51-4108-AA02-DFA0A04FC94B}">
-              <ma14:wrappingTextBoxFlag xmlns:ma14="http://schemas.microsoft.com/office/mac/drawingml/2011/main" xmlns:a14="http://schemas.microsoft.com/office/drawing/2010/main" xmlns:m="http://schemas.openxmlformats.org/officeDocument/2006/math" xmlns="" val="1"/>
+              <ma14:wrappingTextBoxFlag xmlns="" xmlns:m="http://schemas.openxmlformats.org/officeDocument/2006/math" xmlns:a14="http://schemas.microsoft.com/office/drawing/2010/main" xmlns:ma14="http://schemas.microsoft.com/office/mac/drawingml/2011/main" val="1"/>
             </a:ext>
           </a:extLst>
         </p:spPr>
@@ -8752,7 +8761,7 @@
           </a:ln>
           <a:extLst>
             <a:ext uri="{C572A759-6A51-4108-AA02-DFA0A04FC94B}">
-              <ma14:wrappingTextBoxFlag xmlns:ma14="http://schemas.microsoft.com/office/mac/drawingml/2011/main" xmlns:a14="http://schemas.microsoft.com/office/drawing/2010/main" xmlns:m="http://schemas.openxmlformats.org/officeDocument/2006/math" xmlns="" val="1"/>
+              <ma14:wrappingTextBoxFlag xmlns="" xmlns:m="http://schemas.openxmlformats.org/officeDocument/2006/math" xmlns:a14="http://schemas.microsoft.com/office/drawing/2010/main" xmlns:ma14="http://schemas.microsoft.com/office/mac/drawingml/2011/main" val="1"/>
             </a:ext>
           </a:extLst>
         </p:spPr>
@@ -8787,7 +8796,7 @@
           </a:ln>
           <a:extLst>
             <a:ext uri="{C572A759-6A51-4108-AA02-DFA0A04FC94B}">
-              <ma14:wrappingTextBoxFlag xmlns:ma14="http://schemas.microsoft.com/office/mac/drawingml/2011/main" xmlns:a14="http://schemas.microsoft.com/office/drawing/2010/main" xmlns:m="http://schemas.openxmlformats.org/officeDocument/2006/math" xmlns="" val="1"/>
+              <ma14:wrappingTextBoxFlag xmlns="" xmlns:m="http://schemas.openxmlformats.org/officeDocument/2006/math" xmlns:a14="http://schemas.microsoft.com/office/drawing/2010/main" xmlns:ma14="http://schemas.microsoft.com/office/mac/drawingml/2011/main" val="1"/>
             </a:ext>
           </a:extLst>
         </p:spPr>
@@ -9046,7 +9055,7 @@
           </a:ln>
           <a:extLst>
             <a:ext uri="{C572A759-6A51-4108-AA02-DFA0A04FC94B}">
-              <ma14:wrappingTextBoxFlag xmlns:ma14="http://schemas.microsoft.com/office/mac/drawingml/2011/main" xmlns:a14="http://schemas.microsoft.com/office/drawing/2010/main" xmlns:m="http://schemas.openxmlformats.org/officeDocument/2006/math" xmlns="" val="1"/>
+              <ma14:wrappingTextBoxFlag xmlns="" xmlns:m="http://schemas.openxmlformats.org/officeDocument/2006/math" xmlns:a14="http://schemas.microsoft.com/office/drawing/2010/main" xmlns:ma14="http://schemas.microsoft.com/office/mac/drawingml/2011/main" val="1"/>
             </a:ext>
           </a:extLst>
         </p:spPr>
@@ -9172,7 +9181,7 @@
           </a:ln>
           <a:extLst>
             <a:ext uri="{C572A759-6A51-4108-AA02-DFA0A04FC94B}">
-              <ma14:wrappingTextBoxFlag xmlns:ma14="http://schemas.microsoft.com/office/mac/drawingml/2011/main" xmlns:a14="http://schemas.microsoft.com/office/drawing/2010/main" xmlns:m="http://schemas.openxmlformats.org/officeDocument/2006/math" xmlns="" val="1"/>
+              <ma14:wrappingTextBoxFlag xmlns="" xmlns:m="http://schemas.openxmlformats.org/officeDocument/2006/math" xmlns:a14="http://schemas.microsoft.com/office/drawing/2010/main" xmlns:ma14="http://schemas.microsoft.com/office/mac/drawingml/2011/main" val="1"/>
             </a:ext>
           </a:extLst>
         </p:spPr>
@@ -9311,7 +9320,7 @@
           </a:ln>
           <a:extLst>
             <a:ext uri="{C572A759-6A51-4108-AA02-DFA0A04FC94B}">
-              <ma14:wrappingTextBoxFlag xmlns:ma14="http://schemas.microsoft.com/office/mac/drawingml/2011/main" xmlns:a14="http://schemas.microsoft.com/office/drawing/2010/main" xmlns:m="http://schemas.openxmlformats.org/officeDocument/2006/math" xmlns="" val="1"/>
+              <ma14:wrappingTextBoxFlag xmlns="" xmlns:m="http://schemas.openxmlformats.org/officeDocument/2006/math" xmlns:a14="http://schemas.microsoft.com/office/drawing/2010/main" xmlns:ma14="http://schemas.microsoft.com/office/mac/drawingml/2011/main" val="1"/>
             </a:ext>
           </a:extLst>
         </p:spPr>
@@ -9346,7 +9355,7 @@
           </a:ln>
           <a:extLst>
             <a:ext uri="{C572A759-6A51-4108-AA02-DFA0A04FC94B}">
-              <ma14:wrappingTextBoxFlag xmlns:ma14="http://schemas.microsoft.com/office/mac/drawingml/2011/main" xmlns:a14="http://schemas.microsoft.com/office/drawing/2010/main" xmlns:m="http://schemas.openxmlformats.org/officeDocument/2006/math" xmlns="" val="1"/>
+              <ma14:wrappingTextBoxFlag xmlns="" xmlns:m="http://schemas.openxmlformats.org/officeDocument/2006/math" xmlns:a14="http://schemas.microsoft.com/office/drawing/2010/main" xmlns:ma14="http://schemas.microsoft.com/office/mac/drawingml/2011/main" val="1"/>
             </a:ext>
           </a:extLst>
         </p:spPr>
@@ -9457,7 +9466,7 @@
           </a:ln>
           <a:extLst>
             <a:ext uri="{C572A759-6A51-4108-AA02-DFA0A04FC94B}">
-              <ma14:wrappingTextBoxFlag xmlns="" xmlns:m="http://schemas.openxmlformats.org/officeDocument/2006/math" xmlns:a14="http://schemas.microsoft.com/office/drawing/2010/main" xmlns:ma14="http://schemas.microsoft.com/office/mac/drawingml/2011/main" val="1"/>
+              <ma14:wrappingTextBoxFlag xmlns:ma14="http://schemas.microsoft.com/office/mac/drawingml/2011/main" xmlns:a14="http://schemas.microsoft.com/office/drawing/2010/main" xmlns:m="http://schemas.openxmlformats.org/officeDocument/2006/math" xmlns="" val="1"/>
             </a:ext>
           </a:extLst>
         </p:spPr>
@@ -9530,7 +9539,7 @@
           </a:ln>
           <a:extLst>
             <a:ext uri="{C572A759-6A51-4108-AA02-DFA0A04FC94B}">
-              <ma14:wrappingTextBoxFlag xmlns="" xmlns:m="http://schemas.openxmlformats.org/officeDocument/2006/math" xmlns:a14="http://schemas.microsoft.com/office/drawing/2010/main" xmlns:ma14="http://schemas.microsoft.com/office/mac/drawingml/2011/main" val="1"/>
+              <ma14:wrappingTextBoxFlag xmlns:ma14="http://schemas.microsoft.com/office/mac/drawingml/2011/main" xmlns:a14="http://schemas.microsoft.com/office/drawing/2010/main" xmlns:m="http://schemas.openxmlformats.org/officeDocument/2006/math" xmlns="" val="1"/>
             </a:ext>
           </a:extLst>
         </p:spPr>
@@ -9565,7 +9574,7 @@
           </a:ln>
           <a:extLst>
             <a:ext uri="{C572A759-6A51-4108-AA02-DFA0A04FC94B}">
-              <ma14:wrappingTextBoxFlag xmlns="" xmlns:m="http://schemas.openxmlformats.org/officeDocument/2006/math" xmlns:a14="http://schemas.microsoft.com/office/drawing/2010/main" xmlns:ma14="http://schemas.microsoft.com/office/mac/drawingml/2011/main" val="1"/>
+              <ma14:wrappingTextBoxFlag xmlns:ma14="http://schemas.microsoft.com/office/mac/drawingml/2011/main" xmlns:a14="http://schemas.microsoft.com/office/drawing/2010/main" xmlns:m="http://schemas.openxmlformats.org/officeDocument/2006/math" xmlns="" val="1"/>
             </a:ext>
           </a:extLst>
         </p:spPr>
@@ -9600,7 +9609,7 @@
           </a:ln>
           <a:extLst>
             <a:ext uri="{C572A759-6A51-4108-AA02-DFA0A04FC94B}">
-              <ma14:wrappingTextBoxFlag xmlns="" xmlns:m="http://schemas.openxmlformats.org/officeDocument/2006/math" xmlns:a14="http://schemas.microsoft.com/office/drawing/2010/main" xmlns:ma14="http://schemas.microsoft.com/office/mac/drawingml/2011/main" val="1"/>
+              <ma14:wrappingTextBoxFlag xmlns:ma14="http://schemas.microsoft.com/office/mac/drawingml/2011/main" xmlns:a14="http://schemas.microsoft.com/office/drawing/2010/main" xmlns:m="http://schemas.openxmlformats.org/officeDocument/2006/math" xmlns="" val="1"/>
             </a:ext>
           </a:extLst>
         </p:spPr>
@@ -10441,7 +10450,7 @@
           </a:ln>
           <a:extLst>
             <a:ext uri="{C572A759-6A51-4108-AA02-DFA0A04FC94B}">
-              <ma14:wrappingTextBoxFlag xmlns:ma14="http://schemas.microsoft.com/office/mac/drawingml/2011/main" xmlns:a14="http://schemas.microsoft.com/office/drawing/2010/main" xmlns:m="http://schemas.openxmlformats.org/officeDocument/2006/math" xmlns="" val="1"/>
+              <ma14:wrappingTextBoxFlag xmlns="" xmlns:m="http://schemas.openxmlformats.org/officeDocument/2006/math" xmlns:a14="http://schemas.microsoft.com/office/drawing/2010/main" xmlns:ma14="http://schemas.microsoft.com/office/mac/drawingml/2011/main" val="1"/>
             </a:ext>
           </a:extLst>
         </p:spPr>
@@ -10519,7 +10528,7 @@
           </a:ln>
           <a:extLst>
             <a:ext uri="{C572A759-6A51-4108-AA02-DFA0A04FC94B}">
-              <ma14:wrappingTextBoxFlag xmlns:ma14="http://schemas.microsoft.com/office/mac/drawingml/2011/main" xmlns:a14="http://schemas.microsoft.com/office/drawing/2010/main" xmlns:m="http://schemas.openxmlformats.org/officeDocument/2006/math" xmlns="" val="1"/>
+              <ma14:wrappingTextBoxFlag xmlns="" xmlns:m="http://schemas.openxmlformats.org/officeDocument/2006/math" xmlns:a14="http://schemas.microsoft.com/office/drawing/2010/main" xmlns:ma14="http://schemas.microsoft.com/office/mac/drawingml/2011/main" val="1"/>
             </a:ext>
           </a:extLst>
         </p:spPr>
@@ -10554,7 +10563,7 @@
           </a:ln>
           <a:extLst>
             <a:ext uri="{C572A759-6A51-4108-AA02-DFA0A04FC94B}">
-              <ma14:wrappingTextBoxFlag xmlns:ma14="http://schemas.microsoft.com/office/mac/drawingml/2011/main" xmlns:a14="http://schemas.microsoft.com/office/drawing/2010/main" xmlns:m="http://schemas.openxmlformats.org/officeDocument/2006/math" xmlns="" val="1"/>
+              <ma14:wrappingTextBoxFlag xmlns="" xmlns:m="http://schemas.openxmlformats.org/officeDocument/2006/math" xmlns:a14="http://schemas.microsoft.com/office/drawing/2010/main" xmlns:ma14="http://schemas.microsoft.com/office/mac/drawingml/2011/main" val="1"/>
             </a:ext>
           </a:extLst>
         </p:spPr>
@@ -10578,7 +10587,7 @@
         </p:nvSpPr>
         <p:spPr>
           <a:xfrm>
-            <a:off x="3102429" y="798839"/>
+            <a:off x="2978608" y="1166231"/>
             <a:ext cx="5711971" cy="3123932"/>
           </a:xfrm>
           <a:prstGeom prst="rect">
@@ -10589,7 +10598,7 @@
           </a:ln>
           <a:extLst>
             <a:ext uri="{C572A759-6A51-4108-AA02-DFA0A04FC94B}">
-              <ma14:wrappingTextBoxFlag xmlns:ma14="http://schemas.microsoft.com/office/mac/drawingml/2011/main" xmlns:a14="http://schemas.microsoft.com/office/drawing/2010/main" xmlns:m="http://schemas.openxmlformats.org/officeDocument/2006/math" xmlns="" val="1"/>
+              <ma14:wrappingTextBoxFlag xmlns="" xmlns:m="http://schemas.openxmlformats.org/officeDocument/2006/math" xmlns:a14="http://schemas.microsoft.com/office/drawing/2010/main" xmlns:ma14="http://schemas.microsoft.com/office/mac/drawingml/2011/main" val="1"/>
             </a:ext>
           </a:extLst>
         </p:spPr>
@@ -11263,7 +11272,7 @@
           </a:ln>
           <a:extLst>
             <a:ext uri="{C572A759-6A51-4108-AA02-DFA0A04FC94B}">
-              <ma14:wrappingTextBoxFlag xmlns:ma14="http://schemas.microsoft.com/office/mac/drawingml/2011/main" xmlns:a14="http://schemas.microsoft.com/office/drawing/2010/main" xmlns:m="http://schemas.openxmlformats.org/officeDocument/2006/math" xmlns="" val="1"/>
+              <ma14:wrappingTextBoxFlag xmlns="" xmlns:m="http://schemas.openxmlformats.org/officeDocument/2006/math" xmlns:a14="http://schemas.microsoft.com/office/drawing/2010/main" xmlns:ma14="http://schemas.microsoft.com/office/mac/drawingml/2011/main" val="1"/>
             </a:ext>
           </a:extLst>
         </p:spPr>
@@ -11288,6 +11297,7 @@
               </a:defRPr>
             </a:pPr>
             <a:r>
+              <a:rPr dirty="0"/>
               <a:t>LAB 06 </a:t>
             </a:r>
           </a:p>
@@ -11307,8 +11317,10 @@
               </a:defRPr>
             </a:pPr>
             <a:r>
+              <a:rPr dirty="0" err="1"/>
               <a:t>MarioGAN</a:t>
             </a:r>
+            <a:endParaRPr dirty="0"/>
           </a:p>
           <a:p>
             <a:pPr algn="l">
@@ -11325,7 +11337,7 @@
                 <a:sym typeface="IBM Plex Sans"/>
               </a:defRPr>
             </a:pPr>
-            <a:endParaRPr/>
+            <a:endParaRPr dirty="0"/>
           </a:p>
           <a:p>
             <a:pPr algn="l">
@@ -11343,7 +11355,40 @@
               </a:defRPr>
             </a:pPr>
             <a:r>
-              <a:t>https://colab.research.google.com/github/claireaoi/dlgs/blob/main/labs/lab6_mario.ipynb</a:t>
+              <a:rPr dirty="0"/>
+              <a:t>https://</a:t>
+            </a:r>
+            <a:r>
+              <a:rPr dirty="0" err="1"/>
+              <a:t>colab.research.google.com</a:t>
+            </a:r>
+            <a:r>
+              <a:rPr dirty="0"/>
+              <a:t>/</a:t>
+            </a:r>
+            <a:r>
+              <a:rPr dirty="0" err="1"/>
+              <a:t>github</a:t>
+            </a:r>
+            <a:r>
+              <a:rPr dirty="0"/>
+              <a:t>/</a:t>
+            </a:r>
+            <a:r>
+              <a:rPr dirty="0" err="1"/>
+              <a:t>claireaoi</a:t>
+            </a:r>
+            <a:r>
+              <a:rPr dirty="0"/>
+              <a:t>/</a:t>
+            </a:r>
+            <a:r>
+              <a:rPr dirty="0" err="1"/>
+              <a:t>dlgs</a:t>
+            </a:r>
+            <a:r>
+              <a:rPr dirty="0"/>
+              <a:t>/blob/main/labs/lab6_mario.ipynb</a:t>
             </a:r>
           </a:p>
         </p:txBody>
@@ -11358,6 +11403,152 @@
           <a:xfrm>
             <a:off x="130048" y="0"/>
             <a:ext cx="3134841" cy="284451"/>
+          </a:xfrm>
+          <a:prstGeom prst="rect">
+            <a:avLst/>
+          </a:prstGeom>
+          <a:ln w="12700">
+            <a:miter lim="400000"/>
+          </a:ln>
+          <a:extLst>
+            <a:ext uri="{C572A759-6A51-4108-AA02-DFA0A04FC94B}">
+              <ma14:wrappingTextBoxFlag xmlns="" xmlns:m="http://schemas.openxmlformats.org/officeDocument/2006/math" xmlns:a14="http://schemas.microsoft.com/office/drawing/2010/main" xmlns:ma14="http://schemas.microsoft.com/office/mac/drawingml/2011/main" val="1"/>
+            </a:ext>
+          </a:extLst>
+        </p:spPr>
+        <p:txBody>
+          <a:bodyPr lIns="91424" tIns="91424" rIns="91424" bIns="91424">
+            <a:spAutoFit/>
+          </a:bodyPr>
+          <a:lstStyle/>
+          <a:p>
+            <a:r>
+              <a:t>Deep Learning for Games and Simulations</a:t>
+            </a:r>
+          </a:p>
+        </p:txBody>
+      </p:sp>
+      <p:sp>
+        <p:nvSpPr>
+          <p:cNvPr id="286" name="Google Shape;56;p13"/>
+          <p:cNvSpPr txBox="1"/>
+          <p:nvPr/>
+        </p:nvSpPr>
+        <p:spPr>
+          <a:xfrm>
+            <a:off x="6600259" y="0"/>
+            <a:ext cx="2384701" cy="284450"/>
+          </a:xfrm>
+          <a:prstGeom prst="rect">
+            <a:avLst/>
+          </a:prstGeom>
+          <a:ln w="12700">
+            <a:miter lim="400000"/>
+          </a:ln>
+          <a:extLst>
+            <a:ext uri="{C572A759-6A51-4108-AA02-DFA0A04FC94B}">
+              <ma14:wrappingTextBoxFlag xmlns="" xmlns:m="http://schemas.openxmlformats.org/officeDocument/2006/math" xmlns:a14="http://schemas.microsoft.com/office/drawing/2010/main" xmlns:ma14="http://schemas.microsoft.com/office/mac/drawingml/2011/main" val="1"/>
+            </a:ext>
+          </a:extLst>
+        </p:spPr>
+        <p:txBody>
+          <a:bodyPr lIns="91424" tIns="91424" rIns="91424" bIns="91424">
+            <a:spAutoFit/>
+          </a:bodyPr>
+          <a:lstStyle/>
+          <a:p>
+            <a:r>
+              <a:t>ITU Copenhagen, Fall 2023</a:t>
+            </a:r>
+          </a:p>
+        </p:txBody>
+      </p:sp>
+    </p:spTree>
+  </p:cSld>
+  <p:clrMapOvr>
+    <a:masterClrMapping/>
+  </p:clrMapOvr>
+  <p:transition spd="med"/>
+</p:sld>
+</file>
+
+<file path=ppt/slides/slide27.xml><?xml version="1.0" encoding="utf-8"?>
+<p:sld xmlns:a="http://schemas.openxmlformats.org/drawingml/2006/main" xmlns:r="http://schemas.openxmlformats.org/officeDocument/2006/relationships" xmlns:p="http://schemas.openxmlformats.org/presentationml/2006/main">
+  <p:cSld>
+    <p:bg>
+      <p:bgPr>
+        <a:solidFill>
+          <a:srgbClr val="D9D9D9"/>
+        </a:solidFill>
+        <a:effectLst/>
+      </p:bgPr>
+    </p:bg>
+    <p:spTree>
+      <p:nvGrpSpPr>
+        <p:cNvPr id="1" name=""/>
+        <p:cNvGrpSpPr/>
+        <p:nvPr/>
+      </p:nvGrpSpPr>
+      <p:grpSpPr>
+        <a:xfrm>
+          <a:off x="0" y="0"/>
+          <a:ext cx="0" cy="0"/>
+          <a:chOff x="0" y="0"/>
+          <a:chExt cx="0" cy="0"/>
+        </a:xfrm>
+      </p:grpSpPr>
+      <p:sp>
+        <p:nvSpPr>
+          <p:cNvPr id="248" name="Google Shape;73;p15"/>
+          <p:cNvSpPr/>
+          <p:nvPr/>
+        </p:nvSpPr>
+        <p:spPr>
+          <a:xfrm>
+            <a:off x="217499" y="245475"/>
+            <a:ext cx="8709002" cy="1"/>
+          </a:xfrm>
+          <a:prstGeom prst="line">
+            <a:avLst/>
+          </a:prstGeom>
+          <a:ln>
+            <a:solidFill>
+              <a:srgbClr val="073763"/>
+            </a:solidFill>
+          </a:ln>
+        </p:spPr>
+        <p:txBody>
+          <a:bodyPr lIns="0" tIns="0" rIns="0" bIns="0"/>
+          <a:lstStyle/>
+          <a:p>
+            <a:pPr algn="l">
+              <a:lnSpc>
+                <a:spcPct val="100000"/>
+              </a:lnSpc>
+              <a:defRPr sz="1400">
+                <a:solidFill>
+                  <a:srgbClr val="000000"/>
+                </a:solidFill>
+                <a:latin typeface="+mj-lt"/>
+                <a:ea typeface="+mj-ea"/>
+                <a:cs typeface="+mj-cs"/>
+                <a:sym typeface="Arial"/>
+              </a:defRPr>
+            </a:pPr>
+            <a:endParaRPr/>
+          </a:p>
+        </p:txBody>
+      </p:sp>
+      <p:sp>
+        <p:nvSpPr>
+          <p:cNvPr id="249" name="Google Shape;124;p20"/>
+          <p:cNvSpPr txBox="1"/>
+          <p:nvPr/>
+        </p:nvSpPr>
+        <p:spPr>
+          <a:xfrm>
+            <a:off x="385389" y="938568"/>
+            <a:ext cx="2924019" cy="3231622"/>
           </a:xfrm>
           <a:prstGeom prst="rect">
             <a:avLst/>
@@ -11375,24 +11566,67 @@
           <a:bodyPr lIns="91424" tIns="91424" rIns="91424" bIns="91424">
             <a:spAutoFit/>
           </a:bodyPr>
-          <a:lstStyle/>
-          <a:p>
-            <a:r>
-              <a:t>Deep Learning for Games and Simulations</a:t>
-            </a:r>
-          </a:p>
-        </p:txBody>
-      </p:sp>
-      <p:sp>
-        <p:nvSpPr>
-          <p:cNvPr id="286" name="Google Shape;56;p13"/>
+          <a:lstStyle>
+            <a:lvl1pPr algn="l">
+              <a:lnSpc>
+                <a:spcPct val="100000"/>
+              </a:lnSpc>
+              <a:defRPr sz="2200">
+                <a:solidFill>
+                  <a:srgbClr val="75910B"/>
+                </a:solidFill>
+                <a:latin typeface="+mn-lt"/>
+                <a:ea typeface="+mn-ea"/>
+                <a:cs typeface="+mn-cs"/>
+                <a:sym typeface="IBM Plex Sans"/>
+              </a:defRPr>
+            </a:lvl1pPr>
+          </a:lstStyle>
+          <a:p>
+            <a:endParaRPr lang="da-DK" dirty="0"/>
+          </a:p>
+          <a:p>
+            <a:r>
+              <a:rPr lang="da-DK" dirty="0"/>
+              <a:t>(3) Training Loop</a:t>
+            </a:r>
+          </a:p>
+          <a:p>
+            <a:endParaRPr lang="da-DK" dirty="0"/>
+          </a:p>
+          <a:p>
+            <a:endParaRPr lang="da-DK" dirty="0"/>
+          </a:p>
+          <a:p>
+            <a:endParaRPr lang="da-DK" dirty="0"/>
+          </a:p>
+          <a:p>
+            <a:endParaRPr lang="da-DK" dirty="0"/>
+          </a:p>
+          <a:p>
+            <a:endParaRPr lang="da-DK" dirty="0"/>
+          </a:p>
+          <a:p>
+            <a:r>
+              <a:rPr lang="da-DK" dirty="0"/>
+              <a:t>(4) Train !</a:t>
+            </a:r>
+          </a:p>
+          <a:p>
+            <a:endParaRPr dirty="0"/>
+          </a:p>
+        </p:txBody>
+      </p:sp>
+      <p:sp>
+        <p:nvSpPr>
+          <p:cNvPr id="250" name="Google Shape;55;p13"/>
           <p:cNvSpPr txBox="1"/>
           <p:nvPr/>
         </p:nvSpPr>
         <p:spPr>
           <a:xfrm>
-            <a:off x="6600259" y="0"/>
-            <a:ext cx="2384701" cy="284450"/>
+            <a:off x="130048" y="0"/>
+            <a:ext cx="3134841" cy="284451"/>
           </a:xfrm>
           <a:prstGeom prst="rect">
             <a:avLst/>
@@ -11413,12 +11647,1532 @@
           <a:lstStyle/>
           <a:p>
             <a:r>
+              <a:t>Deep Learning for Games and Simulations</a:t>
+            </a:r>
+          </a:p>
+        </p:txBody>
+      </p:sp>
+      <p:sp>
+        <p:nvSpPr>
+          <p:cNvPr id="251" name="Google Shape;56;p13"/>
+          <p:cNvSpPr txBox="1"/>
+          <p:nvPr/>
+        </p:nvSpPr>
+        <p:spPr>
+          <a:xfrm>
+            <a:off x="6600259" y="0"/>
+            <a:ext cx="2384701" cy="284450"/>
+          </a:xfrm>
+          <a:prstGeom prst="rect">
+            <a:avLst/>
+          </a:prstGeom>
+          <a:ln w="12700">
+            <a:miter lim="400000"/>
+          </a:ln>
+          <a:extLst>
+            <a:ext uri="{C572A759-6A51-4108-AA02-DFA0A04FC94B}">
+              <ma14:wrappingTextBoxFlag xmlns:ma14="http://schemas.microsoft.com/office/mac/drawingml/2011/main" xmlns:a14="http://schemas.microsoft.com/office/drawing/2010/main" xmlns:m="http://schemas.openxmlformats.org/officeDocument/2006/math" xmlns="" val="1"/>
+            </a:ext>
+          </a:extLst>
+        </p:spPr>
+        <p:txBody>
+          <a:bodyPr lIns="91424" tIns="91424" rIns="91424" bIns="91424">
+            <a:spAutoFit/>
+          </a:bodyPr>
+          <a:lstStyle/>
+          <a:p>
+            <a:r>
               <a:t>ITU Copenhagen, Fall 2023</a:t>
             </a:r>
           </a:p>
         </p:txBody>
       </p:sp>
+      <p:sp>
+        <p:nvSpPr>
+          <p:cNvPr id="252" name="Environment:…"/>
+          <p:cNvSpPr txBox="1"/>
+          <p:nvPr/>
+        </p:nvSpPr>
+        <p:spPr>
+          <a:xfrm>
+            <a:off x="2978608" y="1166231"/>
+            <a:ext cx="5711971" cy="3123932"/>
+          </a:xfrm>
+          <a:prstGeom prst="rect">
+            <a:avLst/>
+          </a:prstGeom>
+          <a:ln w="12700">
+            <a:miter lim="400000"/>
+          </a:ln>
+          <a:extLst>
+            <a:ext uri="{C572A759-6A51-4108-AA02-DFA0A04FC94B}">
+              <ma14:wrappingTextBoxFlag xmlns:ma14="http://schemas.microsoft.com/office/mac/drawingml/2011/main" xmlns:a14="http://schemas.microsoft.com/office/drawing/2010/main" xmlns:m="http://schemas.openxmlformats.org/officeDocument/2006/math" xmlns="" val="1"/>
+            </a:ext>
+          </a:extLst>
+        </p:spPr>
+        <p:txBody>
+          <a:bodyPr wrap="square" lIns="0" tIns="0" rIns="0" bIns="0">
+            <a:spAutoFit/>
+          </a:bodyPr>
+          <a:lstStyle/>
+          <a:p>
+            <a:pPr algn="l">
+              <a:lnSpc>
+                <a:spcPct val="100000"/>
+              </a:lnSpc>
+              <a:defRPr sz="1400">
+                <a:solidFill>
+                  <a:srgbClr val="000000"/>
+                </a:solidFill>
+                <a:latin typeface="Helvetica"/>
+                <a:ea typeface="Helvetica"/>
+                <a:cs typeface="Helvetica"/>
+                <a:sym typeface="Helvetica"/>
+              </a:defRPr>
+            </a:pPr>
+            <a:endParaRPr lang="en-DK" b="1" dirty="0"/>
+          </a:p>
+          <a:p>
+            <a:pPr algn="l"/>
+            <a:r>
+              <a:rPr lang="en-GB" sz="1000" b="0" dirty="0">
+                <a:solidFill>
+                  <a:srgbClr val="0000FF"/>
+                </a:solidFill>
+                <a:effectLst/>
+                <a:latin typeface="Courier New" panose="02070309020205020404" pitchFamily="49" charset="0"/>
+              </a:rPr>
+              <a:t>def</a:t>
+            </a:r>
+            <a:r>
+              <a:rPr lang="en-GB" sz="1000" b="0" dirty="0">
+                <a:solidFill>
+                  <a:srgbClr val="000000"/>
+                </a:solidFill>
+                <a:effectLst/>
+                <a:latin typeface="Courier New" panose="02070309020205020404" pitchFamily="49" charset="0"/>
+              </a:rPr>
+              <a:t> </a:t>
+            </a:r>
+            <a:r>
+              <a:rPr lang="en-GB" sz="1000" b="0" dirty="0">
+                <a:solidFill>
+                  <a:srgbClr val="795E26"/>
+                </a:solidFill>
+                <a:effectLst/>
+                <a:latin typeface="Courier New" panose="02070309020205020404" pitchFamily="49" charset="0"/>
+              </a:rPr>
+              <a:t>train</a:t>
+            </a:r>
+            <a:r>
+              <a:rPr lang="en-GB" sz="1000" b="0" dirty="0">
+                <a:solidFill>
+                  <a:srgbClr val="000000"/>
+                </a:solidFill>
+                <a:effectLst/>
+                <a:latin typeface="Courier New" panose="02070309020205020404" pitchFamily="49" charset="0"/>
+              </a:rPr>
+              <a:t>(</a:t>
+            </a:r>
+            <a:r>
+              <a:rPr lang="en-GB" sz="1000" b="0" dirty="0">
+                <a:solidFill>
+                  <a:srgbClr val="001080"/>
+                </a:solidFill>
+                <a:effectLst/>
+                <a:latin typeface="Courier New" panose="02070309020205020404" pitchFamily="49" charset="0"/>
+              </a:rPr>
+              <a:t>env</a:t>
+            </a:r>
+            <a:r>
+              <a:rPr lang="en-GB" sz="1000" b="0" dirty="0">
+                <a:solidFill>
+                  <a:srgbClr val="000000"/>
+                </a:solidFill>
+                <a:effectLst/>
+                <a:latin typeface="Courier New" panose="02070309020205020404" pitchFamily="49" charset="0"/>
+              </a:rPr>
+              <a:t>, </a:t>
+            </a:r>
+            <a:r>
+              <a:rPr lang="en-GB" sz="1000" b="0" dirty="0">
+                <a:solidFill>
+                  <a:srgbClr val="001080"/>
+                </a:solidFill>
+                <a:effectLst/>
+                <a:latin typeface="Courier New" panose="02070309020205020404" pitchFamily="49" charset="0"/>
+              </a:rPr>
+              <a:t>agent</a:t>
+            </a:r>
+            <a:r>
+              <a:rPr lang="en-GB" sz="1000" b="0" dirty="0">
+                <a:solidFill>
+                  <a:srgbClr val="000000"/>
+                </a:solidFill>
+                <a:effectLst/>
+                <a:latin typeface="Courier New" panose="02070309020205020404" pitchFamily="49" charset="0"/>
+              </a:rPr>
+              <a:t>, </a:t>
+            </a:r>
+            <a:r>
+              <a:rPr lang="en-GB" sz="1000" b="0" dirty="0">
+                <a:solidFill>
+                  <a:srgbClr val="001080"/>
+                </a:solidFill>
+                <a:effectLst/>
+                <a:latin typeface="Courier New" panose="02070309020205020404" pitchFamily="49" charset="0"/>
+              </a:rPr>
+              <a:t>episodes</a:t>
+            </a:r>
+            <a:r>
+              <a:rPr lang="en-GB" sz="1000" b="0" dirty="0">
+                <a:solidFill>
+                  <a:srgbClr val="000000"/>
+                </a:solidFill>
+                <a:effectLst/>
+                <a:latin typeface="Courier New" panose="02070309020205020404" pitchFamily="49" charset="0"/>
+              </a:rPr>
+              <a:t>=</a:t>
+            </a:r>
+            <a:r>
+              <a:rPr lang="en-GB" sz="1000" b="0" dirty="0">
+                <a:solidFill>
+                  <a:srgbClr val="098156"/>
+                </a:solidFill>
+                <a:effectLst/>
+                <a:latin typeface="Courier New" panose="02070309020205020404" pitchFamily="49" charset="0"/>
+              </a:rPr>
+              <a:t>1000</a:t>
+            </a:r>
+            <a:r>
+              <a:rPr lang="en-GB" sz="1000" b="0" dirty="0">
+                <a:solidFill>
+                  <a:srgbClr val="000000"/>
+                </a:solidFill>
+                <a:effectLst/>
+                <a:latin typeface="Courier New" panose="02070309020205020404" pitchFamily="49" charset="0"/>
+              </a:rPr>
+              <a:t>, </a:t>
+            </a:r>
+            <a:r>
+              <a:rPr lang="en-GB" sz="1000" b="0" dirty="0" err="1">
+                <a:solidFill>
+                  <a:srgbClr val="001080"/>
+                </a:solidFill>
+                <a:effectLst/>
+                <a:latin typeface="Courier New" panose="02070309020205020404" pitchFamily="49" charset="0"/>
+              </a:rPr>
+              <a:t>batch_size</a:t>
+            </a:r>
+            <a:r>
+              <a:rPr lang="en-GB" sz="1000" b="0" dirty="0">
+                <a:solidFill>
+                  <a:srgbClr val="000000"/>
+                </a:solidFill>
+                <a:effectLst/>
+                <a:latin typeface="Courier New" panose="02070309020205020404" pitchFamily="49" charset="0"/>
+              </a:rPr>
+              <a:t>=</a:t>
+            </a:r>
+            <a:r>
+              <a:rPr lang="en-GB" sz="1000" b="0" dirty="0">
+                <a:solidFill>
+                  <a:srgbClr val="098156"/>
+                </a:solidFill>
+                <a:effectLst/>
+                <a:latin typeface="Courier New" panose="02070309020205020404" pitchFamily="49" charset="0"/>
+              </a:rPr>
+              <a:t>64</a:t>
+            </a:r>
+            <a:r>
+              <a:rPr lang="en-GB" sz="1000" b="0" dirty="0">
+                <a:solidFill>
+                  <a:srgbClr val="000000"/>
+                </a:solidFill>
+                <a:effectLst/>
+                <a:latin typeface="Courier New" panose="02070309020205020404" pitchFamily="49" charset="0"/>
+              </a:rPr>
+              <a:t>):</a:t>
+            </a:r>
+          </a:p>
+          <a:p>
+            <a:pPr algn="l"/>
+            <a:r>
+              <a:rPr lang="en-GB" sz="1000" b="0" dirty="0">
+                <a:solidFill>
+                  <a:srgbClr val="AF00DB"/>
+                </a:solidFill>
+                <a:effectLst/>
+                <a:latin typeface="Courier New" panose="02070309020205020404" pitchFamily="49" charset="0"/>
+              </a:rPr>
+              <a:t>	for</a:t>
+            </a:r>
+            <a:r>
+              <a:rPr lang="en-GB" sz="1000" b="0" dirty="0">
+                <a:solidFill>
+                  <a:srgbClr val="000000"/>
+                </a:solidFill>
+                <a:effectLst/>
+                <a:latin typeface="Courier New" panose="02070309020205020404" pitchFamily="49" charset="0"/>
+              </a:rPr>
+              <a:t> episode </a:t>
+            </a:r>
+            <a:r>
+              <a:rPr lang="en-GB" sz="1000" b="0" dirty="0">
+                <a:solidFill>
+                  <a:srgbClr val="0000FF"/>
+                </a:solidFill>
+                <a:effectLst/>
+                <a:latin typeface="Courier New" panose="02070309020205020404" pitchFamily="49" charset="0"/>
+              </a:rPr>
+              <a:t>in</a:t>
+            </a:r>
+            <a:r>
+              <a:rPr lang="en-GB" sz="1000" b="0" dirty="0">
+                <a:solidFill>
+                  <a:srgbClr val="000000"/>
+                </a:solidFill>
+                <a:effectLst/>
+                <a:latin typeface="Courier New" panose="02070309020205020404" pitchFamily="49" charset="0"/>
+              </a:rPr>
+              <a:t> </a:t>
+            </a:r>
+            <a:r>
+              <a:rPr lang="en-GB" sz="1000" b="0" dirty="0" err="1">
+                <a:solidFill>
+                  <a:srgbClr val="000000"/>
+                </a:solidFill>
+                <a:effectLst/>
+                <a:latin typeface="Courier New" panose="02070309020205020404" pitchFamily="49" charset="0"/>
+              </a:rPr>
+              <a:t>tqdm</a:t>
+            </a:r>
+            <a:r>
+              <a:rPr lang="en-GB" sz="1000" b="0" dirty="0">
+                <a:solidFill>
+                  <a:srgbClr val="000000"/>
+                </a:solidFill>
+                <a:effectLst/>
+                <a:latin typeface="Courier New" panose="02070309020205020404" pitchFamily="49" charset="0"/>
+              </a:rPr>
+              <a:t>(</a:t>
+            </a:r>
+            <a:r>
+              <a:rPr lang="en-GB" sz="1000" b="0" dirty="0">
+                <a:solidFill>
+                  <a:srgbClr val="795E26"/>
+                </a:solidFill>
+                <a:effectLst/>
+                <a:latin typeface="Courier New" panose="02070309020205020404" pitchFamily="49" charset="0"/>
+              </a:rPr>
+              <a:t>range</a:t>
+            </a:r>
+            <a:r>
+              <a:rPr lang="en-GB" sz="1000" b="0" dirty="0">
+                <a:solidFill>
+                  <a:srgbClr val="000000"/>
+                </a:solidFill>
+                <a:effectLst/>
+                <a:latin typeface="Courier New" panose="02070309020205020404" pitchFamily="49" charset="0"/>
+              </a:rPr>
+              <a:t>(episodes)):</a:t>
+            </a:r>
+          </a:p>
+          <a:p>
+            <a:pPr lvl="1" algn="l"/>
+            <a:r>
+              <a:rPr lang="en-GB" sz="1000" b="0" dirty="0">
+                <a:solidFill>
+                  <a:srgbClr val="AF00DB"/>
+                </a:solidFill>
+                <a:effectLst/>
+                <a:latin typeface="Courier New" panose="02070309020205020404" pitchFamily="49" charset="0"/>
+              </a:rPr>
+              <a:t>		while</a:t>
+            </a:r>
+            <a:r>
+              <a:rPr lang="en-GB" sz="1000" b="0" dirty="0">
+                <a:solidFill>
+                  <a:srgbClr val="000000"/>
+                </a:solidFill>
+                <a:effectLst/>
+                <a:latin typeface="Courier New" panose="02070309020205020404" pitchFamily="49" charset="0"/>
+              </a:rPr>
+              <a:t> </a:t>
+            </a:r>
+            <a:r>
+              <a:rPr lang="en-GB" sz="1000" b="0" dirty="0">
+                <a:solidFill>
+                  <a:srgbClr val="0000FF"/>
+                </a:solidFill>
+                <a:effectLst/>
+                <a:latin typeface="Courier New" panose="02070309020205020404" pitchFamily="49" charset="0"/>
+              </a:rPr>
+              <a:t>not</a:t>
+            </a:r>
+            <a:r>
+              <a:rPr lang="en-GB" sz="1000" b="0" dirty="0">
+                <a:solidFill>
+                  <a:srgbClr val="000000"/>
+                </a:solidFill>
+                <a:effectLst/>
+                <a:latin typeface="Courier New" panose="02070309020205020404" pitchFamily="49" charset="0"/>
+              </a:rPr>
+              <a:t> done:</a:t>
+            </a:r>
+          </a:p>
+          <a:p>
+            <a:pPr lvl="1" algn="l"/>
+            <a:r>
+              <a:rPr lang="en-GB" sz="1000" b="0" dirty="0">
+                <a:solidFill>
+                  <a:srgbClr val="008000"/>
+                </a:solidFill>
+                <a:effectLst/>
+                <a:latin typeface="Courier New" panose="02070309020205020404" pitchFamily="49" charset="0"/>
+              </a:rPr>
+              <a:t>		# 1. Make a move in the game.</a:t>
+            </a:r>
+            <a:endParaRPr lang="en-GB" sz="1000" b="0" dirty="0">
+              <a:solidFill>
+                <a:srgbClr val="000000"/>
+              </a:solidFill>
+              <a:effectLst/>
+              <a:latin typeface="Courier New" panose="02070309020205020404" pitchFamily="49" charset="0"/>
+            </a:endParaRPr>
+          </a:p>
+          <a:p>
+            <a:pPr lvl="1" algn="l"/>
+            <a:br>
+              <a:rPr lang="en-GB" sz="1000" b="0" dirty="0">
+                <a:solidFill>
+                  <a:srgbClr val="000000"/>
+                </a:solidFill>
+                <a:effectLst/>
+                <a:latin typeface="Courier New" panose="02070309020205020404" pitchFamily="49" charset="0"/>
+              </a:rPr>
+            </a:br>
+            <a:r>
+              <a:rPr lang="en-GB" sz="1000" b="0" dirty="0">
+                <a:solidFill>
+                  <a:srgbClr val="000000"/>
+                </a:solidFill>
+                <a:effectLst/>
+                <a:latin typeface="Courier New" panose="02070309020205020404" pitchFamily="49" charset="0"/>
+              </a:rPr>
+              <a:t>		</a:t>
+            </a:r>
+            <a:r>
+              <a:rPr lang="en-GB" sz="1000" b="0" dirty="0">
+                <a:solidFill>
+                  <a:srgbClr val="008000"/>
+                </a:solidFill>
+                <a:effectLst/>
+                <a:latin typeface="Courier New" panose="02070309020205020404" pitchFamily="49" charset="0"/>
+              </a:rPr>
+              <a:t># 2. Observe new state and reward from env</a:t>
+            </a:r>
+            <a:br>
+              <a:rPr lang="en-GB" sz="1000" b="0" dirty="0">
+                <a:solidFill>
+                  <a:srgbClr val="000000"/>
+                </a:solidFill>
+                <a:effectLst/>
+                <a:latin typeface="Courier New" panose="02070309020205020404" pitchFamily="49" charset="0"/>
+              </a:rPr>
+            </a:br>
+            <a:r>
+              <a:rPr lang="en-GB" sz="1000" b="0" dirty="0">
+                <a:solidFill>
+                  <a:srgbClr val="000000"/>
+                </a:solidFill>
+                <a:effectLst/>
+                <a:latin typeface="Courier New" panose="02070309020205020404" pitchFamily="49" charset="0"/>
+              </a:rPr>
+              <a:t>		</a:t>
+            </a:r>
+            <a:r>
+              <a:rPr lang="en-GB" sz="1000" b="0" dirty="0">
+                <a:solidFill>
+                  <a:srgbClr val="008000"/>
+                </a:solidFill>
+                <a:effectLst/>
+                <a:latin typeface="Courier New" panose="02070309020205020404" pitchFamily="49" charset="0"/>
+              </a:rPr>
+              <a:t># 3. Have the agent remember the transition.</a:t>
+            </a:r>
+            <a:br>
+              <a:rPr lang="en-GB" sz="1000" b="0" dirty="0">
+                <a:solidFill>
+                  <a:srgbClr val="000000"/>
+                </a:solidFill>
+                <a:effectLst/>
+                <a:latin typeface="Courier New" panose="02070309020205020404" pitchFamily="49" charset="0"/>
+              </a:rPr>
+            </a:br>
+            <a:r>
+              <a:rPr lang="en-GB" sz="1000" b="0" dirty="0">
+                <a:solidFill>
+                  <a:srgbClr val="000000"/>
+                </a:solidFill>
+                <a:effectLst/>
+                <a:latin typeface="Courier New" panose="02070309020205020404" pitchFamily="49" charset="0"/>
+              </a:rPr>
+              <a:t>		</a:t>
+            </a:r>
+            <a:r>
+              <a:rPr lang="en-GB" sz="1000" b="0" dirty="0">
+                <a:solidFill>
+                  <a:srgbClr val="008000"/>
+                </a:solidFill>
+                <a:effectLst/>
+                <a:latin typeface="Courier New" panose="02070309020205020404" pitchFamily="49" charset="0"/>
+              </a:rPr>
+              <a:t># 4. Update current state.</a:t>
+            </a:r>
+            <a:br>
+              <a:rPr lang="en-GB" sz="1000" b="0" dirty="0">
+                <a:solidFill>
+                  <a:srgbClr val="000000"/>
+                </a:solidFill>
+                <a:effectLst/>
+                <a:latin typeface="Courier New" panose="02070309020205020404" pitchFamily="49" charset="0"/>
+              </a:rPr>
+            </a:br>
+            <a:r>
+              <a:rPr lang="en-GB" sz="1000" b="0" dirty="0">
+                <a:solidFill>
+                  <a:srgbClr val="000000"/>
+                </a:solidFill>
+                <a:effectLst/>
+                <a:latin typeface="Courier New" panose="02070309020205020404" pitchFamily="49" charset="0"/>
+              </a:rPr>
+              <a:t>		</a:t>
+            </a:r>
+            <a:r>
+              <a:rPr lang="en-GB" sz="1000" b="0" dirty="0">
+                <a:solidFill>
+                  <a:srgbClr val="008000"/>
+                </a:solidFill>
+                <a:effectLst/>
+                <a:latin typeface="Courier New" panose="02070309020205020404" pitchFamily="49" charset="0"/>
+              </a:rPr>
+              <a:t># 5. If we have enough experiences in our memory, learn from a batch with replay.</a:t>
+            </a:r>
+            <a:endParaRPr lang="en-GB" sz="1000" b="0" dirty="0">
+              <a:solidFill>
+                <a:srgbClr val="000000"/>
+              </a:solidFill>
+              <a:effectLst/>
+              <a:latin typeface="Courier New" panose="02070309020205020404" pitchFamily="49" charset="0"/>
+            </a:endParaRPr>
+          </a:p>
+          <a:p>
+            <a:pPr lvl="1" algn="l"/>
+            <a:r>
+              <a:rPr lang="en-GB" sz="1000" b="0" dirty="0">
+                <a:solidFill>
+                  <a:srgbClr val="AF00DB"/>
+                </a:solidFill>
+                <a:effectLst/>
+                <a:latin typeface="Courier New" panose="02070309020205020404" pitchFamily="49" charset="0"/>
+              </a:rPr>
+              <a:t>		if</a:t>
+            </a:r>
+            <a:r>
+              <a:rPr lang="en-GB" sz="1000" b="0" dirty="0">
+                <a:solidFill>
+                  <a:srgbClr val="000000"/>
+                </a:solidFill>
+                <a:effectLst/>
+                <a:latin typeface="Courier New" panose="02070309020205020404" pitchFamily="49" charset="0"/>
+              </a:rPr>
+              <a:t> </a:t>
+            </a:r>
+            <a:r>
+              <a:rPr lang="en-GB" sz="1000" b="0" dirty="0" err="1">
+                <a:solidFill>
+                  <a:srgbClr val="795E26"/>
+                </a:solidFill>
+                <a:effectLst/>
+                <a:latin typeface="Courier New" panose="02070309020205020404" pitchFamily="49" charset="0"/>
+              </a:rPr>
+              <a:t>len</a:t>
+            </a:r>
+            <a:r>
+              <a:rPr lang="en-GB" sz="1000" b="0" dirty="0">
+                <a:solidFill>
+                  <a:srgbClr val="000000"/>
+                </a:solidFill>
+                <a:effectLst/>
+                <a:latin typeface="Courier New" panose="02070309020205020404" pitchFamily="49" charset="0"/>
+              </a:rPr>
+              <a:t>(</a:t>
+            </a:r>
+            <a:r>
+              <a:rPr lang="en-GB" sz="1000" b="0" dirty="0" err="1">
+                <a:solidFill>
+                  <a:srgbClr val="000000"/>
+                </a:solidFill>
+                <a:effectLst/>
+                <a:latin typeface="Courier New" panose="02070309020205020404" pitchFamily="49" charset="0"/>
+              </a:rPr>
+              <a:t>agent.memory</a:t>
+            </a:r>
+            <a:r>
+              <a:rPr lang="en-GB" sz="1000" b="0" dirty="0">
+                <a:solidFill>
+                  <a:srgbClr val="000000"/>
+                </a:solidFill>
+                <a:effectLst/>
+                <a:latin typeface="Courier New" panose="02070309020205020404" pitchFamily="49" charset="0"/>
+              </a:rPr>
+              <a:t>) &gt;= </a:t>
+            </a:r>
+            <a:r>
+              <a:rPr lang="en-GB" sz="1000" b="0" dirty="0" err="1">
+                <a:solidFill>
+                  <a:srgbClr val="000000"/>
+                </a:solidFill>
+                <a:effectLst/>
+                <a:latin typeface="Courier New" panose="02070309020205020404" pitchFamily="49" charset="0"/>
+              </a:rPr>
+              <a:t>batch_size</a:t>
+            </a:r>
+            <a:r>
+              <a:rPr lang="en-GB" sz="1000" b="0" dirty="0">
+                <a:solidFill>
+                  <a:srgbClr val="000000"/>
+                </a:solidFill>
+                <a:effectLst/>
+                <a:latin typeface="Courier New" panose="02070309020205020404" pitchFamily="49" charset="0"/>
+              </a:rPr>
+              <a:t>:</a:t>
+            </a:r>
+          </a:p>
+          <a:p>
+            <a:pPr lvl="1" algn="l" defTabSz="457200">
+              <a:lnSpc>
+                <a:spcPct val="100000"/>
+              </a:lnSpc>
+              <a:defRPr sz="1400">
+                <a:latin typeface="+mn-lt"/>
+                <a:ea typeface="+mn-ea"/>
+                <a:cs typeface="+mn-cs"/>
+                <a:sym typeface="IBM Plex Sans"/>
+              </a:defRPr>
+            </a:pPr>
+            <a:endParaRPr sz="1000" b="1" dirty="0"/>
+          </a:p>
+          <a:p>
+            <a:pPr algn="l" defTabSz="457200">
+              <a:lnSpc>
+                <a:spcPct val="100000"/>
+              </a:lnSpc>
+              <a:defRPr sz="1400">
+                <a:latin typeface="+mn-lt"/>
+                <a:ea typeface="+mn-ea"/>
+                <a:cs typeface="+mn-cs"/>
+                <a:sym typeface="IBM Plex Sans"/>
+              </a:defRPr>
+            </a:pPr>
+            <a:endParaRPr b="1" dirty="0"/>
+          </a:p>
+        </p:txBody>
+      </p:sp>
     </p:spTree>
+    <p:extLst>
+      <p:ext uri="{BB962C8B-B14F-4D97-AF65-F5344CB8AC3E}">
+        <p14:creationId xmlns:p14="http://schemas.microsoft.com/office/powerpoint/2010/main" val="630675851"/>
+      </p:ext>
+    </p:extLst>
+  </p:cSld>
+  <p:clrMapOvr>
+    <a:masterClrMapping/>
+  </p:clrMapOvr>
+  <p:transition spd="med"/>
+</p:sld>
+</file>
+
+<file path=ppt/slides/slide28.xml><?xml version="1.0" encoding="utf-8"?>
+<p:sld xmlns:a="http://schemas.openxmlformats.org/drawingml/2006/main" xmlns:r="http://schemas.openxmlformats.org/officeDocument/2006/relationships" xmlns:p="http://schemas.openxmlformats.org/presentationml/2006/main">
+  <p:cSld>
+    <p:bg>
+      <p:bgPr>
+        <a:solidFill>
+          <a:srgbClr val="D9D9D9"/>
+        </a:solidFill>
+        <a:effectLst/>
+      </p:bgPr>
+    </p:bg>
+    <p:spTree>
+      <p:nvGrpSpPr>
+        <p:cNvPr id="1" name=""/>
+        <p:cNvGrpSpPr/>
+        <p:nvPr/>
+      </p:nvGrpSpPr>
+      <p:grpSpPr>
+        <a:xfrm>
+          <a:off x="0" y="0"/>
+          <a:ext cx="0" cy="0"/>
+          <a:chOff x="0" y="0"/>
+          <a:chExt cx="0" cy="0"/>
+        </a:xfrm>
+      </p:grpSpPr>
+      <p:sp>
+        <p:nvSpPr>
+          <p:cNvPr id="283" name="Google Shape;73;p15"/>
+          <p:cNvSpPr/>
+          <p:nvPr/>
+        </p:nvSpPr>
+        <p:spPr>
+          <a:xfrm>
+            <a:off x="217499" y="245475"/>
+            <a:ext cx="8709002" cy="1"/>
+          </a:xfrm>
+          <a:prstGeom prst="line">
+            <a:avLst/>
+          </a:prstGeom>
+          <a:ln>
+            <a:solidFill>
+              <a:srgbClr val="073763"/>
+            </a:solidFill>
+          </a:ln>
+        </p:spPr>
+        <p:txBody>
+          <a:bodyPr lIns="0" tIns="0" rIns="0" bIns="0"/>
+          <a:lstStyle/>
+          <a:p>
+            <a:pPr algn="l">
+              <a:lnSpc>
+                <a:spcPct val="100000"/>
+              </a:lnSpc>
+              <a:defRPr sz="1400">
+                <a:solidFill>
+                  <a:srgbClr val="000000"/>
+                </a:solidFill>
+                <a:latin typeface="+mj-lt"/>
+                <a:ea typeface="+mj-ea"/>
+                <a:cs typeface="+mj-cs"/>
+                <a:sym typeface="Arial"/>
+              </a:defRPr>
+            </a:pPr>
+            <a:endParaRPr/>
+          </a:p>
+        </p:txBody>
+      </p:sp>
+      <p:sp>
+        <p:nvSpPr>
+          <p:cNvPr id="284" name="Google Shape;124;p20"/>
+          <p:cNvSpPr txBox="1"/>
+          <p:nvPr/>
+        </p:nvSpPr>
+        <p:spPr>
+          <a:xfrm>
+            <a:off x="1037780" y="1527824"/>
+            <a:ext cx="7068440" cy="2292903"/>
+          </a:xfrm>
+          <a:prstGeom prst="rect">
+            <a:avLst/>
+          </a:prstGeom>
+          <a:ln w="12700">
+            <a:miter lim="400000"/>
+          </a:ln>
+          <a:extLst>
+            <a:ext uri="{C572A759-6A51-4108-AA02-DFA0A04FC94B}">
+              <ma14:wrappingTextBoxFlag xmlns:ma14="http://schemas.microsoft.com/office/mac/drawingml/2011/main" xmlns:a14="http://schemas.microsoft.com/office/drawing/2010/main" xmlns:m="http://schemas.openxmlformats.org/officeDocument/2006/math" xmlns="" val="1"/>
+            </a:ext>
+          </a:extLst>
+        </p:spPr>
+        <p:txBody>
+          <a:bodyPr lIns="91424" tIns="91424" rIns="91424" bIns="91424">
+            <a:spAutoFit/>
+          </a:bodyPr>
+          <a:lstStyle/>
+          <a:p>
+            <a:pPr algn="l">
+              <a:lnSpc>
+                <a:spcPct val="100000"/>
+              </a:lnSpc>
+              <a:defRPr sz="4200">
+                <a:solidFill>
+                  <a:srgbClr val="75910B"/>
+                </a:solidFill>
+                <a:latin typeface="+mn-lt"/>
+                <a:ea typeface="+mn-ea"/>
+                <a:cs typeface="+mn-cs"/>
+                <a:sym typeface="IBM Plex Sans"/>
+              </a:defRPr>
+            </a:pPr>
+            <a:r>
+              <a:rPr dirty="0"/>
+              <a:t>LAB 0</a:t>
+            </a:r>
+            <a:r>
+              <a:rPr lang="da-DK" dirty="0"/>
+              <a:t>7</a:t>
+            </a:r>
+            <a:r>
+              <a:rPr dirty="0"/>
+              <a:t> </a:t>
+            </a:r>
+          </a:p>
+          <a:p>
+            <a:pPr algn="l">
+              <a:lnSpc>
+                <a:spcPct val="100000"/>
+              </a:lnSpc>
+              <a:defRPr sz="4200">
+                <a:solidFill>
+                  <a:srgbClr val="75910B"/>
+                </a:solidFill>
+                <a:latin typeface="+mn-lt"/>
+                <a:ea typeface="+mn-ea"/>
+                <a:cs typeface="+mn-cs"/>
+                <a:sym typeface="IBM Plex Sans"/>
+              </a:defRPr>
+            </a:pPr>
+            <a:r>
+              <a:rPr lang="da-DK" dirty="0"/>
+              <a:t>GENETIC</a:t>
+            </a:r>
+            <a:endParaRPr dirty="0"/>
+          </a:p>
+          <a:p>
+            <a:pPr algn="l">
+              <a:lnSpc>
+                <a:spcPct val="100000"/>
+              </a:lnSpc>
+              <a:defRPr sz="4200">
+                <a:solidFill>
+                  <a:srgbClr val="75910B"/>
+                </a:solidFill>
+                <a:latin typeface="+mn-lt"/>
+                <a:ea typeface="+mn-ea"/>
+                <a:cs typeface="+mn-cs"/>
+                <a:sym typeface="IBM Plex Sans"/>
+              </a:defRPr>
+            </a:pPr>
+            <a:endParaRPr dirty="0"/>
+          </a:p>
+          <a:p>
+            <a:pPr algn="l">
+              <a:lnSpc>
+                <a:spcPct val="100000"/>
+              </a:lnSpc>
+              <a:defRPr sz="1100">
+                <a:solidFill>
+                  <a:srgbClr val="75910B"/>
+                </a:solidFill>
+                <a:latin typeface="+mn-lt"/>
+                <a:ea typeface="+mn-ea"/>
+                <a:cs typeface="+mn-cs"/>
+                <a:sym typeface="IBM Plex Sans"/>
+              </a:defRPr>
+            </a:pPr>
+            <a:r>
+              <a:rPr dirty="0"/>
+              <a:t>https://</a:t>
+            </a:r>
+            <a:r>
+              <a:rPr dirty="0" err="1"/>
+              <a:t>colab.research.google.com</a:t>
+            </a:r>
+            <a:r>
+              <a:rPr dirty="0"/>
+              <a:t>/</a:t>
+            </a:r>
+            <a:r>
+              <a:rPr dirty="0" err="1"/>
+              <a:t>github</a:t>
+            </a:r>
+            <a:r>
+              <a:rPr dirty="0"/>
+              <a:t>/</a:t>
+            </a:r>
+            <a:r>
+              <a:rPr dirty="0" err="1"/>
+              <a:t>claireaoi</a:t>
+            </a:r>
+            <a:r>
+              <a:rPr dirty="0"/>
+              <a:t>/</a:t>
+            </a:r>
+            <a:r>
+              <a:rPr dirty="0" err="1"/>
+              <a:t>dlgs</a:t>
+            </a:r>
+            <a:r>
+              <a:rPr dirty="0"/>
+              <a:t>/blob/main/labs/lab</a:t>
+            </a:r>
+            <a:r>
+              <a:rPr lang="da-DK" dirty="0"/>
+              <a:t>7</a:t>
+            </a:r>
+            <a:r>
+              <a:rPr dirty="0"/>
+              <a:t>_</a:t>
+            </a:r>
+            <a:r>
+              <a:rPr lang="da-DK" dirty="0" err="1"/>
+              <a:t>genetic</a:t>
+            </a:r>
+            <a:r>
+              <a:rPr dirty="0"/>
+              <a:t>.ipynb</a:t>
+            </a:r>
+          </a:p>
+        </p:txBody>
+      </p:sp>
+      <p:sp>
+        <p:nvSpPr>
+          <p:cNvPr id="285" name="Google Shape;55;p13"/>
+          <p:cNvSpPr txBox="1"/>
+          <p:nvPr/>
+        </p:nvSpPr>
+        <p:spPr>
+          <a:xfrm>
+            <a:off x="130048" y="0"/>
+            <a:ext cx="3134841" cy="284451"/>
+          </a:xfrm>
+          <a:prstGeom prst="rect">
+            <a:avLst/>
+          </a:prstGeom>
+          <a:ln w="12700">
+            <a:miter lim="400000"/>
+          </a:ln>
+          <a:extLst>
+            <a:ext uri="{C572A759-6A51-4108-AA02-DFA0A04FC94B}">
+              <ma14:wrappingTextBoxFlag xmlns:ma14="http://schemas.microsoft.com/office/mac/drawingml/2011/main" xmlns:a14="http://schemas.microsoft.com/office/drawing/2010/main" xmlns:m="http://schemas.openxmlformats.org/officeDocument/2006/math" xmlns="" val="1"/>
+            </a:ext>
+          </a:extLst>
+        </p:spPr>
+        <p:txBody>
+          <a:bodyPr lIns="91424" tIns="91424" rIns="91424" bIns="91424">
+            <a:spAutoFit/>
+          </a:bodyPr>
+          <a:lstStyle/>
+          <a:p>
+            <a:r>
+              <a:t>Deep Learning for Games and Simulations</a:t>
+            </a:r>
+          </a:p>
+        </p:txBody>
+      </p:sp>
+      <p:sp>
+        <p:nvSpPr>
+          <p:cNvPr id="286" name="Google Shape;56;p13"/>
+          <p:cNvSpPr txBox="1"/>
+          <p:nvPr/>
+        </p:nvSpPr>
+        <p:spPr>
+          <a:xfrm>
+            <a:off x="6600259" y="0"/>
+            <a:ext cx="2384701" cy="284450"/>
+          </a:xfrm>
+          <a:prstGeom prst="rect">
+            <a:avLst/>
+          </a:prstGeom>
+          <a:ln w="12700">
+            <a:miter lim="400000"/>
+          </a:ln>
+          <a:extLst>
+            <a:ext uri="{C572A759-6A51-4108-AA02-DFA0A04FC94B}">
+              <ma14:wrappingTextBoxFlag xmlns:ma14="http://schemas.microsoft.com/office/mac/drawingml/2011/main" xmlns:a14="http://schemas.microsoft.com/office/drawing/2010/main" xmlns:m="http://schemas.openxmlformats.org/officeDocument/2006/math" xmlns="" val="1"/>
+            </a:ext>
+          </a:extLst>
+        </p:spPr>
+        <p:txBody>
+          <a:bodyPr lIns="91424" tIns="91424" rIns="91424" bIns="91424">
+            <a:spAutoFit/>
+          </a:bodyPr>
+          <a:lstStyle/>
+          <a:p>
+            <a:r>
+              <a:t>ITU Copenhagen, Fall 2023</a:t>
+            </a:r>
+          </a:p>
+        </p:txBody>
+      </p:sp>
+    </p:spTree>
+    <p:extLst>
+      <p:ext uri="{BB962C8B-B14F-4D97-AF65-F5344CB8AC3E}">
+        <p14:creationId xmlns:p14="http://schemas.microsoft.com/office/powerpoint/2010/main" val="3555731749"/>
+      </p:ext>
+    </p:extLst>
+  </p:cSld>
+  <p:clrMapOvr>
+    <a:masterClrMapping/>
+  </p:clrMapOvr>
+  <p:transition spd="med"/>
+</p:sld>
+</file>
+
+<file path=ppt/slides/slide29.xml><?xml version="1.0" encoding="utf-8"?>
+<p:sld xmlns:a="http://schemas.openxmlformats.org/drawingml/2006/main" xmlns:r="http://schemas.openxmlformats.org/officeDocument/2006/relationships" xmlns:p="http://schemas.openxmlformats.org/presentationml/2006/main">
+  <p:cSld>
+    <p:bg>
+      <p:bgPr>
+        <a:solidFill>
+          <a:srgbClr val="D9D9D9"/>
+        </a:solidFill>
+        <a:effectLst/>
+      </p:bgPr>
+    </p:bg>
+    <p:spTree>
+      <p:nvGrpSpPr>
+        <p:cNvPr id="1" name=""/>
+        <p:cNvGrpSpPr/>
+        <p:nvPr/>
+      </p:nvGrpSpPr>
+      <p:grpSpPr>
+        <a:xfrm>
+          <a:off x="0" y="0"/>
+          <a:ext cx="0" cy="0"/>
+          <a:chOff x="0" y="0"/>
+          <a:chExt cx="0" cy="0"/>
+        </a:xfrm>
+      </p:grpSpPr>
+      <p:sp>
+        <p:nvSpPr>
+          <p:cNvPr id="248" name="Google Shape;73;p15"/>
+          <p:cNvSpPr/>
+          <p:nvPr/>
+        </p:nvSpPr>
+        <p:spPr>
+          <a:xfrm>
+            <a:off x="217499" y="245475"/>
+            <a:ext cx="8709002" cy="1"/>
+          </a:xfrm>
+          <a:prstGeom prst="line">
+            <a:avLst/>
+          </a:prstGeom>
+          <a:ln>
+            <a:solidFill>
+              <a:srgbClr val="073763"/>
+            </a:solidFill>
+          </a:ln>
+        </p:spPr>
+        <p:txBody>
+          <a:bodyPr lIns="0" tIns="0" rIns="0" bIns="0"/>
+          <a:lstStyle/>
+          <a:p>
+            <a:pPr algn="l">
+              <a:lnSpc>
+                <a:spcPct val="100000"/>
+              </a:lnSpc>
+              <a:defRPr sz="1400">
+                <a:solidFill>
+                  <a:srgbClr val="000000"/>
+                </a:solidFill>
+                <a:latin typeface="+mj-lt"/>
+                <a:ea typeface="+mj-ea"/>
+                <a:cs typeface="+mj-cs"/>
+                <a:sym typeface="Arial"/>
+              </a:defRPr>
+            </a:pPr>
+            <a:endParaRPr/>
+          </a:p>
+        </p:txBody>
+      </p:sp>
+      <p:sp>
+        <p:nvSpPr>
+          <p:cNvPr id="249" name="Google Shape;124;p20"/>
+          <p:cNvSpPr txBox="1"/>
+          <p:nvPr/>
+        </p:nvSpPr>
+        <p:spPr>
+          <a:xfrm>
+            <a:off x="385389" y="938568"/>
+            <a:ext cx="3264047" cy="3231622"/>
+          </a:xfrm>
+          <a:prstGeom prst="rect">
+            <a:avLst/>
+          </a:prstGeom>
+          <a:ln w="12700">
+            <a:miter lim="400000"/>
+          </a:ln>
+          <a:extLst>
+            <a:ext uri="{C572A759-6A51-4108-AA02-DFA0A04FC94B}">
+              <ma14:wrappingTextBoxFlag xmlns:ma14="http://schemas.microsoft.com/office/mac/drawingml/2011/main" xmlns:a14="http://schemas.microsoft.com/office/drawing/2010/main" xmlns:m="http://schemas.openxmlformats.org/officeDocument/2006/math" xmlns="" val="1"/>
+            </a:ext>
+          </a:extLst>
+        </p:spPr>
+        <p:txBody>
+          <a:bodyPr wrap="square" lIns="91424" tIns="91424" rIns="91424" bIns="91424">
+            <a:spAutoFit/>
+          </a:bodyPr>
+          <a:lstStyle>
+            <a:lvl1pPr algn="l">
+              <a:lnSpc>
+                <a:spcPct val="100000"/>
+              </a:lnSpc>
+              <a:defRPr sz="2200">
+                <a:solidFill>
+                  <a:srgbClr val="75910B"/>
+                </a:solidFill>
+                <a:latin typeface="+mn-lt"/>
+                <a:ea typeface="+mn-ea"/>
+                <a:cs typeface="+mn-cs"/>
+                <a:sym typeface="IBM Plex Sans"/>
+              </a:defRPr>
+            </a:lvl1pPr>
+          </a:lstStyle>
+          <a:p>
+            <a:endParaRPr lang="da-DK" dirty="0"/>
+          </a:p>
+          <a:p>
+            <a:r>
+              <a:rPr lang="da-DK" dirty="0"/>
+              <a:t>(1) ES Optimum</a:t>
+            </a:r>
+          </a:p>
+          <a:p>
+            <a:endParaRPr lang="da-DK" dirty="0"/>
+          </a:p>
+          <a:p>
+            <a:endParaRPr lang="da-DK" dirty="0"/>
+          </a:p>
+          <a:p>
+            <a:endParaRPr lang="da-DK" dirty="0"/>
+          </a:p>
+          <a:p>
+            <a:endParaRPr lang="da-DK" dirty="0"/>
+          </a:p>
+          <a:p>
+            <a:endParaRPr lang="da-DK" dirty="0"/>
+          </a:p>
+          <a:p>
+            <a:r>
+              <a:rPr lang="da-DK" dirty="0"/>
+              <a:t>(2) </a:t>
+            </a:r>
+            <a:r>
+              <a:rPr lang="da-DK" dirty="0" err="1"/>
+              <a:t>Evolve</a:t>
+            </a:r>
+            <a:r>
+              <a:rPr lang="da-DK" dirty="0"/>
+              <a:t> a </a:t>
+            </a:r>
+            <a:r>
+              <a:rPr lang="da-DK" dirty="0" err="1"/>
+              <a:t>GamingNN</a:t>
+            </a:r>
+            <a:endParaRPr lang="da-DK" dirty="0"/>
+          </a:p>
+          <a:p>
+            <a:endParaRPr dirty="0"/>
+          </a:p>
+        </p:txBody>
+      </p:sp>
+      <p:sp>
+        <p:nvSpPr>
+          <p:cNvPr id="250" name="Google Shape;55;p13"/>
+          <p:cNvSpPr txBox="1"/>
+          <p:nvPr/>
+        </p:nvSpPr>
+        <p:spPr>
+          <a:xfrm>
+            <a:off x="130048" y="0"/>
+            <a:ext cx="3134841" cy="284451"/>
+          </a:xfrm>
+          <a:prstGeom prst="rect">
+            <a:avLst/>
+          </a:prstGeom>
+          <a:ln w="12700">
+            <a:miter lim="400000"/>
+          </a:ln>
+          <a:extLst>
+            <a:ext uri="{C572A759-6A51-4108-AA02-DFA0A04FC94B}">
+              <ma14:wrappingTextBoxFlag xmlns:ma14="http://schemas.microsoft.com/office/mac/drawingml/2011/main" xmlns:a14="http://schemas.microsoft.com/office/drawing/2010/main" xmlns:m="http://schemas.openxmlformats.org/officeDocument/2006/math" xmlns="" val="1"/>
+            </a:ext>
+          </a:extLst>
+        </p:spPr>
+        <p:txBody>
+          <a:bodyPr lIns="91424" tIns="91424" rIns="91424" bIns="91424">
+            <a:spAutoFit/>
+          </a:bodyPr>
+          <a:lstStyle/>
+          <a:p>
+            <a:r>
+              <a:t>Deep Learning for Games and Simulations</a:t>
+            </a:r>
+          </a:p>
+        </p:txBody>
+      </p:sp>
+      <p:sp>
+        <p:nvSpPr>
+          <p:cNvPr id="251" name="Google Shape;56;p13"/>
+          <p:cNvSpPr txBox="1"/>
+          <p:nvPr/>
+        </p:nvSpPr>
+        <p:spPr>
+          <a:xfrm>
+            <a:off x="6600259" y="0"/>
+            <a:ext cx="2384701" cy="284450"/>
+          </a:xfrm>
+          <a:prstGeom prst="rect">
+            <a:avLst/>
+          </a:prstGeom>
+          <a:ln w="12700">
+            <a:miter lim="400000"/>
+          </a:ln>
+          <a:extLst>
+            <a:ext uri="{C572A759-6A51-4108-AA02-DFA0A04FC94B}">
+              <ma14:wrappingTextBoxFlag xmlns:ma14="http://schemas.microsoft.com/office/mac/drawingml/2011/main" xmlns:a14="http://schemas.microsoft.com/office/drawing/2010/main" xmlns:m="http://schemas.openxmlformats.org/officeDocument/2006/math" xmlns="" val="1"/>
+            </a:ext>
+          </a:extLst>
+        </p:spPr>
+        <p:txBody>
+          <a:bodyPr lIns="91424" tIns="91424" rIns="91424" bIns="91424">
+            <a:spAutoFit/>
+          </a:bodyPr>
+          <a:lstStyle/>
+          <a:p>
+            <a:r>
+              <a:t>ITU Copenhagen, Fall 2023</a:t>
+            </a:r>
+          </a:p>
+        </p:txBody>
+      </p:sp>
+      <p:sp>
+        <p:nvSpPr>
+          <p:cNvPr id="252" name="Environment:…"/>
+          <p:cNvSpPr txBox="1"/>
+          <p:nvPr/>
+        </p:nvSpPr>
+        <p:spPr>
+          <a:xfrm>
+            <a:off x="3396343" y="1166231"/>
+            <a:ext cx="5294236" cy="584775"/>
+          </a:xfrm>
+          <a:prstGeom prst="rect">
+            <a:avLst/>
+          </a:prstGeom>
+          <a:ln w="12700">
+            <a:miter lim="400000"/>
+          </a:ln>
+          <a:extLst>
+            <a:ext uri="{C572A759-6A51-4108-AA02-DFA0A04FC94B}">
+              <ma14:wrappingTextBoxFlag xmlns:ma14="http://schemas.microsoft.com/office/mac/drawingml/2011/main" xmlns:a14="http://schemas.microsoft.com/office/drawing/2010/main" xmlns:m="http://schemas.openxmlformats.org/officeDocument/2006/math" xmlns="" val="1"/>
+            </a:ext>
+          </a:extLst>
+        </p:spPr>
+        <p:txBody>
+          <a:bodyPr wrap="square" lIns="0" tIns="0" rIns="0" bIns="0">
+            <a:spAutoFit/>
+          </a:bodyPr>
+          <a:lstStyle/>
+          <a:p>
+            <a:pPr algn="l">
+              <a:lnSpc>
+                <a:spcPct val="100000"/>
+              </a:lnSpc>
+              <a:defRPr sz="1400">
+                <a:solidFill>
+                  <a:srgbClr val="000000"/>
+                </a:solidFill>
+                <a:latin typeface="Helvetica"/>
+                <a:ea typeface="Helvetica"/>
+                <a:cs typeface="Helvetica"/>
+                <a:sym typeface="Helvetica"/>
+              </a:defRPr>
+            </a:pPr>
+            <a:endParaRPr lang="en-DK" b="1" dirty="0"/>
+          </a:p>
+          <a:p>
+            <a:pPr lvl="1" algn="l" defTabSz="457200">
+              <a:lnSpc>
+                <a:spcPct val="100000"/>
+              </a:lnSpc>
+              <a:defRPr sz="1400">
+                <a:latin typeface="+mn-lt"/>
+                <a:ea typeface="+mn-ea"/>
+                <a:cs typeface="+mn-cs"/>
+                <a:sym typeface="IBM Plex Sans"/>
+              </a:defRPr>
+            </a:pPr>
+            <a:endParaRPr sz="1000" b="1" dirty="0"/>
+          </a:p>
+          <a:p>
+            <a:pPr algn="l" defTabSz="457200">
+              <a:lnSpc>
+                <a:spcPct val="100000"/>
+              </a:lnSpc>
+              <a:defRPr sz="1400">
+                <a:latin typeface="+mn-lt"/>
+                <a:ea typeface="+mn-ea"/>
+                <a:cs typeface="+mn-cs"/>
+                <a:sym typeface="IBM Plex Sans"/>
+              </a:defRPr>
+            </a:pPr>
+            <a:endParaRPr b="1" dirty="0"/>
+          </a:p>
+        </p:txBody>
+      </p:sp>
+      <p:sp>
+        <p:nvSpPr>
+          <p:cNvPr id="3" name="TextBox 2">
+            <a:extLst>
+              <a:ext uri="{FF2B5EF4-FFF2-40B4-BE49-F238E27FC236}">
+                <a16:creationId xmlns:a16="http://schemas.microsoft.com/office/drawing/2014/main" id="{97F4E832-82A0-63B3-D441-1398C5EB98FA}"/>
+              </a:ext>
+            </a:extLst>
+          </p:cNvPr>
+          <p:cNvSpPr txBox="1"/>
+          <p:nvPr/>
+        </p:nvSpPr>
+        <p:spPr>
+          <a:xfrm>
+            <a:off x="4092196" y="1127257"/>
+            <a:ext cx="3902529" cy="2285241"/>
+          </a:xfrm>
+          <a:prstGeom prst="rect">
+            <a:avLst/>
+          </a:prstGeom>
+          <a:noFill/>
+          <a:ln w="12700" cap="flat">
+            <a:noFill/>
+            <a:miter lim="400000"/>
+          </a:ln>
+          <a:effectLst/>
+          <a:sp3d/>
+        </p:spPr>
+        <p:style>
+          <a:lnRef idx="0">
+            <a:scrgbClr r="0" g="0" b="0"/>
+          </a:lnRef>
+          <a:fillRef idx="0">
+            <a:scrgbClr r="0" g="0" b="0"/>
+          </a:fillRef>
+          <a:effectRef idx="0">
+            <a:scrgbClr r="0" g="0" b="0"/>
+          </a:effectRef>
+          <a:fontRef idx="none"/>
+        </p:style>
+        <p:txBody>
+          <a:bodyPr wrap="square">
+            <a:spAutoFit/>
+          </a:bodyPr>
+          <a:lstStyle/>
+          <a:p>
+            <a:pPr algn="l"/>
+            <a:endParaRPr lang="en-GB" sz="1200" b="0" dirty="0">
+              <a:solidFill>
+                <a:srgbClr val="0000FF"/>
+              </a:solidFill>
+              <a:effectLst/>
+              <a:latin typeface="Courier New" panose="02070309020205020404" pitchFamily="49" charset="0"/>
+            </a:endParaRPr>
+          </a:p>
+          <a:p>
+            <a:pPr algn="l"/>
+            <a:endParaRPr lang="en-GB" sz="1200" dirty="0">
+              <a:solidFill>
+                <a:srgbClr val="0000FF"/>
+              </a:solidFill>
+              <a:latin typeface="Courier New" panose="02070309020205020404" pitchFamily="49" charset="0"/>
+            </a:endParaRPr>
+          </a:p>
+          <a:p>
+            <a:pPr algn="l"/>
+            <a:endParaRPr lang="en-GB" sz="1200" dirty="0">
+              <a:solidFill>
+                <a:srgbClr val="0000FF"/>
+              </a:solidFill>
+              <a:latin typeface="Courier New" panose="02070309020205020404" pitchFamily="49" charset="0"/>
+            </a:endParaRPr>
+          </a:p>
+          <a:p>
+            <a:pPr algn="l"/>
+            <a:r>
+              <a:rPr lang="en-GB" sz="1200" b="0" dirty="0">
+                <a:solidFill>
+                  <a:srgbClr val="000000"/>
+                </a:solidFill>
+                <a:effectLst/>
+                <a:latin typeface="Courier New" panose="02070309020205020404" pitchFamily="49" charset="0"/>
+              </a:rPr>
+              <a:t>Setup a Game Environment as Lunar Lander</a:t>
+            </a:r>
+          </a:p>
+          <a:p>
+            <a:pPr algn="l"/>
+            <a:r>
+              <a:rPr lang="en-GB" sz="1200" b="0" dirty="0">
+                <a:solidFill>
+                  <a:srgbClr val="000000"/>
+                </a:solidFill>
+                <a:effectLst/>
+                <a:latin typeface="Courier New" panose="02070309020205020404" pitchFamily="49" charset="0"/>
+              </a:rPr>
+              <a:t>(The fitness can be the game reward)</a:t>
+            </a:r>
+          </a:p>
+          <a:p>
+            <a:pPr algn="l"/>
+            <a:r>
+              <a:rPr lang="en-GB" sz="1200" b="0" dirty="0">
+                <a:solidFill>
+                  <a:srgbClr val="000000"/>
+                </a:solidFill>
+                <a:effectLst/>
+                <a:latin typeface="Courier New" panose="02070309020205020404" pitchFamily="49" charset="0"/>
+              </a:rPr>
+              <a:t>Define a Neural Network</a:t>
+            </a:r>
+            <a:br>
+              <a:rPr lang="en-GB" sz="1200" b="0" dirty="0">
+                <a:solidFill>
+                  <a:srgbClr val="000000"/>
+                </a:solidFill>
+                <a:effectLst/>
+                <a:latin typeface="Courier New" panose="02070309020205020404" pitchFamily="49" charset="0"/>
+              </a:rPr>
+            </a:br>
+            <a:r>
+              <a:rPr lang="en-GB" sz="1200" b="0" dirty="0">
+                <a:solidFill>
+                  <a:srgbClr val="000000"/>
+                </a:solidFill>
+                <a:effectLst/>
+                <a:latin typeface="Courier New" panose="02070309020205020404" pitchFamily="49" charset="0"/>
+              </a:rPr>
+              <a:t>Choose an Evolutionary Strategy</a:t>
+            </a:r>
+            <a:br>
+              <a:rPr lang="en-GB" sz="1200" b="0" dirty="0">
+                <a:solidFill>
+                  <a:srgbClr val="000000"/>
+                </a:solidFill>
+                <a:effectLst/>
+                <a:latin typeface="Courier New" panose="02070309020205020404" pitchFamily="49" charset="0"/>
+              </a:rPr>
+            </a:br>
+            <a:r>
+              <a:rPr lang="en-GB" sz="1200" b="0" dirty="0">
+                <a:solidFill>
+                  <a:srgbClr val="000000"/>
+                </a:solidFill>
+                <a:effectLst/>
+                <a:latin typeface="Courier New" panose="02070309020205020404" pitchFamily="49" charset="0"/>
+              </a:rPr>
+              <a:t>Evolve the Network</a:t>
+            </a:r>
+          </a:p>
+        </p:txBody>
+      </p:sp>
+      <p:sp>
+        <p:nvSpPr>
+          <p:cNvPr id="4" name="TextBox 3">
+            <a:extLst>
+              <a:ext uri="{FF2B5EF4-FFF2-40B4-BE49-F238E27FC236}">
+                <a16:creationId xmlns:a16="http://schemas.microsoft.com/office/drawing/2014/main" id="{B1D2C1D4-1865-132B-3F82-2A6755028BEF}"/>
+              </a:ext>
+            </a:extLst>
+          </p:cNvPr>
+          <p:cNvSpPr txBox="1"/>
+          <p:nvPr/>
+        </p:nvSpPr>
+        <p:spPr>
+          <a:xfrm>
+            <a:off x="465477" y="4016243"/>
+            <a:ext cx="3183959" cy="900246"/>
+          </a:xfrm>
+          <a:prstGeom prst="rect">
+            <a:avLst/>
+          </a:prstGeom>
+          <a:noFill/>
+          <a:ln w="12700" cap="flat">
+            <a:noFill/>
+            <a:miter lim="400000"/>
+          </a:ln>
+          <a:effectLst/>
+          <a:sp3d/>
+        </p:spPr>
+        <p:style>
+          <a:lnRef idx="0">
+            <a:scrgbClr r="0" g="0" b="0"/>
+          </a:lnRef>
+          <a:fillRef idx="0">
+            <a:scrgbClr r="0" g="0" b="0"/>
+          </a:fillRef>
+          <a:effectRef idx="0">
+            <a:scrgbClr r="0" g="0" b="0"/>
+          </a:effectRef>
+          <a:fontRef idx="none"/>
+        </p:style>
+        <p:txBody>
+          <a:bodyPr wrap="square">
+            <a:spAutoFit/>
+          </a:bodyPr>
+          <a:lstStyle/>
+          <a:p>
+            <a:pPr algn="l"/>
+            <a:r>
+              <a:rPr lang="en-GB" sz="1200" b="0" dirty="0">
+                <a:solidFill>
+                  <a:schemeClr val="bg1">
+                    <a:lumMod val="50000"/>
+                  </a:schemeClr>
+                </a:solidFill>
+                <a:effectLst/>
+                <a:latin typeface="Courier New" panose="02070309020205020404" pitchFamily="49" charset="0"/>
+              </a:rPr>
+              <a:t>#For Box2D you </a:t>
+            </a:r>
+            <a:r>
+              <a:rPr lang="en-GB" sz="1200" dirty="0">
+                <a:solidFill>
+                  <a:schemeClr val="bg1">
+                    <a:lumMod val="50000"/>
+                  </a:schemeClr>
+                </a:solidFill>
+                <a:latin typeface="Courier New" panose="02070309020205020404" pitchFamily="49" charset="0"/>
+              </a:rPr>
+              <a:t>may need install:</a:t>
+            </a:r>
+          </a:p>
+          <a:p>
+            <a:pPr algn="l"/>
+            <a:r>
+              <a:rPr lang="en-GB" sz="1200" b="0" dirty="0">
+                <a:solidFill>
+                  <a:schemeClr val="bg1">
+                    <a:lumMod val="50000"/>
+                  </a:schemeClr>
+                </a:solidFill>
+                <a:effectLst/>
+                <a:latin typeface="Courier New" panose="02070309020205020404" pitchFamily="49" charset="0"/>
+              </a:rPr>
+              <a:t>!pip install swig</a:t>
+            </a:r>
+          </a:p>
+          <a:p>
+            <a:pPr algn="l"/>
+            <a:r>
+              <a:rPr lang="en-GB" sz="1200" b="0" dirty="0">
+                <a:solidFill>
+                  <a:schemeClr val="bg1">
+                    <a:lumMod val="50000"/>
+                  </a:schemeClr>
+                </a:solidFill>
+                <a:effectLst/>
+                <a:latin typeface="Courier New" panose="02070309020205020404" pitchFamily="49" charset="0"/>
+              </a:rPr>
+              <a:t>!pip install gym[box2D]</a:t>
+            </a:r>
+          </a:p>
+        </p:txBody>
+      </p:sp>
+    </p:spTree>
+    <p:extLst>
+      <p:ext uri="{BB962C8B-B14F-4D97-AF65-F5344CB8AC3E}">
+        <p14:creationId xmlns:p14="http://schemas.microsoft.com/office/powerpoint/2010/main" val="494746275"/>
+      </p:ext>
+    </p:extLst>
   </p:cSld>
   <p:clrMapOvr>
     <a:masterClrMapping/>
@@ -11513,7 +13267,7 @@
           </a:ln>
           <a:extLst>
             <a:ext uri="{C572A759-6A51-4108-AA02-DFA0A04FC94B}">
-              <ma14:wrappingTextBoxFlag xmlns:ma14="http://schemas.microsoft.com/office/mac/drawingml/2011/main" xmlns:a14="http://schemas.microsoft.com/office/drawing/2010/main" xmlns:m="http://schemas.openxmlformats.org/officeDocument/2006/math" xmlns="" val="1"/>
+              <ma14:wrappingTextBoxFlag xmlns="" xmlns:m="http://schemas.openxmlformats.org/officeDocument/2006/math" xmlns:a14="http://schemas.microsoft.com/office/drawing/2010/main" xmlns:ma14="http://schemas.microsoft.com/office/mac/drawingml/2011/main" val="1"/>
             </a:ext>
           </a:extLst>
         </p:spPr>
@@ -11581,7 +13335,7 @@
           </a:ln>
           <a:extLst>
             <a:ext uri="{C572A759-6A51-4108-AA02-DFA0A04FC94B}">
-              <ma14:wrappingTextBoxFlag xmlns:ma14="http://schemas.microsoft.com/office/mac/drawingml/2011/main" xmlns:a14="http://schemas.microsoft.com/office/drawing/2010/main" xmlns:m="http://schemas.openxmlformats.org/officeDocument/2006/math" xmlns="" val="1"/>
+              <ma14:wrappingTextBoxFlag xmlns="" xmlns:m="http://schemas.openxmlformats.org/officeDocument/2006/math" xmlns:a14="http://schemas.microsoft.com/office/drawing/2010/main" xmlns:ma14="http://schemas.microsoft.com/office/mac/drawingml/2011/main" val="1"/>
             </a:ext>
           </a:extLst>
         </p:spPr>
@@ -11616,7 +13370,7 @@
           </a:ln>
           <a:extLst>
             <a:ext uri="{C572A759-6A51-4108-AA02-DFA0A04FC94B}">
-              <ma14:wrappingTextBoxFlag xmlns:ma14="http://schemas.microsoft.com/office/mac/drawingml/2011/main" xmlns:a14="http://schemas.microsoft.com/office/drawing/2010/main" xmlns:m="http://schemas.openxmlformats.org/officeDocument/2006/math" xmlns="" val="1"/>
+              <ma14:wrappingTextBoxFlag xmlns="" xmlns:m="http://schemas.openxmlformats.org/officeDocument/2006/math" xmlns:a14="http://schemas.microsoft.com/office/drawing/2010/main" xmlns:ma14="http://schemas.microsoft.com/office/mac/drawingml/2011/main" val="1"/>
             </a:ext>
           </a:extLst>
         </p:spPr>
@@ -11678,7 +13432,7 @@
           </a:ln>
           <a:extLst>
             <a:ext uri="{C572A759-6A51-4108-AA02-DFA0A04FC94B}">
-              <ma14:wrappingTextBoxFlag xmlns:ma14="http://schemas.microsoft.com/office/mac/drawingml/2011/main" xmlns:a14="http://schemas.microsoft.com/office/drawing/2010/main" xmlns:m="http://schemas.openxmlformats.org/officeDocument/2006/math" xmlns="" val="1"/>
+              <ma14:wrappingTextBoxFlag xmlns="" xmlns:m="http://schemas.openxmlformats.org/officeDocument/2006/math" xmlns:a14="http://schemas.microsoft.com/office/drawing/2010/main" xmlns:ma14="http://schemas.microsoft.com/office/mac/drawingml/2011/main" val="1"/>
             </a:ext>
           </a:extLst>
         </p:spPr>
@@ -11699,6 +13453,545 @@
         </p:txBody>
       </p:sp>
     </p:spTree>
+  </p:cSld>
+  <p:clrMapOvr>
+    <a:masterClrMapping/>
+  </p:clrMapOvr>
+  <p:transition spd="med"/>
+</p:sld>
+</file>
+
+<file path=ppt/slides/slide30.xml><?xml version="1.0" encoding="utf-8"?>
+<p:sld xmlns:a="http://schemas.openxmlformats.org/drawingml/2006/main" xmlns:r="http://schemas.openxmlformats.org/officeDocument/2006/relationships" xmlns:p="http://schemas.openxmlformats.org/presentationml/2006/main">
+  <p:cSld>
+    <p:bg>
+      <p:bgPr>
+        <a:solidFill>
+          <a:srgbClr val="D9D9D9"/>
+        </a:solidFill>
+        <a:effectLst/>
+      </p:bgPr>
+    </p:bg>
+    <p:spTree>
+      <p:nvGrpSpPr>
+        <p:cNvPr id="1" name=""/>
+        <p:cNvGrpSpPr/>
+        <p:nvPr/>
+      </p:nvGrpSpPr>
+      <p:grpSpPr>
+        <a:xfrm>
+          <a:off x="0" y="0"/>
+          <a:ext cx="0" cy="0"/>
+          <a:chOff x="0" y="0"/>
+          <a:chExt cx="0" cy="0"/>
+        </a:xfrm>
+      </p:grpSpPr>
+      <p:sp>
+        <p:nvSpPr>
+          <p:cNvPr id="248" name="Google Shape;73;p15"/>
+          <p:cNvSpPr/>
+          <p:nvPr/>
+        </p:nvSpPr>
+        <p:spPr>
+          <a:xfrm>
+            <a:off x="217499" y="245475"/>
+            <a:ext cx="8709002" cy="1"/>
+          </a:xfrm>
+          <a:prstGeom prst="line">
+            <a:avLst/>
+          </a:prstGeom>
+          <a:ln>
+            <a:solidFill>
+              <a:srgbClr val="073763"/>
+            </a:solidFill>
+          </a:ln>
+        </p:spPr>
+        <p:txBody>
+          <a:bodyPr lIns="0" tIns="0" rIns="0" bIns="0"/>
+          <a:lstStyle/>
+          <a:p>
+            <a:pPr algn="l">
+              <a:lnSpc>
+                <a:spcPct val="100000"/>
+              </a:lnSpc>
+              <a:defRPr sz="1400">
+                <a:solidFill>
+                  <a:srgbClr val="000000"/>
+                </a:solidFill>
+                <a:latin typeface="+mj-lt"/>
+                <a:ea typeface="+mj-ea"/>
+                <a:cs typeface="+mj-cs"/>
+                <a:sym typeface="Arial"/>
+              </a:defRPr>
+            </a:pPr>
+            <a:endParaRPr/>
+          </a:p>
+        </p:txBody>
+      </p:sp>
+      <p:sp>
+        <p:nvSpPr>
+          <p:cNvPr id="249" name="Google Shape;124;p20"/>
+          <p:cNvSpPr txBox="1"/>
+          <p:nvPr/>
+        </p:nvSpPr>
+        <p:spPr>
+          <a:xfrm>
+            <a:off x="385389" y="938568"/>
+            <a:ext cx="2924019" cy="3231622"/>
+          </a:xfrm>
+          <a:prstGeom prst="rect">
+            <a:avLst/>
+          </a:prstGeom>
+          <a:ln w="12700">
+            <a:miter lim="400000"/>
+          </a:ln>
+          <a:extLst>
+            <a:ext uri="{C572A759-6A51-4108-AA02-DFA0A04FC94B}">
+              <ma14:wrappingTextBoxFlag xmlns="" xmlns:m="http://schemas.openxmlformats.org/officeDocument/2006/math" xmlns:a14="http://schemas.microsoft.com/office/drawing/2010/main" xmlns:ma14="http://schemas.microsoft.com/office/mac/drawingml/2011/main" val="1"/>
+            </a:ext>
+          </a:extLst>
+        </p:spPr>
+        <p:txBody>
+          <a:bodyPr lIns="91424" tIns="91424" rIns="91424" bIns="91424">
+            <a:spAutoFit/>
+          </a:bodyPr>
+          <a:lstStyle>
+            <a:lvl1pPr algn="l">
+              <a:lnSpc>
+                <a:spcPct val="100000"/>
+              </a:lnSpc>
+              <a:defRPr sz="2200">
+                <a:solidFill>
+                  <a:srgbClr val="75910B"/>
+                </a:solidFill>
+                <a:latin typeface="+mn-lt"/>
+                <a:ea typeface="+mn-ea"/>
+                <a:cs typeface="+mn-cs"/>
+                <a:sym typeface="IBM Plex Sans"/>
+              </a:defRPr>
+            </a:lvl1pPr>
+          </a:lstStyle>
+          <a:p>
+            <a:endParaRPr lang="da-DK" dirty="0"/>
+          </a:p>
+          <a:p>
+            <a:r>
+              <a:rPr lang="da-DK" dirty="0"/>
+              <a:t>(3) </a:t>
+            </a:r>
+            <a:r>
+              <a:rPr lang="da-DK" dirty="0" err="1"/>
+              <a:t>Hebbian</a:t>
+            </a:r>
+            <a:r>
+              <a:rPr lang="da-DK" dirty="0"/>
+              <a:t> Learning</a:t>
+            </a:r>
+          </a:p>
+          <a:p>
+            <a:endParaRPr lang="da-DK" dirty="0"/>
+          </a:p>
+          <a:p>
+            <a:endParaRPr lang="da-DK" dirty="0"/>
+          </a:p>
+          <a:p>
+            <a:endParaRPr lang="da-DK" dirty="0"/>
+          </a:p>
+          <a:p>
+            <a:endParaRPr lang="da-DK" dirty="0"/>
+          </a:p>
+          <a:p>
+            <a:endParaRPr lang="da-DK" dirty="0"/>
+          </a:p>
+          <a:p>
+            <a:r>
+              <a:rPr lang="da-DK" dirty="0"/>
+              <a:t>(4) H</a:t>
+            </a:r>
+          </a:p>
+          <a:p>
+            <a:endParaRPr dirty="0"/>
+          </a:p>
+        </p:txBody>
+      </p:sp>
+      <p:sp>
+        <p:nvSpPr>
+          <p:cNvPr id="250" name="Google Shape;55;p13"/>
+          <p:cNvSpPr txBox="1"/>
+          <p:nvPr/>
+        </p:nvSpPr>
+        <p:spPr>
+          <a:xfrm>
+            <a:off x="130048" y="0"/>
+            <a:ext cx="3134841" cy="284451"/>
+          </a:xfrm>
+          <a:prstGeom prst="rect">
+            <a:avLst/>
+          </a:prstGeom>
+          <a:ln w="12700">
+            <a:miter lim="400000"/>
+          </a:ln>
+          <a:extLst>
+            <a:ext uri="{C572A759-6A51-4108-AA02-DFA0A04FC94B}">
+              <ma14:wrappingTextBoxFlag xmlns="" xmlns:m="http://schemas.openxmlformats.org/officeDocument/2006/math" xmlns:a14="http://schemas.microsoft.com/office/drawing/2010/main" xmlns:ma14="http://schemas.microsoft.com/office/mac/drawingml/2011/main" val="1"/>
+            </a:ext>
+          </a:extLst>
+        </p:spPr>
+        <p:txBody>
+          <a:bodyPr lIns="91424" tIns="91424" rIns="91424" bIns="91424">
+            <a:spAutoFit/>
+          </a:bodyPr>
+          <a:lstStyle/>
+          <a:p>
+            <a:r>
+              <a:t>Deep Learning for Games and Simulations</a:t>
+            </a:r>
+          </a:p>
+        </p:txBody>
+      </p:sp>
+      <p:sp>
+        <p:nvSpPr>
+          <p:cNvPr id="251" name="Google Shape;56;p13"/>
+          <p:cNvSpPr txBox="1"/>
+          <p:nvPr/>
+        </p:nvSpPr>
+        <p:spPr>
+          <a:xfrm>
+            <a:off x="6600259" y="0"/>
+            <a:ext cx="2384701" cy="284450"/>
+          </a:xfrm>
+          <a:prstGeom prst="rect">
+            <a:avLst/>
+          </a:prstGeom>
+          <a:ln w="12700">
+            <a:miter lim="400000"/>
+          </a:ln>
+          <a:extLst>
+            <a:ext uri="{C572A759-6A51-4108-AA02-DFA0A04FC94B}">
+              <ma14:wrappingTextBoxFlag xmlns="" xmlns:m="http://schemas.openxmlformats.org/officeDocument/2006/math" xmlns:a14="http://schemas.microsoft.com/office/drawing/2010/main" xmlns:ma14="http://schemas.microsoft.com/office/mac/drawingml/2011/main" val="1"/>
+            </a:ext>
+          </a:extLst>
+        </p:spPr>
+        <p:txBody>
+          <a:bodyPr lIns="91424" tIns="91424" rIns="91424" bIns="91424">
+            <a:spAutoFit/>
+          </a:bodyPr>
+          <a:lstStyle/>
+          <a:p>
+            <a:r>
+              <a:t>ITU Copenhagen, Fall 2023</a:t>
+            </a:r>
+          </a:p>
+        </p:txBody>
+      </p:sp>
+      <p:sp>
+        <p:nvSpPr>
+          <p:cNvPr id="252" name="Environment:…"/>
+          <p:cNvSpPr txBox="1"/>
+          <p:nvPr/>
+        </p:nvSpPr>
+        <p:spPr>
+          <a:xfrm>
+            <a:off x="3309408" y="1166231"/>
+            <a:ext cx="5675552" cy="2321085"/>
+          </a:xfrm>
+          <a:prstGeom prst="rect">
+            <a:avLst/>
+          </a:prstGeom>
+          <a:ln w="12700">
+            <a:miter lim="400000"/>
+          </a:ln>
+          <a:extLst>
+            <a:ext uri="{C572A759-6A51-4108-AA02-DFA0A04FC94B}">
+              <ma14:wrappingTextBoxFlag xmlns="" xmlns:m="http://schemas.openxmlformats.org/officeDocument/2006/math" xmlns:a14="http://schemas.microsoft.com/office/drawing/2010/main" xmlns:ma14="http://schemas.microsoft.com/office/mac/drawingml/2011/main" val="1"/>
+            </a:ext>
+          </a:extLst>
+        </p:spPr>
+        <p:txBody>
+          <a:bodyPr wrap="square" lIns="0" tIns="0" rIns="0" bIns="0">
+            <a:spAutoFit/>
+          </a:bodyPr>
+          <a:lstStyle/>
+          <a:p>
+            <a:pPr algn="l"/>
+            <a:r>
+              <a:rPr lang="en-GB" sz="1400" b="0" dirty="0">
+                <a:solidFill>
+                  <a:schemeClr val="tx1"/>
+                </a:solidFill>
+                <a:effectLst/>
+                <a:latin typeface="Courier New" panose="02070309020205020404" pitchFamily="49" charset="0"/>
+              </a:rPr>
+              <a:t>Synaptic Consolidation: neurons that fire together wire together.</a:t>
+            </a:r>
+          </a:p>
+          <a:p>
+            <a:pPr algn="ctr"/>
+            <a:r>
+              <a:rPr lang="el-GR" sz="1800" b="1" dirty="0">
+                <a:effectLst/>
+                <a:latin typeface="+mn-ea"/>
+                <a:ea typeface="+mn-ea"/>
+              </a:rPr>
+              <a:t>Δ</a:t>
+            </a:r>
+            <a:r>
+              <a:rPr lang="en-GB" sz="1800" b="1" i="1" dirty="0" err="1">
+                <a:effectLst/>
+                <a:latin typeface="+mn-ea"/>
+                <a:ea typeface="+mn-ea"/>
+              </a:rPr>
+              <a:t>w</a:t>
+            </a:r>
+            <a:r>
+              <a:rPr lang="en-GB" sz="1800" b="1" i="1" baseline="-25000" dirty="0" err="1">
+                <a:effectLst/>
+                <a:latin typeface="+mn-ea"/>
+                <a:ea typeface="+mn-ea"/>
+              </a:rPr>
+              <a:t>ij</a:t>
+            </a:r>
+            <a:r>
+              <a:rPr lang="en-GB" sz="1800" b="1" dirty="0">
+                <a:effectLst/>
+                <a:latin typeface="+mn-ea"/>
+                <a:ea typeface="+mn-ea"/>
+              </a:rPr>
+              <a:t>​=</a:t>
+            </a:r>
+            <a:r>
+              <a:rPr lang="el-GR" sz="1800" b="1" i="1" dirty="0">
+                <a:effectLst/>
+                <a:latin typeface="+mn-ea"/>
+                <a:ea typeface="+mn-ea"/>
+              </a:rPr>
+              <a:t>η</a:t>
+            </a:r>
+            <a:r>
+              <a:rPr lang="el-GR" sz="1800" b="1" dirty="0">
+                <a:effectLst/>
+                <a:latin typeface="+mn-ea"/>
+                <a:ea typeface="+mn-ea"/>
+              </a:rPr>
+              <a:t>⋅</a:t>
+            </a:r>
+            <a:r>
+              <a:rPr lang="en-GB" sz="1800" b="1" i="1" dirty="0">
+                <a:effectLst/>
+                <a:latin typeface="+mn-ea"/>
+                <a:ea typeface="+mn-ea"/>
+              </a:rPr>
+              <a:t>x</a:t>
+            </a:r>
+            <a:r>
+              <a:rPr lang="en-GB" sz="1800" b="1" i="1" baseline="-25000" dirty="0">
+                <a:effectLst/>
+                <a:latin typeface="+mn-ea"/>
+                <a:ea typeface="+mn-ea"/>
+              </a:rPr>
+              <a:t>i</a:t>
+            </a:r>
+            <a:r>
+              <a:rPr lang="en-GB" sz="1800" b="1" dirty="0">
+                <a:effectLst/>
+                <a:latin typeface="+mn-ea"/>
+                <a:ea typeface="+mn-ea"/>
+              </a:rPr>
+              <a:t>​⋅</a:t>
+            </a:r>
+            <a:r>
+              <a:rPr lang="en-GB" sz="1800" b="1" i="1" dirty="0" err="1">
+                <a:effectLst/>
+                <a:latin typeface="+mn-ea"/>
+                <a:ea typeface="+mn-ea"/>
+              </a:rPr>
+              <a:t>y</a:t>
+            </a:r>
+            <a:r>
+              <a:rPr lang="en-GB" sz="1800" b="1" i="1" baseline="-25000" dirty="0" err="1">
+                <a:solidFill>
+                  <a:srgbClr val="374151"/>
+                </a:solidFill>
+                <a:effectLst/>
+                <a:latin typeface="+mn-ea"/>
+                <a:ea typeface="+mn-ea"/>
+              </a:rPr>
+              <a:t>j</a:t>
+            </a:r>
+            <a:r>
+              <a:rPr lang="en-GB" sz="1800" b="1" i="0" dirty="0">
+                <a:solidFill>
+                  <a:srgbClr val="374151"/>
+                </a:solidFill>
+                <a:effectLst/>
+                <a:latin typeface="+mn-ea"/>
+                <a:ea typeface="+mn-ea"/>
+              </a:rPr>
+              <a:t>​</a:t>
+            </a:r>
+            <a:endParaRPr lang="en-GB" sz="4000" b="1" i="0" dirty="0">
+              <a:solidFill>
+                <a:srgbClr val="374151"/>
+              </a:solidFill>
+              <a:latin typeface="+mn-ea"/>
+              <a:ea typeface="+mn-ea"/>
+            </a:endParaRPr>
+          </a:p>
+          <a:p>
+            <a:pPr algn="l"/>
+            <a:r>
+              <a:rPr lang="en-GB" sz="1400" b="0" dirty="0">
+                <a:solidFill>
+                  <a:schemeClr val="tx1"/>
+                </a:solidFill>
+                <a:effectLst/>
+                <a:latin typeface="Courier New" panose="02070309020205020404" pitchFamily="49" charset="0"/>
+              </a:rPr>
+              <a:t># </a:t>
+            </a:r>
+            <a:r>
+              <a:rPr lang="en-GB" sz="1400" dirty="0">
+                <a:solidFill>
+                  <a:schemeClr val="tx1"/>
+                </a:solidFill>
+                <a:latin typeface="Courier New" panose="02070309020205020404" pitchFamily="49" charset="0"/>
+              </a:rPr>
+              <a:t>Initialization weights </a:t>
+            </a:r>
+          </a:p>
+          <a:p>
+            <a:pPr algn="l"/>
+            <a:r>
+              <a:rPr lang="en-GB" sz="1400" b="0" dirty="0">
+                <a:solidFill>
+                  <a:srgbClr val="AF00DB"/>
+                </a:solidFill>
+                <a:effectLst/>
+                <a:latin typeface="Courier New" panose="02070309020205020404" pitchFamily="49" charset="0"/>
+              </a:rPr>
+              <a:t>for</a:t>
+            </a:r>
+            <a:r>
+              <a:rPr lang="en-GB" sz="1400" b="0" dirty="0">
+                <a:solidFill>
+                  <a:srgbClr val="000000"/>
+                </a:solidFill>
+                <a:effectLst/>
+                <a:latin typeface="Courier New" panose="02070309020205020404" pitchFamily="49" charset="0"/>
+              </a:rPr>
+              <a:t> _ </a:t>
+            </a:r>
+            <a:r>
+              <a:rPr lang="en-GB" sz="1400" b="0" dirty="0">
+                <a:solidFill>
+                  <a:srgbClr val="0000FF"/>
+                </a:solidFill>
+                <a:effectLst/>
+                <a:latin typeface="Courier New" panose="02070309020205020404" pitchFamily="49" charset="0"/>
+              </a:rPr>
+              <a:t>in</a:t>
+            </a:r>
+            <a:r>
+              <a:rPr lang="en-GB" sz="1400" b="0" dirty="0">
+                <a:solidFill>
+                  <a:srgbClr val="000000"/>
+                </a:solidFill>
+                <a:effectLst/>
+                <a:latin typeface="Courier New" panose="02070309020205020404" pitchFamily="49" charset="0"/>
+              </a:rPr>
+              <a:t> </a:t>
+            </a:r>
+            <a:r>
+              <a:rPr lang="en-GB" sz="1400" b="0" dirty="0">
+                <a:solidFill>
+                  <a:srgbClr val="795E26"/>
+                </a:solidFill>
+                <a:effectLst/>
+                <a:latin typeface="Courier New" panose="02070309020205020404" pitchFamily="49" charset="0"/>
+              </a:rPr>
+              <a:t>range</a:t>
+            </a:r>
+            <a:r>
+              <a:rPr lang="en-GB" sz="1400" b="0" dirty="0">
+                <a:solidFill>
+                  <a:srgbClr val="000000"/>
+                </a:solidFill>
+                <a:effectLst/>
+                <a:latin typeface="Courier New" panose="02070309020205020404" pitchFamily="49" charset="0"/>
+              </a:rPr>
+              <a:t>(</a:t>
+            </a:r>
+            <a:r>
+              <a:rPr lang="en-GB" sz="1400" b="0" dirty="0">
+                <a:solidFill>
+                  <a:srgbClr val="098156"/>
+                </a:solidFill>
+                <a:effectLst/>
+                <a:latin typeface="Courier New" panose="02070309020205020404" pitchFamily="49" charset="0"/>
+              </a:rPr>
+              <a:t>steps</a:t>
+            </a:r>
+            <a:r>
+              <a:rPr lang="en-GB" sz="1400" b="0" dirty="0">
+                <a:solidFill>
+                  <a:srgbClr val="000000"/>
+                </a:solidFill>
+                <a:effectLst/>
+                <a:latin typeface="Courier New" panose="02070309020205020404" pitchFamily="49" charset="0"/>
+              </a:rPr>
+              <a:t>):</a:t>
+            </a:r>
+            <a:br>
+              <a:rPr lang="en-GB" sz="1400" b="0" dirty="0">
+                <a:solidFill>
+                  <a:schemeClr val="tx1"/>
+                </a:solidFill>
+                <a:effectLst/>
+                <a:latin typeface="Courier New" panose="02070309020205020404" pitchFamily="49" charset="0"/>
+              </a:rPr>
+            </a:br>
+            <a:r>
+              <a:rPr lang="en-GB" sz="1400" b="0" dirty="0">
+                <a:solidFill>
+                  <a:schemeClr val="tx1"/>
+                </a:solidFill>
+                <a:effectLst/>
+                <a:latin typeface="Courier New" panose="02070309020205020404" pitchFamily="49" charset="0"/>
+              </a:rPr>
+              <a:t>	# Hebbian update rule to upda</a:t>
+            </a:r>
+            <a:r>
+              <a:rPr lang="en-GB" sz="1400" dirty="0">
+                <a:solidFill>
+                  <a:schemeClr val="tx1"/>
+                </a:solidFill>
+                <a:latin typeface="Courier New" panose="02070309020205020404" pitchFamily="49" charset="0"/>
+              </a:rPr>
+              <a:t>te weights</a:t>
+            </a:r>
+            <a:endParaRPr lang="en-GB" sz="1400" b="1" dirty="0">
+              <a:solidFill>
+                <a:schemeClr val="tx1"/>
+              </a:solidFill>
+              <a:latin typeface="Courier New" panose="02070309020205020404" pitchFamily="49" charset="0"/>
+            </a:endParaRPr>
+          </a:p>
+          <a:p>
+            <a:pPr lvl="1" algn="l"/>
+            <a:endParaRPr sz="1400" b="1" dirty="0">
+              <a:solidFill>
+                <a:schemeClr val="tx1"/>
+              </a:solidFill>
+            </a:endParaRPr>
+          </a:p>
+        </p:txBody>
+      </p:sp>
+    </p:spTree>
+    <p:extLst>
+      <p:ext uri="{BB962C8B-B14F-4D97-AF65-F5344CB8AC3E}">
+        <p14:creationId xmlns:p14="http://schemas.microsoft.com/office/powerpoint/2010/main" val="1029488718"/>
+      </p:ext>
+    </p:extLst>
   </p:cSld>
   <p:clrMapOvr>
     <a:masterClrMapping/>
@@ -11793,7 +14086,7 @@
           </a:ln>
           <a:extLst>
             <a:ext uri="{C572A759-6A51-4108-AA02-DFA0A04FC94B}">
-              <ma14:wrappingTextBoxFlag xmlns:ma14="http://schemas.microsoft.com/office/mac/drawingml/2011/main" xmlns:a14="http://schemas.microsoft.com/office/drawing/2010/main" xmlns:m="http://schemas.openxmlformats.org/officeDocument/2006/math" xmlns="" val="1"/>
+              <ma14:wrappingTextBoxFlag xmlns="" xmlns:m="http://schemas.openxmlformats.org/officeDocument/2006/math" xmlns:a14="http://schemas.microsoft.com/office/drawing/2010/main" xmlns:ma14="http://schemas.microsoft.com/office/mac/drawingml/2011/main" val="1"/>
             </a:ext>
           </a:extLst>
         </p:spPr>
@@ -11828,7 +14121,7 @@
           </a:ln>
           <a:extLst>
             <a:ext uri="{C572A759-6A51-4108-AA02-DFA0A04FC94B}">
-              <ma14:wrappingTextBoxFlag xmlns:ma14="http://schemas.microsoft.com/office/mac/drawingml/2011/main" xmlns:a14="http://schemas.microsoft.com/office/drawing/2010/main" xmlns:m="http://schemas.openxmlformats.org/officeDocument/2006/math" xmlns="" val="1"/>
+              <ma14:wrappingTextBoxFlag xmlns="" xmlns:m="http://schemas.openxmlformats.org/officeDocument/2006/math" xmlns:a14="http://schemas.microsoft.com/office/drawing/2010/main" xmlns:ma14="http://schemas.microsoft.com/office/mac/drawingml/2011/main" val="1"/>
             </a:ext>
           </a:extLst>
         </p:spPr>
@@ -11863,7 +14156,7 @@
           </a:ln>
           <a:extLst>
             <a:ext uri="{C572A759-6A51-4108-AA02-DFA0A04FC94B}">
-              <ma14:wrappingTextBoxFlag xmlns:ma14="http://schemas.microsoft.com/office/mac/drawingml/2011/main" xmlns:a14="http://schemas.microsoft.com/office/drawing/2010/main" xmlns:m="http://schemas.openxmlformats.org/officeDocument/2006/math" xmlns="" val="1"/>
+              <ma14:wrappingTextBoxFlag xmlns="" xmlns:m="http://schemas.openxmlformats.org/officeDocument/2006/math" xmlns:a14="http://schemas.microsoft.com/office/drawing/2010/main" xmlns:ma14="http://schemas.microsoft.com/office/mac/drawingml/2011/main" val="1"/>
             </a:ext>
           </a:extLst>
         </p:spPr>
@@ -11939,7 +14232,7 @@
           </a:ln>
           <a:extLst>
             <a:ext uri="{C572A759-6A51-4108-AA02-DFA0A04FC94B}">
-              <ma14:wrappingTextBoxFlag xmlns:ma14="http://schemas.microsoft.com/office/mac/drawingml/2011/main" xmlns:a14="http://schemas.microsoft.com/office/drawing/2010/main" xmlns:m="http://schemas.openxmlformats.org/officeDocument/2006/math" xmlns="" val="1"/>
+              <ma14:wrappingTextBoxFlag xmlns="" xmlns:m="http://schemas.openxmlformats.org/officeDocument/2006/math" xmlns:a14="http://schemas.microsoft.com/office/drawing/2010/main" xmlns:ma14="http://schemas.microsoft.com/office/mac/drawingml/2011/main" val="1"/>
             </a:ext>
           </a:extLst>
         </p:spPr>
@@ -12065,7 +14358,7 @@
           </a:ln>
           <a:extLst>
             <a:ext uri="{C572A759-6A51-4108-AA02-DFA0A04FC94B}">
-              <ma14:wrappingTextBoxFlag xmlns:ma14="http://schemas.microsoft.com/office/mac/drawingml/2011/main" xmlns:a14="http://schemas.microsoft.com/office/drawing/2010/main" xmlns:m="http://schemas.openxmlformats.org/officeDocument/2006/math" xmlns="" val="1"/>
+              <ma14:wrappingTextBoxFlag xmlns="" xmlns:m="http://schemas.openxmlformats.org/officeDocument/2006/math" xmlns:a14="http://schemas.microsoft.com/office/drawing/2010/main" xmlns:ma14="http://schemas.microsoft.com/office/mac/drawingml/2011/main" val="1"/>
             </a:ext>
           </a:extLst>
         </p:spPr>
@@ -12100,7 +14393,7 @@
           </a:ln>
           <a:extLst>
             <a:ext uri="{C572A759-6A51-4108-AA02-DFA0A04FC94B}">
-              <ma14:wrappingTextBoxFlag xmlns:ma14="http://schemas.microsoft.com/office/mac/drawingml/2011/main" xmlns:a14="http://schemas.microsoft.com/office/drawing/2010/main" xmlns:m="http://schemas.openxmlformats.org/officeDocument/2006/math" xmlns="" val="1"/>
+              <ma14:wrappingTextBoxFlag xmlns="" xmlns:m="http://schemas.openxmlformats.org/officeDocument/2006/math" xmlns:a14="http://schemas.microsoft.com/office/drawing/2010/main" xmlns:ma14="http://schemas.microsoft.com/office/mac/drawingml/2011/main" val="1"/>
             </a:ext>
           </a:extLst>
         </p:spPr>
@@ -12135,7 +14428,7 @@
           </a:ln>
           <a:extLst>
             <a:ext uri="{C572A759-6A51-4108-AA02-DFA0A04FC94B}">
-              <ma14:wrappingTextBoxFlag xmlns:ma14="http://schemas.microsoft.com/office/mac/drawingml/2011/main" xmlns:a14="http://schemas.microsoft.com/office/drawing/2010/main" xmlns:m="http://schemas.openxmlformats.org/officeDocument/2006/math" xmlns="" val="1"/>
+              <ma14:wrappingTextBoxFlag xmlns="" xmlns:m="http://schemas.openxmlformats.org/officeDocument/2006/math" xmlns:a14="http://schemas.microsoft.com/office/drawing/2010/main" xmlns:ma14="http://schemas.microsoft.com/office/mac/drawingml/2011/main" val="1"/>
             </a:ext>
           </a:extLst>
         </p:spPr>
@@ -12187,7 +14480,7 @@
           </a:ln>
           <a:extLst>
             <a:ext uri="{C572A759-6A51-4108-AA02-DFA0A04FC94B}">
-              <ma14:wrappingTextBoxFlag xmlns:ma14="http://schemas.microsoft.com/office/mac/drawingml/2011/main" xmlns:a14="http://schemas.microsoft.com/office/drawing/2010/main" xmlns:m="http://schemas.openxmlformats.org/officeDocument/2006/math" xmlns="" val="1"/>
+              <ma14:wrappingTextBoxFlag xmlns="" xmlns:m="http://schemas.openxmlformats.org/officeDocument/2006/math" xmlns:a14="http://schemas.microsoft.com/office/drawing/2010/main" xmlns:ma14="http://schemas.microsoft.com/office/mac/drawingml/2011/main" val="1"/>
             </a:ext>
           </a:extLst>
         </p:spPr>
@@ -12452,7 +14745,7 @@
           </a:ln>
           <a:extLst>
             <a:ext uri="{C572A759-6A51-4108-AA02-DFA0A04FC94B}">
-              <ma14:wrappingTextBoxFlag xmlns:ma14="http://schemas.microsoft.com/office/mac/drawingml/2011/main" xmlns:a14="http://schemas.microsoft.com/office/drawing/2010/main" xmlns:m="http://schemas.openxmlformats.org/officeDocument/2006/math" xmlns="" val="1"/>
+              <ma14:wrappingTextBoxFlag xmlns="" xmlns:m="http://schemas.openxmlformats.org/officeDocument/2006/math" xmlns:a14="http://schemas.microsoft.com/office/drawing/2010/main" xmlns:ma14="http://schemas.microsoft.com/office/mac/drawingml/2011/main" val="1"/>
             </a:ext>
           </a:extLst>
         </p:spPr>
@@ -12487,7 +14780,7 @@
           </a:ln>
           <a:extLst>
             <a:ext uri="{C572A759-6A51-4108-AA02-DFA0A04FC94B}">
-              <ma14:wrappingTextBoxFlag xmlns:ma14="http://schemas.microsoft.com/office/mac/drawingml/2011/main" xmlns:a14="http://schemas.microsoft.com/office/drawing/2010/main" xmlns:m="http://schemas.openxmlformats.org/officeDocument/2006/math" xmlns="" val="1"/>
+              <ma14:wrappingTextBoxFlag xmlns="" xmlns:m="http://schemas.openxmlformats.org/officeDocument/2006/math" xmlns:a14="http://schemas.microsoft.com/office/drawing/2010/main" xmlns:ma14="http://schemas.microsoft.com/office/mac/drawingml/2011/main" val="1"/>
             </a:ext>
           </a:extLst>
         </p:spPr>
@@ -12522,7 +14815,7 @@
           </a:ln>
           <a:extLst>
             <a:ext uri="{C572A759-6A51-4108-AA02-DFA0A04FC94B}">
-              <ma14:wrappingTextBoxFlag xmlns:ma14="http://schemas.microsoft.com/office/mac/drawingml/2011/main" xmlns:a14="http://schemas.microsoft.com/office/drawing/2010/main" xmlns:m="http://schemas.openxmlformats.org/officeDocument/2006/math" xmlns="" val="1"/>
+              <ma14:wrappingTextBoxFlag xmlns="" xmlns:m="http://schemas.openxmlformats.org/officeDocument/2006/math" xmlns:a14="http://schemas.microsoft.com/office/drawing/2010/main" xmlns:ma14="http://schemas.microsoft.com/office/mac/drawingml/2011/main" val="1"/>
             </a:ext>
           </a:extLst>
         </p:spPr>
@@ -12660,7 +14953,7 @@
           </a:ln>
           <a:extLst>
             <a:ext uri="{C572A759-6A51-4108-AA02-DFA0A04FC94B}">
-              <ma14:wrappingTextBoxFlag xmlns:ma14="http://schemas.microsoft.com/office/mac/drawingml/2011/main" xmlns:a14="http://schemas.microsoft.com/office/drawing/2010/main" xmlns:m="http://schemas.openxmlformats.org/officeDocument/2006/math" xmlns="" val="1"/>
+              <ma14:wrappingTextBoxFlag xmlns="" xmlns:m="http://schemas.openxmlformats.org/officeDocument/2006/math" xmlns:a14="http://schemas.microsoft.com/office/drawing/2010/main" xmlns:ma14="http://schemas.microsoft.com/office/mac/drawingml/2011/main" val="1"/>
             </a:ext>
           </a:extLst>
         </p:spPr>
@@ -12712,7 +15005,7 @@
           </a:ln>
           <a:extLst>
             <a:ext uri="{C572A759-6A51-4108-AA02-DFA0A04FC94B}">
-              <ma14:wrappingTextBoxFlag xmlns:ma14="http://schemas.microsoft.com/office/mac/drawingml/2011/main" xmlns:a14="http://schemas.microsoft.com/office/drawing/2010/main" xmlns:m="http://schemas.openxmlformats.org/officeDocument/2006/math" xmlns="" val="1"/>
+              <ma14:wrappingTextBoxFlag xmlns="" xmlns:m="http://schemas.openxmlformats.org/officeDocument/2006/math" xmlns:a14="http://schemas.microsoft.com/office/drawing/2010/main" xmlns:ma14="http://schemas.microsoft.com/office/mac/drawingml/2011/main" val="1"/>
             </a:ext>
           </a:extLst>
         </p:spPr>
@@ -12912,7 +15205,7 @@
           </a:ln>
           <a:extLst>
             <a:ext uri="{C572A759-6A51-4108-AA02-DFA0A04FC94B}">
-              <ma14:wrappingTextBoxFlag xmlns:ma14="http://schemas.microsoft.com/office/mac/drawingml/2011/main" xmlns:a14="http://schemas.microsoft.com/office/drawing/2010/main" xmlns:m="http://schemas.openxmlformats.org/officeDocument/2006/math" xmlns="" val="1"/>
+              <ma14:wrappingTextBoxFlag xmlns="" xmlns:m="http://schemas.openxmlformats.org/officeDocument/2006/math" xmlns:a14="http://schemas.microsoft.com/office/drawing/2010/main" xmlns:ma14="http://schemas.microsoft.com/office/mac/drawingml/2011/main" val="1"/>
             </a:ext>
           </a:extLst>
         </p:spPr>
@@ -13031,7 +15324,7 @@
           </a:ln>
           <a:extLst>
             <a:ext uri="{C572A759-6A51-4108-AA02-DFA0A04FC94B}">
-              <ma14:wrappingTextBoxFlag xmlns:ma14="http://schemas.microsoft.com/office/mac/drawingml/2011/main" xmlns:a14="http://schemas.microsoft.com/office/drawing/2010/main" xmlns:m="http://schemas.openxmlformats.org/officeDocument/2006/math" xmlns="" val="1"/>
+              <ma14:wrappingTextBoxFlag xmlns="" xmlns:m="http://schemas.openxmlformats.org/officeDocument/2006/math" xmlns:a14="http://schemas.microsoft.com/office/drawing/2010/main" xmlns:ma14="http://schemas.microsoft.com/office/mac/drawingml/2011/main" val="1"/>
             </a:ext>
           </a:extLst>
         </p:spPr>
@@ -13066,7 +15359,7 @@
           </a:ln>
           <a:extLst>
             <a:ext uri="{C572A759-6A51-4108-AA02-DFA0A04FC94B}">
-              <ma14:wrappingTextBoxFlag xmlns:ma14="http://schemas.microsoft.com/office/mac/drawingml/2011/main" xmlns:a14="http://schemas.microsoft.com/office/drawing/2010/main" xmlns:m="http://schemas.openxmlformats.org/officeDocument/2006/math" xmlns="" val="1"/>
+              <ma14:wrappingTextBoxFlag xmlns="" xmlns:m="http://schemas.openxmlformats.org/officeDocument/2006/math" xmlns:a14="http://schemas.microsoft.com/office/drawing/2010/main" xmlns:ma14="http://schemas.microsoft.com/office/mac/drawingml/2011/main" val="1"/>
             </a:ext>
           </a:extLst>
         </p:spPr>
@@ -13101,7 +15394,7 @@
           </a:ln>
           <a:extLst>
             <a:ext uri="{C572A759-6A51-4108-AA02-DFA0A04FC94B}">
-              <ma14:wrappingTextBoxFlag xmlns:ma14="http://schemas.microsoft.com/office/mac/drawingml/2011/main" xmlns:a14="http://schemas.microsoft.com/office/drawing/2010/main" xmlns:m="http://schemas.openxmlformats.org/officeDocument/2006/math" xmlns="" val="1"/>
+              <ma14:wrappingTextBoxFlag xmlns="" xmlns:m="http://schemas.openxmlformats.org/officeDocument/2006/math" xmlns:a14="http://schemas.microsoft.com/office/drawing/2010/main" xmlns:ma14="http://schemas.microsoft.com/office/mac/drawingml/2011/main" val="1"/>
             </a:ext>
           </a:extLst>
         </p:spPr>
@@ -13153,7 +15446,7 @@
           </a:ln>
           <a:extLst>
             <a:ext uri="{C572A759-6A51-4108-AA02-DFA0A04FC94B}">
-              <ma14:wrappingTextBoxFlag xmlns:ma14="http://schemas.microsoft.com/office/mac/drawingml/2011/main" xmlns:a14="http://schemas.microsoft.com/office/drawing/2010/main" xmlns:m="http://schemas.openxmlformats.org/officeDocument/2006/math" xmlns="" val="1"/>
+              <ma14:wrappingTextBoxFlag xmlns="" xmlns:m="http://schemas.openxmlformats.org/officeDocument/2006/math" xmlns:a14="http://schemas.microsoft.com/office/drawing/2010/main" xmlns:ma14="http://schemas.microsoft.com/office/mac/drawingml/2011/main" val="1"/>
             </a:ext>
           </a:extLst>
         </p:spPr>
@@ -13576,7 +15869,7 @@
           </a:ln>
           <a:extLst>
             <a:ext uri="{C572A759-6A51-4108-AA02-DFA0A04FC94B}">
-              <ma14:wrappingTextBoxFlag xmlns:ma14="http://schemas.microsoft.com/office/mac/drawingml/2011/main" xmlns:a14="http://schemas.microsoft.com/office/drawing/2010/main" xmlns:m="http://schemas.openxmlformats.org/officeDocument/2006/math" xmlns="" val="1"/>
+              <ma14:wrappingTextBoxFlag xmlns="" xmlns:m="http://schemas.openxmlformats.org/officeDocument/2006/math" xmlns:a14="http://schemas.microsoft.com/office/drawing/2010/main" xmlns:ma14="http://schemas.microsoft.com/office/mac/drawingml/2011/main" val="1"/>
             </a:ext>
           </a:extLst>
         </p:spPr>
@@ -13705,7 +15998,7 @@
           </a:ln>
           <a:extLst>
             <a:ext uri="{C572A759-6A51-4108-AA02-DFA0A04FC94B}">
-              <ma14:wrappingTextBoxFlag xmlns:ma14="http://schemas.microsoft.com/office/mac/drawingml/2011/main" xmlns:a14="http://schemas.microsoft.com/office/drawing/2010/main" xmlns:m="http://schemas.openxmlformats.org/officeDocument/2006/math" xmlns="" val="1"/>
+              <ma14:wrappingTextBoxFlag xmlns="" xmlns:m="http://schemas.openxmlformats.org/officeDocument/2006/math" xmlns:a14="http://schemas.microsoft.com/office/drawing/2010/main" xmlns:ma14="http://schemas.microsoft.com/office/mac/drawingml/2011/main" val="1"/>
             </a:ext>
           </a:extLst>
         </p:spPr>
@@ -13824,7 +16117,7 @@
           </a:ln>
           <a:extLst>
             <a:ext uri="{C572A759-6A51-4108-AA02-DFA0A04FC94B}">
-              <ma14:wrappingTextBoxFlag xmlns:ma14="http://schemas.microsoft.com/office/mac/drawingml/2011/main" xmlns:a14="http://schemas.microsoft.com/office/drawing/2010/main" xmlns:m="http://schemas.openxmlformats.org/officeDocument/2006/math" xmlns="" val="1"/>
+              <ma14:wrappingTextBoxFlag xmlns="" xmlns:m="http://schemas.openxmlformats.org/officeDocument/2006/math" xmlns:a14="http://schemas.microsoft.com/office/drawing/2010/main" xmlns:ma14="http://schemas.microsoft.com/office/mac/drawingml/2011/main" val="1"/>
             </a:ext>
           </a:extLst>
         </p:spPr>
@@ -13859,7 +16152,7 @@
           </a:ln>
           <a:extLst>
             <a:ext uri="{C572A759-6A51-4108-AA02-DFA0A04FC94B}">
-              <ma14:wrappingTextBoxFlag xmlns:ma14="http://schemas.microsoft.com/office/mac/drawingml/2011/main" xmlns:a14="http://schemas.microsoft.com/office/drawing/2010/main" xmlns:m="http://schemas.openxmlformats.org/officeDocument/2006/math" xmlns="" val="1"/>
+              <ma14:wrappingTextBoxFlag xmlns="" xmlns:m="http://schemas.openxmlformats.org/officeDocument/2006/math" xmlns:a14="http://schemas.microsoft.com/office/drawing/2010/main" xmlns:ma14="http://schemas.microsoft.com/office/mac/drawingml/2011/main" val="1"/>
             </a:ext>
           </a:extLst>
         </p:spPr>
@@ -13894,7 +16187,7 @@
           </a:ln>
           <a:extLst>
             <a:ext uri="{C572A759-6A51-4108-AA02-DFA0A04FC94B}">
-              <ma14:wrappingTextBoxFlag xmlns:ma14="http://schemas.microsoft.com/office/mac/drawingml/2011/main" xmlns:a14="http://schemas.microsoft.com/office/drawing/2010/main" xmlns:m="http://schemas.openxmlformats.org/officeDocument/2006/math" xmlns="" val="1"/>
+              <ma14:wrappingTextBoxFlag xmlns="" xmlns:m="http://schemas.openxmlformats.org/officeDocument/2006/math" xmlns:a14="http://schemas.microsoft.com/office/drawing/2010/main" xmlns:ma14="http://schemas.microsoft.com/office/mac/drawingml/2011/main" val="1"/>
             </a:ext>
           </a:extLst>
         </p:spPr>
@@ -13946,7 +16239,7 @@
           </a:ln>
           <a:extLst>
             <a:ext uri="{C572A759-6A51-4108-AA02-DFA0A04FC94B}">
-              <ma14:wrappingTextBoxFlag xmlns:ma14="http://schemas.microsoft.com/office/mac/drawingml/2011/main" xmlns:a14="http://schemas.microsoft.com/office/drawing/2010/main" xmlns:m="http://schemas.openxmlformats.org/officeDocument/2006/math" xmlns="" val="1"/>
+              <ma14:wrappingTextBoxFlag xmlns="" xmlns:m="http://schemas.openxmlformats.org/officeDocument/2006/math" xmlns:a14="http://schemas.microsoft.com/office/drawing/2010/main" xmlns:ma14="http://schemas.microsoft.com/office/mac/drawingml/2011/main" val="1"/>
             </a:ext>
           </a:extLst>
         </p:spPr>
@@ -14380,7 +16673,7 @@
           </a:ln>
           <a:extLst>
             <a:ext uri="{C572A759-6A51-4108-AA02-DFA0A04FC94B}">
-              <ma14:wrappingTextBoxFlag xmlns:ma14="http://schemas.microsoft.com/office/mac/drawingml/2011/main" xmlns:a14="http://schemas.microsoft.com/office/drawing/2010/main" xmlns:m="http://schemas.openxmlformats.org/officeDocument/2006/math" xmlns="" val="1"/>
+              <ma14:wrappingTextBoxFlag xmlns="" xmlns:m="http://schemas.openxmlformats.org/officeDocument/2006/math" xmlns:a14="http://schemas.microsoft.com/office/drawing/2010/main" xmlns:ma14="http://schemas.microsoft.com/office/mac/drawingml/2011/main" val="1"/>
             </a:ext>
           </a:extLst>
         </p:spPr>
@@ -14499,7 +16792,7 @@
           </a:ln>
           <a:extLst>
             <a:ext uri="{C572A759-6A51-4108-AA02-DFA0A04FC94B}">
-              <ma14:wrappingTextBoxFlag xmlns:ma14="http://schemas.microsoft.com/office/mac/drawingml/2011/main" xmlns:a14="http://schemas.microsoft.com/office/drawing/2010/main" xmlns:m="http://schemas.openxmlformats.org/officeDocument/2006/math" xmlns="" val="1"/>
+              <ma14:wrappingTextBoxFlag xmlns="" xmlns:m="http://schemas.openxmlformats.org/officeDocument/2006/math" xmlns:a14="http://schemas.microsoft.com/office/drawing/2010/main" xmlns:ma14="http://schemas.microsoft.com/office/mac/drawingml/2011/main" val="1"/>
             </a:ext>
           </a:extLst>
         </p:spPr>
@@ -14534,7 +16827,7 @@
           </a:ln>
           <a:extLst>
             <a:ext uri="{C572A759-6A51-4108-AA02-DFA0A04FC94B}">
-              <ma14:wrappingTextBoxFlag xmlns:ma14="http://schemas.microsoft.com/office/mac/drawingml/2011/main" xmlns:a14="http://schemas.microsoft.com/office/drawing/2010/main" xmlns:m="http://schemas.openxmlformats.org/officeDocument/2006/math" xmlns="" val="1"/>
+              <ma14:wrappingTextBoxFlag xmlns="" xmlns:m="http://schemas.openxmlformats.org/officeDocument/2006/math" xmlns:a14="http://schemas.microsoft.com/office/drawing/2010/main" xmlns:ma14="http://schemas.microsoft.com/office/mac/drawingml/2011/main" val="1"/>
             </a:ext>
           </a:extLst>
         </p:spPr>
@@ -14569,7 +16862,7 @@
           </a:ln>
           <a:extLst>
             <a:ext uri="{C572A759-6A51-4108-AA02-DFA0A04FC94B}">
-              <ma14:wrappingTextBoxFlag xmlns:ma14="http://schemas.microsoft.com/office/mac/drawingml/2011/main" xmlns:a14="http://schemas.microsoft.com/office/drawing/2010/main" xmlns:m="http://schemas.openxmlformats.org/officeDocument/2006/math" xmlns="" val="1"/>
+              <ma14:wrappingTextBoxFlag xmlns="" xmlns:m="http://schemas.openxmlformats.org/officeDocument/2006/math" xmlns:a14="http://schemas.microsoft.com/office/drawing/2010/main" xmlns:ma14="http://schemas.microsoft.com/office/mac/drawingml/2011/main" val="1"/>
             </a:ext>
           </a:extLst>
         </p:spPr>
@@ -14613,7 +16906,7 @@
           </a:ln>
           <a:extLst>
             <a:ext uri="{C572A759-6A51-4108-AA02-DFA0A04FC94B}">
-              <ma14:wrappingTextBoxFlag xmlns:ma14="http://schemas.microsoft.com/office/mac/drawingml/2011/main" xmlns:a14="http://schemas.microsoft.com/office/drawing/2010/main" xmlns:m="http://schemas.openxmlformats.org/officeDocument/2006/math" xmlns="" val="1"/>
+              <ma14:wrappingTextBoxFlag xmlns="" xmlns:m="http://schemas.openxmlformats.org/officeDocument/2006/math" xmlns:a14="http://schemas.microsoft.com/office/drawing/2010/main" xmlns:ma14="http://schemas.microsoft.com/office/mac/drawingml/2011/main" val="1"/>
             </a:ext>
           </a:extLst>
         </p:spPr>

--- a/dlgs.pptx
+++ b/dlgs.pptx
@@ -11262,7 +11262,7 @@
         <p:spPr>
           <a:xfrm>
             <a:off x="1037780" y="1527824"/>
-            <a:ext cx="7068440" cy="2418051"/>
+            <a:ext cx="7068440" cy="1646572"/>
           </a:xfrm>
           <a:prstGeom prst="rect">
             <a:avLst/>
@@ -11317,26 +11317,13 @@
               </a:defRPr>
             </a:pPr>
             <a:r>
-              <a:rPr dirty="0" err="1"/>
-              <a:t>MarioGAN</a:t>
-            </a:r>
-            <a:endParaRPr dirty="0"/>
-          </a:p>
-          <a:p>
-            <a:pPr algn="l">
-              <a:lnSpc>
-                <a:spcPct val="100000"/>
-              </a:lnSpc>
-              <a:defRPr sz="4200">
-                <a:solidFill>
-                  <a:srgbClr val="75910B"/>
-                </a:solidFill>
-                <a:latin typeface="+mn-lt"/>
-                <a:ea typeface="+mn-ea"/>
-                <a:cs typeface="+mn-cs"/>
-                <a:sym typeface="IBM Plex Sans"/>
-              </a:defRPr>
-            </a:pPr>
+              <a:rPr dirty="0"/>
+              <a:t>Mario</a:t>
+            </a:r>
+            <a:r>
+              <a:rPr lang="da-DK" dirty="0"/>
+              <a:t>VAE</a:t>
+            </a:r>
             <a:endParaRPr dirty="0"/>
           </a:p>
           <a:p>
@@ -11548,7 +11535,7 @@
         <p:spPr>
           <a:xfrm>
             <a:off x="385389" y="938568"/>
-            <a:ext cx="2924019" cy="3231622"/>
+            <a:ext cx="3429527" cy="2893067"/>
           </a:xfrm>
           <a:prstGeom prst="rect">
             <a:avLst/>
@@ -11563,7 +11550,7 @@
           </a:extLst>
         </p:spPr>
         <p:txBody>
-          <a:bodyPr lIns="91424" tIns="91424" rIns="91424" bIns="91424">
+          <a:bodyPr wrap="square" lIns="91424" tIns="91424" rIns="91424" bIns="91424">
             <a:spAutoFit/>
           </a:bodyPr>
           <a:lstStyle>
@@ -11588,7 +11575,7 @@
           <a:p>
             <a:r>
               <a:rPr lang="da-DK" dirty="0"/>
-              <a:t>(3) Training Loop</a:t>
+              <a:t>(1) Play with the VAE</a:t>
             </a:r>
           </a:p>
           <a:p>
@@ -11609,11 +11596,8 @@
           <a:p>
             <a:r>
               <a:rPr lang="da-DK" dirty="0"/>
-              <a:t>(4) Train !</a:t>
-            </a:r>
-          </a:p>
-          <a:p>
-            <a:endParaRPr dirty="0"/>
+              <a:t>(2) * Interactive Evolution</a:t>
+            </a:r>
           </a:p>
         </p:txBody>
       </p:sp>
@@ -11696,7 +11680,7 @@
         <p:spPr>
           <a:xfrm>
             <a:off x="2978608" y="1166231"/>
-            <a:ext cx="5711971" cy="3123932"/>
+            <a:ext cx="5711971" cy="369332"/>
           </a:xfrm>
           <a:prstGeom prst="rect">
             <a:avLst/>
@@ -11715,541 +11699,6 @@
             <a:spAutoFit/>
           </a:bodyPr>
           <a:lstStyle/>
-          <a:p>
-            <a:pPr algn="l">
-              <a:lnSpc>
-                <a:spcPct val="100000"/>
-              </a:lnSpc>
-              <a:defRPr sz="1400">
-                <a:solidFill>
-                  <a:srgbClr val="000000"/>
-                </a:solidFill>
-                <a:latin typeface="Helvetica"/>
-                <a:ea typeface="Helvetica"/>
-                <a:cs typeface="Helvetica"/>
-                <a:sym typeface="Helvetica"/>
-              </a:defRPr>
-            </a:pPr>
-            <a:endParaRPr lang="en-DK" b="1" dirty="0"/>
-          </a:p>
-          <a:p>
-            <a:pPr algn="l"/>
-            <a:r>
-              <a:rPr lang="en-GB" sz="1000" b="0" dirty="0">
-                <a:solidFill>
-                  <a:srgbClr val="0000FF"/>
-                </a:solidFill>
-                <a:effectLst/>
-                <a:latin typeface="Courier New" panose="02070309020205020404" pitchFamily="49" charset="0"/>
-              </a:rPr>
-              <a:t>def</a:t>
-            </a:r>
-            <a:r>
-              <a:rPr lang="en-GB" sz="1000" b="0" dirty="0">
-                <a:solidFill>
-                  <a:srgbClr val="000000"/>
-                </a:solidFill>
-                <a:effectLst/>
-                <a:latin typeface="Courier New" panose="02070309020205020404" pitchFamily="49" charset="0"/>
-              </a:rPr>
-              <a:t> </a:t>
-            </a:r>
-            <a:r>
-              <a:rPr lang="en-GB" sz="1000" b="0" dirty="0">
-                <a:solidFill>
-                  <a:srgbClr val="795E26"/>
-                </a:solidFill>
-                <a:effectLst/>
-                <a:latin typeface="Courier New" panose="02070309020205020404" pitchFamily="49" charset="0"/>
-              </a:rPr>
-              <a:t>train</a:t>
-            </a:r>
-            <a:r>
-              <a:rPr lang="en-GB" sz="1000" b="0" dirty="0">
-                <a:solidFill>
-                  <a:srgbClr val="000000"/>
-                </a:solidFill>
-                <a:effectLst/>
-                <a:latin typeface="Courier New" panose="02070309020205020404" pitchFamily="49" charset="0"/>
-              </a:rPr>
-              <a:t>(</a:t>
-            </a:r>
-            <a:r>
-              <a:rPr lang="en-GB" sz="1000" b="0" dirty="0">
-                <a:solidFill>
-                  <a:srgbClr val="001080"/>
-                </a:solidFill>
-                <a:effectLst/>
-                <a:latin typeface="Courier New" panose="02070309020205020404" pitchFamily="49" charset="0"/>
-              </a:rPr>
-              <a:t>env</a:t>
-            </a:r>
-            <a:r>
-              <a:rPr lang="en-GB" sz="1000" b="0" dirty="0">
-                <a:solidFill>
-                  <a:srgbClr val="000000"/>
-                </a:solidFill>
-                <a:effectLst/>
-                <a:latin typeface="Courier New" panose="02070309020205020404" pitchFamily="49" charset="0"/>
-              </a:rPr>
-              <a:t>, </a:t>
-            </a:r>
-            <a:r>
-              <a:rPr lang="en-GB" sz="1000" b="0" dirty="0">
-                <a:solidFill>
-                  <a:srgbClr val="001080"/>
-                </a:solidFill>
-                <a:effectLst/>
-                <a:latin typeface="Courier New" panose="02070309020205020404" pitchFamily="49" charset="0"/>
-              </a:rPr>
-              <a:t>agent</a:t>
-            </a:r>
-            <a:r>
-              <a:rPr lang="en-GB" sz="1000" b="0" dirty="0">
-                <a:solidFill>
-                  <a:srgbClr val="000000"/>
-                </a:solidFill>
-                <a:effectLst/>
-                <a:latin typeface="Courier New" panose="02070309020205020404" pitchFamily="49" charset="0"/>
-              </a:rPr>
-              <a:t>, </a:t>
-            </a:r>
-            <a:r>
-              <a:rPr lang="en-GB" sz="1000" b="0" dirty="0">
-                <a:solidFill>
-                  <a:srgbClr val="001080"/>
-                </a:solidFill>
-                <a:effectLst/>
-                <a:latin typeface="Courier New" panose="02070309020205020404" pitchFamily="49" charset="0"/>
-              </a:rPr>
-              <a:t>episodes</a:t>
-            </a:r>
-            <a:r>
-              <a:rPr lang="en-GB" sz="1000" b="0" dirty="0">
-                <a:solidFill>
-                  <a:srgbClr val="000000"/>
-                </a:solidFill>
-                <a:effectLst/>
-                <a:latin typeface="Courier New" panose="02070309020205020404" pitchFamily="49" charset="0"/>
-              </a:rPr>
-              <a:t>=</a:t>
-            </a:r>
-            <a:r>
-              <a:rPr lang="en-GB" sz="1000" b="0" dirty="0">
-                <a:solidFill>
-                  <a:srgbClr val="098156"/>
-                </a:solidFill>
-                <a:effectLst/>
-                <a:latin typeface="Courier New" panose="02070309020205020404" pitchFamily="49" charset="0"/>
-              </a:rPr>
-              <a:t>1000</a:t>
-            </a:r>
-            <a:r>
-              <a:rPr lang="en-GB" sz="1000" b="0" dirty="0">
-                <a:solidFill>
-                  <a:srgbClr val="000000"/>
-                </a:solidFill>
-                <a:effectLst/>
-                <a:latin typeface="Courier New" panose="02070309020205020404" pitchFamily="49" charset="0"/>
-              </a:rPr>
-              <a:t>, </a:t>
-            </a:r>
-            <a:r>
-              <a:rPr lang="en-GB" sz="1000" b="0" dirty="0" err="1">
-                <a:solidFill>
-                  <a:srgbClr val="001080"/>
-                </a:solidFill>
-                <a:effectLst/>
-                <a:latin typeface="Courier New" panose="02070309020205020404" pitchFamily="49" charset="0"/>
-              </a:rPr>
-              <a:t>batch_size</a:t>
-            </a:r>
-            <a:r>
-              <a:rPr lang="en-GB" sz="1000" b="0" dirty="0">
-                <a:solidFill>
-                  <a:srgbClr val="000000"/>
-                </a:solidFill>
-                <a:effectLst/>
-                <a:latin typeface="Courier New" panose="02070309020205020404" pitchFamily="49" charset="0"/>
-              </a:rPr>
-              <a:t>=</a:t>
-            </a:r>
-            <a:r>
-              <a:rPr lang="en-GB" sz="1000" b="0" dirty="0">
-                <a:solidFill>
-                  <a:srgbClr val="098156"/>
-                </a:solidFill>
-                <a:effectLst/>
-                <a:latin typeface="Courier New" panose="02070309020205020404" pitchFamily="49" charset="0"/>
-              </a:rPr>
-              <a:t>64</a:t>
-            </a:r>
-            <a:r>
-              <a:rPr lang="en-GB" sz="1000" b="0" dirty="0">
-                <a:solidFill>
-                  <a:srgbClr val="000000"/>
-                </a:solidFill>
-                <a:effectLst/>
-                <a:latin typeface="Courier New" panose="02070309020205020404" pitchFamily="49" charset="0"/>
-              </a:rPr>
-              <a:t>):</a:t>
-            </a:r>
-          </a:p>
-          <a:p>
-            <a:pPr algn="l"/>
-            <a:r>
-              <a:rPr lang="en-GB" sz="1000" b="0" dirty="0">
-                <a:solidFill>
-                  <a:srgbClr val="AF00DB"/>
-                </a:solidFill>
-                <a:effectLst/>
-                <a:latin typeface="Courier New" panose="02070309020205020404" pitchFamily="49" charset="0"/>
-              </a:rPr>
-              <a:t>	for</a:t>
-            </a:r>
-            <a:r>
-              <a:rPr lang="en-GB" sz="1000" b="0" dirty="0">
-                <a:solidFill>
-                  <a:srgbClr val="000000"/>
-                </a:solidFill>
-                <a:effectLst/>
-                <a:latin typeface="Courier New" panose="02070309020205020404" pitchFamily="49" charset="0"/>
-              </a:rPr>
-              <a:t> episode </a:t>
-            </a:r>
-            <a:r>
-              <a:rPr lang="en-GB" sz="1000" b="0" dirty="0">
-                <a:solidFill>
-                  <a:srgbClr val="0000FF"/>
-                </a:solidFill>
-                <a:effectLst/>
-                <a:latin typeface="Courier New" panose="02070309020205020404" pitchFamily="49" charset="0"/>
-              </a:rPr>
-              <a:t>in</a:t>
-            </a:r>
-            <a:r>
-              <a:rPr lang="en-GB" sz="1000" b="0" dirty="0">
-                <a:solidFill>
-                  <a:srgbClr val="000000"/>
-                </a:solidFill>
-                <a:effectLst/>
-                <a:latin typeface="Courier New" panose="02070309020205020404" pitchFamily="49" charset="0"/>
-              </a:rPr>
-              <a:t> </a:t>
-            </a:r>
-            <a:r>
-              <a:rPr lang="en-GB" sz="1000" b="0" dirty="0" err="1">
-                <a:solidFill>
-                  <a:srgbClr val="000000"/>
-                </a:solidFill>
-                <a:effectLst/>
-                <a:latin typeface="Courier New" panose="02070309020205020404" pitchFamily="49" charset="0"/>
-              </a:rPr>
-              <a:t>tqdm</a:t>
-            </a:r>
-            <a:r>
-              <a:rPr lang="en-GB" sz="1000" b="0" dirty="0">
-                <a:solidFill>
-                  <a:srgbClr val="000000"/>
-                </a:solidFill>
-                <a:effectLst/>
-                <a:latin typeface="Courier New" panose="02070309020205020404" pitchFamily="49" charset="0"/>
-              </a:rPr>
-              <a:t>(</a:t>
-            </a:r>
-            <a:r>
-              <a:rPr lang="en-GB" sz="1000" b="0" dirty="0">
-                <a:solidFill>
-                  <a:srgbClr val="795E26"/>
-                </a:solidFill>
-                <a:effectLst/>
-                <a:latin typeface="Courier New" panose="02070309020205020404" pitchFamily="49" charset="0"/>
-              </a:rPr>
-              <a:t>range</a:t>
-            </a:r>
-            <a:r>
-              <a:rPr lang="en-GB" sz="1000" b="0" dirty="0">
-                <a:solidFill>
-                  <a:srgbClr val="000000"/>
-                </a:solidFill>
-                <a:effectLst/>
-                <a:latin typeface="Courier New" panose="02070309020205020404" pitchFamily="49" charset="0"/>
-              </a:rPr>
-              <a:t>(episodes)):</a:t>
-            </a:r>
-          </a:p>
-          <a:p>
-            <a:pPr lvl="1" algn="l"/>
-            <a:r>
-              <a:rPr lang="en-GB" sz="1000" b="0" dirty="0">
-                <a:solidFill>
-                  <a:srgbClr val="AF00DB"/>
-                </a:solidFill>
-                <a:effectLst/>
-                <a:latin typeface="Courier New" panose="02070309020205020404" pitchFamily="49" charset="0"/>
-              </a:rPr>
-              <a:t>		while</a:t>
-            </a:r>
-            <a:r>
-              <a:rPr lang="en-GB" sz="1000" b="0" dirty="0">
-                <a:solidFill>
-                  <a:srgbClr val="000000"/>
-                </a:solidFill>
-                <a:effectLst/>
-                <a:latin typeface="Courier New" panose="02070309020205020404" pitchFamily="49" charset="0"/>
-              </a:rPr>
-              <a:t> </a:t>
-            </a:r>
-            <a:r>
-              <a:rPr lang="en-GB" sz="1000" b="0" dirty="0">
-                <a:solidFill>
-                  <a:srgbClr val="0000FF"/>
-                </a:solidFill>
-                <a:effectLst/>
-                <a:latin typeface="Courier New" panose="02070309020205020404" pitchFamily="49" charset="0"/>
-              </a:rPr>
-              <a:t>not</a:t>
-            </a:r>
-            <a:r>
-              <a:rPr lang="en-GB" sz="1000" b="0" dirty="0">
-                <a:solidFill>
-                  <a:srgbClr val="000000"/>
-                </a:solidFill>
-                <a:effectLst/>
-                <a:latin typeface="Courier New" panose="02070309020205020404" pitchFamily="49" charset="0"/>
-              </a:rPr>
-              <a:t> done:</a:t>
-            </a:r>
-          </a:p>
-          <a:p>
-            <a:pPr lvl="1" algn="l"/>
-            <a:r>
-              <a:rPr lang="en-GB" sz="1000" b="0" dirty="0">
-                <a:solidFill>
-                  <a:srgbClr val="008000"/>
-                </a:solidFill>
-                <a:effectLst/>
-                <a:latin typeface="Courier New" panose="02070309020205020404" pitchFamily="49" charset="0"/>
-              </a:rPr>
-              <a:t>		# 1. Make a move in the game.</a:t>
-            </a:r>
-            <a:endParaRPr lang="en-GB" sz="1000" b="0" dirty="0">
-              <a:solidFill>
-                <a:srgbClr val="000000"/>
-              </a:solidFill>
-              <a:effectLst/>
-              <a:latin typeface="Courier New" panose="02070309020205020404" pitchFamily="49" charset="0"/>
-            </a:endParaRPr>
-          </a:p>
-          <a:p>
-            <a:pPr lvl="1" algn="l"/>
-            <a:br>
-              <a:rPr lang="en-GB" sz="1000" b="0" dirty="0">
-                <a:solidFill>
-                  <a:srgbClr val="000000"/>
-                </a:solidFill>
-                <a:effectLst/>
-                <a:latin typeface="Courier New" panose="02070309020205020404" pitchFamily="49" charset="0"/>
-              </a:rPr>
-            </a:br>
-            <a:r>
-              <a:rPr lang="en-GB" sz="1000" b="0" dirty="0">
-                <a:solidFill>
-                  <a:srgbClr val="000000"/>
-                </a:solidFill>
-                <a:effectLst/>
-                <a:latin typeface="Courier New" panose="02070309020205020404" pitchFamily="49" charset="0"/>
-              </a:rPr>
-              <a:t>		</a:t>
-            </a:r>
-            <a:r>
-              <a:rPr lang="en-GB" sz="1000" b="0" dirty="0">
-                <a:solidFill>
-                  <a:srgbClr val="008000"/>
-                </a:solidFill>
-                <a:effectLst/>
-                <a:latin typeface="Courier New" panose="02070309020205020404" pitchFamily="49" charset="0"/>
-              </a:rPr>
-              <a:t># 2. Observe new state and reward from env</a:t>
-            </a:r>
-            <a:br>
-              <a:rPr lang="en-GB" sz="1000" b="0" dirty="0">
-                <a:solidFill>
-                  <a:srgbClr val="000000"/>
-                </a:solidFill>
-                <a:effectLst/>
-                <a:latin typeface="Courier New" panose="02070309020205020404" pitchFamily="49" charset="0"/>
-              </a:rPr>
-            </a:br>
-            <a:r>
-              <a:rPr lang="en-GB" sz="1000" b="0" dirty="0">
-                <a:solidFill>
-                  <a:srgbClr val="000000"/>
-                </a:solidFill>
-                <a:effectLst/>
-                <a:latin typeface="Courier New" panose="02070309020205020404" pitchFamily="49" charset="0"/>
-              </a:rPr>
-              <a:t>		</a:t>
-            </a:r>
-            <a:r>
-              <a:rPr lang="en-GB" sz="1000" b="0" dirty="0">
-                <a:solidFill>
-                  <a:srgbClr val="008000"/>
-                </a:solidFill>
-                <a:effectLst/>
-                <a:latin typeface="Courier New" panose="02070309020205020404" pitchFamily="49" charset="0"/>
-              </a:rPr>
-              <a:t># 3. Have the agent remember the transition.</a:t>
-            </a:r>
-            <a:br>
-              <a:rPr lang="en-GB" sz="1000" b="0" dirty="0">
-                <a:solidFill>
-                  <a:srgbClr val="000000"/>
-                </a:solidFill>
-                <a:effectLst/>
-                <a:latin typeface="Courier New" panose="02070309020205020404" pitchFamily="49" charset="0"/>
-              </a:rPr>
-            </a:br>
-            <a:r>
-              <a:rPr lang="en-GB" sz="1000" b="0" dirty="0">
-                <a:solidFill>
-                  <a:srgbClr val="000000"/>
-                </a:solidFill>
-                <a:effectLst/>
-                <a:latin typeface="Courier New" panose="02070309020205020404" pitchFamily="49" charset="0"/>
-              </a:rPr>
-              <a:t>		</a:t>
-            </a:r>
-            <a:r>
-              <a:rPr lang="en-GB" sz="1000" b="0" dirty="0">
-                <a:solidFill>
-                  <a:srgbClr val="008000"/>
-                </a:solidFill>
-                <a:effectLst/>
-                <a:latin typeface="Courier New" panose="02070309020205020404" pitchFamily="49" charset="0"/>
-              </a:rPr>
-              <a:t># 4. Update current state.</a:t>
-            </a:r>
-            <a:br>
-              <a:rPr lang="en-GB" sz="1000" b="0" dirty="0">
-                <a:solidFill>
-                  <a:srgbClr val="000000"/>
-                </a:solidFill>
-                <a:effectLst/>
-                <a:latin typeface="Courier New" panose="02070309020205020404" pitchFamily="49" charset="0"/>
-              </a:rPr>
-            </a:br>
-            <a:r>
-              <a:rPr lang="en-GB" sz="1000" b="0" dirty="0">
-                <a:solidFill>
-                  <a:srgbClr val="000000"/>
-                </a:solidFill>
-                <a:effectLst/>
-                <a:latin typeface="Courier New" panose="02070309020205020404" pitchFamily="49" charset="0"/>
-              </a:rPr>
-              <a:t>		</a:t>
-            </a:r>
-            <a:r>
-              <a:rPr lang="en-GB" sz="1000" b="0" dirty="0">
-                <a:solidFill>
-                  <a:srgbClr val="008000"/>
-                </a:solidFill>
-                <a:effectLst/>
-                <a:latin typeface="Courier New" panose="02070309020205020404" pitchFamily="49" charset="0"/>
-              </a:rPr>
-              <a:t># 5. If we have enough experiences in our memory, learn from a batch with replay.</a:t>
-            </a:r>
-            <a:endParaRPr lang="en-GB" sz="1000" b="0" dirty="0">
-              <a:solidFill>
-                <a:srgbClr val="000000"/>
-              </a:solidFill>
-              <a:effectLst/>
-              <a:latin typeface="Courier New" panose="02070309020205020404" pitchFamily="49" charset="0"/>
-            </a:endParaRPr>
-          </a:p>
-          <a:p>
-            <a:pPr lvl="1" algn="l"/>
-            <a:r>
-              <a:rPr lang="en-GB" sz="1000" b="0" dirty="0">
-                <a:solidFill>
-                  <a:srgbClr val="AF00DB"/>
-                </a:solidFill>
-                <a:effectLst/>
-                <a:latin typeface="Courier New" panose="02070309020205020404" pitchFamily="49" charset="0"/>
-              </a:rPr>
-              <a:t>		if</a:t>
-            </a:r>
-            <a:r>
-              <a:rPr lang="en-GB" sz="1000" b="0" dirty="0">
-                <a:solidFill>
-                  <a:srgbClr val="000000"/>
-                </a:solidFill>
-                <a:effectLst/>
-                <a:latin typeface="Courier New" panose="02070309020205020404" pitchFamily="49" charset="0"/>
-              </a:rPr>
-              <a:t> </a:t>
-            </a:r>
-            <a:r>
-              <a:rPr lang="en-GB" sz="1000" b="0" dirty="0" err="1">
-                <a:solidFill>
-                  <a:srgbClr val="795E26"/>
-                </a:solidFill>
-                <a:effectLst/>
-                <a:latin typeface="Courier New" panose="02070309020205020404" pitchFamily="49" charset="0"/>
-              </a:rPr>
-              <a:t>len</a:t>
-            </a:r>
-            <a:r>
-              <a:rPr lang="en-GB" sz="1000" b="0" dirty="0">
-                <a:solidFill>
-                  <a:srgbClr val="000000"/>
-                </a:solidFill>
-                <a:effectLst/>
-                <a:latin typeface="Courier New" panose="02070309020205020404" pitchFamily="49" charset="0"/>
-              </a:rPr>
-              <a:t>(</a:t>
-            </a:r>
-            <a:r>
-              <a:rPr lang="en-GB" sz="1000" b="0" dirty="0" err="1">
-                <a:solidFill>
-                  <a:srgbClr val="000000"/>
-                </a:solidFill>
-                <a:effectLst/>
-                <a:latin typeface="Courier New" panose="02070309020205020404" pitchFamily="49" charset="0"/>
-              </a:rPr>
-              <a:t>agent.memory</a:t>
-            </a:r>
-            <a:r>
-              <a:rPr lang="en-GB" sz="1000" b="0" dirty="0">
-                <a:solidFill>
-                  <a:srgbClr val="000000"/>
-                </a:solidFill>
-                <a:effectLst/>
-                <a:latin typeface="Courier New" panose="02070309020205020404" pitchFamily="49" charset="0"/>
-              </a:rPr>
-              <a:t>) &gt;= </a:t>
-            </a:r>
-            <a:r>
-              <a:rPr lang="en-GB" sz="1000" b="0" dirty="0" err="1">
-                <a:solidFill>
-                  <a:srgbClr val="000000"/>
-                </a:solidFill>
-                <a:effectLst/>
-                <a:latin typeface="Courier New" panose="02070309020205020404" pitchFamily="49" charset="0"/>
-              </a:rPr>
-              <a:t>batch_size</a:t>
-            </a:r>
-            <a:r>
-              <a:rPr lang="en-GB" sz="1000" b="0" dirty="0">
-                <a:solidFill>
-                  <a:srgbClr val="000000"/>
-                </a:solidFill>
-                <a:effectLst/>
-                <a:latin typeface="Courier New" panose="02070309020205020404" pitchFamily="49" charset="0"/>
-              </a:rPr>
-              <a:t>:</a:t>
-            </a:r>
-          </a:p>
           <a:p>
             <a:pPr lvl="1" algn="l" defTabSz="457200">
               <a:lnSpc>
@@ -12927,7 +12376,7 @@
         <p:spPr>
           <a:xfrm>
             <a:off x="4092196" y="1127257"/>
-            <a:ext cx="3902529" cy="2285241"/>
+            <a:ext cx="3902529" cy="3947234"/>
           </a:xfrm>
           <a:prstGeom prst="rect">
             <a:avLst/>
@@ -12969,10 +12418,11 @@
           </a:p>
           <a:p>
             <a:pPr algn="l"/>
-            <a:endParaRPr lang="en-GB" sz="1200" dirty="0">
+            <a:endParaRPr lang="en-GB" sz="1200" b="0" dirty="0">
               <a:solidFill>
                 <a:srgbClr val="0000FF"/>
               </a:solidFill>
+              <a:effectLst/>
               <a:latin typeface="Courier New" panose="02070309020205020404" pitchFamily="49" charset="0"/>
             </a:endParaRPr>
           </a:p>
@@ -12987,6 +12437,64 @@
           </a:p>
           <a:p>
             <a:pPr algn="l"/>
+            <a:endParaRPr lang="en-GB" sz="1200" b="0" dirty="0">
+              <a:solidFill>
+                <a:srgbClr val="0000FF"/>
+              </a:solidFill>
+              <a:effectLst/>
+              <a:latin typeface="Courier New" panose="02070309020205020404" pitchFamily="49" charset="0"/>
+            </a:endParaRPr>
+          </a:p>
+          <a:p>
+            <a:pPr algn="l"/>
+            <a:endParaRPr lang="en-GB" sz="1200" dirty="0">
+              <a:solidFill>
+                <a:srgbClr val="0000FF"/>
+              </a:solidFill>
+              <a:latin typeface="Courier New" panose="02070309020205020404" pitchFamily="49" charset="0"/>
+            </a:endParaRPr>
+          </a:p>
+          <a:p>
+            <a:pPr algn="l"/>
+            <a:endParaRPr lang="en-GB" sz="1200" b="0" dirty="0">
+              <a:solidFill>
+                <a:srgbClr val="0000FF"/>
+              </a:solidFill>
+              <a:effectLst/>
+              <a:latin typeface="Courier New" panose="02070309020205020404" pitchFamily="49" charset="0"/>
+            </a:endParaRPr>
+          </a:p>
+          <a:p>
+            <a:pPr algn="l"/>
+            <a:endParaRPr lang="en-GB" sz="1200" b="0" dirty="0">
+              <a:solidFill>
+                <a:srgbClr val="000000"/>
+              </a:solidFill>
+              <a:effectLst/>
+              <a:latin typeface="Courier New" panose="02070309020205020404" pitchFamily="49" charset="0"/>
+            </a:endParaRPr>
+          </a:p>
+          <a:p>
+            <a:pPr algn="l"/>
+            <a:endParaRPr lang="en-GB" sz="1200" b="0" dirty="0">
+              <a:solidFill>
+                <a:srgbClr val="000000"/>
+              </a:solidFill>
+              <a:effectLst/>
+              <a:latin typeface="Courier New" panose="02070309020205020404" pitchFamily="49" charset="0"/>
+            </a:endParaRPr>
+          </a:p>
+          <a:p>
+            <a:pPr algn="l"/>
+            <a:r>
+              <a:rPr lang="en-GB" sz="1200" dirty="0">
+                <a:solidFill>
+                  <a:srgbClr val="000000"/>
+                </a:solidFill>
+                <a:latin typeface="Courier New" panose="02070309020205020404" pitchFamily="49" charset="0"/>
+              </a:rPr>
+              <a:t>&gt;</a:t>
+            </a:r>
             <a:r>
               <a:rPr lang="en-GB" sz="1200" b="0" dirty="0">
                 <a:solidFill>
@@ -12995,7 +12503,7 @@
                 <a:effectLst/>
                 <a:latin typeface="Courier New" panose="02070309020205020404" pitchFamily="49" charset="0"/>
               </a:rPr>
-              <a:t>Setup a Game Environment as Lunar Lander</a:t>
+              <a:t>Setup Game Environment as Lunar Lander</a:t>
             </a:r>
           </a:p>
           <a:p>
@@ -13021,7 +12529,7 @@
                 <a:effectLst/>
                 <a:latin typeface="Courier New" panose="02070309020205020404" pitchFamily="49" charset="0"/>
               </a:rPr>
-              <a:t>Define a Neural Network</a:t>
+              <a:t>&gt;Define a Neural Network</a:t>
             </a:r>
             <a:br>
               <a:rPr lang="en-GB" sz="1200" b="0" dirty="0">
@@ -13040,7 +12548,7 @@
                 <a:effectLst/>
                 <a:latin typeface="Courier New" panose="02070309020205020404" pitchFamily="49" charset="0"/>
               </a:rPr>
-              <a:t>Choose an Evolutionary Strategy</a:t>
+              <a:t>&gt;Choose an Evolutionary Strategy</a:t>
             </a:r>
             <a:br>
               <a:rPr lang="en-GB" sz="1200" b="0" dirty="0">
@@ -13059,7 +12567,26 @@
                 <a:effectLst/>
                 <a:latin typeface="Courier New" panose="02070309020205020404" pitchFamily="49" charset="0"/>
               </a:rPr>
-              <a:t>Evolve the Network</a:t>
+              <a:t>&gt;Evolve the Network</a:t>
+            </a:r>
+            <a:br>
+              <a:rPr lang="en-GB" sz="1200" b="0" dirty="0">
+                <a:solidFill>
+                  <a:srgbClr val="000000"/>
+                </a:solidFill>
+                <a:effectLst/>
+                <a:latin typeface="Courier New" panose="02070309020205020404" pitchFamily="49" charset="0"/>
+              </a:rPr>
+            </a:br>
+            <a:r>
+              <a:rPr lang="en-GB" sz="1200" b="0" dirty="0">
+                <a:solidFill>
+                  <a:srgbClr val="000000"/>
+                </a:solidFill>
+                <a:effectLst/>
+                <a:latin typeface="Courier New" panose="02070309020205020404" pitchFamily="49" charset="0"/>
+              </a:rPr>
+              <a:t>&gt;Evaluate / Visualise</a:t>
             </a:r>
           </a:p>
         </p:txBody>
@@ -13572,9 +13099,6 @@
             </a:lvl1pPr>
           </a:lstStyle>
           <a:p>
-            <a:endParaRPr lang="da-DK" dirty="0"/>
-          </a:p>
-          <a:p>
             <a:r>
               <a:rPr lang="da-DK" dirty="0"/>
               <a:t>(3) </a:t>
@@ -13589,6 +13113,20 @@
             </a:r>
           </a:p>
           <a:p>
+            <a:r>
+              <a:rPr lang="da-DK" dirty="0"/>
+              <a:t>For </a:t>
+            </a:r>
+            <a:r>
+              <a:rPr lang="da-DK" dirty="0" err="1"/>
+              <a:t>boolean</a:t>
+            </a:r>
+            <a:r>
+              <a:rPr lang="da-DK" dirty="0"/>
+              <a:t> Gate</a:t>
+            </a:r>
+          </a:p>
+          <a:p>
             <a:endParaRPr lang="da-DK" dirty="0"/>
           </a:p>
           <a:p>
@@ -13601,12 +13139,23 @@
             <a:endParaRPr lang="da-DK" dirty="0"/>
           </a:p>
           <a:p>
-            <a:endParaRPr lang="da-DK" dirty="0"/>
-          </a:p>
-          <a:p>
             <a:r>
               <a:rPr lang="da-DK" dirty="0"/>
-              <a:t>(4) H</a:t>
+              <a:t>(4) </a:t>
+            </a:r>
+            <a:r>
+              <a:rPr lang="da-DK" dirty="0" err="1"/>
+              <a:t>Hebbian</a:t>
+            </a:r>
+            <a:r>
+              <a:rPr lang="da-DK" dirty="0"/>
+              <a:t> Learning </a:t>
+            </a:r>
+          </a:p>
+          <a:p>
+            <a:r>
+              <a:rPr lang="da-DK" dirty="0"/>
+              <a:t> for RL Agent </a:t>
             </a:r>
           </a:p>
           <a:p>
@@ -13692,8 +13241,8 @@
         </p:nvSpPr>
         <p:spPr>
           <a:xfrm>
-            <a:off x="3309408" y="1166231"/>
-            <a:ext cx="5675552" cy="2321085"/>
+            <a:off x="3319820" y="938568"/>
+            <a:ext cx="5675552" cy="4583242"/>
           </a:xfrm>
           <a:prstGeom prst="rect">
             <a:avLst/>
@@ -13724,9 +13273,25 @@
               </a:rPr>
               <a:t>Synaptic Consolidation: neurons that fire together wire together.</a:t>
             </a:r>
-          </a:p>
-          <a:p>
-            <a:pPr algn="ctr"/>
+            <a:br>
+              <a:rPr lang="en-GB" sz="1400" b="0" dirty="0">
+                <a:solidFill>
+                  <a:schemeClr val="tx1"/>
+                </a:solidFill>
+                <a:effectLst/>
+                <a:latin typeface="Courier New" panose="02070309020205020404" pitchFamily="49" charset="0"/>
+              </a:rPr>
+            </a:br>
+            <a:r>
+              <a:rPr lang="en-GB" sz="1400" b="0" dirty="0">
+                <a:solidFill>
+                  <a:schemeClr val="tx1"/>
+                </a:solidFill>
+                <a:effectLst/>
+                <a:latin typeface="Courier New" panose="02070309020205020404" pitchFamily="49" charset="0"/>
+              </a:rPr>
+              <a:t>		</a:t>
+            </a:r>
             <a:r>
               <a:rPr lang="el-GR" sz="1800" b="1" dirty="0">
                 <a:effectLst/>
@@ -13818,18 +13383,7 @@
               </a:rPr>
               <a:t>j</a:t>
             </a:r>
-            <a:r>
-              <a:rPr lang="en-GB" sz="1800" b="1" i="0" dirty="0">
-                <a:solidFill>
-                  <a:srgbClr val="374151"/>
-                </a:solidFill>
-                <a:effectLst/>
-                <a:latin typeface="+mn-ea"/>
-                <a:ea typeface="+mn-ea"/>
-              </a:rPr>
-              <a:t>​</a:t>
-            </a:r>
-            <a:endParaRPr lang="en-GB" sz="4000" b="1" i="0" dirty="0">
+            <a:endParaRPr lang="en-GB" sz="1400" b="1" i="0" dirty="0">
               <a:solidFill>
                 <a:srgbClr val="374151"/>
               </a:solidFill>
@@ -13839,142 +13393,333 @@
           </a:p>
           <a:p>
             <a:pPr algn="l"/>
-            <a:r>
-              <a:rPr lang="en-GB" sz="1400" b="0" dirty="0">
-                <a:solidFill>
-                  <a:schemeClr val="tx1"/>
-                </a:solidFill>
-                <a:effectLst/>
-                <a:latin typeface="Courier New" panose="02070309020205020404" pitchFamily="49" charset="0"/>
-              </a:rPr>
-              <a:t># </a:t>
-            </a:r>
-            <a:r>
-              <a:rPr lang="en-GB" sz="1400" dirty="0">
-                <a:solidFill>
-                  <a:schemeClr val="tx1"/>
-                </a:solidFill>
-                <a:latin typeface="Courier New" panose="02070309020205020404" pitchFamily="49" charset="0"/>
-              </a:rPr>
-              <a:t>Initialization weights </a:t>
-            </a:r>
+            <a:endParaRPr lang="en-GB" sz="1400" b="0" dirty="0">
+              <a:solidFill>
+                <a:schemeClr val="tx1"/>
+              </a:solidFill>
+              <a:effectLst/>
+              <a:latin typeface="Courier New" panose="02070309020205020404" pitchFamily="49" charset="0"/>
+            </a:endParaRPr>
           </a:p>
           <a:p>
             <a:pPr algn="l"/>
-            <a:r>
-              <a:rPr lang="en-GB" sz="1400" b="0" dirty="0">
-                <a:solidFill>
-                  <a:srgbClr val="AF00DB"/>
-                </a:solidFill>
-                <a:effectLst/>
-                <a:latin typeface="Courier New" panose="02070309020205020404" pitchFamily="49" charset="0"/>
-              </a:rPr>
-              <a:t>for</a:t>
-            </a:r>
-            <a:r>
-              <a:rPr lang="en-GB" sz="1400" b="0" dirty="0">
-                <a:solidFill>
-                  <a:srgbClr val="000000"/>
-                </a:solidFill>
-                <a:effectLst/>
-                <a:latin typeface="Courier New" panose="02070309020205020404" pitchFamily="49" charset="0"/>
-              </a:rPr>
-              <a:t> _ </a:t>
-            </a:r>
-            <a:r>
-              <a:rPr lang="en-GB" sz="1400" b="0" dirty="0">
-                <a:solidFill>
-                  <a:srgbClr val="0000FF"/>
-                </a:solidFill>
-                <a:effectLst/>
-                <a:latin typeface="Courier New" panose="02070309020205020404" pitchFamily="49" charset="0"/>
-              </a:rPr>
-              <a:t>in</a:t>
-            </a:r>
-            <a:r>
-              <a:rPr lang="en-GB" sz="1400" b="0" dirty="0">
-                <a:solidFill>
-                  <a:srgbClr val="000000"/>
-                </a:solidFill>
-                <a:effectLst/>
-                <a:latin typeface="Courier New" panose="02070309020205020404" pitchFamily="49" charset="0"/>
-              </a:rPr>
-              <a:t> </a:t>
-            </a:r>
-            <a:r>
-              <a:rPr lang="en-GB" sz="1400" b="0" dirty="0">
-                <a:solidFill>
-                  <a:srgbClr val="795E26"/>
-                </a:solidFill>
-                <a:effectLst/>
-                <a:latin typeface="Courier New" panose="02070309020205020404" pitchFamily="49" charset="0"/>
-              </a:rPr>
-              <a:t>range</a:t>
-            </a:r>
-            <a:r>
-              <a:rPr lang="en-GB" sz="1400" b="0" dirty="0">
-                <a:solidFill>
-                  <a:srgbClr val="000000"/>
-                </a:solidFill>
-                <a:effectLst/>
-                <a:latin typeface="Courier New" panose="02070309020205020404" pitchFamily="49" charset="0"/>
-              </a:rPr>
-              <a:t>(</a:t>
-            </a:r>
-            <a:r>
-              <a:rPr lang="en-GB" sz="1400" b="0" dirty="0">
-                <a:solidFill>
-                  <a:srgbClr val="098156"/>
-                </a:solidFill>
-                <a:effectLst/>
-                <a:latin typeface="Courier New" panose="02070309020205020404" pitchFamily="49" charset="0"/>
-              </a:rPr>
-              <a:t>steps</a:t>
-            </a:r>
-            <a:r>
-              <a:rPr lang="en-GB" sz="1400" b="0" dirty="0">
-                <a:solidFill>
-                  <a:srgbClr val="000000"/>
-                </a:solidFill>
-                <a:effectLst/>
-                <a:latin typeface="Courier New" panose="02070309020205020404" pitchFamily="49" charset="0"/>
-              </a:rPr>
-              <a:t>):</a:t>
-            </a:r>
-            <a:br>
-              <a:rPr lang="en-GB" sz="1400" b="0" dirty="0">
-                <a:solidFill>
-                  <a:schemeClr val="tx1"/>
-                </a:solidFill>
-                <a:effectLst/>
-                <a:latin typeface="Courier New" panose="02070309020205020404" pitchFamily="49" charset="0"/>
-              </a:rPr>
-            </a:br>
-            <a:r>
-              <a:rPr lang="en-GB" sz="1400" b="0" dirty="0">
-                <a:solidFill>
-                  <a:schemeClr val="tx1"/>
-                </a:solidFill>
-                <a:effectLst/>
-                <a:latin typeface="Courier New" panose="02070309020205020404" pitchFamily="49" charset="0"/>
-              </a:rPr>
-              <a:t>	# Hebbian update rule to upda</a:t>
-            </a:r>
-            <a:r>
-              <a:rPr lang="en-GB" sz="1400" dirty="0">
-                <a:solidFill>
-                  <a:schemeClr val="tx1"/>
-                </a:solidFill>
-                <a:latin typeface="Courier New" panose="02070309020205020404" pitchFamily="49" charset="0"/>
-              </a:rPr>
-              <a:t>te weights</a:t>
-            </a:r>
-            <a:endParaRPr lang="en-GB" sz="1400" b="1" dirty="0">
+            <a:endParaRPr lang="en-GB" sz="1400" dirty="0">
               <a:solidFill>
                 <a:schemeClr val="tx1"/>
               </a:solidFill>
               <a:latin typeface="Courier New" panose="02070309020205020404" pitchFamily="49" charset="0"/>
             </a:endParaRPr>
+          </a:p>
+          <a:p>
+            <a:pPr algn="l"/>
+            <a:endParaRPr lang="en-GB" sz="1400" b="0" dirty="0">
+              <a:solidFill>
+                <a:schemeClr val="tx1"/>
+              </a:solidFill>
+              <a:effectLst/>
+              <a:latin typeface="Courier New" panose="02070309020205020404" pitchFamily="49" charset="0"/>
+            </a:endParaRPr>
+          </a:p>
+          <a:p>
+            <a:pPr algn="l"/>
+            <a:r>
+              <a:rPr lang="en-GB" sz="1400" b="0" dirty="0">
+                <a:solidFill>
+                  <a:schemeClr val="tx1"/>
+                </a:solidFill>
+                <a:effectLst/>
+                <a:latin typeface="Courier New" panose="02070309020205020404" pitchFamily="49" charset="0"/>
+              </a:rPr>
+              <a:t># </a:t>
+            </a:r>
+            <a:r>
+              <a:rPr lang="en-GB" sz="1400" dirty="0">
+                <a:solidFill>
+                  <a:schemeClr val="tx1"/>
+                </a:solidFill>
+                <a:latin typeface="Courier New" panose="02070309020205020404" pitchFamily="49" charset="0"/>
+              </a:rPr>
+              <a:t>Initialization weights </a:t>
+            </a:r>
+          </a:p>
+          <a:p>
+            <a:pPr algn="l"/>
+            <a:r>
+              <a:rPr lang="en-GB" sz="1400" b="0" dirty="0">
+                <a:solidFill>
+                  <a:srgbClr val="AF00DB"/>
+                </a:solidFill>
+                <a:effectLst/>
+                <a:latin typeface="Courier New" panose="02070309020205020404" pitchFamily="49" charset="0"/>
+              </a:rPr>
+              <a:t>for</a:t>
+            </a:r>
+            <a:r>
+              <a:rPr lang="en-GB" sz="1400" b="0" dirty="0">
+                <a:solidFill>
+                  <a:srgbClr val="000000"/>
+                </a:solidFill>
+                <a:effectLst/>
+                <a:latin typeface="Courier New" panose="02070309020205020404" pitchFamily="49" charset="0"/>
+              </a:rPr>
+              <a:t> _ </a:t>
+            </a:r>
+            <a:r>
+              <a:rPr lang="en-GB" sz="1400" b="0" dirty="0">
+                <a:solidFill>
+                  <a:srgbClr val="0000FF"/>
+                </a:solidFill>
+                <a:effectLst/>
+                <a:latin typeface="Courier New" panose="02070309020205020404" pitchFamily="49" charset="0"/>
+              </a:rPr>
+              <a:t>in</a:t>
+            </a:r>
+            <a:r>
+              <a:rPr lang="en-GB" sz="1400" b="0" dirty="0">
+                <a:solidFill>
+                  <a:srgbClr val="000000"/>
+                </a:solidFill>
+                <a:effectLst/>
+                <a:latin typeface="Courier New" panose="02070309020205020404" pitchFamily="49" charset="0"/>
+              </a:rPr>
+              <a:t> </a:t>
+            </a:r>
+            <a:r>
+              <a:rPr lang="en-GB" sz="1400" b="0" dirty="0">
+                <a:solidFill>
+                  <a:srgbClr val="795E26"/>
+                </a:solidFill>
+                <a:effectLst/>
+                <a:latin typeface="Courier New" panose="02070309020205020404" pitchFamily="49" charset="0"/>
+              </a:rPr>
+              <a:t>range</a:t>
+            </a:r>
+            <a:r>
+              <a:rPr lang="en-GB" sz="1400" b="0" dirty="0">
+                <a:solidFill>
+                  <a:srgbClr val="000000"/>
+                </a:solidFill>
+                <a:effectLst/>
+                <a:latin typeface="Courier New" panose="02070309020205020404" pitchFamily="49" charset="0"/>
+              </a:rPr>
+              <a:t>(</a:t>
+            </a:r>
+            <a:r>
+              <a:rPr lang="en-GB" sz="1400" b="0" dirty="0" err="1">
+                <a:solidFill>
+                  <a:srgbClr val="098156"/>
+                </a:solidFill>
+                <a:effectLst/>
+                <a:latin typeface="Courier New" panose="02070309020205020404" pitchFamily="49" charset="0"/>
+              </a:rPr>
+              <a:t>training_epochs</a:t>
+            </a:r>
+            <a:r>
+              <a:rPr lang="en-GB" sz="1400" b="0" dirty="0">
+                <a:solidFill>
+                  <a:srgbClr val="000000"/>
+                </a:solidFill>
+                <a:effectLst/>
+                <a:latin typeface="Courier New" panose="02070309020205020404" pitchFamily="49" charset="0"/>
+              </a:rPr>
+              <a:t>):</a:t>
+            </a:r>
+          </a:p>
+          <a:p>
+            <a:pPr algn="l"/>
+            <a:r>
+              <a:rPr lang="en-GB" sz="1400" b="0" dirty="0">
+                <a:solidFill>
+                  <a:srgbClr val="AF00DB"/>
+                </a:solidFill>
+                <a:effectLst/>
+                <a:latin typeface="Courier New" panose="02070309020205020404" pitchFamily="49" charset="0"/>
+              </a:rPr>
+              <a:t>	for</a:t>
+            </a:r>
+            <a:r>
+              <a:rPr lang="en-GB" sz="1400" b="0" dirty="0">
+                <a:solidFill>
+                  <a:srgbClr val="000000"/>
+                </a:solidFill>
+                <a:effectLst/>
+                <a:latin typeface="Courier New" panose="02070309020205020404" pitchFamily="49" charset="0"/>
+              </a:rPr>
+              <a:t> x, target </a:t>
+            </a:r>
+            <a:r>
+              <a:rPr lang="en-GB" sz="1400" b="0" dirty="0">
+                <a:solidFill>
+                  <a:srgbClr val="0000FF"/>
+                </a:solidFill>
+                <a:effectLst/>
+                <a:latin typeface="Courier New" panose="02070309020205020404" pitchFamily="49" charset="0"/>
+              </a:rPr>
+              <a:t>in</a:t>
+            </a:r>
+            <a:r>
+              <a:rPr lang="en-GB" sz="1400" b="0" dirty="0">
+                <a:solidFill>
+                  <a:srgbClr val="000000"/>
+                </a:solidFill>
+                <a:effectLst/>
+                <a:latin typeface="Courier New" panose="02070309020205020404" pitchFamily="49" charset="0"/>
+              </a:rPr>
+              <a:t> </a:t>
+            </a:r>
+            <a:r>
+              <a:rPr lang="en-GB" sz="1400" b="0" dirty="0">
+                <a:solidFill>
+                  <a:srgbClr val="795E26"/>
+                </a:solidFill>
+                <a:effectLst/>
+                <a:latin typeface="Courier New" panose="02070309020205020404" pitchFamily="49" charset="0"/>
+              </a:rPr>
+              <a:t>zip</a:t>
+            </a:r>
+            <a:r>
+              <a:rPr lang="en-GB" sz="1400" b="0" dirty="0">
+                <a:solidFill>
+                  <a:srgbClr val="000000"/>
+                </a:solidFill>
+                <a:effectLst/>
+                <a:latin typeface="Courier New" panose="02070309020205020404" pitchFamily="49" charset="0"/>
+              </a:rPr>
+              <a:t>(inputs, targets):</a:t>
+            </a:r>
+            <a:br>
+              <a:rPr lang="en-GB" sz="1400" b="0" dirty="0">
+                <a:solidFill>
+                  <a:schemeClr val="tx1"/>
+                </a:solidFill>
+                <a:effectLst/>
+                <a:latin typeface="Courier New" panose="02070309020205020404" pitchFamily="49" charset="0"/>
+              </a:rPr>
+            </a:br>
+            <a:r>
+              <a:rPr lang="en-GB" sz="1400" b="0" dirty="0">
+                <a:solidFill>
+                  <a:schemeClr val="tx1"/>
+                </a:solidFill>
+                <a:effectLst/>
+                <a:latin typeface="Courier New" panose="02070309020205020404" pitchFamily="49" charset="0"/>
+              </a:rPr>
+              <a:t>	# Hebbian update rule to upda</a:t>
+            </a:r>
+            <a:r>
+              <a:rPr lang="en-GB" sz="1400" dirty="0">
+                <a:solidFill>
+                  <a:schemeClr val="tx1"/>
+                </a:solidFill>
+                <a:latin typeface="Courier New" panose="02070309020205020404" pitchFamily="49" charset="0"/>
+              </a:rPr>
+              <a:t>te weights</a:t>
+            </a:r>
+          </a:p>
+          <a:p>
+            <a:pPr algn="l"/>
+            <a:r>
+              <a:rPr lang="en-GB" sz="1400" dirty="0">
+                <a:solidFill>
+                  <a:schemeClr val="tx1"/>
+                </a:solidFill>
+                <a:latin typeface="Courier New" panose="02070309020205020404" pitchFamily="49" charset="0"/>
+              </a:rPr>
+              <a:t>	#Can Update bias with </a:t>
+            </a:r>
+            <a:r>
+              <a:rPr lang="en-GB" sz="1400" dirty="0" err="1">
+                <a:solidFill>
+                  <a:schemeClr val="tx1"/>
+                </a:solidFill>
+                <a:latin typeface="Courier New" panose="02070309020205020404" pitchFamily="49" charset="0"/>
+              </a:rPr>
+              <a:t>b_j</a:t>
+            </a:r>
+            <a:r>
+              <a:rPr lang="en-GB" sz="1400" dirty="0">
+                <a:solidFill>
+                  <a:schemeClr val="tx1"/>
+                </a:solidFill>
+                <a:latin typeface="Courier New" panose="02070309020205020404" pitchFamily="49" charset="0"/>
+              </a:rPr>
+              <a:t>= </a:t>
+            </a:r>
+            <a:r>
+              <a:rPr lang="en-GB" sz="1400" dirty="0" err="1">
+                <a:solidFill>
+                  <a:schemeClr val="tx1"/>
+                </a:solidFill>
+                <a:latin typeface="Courier New" panose="02070309020205020404" pitchFamily="49" charset="0"/>
+              </a:rPr>
+              <a:t>lr</a:t>
+            </a:r>
+            <a:r>
+              <a:rPr lang="en-GB" sz="1400" dirty="0">
+                <a:solidFill>
+                  <a:schemeClr val="tx1"/>
+                </a:solidFill>
+                <a:latin typeface="Courier New" panose="02070309020205020404" pitchFamily="49" charset="0"/>
+              </a:rPr>
+              <a:t>*</a:t>
+            </a:r>
+            <a:r>
+              <a:rPr lang="en-GB" sz="1400" dirty="0" err="1">
+                <a:solidFill>
+                  <a:schemeClr val="tx1"/>
+                </a:solidFill>
+                <a:latin typeface="Courier New" panose="02070309020205020404" pitchFamily="49" charset="0"/>
+              </a:rPr>
+              <a:t>b_j</a:t>
+            </a:r>
+            <a:r>
+              <a:rPr lang="en-GB" sz="1400" dirty="0">
+                <a:solidFill>
+                  <a:schemeClr val="tx1"/>
+                </a:solidFill>
+                <a:latin typeface="Courier New" panose="02070309020205020404" pitchFamily="49" charset="0"/>
+              </a:rPr>
+              <a:t>*</a:t>
+            </a:r>
+            <a:r>
+              <a:rPr lang="en-GB" sz="1400" dirty="0" err="1">
+                <a:solidFill>
+                  <a:schemeClr val="tx1"/>
+                </a:solidFill>
+                <a:latin typeface="Courier New" panose="02070309020205020404" pitchFamily="49" charset="0"/>
+              </a:rPr>
+              <a:t>y_j</a:t>
+            </a:r>
+            <a:endParaRPr lang="en-GB" sz="1400" dirty="0">
+              <a:solidFill>
+                <a:schemeClr val="tx1"/>
+              </a:solidFill>
+              <a:latin typeface="Courier New" panose="02070309020205020404" pitchFamily="49" charset="0"/>
+            </a:endParaRPr>
+          </a:p>
+          <a:p>
+            <a:pPr algn="l"/>
+            <a:r>
+              <a:rPr lang="en-GB" sz="1400" dirty="0">
+                <a:solidFill>
+                  <a:schemeClr val="tx1"/>
+                </a:solidFill>
+                <a:latin typeface="Courier New" panose="02070309020205020404" pitchFamily="49" charset="0"/>
+              </a:rPr>
+              <a:t>	# Note: use target for last layer!</a:t>
+            </a:r>
+          </a:p>
+          <a:p>
+            <a:pPr algn="l"/>
+            <a:r>
+              <a:rPr lang="en-GB" sz="1400" b="1" dirty="0">
+                <a:solidFill>
+                  <a:schemeClr val="tx1"/>
+                </a:solidFill>
+                <a:latin typeface="Courier New" panose="02070309020205020404" pitchFamily="49" charset="0"/>
+              </a:rPr>
+              <a:t>	</a:t>
+            </a:r>
           </a:p>
           <a:p>
             <a:pPr lvl="1" algn="l"/>

--- a/dlgs.pptx
+++ b/dlgs.pptx
@@ -5,7 +5,7 @@
     <p:sldMasterId id="2147483648" r:id="rId1"/>
   </p:sldMasterIdLst>
   <p:notesMasterIdLst>
-    <p:notesMasterId r:id="rId32"/>
+    <p:notesMasterId r:id="rId35"/>
   </p:notesMasterIdLst>
   <p:sldIdLst>
     <p:sldId id="256" r:id="rId2"/>
@@ -35,9 +35,12 @@
     <p:sldId id="282" r:id="rId26"/>
     <p:sldId id="280" r:id="rId27"/>
     <p:sldId id="284" r:id="rId28"/>
-    <p:sldId id="283" r:id="rId29"/>
-    <p:sldId id="286" r:id="rId30"/>
-    <p:sldId id="285" r:id="rId31"/>
+    <p:sldId id="289" r:id="rId29"/>
+    <p:sldId id="290" r:id="rId30"/>
+    <p:sldId id="287" r:id="rId31"/>
+    <p:sldId id="283" r:id="rId32"/>
+    <p:sldId id="286" r:id="rId33"/>
+    <p:sldId id="285" r:id="rId34"/>
   </p:sldIdLst>
   <p:sldSz cx="9144000" cy="5143500" type="screen16x9"/>
   <p:notesSz cx="6858000" cy="9144000"/>
@@ -2149,7 +2152,7 @@
           </a:ln>
           <a:extLst>
             <a:ext uri="{C572A759-6A51-4108-AA02-DFA0A04FC94B}">
-              <ma14:wrappingTextBoxFlag xmlns="" xmlns:m="http://schemas.openxmlformats.org/officeDocument/2006/math" xmlns:a14="http://schemas.microsoft.com/office/drawing/2010/main" xmlns:ma14="http://schemas.microsoft.com/office/mac/drawingml/2011/main" val="1"/>
+              <ma14:wrappingTextBoxFlag xmlns:ma14="http://schemas.microsoft.com/office/mac/drawingml/2011/main" xmlns:a14="http://schemas.microsoft.com/office/drawing/2010/main" xmlns:m="http://schemas.openxmlformats.org/officeDocument/2006/math" xmlns="" val="1"/>
             </a:ext>
           </a:extLst>
         </p:spPr>
@@ -2188,7 +2191,7 @@
           </a:ln>
           <a:extLst>
             <a:ext uri="{C572A759-6A51-4108-AA02-DFA0A04FC94B}">
-              <ma14:wrappingTextBoxFlag xmlns="" xmlns:m="http://schemas.openxmlformats.org/officeDocument/2006/math" xmlns:a14="http://schemas.microsoft.com/office/drawing/2010/main" xmlns:ma14="http://schemas.microsoft.com/office/mac/drawingml/2011/main" val="1"/>
+              <ma14:wrappingTextBoxFlag xmlns:ma14="http://schemas.microsoft.com/office/mac/drawingml/2011/main" xmlns:a14="http://schemas.microsoft.com/office/drawing/2010/main" xmlns:m="http://schemas.openxmlformats.org/officeDocument/2006/math" xmlns="" val="1"/>
             </a:ext>
           </a:extLst>
         </p:spPr>
@@ -3150,7 +3153,7 @@
           </a:ln>
           <a:extLst>
             <a:ext uri="{C572A759-6A51-4108-AA02-DFA0A04FC94B}">
-              <ma14:wrappingTextBoxFlag xmlns="" xmlns:m="http://schemas.openxmlformats.org/officeDocument/2006/math" xmlns:a14="http://schemas.microsoft.com/office/drawing/2010/main" xmlns:ma14="http://schemas.microsoft.com/office/mac/drawingml/2011/main" val="1"/>
+              <ma14:wrappingTextBoxFlag xmlns:ma14="http://schemas.microsoft.com/office/mac/drawingml/2011/main" xmlns:a14="http://schemas.microsoft.com/office/drawing/2010/main" xmlns:m="http://schemas.openxmlformats.org/officeDocument/2006/math" xmlns="" val="1"/>
             </a:ext>
           </a:extLst>
         </p:spPr>
@@ -3185,7 +3188,7 @@
           </a:ln>
           <a:extLst>
             <a:ext uri="{C572A759-6A51-4108-AA02-DFA0A04FC94B}">
-              <ma14:wrappingTextBoxFlag xmlns="" xmlns:m="http://schemas.openxmlformats.org/officeDocument/2006/math" xmlns:a14="http://schemas.microsoft.com/office/drawing/2010/main" xmlns:ma14="http://schemas.microsoft.com/office/mac/drawingml/2011/main" val="1"/>
+              <ma14:wrappingTextBoxFlag xmlns:ma14="http://schemas.microsoft.com/office/mac/drawingml/2011/main" xmlns:a14="http://schemas.microsoft.com/office/drawing/2010/main" xmlns:m="http://schemas.openxmlformats.org/officeDocument/2006/math" xmlns="" val="1"/>
             </a:ext>
           </a:extLst>
         </p:spPr>
@@ -3220,7 +3223,7 @@
           </a:ln>
           <a:extLst>
             <a:ext uri="{C572A759-6A51-4108-AA02-DFA0A04FC94B}">
-              <ma14:wrappingTextBoxFlag xmlns="" xmlns:m="http://schemas.openxmlformats.org/officeDocument/2006/math" xmlns:a14="http://schemas.microsoft.com/office/drawing/2010/main" xmlns:ma14="http://schemas.microsoft.com/office/mac/drawingml/2011/main" val="1"/>
+              <ma14:wrappingTextBoxFlag xmlns:ma14="http://schemas.microsoft.com/office/mac/drawingml/2011/main" xmlns:a14="http://schemas.microsoft.com/office/drawing/2010/main" xmlns:m="http://schemas.openxmlformats.org/officeDocument/2006/math" xmlns="" val="1"/>
             </a:ext>
           </a:extLst>
         </p:spPr>
@@ -3391,7 +3394,7 @@
           </a:ln>
           <a:extLst>
             <a:ext uri="{C572A759-6A51-4108-AA02-DFA0A04FC94B}">
-              <ma14:wrappingTextBoxFlag xmlns="" xmlns:m="http://schemas.openxmlformats.org/officeDocument/2006/math" xmlns:a14="http://schemas.microsoft.com/office/drawing/2010/main" xmlns:ma14="http://schemas.microsoft.com/office/mac/drawingml/2011/main" val="1"/>
+              <ma14:wrappingTextBoxFlag xmlns:ma14="http://schemas.microsoft.com/office/mac/drawingml/2011/main" xmlns:a14="http://schemas.microsoft.com/office/drawing/2010/main" xmlns:m="http://schemas.openxmlformats.org/officeDocument/2006/math" xmlns="" val="1"/>
             </a:ext>
           </a:extLst>
         </p:spPr>
@@ -3495,7 +3498,7 @@
           </a:ln>
           <a:extLst>
             <a:ext uri="{C572A759-6A51-4108-AA02-DFA0A04FC94B}">
-              <ma14:wrappingTextBoxFlag xmlns="" xmlns:m="http://schemas.openxmlformats.org/officeDocument/2006/math" xmlns:a14="http://schemas.microsoft.com/office/drawing/2010/main" xmlns:ma14="http://schemas.microsoft.com/office/mac/drawingml/2011/main" val="1"/>
+              <ma14:wrappingTextBoxFlag xmlns:ma14="http://schemas.microsoft.com/office/mac/drawingml/2011/main" xmlns:a14="http://schemas.microsoft.com/office/drawing/2010/main" xmlns:m="http://schemas.openxmlformats.org/officeDocument/2006/math" xmlns="" val="1"/>
             </a:ext>
           </a:extLst>
         </p:spPr>
@@ -3530,7 +3533,7 @@
           </a:ln>
           <a:extLst>
             <a:ext uri="{C572A759-6A51-4108-AA02-DFA0A04FC94B}">
-              <ma14:wrappingTextBoxFlag xmlns="" xmlns:m="http://schemas.openxmlformats.org/officeDocument/2006/math" xmlns:a14="http://schemas.microsoft.com/office/drawing/2010/main" xmlns:ma14="http://schemas.microsoft.com/office/mac/drawingml/2011/main" val="1"/>
+              <ma14:wrappingTextBoxFlag xmlns:ma14="http://schemas.microsoft.com/office/mac/drawingml/2011/main" xmlns:a14="http://schemas.microsoft.com/office/drawing/2010/main" xmlns:m="http://schemas.openxmlformats.org/officeDocument/2006/math" xmlns="" val="1"/>
             </a:ext>
           </a:extLst>
         </p:spPr>
@@ -3641,7 +3644,7 @@
           </a:ln>
           <a:extLst>
             <a:ext uri="{C572A759-6A51-4108-AA02-DFA0A04FC94B}">
-              <ma14:wrappingTextBoxFlag xmlns="" xmlns:m="http://schemas.openxmlformats.org/officeDocument/2006/math" xmlns:a14="http://schemas.microsoft.com/office/drawing/2010/main" xmlns:ma14="http://schemas.microsoft.com/office/mac/drawingml/2011/main" val="1"/>
+              <ma14:wrappingTextBoxFlag xmlns:ma14="http://schemas.microsoft.com/office/mac/drawingml/2011/main" xmlns:a14="http://schemas.microsoft.com/office/drawing/2010/main" xmlns:m="http://schemas.openxmlformats.org/officeDocument/2006/math" xmlns="" val="1"/>
             </a:ext>
           </a:extLst>
         </p:spPr>
@@ -3676,7 +3679,7 @@
           </a:ln>
           <a:extLst>
             <a:ext uri="{C572A759-6A51-4108-AA02-DFA0A04FC94B}">
-              <ma14:wrappingTextBoxFlag xmlns="" xmlns:m="http://schemas.openxmlformats.org/officeDocument/2006/math" xmlns:a14="http://schemas.microsoft.com/office/drawing/2010/main" xmlns:ma14="http://schemas.microsoft.com/office/mac/drawingml/2011/main" val="1"/>
+              <ma14:wrappingTextBoxFlag xmlns:ma14="http://schemas.microsoft.com/office/mac/drawingml/2011/main" xmlns:a14="http://schemas.microsoft.com/office/drawing/2010/main" xmlns:m="http://schemas.openxmlformats.org/officeDocument/2006/math" xmlns="" val="1"/>
             </a:ext>
           </a:extLst>
         </p:spPr>
@@ -3711,7 +3714,7 @@
           </a:ln>
           <a:extLst>
             <a:ext uri="{C572A759-6A51-4108-AA02-DFA0A04FC94B}">
-              <ma14:wrappingTextBoxFlag xmlns="" xmlns:m="http://schemas.openxmlformats.org/officeDocument/2006/math" xmlns:a14="http://schemas.microsoft.com/office/drawing/2010/main" xmlns:ma14="http://schemas.microsoft.com/office/mac/drawingml/2011/main" val="1"/>
+              <ma14:wrappingTextBoxFlag xmlns:ma14="http://schemas.microsoft.com/office/mac/drawingml/2011/main" xmlns:a14="http://schemas.microsoft.com/office/drawing/2010/main" xmlns:m="http://schemas.openxmlformats.org/officeDocument/2006/math" xmlns="" val="1"/>
             </a:ext>
           </a:extLst>
         </p:spPr>
@@ -3754,7 +3757,7 @@
           </a:ln>
           <a:extLst>
             <a:ext uri="{C572A759-6A51-4108-AA02-DFA0A04FC94B}">
-              <ma14:wrappingTextBoxFlag xmlns="" xmlns:m="http://schemas.openxmlformats.org/officeDocument/2006/math" xmlns:a14="http://schemas.microsoft.com/office/drawing/2010/main" xmlns:ma14="http://schemas.microsoft.com/office/mac/drawingml/2011/main" val="1"/>
+              <ma14:wrappingTextBoxFlag xmlns:ma14="http://schemas.microsoft.com/office/mac/drawingml/2011/main" xmlns:a14="http://schemas.microsoft.com/office/drawing/2010/main" xmlns:m="http://schemas.openxmlformats.org/officeDocument/2006/math" xmlns="" val="1"/>
             </a:ext>
           </a:extLst>
         </p:spPr>
@@ -3804,7 +3807,7 @@
           </a:ln>
           <a:extLst>
             <a:ext uri="{C572A759-6A51-4108-AA02-DFA0A04FC94B}">
-              <ma14:wrappingTextBoxFlag xmlns="" xmlns:m="http://schemas.openxmlformats.org/officeDocument/2006/math" xmlns:a14="http://schemas.microsoft.com/office/drawing/2010/main" xmlns:ma14="http://schemas.microsoft.com/office/mac/drawingml/2011/main" val="1"/>
+              <ma14:wrappingTextBoxFlag xmlns:ma14="http://schemas.microsoft.com/office/mac/drawingml/2011/main" xmlns:a14="http://schemas.microsoft.com/office/drawing/2010/main" xmlns:m="http://schemas.openxmlformats.org/officeDocument/2006/math" xmlns="" val="1"/>
             </a:ext>
           </a:extLst>
         </p:spPr>
@@ -3847,7 +3850,7 @@
           </a:ln>
           <a:extLst>
             <a:ext uri="{C572A759-6A51-4108-AA02-DFA0A04FC94B}">
-              <ma14:wrappingTextBoxFlag xmlns="" xmlns:m="http://schemas.openxmlformats.org/officeDocument/2006/math" xmlns:a14="http://schemas.microsoft.com/office/drawing/2010/main" xmlns:ma14="http://schemas.microsoft.com/office/mac/drawingml/2011/main" val="1"/>
+              <ma14:wrappingTextBoxFlag xmlns:ma14="http://schemas.microsoft.com/office/mac/drawingml/2011/main" xmlns:a14="http://schemas.microsoft.com/office/drawing/2010/main" xmlns:m="http://schemas.openxmlformats.org/officeDocument/2006/math" xmlns="" val="1"/>
             </a:ext>
           </a:extLst>
         </p:spPr>
@@ -3897,7 +3900,7 @@
           </a:ln>
           <a:extLst>
             <a:ext uri="{C572A759-6A51-4108-AA02-DFA0A04FC94B}">
-              <ma14:wrappingTextBoxFlag xmlns="" xmlns:m="http://schemas.openxmlformats.org/officeDocument/2006/math" xmlns:a14="http://schemas.microsoft.com/office/drawing/2010/main" xmlns:ma14="http://schemas.microsoft.com/office/mac/drawingml/2011/main" val="1"/>
+              <ma14:wrappingTextBoxFlag xmlns:ma14="http://schemas.microsoft.com/office/mac/drawingml/2011/main" xmlns:a14="http://schemas.microsoft.com/office/drawing/2010/main" xmlns:m="http://schemas.openxmlformats.org/officeDocument/2006/math" xmlns="" val="1"/>
             </a:ext>
           </a:extLst>
         </p:spPr>
@@ -3940,7 +3943,7 @@
           </a:ln>
           <a:extLst>
             <a:ext uri="{C572A759-6A51-4108-AA02-DFA0A04FC94B}">
-              <ma14:wrappingTextBoxFlag xmlns="" xmlns:m="http://schemas.openxmlformats.org/officeDocument/2006/math" xmlns:a14="http://schemas.microsoft.com/office/drawing/2010/main" xmlns:ma14="http://schemas.microsoft.com/office/mac/drawingml/2011/main" val="1"/>
+              <ma14:wrappingTextBoxFlag xmlns:ma14="http://schemas.microsoft.com/office/mac/drawingml/2011/main" xmlns:a14="http://schemas.microsoft.com/office/drawing/2010/main" xmlns:m="http://schemas.openxmlformats.org/officeDocument/2006/math" xmlns="" val="1"/>
             </a:ext>
           </a:extLst>
         </p:spPr>
@@ -4071,7 +4074,7 @@
           </a:ln>
           <a:extLst>
             <a:ext uri="{C572A759-6A51-4108-AA02-DFA0A04FC94B}">
-              <ma14:wrappingTextBoxFlag xmlns="" xmlns:m="http://schemas.openxmlformats.org/officeDocument/2006/math" xmlns:a14="http://schemas.microsoft.com/office/drawing/2010/main" xmlns:ma14="http://schemas.microsoft.com/office/mac/drawingml/2011/main" val="1"/>
+              <ma14:wrappingTextBoxFlag xmlns:ma14="http://schemas.microsoft.com/office/mac/drawingml/2011/main" xmlns:a14="http://schemas.microsoft.com/office/drawing/2010/main" xmlns:m="http://schemas.openxmlformats.org/officeDocument/2006/math" xmlns="" val="1"/>
             </a:ext>
           </a:extLst>
         </p:spPr>
@@ -4106,7 +4109,7 @@
           </a:ln>
           <a:extLst>
             <a:ext uri="{C572A759-6A51-4108-AA02-DFA0A04FC94B}">
-              <ma14:wrappingTextBoxFlag xmlns="" xmlns:m="http://schemas.openxmlformats.org/officeDocument/2006/math" xmlns:a14="http://schemas.microsoft.com/office/drawing/2010/main" xmlns:ma14="http://schemas.microsoft.com/office/mac/drawingml/2011/main" val="1"/>
+              <ma14:wrappingTextBoxFlag xmlns:ma14="http://schemas.microsoft.com/office/mac/drawingml/2011/main" xmlns:a14="http://schemas.microsoft.com/office/drawing/2010/main" xmlns:m="http://schemas.openxmlformats.org/officeDocument/2006/math" xmlns="" val="1"/>
             </a:ext>
           </a:extLst>
         </p:spPr>
@@ -4141,7 +4144,7 @@
           </a:ln>
           <a:extLst>
             <a:ext uri="{C572A759-6A51-4108-AA02-DFA0A04FC94B}">
-              <ma14:wrappingTextBoxFlag xmlns="" xmlns:m="http://schemas.openxmlformats.org/officeDocument/2006/math" xmlns:a14="http://schemas.microsoft.com/office/drawing/2010/main" xmlns:ma14="http://schemas.microsoft.com/office/mac/drawingml/2011/main" val="1"/>
+              <ma14:wrappingTextBoxFlag xmlns:ma14="http://schemas.microsoft.com/office/mac/drawingml/2011/main" xmlns:a14="http://schemas.microsoft.com/office/drawing/2010/main" xmlns:m="http://schemas.openxmlformats.org/officeDocument/2006/math" xmlns="" val="1"/>
             </a:ext>
           </a:extLst>
         </p:spPr>
@@ -4214,7 +4217,7 @@
           </a:ln>
           <a:extLst>
             <a:ext uri="{C572A759-6A51-4108-AA02-DFA0A04FC94B}">
-              <ma14:wrappingTextBoxFlag xmlns="" xmlns:m="http://schemas.openxmlformats.org/officeDocument/2006/math" xmlns:a14="http://schemas.microsoft.com/office/drawing/2010/main" xmlns:ma14="http://schemas.microsoft.com/office/mac/drawingml/2011/main" val="1"/>
+              <ma14:wrappingTextBoxFlag xmlns:ma14="http://schemas.microsoft.com/office/mac/drawingml/2011/main" xmlns:a14="http://schemas.microsoft.com/office/drawing/2010/main" xmlns:m="http://schemas.openxmlformats.org/officeDocument/2006/math" xmlns="" val="1"/>
             </a:ext>
           </a:extLst>
         </p:spPr>
@@ -4335,7 +4338,7 @@
           </a:ln>
           <a:extLst>
             <a:ext uri="{C572A759-6A51-4108-AA02-DFA0A04FC94B}">
-              <ma14:wrappingTextBoxFlag xmlns="" xmlns:m="http://schemas.openxmlformats.org/officeDocument/2006/math" xmlns:a14="http://schemas.microsoft.com/office/drawing/2010/main" xmlns:ma14="http://schemas.microsoft.com/office/mac/drawingml/2011/main" val="1"/>
+              <ma14:wrappingTextBoxFlag xmlns:ma14="http://schemas.microsoft.com/office/mac/drawingml/2011/main" xmlns:a14="http://schemas.microsoft.com/office/drawing/2010/main" xmlns:m="http://schemas.openxmlformats.org/officeDocument/2006/math" xmlns="" val="1"/>
             </a:ext>
           </a:extLst>
         </p:spPr>
@@ -4370,7 +4373,7 @@
           </a:ln>
           <a:extLst>
             <a:ext uri="{C572A759-6A51-4108-AA02-DFA0A04FC94B}">
-              <ma14:wrappingTextBoxFlag xmlns="" xmlns:m="http://schemas.openxmlformats.org/officeDocument/2006/math" xmlns:a14="http://schemas.microsoft.com/office/drawing/2010/main" xmlns:ma14="http://schemas.microsoft.com/office/mac/drawingml/2011/main" val="1"/>
+              <ma14:wrappingTextBoxFlag xmlns:ma14="http://schemas.microsoft.com/office/mac/drawingml/2011/main" xmlns:a14="http://schemas.microsoft.com/office/drawing/2010/main" xmlns:m="http://schemas.openxmlformats.org/officeDocument/2006/math" xmlns="" val="1"/>
             </a:ext>
           </a:extLst>
         </p:spPr>
@@ -4432,7 +4435,7 @@
           </a:ln>
           <a:extLst>
             <a:ext uri="{C572A759-6A51-4108-AA02-DFA0A04FC94B}">
-              <ma14:wrappingTextBoxFlag xmlns="" xmlns:m="http://schemas.openxmlformats.org/officeDocument/2006/math" xmlns:a14="http://schemas.microsoft.com/office/drawing/2010/main" xmlns:ma14="http://schemas.microsoft.com/office/mac/drawingml/2011/main" val="1"/>
+              <ma14:wrappingTextBoxFlag xmlns:ma14="http://schemas.microsoft.com/office/mac/drawingml/2011/main" xmlns:a14="http://schemas.microsoft.com/office/drawing/2010/main" xmlns:m="http://schemas.openxmlformats.org/officeDocument/2006/math" xmlns="" val="1"/>
             </a:ext>
           </a:extLst>
         </p:spPr>
@@ -4488,7 +4491,7 @@
           </a:ln>
           <a:extLst>
             <a:ext uri="{C572A759-6A51-4108-AA02-DFA0A04FC94B}">
-              <ma14:wrappingTextBoxFlag xmlns="" xmlns:m="http://schemas.openxmlformats.org/officeDocument/2006/math" xmlns:a14="http://schemas.microsoft.com/office/drawing/2010/main" xmlns:ma14="http://schemas.microsoft.com/office/mac/drawingml/2011/main" val="1"/>
+              <ma14:wrappingTextBoxFlag xmlns:ma14="http://schemas.microsoft.com/office/mac/drawingml/2011/main" xmlns:a14="http://schemas.microsoft.com/office/drawing/2010/main" xmlns:m="http://schemas.openxmlformats.org/officeDocument/2006/math" xmlns="" val="1"/>
             </a:ext>
           </a:extLst>
         </p:spPr>
@@ -4561,7 +4564,7 @@
           </a:ln>
           <a:extLst>
             <a:ext uri="{C572A759-6A51-4108-AA02-DFA0A04FC94B}">
-              <ma14:wrappingTextBoxFlag xmlns="" xmlns:m="http://schemas.openxmlformats.org/officeDocument/2006/math" xmlns:a14="http://schemas.microsoft.com/office/drawing/2010/main" xmlns:ma14="http://schemas.microsoft.com/office/mac/drawingml/2011/main" val="1"/>
+              <ma14:wrappingTextBoxFlag xmlns:ma14="http://schemas.microsoft.com/office/mac/drawingml/2011/main" xmlns:a14="http://schemas.microsoft.com/office/drawing/2010/main" xmlns:m="http://schemas.openxmlformats.org/officeDocument/2006/math" xmlns="" val="1"/>
             </a:ext>
           </a:extLst>
         </p:spPr>
@@ -4772,7 +4775,7 @@
           </a:ln>
           <a:extLst>
             <a:ext uri="{C572A759-6A51-4108-AA02-DFA0A04FC94B}">
-              <ma14:wrappingTextBoxFlag xmlns="" xmlns:m="http://schemas.openxmlformats.org/officeDocument/2006/math" xmlns:a14="http://schemas.microsoft.com/office/drawing/2010/main" xmlns:ma14="http://schemas.microsoft.com/office/mac/drawingml/2011/main" val="1"/>
+              <ma14:wrappingTextBoxFlag xmlns:ma14="http://schemas.microsoft.com/office/mac/drawingml/2011/main" xmlns:a14="http://schemas.microsoft.com/office/drawing/2010/main" xmlns:m="http://schemas.openxmlformats.org/officeDocument/2006/math" xmlns="" val="1"/>
             </a:ext>
           </a:extLst>
         </p:spPr>
@@ -4876,7 +4879,7 @@
           </a:ln>
           <a:extLst>
             <a:ext uri="{C572A759-6A51-4108-AA02-DFA0A04FC94B}">
-              <ma14:wrappingTextBoxFlag xmlns="" xmlns:m="http://schemas.openxmlformats.org/officeDocument/2006/math" xmlns:a14="http://schemas.microsoft.com/office/drawing/2010/main" xmlns:ma14="http://schemas.microsoft.com/office/mac/drawingml/2011/main" val="1"/>
+              <ma14:wrappingTextBoxFlag xmlns:ma14="http://schemas.microsoft.com/office/mac/drawingml/2011/main" xmlns:a14="http://schemas.microsoft.com/office/drawing/2010/main" xmlns:m="http://schemas.openxmlformats.org/officeDocument/2006/math" xmlns="" val="1"/>
             </a:ext>
           </a:extLst>
         </p:spPr>
@@ -4911,7 +4914,7 @@
           </a:ln>
           <a:extLst>
             <a:ext uri="{C572A759-6A51-4108-AA02-DFA0A04FC94B}">
-              <ma14:wrappingTextBoxFlag xmlns="" xmlns:m="http://schemas.openxmlformats.org/officeDocument/2006/math" xmlns:a14="http://schemas.microsoft.com/office/drawing/2010/main" xmlns:ma14="http://schemas.microsoft.com/office/mac/drawingml/2011/main" val="1"/>
+              <ma14:wrappingTextBoxFlag xmlns:ma14="http://schemas.microsoft.com/office/mac/drawingml/2011/main" xmlns:a14="http://schemas.microsoft.com/office/drawing/2010/main" xmlns:m="http://schemas.openxmlformats.org/officeDocument/2006/math" xmlns="" val="1"/>
             </a:ext>
           </a:extLst>
         </p:spPr>
@@ -5022,7 +5025,7 @@
           </a:ln>
           <a:extLst>
             <a:ext uri="{C572A759-6A51-4108-AA02-DFA0A04FC94B}">
-              <ma14:wrappingTextBoxFlag xmlns="" xmlns:m="http://schemas.openxmlformats.org/officeDocument/2006/math" xmlns:a14="http://schemas.microsoft.com/office/drawing/2010/main" xmlns:ma14="http://schemas.microsoft.com/office/mac/drawingml/2011/main" val="1"/>
+              <ma14:wrappingTextBoxFlag xmlns:ma14="http://schemas.microsoft.com/office/mac/drawingml/2011/main" xmlns:a14="http://schemas.microsoft.com/office/drawing/2010/main" xmlns:m="http://schemas.openxmlformats.org/officeDocument/2006/math" xmlns="" val="1"/>
             </a:ext>
           </a:extLst>
         </p:spPr>
@@ -5057,7 +5060,7 @@
           </a:ln>
           <a:extLst>
             <a:ext uri="{C572A759-6A51-4108-AA02-DFA0A04FC94B}">
-              <ma14:wrappingTextBoxFlag xmlns="" xmlns:m="http://schemas.openxmlformats.org/officeDocument/2006/math" xmlns:a14="http://schemas.microsoft.com/office/drawing/2010/main" xmlns:ma14="http://schemas.microsoft.com/office/mac/drawingml/2011/main" val="1"/>
+              <ma14:wrappingTextBoxFlag xmlns:ma14="http://schemas.microsoft.com/office/mac/drawingml/2011/main" xmlns:a14="http://schemas.microsoft.com/office/drawing/2010/main" xmlns:m="http://schemas.openxmlformats.org/officeDocument/2006/math" xmlns="" val="1"/>
             </a:ext>
           </a:extLst>
         </p:spPr>
@@ -5092,7 +5095,7 @@
           </a:ln>
           <a:extLst>
             <a:ext uri="{C572A759-6A51-4108-AA02-DFA0A04FC94B}">
-              <ma14:wrappingTextBoxFlag xmlns="" xmlns:m="http://schemas.openxmlformats.org/officeDocument/2006/math" xmlns:a14="http://schemas.microsoft.com/office/drawing/2010/main" xmlns:ma14="http://schemas.microsoft.com/office/mac/drawingml/2011/main" val="1"/>
+              <ma14:wrappingTextBoxFlag xmlns:ma14="http://schemas.microsoft.com/office/mac/drawingml/2011/main" xmlns:a14="http://schemas.microsoft.com/office/drawing/2010/main" xmlns:m="http://schemas.openxmlformats.org/officeDocument/2006/math" xmlns="" val="1"/>
             </a:ext>
           </a:extLst>
         </p:spPr>
@@ -5170,7 +5173,7 @@
           </a:ln>
           <a:extLst>
             <a:ext uri="{C572A759-6A51-4108-AA02-DFA0A04FC94B}">
-              <ma14:wrappingTextBoxFlag xmlns="" xmlns:m="http://schemas.openxmlformats.org/officeDocument/2006/math" xmlns:a14="http://schemas.microsoft.com/office/drawing/2010/main" xmlns:ma14="http://schemas.microsoft.com/office/mac/drawingml/2011/main" val="1"/>
+              <ma14:wrappingTextBoxFlag xmlns:ma14="http://schemas.microsoft.com/office/mac/drawingml/2011/main" xmlns:a14="http://schemas.microsoft.com/office/drawing/2010/main" xmlns:m="http://schemas.openxmlformats.org/officeDocument/2006/math" xmlns="" val="1"/>
             </a:ext>
           </a:extLst>
         </p:spPr>
@@ -5218,7 +5221,7 @@
           </a:ln>
           <a:extLst>
             <a:ext uri="{C572A759-6A51-4108-AA02-DFA0A04FC94B}">
-              <ma14:wrappingTextBoxFlag xmlns="" xmlns:m="http://schemas.openxmlformats.org/officeDocument/2006/math" xmlns:a14="http://schemas.microsoft.com/office/drawing/2010/main" xmlns:ma14="http://schemas.microsoft.com/office/mac/drawingml/2011/main" val="1"/>
+              <ma14:wrappingTextBoxFlag xmlns:ma14="http://schemas.microsoft.com/office/mac/drawingml/2011/main" xmlns:a14="http://schemas.microsoft.com/office/drawing/2010/main" xmlns:m="http://schemas.openxmlformats.org/officeDocument/2006/math" xmlns="" val="1"/>
             </a:ext>
           </a:extLst>
         </p:spPr>
@@ -5358,7 +5361,7 @@
           </a:ln>
           <a:extLst>
             <a:ext uri="{C572A759-6A51-4108-AA02-DFA0A04FC94B}">
-              <ma14:wrappingTextBoxFlag xmlns="" xmlns:m="http://schemas.openxmlformats.org/officeDocument/2006/math" xmlns:a14="http://schemas.microsoft.com/office/drawing/2010/main" xmlns:ma14="http://schemas.microsoft.com/office/mac/drawingml/2011/main" val="1"/>
+              <ma14:wrappingTextBoxFlag xmlns:ma14="http://schemas.microsoft.com/office/mac/drawingml/2011/main" xmlns:a14="http://schemas.microsoft.com/office/drawing/2010/main" xmlns:m="http://schemas.openxmlformats.org/officeDocument/2006/math" xmlns="" val="1"/>
             </a:ext>
           </a:extLst>
         </p:spPr>
@@ -5393,7 +5396,7 @@
           </a:ln>
           <a:extLst>
             <a:ext uri="{C572A759-6A51-4108-AA02-DFA0A04FC94B}">
-              <ma14:wrappingTextBoxFlag xmlns="" xmlns:m="http://schemas.openxmlformats.org/officeDocument/2006/math" xmlns:a14="http://schemas.microsoft.com/office/drawing/2010/main" xmlns:ma14="http://schemas.microsoft.com/office/mac/drawingml/2011/main" val="1"/>
+              <ma14:wrappingTextBoxFlag xmlns:ma14="http://schemas.microsoft.com/office/mac/drawingml/2011/main" xmlns:a14="http://schemas.microsoft.com/office/drawing/2010/main" xmlns:m="http://schemas.openxmlformats.org/officeDocument/2006/math" xmlns="" val="1"/>
             </a:ext>
           </a:extLst>
         </p:spPr>
@@ -5428,7 +5431,7 @@
           </a:ln>
           <a:extLst>
             <a:ext uri="{C572A759-6A51-4108-AA02-DFA0A04FC94B}">
-              <ma14:wrappingTextBoxFlag xmlns="" xmlns:m="http://schemas.openxmlformats.org/officeDocument/2006/math" xmlns:a14="http://schemas.microsoft.com/office/drawing/2010/main" xmlns:ma14="http://schemas.microsoft.com/office/mac/drawingml/2011/main" val="1"/>
+              <ma14:wrappingTextBoxFlag xmlns:ma14="http://schemas.microsoft.com/office/mac/drawingml/2011/main" xmlns:a14="http://schemas.microsoft.com/office/drawing/2010/main" xmlns:m="http://schemas.openxmlformats.org/officeDocument/2006/math" xmlns="" val="1"/>
             </a:ext>
           </a:extLst>
         </p:spPr>
@@ -5490,7 +5493,7 @@
           </a:ln>
           <a:extLst>
             <a:ext uri="{C572A759-6A51-4108-AA02-DFA0A04FC94B}">
-              <ma14:wrappingTextBoxFlag xmlns="" xmlns:m="http://schemas.openxmlformats.org/officeDocument/2006/math" xmlns:a14="http://schemas.microsoft.com/office/drawing/2010/main" xmlns:ma14="http://schemas.microsoft.com/office/mac/drawingml/2011/main" val="1"/>
+              <ma14:wrappingTextBoxFlag xmlns:ma14="http://schemas.microsoft.com/office/mac/drawingml/2011/main" xmlns:a14="http://schemas.microsoft.com/office/drawing/2010/main" xmlns:m="http://schemas.openxmlformats.org/officeDocument/2006/math" xmlns="" val="1"/>
             </a:ext>
           </a:extLst>
         </p:spPr>
@@ -5565,7 +5568,7 @@
           </a:ln>
           <a:extLst>
             <a:ext uri="{C572A759-6A51-4108-AA02-DFA0A04FC94B}">
-              <ma14:wrappingTextBoxFlag xmlns="" xmlns:m="http://schemas.openxmlformats.org/officeDocument/2006/math" xmlns:a14="http://schemas.microsoft.com/office/drawing/2010/main" xmlns:ma14="http://schemas.microsoft.com/office/mac/drawingml/2011/main" val="1"/>
+              <ma14:wrappingTextBoxFlag xmlns:ma14="http://schemas.microsoft.com/office/mac/drawingml/2011/main" xmlns:a14="http://schemas.microsoft.com/office/drawing/2010/main" xmlns:m="http://schemas.openxmlformats.org/officeDocument/2006/math" xmlns="" val="1"/>
             </a:ext>
           </a:extLst>
         </p:spPr>
@@ -5719,7 +5722,7 @@
           </a:ln>
           <a:extLst>
             <a:ext uri="{C572A759-6A51-4108-AA02-DFA0A04FC94B}">
-              <ma14:wrappingTextBoxFlag xmlns="" xmlns:m="http://schemas.openxmlformats.org/officeDocument/2006/math" xmlns:a14="http://schemas.microsoft.com/office/drawing/2010/main" xmlns:ma14="http://schemas.microsoft.com/office/mac/drawingml/2011/main" val="1"/>
+              <ma14:wrappingTextBoxFlag xmlns:ma14="http://schemas.microsoft.com/office/mac/drawingml/2011/main" xmlns:a14="http://schemas.microsoft.com/office/drawing/2010/main" xmlns:m="http://schemas.openxmlformats.org/officeDocument/2006/math" xmlns="" val="1"/>
             </a:ext>
           </a:extLst>
         </p:spPr>
@@ -5754,7 +5757,7 @@
           </a:ln>
           <a:extLst>
             <a:ext uri="{C572A759-6A51-4108-AA02-DFA0A04FC94B}">
-              <ma14:wrappingTextBoxFlag xmlns="" xmlns:m="http://schemas.openxmlformats.org/officeDocument/2006/math" xmlns:a14="http://schemas.microsoft.com/office/drawing/2010/main" xmlns:ma14="http://schemas.microsoft.com/office/mac/drawingml/2011/main" val="1"/>
+              <ma14:wrappingTextBoxFlag xmlns:ma14="http://schemas.microsoft.com/office/mac/drawingml/2011/main" xmlns:a14="http://schemas.microsoft.com/office/drawing/2010/main" xmlns:m="http://schemas.openxmlformats.org/officeDocument/2006/math" xmlns="" val="1"/>
             </a:ext>
           </a:extLst>
         </p:spPr>
@@ -5789,7 +5792,7 @@
           </a:ln>
           <a:extLst>
             <a:ext uri="{C572A759-6A51-4108-AA02-DFA0A04FC94B}">
-              <ma14:wrappingTextBoxFlag xmlns="" xmlns:m="http://schemas.openxmlformats.org/officeDocument/2006/math" xmlns:a14="http://schemas.microsoft.com/office/drawing/2010/main" xmlns:ma14="http://schemas.microsoft.com/office/mac/drawingml/2011/main" val="1"/>
+              <ma14:wrappingTextBoxFlag xmlns:ma14="http://schemas.microsoft.com/office/mac/drawingml/2011/main" xmlns:a14="http://schemas.microsoft.com/office/drawing/2010/main" xmlns:m="http://schemas.openxmlformats.org/officeDocument/2006/math" xmlns="" val="1"/>
             </a:ext>
           </a:extLst>
         </p:spPr>
@@ -5851,7 +5854,7 @@
           </a:ln>
           <a:extLst>
             <a:ext uri="{C572A759-6A51-4108-AA02-DFA0A04FC94B}">
-              <ma14:wrappingTextBoxFlag xmlns="" xmlns:m="http://schemas.openxmlformats.org/officeDocument/2006/math" xmlns:a14="http://schemas.microsoft.com/office/drawing/2010/main" xmlns:ma14="http://schemas.microsoft.com/office/mac/drawingml/2011/main" val="1"/>
+              <ma14:wrappingTextBoxFlag xmlns:ma14="http://schemas.microsoft.com/office/mac/drawingml/2011/main" xmlns:a14="http://schemas.microsoft.com/office/drawing/2010/main" xmlns:m="http://schemas.openxmlformats.org/officeDocument/2006/math" xmlns="" val="1"/>
             </a:ext>
           </a:extLst>
         </p:spPr>
@@ -6026,7 +6029,7 @@
           </a:ln>
           <a:extLst>
             <a:ext uri="{C572A759-6A51-4108-AA02-DFA0A04FC94B}">
-              <ma14:wrappingTextBoxFlag xmlns="" xmlns:m="http://schemas.openxmlformats.org/officeDocument/2006/math" xmlns:a14="http://schemas.microsoft.com/office/drawing/2010/main" xmlns:ma14="http://schemas.microsoft.com/office/mac/drawingml/2011/main" val="1"/>
+              <ma14:wrappingTextBoxFlag xmlns:ma14="http://schemas.microsoft.com/office/mac/drawingml/2011/main" xmlns:a14="http://schemas.microsoft.com/office/drawing/2010/main" xmlns:m="http://schemas.openxmlformats.org/officeDocument/2006/math" xmlns="" val="1"/>
             </a:ext>
           </a:extLst>
         </p:spPr>
@@ -6176,7 +6179,7 @@
           </a:ln>
           <a:extLst>
             <a:ext uri="{C572A759-6A51-4108-AA02-DFA0A04FC94B}">
-              <ma14:wrappingTextBoxFlag xmlns="" xmlns:m="http://schemas.openxmlformats.org/officeDocument/2006/math" xmlns:a14="http://schemas.microsoft.com/office/drawing/2010/main" xmlns:ma14="http://schemas.microsoft.com/office/mac/drawingml/2011/main" val="1"/>
+              <ma14:wrappingTextBoxFlag xmlns:ma14="http://schemas.microsoft.com/office/mac/drawingml/2011/main" xmlns:a14="http://schemas.microsoft.com/office/drawing/2010/main" xmlns:m="http://schemas.openxmlformats.org/officeDocument/2006/math" xmlns="" val="1"/>
             </a:ext>
           </a:extLst>
         </p:spPr>
@@ -6265,7 +6268,7 @@
           </a:ln>
           <a:extLst>
             <a:ext uri="{C572A759-6A51-4108-AA02-DFA0A04FC94B}">
-              <ma14:wrappingTextBoxFlag xmlns="" xmlns:m="http://schemas.openxmlformats.org/officeDocument/2006/math" xmlns:a14="http://schemas.microsoft.com/office/drawing/2010/main" xmlns:ma14="http://schemas.microsoft.com/office/mac/drawingml/2011/main" val="1"/>
+              <ma14:wrappingTextBoxFlag xmlns:ma14="http://schemas.microsoft.com/office/mac/drawingml/2011/main" xmlns:a14="http://schemas.microsoft.com/office/drawing/2010/main" xmlns:m="http://schemas.openxmlformats.org/officeDocument/2006/math" xmlns="" val="1"/>
             </a:ext>
           </a:extLst>
         </p:spPr>
@@ -6300,7 +6303,7 @@
           </a:ln>
           <a:extLst>
             <a:ext uri="{C572A759-6A51-4108-AA02-DFA0A04FC94B}">
-              <ma14:wrappingTextBoxFlag xmlns="" xmlns:m="http://schemas.openxmlformats.org/officeDocument/2006/math" xmlns:a14="http://schemas.microsoft.com/office/drawing/2010/main" xmlns:ma14="http://schemas.microsoft.com/office/mac/drawingml/2011/main" val="1"/>
+              <ma14:wrappingTextBoxFlag xmlns:ma14="http://schemas.microsoft.com/office/mac/drawingml/2011/main" xmlns:a14="http://schemas.microsoft.com/office/drawing/2010/main" xmlns:m="http://schemas.openxmlformats.org/officeDocument/2006/math" xmlns="" val="1"/>
             </a:ext>
           </a:extLst>
         </p:spPr>
@@ -6411,7 +6414,7 @@
           </a:ln>
           <a:extLst>
             <a:ext uri="{C572A759-6A51-4108-AA02-DFA0A04FC94B}">
-              <ma14:wrappingTextBoxFlag xmlns="" xmlns:m="http://schemas.openxmlformats.org/officeDocument/2006/math" xmlns:a14="http://schemas.microsoft.com/office/drawing/2010/main" xmlns:ma14="http://schemas.microsoft.com/office/mac/drawingml/2011/main" val="1"/>
+              <ma14:wrappingTextBoxFlag xmlns:ma14="http://schemas.microsoft.com/office/mac/drawingml/2011/main" xmlns:a14="http://schemas.microsoft.com/office/drawing/2010/main" xmlns:m="http://schemas.openxmlformats.org/officeDocument/2006/math" xmlns="" val="1"/>
             </a:ext>
           </a:extLst>
         </p:spPr>
@@ -6461,7 +6464,7 @@
           </a:ln>
           <a:extLst>
             <a:ext uri="{C572A759-6A51-4108-AA02-DFA0A04FC94B}">
-              <ma14:wrappingTextBoxFlag xmlns="" xmlns:m="http://schemas.openxmlformats.org/officeDocument/2006/math" xmlns:a14="http://schemas.microsoft.com/office/drawing/2010/main" xmlns:ma14="http://schemas.microsoft.com/office/mac/drawingml/2011/main" val="1"/>
+              <ma14:wrappingTextBoxFlag xmlns:ma14="http://schemas.microsoft.com/office/mac/drawingml/2011/main" xmlns:a14="http://schemas.microsoft.com/office/drawing/2010/main" xmlns:m="http://schemas.openxmlformats.org/officeDocument/2006/math" xmlns="" val="1"/>
             </a:ext>
           </a:extLst>
         </p:spPr>
@@ -6496,7 +6499,7 @@
           </a:ln>
           <a:extLst>
             <a:ext uri="{C572A759-6A51-4108-AA02-DFA0A04FC94B}">
-              <ma14:wrappingTextBoxFlag xmlns="" xmlns:m="http://schemas.openxmlformats.org/officeDocument/2006/math" xmlns:a14="http://schemas.microsoft.com/office/drawing/2010/main" xmlns:ma14="http://schemas.microsoft.com/office/mac/drawingml/2011/main" val="1"/>
+              <ma14:wrappingTextBoxFlag xmlns:ma14="http://schemas.microsoft.com/office/mac/drawingml/2011/main" xmlns:a14="http://schemas.microsoft.com/office/drawing/2010/main" xmlns:m="http://schemas.openxmlformats.org/officeDocument/2006/math" xmlns="" val="1"/>
             </a:ext>
           </a:extLst>
         </p:spPr>
@@ -6531,7 +6534,7 @@
           </a:ln>
           <a:extLst>
             <a:ext uri="{C572A759-6A51-4108-AA02-DFA0A04FC94B}">
-              <ma14:wrappingTextBoxFlag xmlns="" xmlns:m="http://schemas.openxmlformats.org/officeDocument/2006/math" xmlns:a14="http://schemas.microsoft.com/office/drawing/2010/main" xmlns:ma14="http://schemas.microsoft.com/office/mac/drawingml/2011/main" val="1"/>
+              <ma14:wrappingTextBoxFlag xmlns:ma14="http://schemas.microsoft.com/office/mac/drawingml/2011/main" xmlns:a14="http://schemas.microsoft.com/office/drawing/2010/main" xmlns:m="http://schemas.openxmlformats.org/officeDocument/2006/math" xmlns="" val="1"/>
             </a:ext>
           </a:extLst>
         </p:spPr>
@@ -6834,7 +6837,7 @@
           </a:ln>
           <a:extLst>
             <a:ext uri="{C572A759-6A51-4108-AA02-DFA0A04FC94B}">
-              <ma14:wrappingTextBoxFlag xmlns="" xmlns:m="http://schemas.openxmlformats.org/officeDocument/2006/math" xmlns:a14="http://schemas.microsoft.com/office/drawing/2010/main" xmlns:ma14="http://schemas.microsoft.com/office/mac/drawingml/2011/main" val="1"/>
+              <ma14:wrappingTextBoxFlag xmlns:ma14="http://schemas.microsoft.com/office/mac/drawingml/2011/main" xmlns:a14="http://schemas.microsoft.com/office/drawing/2010/main" xmlns:m="http://schemas.openxmlformats.org/officeDocument/2006/math" xmlns="" val="1"/>
             </a:ext>
           </a:extLst>
         </p:spPr>
@@ -6877,7 +6880,7 @@
           </a:ln>
           <a:extLst>
             <a:ext uri="{C572A759-6A51-4108-AA02-DFA0A04FC94B}">
-              <ma14:wrappingTextBoxFlag xmlns="" xmlns:m="http://schemas.openxmlformats.org/officeDocument/2006/math" xmlns:a14="http://schemas.microsoft.com/office/drawing/2010/main" xmlns:ma14="http://schemas.microsoft.com/office/mac/drawingml/2011/main" val="1"/>
+              <ma14:wrappingTextBoxFlag xmlns:ma14="http://schemas.microsoft.com/office/mac/drawingml/2011/main" xmlns:a14="http://schemas.microsoft.com/office/drawing/2010/main" xmlns:m="http://schemas.openxmlformats.org/officeDocument/2006/math" xmlns="" val="1"/>
             </a:ext>
           </a:extLst>
         </p:spPr>
@@ -6996,7 +6999,7 @@
           </a:ln>
           <a:extLst>
             <a:ext uri="{C572A759-6A51-4108-AA02-DFA0A04FC94B}">
-              <ma14:wrappingTextBoxFlag xmlns="" xmlns:m="http://schemas.openxmlformats.org/officeDocument/2006/math" xmlns:a14="http://schemas.microsoft.com/office/drawing/2010/main" xmlns:ma14="http://schemas.microsoft.com/office/mac/drawingml/2011/main" val="1"/>
+              <ma14:wrappingTextBoxFlag xmlns:ma14="http://schemas.microsoft.com/office/mac/drawingml/2011/main" xmlns:a14="http://schemas.microsoft.com/office/drawing/2010/main" xmlns:m="http://schemas.openxmlformats.org/officeDocument/2006/math" xmlns="" val="1"/>
             </a:ext>
           </a:extLst>
         </p:spPr>
@@ -7031,7 +7034,7 @@
           </a:ln>
           <a:extLst>
             <a:ext uri="{C572A759-6A51-4108-AA02-DFA0A04FC94B}">
-              <ma14:wrappingTextBoxFlag xmlns="" xmlns:m="http://schemas.openxmlformats.org/officeDocument/2006/math" xmlns:a14="http://schemas.microsoft.com/office/drawing/2010/main" xmlns:ma14="http://schemas.microsoft.com/office/mac/drawingml/2011/main" val="1"/>
+              <ma14:wrappingTextBoxFlag xmlns:ma14="http://schemas.microsoft.com/office/mac/drawingml/2011/main" xmlns:a14="http://schemas.microsoft.com/office/drawing/2010/main" xmlns:m="http://schemas.openxmlformats.org/officeDocument/2006/math" xmlns="" val="1"/>
             </a:ext>
           </a:extLst>
         </p:spPr>
@@ -7066,7 +7069,7 @@
           </a:ln>
           <a:extLst>
             <a:ext uri="{C572A759-6A51-4108-AA02-DFA0A04FC94B}">
-              <ma14:wrappingTextBoxFlag xmlns="" xmlns:m="http://schemas.openxmlformats.org/officeDocument/2006/math" xmlns:a14="http://schemas.microsoft.com/office/drawing/2010/main" xmlns:ma14="http://schemas.microsoft.com/office/mac/drawingml/2011/main" val="1"/>
+              <ma14:wrappingTextBoxFlag xmlns:ma14="http://schemas.microsoft.com/office/mac/drawingml/2011/main" xmlns:a14="http://schemas.microsoft.com/office/drawing/2010/main" xmlns:m="http://schemas.openxmlformats.org/officeDocument/2006/math" xmlns="" val="1"/>
             </a:ext>
           </a:extLst>
         </p:spPr>
@@ -7164,7 +7167,7 @@
           </a:ln>
           <a:extLst>
             <a:ext uri="{C572A759-6A51-4108-AA02-DFA0A04FC94B}">
-              <ma14:wrappingTextBoxFlag xmlns="" xmlns:m="http://schemas.openxmlformats.org/officeDocument/2006/math" xmlns:a14="http://schemas.microsoft.com/office/drawing/2010/main" xmlns:ma14="http://schemas.microsoft.com/office/mac/drawingml/2011/main" val="1"/>
+              <ma14:wrappingTextBoxFlag xmlns:ma14="http://schemas.microsoft.com/office/mac/drawingml/2011/main" xmlns:a14="http://schemas.microsoft.com/office/drawing/2010/main" xmlns:m="http://schemas.openxmlformats.org/officeDocument/2006/math" xmlns="" val="1"/>
             </a:ext>
           </a:extLst>
         </p:spPr>
@@ -7273,7 +7276,7 @@
           </a:ln>
           <a:extLst>
             <a:ext uri="{C572A759-6A51-4108-AA02-DFA0A04FC94B}">
-              <ma14:wrappingTextBoxFlag xmlns="" xmlns:m="http://schemas.openxmlformats.org/officeDocument/2006/math" xmlns:a14="http://schemas.microsoft.com/office/drawing/2010/main" xmlns:ma14="http://schemas.microsoft.com/office/mac/drawingml/2011/main" val="1"/>
+              <ma14:wrappingTextBoxFlag xmlns:ma14="http://schemas.microsoft.com/office/mac/drawingml/2011/main" xmlns:a14="http://schemas.microsoft.com/office/drawing/2010/main" xmlns:m="http://schemas.openxmlformats.org/officeDocument/2006/math" xmlns="" val="1"/>
             </a:ext>
           </a:extLst>
         </p:spPr>
@@ -7464,7 +7467,7 @@
           </a:ln>
           <a:extLst>
             <a:ext uri="{C572A759-6A51-4108-AA02-DFA0A04FC94B}">
-              <ma14:wrappingTextBoxFlag xmlns="" xmlns:m="http://schemas.openxmlformats.org/officeDocument/2006/math" xmlns:a14="http://schemas.microsoft.com/office/drawing/2010/main" xmlns:ma14="http://schemas.microsoft.com/office/mac/drawingml/2011/main" val="1"/>
+              <ma14:wrappingTextBoxFlag xmlns:ma14="http://schemas.microsoft.com/office/mac/drawingml/2011/main" xmlns:a14="http://schemas.microsoft.com/office/drawing/2010/main" xmlns:m="http://schemas.openxmlformats.org/officeDocument/2006/math" xmlns="" val="1"/>
             </a:ext>
           </a:extLst>
         </p:spPr>
@@ -7507,7 +7510,7 @@
           </a:ln>
           <a:extLst>
             <a:ext uri="{C572A759-6A51-4108-AA02-DFA0A04FC94B}">
-              <ma14:wrappingTextBoxFlag xmlns="" xmlns:m="http://schemas.openxmlformats.org/officeDocument/2006/math" xmlns:a14="http://schemas.microsoft.com/office/drawing/2010/main" xmlns:ma14="http://schemas.microsoft.com/office/mac/drawingml/2011/main" val="1"/>
+              <ma14:wrappingTextBoxFlag xmlns:ma14="http://schemas.microsoft.com/office/mac/drawingml/2011/main" xmlns:a14="http://schemas.microsoft.com/office/drawing/2010/main" xmlns:m="http://schemas.openxmlformats.org/officeDocument/2006/math" xmlns="" val="1"/>
             </a:ext>
           </a:extLst>
         </p:spPr>
@@ -7553,7 +7556,7 @@
           </a:ln>
           <a:extLst>
             <a:ext uri="{C572A759-6A51-4108-AA02-DFA0A04FC94B}">
-              <ma14:wrappingTextBoxFlag xmlns="" xmlns:m="http://schemas.openxmlformats.org/officeDocument/2006/math" xmlns:a14="http://schemas.microsoft.com/office/drawing/2010/main" xmlns:ma14="http://schemas.microsoft.com/office/mac/drawingml/2011/main" val="1"/>
+              <ma14:wrappingTextBoxFlag xmlns:ma14="http://schemas.microsoft.com/office/mac/drawingml/2011/main" xmlns:a14="http://schemas.microsoft.com/office/drawing/2010/main" xmlns:m="http://schemas.openxmlformats.org/officeDocument/2006/math" xmlns="" val="1"/>
             </a:ext>
           </a:extLst>
         </p:spPr>
@@ -7596,7 +7599,7 @@
           </a:ln>
           <a:extLst>
             <a:ext uri="{C572A759-6A51-4108-AA02-DFA0A04FC94B}">
-              <ma14:wrappingTextBoxFlag xmlns="" xmlns:m="http://schemas.openxmlformats.org/officeDocument/2006/math" xmlns:a14="http://schemas.microsoft.com/office/drawing/2010/main" xmlns:ma14="http://schemas.microsoft.com/office/mac/drawingml/2011/main" val="1"/>
+              <ma14:wrappingTextBoxFlag xmlns:ma14="http://schemas.microsoft.com/office/mac/drawingml/2011/main" xmlns:a14="http://schemas.microsoft.com/office/drawing/2010/main" xmlns:m="http://schemas.openxmlformats.org/officeDocument/2006/math" xmlns="" val="1"/>
             </a:ext>
           </a:extLst>
         </p:spPr>
@@ -7722,7 +7725,7 @@
           </a:ln>
           <a:extLst>
             <a:ext uri="{C572A759-6A51-4108-AA02-DFA0A04FC94B}">
-              <ma14:wrappingTextBoxFlag xmlns="" xmlns:m="http://schemas.openxmlformats.org/officeDocument/2006/math" xmlns:a14="http://schemas.microsoft.com/office/drawing/2010/main" xmlns:ma14="http://schemas.microsoft.com/office/mac/drawingml/2011/main" val="1"/>
+              <ma14:wrappingTextBoxFlag xmlns:ma14="http://schemas.microsoft.com/office/mac/drawingml/2011/main" xmlns:a14="http://schemas.microsoft.com/office/drawing/2010/main" xmlns:m="http://schemas.openxmlformats.org/officeDocument/2006/math" xmlns="" val="1"/>
             </a:ext>
           </a:extLst>
         </p:spPr>
@@ -7772,7 +7775,7 @@
           </a:ln>
           <a:extLst>
             <a:ext uri="{C572A759-6A51-4108-AA02-DFA0A04FC94B}">
-              <ma14:wrappingTextBoxFlag xmlns="" xmlns:m="http://schemas.openxmlformats.org/officeDocument/2006/math" xmlns:a14="http://schemas.microsoft.com/office/drawing/2010/main" xmlns:ma14="http://schemas.microsoft.com/office/mac/drawingml/2011/main" val="1"/>
+              <ma14:wrappingTextBoxFlag xmlns:ma14="http://schemas.microsoft.com/office/mac/drawingml/2011/main" xmlns:a14="http://schemas.microsoft.com/office/drawing/2010/main" xmlns:m="http://schemas.openxmlformats.org/officeDocument/2006/math" xmlns="" val="1"/>
             </a:ext>
           </a:extLst>
         </p:spPr>
@@ -7807,7 +7810,7 @@
           </a:ln>
           <a:extLst>
             <a:ext uri="{C572A759-6A51-4108-AA02-DFA0A04FC94B}">
-              <ma14:wrappingTextBoxFlag xmlns="" xmlns:m="http://schemas.openxmlformats.org/officeDocument/2006/math" xmlns:a14="http://schemas.microsoft.com/office/drawing/2010/main" xmlns:ma14="http://schemas.microsoft.com/office/mac/drawingml/2011/main" val="1"/>
+              <ma14:wrappingTextBoxFlag xmlns:ma14="http://schemas.microsoft.com/office/mac/drawingml/2011/main" xmlns:a14="http://schemas.microsoft.com/office/drawing/2010/main" xmlns:m="http://schemas.openxmlformats.org/officeDocument/2006/math" xmlns="" val="1"/>
             </a:ext>
           </a:extLst>
         </p:spPr>
@@ -7842,7 +7845,7 @@
           </a:ln>
           <a:extLst>
             <a:ext uri="{C572A759-6A51-4108-AA02-DFA0A04FC94B}">
-              <ma14:wrappingTextBoxFlag xmlns="" xmlns:m="http://schemas.openxmlformats.org/officeDocument/2006/math" xmlns:a14="http://schemas.microsoft.com/office/drawing/2010/main" xmlns:ma14="http://schemas.microsoft.com/office/mac/drawingml/2011/main" val="1"/>
+              <ma14:wrappingTextBoxFlag xmlns:ma14="http://schemas.microsoft.com/office/mac/drawingml/2011/main" xmlns:a14="http://schemas.microsoft.com/office/drawing/2010/main" xmlns:m="http://schemas.openxmlformats.org/officeDocument/2006/math" xmlns="" val="1"/>
             </a:ext>
           </a:extLst>
         </p:spPr>
@@ -8293,7 +8296,7 @@
           </a:ln>
           <a:extLst>
             <a:ext uri="{C572A759-6A51-4108-AA02-DFA0A04FC94B}">
-              <ma14:wrappingTextBoxFlag xmlns="" xmlns:m="http://schemas.openxmlformats.org/officeDocument/2006/math" xmlns:a14="http://schemas.microsoft.com/office/drawing/2010/main" xmlns:ma14="http://schemas.microsoft.com/office/mac/drawingml/2011/main" val="1"/>
+              <ma14:wrappingTextBoxFlag xmlns:ma14="http://schemas.microsoft.com/office/mac/drawingml/2011/main" xmlns:a14="http://schemas.microsoft.com/office/drawing/2010/main" xmlns:m="http://schemas.openxmlformats.org/officeDocument/2006/math" xmlns="" val="1"/>
             </a:ext>
           </a:extLst>
         </p:spPr>
@@ -8343,7 +8346,7 @@
           </a:ln>
           <a:extLst>
             <a:ext uri="{C572A759-6A51-4108-AA02-DFA0A04FC94B}">
-              <ma14:wrappingTextBoxFlag xmlns="" xmlns:m="http://schemas.openxmlformats.org/officeDocument/2006/math" xmlns:a14="http://schemas.microsoft.com/office/drawing/2010/main" xmlns:ma14="http://schemas.microsoft.com/office/mac/drawingml/2011/main" val="1"/>
+              <ma14:wrappingTextBoxFlag xmlns:ma14="http://schemas.microsoft.com/office/mac/drawingml/2011/main" xmlns:a14="http://schemas.microsoft.com/office/drawing/2010/main" xmlns:m="http://schemas.openxmlformats.org/officeDocument/2006/math" xmlns="" val="1"/>
             </a:ext>
           </a:extLst>
         </p:spPr>
@@ -8378,7 +8381,7 @@
           </a:ln>
           <a:extLst>
             <a:ext uri="{C572A759-6A51-4108-AA02-DFA0A04FC94B}">
-              <ma14:wrappingTextBoxFlag xmlns="" xmlns:m="http://schemas.openxmlformats.org/officeDocument/2006/math" xmlns:a14="http://schemas.microsoft.com/office/drawing/2010/main" xmlns:ma14="http://schemas.microsoft.com/office/mac/drawingml/2011/main" val="1"/>
+              <ma14:wrappingTextBoxFlag xmlns:ma14="http://schemas.microsoft.com/office/mac/drawingml/2011/main" xmlns:a14="http://schemas.microsoft.com/office/drawing/2010/main" xmlns:m="http://schemas.openxmlformats.org/officeDocument/2006/math" xmlns="" val="1"/>
             </a:ext>
           </a:extLst>
         </p:spPr>
@@ -8467,7 +8470,7 @@
           </a:ln>
           <a:extLst>
             <a:ext uri="{C572A759-6A51-4108-AA02-DFA0A04FC94B}">
-              <ma14:wrappingTextBoxFlag xmlns="" xmlns:m="http://schemas.openxmlformats.org/officeDocument/2006/math" xmlns:a14="http://schemas.microsoft.com/office/drawing/2010/main" xmlns:ma14="http://schemas.microsoft.com/office/mac/drawingml/2011/main" val="1"/>
+              <ma14:wrappingTextBoxFlag xmlns:ma14="http://schemas.microsoft.com/office/mac/drawingml/2011/main" xmlns:a14="http://schemas.microsoft.com/office/drawing/2010/main" xmlns:m="http://schemas.openxmlformats.org/officeDocument/2006/math" xmlns="" val="1"/>
             </a:ext>
           </a:extLst>
         </p:spPr>
@@ -8676,7 +8679,7 @@
           </a:ln>
           <a:extLst>
             <a:ext uri="{C572A759-6A51-4108-AA02-DFA0A04FC94B}">
-              <ma14:wrappingTextBoxFlag xmlns="" xmlns:m="http://schemas.openxmlformats.org/officeDocument/2006/math" xmlns:a14="http://schemas.microsoft.com/office/drawing/2010/main" xmlns:ma14="http://schemas.microsoft.com/office/mac/drawingml/2011/main" val="1"/>
+              <ma14:wrappingTextBoxFlag xmlns:ma14="http://schemas.microsoft.com/office/mac/drawingml/2011/main" xmlns:a14="http://schemas.microsoft.com/office/drawing/2010/main" xmlns:m="http://schemas.openxmlformats.org/officeDocument/2006/math" xmlns="" val="1"/>
             </a:ext>
           </a:extLst>
         </p:spPr>
@@ -8726,7 +8729,7 @@
           </a:ln>
           <a:extLst>
             <a:ext uri="{C572A759-6A51-4108-AA02-DFA0A04FC94B}">
-              <ma14:wrappingTextBoxFlag xmlns="" xmlns:m="http://schemas.openxmlformats.org/officeDocument/2006/math" xmlns:a14="http://schemas.microsoft.com/office/drawing/2010/main" xmlns:ma14="http://schemas.microsoft.com/office/mac/drawingml/2011/main" val="1"/>
+              <ma14:wrappingTextBoxFlag xmlns:ma14="http://schemas.microsoft.com/office/mac/drawingml/2011/main" xmlns:a14="http://schemas.microsoft.com/office/drawing/2010/main" xmlns:m="http://schemas.openxmlformats.org/officeDocument/2006/math" xmlns="" val="1"/>
             </a:ext>
           </a:extLst>
         </p:spPr>
@@ -8761,7 +8764,7 @@
           </a:ln>
           <a:extLst>
             <a:ext uri="{C572A759-6A51-4108-AA02-DFA0A04FC94B}">
-              <ma14:wrappingTextBoxFlag xmlns="" xmlns:m="http://schemas.openxmlformats.org/officeDocument/2006/math" xmlns:a14="http://schemas.microsoft.com/office/drawing/2010/main" xmlns:ma14="http://schemas.microsoft.com/office/mac/drawingml/2011/main" val="1"/>
+              <ma14:wrappingTextBoxFlag xmlns:ma14="http://schemas.microsoft.com/office/mac/drawingml/2011/main" xmlns:a14="http://schemas.microsoft.com/office/drawing/2010/main" xmlns:m="http://schemas.openxmlformats.org/officeDocument/2006/math" xmlns="" val="1"/>
             </a:ext>
           </a:extLst>
         </p:spPr>
@@ -8796,7 +8799,7 @@
           </a:ln>
           <a:extLst>
             <a:ext uri="{C572A759-6A51-4108-AA02-DFA0A04FC94B}">
-              <ma14:wrappingTextBoxFlag xmlns="" xmlns:m="http://schemas.openxmlformats.org/officeDocument/2006/math" xmlns:a14="http://schemas.microsoft.com/office/drawing/2010/main" xmlns:ma14="http://schemas.microsoft.com/office/mac/drawingml/2011/main" val="1"/>
+              <ma14:wrappingTextBoxFlag xmlns:ma14="http://schemas.microsoft.com/office/mac/drawingml/2011/main" xmlns:a14="http://schemas.microsoft.com/office/drawing/2010/main" xmlns:m="http://schemas.openxmlformats.org/officeDocument/2006/math" xmlns="" val="1"/>
             </a:ext>
           </a:extLst>
         </p:spPr>
@@ -8823,6 +8826,7 @@
               </a:defRPr>
             </a:pPr>
             <a:r>
+              <a:rPr dirty="0"/>
               <a:t>Render output one episode</a:t>
             </a:r>
           </a:p>
@@ -8844,6 +8848,7 @@
               </a:defRPr>
             </a:pPr>
             <a:r>
+              <a:rPr dirty="0"/>
               <a:t>Give average episode return</a:t>
             </a:r>
           </a:p>
@@ -8862,7 +8867,7 @@
                 <a:sym typeface="Helvetica"/>
               </a:defRPr>
             </a:pPr>
-            <a:endParaRPr/>
+            <a:endParaRPr dirty="0"/>
           </a:p>
           <a:p>
             <a:pPr algn="l">
@@ -8879,7 +8884,7 @@
                 <a:sym typeface="Helvetica"/>
               </a:defRPr>
             </a:pPr>
-            <a:endParaRPr/>
+            <a:endParaRPr dirty="0"/>
           </a:p>
           <a:p>
             <a:pPr algn="l">
@@ -8896,7 +8901,7 @@
                 <a:sym typeface="Helvetica"/>
               </a:defRPr>
             </a:pPr>
-            <a:endParaRPr/>
+            <a:endParaRPr dirty="0"/>
           </a:p>
           <a:p>
             <a:pPr algn="l">
@@ -8913,7 +8918,7 @@
                 <a:sym typeface="Helvetica"/>
               </a:defRPr>
             </a:pPr>
-            <a:endParaRPr/>
+            <a:endParaRPr dirty="0"/>
           </a:p>
           <a:p>
             <a:pPr algn="l">
@@ -8930,7 +8935,7 @@
                 <a:sym typeface="Helvetica"/>
               </a:defRPr>
             </a:pPr>
-            <a:endParaRPr/>
+            <a:endParaRPr dirty="0"/>
           </a:p>
           <a:p>
             <a:pPr algn="l">
@@ -8947,7 +8952,7 @@
                 <a:sym typeface="Helvetica"/>
               </a:defRPr>
             </a:pPr>
-            <a:endParaRPr/>
+            <a:endParaRPr dirty="0"/>
           </a:p>
           <a:p>
             <a:pPr algn="l">
@@ -8964,7 +8969,7 @@
                 <a:sym typeface="Helvetica"/>
               </a:defRPr>
             </a:pPr>
-            <a:endParaRPr/>
+            <a:endParaRPr dirty="0"/>
           </a:p>
           <a:p>
             <a:pPr algn="l">
@@ -8981,7 +8986,7 @@
                 <a:sym typeface="Helvetica"/>
               </a:defRPr>
             </a:pPr>
-            <a:endParaRPr/>
+            <a:endParaRPr dirty="0"/>
           </a:p>
           <a:p>
             <a:pPr algn="l">
@@ -8999,10 +9004,14 @@
               </a:defRPr>
             </a:pPr>
             <a:r>
+              <a:rPr dirty="0"/>
               <a:t>- Adapt Code to Continuous Problem</a:t>
             </a:r>
-            <a:br/>
-            <a:r>
+            <a:br>
+              <a:rPr dirty="0"/>
+            </a:br>
+            <a:r>
+              <a:rPr dirty="0"/>
               <a:t>- Could you imagine how to use Neural Network from previous lab?</a:t>
             </a:r>
           </a:p>
@@ -9018,7 +9027,7 @@
                 <a:sym typeface="IBM Plex Sans"/>
               </a:defRPr>
             </a:pPr>
-            <a:endParaRPr/>
+            <a:endParaRPr dirty="0"/>
           </a:p>
           <a:p>
             <a:pPr algn="l" defTabSz="457200">
@@ -9032,7 +9041,7 @@
                 <a:sym typeface="IBM Plex Sans"/>
               </a:defRPr>
             </a:pPr>
-            <a:endParaRPr/>
+            <a:endParaRPr dirty="0"/>
           </a:p>
         </p:txBody>
       </p:sp>
@@ -9055,7 +9064,7 @@
           </a:ln>
           <a:extLst>
             <a:ext uri="{C572A759-6A51-4108-AA02-DFA0A04FC94B}">
-              <ma14:wrappingTextBoxFlag xmlns="" xmlns:m="http://schemas.openxmlformats.org/officeDocument/2006/math" xmlns:a14="http://schemas.microsoft.com/office/drawing/2010/main" xmlns:ma14="http://schemas.microsoft.com/office/mac/drawingml/2011/main" val="1"/>
+              <ma14:wrappingTextBoxFlag xmlns:ma14="http://schemas.microsoft.com/office/mac/drawingml/2011/main" xmlns:a14="http://schemas.microsoft.com/office/drawing/2010/main" xmlns:m="http://schemas.openxmlformats.org/officeDocument/2006/math" xmlns="" val="1"/>
             </a:ext>
           </a:extLst>
         </p:spPr>
@@ -9181,7 +9190,7 @@
           </a:ln>
           <a:extLst>
             <a:ext uri="{C572A759-6A51-4108-AA02-DFA0A04FC94B}">
-              <ma14:wrappingTextBoxFlag xmlns="" xmlns:m="http://schemas.openxmlformats.org/officeDocument/2006/math" xmlns:a14="http://schemas.microsoft.com/office/drawing/2010/main" xmlns:ma14="http://schemas.microsoft.com/office/mac/drawingml/2011/main" val="1"/>
+              <ma14:wrappingTextBoxFlag xmlns:ma14="http://schemas.microsoft.com/office/mac/drawingml/2011/main" xmlns:a14="http://schemas.microsoft.com/office/drawing/2010/main" xmlns:m="http://schemas.openxmlformats.org/officeDocument/2006/math" xmlns="" val="1"/>
             </a:ext>
           </a:extLst>
         </p:spPr>
@@ -9320,7 +9329,7 @@
           </a:ln>
           <a:extLst>
             <a:ext uri="{C572A759-6A51-4108-AA02-DFA0A04FC94B}">
-              <ma14:wrappingTextBoxFlag xmlns="" xmlns:m="http://schemas.openxmlformats.org/officeDocument/2006/math" xmlns:a14="http://schemas.microsoft.com/office/drawing/2010/main" xmlns:ma14="http://schemas.microsoft.com/office/mac/drawingml/2011/main" val="1"/>
+              <ma14:wrappingTextBoxFlag xmlns:ma14="http://schemas.microsoft.com/office/mac/drawingml/2011/main" xmlns:a14="http://schemas.microsoft.com/office/drawing/2010/main" xmlns:m="http://schemas.openxmlformats.org/officeDocument/2006/math" xmlns="" val="1"/>
             </a:ext>
           </a:extLst>
         </p:spPr>
@@ -9355,7 +9364,7 @@
           </a:ln>
           <a:extLst>
             <a:ext uri="{C572A759-6A51-4108-AA02-DFA0A04FC94B}">
-              <ma14:wrappingTextBoxFlag xmlns="" xmlns:m="http://schemas.openxmlformats.org/officeDocument/2006/math" xmlns:a14="http://schemas.microsoft.com/office/drawing/2010/main" xmlns:ma14="http://schemas.microsoft.com/office/mac/drawingml/2011/main" val="1"/>
+              <ma14:wrappingTextBoxFlag xmlns:ma14="http://schemas.microsoft.com/office/mac/drawingml/2011/main" xmlns:a14="http://schemas.microsoft.com/office/drawing/2010/main" xmlns:m="http://schemas.openxmlformats.org/officeDocument/2006/math" xmlns="" val="1"/>
             </a:ext>
           </a:extLst>
         </p:spPr>
@@ -9466,7 +9475,7 @@
           </a:ln>
           <a:extLst>
             <a:ext uri="{C572A759-6A51-4108-AA02-DFA0A04FC94B}">
-              <ma14:wrappingTextBoxFlag xmlns:ma14="http://schemas.microsoft.com/office/mac/drawingml/2011/main" xmlns:a14="http://schemas.microsoft.com/office/drawing/2010/main" xmlns:m="http://schemas.openxmlformats.org/officeDocument/2006/math" xmlns="" val="1"/>
+              <ma14:wrappingTextBoxFlag xmlns="" xmlns:m="http://schemas.openxmlformats.org/officeDocument/2006/math" xmlns:a14="http://schemas.microsoft.com/office/drawing/2010/main" xmlns:ma14="http://schemas.microsoft.com/office/mac/drawingml/2011/main" val="1"/>
             </a:ext>
           </a:extLst>
         </p:spPr>
@@ -9539,7 +9548,7 @@
           </a:ln>
           <a:extLst>
             <a:ext uri="{C572A759-6A51-4108-AA02-DFA0A04FC94B}">
-              <ma14:wrappingTextBoxFlag xmlns:ma14="http://schemas.microsoft.com/office/mac/drawingml/2011/main" xmlns:a14="http://schemas.microsoft.com/office/drawing/2010/main" xmlns:m="http://schemas.openxmlformats.org/officeDocument/2006/math" xmlns="" val="1"/>
+              <ma14:wrappingTextBoxFlag xmlns="" xmlns:m="http://schemas.openxmlformats.org/officeDocument/2006/math" xmlns:a14="http://schemas.microsoft.com/office/drawing/2010/main" xmlns:ma14="http://schemas.microsoft.com/office/mac/drawingml/2011/main" val="1"/>
             </a:ext>
           </a:extLst>
         </p:spPr>
@@ -9574,7 +9583,7 @@
           </a:ln>
           <a:extLst>
             <a:ext uri="{C572A759-6A51-4108-AA02-DFA0A04FC94B}">
-              <ma14:wrappingTextBoxFlag xmlns:ma14="http://schemas.microsoft.com/office/mac/drawingml/2011/main" xmlns:a14="http://schemas.microsoft.com/office/drawing/2010/main" xmlns:m="http://schemas.openxmlformats.org/officeDocument/2006/math" xmlns="" val="1"/>
+              <ma14:wrappingTextBoxFlag xmlns="" xmlns:m="http://schemas.openxmlformats.org/officeDocument/2006/math" xmlns:a14="http://schemas.microsoft.com/office/drawing/2010/main" xmlns:ma14="http://schemas.microsoft.com/office/mac/drawingml/2011/main" val="1"/>
             </a:ext>
           </a:extLst>
         </p:spPr>
@@ -9609,7 +9618,7 @@
           </a:ln>
           <a:extLst>
             <a:ext uri="{C572A759-6A51-4108-AA02-DFA0A04FC94B}">
-              <ma14:wrappingTextBoxFlag xmlns:ma14="http://schemas.microsoft.com/office/mac/drawingml/2011/main" xmlns:a14="http://schemas.microsoft.com/office/drawing/2010/main" xmlns:m="http://schemas.openxmlformats.org/officeDocument/2006/math" xmlns="" val="1"/>
+              <ma14:wrappingTextBoxFlag xmlns="" xmlns:m="http://schemas.openxmlformats.org/officeDocument/2006/math" xmlns:a14="http://schemas.microsoft.com/office/drawing/2010/main" xmlns:ma14="http://schemas.microsoft.com/office/mac/drawingml/2011/main" val="1"/>
             </a:ext>
           </a:extLst>
         </p:spPr>
@@ -10450,7 +10459,7 @@
           </a:ln>
           <a:extLst>
             <a:ext uri="{C572A759-6A51-4108-AA02-DFA0A04FC94B}">
-              <ma14:wrappingTextBoxFlag xmlns="" xmlns:m="http://schemas.openxmlformats.org/officeDocument/2006/math" xmlns:a14="http://schemas.microsoft.com/office/drawing/2010/main" xmlns:ma14="http://schemas.microsoft.com/office/mac/drawingml/2011/main" val="1"/>
+              <ma14:wrappingTextBoxFlag xmlns:ma14="http://schemas.microsoft.com/office/mac/drawingml/2011/main" xmlns:a14="http://schemas.microsoft.com/office/drawing/2010/main" xmlns:m="http://schemas.openxmlformats.org/officeDocument/2006/math" xmlns="" val="1"/>
             </a:ext>
           </a:extLst>
         </p:spPr>
@@ -10528,7 +10537,7 @@
           </a:ln>
           <a:extLst>
             <a:ext uri="{C572A759-6A51-4108-AA02-DFA0A04FC94B}">
-              <ma14:wrappingTextBoxFlag xmlns="" xmlns:m="http://schemas.openxmlformats.org/officeDocument/2006/math" xmlns:a14="http://schemas.microsoft.com/office/drawing/2010/main" xmlns:ma14="http://schemas.microsoft.com/office/mac/drawingml/2011/main" val="1"/>
+              <ma14:wrappingTextBoxFlag xmlns:ma14="http://schemas.microsoft.com/office/mac/drawingml/2011/main" xmlns:a14="http://schemas.microsoft.com/office/drawing/2010/main" xmlns:m="http://schemas.openxmlformats.org/officeDocument/2006/math" xmlns="" val="1"/>
             </a:ext>
           </a:extLst>
         </p:spPr>
@@ -10563,7 +10572,7 @@
           </a:ln>
           <a:extLst>
             <a:ext uri="{C572A759-6A51-4108-AA02-DFA0A04FC94B}">
-              <ma14:wrappingTextBoxFlag xmlns="" xmlns:m="http://schemas.openxmlformats.org/officeDocument/2006/math" xmlns:a14="http://schemas.microsoft.com/office/drawing/2010/main" xmlns:ma14="http://schemas.microsoft.com/office/mac/drawingml/2011/main" val="1"/>
+              <ma14:wrappingTextBoxFlag xmlns:ma14="http://schemas.microsoft.com/office/mac/drawingml/2011/main" xmlns:a14="http://schemas.microsoft.com/office/drawing/2010/main" xmlns:m="http://schemas.openxmlformats.org/officeDocument/2006/math" xmlns="" val="1"/>
             </a:ext>
           </a:extLst>
         </p:spPr>
@@ -10598,7 +10607,7 @@
           </a:ln>
           <a:extLst>
             <a:ext uri="{C572A759-6A51-4108-AA02-DFA0A04FC94B}">
-              <ma14:wrappingTextBoxFlag xmlns="" xmlns:m="http://schemas.openxmlformats.org/officeDocument/2006/math" xmlns:a14="http://schemas.microsoft.com/office/drawing/2010/main" xmlns:ma14="http://schemas.microsoft.com/office/mac/drawingml/2011/main" val="1"/>
+              <ma14:wrappingTextBoxFlag xmlns:ma14="http://schemas.microsoft.com/office/mac/drawingml/2011/main" xmlns:a14="http://schemas.microsoft.com/office/drawing/2010/main" xmlns:m="http://schemas.openxmlformats.org/officeDocument/2006/math" xmlns="" val="1"/>
             </a:ext>
           </a:extLst>
         </p:spPr>
@@ -11272,7 +11281,7 @@
           </a:ln>
           <a:extLst>
             <a:ext uri="{C572A759-6A51-4108-AA02-DFA0A04FC94B}">
-              <ma14:wrappingTextBoxFlag xmlns="" xmlns:m="http://schemas.openxmlformats.org/officeDocument/2006/math" xmlns:a14="http://schemas.microsoft.com/office/drawing/2010/main" xmlns:ma14="http://schemas.microsoft.com/office/mac/drawingml/2011/main" val="1"/>
+              <ma14:wrappingTextBoxFlag xmlns:ma14="http://schemas.microsoft.com/office/mac/drawingml/2011/main" xmlns:a14="http://schemas.microsoft.com/office/drawing/2010/main" xmlns:m="http://schemas.openxmlformats.org/officeDocument/2006/math" xmlns="" val="1"/>
             </a:ext>
           </a:extLst>
         </p:spPr>
@@ -11399,7 +11408,7 @@
           </a:ln>
           <a:extLst>
             <a:ext uri="{C572A759-6A51-4108-AA02-DFA0A04FC94B}">
-              <ma14:wrappingTextBoxFlag xmlns="" xmlns:m="http://schemas.openxmlformats.org/officeDocument/2006/math" xmlns:a14="http://schemas.microsoft.com/office/drawing/2010/main" xmlns:ma14="http://schemas.microsoft.com/office/mac/drawingml/2011/main" val="1"/>
+              <ma14:wrappingTextBoxFlag xmlns:ma14="http://schemas.microsoft.com/office/mac/drawingml/2011/main" xmlns:a14="http://schemas.microsoft.com/office/drawing/2010/main" xmlns:m="http://schemas.openxmlformats.org/officeDocument/2006/math" xmlns="" val="1"/>
             </a:ext>
           </a:extLst>
         </p:spPr>
@@ -11434,7 +11443,7 @@
           </a:ln>
           <a:extLst>
             <a:ext uri="{C572A759-6A51-4108-AA02-DFA0A04FC94B}">
-              <ma14:wrappingTextBoxFlag xmlns="" xmlns:m="http://schemas.openxmlformats.org/officeDocument/2006/math" xmlns:a14="http://schemas.microsoft.com/office/drawing/2010/main" xmlns:ma14="http://schemas.microsoft.com/office/mac/drawingml/2011/main" val="1"/>
+              <ma14:wrappingTextBoxFlag xmlns:ma14="http://schemas.microsoft.com/office/mac/drawingml/2011/main" xmlns:a14="http://schemas.microsoft.com/office/drawing/2010/main" xmlns:m="http://schemas.openxmlformats.org/officeDocument/2006/math" xmlns="" val="1"/>
             </a:ext>
           </a:extLst>
         </p:spPr>
@@ -11535,7 +11544,7 @@
         <p:spPr>
           <a:xfrm>
             <a:off x="385389" y="938568"/>
-            <a:ext cx="3429527" cy="2893067"/>
+            <a:ext cx="3429527" cy="3200844"/>
           </a:xfrm>
           <a:prstGeom prst="rect">
             <a:avLst/>
@@ -11545,7 +11554,7 @@
           </a:ln>
           <a:extLst>
             <a:ext uri="{C572A759-6A51-4108-AA02-DFA0A04FC94B}">
-              <ma14:wrappingTextBoxFlag xmlns:ma14="http://schemas.microsoft.com/office/mac/drawingml/2011/main" xmlns:a14="http://schemas.microsoft.com/office/drawing/2010/main" xmlns:m="http://schemas.openxmlformats.org/officeDocument/2006/math" xmlns="" val="1"/>
+              <ma14:wrappingTextBoxFlag xmlns="" xmlns:m="http://schemas.openxmlformats.org/officeDocument/2006/math" xmlns:a14="http://schemas.microsoft.com/office/drawing/2010/main" xmlns:ma14="http://schemas.microsoft.com/office/mac/drawingml/2011/main" val="1"/>
             </a:ext>
           </a:extLst>
         </p:spPr>
@@ -11570,15 +11579,23 @@
             </a:lvl1pPr>
           </a:lstStyle>
           <a:p>
+            <a:endParaRPr lang="da-DK" sz="3600" dirty="0"/>
+          </a:p>
+          <a:p>
+            <a:r>
+              <a:rPr lang="da-DK" sz="3600" dirty="0"/>
+              <a:t>Auto Encoder</a:t>
+            </a:r>
+            <a:br>
+              <a:rPr lang="da-DK" sz="3600" dirty="0"/>
+            </a:br>
+            <a:r>
+              <a:rPr lang="da-DK" sz="3600" dirty="0"/>
+              <a:t>(AE)</a:t>
+            </a:r>
             <a:endParaRPr lang="da-DK" dirty="0"/>
           </a:p>
           <a:p>
-            <a:r>
-              <a:rPr lang="da-DK" dirty="0"/>
-              <a:t>(1) Play with the VAE</a:t>
-            </a:r>
-          </a:p>
-          <a:p>
             <a:endParaRPr lang="da-DK" dirty="0"/>
           </a:p>
           <a:p>
@@ -11589,15 +11606,6 @@
           </a:p>
           <a:p>
             <a:endParaRPr lang="da-DK" dirty="0"/>
-          </a:p>
-          <a:p>
-            <a:endParaRPr lang="da-DK" dirty="0"/>
-          </a:p>
-          <a:p>
-            <a:r>
-              <a:rPr lang="da-DK" dirty="0"/>
-              <a:t>(2) * Interactive Evolution</a:t>
-            </a:r>
           </a:p>
         </p:txBody>
       </p:sp>
@@ -11620,7 +11628,7 @@
           </a:ln>
           <a:extLst>
             <a:ext uri="{C572A759-6A51-4108-AA02-DFA0A04FC94B}">
-              <ma14:wrappingTextBoxFlag xmlns:ma14="http://schemas.microsoft.com/office/mac/drawingml/2011/main" xmlns:a14="http://schemas.microsoft.com/office/drawing/2010/main" xmlns:m="http://schemas.openxmlformats.org/officeDocument/2006/math" xmlns="" val="1"/>
+              <ma14:wrappingTextBoxFlag xmlns="" xmlns:m="http://schemas.openxmlformats.org/officeDocument/2006/math" xmlns:a14="http://schemas.microsoft.com/office/drawing/2010/main" xmlns:ma14="http://schemas.microsoft.com/office/mac/drawingml/2011/main" val="1"/>
             </a:ext>
           </a:extLst>
         </p:spPr>
@@ -11655,7 +11663,7 @@
           </a:ln>
           <a:extLst>
             <a:ext uri="{C572A759-6A51-4108-AA02-DFA0A04FC94B}">
-              <ma14:wrappingTextBoxFlag xmlns:ma14="http://schemas.microsoft.com/office/mac/drawingml/2011/main" xmlns:a14="http://schemas.microsoft.com/office/drawing/2010/main" xmlns:m="http://schemas.openxmlformats.org/officeDocument/2006/math" xmlns="" val="1"/>
+              <ma14:wrappingTextBoxFlag xmlns="" xmlns:m="http://schemas.openxmlformats.org/officeDocument/2006/math" xmlns:a14="http://schemas.microsoft.com/office/drawing/2010/main" xmlns:ma14="http://schemas.microsoft.com/office/mac/drawingml/2011/main" val="1"/>
             </a:ext>
           </a:extLst>
         </p:spPr>
@@ -11690,7 +11698,7 @@
           </a:ln>
           <a:extLst>
             <a:ext uri="{C572A759-6A51-4108-AA02-DFA0A04FC94B}">
-              <ma14:wrappingTextBoxFlag xmlns:ma14="http://schemas.microsoft.com/office/mac/drawingml/2011/main" xmlns:a14="http://schemas.microsoft.com/office/drawing/2010/main" xmlns:m="http://schemas.openxmlformats.org/officeDocument/2006/math" xmlns="" val="1"/>
+              <ma14:wrappingTextBoxFlag xmlns="" xmlns:m="http://schemas.openxmlformats.org/officeDocument/2006/math" xmlns:a14="http://schemas.microsoft.com/office/drawing/2010/main" xmlns:ma14="http://schemas.microsoft.com/office/mac/drawingml/2011/main" val="1"/>
             </a:ext>
           </a:extLst>
         </p:spPr>
@@ -11729,6 +11737,300 @@
           </a:p>
         </p:txBody>
       </p:sp>
+      <p:sp>
+        <p:nvSpPr>
+          <p:cNvPr id="3" name="TextBox 2">
+            <a:extLst>
+              <a:ext uri="{FF2B5EF4-FFF2-40B4-BE49-F238E27FC236}">
+                <a16:creationId xmlns:a16="http://schemas.microsoft.com/office/drawing/2014/main" id="{43F1060A-51A6-D70D-7D1F-A54B84D2F3A4}"/>
+              </a:ext>
+            </a:extLst>
+          </p:cNvPr>
+          <p:cNvSpPr txBox="1"/>
+          <p:nvPr/>
+        </p:nvSpPr>
+        <p:spPr>
+          <a:xfrm>
+            <a:off x="3085875" y="2698938"/>
+            <a:ext cx="5947893" cy="2002728"/>
+          </a:xfrm>
+          <a:prstGeom prst="rect">
+            <a:avLst/>
+          </a:prstGeom>
+          <a:noFill/>
+          <a:ln w="12700" cap="flat">
+            <a:noFill/>
+            <a:miter lim="400000"/>
+          </a:ln>
+          <a:effectLst/>
+          <a:sp3d/>
+        </p:spPr>
+        <p:style>
+          <a:lnRef idx="0">
+            <a:scrgbClr r="0" g="0" b="0"/>
+          </a:lnRef>
+          <a:fillRef idx="0">
+            <a:scrgbClr r="0" g="0" b="0"/>
+          </a:fillRef>
+          <a:effectRef idx="0">
+            <a:scrgbClr r="0" g="0" b="0"/>
+          </a:effectRef>
+          <a:fontRef idx="none"/>
+        </p:style>
+        <p:txBody>
+          <a:bodyPr wrap="square">
+            <a:spAutoFit/>
+          </a:bodyPr>
+          <a:lstStyle/>
+          <a:p>
+            <a:pPr marL="285750" indent="-285750" algn="l">
+              <a:buFont typeface="Wingdings" pitchFamily="2" charset="2"/>
+              <a:buChar char="è"/>
+            </a:pPr>
+            <a:r>
+              <a:rPr lang="en-GB" sz="1200" b="0" i="0" dirty="0">
+                <a:solidFill>
+                  <a:srgbClr val="374151"/>
+                </a:solidFill>
+                <a:effectLst/>
+                <a:latin typeface="Söhne"/>
+              </a:rPr>
+              <a:t>learn compact and meaningful representations of data in </a:t>
+            </a:r>
+            <a:r>
+              <a:rPr lang="en-GB" sz="1200" b="0" i="0" dirty="0">
+                <a:solidFill>
+                  <a:schemeClr val="bg2"/>
+                </a:solidFill>
+                <a:effectLst/>
+                <a:latin typeface="Söhne"/>
+              </a:rPr>
+              <a:t>an </a:t>
+            </a:r>
+            <a:r>
+              <a:rPr lang="en-GB" sz="1200" b="1" i="0" dirty="0">
+                <a:solidFill>
+                  <a:schemeClr val="bg2"/>
+                </a:solidFill>
+                <a:effectLst/>
+                <a:latin typeface="Söhne"/>
+              </a:rPr>
+              <a:t>unsupervised manner</a:t>
+            </a:r>
+            <a:endParaRPr lang="en-GB" sz="1200" b="1" dirty="0">
+              <a:solidFill>
+                <a:schemeClr val="bg2"/>
+              </a:solidFill>
+              <a:latin typeface="Söhne"/>
+            </a:endParaRPr>
+          </a:p>
+          <a:p>
+            <a:pPr marL="285750" indent="-285750" algn="l">
+              <a:buFont typeface="Wingdings" pitchFamily="2" charset="2"/>
+              <a:buChar char="è"/>
+            </a:pPr>
+            <a:r>
+              <a:rPr lang="en-GB" sz="1200" b="0" i="0" dirty="0">
+                <a:solidFill>
+                  <a:schemeClr val="bg2"/>
+                </a:solidFill>
+                <a:effectLst/>
+                <a:latin typeface="Söhne"/>
+              </a:rPr>
+              <a:t>Simultaneously train (1) an </a:t>
+            </a:r>
+            <a:r>
+              <a:rPr lang="en-GB" sz="1200" b="1" i="0" dirty="0">
+                <a:solidFill>
+                  <a:schemeClr val="bg2"/>
+                </a:solidFill>
+                <a:effectLst/>
+                <a:latin typeface="Söhne"/>
+              </a:rPr>
+              <a:t>encoder</a:t>
+            </a:r>
+            <a:r>
+              <a:rPr lang="en-GB" sz="1200" b="0" i="0" dirty="0">
+                <a:solidFill>
+                  <a:schemeClr val="bg2"/>
+                </a:solidFill>
+                <a:effectLst/>
+                <a:latin typeface="Söhne"/>
+              </a:rPr>
+              <a:t> that </a:t>
+            </a:r>
+            <a:r>
+              <a:rPr lang="en-GB" sz="1200" b="1" i="0" dirty="0">
+                <a:solidFill>
+                  <a:schemeClr val="bg2"/>
+                </a:solidFill>
+                <a:effectLst/>
+                <a:latin typeface="Söhne"/>
+              </a:rPr>
+              <a:t>maps input data to a latent space (compress)</a:t>
+            </a:r>
+            <a:r>
+              <a:rPr lang="en-GB" sz="1200" b="0" i="0" dirty="0">
+                <a:solidFill>
+                  <a:schemeClr val="bg2"/>
+                </a:solidFill>
+                <a:effectLst/>
+                <a:latin typeface="Söhne"/>
+              </a:rPr>
+              <a:t>, and (2) a </a:t>
+            </a:r>
+            <a:r>
+              <a:rPr lang="en-GB" sz="1200" b="1" i="0" dirty="0">
+                <a:solidFill>
+                  <a:schemeClr val="bg2"/>
+                </a:solidFill>
+                <a:effectLst/>
+                <a:latin typeface="Söhne"/>
+              </a:rPr>
+              <a:t>decoder</a:t>
+            </a:r>
+            <a:r>
+              <a:rPr lang="en-GB" sz="1200" b="0" i="0" dirty="0">
+                <a:solidFill>
+                  <a:schemeClr val="bg2"/>
+                </a:solidFill>
+                <a:effectLst/>
+                <a:latin typeface="Söhne"/>
+              </a:rPr>
+              <a:t> that reconstructs the original data from this latent representation.</a:t>
+            </a:r>
+          </a:p>
+          <a:p>
+            <a:pPr marL="285750" indent="-285750" algn="l">
+              <a:buFont typeface="Wingdings" pitchFamily="2" charset="2"/>
+              <a:buChar char="è"/>
+            </a:pPr>
+            <a:r>
+              <a:rPr lang="en-GB" sz="1200" i="0" dirty="0">
+                <a:solidFill>
+                  <a:schemeClr val="bg2"/>
+                </a:solidFill>
+                <a:effectLst/>
+                <a:latin typeface="Söhne"/>
+              </a:rPr>
+              <a:t>Trained with reconstruction loss: minimize the difference between the original input and its reconstruction</a:t>
+            </a:r>
+          </a:p>
+          <a:p>
+            <a:pPr marL="285750" indent="-285750" algn="l">
+              <a:buFont typeface="Wingdings" pitchFamily="2" charset="2"/>
+              <a:buChar char="è"/>
+            </a:pPr>
+            <a:r>
+              <a:rPr lang="en-GB" sz="1200" b="1" i="0" dirty="0">
+                <a:solidFill>
+                  <a:schemeClr val="bg2"/>
+                </a:solidFill>
+                <a:effectLst/>
+                <a:latin typeface="Söhne"/>
+              </a:rPr>
+              <a:t>useful to capture the most salient features of the data in a compressed latent space</a:t>
+            </a:r>
+            <a:r>
+              <a:rPr lang="en-GB" sz="1200" i="0" dirty="0">
+                <a:solidFill>
+                  <a:schemeClr val="bg2"/>
+                </a:solidFill>
+                <a:effectLst/>
+                <a:latin typeface="Söhne"/>
+              </a:rPr>
+              <a:t>. </a:t>
+            </a:r>
+          </a:p>
+          <a:p>
+            <a:pPr marL="285750" indent="-285750" algn="l">
+              <a:buFont typeface="Wingdings" pitchFamily="2" charset="2"/>
+              <a:buChar char="è"/>
+            </a:pPr>
+            <a:r>
+              <a:rPr lang="en-GB" sz="1200" b="1" dirty="0">
+                <a:solidFill>
+                  <a:srgbClr val="374151"/>
+                </a:solidFill>
+                <a:latin typeface="Söhne"/>
+              </a:rPr>
+              <a:t>G</a:t>
+            </a:r>
+            <a:r>
+              <a:rPr lang="en-GB" sz="1200" b="1" i="0" dirty="0">
+                <a:solidFill>
+                  <a:srgbClr val="374151"/>
+                </a:solidFill>
+                <a:effectLst/>
+                <a:latin typeface="Söhne"/>
+              </a:rPr>
+              <a:t>enerative model: </a:t>
+            </a:r>
+            <a:r>
+              <a:rPr lang="en-GB" sz="1200" b="1" dirty="0">
+                <a:solidFill>
+                  <a:srgbClr val="374151"/>
+                </a:solidFill>
+                <a:latin typeface="Söhne"/>
+              </a:rPr>
+              <a:t>once trained, </a:t>
+            </a:r>
+            <a:r>
+              <a:rPr lang="en-GB" sz="1200" i="0" dirty="0">
+                <a:solidFill>
+                  <a:srgbClr val="374151"/>
+                </a:solidFill>
+                <a:effectLst/>
+                <a:latin typeface="Söhne"/>
+              </a:rPr>
+              <a:t>can sample latent vector z and generate data point </a:t>
+            </a:r>
+            <a:endParaRPr lang="en-GB" sz="1200" i="0" dirty="0">
+              <a:solidFill>
+                <a:schemeClr val="bg2"/>
+              </a:solidFill>
+              <a:effectLst/>
+              <a:latin typeface="Söhne"/>
+            </a:endParaRPr>
+          </a:p>
+        </p:txBody>
+      </p:sp>
+      <p:pic>
+        <p:nvPicPr>
+          <p:cNvPr id="7" name="Picture 6" descr="A close-up of a black background&#10;&#10;Description automatically generated">
+            <a:extLst>
+              <a:ext uri="{FF2B5EF4-FFF2-40B4-BE49-F238E27FC236}">
+                <a16:creationId xmlns:a16="http://schemas.microsoft.com/office/drawing/2014/main" id="{338B911E-BECC-F601-8462-85411134A912}"/>
+              </a:ext>
+            </a:extLst>
+          </p:cNvPr>
+          <p:cNvPicPr>
+            <a:picLocks noChangeAspect="1"/>
+          </p:cNvPicPr>
+          <p:nvPr/>
+        </p:nvPicPr>
+        <p:blipFill>
+          <a:blip r:embed="rId2">
+            <a:extLst>
+              <a:ext uri="{28A0092B-C50C-407E-A947-70E740481C1C}">
+                <a14:useLocalDpi xmlns:a14="http://schemas.microsoft.com/office/drawing/2010/main" val="0"/>
+              </a:ext>
+            </a:extLst>
+          </a:blip>
+          <a:stretch>
+            <a:fillRect/>
+          </a:stretch>
+        </p:blipFill>
+        <p:spPr>
+          <a:xfrm>
+            <a:off x="3756580" y="337468"/>
+            <a:ext cx="4036029" cy="2142765"/>
+          </a:xfrm>
+          <a:prstGeom prst="rect">
+            <a:avLst/>
+          </a:prstGeom>
+        </p:spPr>
+      </p:pic>
     </p:spTree>
     <p:extLst>
       <p:ext uri="{BB962C8B-B14F-4D97-AF65-F5344CB8AC3E}">
@@ -11770,7 +12072,7 @@
       </p:grpSpPr>
       <p:sp>
         <p:nvSpPr>
-          <p:cNvPr id="283" name="Google Shape;73;p15"/>
+          <p:cNvPr id="248" name="Google Shape;73;p15"/>
           <p:cNvSpPr/>
           <p:nvPr/>
         </p:nvSpPr>
@@ -11812,14 +12114,14 @@
       </p:sp>
       <p:sp>
         <p:nvSpPr>
-          <p:cNvPr id="284" name="Google Shape;124;p20"/>
+          <p:cNvPr id="249" name="Google Shape;124;p20"/>
           <p:cNvSpPr txBox="1"/>
           <p:nvPr/>
         </p:nvSpPr>
         <p:spPr>
           <a:xfrm>
-            <a:off x="1037780" y="1527824"/>
-            <a:ext cx="7068440" cy="2292903"/>
+            <a:off x="385389" y="938568"/>
+            <a:ext cx="3429527" cy="4093396"/>
           </a:xfrm>
           <a:prstGeom prst="rect">
             <a:avLst/>
@@ -11834,16 +12136,15 @@
           </a:extLst>
         </p:spPr>
         <p:txBody>
-          <a:bodyPr lIns="91424" tIns="91424" rIns="91424" bIns="91424">
+          <a:bodyPr wrap="square" lIns="91424" tIns="91424" rIns="91424" bIns="91424">
             <a:spAutoFit/>
           </a:bodyPr>
-          <a:lstStyle/>
-          <a:p>
-            <a:pPr algn="l">
-              <a:lnSpc>
-                <a:spcPct val="100000"/>
-              </a:lnSpc>
-              <a:defRPr sz="4200">
+          <a:lstStyle>
+            <a:lvl1pPr algn="l">
+              <a:lnSpc>
+                <a:spcPct val="100000"/>
+              </a:lnSpc>
+              <a:defRPr sz="2200">
                 <a:solidFill>
                   <a:srgbClr val="75910B"/>
                 </a:solidFill>
@@ -11852,131 +12153,48 @@
                 <a:cs typeface="+mn-cs"/>
                 <a:sym typeface="IBM Plex Sans"/>
               </a:defRPr>
-            </a:pPr>
-            <a:r>
-              <a:rPr dirty="0"/>
-              <a:t>LAB 0</a:t>
-            </a:r>
-            <a:r>
-              <a:rPr lang="da-DK" dirty="0"/>
-              <a:t>7</a:t>
-            </a:r>
-            <a:r>
-              <a:rPr dirty="0"/>
-              <a:t> </a:t>
-            </a:r>
-          </a:p>
-          <a:p>
-            <a:pPr algn="l">
-              <a:lnSpc>
-                <a:spcPct val="100000"/>
-              </a:lnSpc>
-              <a:defRPr sz="4200">
-                <a:solidFill>
-                  <a:srgbClr val="75910B"/>
-                </a:solidFill>
-                <a:latin typeface="+mn-lt"/>
-                <a:ea typeface="+mn-ea"/>
-                <a:cs typeface="+mn-cs"/>
-                <a:sym typeface="IBM Plex Sans"/>
-              </a:defRPr>
-            </a:pPr>
-            <a:r>
-              <a:rPr lang="da-DK" dirty="0"/>
-              <a:t>GENETIC</a:t>
-            </a:r>
-            <a:endParaRPr dirty="0"/>
-          </a:p>
-          <a:p>
-            <a:pPr algn="l">
-              <a:lnSpc>
-                <a:spcPct val="100000"/>
-              </a:lnSpc>
-              <a:defRPr sz="4200">
-                <a:solidFill>
-                  <a:srgbClr val="75910B"/>
-                </a:solidFill>
-                <a:latin typeface="+mn-lt"/>
-                <a:ea typeface="+mn-ea"/>
-                <a:cs typeface="+mn-cs"/>
-                <a:sym typeface="IBM Plex Sans"/>
-              </a:defRPr>
-            </a:pPr>
-            <a:endParaRPr dirty="0"/>
-          </a:p>
-          <a:p>
-            <a:pPr algn="l">
-              <a:lnSpc>
-                <a:spcPct val="100000"/>
-              </a:lnSpc>
-              <a:defRPr sz="1100">
-                <a:solidFill>
-                  <a:srgbClr val="75910B"/>
-                </a:solidFill>
-                <a:latin typeface="+mn-lt"/>
-                <a:ea typeface="+mn-ea"/>
-                <a:cs typeface="+mn-cs"/>
-                <a:sym typeface="IBM Plex Sans"/>
-              </a:defRPr>
-            </a:pPr>
-            <a:r>
-              <a:rPr dirty="0"/>
-              <a:t>https://</a:t>
-            </a:r>
-            <a:r>
-              <a:rPr dirty="0" err="1"/>
-              <a:t>colab.research.google.com</a:t>
-            </a:r>
-            <a:r>
-              <a:rPr dirty="0"/>
-              <a:t>/</a:t>
-            </a:r>
-            <a:r>
-              <a:rPr dirty="0" err="1"/>
-              <a:t>github</a:t>
-            </a:r>
-            <a:r>
-              <a:rPr dirty="0"/>
-              <a:t>/</a:t>
-            </a:r>
-            <a:r>
-              <a:rPr dirty="0" err="1"/>
-              <a:t>claireaoi</a:t>
-            </a:r>
-            <a:r>
-              <a:rPr dirty="0"/>
-              <a:t>/</a:t>
-            </a:r>
-            <a:r>
-              <a:rPr dirty="0" err="1"/>
-              <a:t>dlgs</a:t>
-            </a:r>
-            <a:r>
-              <a:rPr dirty="0"/>
-              <a:t>/blob/main/labs/lab</a:t>
-            </a:r>
-            <a:r>
-              <a:rPr lang="da-DK" dirty="0"/>
-              <a:t>7</a:t>
-            </a:r>
-            <a:r>
-              <a:rPr dirty="0"/>
-              <a:t>_</a:t>
-            </a:r>
-            <a:r>
-              <a:rPr lang="da-DK" dirty="0" err="1"/>
-              <a:t>genetic</a:t>
-            </a:r>
-            <a:r>
-              <a:rPr dirty="0"/>
-              <a:t>.ipynb</a:t>
-            </a:r>
-          </a:p>
-        </p:txBody>
-      </p:sp>
-      <p:sp>
-        <p:nvSpPr>
-          <p:cNvPr id="285" name="Google Shape;55;p13"/>
+            </a:lvl1pPr>
+          </a:lstStyle>
+          <a:p>
+            <a:endParaRPr lang="da-DK" sz="3600" dirty="0"/>
+          </a:p>
+          <a:p>
+            <a:r>
+              <a:rPr lang="da-DK" sz="3600" dirty="0" err="1"/>
+              <a:t>Variational</a:t>
+            </a:r>
+            <a:r>
+              <a:rPr lang="da-DK" sz="3600" dirty="0"/>
+              <a:t> Auto Encoder</a:t>
+            </a:r>
+            <a:br>
+              <a:rPr lang="da-DK" sz="3600" dirty="0"/>
+            </a:br>
+            <a:r>
+              <a:rPr lang="da-DK" sz="3600" dirty="0"/>
+              <a:t>(VAE)</a:t>
+            </a:r>
+          </a:p>
+          <a:p>
+            <a:endParaRPr lang="da-DK" dirty="0"/>
+          </a:p>
+          <a:p>
+            <a:endParaRPr lang="da-DK" dirty="0"/>
+          </a:p>
+          <a:p>
+            <a:endParaRPr lang="da-DK" dirty="0"/>
+          </a:p>
+          <a:p>
+            <a:endParaRPr lang="da-DK" dirty="0"/>
+          </a:p>
+          <a:p>
+            <a:endParaRPr lang="da-DK" dirty="0"/>
+          </a:p>
+        </p:txBody>
+      </p:sp>
+      <p:sp>
+        <p:nvSpPr>
+          <p:cNvPr id="250" name="Google Shape;55;p13"/>
           <p:cNvSpPr txBox="1"/>
           <p:nvPr/>
         </p:nvSpPr>
@@ -12011,7 +12229,7 @@
       </p:sp>
       <p:sp>
         <p:nvSpPr>
-          <p:cNvPr id="286" name="Google Shape;56;p13"/>
+          <p:cNvPr id="251" name="Google Shape;56;p13"/>
           <p:cNvSpPr txBox="1"/>
           <p:nvPr/>
         </p:nvSpPr>
@@ -12044,10 +12262,319 @@
           </a:p>
         </p:txBody>
       </p:sp>
+      <p:sp>
+        <p:nvSpPr>
+          <p:cNvPr id="252" name="Environment:…"/>
+          <p:cNvSpPr txBox="1"/>
+          <p:nvPr/>
+        </p:nvSpPr>
+        <p:spPr>
+          <a:xfrm>
+            <a:off x="2978608" y="1166231"/>
+            <a:ext cx="5711971" cy="369332"/>
+          </a:xfrm>
+          <a:prstGeom prst="rect">
+            <a:avLst/>
+          </a:prstGeom>
+          <a:ln w="12700">
+            <a:miter lim="400000"/>
+          </a:ln>
+          <a:extLst>
+            <a:ext uri="{C572A759-6A51-4108-AA02-DFA0A04FC94B}">
+              <ma14:wrappingTextBoxFlag xmlns:ma14="http://schemas.microsoft.com/office/mac/drawingml/2011/main" xmlns:a14="http://schemas.microsoft.com/office/drawing/2010/main" xmlns:m="http://schemas.openxmlformats.org/officeDocument/2006/math" xmlns="" val="1"/>
+            </a:ext>
+          </a:extLst>
+        </p:spPr>
+        <p:txBody>
+          <a:bodyPr wrap="square" lIns="0" tIns="0" rIns="0" bIns="0">
+            <a:spAutoFit/>
+          </a:bodyPr>
+          <a:lstStyle/>
+          <a:p>
+            <a:pPr lvl="1" algn="l" defTabSz="457200">
+              <a:lnSpc>
+                <a:spcPct val="100000"/>
+              </a:lnSpc>
+              <a:defRPr sz="1400">
+                <a:latin typeface="+mn-lt"/>
+                <a:ea typeface="+mn-ea"/>
+                <a:cs typeface="+mn-cs"/>
+                <a:sym typeface="IBM Plex Sans"/>
+              </a:defRPr>
+            </a:pPr>
+            <a:endParaRPr sz="1000" b="1" dirty="0"/>
+          </a:p>
+          <a:p>
+            <a:pPr algn="l" defTabSz="457200">
+              <a:lnSpc>
+                <a:spcPct val="100000"/>
+              </a:lnSpc>
+              <a:defRPr sz="1400">
+                <a:latin typeface="+mn-lt"/>
+                <a:ea typeface="+mn-ea"/>
+                <a:cs typeface="+mn-cs"/>
+                <a:sym typeface="IBM Plex Sans"/>
+              </a:defRPr>
+            </a:pPr>
+            <a:endParaRPr b="1" dirty="0"/>
+          </a:p>
+        </p:txBody>
+      </p:sp>
+      <p:sp>
+        <p:nvSpPr>
+          <p:cNvPr id="3" name="TextBox 2">
+            <a:extLst>
+              <a:ext uri="{FF2B5EF4-FFF2-40B4-BE49-F238E27FC236}">
+                <a16:creationId xmlns:a16="http://schemas.microsoft.com/office/drawing/2014/main" id="{43F1060A-51A6-D70D-7D1F-A54B84D2F3A4}"/>
+              </a:ext>
+            </a:extLst>
+          </p:cNvPr>
+          <p:cNvSpPr txBox="1"/>
+          <p:nvPr/>
+        </p:nvSpPr>
+        <p:spPr>
+          <a:xfrm>
+            <a:off x="3085875" y="2698938"/>
+            <a:ext cx="5947893" cy="2002664"/>
+          </a:xfrm>
+          <a:prstGeom prst="rect">
+            <a:avLst/>
+          </a:prstGeom>
+          <a:noFill/>
+          <a:ln w="12700" cap="flat">
+            <a:noFill/>
+            <a:miter lim="400000"/>
+          </a:ln>
+          <a:effectLst/>
+          <a:sp3d/>
+        </p:spPr>
+        <p:style>
+          <a:lnRef idx="0">
+            <a:scrgbClr r="0" g="0" b="0"/>
+          </a:lnRef>
+          <a:fillRef idx="0">
+            <a:scrgbClr r="0" g="0" b="0"/>
+          </a:fillRef>
+          <a:effectRef idx="0">
+            <a:scrgbClr r="0" g="0" b="0"/>
+          </a:effectRef>
+          <a:fontRef idx="none"/>
+        </p:style>
+        <p:txBody>
+          <a:bodyPr wrap="square">
+            <a:spAutoFit/>
+          </a:bodyPr>
+          <a:lstStyle/>
+          <a:p>
+            <a:pPr marL="285750" indent="-285750" algn="l">
+              <a:buFont typeface="Wingdings" pitchFamily="2" charset="2"/>
+              <a:buChar char="è"/>
+            </a:pPr>
+            <a:r>
+              <a:rPr lang="en-GB" sz="1200" b="0" i="0" dirty="0">
+                <a:solidFill>
+                  <a:srgbClr val="374151"/>
+                </a:solidFill>
+                <a:effectLst/>
+                <a:latin typeface="Söhne"/>
+              </a:rPr>
+              <a:t>Similarly than AE, generative model that</a:t>
+            </a:r>
+            <a:r>
+              <a:rPr lang="en-GB" sz="1200" dirty="0">
+                <a:solidFill>
+                  <a:srgbClr val="374151"/>
+                </a:solidFill>
+                <a:latin typeface="Söhne"/>
+              </a:rPr>
+              <a:t> </a:t>
+            </a:r>
+            <a:r>
+              <a:rPr lang="en-GB" sz="1200" b="0" i="0" dirty="0">
+                <a:solidFill>
+                  <a:srgbClr val="374151"/>
+                </a:solidFill>
+                <a:effectLst/>
+                <a:latin typeface="Söhne"/>
+              </a:rPr>
+              <a:t>learn compact and meaningful representations of data in </a:t>
+            </a:r>
+            <a:r>
+              <a:rPr lang="en-GB" sz="1200" b="0" i="0" dirty="0">
+                <a:solidFill>
+                  <a:schemeClr val="bg2"/>
+                </a:solidFill>
+                <a:effectLst/>
+                <a:latin typeface="Söhne"/>
+              </a:rPr>
+              <a:t>an unsupervised manner, with an encoder and decoder</a:t>
+            </a:r>
+            <a:endParaRPr lang="en-GB" sz="1200" dirty="0">
+              <a:solidFill>
+                <a:schemeClr val="bg2"/>
+              </a:solidFill>
+              <a:latin typeface="Söhne"/>
+            </a:endParaRPr>
+          </a:p>
+          <a:p>
+            <a:pPr marL="285750" indent="-285750" algn="l">
+              <a:buFont typeface="Wingdings" pitchFamily="2" charset="2"/>
+              <a:buChar char="è"/>
+            </a:pPr>
+            <a:r>
+              <a:rPr lang="en-DK" sz="1200" b="0" i="0" dirty="0">
+                <a:solidFill>
+                  <a:schemeClr val="bg2"/>
+                </a:solidFill>
+                <a:effectLst/>
+                <a:latin typeface="Google Sans"/>
+              </a:rPr>
+              <a:t>≠ </a:t>
+            </a:r>
+            <a:r>
+              <a:rPr lang="en-GB" sz="1200" b="0" i="0" dirty="0" err="1">
+                <a:solidFill>
+                  <a:schemeClr val="bg2"/>
+                </a:solidFill>
+                <a:effectLst/>
+                <a:latin typeface="Google Sans"/>
+              </a:rPr>
+              <a:t>AutoEncoder</a:t>
+            </a:r>
+            <a:r>
+              <a:rPr lang="en-GB" sz="1200" dirty="0">
+                <a:solidFill>
+                  <a:schemeClr val="bg2"/>
+                </a:solidFill>
+                <a:latin typeface="Google Sans"/>
+              </a:rPr>
+              <a:t>:</a:t>
+            </a:r>
+            <a:r>
+              <a:rPr lang="en-GB" sz="1200" b="0" i="0" dirty="0">
+                <a:solidFill>
+                  <a:schemeClr val="bg2"/>
+                </a:solidFill>
+                <a:effectLst/>
+                <a:latin typeface="Google Sans"/>
+              </a:rPr>
+              <a:t> </a:t>
+            </a:r>
+            <a:r>
+              <a:rPr lang="en-GB" sz="1200" b="1" dirty="0">
+                <a:solidFill>
+                  <a:schemeClr val="bg2"/>
+                </a:solidFill>
+                <a:latin typeface="Google Sans"/>
+              </a:rPr>
+              <a:t>learns a probabilistic model of the data</a:t>
+            </a:r>
+            <a:br>
+              <a:rPr lang="en-GB" sz="1200" b="1" dirty="0">
+                <a:solidFill>
+                  <a:schemeClr val="bg2"/>
+                </a:solidFill>
+                <a:latin typeface="Google Sans"/>
+              </a:rPr>
+            </a:br>
+            <a:r>
+              <a:rPr lang="en-GB" sz="1200" b="1" dirty="0">
+                <a:solidFill>
+                  <a:schemeClr val="bg1">
+                    <a:lumMod val="50000"/>
+                  </a:schemeClr>
+                </a:solidFill>
+                <a:latin typeface="Google Sans"/>
+              </a:rPr>
+              <a:t>the </a:t>
+            </a:r>
+            <a:r>
+              <a:rPr lang="en-GB" sz="1200" dirty="0">
+                <a:solidFill>
+                  <a:schemeClr val="bg1">
+                    <a:lumMod val="50000"/>
+                  </a:schemeClr>
+                </a:solidFill>
+              </a:rPr>
+              <a:t>encoder learns parameters of a probability distribution (e.g. mean, variance), from which samples are drawn to generate reconstructions</a:t>
+            </a:r>
+          </a:p>
+          <a:p>
+            <a:pPr marL="285750" indent="-285750" algn="l">
+              <a:buFont typeface="Wingdings" pitchFamily="2" charset="2"/>
+              <a:buChar char="è"/>
+            </a:pPr>
+            <a:r>
+              <a:rPr lang="en-GB" sz="1200" b="1" dirty="0">
+                <a:solidFill>
+                  <a:schemeClr val="bg2"/>
+                </a:solidFill>
+              </a:rPr>
+              <a:t>encourages the model to learn a smooth and continuous latent space</a:t>
+            </a:r>
+            <a:r>
+              <a:rPr lang="en-GB" sz="1200" dirty="0">
+                <a:solidFill>
+                  <a:schemeClr val="bg2"/>
+                </a:solidFill>
+              </a:rPr>
+              <a:t>, which is particularly beneficial for tasks like </a:t>
+            </a:r>
+            <a:r>
+              <a:rPr lang="en-GB" sz="1200" b="1" dirty="0">
+                <a:solidFill>
+                  <a:schemeClr val="bg2"/>
+                </a:solidFill>
+              </a:rPr>
+              <a:t>data generation and interpolation.</a:t>
+            </a:r>
+            <a:endParaRPr lang="en-DK" sz="1200" b="1" dirty="0">
+              <a:solidFill>
+                <a:schemeClr val="bg2"/>
+              </a:solidFill>
+            </a:endParaRPr>
+          </a:p>
+        </p:txBody>
+      </p:sp>
+      <p:pic>
+        <p:nvPicPr>
+          <p:cNvPr id="5" name="Picture 4" descr="A diagram of different colored shapes&#10;&#10;Description automatically generated">
+            <a:extLst>
+              <a:ext uri="{FF2B5EF4-FFF2-40B4-BE49-F238E27FC236}">
+                <a16:creationId xmlns:a16="http://schemas.microsoft.com/office/drawing/2014/main" id="{22B695A3-3DB4-E791-35E8-96984547F9FA}"/>
+              </a:ext>
+            </a:extLst>
+          </p:cNvPr>
+          <p:cNvPicPr>
+            <a:picLocks noChangeAspect="1"/>
+          </p:cNvPicPr>
+          <p:nvPr/>
+        </p:nvPicPr>
+        <p:blipFill rotWithShape="1">
+          <a:blip r:embed="rId2">
+            <a:extLst>
+              <a:ext uri="{28A0092B-C50C-407E-A947-70E740481C1C}">
+                <a14:useLocalDpi xmlns:a14="http://schemas.microsoft.com/office/drawing/2010/main" val="0"/>
+              </a:ext>
+            </a:extLst>
+          </a:blip>
+          <a:srcRect b="22155"/>
+          <a:stretch/>
+        </p:blipFill>
+        <p:spPr>
+          <a:xfrm>
+            <a:off x="3429066" y="525880"/>
+            <a:ext cx="5261513" cy="2045870"/>
+          </a:xfrm>
+          <a:prstGeom prst="rect">
+            <a:avLst/>
+          </a:prstGeom>
+        </p:spPr>
+      </p:pic>
     </p:spTree>
     <p:extLst>
       <p:ext uri="{BB962C8B-B14F-4D97-AF65-F5344CB8AC3E}">
-        <p14:creationId xmlns:p14="http://schemas.microsoft.com/office/powerpoint/2010/main" val="3555731749"/>
+        <p14:creationId xmlns:p14="http://schemas.microsoft.com/office/powerpoint/2010/main" val="557055760"/>
       </p:ext>
     </p:extLst>
   </p:cSld>
@@ -12134,7 +12661,7 @@
         <p:spPr>
           <a:xfrm>
             <a:off x="385389" y="938568"/>
-            <a:ext cx="3264047" cy="3231622"/>
+            <a:ext cx="3429527" cy="4093396"/>
           </a:xfrm>
           <a:prstGeom prst="rect">
             <a:avLst/>
@@ -12144,7 +12671,7 @@
           </a:ln>
           <a:extLst>
             <a:ext uri="{C572A759-6A51-4108-AA02-DFA0A04FC94B}">
-              <ma14:wrappingTextBoxFlag xmlns:ma14="http://schemas.microsoft.com/office/mac/drawingml/2011/main" xmlns:a14="http://schemas.microsoft.com/office/drawing/2010/main" xmlns:m="http://schemas.openxmlformats.org/officeDocument/2006/math" xmlns="" val="1"/>
+              <ma14:wrappingTextBoxFlag xmlns="" xmlns:m="http://schemas.openxmlformats.org/officeDocument/2006/math" xmlns:a14="http://schemas.microsoft.com/office/drawing/2010/main" xmlns:ma14="http://schemas.microsoft.com/office/mac/drawingml/2011/main" val="1"/>
             </a:ext>
           </a:extLst>
         </p:spPr>
@@ -12169,15 +12696,29 @@
             </a:lvl1pPr>
           </a:lstStyle>
           <a:p>
+            <a:endParaRPr lang="da-DK" sz="3600" dirty="0"/>
+          </a:p>
+          <a:p>
+            <a:r>
+              <a:rPr lang="da-DK" sz="3600" dirty="0" err="1"/>
+              <a:t>Variational</a:t>
+            </a:r>
+            <a:r>
+              <a:rPr lang="da-DK" sz="3600" dirty="0"/>
+              <a:t> Auto Encoder</a:t>
+            </a:r>
+            <a:br>
+              <a:rPr lang="da-DK" sz="3600" dirty="0"/>
+            </a:br>
+            <a:r>
+              <a:rPr lang="da-DK" sz="3600" dirty="0"/>
+              <a:t>(VAE)</a:t>
+            </a:r>
+          </a:p>
+          <a:p>
             <a:endParaRPr lang="da-DK" dirty="0"/>
           </a:p>
           <a:p>
-            <a:r>
-              <a:rPr lang="da-DK" dirty="0"/>
-              <a:t>(1) ES Optimum</a:t>
-            </a:r>
-          </a:p>
-          <a:p>
             <a:endParaRPr lang="da-DK" dirty="0"/>
           </a:p>
           <a:p>
@@ -12188,31 +12729,6 @@
           </a:p>
           <a:p>
             <a:endParaRPr lang="da-DK" dirty="0"/>
-          </a:p>
-          <a:p>
-            <a:endParaRPr lang="da-DK" dirty="0"/>
-          </a:p>
-          <a:p>
-            <a:r>
-              <a:rPr lang="da-DK" dirty="0"/>
-              <a:t>(2) </a:t>
-            </a:r>
-            <a:r>
-              <a:rPr lang="da-DK" dirty="0" err="1"/>
-              <a:t>Evolve</a:t>
-            </a:r>
-            <a:r>
-              <a:rPr lang="da-DK" dirty="0"/>
-              <a:t> a </a:t>
-            </a:r>
-            <a:r>
-              <a:rPr lang="da-DK" dirty="0" err="1"/>
-              <a:t>GamingNN</a:t>
-            </a:r>
-            <a:endParaRPr lang="da-DK" dirty="0"/>
-          </a:p>
-          <a:p>
-            <a:endParaRPr dirty="0"/>
           </a:p>
         </p:txBody>
       </p:sp>
@@ -12235,7 +12751,7 @@
           </a:ln>
           <a:extLst>
             <a:ext uri="{C572A759-6A51-4108-AA02-DFA0A04FC94B}">
-              <ma14:wrappingTextBoxFlag xmlns:ma14="http://schemas.microsoft.com/office/mac/drawingml/2011/main" xmlns:a14="http://schemas.microsoft.com/office/drawing/2010/main" xmlns:m="http://schemas.openxmlformats.org/officeDocument/2006/math" xmlns="" val="1"/>
+              <ma14:wrappingTextBoxFlag xmlns="" xmlns:m="http://schemas.openxmlformats.org/officeDocument/2006/math" xmlns:a14="http://schemas.microsoft.com/office/drawing/2010/main" xmlns:ma14="http://schemas.microsoft.com/office/mac/drawingml/2011/main" val="1"/>
             </a:ext>
           </a:extLst>
         </p:spPr>
@@ -12270,7 +12786,7 @@
           </a:ln>
           <a:extLst>
             <a:ext uri="{C572A759-6A51-4108-AA02-DFA0A04FC94B}">
-              <ma14:wrappingTextBoxFlag xmlns:ma14="http://schemas.microsoft.com/office/mac/drawingml/2011/main" xmlns:a14="http://schemas.microsoft.com/office/drawing/2010/main" xmlns:m="http://schemas.openxmlformats.org/officeDocument/2006/math" xmlns="" val="1"/>
+              <ma14:wrappingTextBoxFlag xmlns="" xmlns:m="http://schemas.openxmlformats.org/officeDocument/2006/math" xmlns:a14="http://schemas.microsoft.com/office/drawing/2010/main" xmlns:ma14="http://schemas.microsoft.com/office/mac/drawingml/2011/main" val="1"/>
             </a:ext>
           </a:extLst>
         </p:spPr>
@@ -12294,8 +12810,8 @@
         </p:nvSpPr>
         <p:spPr>
           <a:xfrm>
-            <a:off x="3396343" y="1166231"/>
-            <a:ext cx="5294236" cy="584775"/>
+            <a:off x="2978608" y="1166231"/>
+            <a:ext cx="5711971" cy="369332"/>
           </a:xfrm>
           <a:prstGeom prst="rect">
             <a:avLst/>
@@ -12305,7 +12821,7 @@
           </a:ln>
           <a:extLst>
             <a:ext uri="{C572A759-6A51-4108-AA02-DFA0A04FC94B}">
-              <ma14:wrappingTextBoxFlag xmlns:ma14="http://schemas.microsoft.com/office/mac/drawingml/2011/main" xmlns:a14="http://schemas.microsoft.com/office/drawing/2010/main" xmlns:m="http://schemas.openxmlformats.org/officeDocument/2006/math" xmlns="" val="1"/>
+              <ma14:wrappingTextBoxFlag xmlns="" xmlns:m="http://schemas.openxmlformats.org/officeDocument/2006/math" xmlns:a14="http://schemas.microsoft.com/office/drawing/2010/main" xmlns:ma14="http://schemas.microsoft.com/office/mac/drawingml/2011/main" val="1"/>
             </a:ext>
           </a:extLst>
         </p:spPr>
@@ -12314,23 +12830,6 @@
             <a:spAutoFit/>
           </a:bodyPr>
           <a:lstStyle/>
-          <a:p>
-            <a:pPr algn="l">
-              <a:lnSpc>
-                <a:spcPct val="100000"/>
-              </a:lnSpc>
-              <a:defRPr sz="1400">
-                <a:solidFill>
-                  <a:srgbClr val="000000"/>
-                </a:solidFill>
-                <a:latin typeface="Helvetica"/>
-                <a:ea typeface="Helvetica"/>
-                <a:cs typeface="Helvetica"/>
-                <a:sym typeface="Helvetica"/>
-              </a:defRPr>
-            </a:pPr>
-            <a:endParaRPr lang="en-DK" b="1" dirty="0"/>
-          </a:p>
           <a:p>
             <a:pPr lvl="1" algn="l" defTabSz="457200">
               <a:lnSpc>
@@ -12361,12 +12860,48 @@
           </a:p>
         </p:txBody>
       </p:sp>
-      <p:sp>
-        <p:nvSpPr>
-          <p:cNvPr id="3" name="TextBox 2">
+      <p:pic>
+        <p:nvPicPr>
+          <p:cNvPr id="2" name="Picture 1" descr="A diagram of different colored shapes&#10;&#10;Description automatically generated">
             <a:extLst>
               <a:ext uri="{FF2B5EF4-FFF2-40B4-BE49-F238E27FC236}">
-                <a16:creationId xmlns:a16="http://schemas.microsoft.com/office/drawing/2014/main" id="{97F4E832-82A0-63B3-D441-1398C5EB98FA}"/>
+                <a16:creationId xmlns:a16="http://schemas.microsoft.com/office/drawing/2014/main" id="{D416C5D9-3C90-B5B5-9125-E587FC293C43}"/>
+              </a:ext>
+            </a:extLst>
+          </p:cNvPr>
+          <p:cNvPicPr>
+            <a:picLocks noChangeAspect="1"/>
+          </p:cNvPicPr>
+          <p:nvPr/>
+        </p:nvPicPr>
+        <p:blipFill>
+          <a:blip r:embed="rId2">
+            <a:extLst>
+              <a:ext uri="{28A0092B-C50C-407E-A947-70E740481C1C}">
+                <a14:useLocalDpi xmlns:a14="http://schemas.microsoft.com/office/drawing/2010/main" val="0"/>
+              </a:ext>
+            </a:extLst>
+          </a:blip>
+          <a:stretch>
+            <a:fillRect/>
+          </a:stretch>
+        </p:blipFill>
+        <p:spPr>
+          <a:xfrm>
+            <a:off x="3272989" y="529925"/>
+            <a:ext cx="5711971" cy="2853129"/>
+          </a:xfrm>
+          <a:prstGeom prst="rect">
+            <a:avLst/>
+          </a:prstGeom>
+        </p:spPr>
+      </p:pic>
+      <p:sp>
+        <p:nvSpPr>
+          <p:cNvPr id="6" name="TextBox 5">
+            <a:extLst>
+              <a:ext uri="{FF2B5EF4-FFF2-40B4-BE49-F238E27FC236}">
+                <a16:creationId xmlns:a16="http://schemas.microsoft.com/office/drawing/2014/main" id="{2551FD8E-5334-5330-EA42-8CAD41434192}"/>
               </a:ext>
             </a:extLst>
           </p:cNvPr>
@@ -12375,8 +12910,8 @@
         </p:nvSpPr>
         <p:spPr>
           <a:xfrm>
-            <a:off x="4092196" y="1127257"/>
-            <a:ext cx="3902529" cy="3947234"/>
+            <a:off x="3264888" y="3606551"/>
+            <a:ext cx="6205465" cy="1529842"/>
           </a:xfrm>
           <a:prstGeom prst="rect">
             <a:avLst/>
@@ -12408,296 +12943,64 @@
           <a:lstStyle/>
           <a:p>
             <a:pPr algn="l"/>
-            <a:endParaRPr lang="en-GB" sz="1200" b="0" dirty="0">
-              <a:solidFill>
-                <a:srgbClr val="0000FF"/>
-              </a:solidFill>
-              <a:effectLst/>
-              <a:latin typeface="Courier New" panose="02070309020205020404" pitchFamily="49" charset="0"/>
-            </a:endParaRPr>
-          </a:p>
-          <a:p>
-            <a:pPr algn="l"/>
-            <a:endParaRPr lang="en-GB" sz="1200" b="0" dirty="0">
-              <a:solidFill>
-                <a:srgbClr val="0000FF"/>
-              </a:solidFill>
-              <a:effectLst/>
-              <a:latin typeface="Courier New" panose="02070309020205020404" pitchFamily="49" charset="0"/>
-            </a:endParaRPr>
-          </a:p>
-          <a:p>
-            <a:pPr algn="l"/>
-            <a:endParaRPr lang="en-GB" sz="1200" dirty="0">
-              <a:solidFill>
-                <a:srgbClr val="0000FF"/>
-              </a:solidFill>
-              <a:latin typeface="Courier New" panose="02070309020205020404" pitchFamily="49" charset="0"/>
-            </a:endParaRPr>
-          </a:p>
-          <a:p>
-            <a:pPr algn="l"/>
-            <a:endParaRPr lang="en-GB" sz="1200" b="0" dirty="0">
-              <a:solidFill>
-                <a:srgbClr val="0000FF"/>
-              </a:solidFill>
-              <a:effectLst/>
-              <a:latin typeface="Courier New" panose="02070309020205020404" pitchFamily="49" charset="0"/>
-            </a:endParaRPr>
-          </a:p>
-          <a:p>
-            <a:pPr algn="l"/>
-            <a:endParaRPr lang="en-GB" sz="1200" dirty="0">
-              <a:solidFill>
-                <a:srgbClr val="0000FF"/>
-              </a:solidFill>
-              <a:latin typeface="Courier New" panose="02070309020205020404" pitchFamily="49" charset="0"/>
-            </a:endParaRPr>
-          </a:p>
-          <a:p>
-            <a:pPr algn="l"/>
-            <a:endParaRPr lang="en-GB" sz="1200" b="0" dirty="0">
-              <a:solidFill>
-                <a:srgbClr val="0000FF"/>
-              </a:solidFill>
-              <a:effectLst/>
-              <a:latin typeface="Courier New" panose="02070309020205020404" pitchFamily="49" charset="0"/>
-            </a:endParaRPr>
-          </a:p>
-          <a:p>
-            <a:pPr algn="l"/>
-            <a:endParaRPr lang="en-GB" sz="1200" b="0" dirty="0">
-              <a:solidFill>
-                <a:srgbClr val="000000"/>
-              </a:solidFill>
-              <a:effectLst/>
-              <a:latin typeface="Courier New" panose="02070309020205020404" pitchFamily="49" charset="0"/>
-            </a:endParaRPr>
-          </a:p>
-          <a:p>
-            <a:pPr algn="l"/>
-            <a:endParaRPr lang="en-GB" sz="1200" b="0" dirty="0">
-              <a:solidFill>
-                <a:srgbClr val="000000"/>
-              </a:solidFill>
-              <a:effectLst/>
-              <a:latin typeface="Courier New" panose="02070309020205020404" pitchFamily="49" charset="0"/>
-            </a:endParaRPr>
-          </a:p>
-          <a:p>
-            <a:pPr algn="l"/>
-            <a:r>
-              <a:rPr lang="en-GB" sz="1200" dirty="0">
-                <a:solidFill>
-                  <a:srgbClr val="000000"/>
-                </a:solidFill>
-                <a:latin typeface="Courier New" panose="02070309020205020404" pitchFamily="49" charset="0"/>
-              </a:rPr>
-              <a:t>&gt;</a:t>
-            </a:r>
-            <a:r>
-              <a:rPr lang="en-GB" sz="1200" b="0" dirty="0">
-                <a:solidFill>
-                  <a:srgbClr val="000000"/>
-                </a:solidFill>
+            <a:r>
+              <a:rPr lang="en-GB" sz="1400" b="0" i="0" dirty="0">
                 <a:effectLst/>
-                <a:latin typeface="Courier New" panose="02070309020205020404" pitchFamily="49" charset="0"/>
-              </a:rPr>
-              <a:t>Setup Game Environment as Lunar Lander</a:t>
-            </a:r>
-          </a:p>
-          <a:p>
-            <a:pPr algn="l"/>
-            <a:r>
-              <a:rPr lang="en-GB" sz="1200" b="0" dirty="0">
-                <a:solidFill>
-                  <a:srgbClr val="000000"/>
-                </a:solidFill>
+                <a:latin typeface="Söhne"/>
+              </a:rPr>
+              <a:t>The loss function of </a:t>
+            </a:r>
+            <a:r>
+              <a:rPr lang="en-GB" sz="1400" dirty="0">
+                <a:latin typeface="Söhne"/>
+              </a:rPr>
+              <a:t>a VAE has 2 terms: </a:t>
+            </a:r>
+            <a:r>
+              <a:rPr lang="en-GB" sz="1400" b="1" dirty="0">
+                <a:latin typeface="Söhne"/>
+              </a:rPr>
+              <a:t>t</a:t>
+            </a:r>
+            <a:r>
+              <a:rPr lang="en-GB" sz="1400" b="1" i="0" dirty="0">
                 <a:effectLst/>
-                <a:latin typeface="Courier New" panose="02070309020205020404" pitchFamily="49" charset="0"/>
-              </a:rPr>
-              <a:t>(The fitness can be the game reward)</a:t>
-            </a:r>
-          </a:p>
-          <a:p>
-            <a:pPr algn="l"/>
-            <a:r>
-              <a:rPr lang="en-GB" sz="1200" b="0" dirty="0">
-                <a:solidFill>
-                  <a:srgbClr val="000000"/>
-                </a:solidFill>
+                <a:latin typeface="Söhne"/>
+              </a:rPr>
+              <a:t>he reconstruction loss</a:t>
+            </a:r>
+            <a:r>
+              <a:rPr lang="en-GB" sz="1400" b="0" i="0" dirty="0">
                 <a:effectLst/>
-                <a:latin typeface="Courier New" panose="02070309020205020404" pitchFamily="49" charset="0"/>
-              </a:rPr>
-              <a:t>&gt;Define a Neural Network</a:t>
+                <a:latin typeface="Söhne"/>
+              </a:rPr>
+              <a:t>, which measures the difference between the original input and its reconstruction, </a:t>
+            </a:r>
+            <a:r>
+              <a:rPr lang="en-GB" sz="1400" b="1" i="0" dirty="0">
+                <a:effectLst/>
+                <a:latin typeface="Söhne"/>
+              </a:rPr>
+              <a:t>and the KL divergence, </a:t>
+            </a:r>
+            <a:r>
+              <a:rPr lang="en-GB" sz="1400" b="0" i="0" dirty="0">
+                <a:effectLst/>
+                <a:latin typeface="Söhne"/>
+              </a:rPr>
+              <a:t>which quantifies the difference between the learned latent distribution and a prior distribution (typically a standard normal distribution). </a:t>
             </a:r>
             <a:br>
-              <a:rPr lang="en-GB" sz="1200" b="0" dirty="0">
-                <a:solidFill>
-                  <a:srgbClr val="000000"/>
-                </a:solidFill>
-                <a:effectLst/>
-                <a:latin typeface="Courier New" panose="02070309020205020404" pitchFamily="49" charset="0"/>
-              </a:rPr>
+              <a:rPr lang="en-GB" dirty="0"/>
             </a:br>
-            <a:r>
-              <a:rPr lang="en-GB" sz="1200" b="0" dirty="0">
-                <a:solidFill>
-                  <a:srgbClr val="000000"/>
-                </a:solidFill>
-                <a:effectLst/>
-                <a:latin typeface="Courier New" panose="02070309020205020404" pitchFamily="49" charset="0"/>
-              </a:rPr>
-              <a:t>&gt;Choose an Evolutionary Strategy</a:t>
-            </a:r>
-            <a:br>
-              <a:rPr lang="en-GB" sz="1200" b="0" dirty="0">
-                <a:solidFill>
-                  <a:srgbClr val="000000"/>
-                </a:solidFill>
-                <a:effectLst/>
-                <a:latin typeface="Courier New" panose="02070309020205020404" pitchFamily="49" charset="0"/>
-              </a:rPr>
-            </a:br>
-            <a:r>
-              <a:rPr lang="en-GB" sz="1200" b="0" dirty="0">
-                <a:solidFill>
-                  <a:srgbClr val="000000"/>
-                </a:solidFill>
-                <a:effectLst/>
-                <a:latin typeface="Courier New" panose="02070309020205020404" pitchFamily="49" charset="0"/>
-              </a:rPr>
-              <a:t>&gt;Evolve the Network</a:t>
-            </a:r>
-            <a:br>
-              <a:rPr lang="en-GB" sz="1200" b="0" dirty="0">
-                <a:solidFill>
-                  <a:srgbClr val="000000"/>
-                </a:solidFill>
-                <a:effectLst/>
-                <a:latin typeface="Courier New" panose="02070309020205020404" pitchFamily="49" charset="0"/>
-              </a:rPr>
-            </a:br>
-            <a:r>
-              <a:rPr lang="en-GB" sz="1200" b="0" dirty="0">
-                <a:solidFill>
-                  <a:srgbClr val="000000"/>
-                </a:solidFill>
-                <a:effectLst/>
-                <a:latin typeface="Courier New" panose="02070309020205020404" pitchFamily="49" charset="0"/>
-              </a:rPr>
-              <a:t>&gt;Evaluate / Visualise</a:t>
-            </a:r>
-          </a:p>
-        </p:txBody>
-      </p:sp>
-      <p:sp>
-        <p:nvSpPr>
-          <p:cNvPr id="4" name="TextBox 3">
-            <a:extLst>
-              <a:ext uri="{FF2B5EF4-FFF2-40B4-BE49-F238E27FC236}">
-                <a16:creationId xmlns:a16="http://schemas.microsoft.com/office/drawing/2014/main" id="{B1D2C1D4-1865-132B-3F82-2A6755028BEF}"/>
-              </a:ext>
-            </a:extLst>
-          </p:cNvPr>
-          <p:cNvSpPr txBox="1"/>
-          <p:nvPr/>
-        </p:nvSpPr>
-        <p:spPr>
-          <a:xfrm>
-            <a:off x="465477" y="4016243"/>
-            <a:ext cx="3183959" cy="900246"/>
-          </a:xfrm>
-          <a:prstGeom prst="rect">
-            <a:avLst/>
-          </a:prstGeom>
-          <a:noFill/>
-          <a:ln w="12700" cap="flat">
-            <a:noFill/>
-            <a:miter lim="400000"/>
-          </a:ln>
-          <a:effectLst/>
-          <a:sp3d/>
-        </p:spPr>
-        <p:style>
-          <a:lnRef idx="0">
-            <a:scrgbClr r="0" g="0" b="0"/>
-          </a:lnRef>
-          <a:fillRef idx="0">
-            <a:scrgbClr r="0" g="0" b="0"/>
-          </a:fillRef>
-          <a:effectRef idx="0">
-            <a:scrgbClr r="0" g="0" b="0"/>
-          </a:effectRef>
-          <a:fontRef idx="none"/>
-        </p:style>
-        <p:txBody>
-          <a:bodyPr wrap="square">
-            <a:spAutoFit/>
-          </a:bodyPr>
-          <a:lstStyle/>
-          <a:p>
-            <a:pPr algn="l"/>
-            <a:r>
-              <a:rPr lang="en-GB" sz="1200" b="0" dirty="0">
-                <a:solidFill>
-                  <a:schemeClr val="bg1">
-                    <a:lumMod val="50000"/>
-                  </a:schemeClr>
-                </a:solidFill>
-                <a:effectLst/>
-                <a:latin typeface="Courier New" panose="02070309020205020404" pitchFamily="49" charset="0"/>
-              </a:rPr>
-              <a:t>#For Box2D you </a:t>
-            </a:r>
-            <a:r>
-              <a:rPr lang="en-GB" sz="1200" dirty="0">
-                <a:solidFill>
-                  <a:schemeClr val="bg1">
-                    <a:lumMod val="50000"/>
-                  </a:schemeClr>
-                </a:solidFill>
-                <a:latin typeface="Courier New" panose="02070309020205020404" pitchFamily="49" charset="0"/>
-              </a:rPr>
-              <a:t>may need install:</a:t>
-            </a:r>
-          </a:p>
-          <a:p>
-            <a:pPr algn="l"/>
-            <a:r>
-              <a:rPr lang="en-GB" sz="1200" b="0" dirty="0">
-                <a:solidFill>
-                  <a:schemeClr val="bg1">
-                    <a:lumMod val="50000"/>
-                  </a:schemeClr>
-                </a:solidFill>
-                <a:effectLst/>
-                <a:latin typeface="Courier New" panose="02070309020205020404" pitchFamily="49" charset="0"/>
-              </a:rPr>
-              <a:t>!pip install swig</a:t>
-            </a:r>
-          </a:p>
-          <a:p>
-            <a:pPr algn="l"/>
-            <a:r>
-              <a:rPr lang="en-GB" sz="1200" b="0" dirty="0">
-                <a:solidFill>
-                  <a:schemeClr val="bg1">
-                    <a:lumMod val="50000"/>
-                  </a:schemeClr>
-                </a:solidFill>
-                <a:effectLst/>
-                <a:latin typeface="Courier New" panose="02070309020205020404" pitchFamily="49" charset="0"/>
-              </a:rPr>
-              <a:t>!pip install gym[box2D]</a:t>
-            </a:r>
+            <a:endParaRPr lang="en-DK" dirty="0"/>
           </a:p>
         </p:txBody>
       </p:sp>
     </p:spTree>
     <p:extLst>
       <p:ext uri="{BB962C8B-B14F-4D97-AF65-F5344CB8AC3E}">
-        <p14:creationId xmlns:p14="http://schemas.microsoft.com/office/powerpoint/2010/main" val="494746275"/>
+        <p14:creationId xmlns:p14="http://schemas.microsoft.com/office/powerpoint/2010/main" val="862138845"/>
       </p:ext>
     </p:extLst>
   </p:cSld>
@@ -12794,7 +13097,7 @@
           </a:ln>
           <a:extLst>
             <a:ext uri="{C572A759-6A51-4108-AA02-DFA0A04FC94B}">
-              <ma14:wrappingTextBoxFlag xmlns="" xmlns:m="http://schemas.openxmlformats.org/officeDocument/2006/math" xmlns:a14="http://schemas.microsoft.com/office/drawing/2010/main" xmlns:ma14="http://schemas.microsoft.com/office/mac/drawingml/2011/main" val="1"/>
+              <ma14:wrappingTextBoxFlag xmlns:ma14="http://schemas.microsoft.com/office/mac/drawingml/2011/main" xmlns:a14="http://schemas.microsoft.com/office/drawing/2010/main" xmlns:m="http://schemas.openxmlformats.org/officeDocument/2006/math" xmlns="" val="1"/>
             </a:ext>
           </a:extLst>
         </p:spPr>
@@ -12862,7 +13165,7 @@
           </a:ln>
           <a:extLst>
             <a:ext uri="{C572A759-6A51-4108-AA02-DFA0A04FC94B}">
-              <ma14:wrappingTextBoxFlag xmlns="" xmlns:m="http://schemas.openxmlformats.org/officeDocument/2006/math" xmlns:a14="http://schemas.microsoft.com/office/drawing/2010/main" xmlns:ma14="http://schemas.microsoft.com/office/mac/drawingml/2011/main" val="1"/>
+              <ma14:wrappingTextBoxFlag xmlns:ma14="http://schemas.microsoft.com/office/mac/drawingml/2011/main" xmlns:a14="http://schemas.microsoft.com/office/drawing/2010/main" xmlns:m="http://schemas.openxmlformats.org/officeDocument/2006/math" xmlns="" val="1"/>
             </a:ext>
           </a:extLst>
         </p:spPr>
@@ -12897,7 +13200,7 @@
           </a:ln>
           <a:extLst>
             <a:ext uri="{C572A759-6A51-4108-AA02-DFA0A04FC94B}">
-              <ma14:wrappingTextBoxFlag xmlns="" xmlns:m="http://schemas.openxmlformats.org/officeDocument/2006/math" xmlns:a14="http://schemas.microsoft.com/office/drawing/2010/main" xmlns:ma14="http://schemas.microsoft.com/office/mac/drawingml/2011/main" val="1"/>
+              <ma14:wrappingTextBoxFlag xmlns:ma14="http://schemas.microsoft.com/office/mac/drawingml/2011/main" xmlns:a14="http://schemas.microsoft.com/office/drawing/2010/main" xmlns:m="http://schemas.openxmlformats.org/officeDocument/2006/math" xmlns="" val="1"/>
             </a:ext>
           </a:extLst>
         </p:spPr>
@@ -12959,7 +13262,7 @@
           </a:ln>
           <a:extLst>
             <a:ext uri="{C572A759-6A51-4108-AA02-DFA0A04FC94B}">
-              <ma14:wrappingTextBoxFlag xmlns="" xmlns:m="http://schemas.openxmlformats.org/officeDocument/2006/math" xmlns:a14="http://schemas.microsoft.com/office/drawing/2010/main" xmlns:ma14="http://schemas.microsoft.com/office/mac/drawingml/2011/main" val="1"/>
+              <ma14:wrappingTextBoxFlag xmlns:ma14="http://schemas.microsoft.com/office/mac/drawingml/2011/main" xmlns:a14="http://schemas.microsoft.com/office/drawing/2010/main" xmlns:m="http://schemas.openxmlformats.org/officeDocument/2006/math" xmlns="" val="1"/>
             </a:ext>
           </a:extLst>
         </p:spPr>
@@ -13064,7 +13367,291 @@
         <p:spPr>
           <a:xfrm>
             <a:off x="385389" y="938568"/>
-            <a:ext cx="2924019" cy="3231622"/>
+            <a:ext cx="3429527" cy="2893067"/>
+          </a:xfrm>
+          <a:prstGeom prst="rect">
+            <a:avLst/>
+          </a:prstGeom>
+          <a:ln w="12700">
+            <a:miter lim="400000"/>
+          </a:ln>
+          <a:extLst>
+            <a:ext uri="{C572A759-6A51-4108-AA02-DFA0A04FC94B}">
+              <ma14:wrappingTextBoxFlag xmlns:ma14="http://schemas.microsoft.com/office/mac/drawingml/2011/main" xmlns:a14="http://schemas.microsoft.com/office/drawing/2010/main" xmlns:m="http://schemas.openxmlformats.org/officeDocument/2006/math" xmlns="" val="1"/>
+            </a:ext>
+          </a:extLst>
+        </p:spPr>
+        <p:txBody>
+          <a:bodyPr wrap="square" lIns="91424" tIns="91424" rIns="91424" bIns="91424">
+            <a:spAutoFit/>
+          </a:bodyPr>
+          <a:lstStyle>
+            <a:lvl1pPr algn="l">
+              <a:lnSpc>
+                <a:spcPct val="100000"/>
+              </a:lnSpc>
+              <a:defRPr sz="2200">
+                <a:solidFill>
+                  <a:srgbClr val="75910B"/>
+                </a:solidFill>
+                <a:latin typeface="+mn-lt"/>
+                <a:ea typeface="+mn-ea"/>
+                <a:cs typeface="+mn-cs"/>
+                <a:sym typeface="IBM Plex Sans"/>
+              </a:defRPr>
+            </a:lvl1pPr>
+          </a:lstStyle>
+          <a:p>
+            <a:endParaRPr lang="da-DK" dirty="0"/>
+          </a:p>
+          <a:p>
+            <a:r>
+              <a:rPr lang="da-DK" dirty="0"/>
+              <a:t>(1) Play with the VAE</a:t>
+            </a:r>
+          </a:p>
+          <a:p>
+            <a:endParaRPr lang="da-DK" dirty="0"/>
+          </a:p>
+          <a:p>
+            <a:endParaRPr lang="da-DK" dirty="0"/>
+          </a:p>
+          <a:p>
+            <a:endParaRPr lang="da-DK" dirty="0"/>
+          </a:p>
+          <a:p>
+            <a:endParaRPr lang="da-DK" dirty="0"/>
+          </a:p>
+          <a:p>
+            <a:endParaRPr lang="da-DK" dirty="0"/>
+          </a:p>
+          <a:p>
+            <a:r>
+              <a:rPr lang="da-DK" dirty="0"/>
+              <a:t>(2) * Interactive Evolution</a:t>
+            </a:r>
+          </a:p>
+        </p:txBody>
+      </p:sp>
+      <p:sp>
+        <p:nvSpPr>
+          <p:cNvPr id="250" name="Google Shape;55;p13"/>
+          <p:cNvSpPr txBox="1"/>
+          <p:nvPr/>
+        </p:nvSpPr>
+        <p:spPr>
+          <a:xfrm>
+            <a:off x="130048" y="0"/>
+            <a:ext cx="3134841" cy="284451"/>
+          </a:xfrm>
+          <a:prstGeom prst="rect">
+            <a:avLst/>
+          </a:prstGeom>
+          <a:ln w="12700">
+            <a:miter lim="400000"/>
+          </a:ln>
+          <a:extLst>
+            <a:ext uri="{C572A759-6A51-4108-AA02-DFA0A04FC94B}">
+              <ma14:wrappingTextBoxFlag xmlns:ma14="http://schemas.microsoft.com/office/mac/drawingml/2011/main" xmlns:a14="http://schemas.microsoft.com/office/drawing/2010/main" xmlns:m="http://schemas.openxmlformats.org/officeDocument/2006/math" xmlns="" val="1"/>
+            </a:ext>
+          </a:extLst>
+        </p:spPr>
+        <p:txBody>
+          <a:bodyPr lIns="91424" tIns="91424" rIns="91424" bIns="91424">
+            <a:spAutoFit/>
+          </a:bodyPr>
+          <a:lstStyle/>
+          <a:p>
+            <a:r>
+              <a:t>Deep Learning for Games and Simulations</a:t>
+            </a:r>
+          </a:p>
+        </p:txBody>
+      </p:sp>
+      <p:sp>
+        <p:nvSpPr>
+          <p:cNvPr id="251" name="Google Shape;56;p13"/>
+          <p:cNvSpPr txBox="1"/>
+          <p:nvPr/>
+        </p:nvSpPr>
+        <p:spPr>
+          <a:xfrm>
+            <a:off x="6600259" y="0"/>
+            <a:ext cx="2384701" cy="284450"/>
+          </a:xfrm>
+          <a:prstGeom prst="rect">
+            <a:avLst/>
+          </a:prstGeom>
+          <a:ln w="12700">
+            <a:miter lim="400000"/>
+          </a:ln>
+          <a:extLst>
+            <a:ext uri="{C572A759-6A51-4108-AA02-DFA0A04FC94B}">
+              <ma14:wrappingTextBoxFlag xmlns:ma14="http://schemas.microsoft.com/office/mac/drawingml/2011/main" xmlns:a14="http://schemas.microsoft.com/office/drawing/2010/main" xmlns:m="http://schemas.openxmlformats.org/officeDocument/2006/math" xmlns="" val="1"/>
+            </a:ext>
+          </a:extLst>
+        </p:spPr>
+        <p:txBody>
+          <a:bodyPr lIns="91424" tIns="91424" rIns="91424" bIns="91424">
+            <a:spAutoFit/>
+          </a:bodyPr>
+          <a:lstStyle/>
+          <a:p>
+            <a:r>
+              <a:t>ITU Copenhagen, Fall 2023</a:t>
+            </a:r>
+          </a:p>
+        </p:txBody>
+      </p:sp>
+      <p:sp>
+        <p:nvSpPr>
+          <p:cNvPr id="252" name="Environment:…"/>
+          <p:cNvSpPr txBox="1"/>
+          <p:nvPr/>
+        </p:nvSpPr>
+        <p:spPr>
+          <a:xfrm>
+            <a:off x="2978608" y="1166231"/>
+            <a:ext cx="5711971" cy="369332"/>
+          </a:xfrm>
+          <a:prstGeom prst="rect">
+            <a:avLst/>
+          </a:prstGeom>
+          <a:ln w="12700">
+            <a:miter lim="400000"/>
+          </a:ln>
+          <a:extLst>
+            <a:ext uri="{C572A759-6A51-4108-AA02-DFA0A04FC94B}">
+              <ma14:wrappingTextBoxFlag xmlns:ma14="http://schemas.microsoft.com/office/mac/drawingml/2011/main" xmlns:a14="http://schemas.microsoft.com/office/drawing/2010/main" xmlns:m="http://schemas.openxmlformats.org/officeDocument/2006/math" xmlns="" val="1"/>
+            </a:ext>
+          </a:extLst>
+        </p:spPr>
+        <p:txBody>
+          <a:bodyPr wrap="square" lIns="0" tIns="0" rIns="0" bIns="0">
+            <a:spAutoFit/>
+          </a:bodyPr>
+          <a:lstStyle/>
+          <a:p>
+            <a:pPr lvl="1" algn="l" defTabSz="457200">
+              <a:lnSpc>
+                <a:spcPct val="100000"/>
+              </a:lnSpc>
+              <a:defRPr sz="1400">
+                <a:latin typeface="+mn-lt"/>
+                <a:ea typeface="+mn-ea"/>
+                <a:cs typeface="+mn-cs"/>
+                <a:sym typeface="IBM Plex Sans"/>
+              </a:defRPr>
+            </a:pPr>
+            <a:endParaRPr sz="1000" b="1" dirty="0"/>
+          </a:p>
+          <a:p>
+            <a:pPr algn="l" defTabSz="457200">
+              <a:lnSpc>
+                <a:spcPct val="100000"/>
+              </a:lnSpc>
+              <a:defRPr sz="1400">
+                <a:latin typeface="+mn-lt"/>
+                <a:ea typeface="+mn-ea"/>
+                <a:cs typeface="+mn-cs"/>
+                <a:sym typeface="IBM Plex Sans"/>
+              </a:defRPr>
+            </a:pPr>
+            <a:endParaRPr b="1" dirty="0"/>
+          </a:p>
+        </p:txBody>
+      </p:sp>
+    </p:spTree>
+    <p:extLst>
+      <p:ext uri="{BB962C8B-B14F-4D97-AF65-F5344CB8AC3E}">
+        <p14:creationId xmlns:p14="http://schemas.microsoft.com/office/powerpoint/2010/main" val="639416375"/>
+      </p:ext>
+    </p:extLst>
+  </p:cSld>
+  <p:clrMapOvr>
+    <a:masterClrMapping/>
+  </p:clrMapOvr>
+  <p:transition spd="med"/>
+</p:sld>
+</file>
+
+<file path=ppt/slides/slide31.xml><?xml version="1.0" encoding="utf-8"?>
+<p:sld xmlns:a="http://schemas.openxmlformats.org/drawingml/2006/main" xmlns:r="http://schemas.openxmlformats.org/officeDocument/2006/relationships" xmlns:p="http://schemas.openxmlformats.org/presentationml/2006/main">
+  <p:cSld>
+    <p:bg>
+      <p:bgPr>
+        <a:solidFill>
+          <a:srgbClr val="D9D9D9"/>
+        </a:solidFill>
+        <a:effectLst/>
+      </p:bgPr>
+    </p:bg>
+    <p:spTree>
+      <p:nvGrpSpPr>
+        <p:cNvPr id="1" name=""/>
+        <p:cNvGrpSpPr/>
+        <p:nvPr/>
+      </p:nvGrpSpPr>
+      <p:grpSpPr>
+        <a:xfrm>
+          <a:off x="0" y="0"/>
+          <a:ext cx="0" cy="0"/>
+          <a:chOff x="0" y="0"/>
+          <a:chExt cx="0" cy="0"/>
+        </a:xfrm>
+      </p:grpSpPr>
+      <p:sp>
+        <p:nvSpPr>
+          <p:cNvPr id="283" name="Google Shape;73;p15"/>
+          <p:cNvSpPr/>
+          <p:nvPr/>
+        </p:nvSpPr>
+        <p:spPr>
+          <a:xfrm>
+            <a:off x="217499" y="245475"/>
+            <a:ext cx="8709002" cy="1"/>
+          </a:xfrm>
+          <a:prstGeom prst="line">
+            <a:avLst/>
+          </a:prstGeom>
+          <a:ln>
+            <a:solidFill>
+              <a:srgbClr val="073763"/>
+            </a:solidFill>
+          </a:ln>
+        </p:spPr>
+        <p:txBody>
+          <a:bodyPr lIns="0" tIns="0" rIns="0" bIns="0"/>
+          <a:lstStyle/>
+          <a:p>
+            <a:pPr algn="l">
+              <a:lnSpc>
+                <a:spcPct val="100000"/>
+              </a:lnSpc>
+              <a:defRPr sz="1400">
+                <a:solidFill>
+                  <a:srgbClr val="000000"/>
+                </a:solidFill>
+                <a:latin typeface="+mj-lt"/>
+                <a:ea typeface="+mj-ea"/>
+                <a:cs typeface="+mj-cs"/>
+                <a:sym typeface="Arial"/>
+              </a:defRPr>
+            </a:pPr>
+            <a:endParaRPr/>
+          </a:p>
+        </p:txBody>
+      </p:sp>
+      <p:sp>
+        <p:nvSpPr>
+          <p:cNvPr id="284" name="Google Shape;124;p20"/>
+          <p:cNvSpPr txBox="1"/>
+          <p:nvPr/>
+        </p:nvSpPr>
+        <p:spPr>
+          <a:xfrm>
+            <a:off x="1037780" y="1527824"/>
+            <a:ext cx="7068440" cy="2292903"/>
           </a:xfrm>
           <a:prstGeom prst="rect">
             <a:avLst/>
@@ -13082,12 +13669,13 @@
           <a:bodyPr lIns="91424" tIns="91424" rIns="91424" bIns="91424">
             <a:spAutoFit/>
           </a:bodyPr>
-          <a:lstStyle>
-            <a:lvl1pPr algn="l">
-              <a:lnSpc>
-                <a:spcPct val="100000"/>
-              </a:lnSpc>
-              <a:defRPr sz="2200">
+          <a:lstStyle/>
+          <a:p>
+            <a:pPr algn="l">
+              <a:lnSpc>
+                <a:spcPct val="100000"/>
+              </a:lnSpc>
+              <a:defRPr sz="4200">
                 <a:solidFill>
                   <a:srgbClr val="75910B"/>
                 </a:solidFill>
@@ -13096,76 +13684,131 @@
                 <a:cs typeface="+mn-cs"/>
                 <a:sym typeface="IBM Plex Sans"/>
               </a:defRPr>
-            </a:lvl1pPr>
-          </a:lstStyle>
-          <a:p>
+            </a:pPr>
+            <a:r>
+              <a:rPr dirty="0"/>
+              <a:t>LAB 0</a:t>
+            </a:r>
             <a:r>
               <a:rPr lang="da-DK" dirty="0"/>
-              <a:t>(3) </a:t>
+              <a:t>7</a:t>
+            </a:r>
+            <a:r>
+              <a:rPr dirty="0"/>
+              <a:t> </a:t>
+            </a:r>
+          </a:p>
+          <a:p>
+            <a:pPr algn="l">
+              <a:lnSpc>
+                <a:spcPct val="100000"/>
+              </a:lnSpc>
+              <a:defRPr sz="4200">
+                <a:solidFill>
+                  <a:srgbClr val="75910B"/>
+                </a:solidFill>
+                <a:latin typeface="+mn-lt"/>
+                <a:ea typeface="+mn-ea"/>
+                <a:cs typeface="+mn-cs"/>
+                <a:sym typeface="IBM Plex Sans"/>
+              </a:defRPr>
+            </a:pPr>
+            <a:r>
+              <a:rPr lang="da-DK" dirty="0"/>
+              <a:t>GENETIC</a:t>
+            </a:r>
+            <a:endParaRPr dirty="0"/>
+          </a:p>
+          <a:p>
+            <a:pPr algn="l">
+              <a:lnSpc>
+                <a:spcPct val="100000"/>
+              </a:lnSpc>
+              <a:defRPr sz="4200">
+                <a:solidFill>
+                  <a:srgbClr val="75910B"/>
+                </a:solidFill>
+                <a:latin typeface="+mn-lt"/>
+                <a:ea typeface="+mn-ea"/>
+                <a:cs typeface="+mn-cs"/>
+                <a:sym typeface="IBM Plex Sans"/>
+              </a:defRPr>
+            </a:pPr>
+            <a:endParaRPr dirty="0"/>
+          </a:p>
+          <a:p>
+            <a:pPr algn="l">
+              <a:lnSpc>
+                <a:spcPct val="100000"/>
+              </a:lnSpc>
+              <a:defRPr sz="1100">
+                <a:solidFill>
+                  <a:srgbClr val="75910B"/>
+                </a:solidFill>
+                <a:latin typeface="+mn-lt"/>
+                <a:ea typeface="+mn-ea"/>
+                <a:cs typeface="+mn-cs"/>
+                <a:sym typeface="IBM Plex Sans"/>
+              </a:defRPr>
+            </a:pPr>
+            <a:r>
+              <a:rPr dirty="0"/>
+              <a:t>https://</a:t>
+            </a:r>
+            <a:r>
+              <a:rPr dirty="0" err="1"/>
+              <a:t>colab.research.google.com</a:t>
+            </a:r>
+            <a:r>
+              <a:rPr dirty="0"/>
+              <a:t>/</a:t>
+            </a:r>
+            <a:r>
+              <a:rPr dirty="0" err="1"/>
+              <a:t>github</a:t>
+            </a:r>
+            <a:r>
+              <a:rPr dirty="0"/>
+              <a:t>/</a:t>
+            </a:r>
+            <a:r>
+              <a:rPr dirty="0" err="1"/>
+              <a:t>claireaoi</a:t>
+            </a:r>
+            <a:r>
+              <a:rPr dirty="0"/>
+              <a:t>/</a:t>
+            </a:r>
+            <a:r>
+              <a:rPr dirty="0" err="1"/>
+              <a:t>dlgs</a:t>
+            </a:r>
+            <a:r>
+              <a:rPr dirty="0"/>
+              <a:t>/blob/main/labs/lab</a:t>
+            </a:r>
+            <a:r>
+              <a:rPr lang="da-DK" dirty="0"/>
+              <a:t>7</a:t>
+            </a:r>
+            <a:r>
+              <a:rPr dirty="0"/>
+              <a:t>_</a:t>
             </a:r>
             <a:r>
               <a:rPr lang="da-DK" dirty="0" err="1"/>
-              <a:t>Hebbian</a:t>
-            </a:r>
-            <a:r>
-              <a:rPr lang="da-DK" dirty="0"/>
-              <a:t> Learning</a:t>
-            </a:r>
-          </a:p>
-          <a:p>
-            <a:r>
-              <a:rPr lang="da-DK" dirty="0"/>
-              <a:t>For </a:t>
-            </a:r>
-            <a:r>
-              <a:rPr lang="da-DK" dirty="0" err="1"/>
-              <a:t>boolean</a:t>
-            </a:r>
-            <a:r>
-              <a:rPr lang="da-DK" dirty="0"/>
-              <a:t> Gate</a:t>
-            </a:r>
-          </a:p>
-          <a:p>
-            <a:endParaRPr lang="da-DK" dirty="0"/>
-          </a:p>
-          <a:p>
-            <a:endParaRPr lang="da-DK" dirty="0"/>
-          </a:p>
-          <a:p>
-            <a:endParaRPr lang="da-DK" dirty="0"/>
-          </a:p>
-          <a:p>
-            <a:endParaRPr lang="da-DK" dirty="0"/>
-          </a:p>
-          <a:p>
-            <a:r>
-              <a:rPr lang="da-DK" dirty="0"/>
-              <a:t>(4) </a:t>
-            </a:r>
-            <a:r>
-              <a:rPr lang="da-DK" dirty="0" err="1"/>
-              <a:t>Hebbian</a:t>
-            </a:r>
-            <a:r>
-              <a:rPr lang="da-DK" dirty="0"/>
-              <a:t> Learning </a:t>
-            </a:r>
-          </a:p>
-          <a:p>
-            <a:r>
-              <a:rPr lang="da-DK" dirty="0"/>
-              <a:t> for RL Agent </a:t>
-            </a:r>
-          </a:p>
-          <a:p>
-            <a:endParaRPr dirty="0"/>
-          </a:p>
-        </p:txBody>
-      </p:sp>
-      <p:sp>
-        <p:nvSpPr>
-          <p:cNvPr id="250" name="Google Shape;55;p13"/>
+              <a:t>genetic</a:t>
+            </a:r>
+            <a:r>
+              <a:rPr dirty="0"/>
+              <a:t>.ipynb</a:t>
+            </a:r>
+          </a:p>
+        </p:txBody>
+      </p:sp>
+      <p:sp>
+        <p:nvSpPr>
+          <p:cNvPr id="285" name="Google Shape;55;p13"/>
           <p:cNvSpPr txBox="1"/>
           <p:nvPr/>
         </p:nvSpPr>
@@ -13200,7 +13843,7 @@
       </p:sp>
       <p:sp>
         <p:nvSpPr>
-          <p:cNvPr id="251" name="Google Shape;56;p13"/>
+          <p:cNvPr id="286" name="Google Shape;56;p13"/>
           <p:cNvSpPr txBox="1"/>
           <p:nvPr/>
         </p:nvSpPr>
@@ -13233,16 +13876,97 @@
           </a:p>
         </p:txBody>
       </p:sp>
-      <p:sp>
-        <p:nvSpPr>
-          <p:cNvPr id="252" name="Environment:…"/>
+    </p:spTree>
+    <p:extLst>
+      <p:ext uri="{BB962C8B-B14F-4D97-AF65-F5344CB8AC3E}">
+        <p14:creationId xmlns:p14="http://schemas.microsoft.com/office/powerpoint/2010/main" val="3555731749"/>
+      </p:ext>
+    </p:extLst>
+  </p:cSld>
+  <p:clrMapOvr>
+    <a:masterClrMapping/>
+  </p:clrMapOvr>
+  <p:transition spd="med"/>
+</p:sld>
+</file>
+
+<file path=ppt/slides/slide32.xml><?xml version="1.0" encoding="utf-8"?>
+<p:sld xmlns:a="http://schemas.openxmlformats.org/drawingml/2006/main" xmlns:r="http://schemas.openxmlformats.org/officeDocument/2006/relationships" xmlns:p="http://schemas.openxmlformats.org/presentationml/2006/main">
+  <p:cSld>
+    <p:bg>
+      <p:bgPr>
+        <a:solidFill>
+          <a:srgbClr val="D9D9D9"/>
+        </a:solidFill>
+        <a:effectLst/>
+      </p:bgPr>
+    </p:bg>
+    <p:spTree>
+      <p:nvGrpSpPr>
+        <p:cNvPr id="1" name=""/>
+        <p:cNvGrpSpPr/>
+        <p:nvPr/>
+      </p:nvGrpSpPr>
+      <p:grpSpPr>
+        <a:xfrm>
+          <a:off x="0" y="0"/>
+          <a:ext cx="0" cy="0"/>
+          <a:chOff x="0" y="0"/>
+          <a:chExt cx="0" cy="0"/>
+        </a:xfrm>
+      </p:grpSpPr>
+      <p:sp>
+        <p:nvSpPr>
+          <p:cNvPr id="248" name="Google Shape;73;p15"/>
+          <p:cNvSpPr/>
+          <p:nvPr/>
+        </p:nvSpPr>
+        <p:spPr>
+          <a:xfrm>
+            <a:off x="217499" y="245475"/>
+            <a:ext cx="8709002" cy="1"/>
+          </a:xfrm>
+          <a:prstGeom prst="line">
+            <a:avLst/>
+          </a:prstGeom>
+          <a:ln>
+            <a:solidFill>
+              <a:srgbClr val="073763"/>
+            </a:solidFill>
+          </a:ln>
+        </p:spPr>
+        <p:txBody>
+          <a:bodyPr lIns="0" tIns="0" rIns="0" bIns="0"/>
+          <a:lstStyle/>
+          <a:p>
+            <a:pPr algn="l">
+              <a:lnSpc>
+                <a:spcPct val="100000"/>
+              </a:lnSpc>
+              <a:defRPr sz="1400">
+                <a:solidFill>
+                  <a:srgbClr val="000000"/>
+                </a:solidFill>
+                <a:latin typeface="+mj-lt"/>
+                <a:ea typeface="+mj-ea"/>
+                <a:cs typeface="+mj-cs"/>
+                <a:sym typeface="Arial"/>
+              </a:defRPr>
+            </a:pPr>
+            <a:endParaRPr/>
+          </a:p>
+        </p:txBody>
+      </p:sp>
+      <p:sp>
+        <p:nvSpPr>
+          <p:cNvPr id="249" name="Google Shape;124;p20"/>
           <p:cNvSpPr txBox="1"/>
           <p:nvPr/>
         </p:nvSpPr>
         <p:spPr>
           <a:xfrm>
-            <a:off x="3319820" y="938568"/>
-            <a:ext cx="5675552" cy="4583242"/>
+            <a:off x="385389" y="938568"/>
+            <a:ext cx="3264047" cy="3231622"/>
           </a:xfrm>
           <a:prstGeom prst="rect">
             <a:avLst/>
@@ -13253,6 +13977,834 @@
           <a:extLst>
             <a:ext uri="{C572A759-6A51-4108-AA02-DFA0A04FC94B}">
               <ma14:wrappingTextBoxFlag xmlns="" xmlns:m="http://schemas.openxmlformats.org/officeDocument/2006/math" xmlns:a14="http://schemas.microsoft.com/office/drawing/2010/main" xmlns:ma14="http://schemas.microsoft.com/office/mac/drawingml/2011/main" val="1"/>
+            </a:ext>
+          </a:extLst>
+        </p:spPr>
+        <p:txBody>
+          <a:bodyPr wrap="square" lIns="91424" tIns="91424" rIns="91424" bIns="91424">
+            <a:spAutoFit/>
+          </a:bodyPr>
+          <a:lstStyle>
+            <a:lvl1pPr algn="l">
+              <a:lnSpc>
+                <a:spcPct val="100000"/>
+              </a:lnSpc>
+              <a:defRPr sz="2200">
+                <a:solidFill>
+                  <a:srgbClr val="75910B"/>
+                </a:solidFill>
+                <a:latin typeface="+mn-lt"/>
+                <a:ea typeface="+mn-ea"/>
+                <a:cs typeface="+mn-cs"/>
+                <a:sym typeface="IBM Plex Sans"/>
+              </a:defRPr>
+            </a:lvl1pPr>
+          </a:lstStyle>
+          <a:p>
+            <a:endParaRPr lang="da-DK" dirty="0"/>
+          </a:p>
+          <a:p>
+            <a:r>
+              <a:rPr lang="da-DK" dirty="0"/>
+              <a:t>(1) ES Optimum</a:t>
+            </a:r>
+          </a:p>
+          <a:p>
+            <a:endParaRPr lang="da-DK" dirty="0"/>
+          </a:p>
+          <a:p>
+            <a:endParaRPr lang="da-DK" dirty="0"/>
+          </a:p>
+          <a:p>
+            <a:endParaRPr lang="da-DK" dirty="0"/>
+          </a:p>
+          <a:p>
+            <a:endParaRPr lang="da-DK" dirty="0"/>
+          </a:p>
+          <a:p>
+            <a:endParaRPr lang="da-DK" dirty="0"/>
+          </a:p>
+          <a:p>
+            <a:r>
+              <a:rPr lang="da-DK" dirty="0"/>
+              <a:t>(2) </a:t>
+            </a:r>
+            <a:r>
+              <a:rPr lang="da-DK" dirty="0" err="1"/>
+              <a:t>Evolve</a:t>
+            </a:r>
+            <a:r>
+              <a:rPr lang="da-DK" dirty="0"/>
+              <a:t> a </a:t>
+            </a:r>
+            <a:r>
+              <a:rPr lang="da-DK" dirty="0" err="1"/>
+              <a:t>GamingNN</a:t>
+            </a:r>
+            <a:endParaRPr lang="da-DK" dirty="0"/>
+          </a:p>
+          <a:p>
+            <a:endParaRPr dirty="0"/>
+          </a:p>
+        </p:txBody>
+      </p:sp>
+      <p:sp>
+        <p:nvSpPr>
+          <p:cNvPr id="250" name="Google Shape;55;p13"/>
+          <p:cNvSpPr txBox="1"/>
+          <p:nvPr/>
+        </p:nvSpPr>
+        <p:spPr>
+          <a:xfrm>
+            <a:off x="130048" y="0"/>
+            <a:ext cx="3134841" cy="284451"/>
+          </a:xfrm>
+          <a:prstGeom prst="rect">
+            <a:avLst/>
+          </a:prstGeom>
+          <a:ln w="12700">
+            <a:miter lim="400000"/>
+          </a:ln>
+          <a:extLst>
+            <a:ext uri="{C572A759-6A51-4108-AA02-DFA0A04FC94B}">
+              <ma14:wrappingTextBoxFlag xmlns="" xmlns:m="http://schemas.openxmlformats.org/officeDocument/2006/math" xmlns:a14="http://schemas.microsoft.com/office/drawing/2010/main" xmlns:ma14="http://schemas.microsoft.com/office/mac/drawingml/2011/main" val="1"/>
+            </a:ext>
+          </a:extLst>
+        </p:spPr>
+        <p:txBody>
+          <a:bodyPr lIns="91424" tIns="91424" rIns="91424" bIns="91424">
+            <a:spAutoFit/>
+          </a:bodyPr>
+          <a:lstStyle/>
+          <a:p>
+            <a:r>
+              <a:t>Deep Learning for Games and Simulations</a:t>
+            </a:r>
+          </a:p>
+        </p:txBody>
+      </p:sp>
+      <p:sp>
+        <p:nvSpPr>
+          <p:cNvPr id="251" name="Google Shape;56;p13"/>
+          <p:cNvSpPr txBox="1"/>
+          <p:nvPr/>
+        </p:nvSpPr>
+        <p:spPr>
+          <a:xfrm>
+            <a:off x="6600259" y="0"/>
+            <a:ext cx="2384701" cy="284450"/>
+          </a:xfrm>
+          <a:prstGeom prst="rect">
+            <a:avLst/>
+          </a:prstGeom>
+          <a:ln w="12700">
+            <a:miter lim="400000"/>
+          </a:ln>
+          <a:extLst>
+            <a:ext uri="{C572A759-6A51-4108-AA02-DFA0A04FC94B}">
+              <ma14:wrappingTextBoxFlag xmlns="" xmlns:m="http://schemas.openxmlformats.org/officeDocument/2006/math" xmlns:a14="http://schemas.microsoft.com/office/drawing/2010/main" xmlns:ma14="http://schemas.microsoft.com/office/mac/drawingml/2011/main" val="1"/>
+            </a:ext>
+          </a:extLst>
+        </p:spPr>
+        <p:txBody>
+          <a:bodyPr lIns="91424" tIns="91424" rIns="91424" bIns="91424">
+            <a:spAutoFit/>
+          </a:bodyPr>
+          <a:lstStyle/>
+          <a:p>
+            <a:r>
+              <a:t>ITU Copenhagen, Fall 2023</a:t>
+            </a:r>
+          </a:p>
+        </p:txBody>
+      </p:sp>
+      <p:sp>
+        <p:nvSpPr>
+          <p:cNvPr id="252" name="Environment:…"/>
+          <p:cNvSpPr txBox="1"/>
+          <p:nvPr/>
+        </p:nvSpPr>
+        <p:spPr>
+          <a:xfrm>
+            <a:off x="3396343" y="1166231"/>
+            <a:ext cx="5294236" cy="584775"/>
+          </a:xfrm>
+          <a:prstGeom prst="rect">
+            <a:avLst/>
+          </a:prstGeom>
+          <a:ln w="12700">
+            <a:miter lim="400000"/>
+          </a:ln>
+          <a:extLst>
+            <a:ext uri="{C572A759-6A51-4108-AA02-DFA0A04FC94B}">
+              <ma14:wrappingTextBoxFlag xmlns="" xmlns:m="http://schemas.openxmlformats.org/officeDocument/2006/math" xmlns:a14="http://schemas.microsoft.com/office/drawing/2010/main" xmlns:ma14="http://schemas.microsoft.com/office/mac/drawingml/2011/main" val="1"/>
+            </a:ext>
+          </a:extLst>
+        </p:spPr>
+        <p:txBody>
+          <a:bodyPr wrap="square" lIns="0" tIns="0" rIns="0" bIns="0">
+            <a:spAutoFit/>
+          </a:bodyPr>
+          <a:lstStyle/>
+          <a:p>
+            <a:pPr algn="l">
+              <a:lnSpc>
+                <a:spcPct val="100000"/>
+              </a:lnSpc>
+              <a:defRPr sz="1400">
+                <a:solidFill>
+                  <a:srgbClr val="000000"/>
+                </a:solidFill>
+                <a:latin typeface="Helvetica"/>
+                <a:ea typeface="Helvetica"/>
+                <a:cs typeface="Helvetica"/>
+                <a:sym typeface="Helvetica"/>
+              </a:defRPr>
+            </a:pPr>
+            <a:endParaRPr lang="en-DK" b="1" dirty="0"/>
+          </a:p>
+          <a:p>
+            <a:pPr lvl="1" algn="l" defTabSz="457200">
+              <a:lnSpc>
+                <a:spcPct val="100000"/>
+              </a:lnSpc>
+              <a:defRPr sz="1400">
+                <a:latin typeface="+mn-lt"/>
+                <a:ea typeface="+mn-ea"/>
+                <a:cs typeface="+mn-cs"/>
+                <a:sym typeface="IBM Plex Sans"/>
+              </a:defRPr>
+            </a:pPr>
+            <a:endParaRPr sz="1000" b="1" dirty="0"/>
+          </a:p>
+          <a:p>
+            <a:pPr algn="l" defTabSz="457200">
+              <a:lnSpc>
+                <a:spcPct val="100000"/>
+              </a:lnSpc>
+              <a:defRPr sz="1400">
+                <a:latin typeface="+mn-lt"/>
+                <a:ea typeface="+mn-ea"/>
+                <a:cs typeface="+mn-cs"/>
+                <a:sym typeface="IBM Plex Sans"/>
+              </a:defRPr>
+            </a:pPr>
+            <a:endParaRPr b="1" dirty="0"/>
+          </a:p>
+        </p:txBody>
+      </p:sp>
+      <p:sp>
+        <p:nvSpPr>
+          <p:cNvPr id="3" name="TextBox 2">
+            <a:extLst>
+              <a:ext uri="{FF2B5EF4-FFF2-40B4-BE49-F238E27FC236}">
+                <a16:creationId xmlns:a16="http://schemas.microsoft.com/office/drawing/2014/main" id="{97F4E832-82A0-63B3-D441-1398C5EB98FA}"/>
+              </a:ext>
+            </a:extLst>
+          </p:cNvPr>
+          <p:cNvSpPr txBox="1"/>
+          <p:nvPr/>
+        </p:nvSpPr>
+        <p:spPr>
+          <a:xfrm>
+            <a:off x="4092196" y="1127257"/>
+            <a:ext cx="3902529" cy="3947234"/>
+          </a:xfrm>
+          <a:prstGeom prst="rect">
+            <a:avLst/>
+          </a:prstGeom>
+          <a:noFill/>
+          <a:ln w="12700" cap="flat">
+            <a:noFill/>
+            <a:miter lim="400000"/>
+          </a:ln>
+          <a:effectLst/>
+          <a:sp3d/>
+        </p:spPr>
+        <p:style>
+          <a:lnRef idx="0">
+            <a:scrgbClr r="0" g="0" b="0"/>
+          </a:lnRef>
+          <a:fillRef idx="0">
+            <a:scrgbClr r="0" g="0" b="0"/>
+          </a:fillRef>
+          <a:effectRef idx="0">
+            <a:scrgbClr r="0" g="0" b="0"/>
+          </a:effectRef>
+          <a:fontRef idx="none"/>
+        </p:style>
+        <p:txBody>
+          <a:bodyPr wrap="square">
+            <a:spAutoFit/>
+          </a:bodyPr>
+          <a:lstStyle/>
+          <a:p>
+            <a:pPr algn="l"/>
+            <a:endParaRPr lang="en-GB" sz="1200" b="0" dirty="0">
+              <a:solidFill>
+                <a:srgbClr val="0000FF"/>
+              </a:solidFill>
+              <a:effectLst/>
+              <a:latin typeface="Courier New" panose="02070309020205020404" pitchFamily="49" charset="0"/>
+            </a:endParaRPr>
+          </a:p>
+          <a:p>
+            <a:pPr algn="l"/>
+            <a:endParaRPr lang="en-GB" sz="1200" b="0" dirty="0">
+              <a:solidFill>
+                <a:srgbClr val="0000FF"/>
+              </a:solidFill>
+              <a:effectLst/>
+              <a:latin typeface="Courier New" panose="02070309020205020404" pitchFamily="49" charset="0"/>
+            </a:endParaRPr>
+          </a:p>
+          <a:p>
+            <a:pPr algn="l"/>
+            <a:endParaRPr lang="en-GB" sz="1200" dirty="0">
+              <a:solidFill>
+                <a:srgbClr val="0000FF"/>
+              </a:solidFill>
+              <a:latin typeface="Courier New" panose="02070309020205020404" pitchFamily="49" charset="0"/>
+            </a:endParaRPr>
+          </a:p>
+          <a:p>
+            <a:pPr algn="l"/>
+            <a:endParaRPr lang="en-GB" sz="1200" b="0" dirty="0">
+              <a:solidFill>
+                <a:srgbClr val="0000FF"/>
+              </a:solidFill>
+              <a:effectLst/>
+              <a:latin typeface="Courier New" panose="02070309020205020404" pitchFamily="49" charset="0"/>
+            </a:endParaRPr>
+          </a:p>
+          <a:p>
+            <a:pPr algn="l"/>
+            <a:endParaRPr lang="en-GB" sz="1200" dirty="0">
+              <a:solidFill>
+                <a:srgbClr val="0000FF"/>
+              </a:solidFill>
+              <a:latin typeface="Courier New" panose="02070309020205020404" pitchFamily="49" charset="0"/>
+            </a:endParaRPr>
+          </a:p>
+          <a:p>
+            <a:pPr algn="l"/>
+            <a:endParaRPr lang="en-GB" sz="1200" b="0" dirty="0">
+              <a:solidFill>
+                <a:srgbClr val="0000FF"/>
+              </a:solidFill>
+              <a:effectLst/>
+              <a:latin typeface="Courier New" panose="02070309020205020404" pitchFamily="49" charset="0"/>
+            </a:endParaRPr>
+          </a:p>
+          <a:p>
+            <a:pPr algn="l"/>
+            <a:endParaRPr lang="en-GB" sz="1200" b="0" dirty="0">
+              <a:solidFill>
+                <a:srgbClr val="000000"/>
+              </a:solidFill>
+              <a:effectLst/>
+              <a:latin typeface="Courier New" panose="02070309020205020404" pitchFamily="49" charset="0"/>
+            </a:endParaRPr>
+          </a:p>
+          <a:p>
+            <a:pPr algn="l"/>
+            <a:endParaRPr lang="en-GB" sz="1200" b="0" dirty="0">
+              <a:solidFill>
+                <a:srgbClr val="000000"/>
+              </a:solidFill>
+              <a:effectLst/>
+              <a:latin typeface="Courier New" panose="02070309020205020404" pitchFamily="49" charset="0"/>
+            </a:endParaRPr>
+          </a:p>
+          <a:p>
+            <a:pPr algn="l"/>
+            <a:r>
+              <a:rPr lang="en-GB" sz="1200" dirty="0">
+                <a:solidFill>
+                  <a:srgbClr val="000000"/>
+                </a:solidFill>
+                <a:latin typeface="Courier New" panose="02070309020205020404" pitchFamily="49" charset="0"/>
+              </a:rPr>
+              <a:t>&gt;</a:t>
+            </a:r>
+            <a:r>
+              <a:rPr lang="en-GB" sz="1200" b="0" dirty="0">
+                <a:solidFill>
+                  <a:srgbClr val="000000"/>
+                </a:solidFill>
+                <a:effectLst/>
+                <a:latin typeface="Courier New" panose="02070309020205020404" pitchFamily="49" charset="0"/>
+              </a:rPr>
+              <a:t>Setup Game Environment as Lunar Lander</a:t>
+            </a:r>
+          </a:p>
+          <a:p>
+            <a:pPr algn="l"/>
+            <a:r>
+              <a:rPr lang="en-GB" sz="1200" b="0" dirty="0">
+                <a:solidFill>
+                  <a:srgbClr val="000000"/>
+                </a:solidFill>
+                <a:effectLst/>
+                <a:latin typeface="Courier New" panose="02070309020205020404" pitchFamily="49" charset="0"/>
+              </a:rPr>
+              <a:t>(The fitness can be the game reward)</a:t>
+            </a:r>
+          </a:p>
+          <a:p>
+            <a:pPr algn="l"/>
+            <a:r>
+              <a:rPr lang="en-GB" sz="1200" b="0" dirty="0">
+                <a:solidFill>
+                  <a:srgbClr val="000000"/>
+                </a:solidFill>
+                <a:effectLst/>
+                <a:latin typeface="Courier New" panose="02070309020205020404" pitchFamily="49" charset="0"/>
+              </a:rPr>
+              <a:t>&gt;Define a Neural Network</a:t>
+            </a:r>
+            <a:br>
+              <a:rPr lang="en-GB" sz="1200" b="0" dirty="0">
+                <a:solidFill>
+                  <a:srgbClr val="000000"/>
+                </a:solidFill>
+                <a:effectLst/>
+                <a:latin typeface="Courier New" panose="02070309020205020404" pitchFamily="49" charset="0"/>
+              </a:rPr>
+            </a:br>
+            <a:r>
+              <a:rPr lang="en-GB" sz="1200" b="0" dirty="0">
+                <a:solidFill>
+                  <a:srgbClr val="000000"/>
+                </a:solidFill>
+                <a:effectLst/>
+                <a:latin typeface="Courier New" panose="02070309020205020404" pitchFamily="49" charset="0"/>
+              </a:rPr>
+              <a:t>&gt;Choose an Evolutionary Strategy</a:t>
+            </a:r>
+            <a:br>
+              <a:rPr lang="en-GB" sz="1200" b="0" dirty="0">
+                <a:solidFill>
+                  <a:srgbClr val="000000"/>
+                </a:solidFill>
+                <a:effectLst/>
+                <a:latin typeface="Courier New" panose="02070309020205020404" pitchFamily="49" charset="0"/>
+              </a:rPr>
+            </a:br>
+            <a:r>
+              <a:rPr lang="en-GB" sz="1200" b="0" dirty="0">
+                <a:solidFill>
+                  <a:srgbClr val="000000"/>
+                </a:solidFill>
+                <a:effectLst/>
+                <a:latin typeface="Courier New" panose="02070309020205020404" pitchFamily="49" charset="0"/>
+              </a:rPr>
+              <a:t>&gt;Evolve the Network</a:t>
+            </a:r>
+            <a:br>
+              <a:rPr lang="en-GB" sz="1200" b="0" dirty="0">
+                <a:solidFill>
+                  <a:srgbClr val="000000"/>
+                </a:solidFill>
+                <a:effectLst/>
+                <a:latin typeface="Courier New" panose="02070309020205020404" pitchFamily="49" charset="0"/>
+              </a:rPr>
+            </a:br>
+            <a:r>
+              <a:rPr lang="en-GB" sz="1200" b="0" dirty="0">
+                <a:solidFill>
+                  <a:srgbClr val="000000"/>
+                </a:solidFill>
+                <a:effectLst/>
+                <a:latin typeface="Courier New" panose="02070309020205020404" pitchFamily="49" charset="0"/>
+              </a:rPr>
+              <a:t>&gt;Evaluate / Visualise</a:t>
+            </a:r>
+          </a:p>
+        </p:txBody>
+      </p:sp>
+      <p:sp>
+        <p:nvSpPr>
+          <p:cNvPr id="4" name="TextBox 3">
+            <a:extLst>
+              <a:ext uri="{FF2B5EF4-FFF2-40B4-BE49-F238E27FC236}">
+                <a16:creationId xmlns:a16="http://schemas.microsoft.com/office/drawing/2014/main" id="{B1D2C1D4-1865-132B-3F82-2A6755028BEF}"/>
+              </a:ext>
+            </a:extLst>
+          </p:cNvPr>
+          <p:cNvSpPr txBox="1"/>
+          <p:nvPr/>
+        </p:nvSpPr>
+        <p:spPr>
+          <a:xfrm>
+            <a:off x="465477" y="4016243"/>
+            <a:ext cx="3183959" cy="900246"/>
+          </a:xfrm>
+          <a:prstGeom prst="rect">
+            <a:avLst/>
+          </a:prstGeom>
+          <a:noFill/>
+          <a:ln w="12700" cap="flat">
+            <a:noFill/>
+            <a:miter lim="400000"/>
+          </a:ln>
+          <a:effectLst/>
+          <a:sp3d/>
+        </p:spPr>
+        <p:style>
+          <a:lnRef idx="0">
+            <a:scrgbClr r="0" g="0" b="0"/>
+          </a:lnRef>
+          <a:fillRef idx="0">
+            <a:scrgbClr r="0" g="0" b="0"/>
+          </a:fillRef>
+          <a:effectRef idx="0">
+            <a:scrgbClr r="0" g="0" b="0"/>
+          </a:effectRef>
+          <a:fontRef idx="none"/>
+        </p:style>
+        <p:txBody>
+          <a:bodyPr wrap="square">
+            <a:spAutoFit/>
+          </a:bodyPr>
+          <a:lstStyle/>
+          <a:p>
+            <a:pPr algn="l"/>
+            <a:r>
+              <a:rPr lang="en-GB" sz="1200" b="0" dirty="0">
+                <a:solidFill>
+                  <a:schemeClr val="bg1">
+                    <a:lumMod val="50000"/>
+                  </a:schemeClr>
+                </a:solidFill>
+                <a:effectLst/>
+                <a:latin typeface="Courier New" panose="02070309020205020404" pitchFamily="49" charset="0"/>
+              </a:rPr>
+              <a:t>#For Box2D you </a:t>
+            </a:r>
+            <a:r>
+              <a:rPr lang="en-GB" sz="1200" dirty="0">
+                <a:solidFill>
+                  <a:schemeClr val="bg1">
+                    <a:lumMod val="50000"/>
+                  </a:schemeClr>
+                </a:solidFill>
+                <a:latin typeface="Courier New" panose="02070309020205020404" pitchFamily="49" charset="0"/>
+              </a:rPr>
+              <a:t>may need install:</a:t>
+            </a:r>
+          </a:p>
+          <a:p>
+            <a:pPr algn="l"/>
+            <a:r>
+              <a:rPr lang="en-GB" sz="1200" b="0" dirty="0">
+                <a:solidFill>
+                  <a:schemeClr val="bg1">
+                    <a:lumMod val="50000"/>
+                  </a:schemeClr>
+                </a:solidFill>
+                <a:effectLst/>
+                <a:latin typeface="Courier New" panose="02070309020205020404" pitchFamily="49" charset="0"/>
+              </a:rPr>
+              <a:t>!pip install swig</a:t>
+            </a:r>
+          </a:p>
+          <a:p>
+            <a:pPr algn="l"/>
+            <a:r>
+              <a:rPr lang="en-GB" sz="1200" b="0" dirty="0">
+                <a:solidFill>
+                  <a:schemeClr val="bg1">
+                    <a:lumMod val="50000"/>
+                  </a:schemeClr>
+                </a:solidFill>
+                <a:effectLst/>
+                <a:latin typeface="Courier New" panose="02070309020205020404" pitchFamily="49" charset="0"/>
+              </a:rPr>
+              <a:t>!pip install gym[box2D]</a:t>
+            </a:r>
+          </a:p>
+        </p:txBody>
+      </p:sp>
+    </p:spTree>
+    <p:extLst>
+      <p:ext uri="{BB962C8B-B14F-4D97-AF65-F5344CB8AC3E}">
+        <p14:creationId xmlns:p14="http://schemas.microsoft.com/office/powerpoint/2010/main" val="494746275"/>
+      </p:ext>
+    </p:extLst>
+  </p:cSld>
+  <p:clrMapOvr>
+    <a:masterClrMapping/>
+  </p:clrMapOvr>
+  <p:transition spd="med"/>
+</p:sld>
+</file>
+
+<file path=ppt/slides/slide33.xml><?xml version="1.0" encoding="utf-8"?>
+<p:sld xmlns:a="http://schemas.openxmlformats.org/drawingml/2006/main" xmlns:r="http://schemas.openxmlformats.org/officeDocument/2006/relationships" xmlns:p="http://schemas.openxmlformats.org/presentationml/2006/main">
+  <p:cSld>
+    <p:bg>
+      <p:bgPr>
+        <a:solidFill>
+          <a:srgbClr val="D9D9D9"/>
+        </a:solidFill>
+        <a:effectLst/>
+      </p:bgPr>
+    </p:bg>
+    <p:spTree>
+      <p:nvGrpSpPr>
+        <p:cNvPr id="1" name=""/>
+        <p:cNvGrpSpPr/>
+        <p:nvPr/>
+      </p:nvGrpSpPr>
+      <p:grpSpPr>
+        <a:xfrm>
+          <a:off x="0" y="0"/>
+          <a:ext cx="0" cy="0"/>
+          <a:chOff x="0" y="0"/>
+          <a:chExt cx="0" cy="0"/>
+        </a:xfrm>
+      </p:grpSpPr>
+      <p:sp>
+        <p:nvSpPr>
+          <p:cNvPr id="248" name="Google Shape;73;p15"/>
+          <p:cNvSpPr/>
+          <p:nvPr/>
+        </p:nvSpPr>
+        <p:spPr>
+          <a:xfrm>
+            <a:off x="217499" y="245475"/>
+            <a:ext cx="8709002" cy="1"/>
+          </a:xfrm>
+          <a:prstGeom prst="line">
+            <a:avLst/>
+          </a:prstGeom>
+          <a:ln>
+            <a:solidFill>
+              <a:srgbClr val="073763"/>
+            </a:solidFill>
+          </a:ln>
+        </p:spPr>
+        <p:txBody>
+          <a:bodyPr lIns="0" tIns="0" rIns="0" bIns="0"/>
+          <a:lstStyle/>
+          <a:p>
+            <a:pPr algn="l">
+              <a:lnSpc>
+                <a:spcPct val="100000"/>
+              </a:lnSpc>
+              <a:defRPr sz="1400">
+                <a:solidFill>
+                  <a:srgbClr val="000000"/>
+                </a:solidFill>
+                <a:latin typeface="+mj-lt"/>
+                <a:ea typeface="+mj-ea"/>
+                <a:cs typeface="+mj-cs"/>
+                <a:sym typeface="Arial"/>
+              </a:defRPr>
+            </a:pPr>
+            <a:endParaRPr/>
+          </a:p>
+        </p:txBody>
+      </p:sp>
+      <p:sp>
+        <p:nvSpPr>
+          <p:cNvPr id="249" name="Google Shape;124;p20"/>
+          <p:cNvSpPr txBox="1"/>
+          <p:nvPr/>
+        </p:nvSpPr>
+        <p:spPr>
+          <a:xfrm>
+            <a:off x="385389" y="938568"/>
+            <a:ext cx="2924019" cy="3231622"/>
+          </a:xfrm>
+          <a:prstGeom prst="rect">
+            <a:avLst/>
+          </a:prstGeom>
+          <a:ln w="12700">
+            <a:miter lim="400000"/>
+          </a:ln>
+          <a:extLst>
+            <a:ext uri="{C572A759-6A51-4108-AA02-DFA0A04FC94B}">
+              <ma14:wrappingTextBoxFlag xmlns:ma14="http://schemas.microsoft.com/office/mac/drawingml/2011/main" xmlns:a14="http://schemas.microsoft.com/office/drawing/2010/main" xmlns:m="http://schemas.openxmlformats.org/officeDocument/2006/math" xmlns="" val="1"/>
+            </a:ext>
+          </a:extLst>
+        </p:spPr>
+        <p:txBody>
+          <a:bodyPr lIns="91424" tIns="91424" rIns="91424" bIns="91424">
+            <a:spAutoFit/>
+          </a:bodyPr>
+          <a:lstStyle>
+            <a:lvl1pPr algn="l">
+              <a:lnSpc>
+                <a:spcPct val="100000"/>
+              </a:lnSpc>
+              <a:defRPr sz="2200">
+                <a:solidFill>
+                  <a:srgbClr val="75910B"/>
+                </a:solidFill>
+                <a:latin typeface="+mn-lt"/>
+                <a:ea typeface="+mn-ea"/>
+                <a:cs typeface="+mn-cs"/>
+                <a:sym typeface="IBM Plex Sans"/>
+              </a:defRPr>
+            </a:lvl1pPr>
+          </a:lstStyle>
+          <a:p>
+            <a:r>
+              <a:rPr lang="da-DK" dirty="0"/>
+              <a:t>(3) </a:t>
+            </a:r>
+            <a:r>
+              <a:rPr lang="da-DK" dirty="0" err="1"/>
+              <a:t>Hebbian</a:t>
+            </a:r>
+            <a:r>
+              <a:rPr lang="da-DK" dirty="0"/>
+              <a:t> Learning</a:t>
+            </a:r>
+          </a:p>
+          <a:p>
+            <a:r>
+              <a:rPr lang="da-DK" dirty="0"/>
+              <a:t>For </a:t>
+            </a:r>
+            <a:r>
+              <a:rPr lang="da-DK" dirty="0" err="1"/>
+              <a:t>boolean</a:t>
+            </a:r>
+            <a:r>
+              <a:rPr lang="da-DK" dirty="0"/>
+              <a:t> Gate</a:t>
+            </a:r>
+          </a:p>
+          <a:p>
+            <a:endParaRPr lang="da-DK" dirty="0"/>
+          </a:p>
+          <a:p>
+            <a:endParaRPr lang="da-DK" dirty="0"/>
+          </a:p>
+          <a:p>
+            <a:endParaRPr lang="da-DK" dirty="0"/>
+          </a:p>
+          <a:p>
+            <a:endParaRPr lang="da-DK" dirty="0"/>
+          </a:p>
+          <a:p>
+            <a:r>
+              <a:rPr lang="da-DK" dirty="0"/>
+              <a:t>(4) </a:t>
+            </a:r>
+            <a:r>
+              <a:rPr lang="da-DK" dirty="0" err="1"/>
+              <a:t>Hebbian</a:t>
+            </a:r>
+            <a:r>
+              <a:rPr lang="da-DK" dirty="0"/>
+              <a:t> Learning </a:t>
+            </a:r>
+          </a:p>
+          <a:p>
+            <a:r>
+              <a:rPr lang="da-DK" dirty="0"/>
+              <a:t> for RL Agent </a:t>
+            </a:r>
+          </a:p>
+          <a:p>
+            <a:endParaRPr dirty="0"/>
+          </a:p>
+        </p:txBody>
+      </p:sp>
+      <p:sp>
+        <p:nvSpPr>
+          <p:cNvPr id="250" name="Google Shape;55;p13"/>
+          <p:cNvSpPr txBox="1"/>
+          <p:nvPr/>
+        </p:nvSpPr>
+        <p:spPr>
+          <a:xfrm>
+            <a:off x="130048" y="0"/>
+            <a:ext cx="3134841" cy="284451"/>
+          </a:xfrm>
+          <a:prstGeom prst="rect">
+            <a:avLst/>
+          </a:prstGeom>
+          <a:ln w="12700">
+            <a:miter lim="400000"/>
+          </a:ln>
+          <a:extLst>
+            <a:ext uri="{C572A759-6A51-4108-AA02-DFA0A04FC94B}">
+              <ma14:wrappingTextBoxFlag xmlns:ma14="http://schemas.microsoft.com/office/mac/drawingml/2011/main" xmlns:a14="http://schemas.microsoft.com/office/drawing/2010/main" xmlns:m="http://schemas.openxmlformats.org/officeDocument/2006/math" xmlns="" val="1"/>
+            </a:ext>
+          </a:extLst>
+        </p:spPr>
+        <p:txBody>
+          <a:bodyPr lIns="91424" tIns="91424" rIns="91424" bIns="91424">
+            <a:spAutoFit/>
+          </a:bodyPr>
+          <a:lstStyle/>
+          <a:p>
+            <a:r>
+              <a:t>Deep Learning for Games and Simulations</a:t>
+            </a:r>
+          </a:p>
+        </p:txBody>
+      </p:sp>
+      <p:sp>
+        <p:nvSpPr>
+          <p:cNvPr id="251" name="Google Shape;56;p13"/>
+          <p:cNvSpPr txBox="1"/>
+          <p:nvPr/>
+        </p:nvSpPr>
+        <p:spPr>
+          <a:xfrm>
+            <a:off x="6600259" y="0"/>
+            <a:ext cx="2384701" cy="284450"/>
+          </a:xfrm>
+          <a:prstGeom prst="rect">
+            <a:avLst/>
+          </a:prstGeom>
+          <a:ln w="12700">
+            <a:miter lim="400000"/>
+          </a:ln>
+          <a:extLst>
+            <a:ext uri="{C572A759-6A51-4108-AA02-DFA0A04FC94B}">
+              <ma14:wrappingTextBoxFlag xmlns:ma14="http://schemas.microsoft.com/office/mac/drawingml/2011/main" xmlns:a14="http://schemas.microsoft.com/office/drawing/2010/main" xmlns:m="http://schemas.openxmlformats.org/officeDocument/2006/math" xmlns="" val="1"/>
+            </a:ext>
+          </a:extLst>
+        </p:spPr>
+        <p:txBody>
+          <a:bodyPr lIns="91424" tIns="91424" rIns="91424" bIns="91424">
+            <a:spAutoFit/>
+          </a:bodyPr>
+          <a:lstStyle/>
+          <a:p>
+            <a:r>
+              <a:t>ITU Copenhagen, Fall 2023</a:t>
+            </a:r>
+          </a:p>
+        </p:txBody>
+      </p:sp>
+      <p:sp>
+        <p:nvSpPr>
+          <p:cNvPr id="252" name="Environment:…"/>
+          <p:cNvSpPr txBox="1"/>
+          <p:nvPr/>
+        </p:nvSpPr>
+        <p:spPr>
+          <a:xfrm>
+            <a:off x="3319820" y="938568"/>
+            <a:ext cx="5675552" cy="4583242"/>
+          </a:xfrm>
+          <a:prstGeom prst="rect">
+            <a:avLst/>
+          </a:prstGeom>
+          <a:ln w="12700">
+            <a:miter lim="400000"/>
+          </a:ln>
+          <a:extLst>
+            <a:ext uri="{C572A759-6A51-4108-AA02-DFA0A04FC94B}">
+              <ma14:wrappingTextBoxFlag xmlns:ma14="http://schemas.microsoft.com/office/mac/drawingml/2011/main" xmlns:a14="http://schemas.microsoft.com/office/drawing/2010/main" xmlns:m="http://schemas.openxmlformats.org/officeDocument/2006/math" xmlns="" val="1"/>
             </a:ext>
           </a:extLst>
         </p:spPr>
@@ -13831,7 +15383,7 @@
           </a:ln>
           <a:extLst>
             <a:ext uri="{C572A759-6A51-4108-AA02-DFA0A04FC94B}">
-              <ma14:wrappingTextBoxFlag xmlns="" xmlns:m="http://schemas.openxmlformats.org/officeDocument/2006/math" xmlns:a14="http://schemas.microsoft.com/office/drawing/2010/main" xmlns:ma14="http://schemas.microsoft.com/office/mac/drawingml/2011/main" val="1"/>
+              <ma14:wrappingTextBoxFlag xmlns:ma14="http://schemas.microsoft.com/office/mac/drawingml/2011/main" xmlns:a14="http://schemas.microsoft.com/office/drawing/2010/main" xmlns:m="http://schemas.openxmlformats.org/officeDocument/2006/math" xmlns="" val="1"/>
             </a:ext>
           </a:extLst>
         </p:spPr>
@@ -13866,7 +15418,7 @@
           </a:ln>
           <a:extLst>
             <a:ext uri="{C572A759-6A51-4108-AA02-DFA0A04FC94B}">
-              <ma14:wrappingTextBoxFlag xmlns="" xmlns:m="http://schemas.openxmlformats.org/officeDocument/2006/math" xmlns:a14="http://schemas.microsoft.com/office/drawing/2010/main" xmlns:ma14="http://schemas.microsoft.com/office/mac/drawingml/2011/main" val="1"/>
+              <ma14:wrappingTextBoxFlag xmlns:ma14="http://schemas.microsoft.com/office/mac/drawingml/2011/main" xmlns:a14="http://schemas.microsoft.com/office/drawing/2010/main" xmlns:m="http://schemas.openxmlformats.org/officeDocument/2006/math" xmlns="" val="1"/>
             </a:ext>
           </a:extLst>
         </p:spPr>
@@ -13901,7 +15453,7 @@
           </a:ln>
           <a:extLst>
             <a:ext uri="{C572A759-6A51-4108-AA02-DFA0A04FC94B}">
-              <ma14:wrappingTextBoxFlag xmlns="" xmlns:m="http://schemas.openxmlformats.org/officeDocument/2006/math" xmlns:a14="http://schemas.microsoft.com/office/drawing/2010/main" xmlns:ma14="http://schemas.microsoft.com/office/mac/drawingml/2011/main" val="1"/>
+              <ma14:wrappingTextBoxFlag xmlns:ma14="http://schemas.microsoft.com/office/mac/drawingml/2011/main" xmlns:a14="http://schemas.microsoft.com/office/drawing/2010/main" xmlns:m="http://schemas.openxmlformats.org/officeDocument/2006/math" xmlns="" val="1"/>
             </a:ext>
           </a:extLst>
         </p:spPr>
@@ -13977,7 +15529,7 @@
           </a:ln>
           <a:extLst>
             <a:ext uri="{C572A759-6A51-4108-AA02-DFA0A04FC94B}">
-              <ma14:wrappingTextBoxFlag xmlns="" xmlns:m="http://schemas.openxmlformats.org/officeDocument/2006/math" xmlns:a14="http://schemas.microsoft.com/office/drawing/2010/main" xmlns:ma14="http://schemas.microsoft.com/office/mac/drawingml/2011/main" val="1"/>
+              <ma14:wrappingTextBoxFlag xmlns:ma14="http://schemas.microsoft.com/office/mac/drawingml/2011/main" xmlns:a14="http://schemas.microsoft.com/office/drawing/2010/main" xmlns:m="http://schemas.openxmlformats.org/officeDocument/2006/math" xmlns="" val="1"/>
             </a:ext>
           </a:extLst>
         </p:spPr>
@@ -14103,7 +15655,7 @@
           </a:ln>
           <a:extLst>
             <a:ext uri="{C572A759-6A51-4108-AA02-DFA0A04FC94B}">
-              <ma14:wrappingTextBoxFlag xmlns="" xmlns:m="http://schemas.openxmlformats.org/officeDocument/2006/math" xmlns:a14="http://schemas.microsoft.com/office/drawing/2010/main" xmlns:ma14="http://schemas.microsoft.com/office/mac/drawingml/2011/main" val="1"/>
+              <ma14:wrappingTextBoxFlag xmlns:ma14="http://schemas.microsoft.com/office/mac/drawingml/2011/main" xmlns:a14="http://schemas.microsoft.com/office/drawing/2010/main" xmlns:m="http://schemas.openxmlformats.org/officeDocument/2006/math" xmlns="" val="1"/>
             </a:ext>
           </a:extLst>
         </p:spPr>
@@ -14138,7 +15690,7 @@
           </a:ln>
           <a:extLst>
             <a:ext uri="{C572A759-6A51-4108-AA02-DFA0A04FC94B}">
-              <ma14:wrappingTextBoxFlag xmlns="" xmlns:m="http://schemas.openxmlformats.org/officeDocument/2006/math" xmlns:a14="http://schemas.microsoft.com/office/drawing/2010/main" xmlns:ma14="http://schemas.microsoft.com/office/mac/drawingml/2011/main" val="1"/>
+              <ma14:wrappingTextBoxFlag xmlns:ma14="http://schemas.microsoft.com/office/mac/drawingml/2011/main" xmlns:a14="http://schemas.microsoft.com/office/drawing/2010/main" xmlns:m="http://schemas.openxmlformats.org/officeDocument/2006/math" xmlns="" val="1"/>
             </a:ext>
           </a:extLst>
         </p:spPr>
@@ -14173,7 +15725,7 @@
           </a:ln>
           <a:extLst>
             <a:ext uri="{C572A759-6A51-4108-AA02-DFA0A04FC94B}">
-              <ma14:wrappingTextBoxFlag xmlns="" xmlns:m="http://schemas.openxmlformats.org/officeDocument/2006/math" xmlns:a14="http://schemas.microsoft.com/office/drawing/2010/main" xmlns:ma14="http://schemas.microsoft.com/office/mac/drawingml/2011/main" val="1"/>
+              <ma14:wrappingTextBoxFlag xmlns:ma14="http://schemas.microsoft.com/office/mac/drawingml/2011/main" xmlns:a14="http://schemas.microsoft.com/office/drawing/2010/main" xmlns:m="http://schemas.openxmlformats.org/officeDocument/2006/math" xmlns="" val="1"/>
             </a:ext>
           </a:extLst>
         </p:spPr>
@@ -14225,7 +15777,7 @@
           </a:ln>
           <a:extLst>
             <a:ext uri="{C572A759-6A51-4108-AA02-DFA0A04FC94B}">
-              <ma14:wrappingTextBoxFlag xmlns="" xmlns:m="http://schemas.openxmlformats.org/officeDocument/2006/math" xmlns:a14="http://schemas.microsoft.com/office/drawing/2010/main" xmlns:ma14="http://schemas.microsoft.com/office/mac/drawingml/2011/main" val="1"/>
+              <ma14:wrappingTextBoxFlag xmlns:ma14="http://schemas.microsoft.com/office/mac/drawingml/2011/main" xmlns:a14="http://schemas.microsoft.com/office/drawing/2010/main" xmlns:m="http://schemas.openxmlformats.org/officeDocument/2006/math" xmlns="" val="1"/>
             </a:ext>
           </a:extLst>
         </p:spPr>
@@ -14490,7 +16042,7 @@
           </a:ln>
           <a:extLst>
             <a:ext uri="{C572A759-6A51-4108-AA02-DFA0A04FC94B}">
-              <ma14:wrappingTextBoxFlag xmlns="" xmlns:m="http://schemas.openxmlformats.org/officeDocument/2006/math" xmlns:a14="http://schemas.microsoft.com/office/drawing/2010/main" xmlns:ma14="http://schemas.microsoft.com/office/mac/drawingml/2011/main" val="1"/>
+              <ma14:wrappingTextBoxFlag xmlns:ma14="http://schemas.microsoft.com/office/mac/drawingml/2011/main" xmlns:a14="http://schemas.microsoft.com/office/drawing/2010/main" xmlns:m="http://schemas.openxmlformats.org/officeDocument/2006/math" xmlns="" val="1"/>
             </a:ext>
           </a:extLst>
         </p:spPr>
@@ -14525,7 +16077,7 @@
           </a:ln>
           <a:extLst>
             <a:ext uri="{C572A759-6A51-4108-AA02-DFA0A04FC94B}">
-              <ma14:wrappingTextBoxFlag xmlns="" xmlns:m="http://schemas.openxmlformats.org/officeDocument/2006/math" xmlns:a14="http://schemas.microsoft.com/office/drawing/2010/main" xmlns:ma14="http://schemas.microsoft.com/office/mac/drawingml/2011/main" val="1"/>
+              <ma14:wrappingTextBoxFlag xmlns:ma14="http://schemas.microsoft.com/office/mac/drawingml/2011/main" xmlns:a14="http://schemas.microsoft.com/office/drawing/2010/main" xmlns:m="http://schemas.openxmlformats.org/officeDocument/2006/math" xmlns="" val="1"/>
             </a:ext>
           </a:extLst>
         </p:spPr>
@@ -14560,7 +16112,7 @@
           </a:ln>
           <a:extLst>
             <a:ext uri="{C572A759-6A51-4108-AA02-DFA0A04FC94B}">
-              <ma14:wrappingTextBoxFlag xmlns="" xmlns:m="http://schemas.openxmlformats.org/officeDocument/2006/math" xmlns:a14="http://schemas.microsoft.com/office/drawing/2010/main" xmlns:ma14="http://schemas.microsoft.com/office/mac/drawingml/2011/main" val="1"/>
+              <ma14:wrappingTextBoxFlag xmlns:ma14="http://schemas.microsoft.com/office/mac/drawingml/2011/main" xmlns:a14="http://schemas.microsoft.com/office/drawing/2010/main" xmlns:m="http://schemas.openxmlformats.org/officeDocument/2006/math" xmlns="" val="1"/>
             </a:ext>
           </a:extLst>
         </p:spPr>
@@ -14698,7 +16250,7 @@
           </a:ln>
           <a:extLst>
             <a:ext uri="{C572A759-6A51-4108-AA02-DFA0A04FC94B}">
-              <ma14:wrappingTextBoxFlag xmlns="" xmlns:m="http://schemas.openxmlformats.org/officeDocument/2006/math" xmlns:a14="http://schemas.microsoft.com/office/drawing/2010/main" xmlns:ma14="http://schemas.microsoft.com/office/mac/drawingml/2011/main" val="1"/>
+              <ma14:wrappingTextBoxFlag xmlns:ma14="http://schemas.microsoft.com/office/mac/drawingml/2011/main" xmlns:a14="http://schemas.microsoft.com/office/drawing/2010/main" xmlns:m="http://schemas.openxmlformats.org/officeDocument/2006/math" xmlns="" val="1"/>
             </a:ext>
           </a:extLst>
         </p:spPr>
@@ -14750,7 +16302,7 @@
           </a:ln>
           <a:extLst>
             <a:ext uri="{C572A759-6A51-4108-AA02-DFA0A04FC94B}">
-              <ma14:wrappingTextBoxFlag xmlns="" xmlns:m="http://schemas.openxmlformats.org/officeDocument/2006/math" xmlns:a14="http://schemas.microsoft.com/office/drawing/2010/main" xmlns:ma14="http://schemas.microsoft.com/office/mac/drawingml/2011/main" val="1"/>
+              <ma14:wrappingTextBoxFlag xmlns:ma14="http://schemas.microsoft.com/office/mac/drawingml/2011/main" xmlns:a14="http://schemas.microsoft.com/office/drawing/2010/main" xmlns:m="http://schemas.openxmlformats.org/officeDocument/2006/math" xmlns="" val="1"/>
             </a:ext>
           </a:extLst>
         </p:spPr>
@@ -14950,7 +16502,7 @@
           </a:ln>
           <a:extLst>
             <a:ext uri="{C572A759-6A51-4108-AA02-DFA0A04FC94B}">
-              <ma14:wrappingTextBoxFlag xmlns="" xmlns:m="http://schemas.openxmlformats.org/officeDocument/2006/math" xmlns:a14="http://schemas.microsoft.com/office/drawing/2010/main" xmlns:ma14="http://schemas.microsoft.com/office/mac/drawingml/2011/main" val="1"/>
+              <ma14:wrappingTextBoxFlag xmlns:ma14="http://schemas.microsoft.com/office/mac/drawingml/2011/main" xmlns:a14="http://schemas.microsoft.com/office/drawing/2010/main" xmlns:m="http://schemas.openxmlformats.org/officeDocument/2006/math" xmlns="" val="1"/>
             </a:ext>
           </a:extLst>
         </p:spPr>
@@ -15069,7 +16621,7 @@
           </a:ln>
           <a:extLst>
             <a:ext uri="{C572A759-6A51-4108-AA02-DFA0A04FC94B}">
-              <ma14:wrappingTextBoxFlag xmlns="" xmlns:m="http://schemas.openxmlformats.org/officeDocument/2006/math" xmlns:a14="http://schemas.microsoft.com/office/drawing/2010/main" xmlns:ma14="http://schemas.microsoft.com/office/mac/drawingml/2011/main" val="1"/>
+              <ma14:wrappingTextBoxFlag xmlns:ma14="http://schemas.microsoft.com/office/mac/drawingml/2011/main" xmlns:a14="http://schemas.microsoft.com/office/drawing/2010/main" xmlns:m="http://schemas.openxmlformats.org/officeDocument/2006/math" xmlns="" val="1"/>
             </a:ext>
           </a:extLst>
         </p:spPr>
@@ -15104,7 +16656,7 @@
           </a:ln>
           <a:extLst>
             <a:ext uri="{C572A759-6A51-4108-AA02-DFA0A04FC94B}">
-              <ma14:wrappingTextBoxFlag xmlns="" xmlns:m="http://schemas.openxmlformats.org/officeDocument/2006/math" xmlns:a14="http://schemas.microsoft.com/office/drawing/2010/main" xmlns:ma14="http://schemas.microsoft.com/office/mac/drawingml/2011/main" val="1"/>
+              <ma14:wrappingTextBoxFlag xmlns:ma14="http://schemas.microsoft.com/office/mac/drawingml/2011/main" xmlns:a14="http://schemas.microsoft.com/office/drawing/2010/main" xmlns:m="http://schemas.openxmlformats.org/officeDocument/2006/math" xmlns="" val="1"/>
             </a:ext>
           </a:extLst>
         </p:spPr>
@@ -15139,7 +16691,7 @@
           </a:ln>
           <a:extLst>
             <a:ext uri="{C572A759-6A51-4108-AA02-DFA0A04FC94B}">
-              <ma14:wrappingTextBoxFlag xmlns="" xmlns:m="http://schemas.openxmlformats.org/officeDocument/2006/math" xmlns:a14="http://schemas.microsoft.com/office/drawing/2010/main" xmlns:ma14="http://schemas.microsoft.com/office/mac/drawingml/2011/main" val="1"/>
+              <ma14:wrappingTextBoxFlag xmlns:ma14="http://schemas.microsoft.com/office/mac/drawingml/2011/main" xmlns:a14="http://schemas.microsoft.com/office/drawing/2010/main" xmlns:m="http://schemas.openxmlformats.org/officeDocument/2006/math" xmlns="" val="1"/>
             </a:ext>
           </a:extLst>
         </p:spPr>
@@ -15191,7 +16743,7 @@
           </a:ln>
           <a:extLst>
             <a:ext uri="{C572A759-6A51-4108-AA02-DFA0A04FC94B}">
-              <ma14:wrappingTextBoxFlag xmlns="" xmlns:m="http://schemas.openxmlformats.org/officeDocument/2006/math" xmlns:a14="http://schemas.microsoft.com/office/drawing/2010/main" xmlns:ma14="http://schemas.microsoft.com/office/mac/drawingml/2011/main" val="1"/>
+              <ma14:wrappingTextBoxFlag xmlns:ma14="http://schemas.microsoft.com/office/mac/drawingml/2011/main" xmlns:a14="http://schemas.microsoft.com/office/drawing/2010/main" xmlns:m="http://schemas.openxmlformats.org/officeDocument/2006/math" xmlns="" val="1"/>
             </a:ext>
           </a:extLst>
         </p:spPr>
@@ -15614,7 +17166,7 @@
           </a:ln>
           <a:extLst>
             <a:ext uri="{C572A759-6A51-4108-AA02-DFA0A04FC94B}">
-              <ma14:wrappingTextBoxFlag xmlns="" xmlns:m="http://schemas.openxmlformats.org/officeDocument/2006/math" xmlns:a14="http://schemas.microsoft.com/office/drawing/2010/main" xmlns:ma14="http://schemas.microsoft.com/office/mac/drawingml/2011/main" val="1"/>
+              <ma14:wrappingTextBoxFlag xmlns:ma14="http://schemas.microsoft.com/office/mac/drawingml/2011/main" xmlns:a14="http://schemas.microsoft.com/office/drawing/2010/main" xmlns:m="http://schemas.openxmlformats.org/officeDocument/2006/math" xmlns="" val="1"/>
             </a:ext>
           </a:extLst>
         </p:spPr>
@@ -15743,7 +17295,7 @@
           </a:ln>
           <a:extLst>
             <a:ext uri="{C572A759-6A51-4108-AA02-DFA0A04FC94B}">
-              <ma14:wrappingTextBoxFlag xmlns="" xmlns:m="http://schemas.openxmlformats.org/officeDocument/2006/math" xmlns:a14="http://schemas.microsoft.com/office/drawing/2010/main" xmlns:ma14="http://schemas.microsoft.com/office/mac/drawingml/2011/main" val="1"/>
+              <ma14:wrappingTextBoxFlag xmlns:ma14="http://schemas.microsoft.com/office/mac/drawingml/2011/main" xmlns:a14="http://schemas.microsoft.com/office/drawing/2010/main" xmlns:m="http://schemas.openxmlformats.org/officeDocument/2006/math" xmlns="" val="1"/>
             </a:ext>
           </a:extLst>
         </p:spPr>
@@ -15862,7 +17414,7 @@
           </a:ln>
           <a:extLst>
             <a:ext uri="{C572A759-6A51-4108-AA02-DFA0A04FC94B}">
-              <ma14:wrappingTextBoxFlag xmlns="" xmlns:m="http://schemas.openxmlformats.org/officeDocument/2006/math" xmlns:a14="http://schemas.microsoft.com/office/drawing/2010/main" xmlns:ma14="http://schemas.microsoft.com/office/mac/drawingml/2011/main" val="1"/>
+              <ma14:wrappingTextBoxFlag xmlns:ma14="http://schemas.microsoft.com/office/mac/drawingml/2011/main" xmlns:a14="http://schemas.microsoft.com/office/drawing/2010/main" xmlns:m="http://schemas.openxmlformats.org/officeDocument/2006/math" xmlns="" val="1"/>
             </a:ext>
           </a:extLst>
         </p:spPr>
@@ -15897,7 +17449,7 @@
           </a:ln>
           <a:extLst>
             <a:ext uri="{C572A759-6A51-4108-AA02-DFA0A04FC94B}">
-              <ma14:wrappingTextBoxFlag xmlns="" xmlns:m="http://schemas.openxmlformats.org/officeDocument/2006/math" xmlns:a14="http://schemas.microsoft.com/office/drawing/2010/main" xmlns:ma14="http://schemas.microsoft.com/office/mac/drawingml/2011/main" val="1"/>
+              <ma14:wrappingTextBoxFlag xmlns:ma14="http://schemas.microsoft.com/office/mac/drawingml/2011/main" xmlns:a14="http://schemas.microsoft.com/office/drawing/2010/main" xmlns:m="http://schemas.openxmlformats.org/officeDocument/2006/math" xmlns="" val="1"/>
             </a:ext>
           </a:extLst>
         </p:spPr>
@@ -15932,7 +17484,7 @@
           </a:ln>
           <a:extLst>
             <a:ext uri="{C572A759-6A51-4108-AA02-DFA0A04FC94B}">
-              <ma14:wrappingTextBoxFlag xmlns="" xmlns:m="http://schemas.openxmlformats.org/officeDocument/2006/math" xmlns:a14="http://schemas.microsoft.com/office/drawing/2010/main" xmlns:ma14="http://schemas.microsoft.com/office/mac/drawingml/2011/main" val="1"/>
+              <ma14:wrappingTextBoxFlag xmlns:ma14="http://schemas.microsoft.com/office/mac/drawingml/2011/main" xmlns:a14="http://schemas.microsoft.com/office/drawing/2010/main" xmlns:m="http://schemas.openxmlformats.org/officeDocument/2006/math" xmlns="" val="1"/>
             </a:ext>
           </a:extLst>
         </p:spPr>
@@ -15984,7 +17536,7 @@
           </a:ln>
           <a:extLst>
             <a:ext uri="{C572A759-6A51-4108-AA02-DFA0A04FC94B}">
-              <ma14:wrappingTextBoxFlag xmlns="" xmlns:m="http://schemas.openxmlformats.org/officeDocument/2006/math" xmlns:a14="http://schemas.microsoft.com/office/drawing/2010/main" xmlns:ma14="http://schemas.microsoft.com/office/mac/drawingml/2011/main" val="1"/>
+              <ma14:wrappingTextBoxFlag xmlns:ma14="http://schemas.microsoft.com/office/mac/drawingml/2011/main" xmlns:a14="http://schemas.microsoft.com/office/drawing/2010/main" xmlns:m="http://schemas.openxmlformats.org/officeDocument/2006/math" xmlns="" val="1"/>
             </a:ext>
           </a:extLst>
         </p:spPr>
@@ -16418,7 +17970,7 @@
           </a:ln>
           <a:extLst>
             <a:ext uri="{C572A759-6A51-4108-AA02-DFA0A04FC94B}">
-              <ma14:wrappingTextBoxFlag xmlns="" xmlns:m="http://schemas.openxmlformats.org/officeDocument/2006/math" xmlns:a14="http://schemas.microsoft.com/office/drawing/2010/main" xmlns:ma14="http://schemas.microsoft.com/office/mac/drawingml/2011/main" val="1"/>
+              <ma14:wrappingTextBoxFlag xmlns:ma14="http://schemas.microsoft.com/office/mac/drawingml/2011/main" xmlns:a14="http://schemas.microsoft.com/office/drawing/2010/main" xmlns:m="http://schemas.openxmlformats.org/officeDocument/2006/math" xmlns="" val="1"/>
             </a:ext>
           </a:extLst>
         </p:spPr>
@@ -16537,7 +18089,7 @@
           </a:ln>
           <a:extLst>
             <a:ext uri="{C572A759-6A51-4108-AA02-DFA0A04FC94B}">
-              <ma14:wrappingTextBoxFlag xmlns="" xmlns:m="http://schemas.openxmlformats.org/officeDocument/2006/math" xmlns:a14="http://schemas.microsoft.com/office/drawing/2010/main" xmlns:ma14="http://schemas.microsoft.com/office/mac/drawingml/2011/main" val="1"/>
+              <ma14:wrappingTextBoxFlag xmlns:ma14="http://schemas.microsoft.com/office/mac/drawingml/2011/main" xmlns:a14="http://schemas.microsoft.com/office/drawing/2010/main" xmlns:m="http://schemas.openxmlformats.org/officeDocument/2006/math" xmlns="" val="1"/>
             </a:ext>
           </a:extLst>
         </p:spPr>
@@ -16572,7 +18124,7 @@
           </a:ln>
           <a:extLst>
             <a:ext uri="{C572A759-6A51-4108-AA02-DFA0A04FC94B}">
-              <ma14:wrappingTextBoxFlag xmlns="" xmlns:m="http://schemas.openxmlformats.org/officeDocument/2006/math" xmlns:a14="http://schemas.microsoft.com/office/drawing/2010/main" xmlns:ma14="http://schemas.microsoft.com/office/mac/drawingml/2011/main" val="1"/>
+              <ma14:wrappingTextBoxFlag xmlns:ma14="http://schemas.microsoft.com/office/mac/drawingml/2011/main" xmlns:a14="http://schemas.microsoft.com/office/drawing/2010/main" xmlns:m="http://schemas.openxmlformats.org/officeDocument/2006/math" xmlns="" val="1"/>
             </a:ext>
           </a:extLst>
         </p:spPr>
@@ -16607,7 +18159,7 @@
           </a:ln>
           <a:extLst>
             <a:ext uri="{C572A759-6A51-4108-AA02-DFA0A04FC94B}">
-              <ma14:wrappingTextBoxFlag xmlns="" xmlns:m="http://schemas.openxmlformats.org/officeDocument/2006/math" xmlns:a14="http://schemas.microsoft.com/office/drawing/2010/main" xmlns:ma14="http://schemas.microsoft.com/office/mac/drawingml/2011/main" val="1"/>
+              <ma14:wrappingTextBoxFlag xmlns:ma14="http://schemas.microsoft.com/office/mac/drawingml/2011/main" xmlns:a14="http://schemas.microsoft.com/office/drawing/2010/main" xmlns:m="http://schemas.openxmlformats.org/officeDocument/2006/math" xmlns="" val="1"/>
             </a:ext>
           </a:extLst>
         </p:spPr>
@@ -16651,7 +18203,7 @@
           </a:ln>
           <a:extLst>
             <a:ext uri="{C572A759-6A51-4108-AA02-DFA0A04FC94B}">
-              <ma14:wrappingTextBoxFlag xmlns="" xmlns:m="http://schemas.openxmlformats.org/officeDocument/2006/math" xmlns:a14="http://schemas.microsoft.com/office/drawing/2010/main" xmlns:ma14="http://schemas.microsoft.com/office/mac/drawingml/2011/main" val="1"/>
+              <ma14:wrappingTextBoxFlag xmlns:ma14="http://schemas.microsoft.com/office/mac/drawingml/2011/main" xmlns:a14="http://schemas.microsoft.com/office/drawing/2010/main" xmlns:m="http://schemas.openxmlformats.org/officeDocument/2006/math" xmlns="" val="1"/>
             </a:ext>
           </a:extLst>
         </p:spPr>

--- a/dlgs.pptx
+++ b/dlgs.pptx
@@ -5,7 +5,7 @@
     <p:sldMasterId id="2147483648" r:id="rId1"/>
   </p:sldMasterIdLst>
   <p:notesMasterIdLst>
-    <p:notesMasterId r:id="rId35"/>
+    <p:notesMasterId r:id="rId36"/>
   </p:notesMasterIdLst>
   <p:sldIdLst>
     <p:sldId id="256" r:id="rId2"/>
@@ -38,9 +38,10 @@
     <p:sldId id="289" r:id="rId29"/>
     <p:sldId id="290" r:id="rId30"/>
     <p:sldId id="287" r:id="rId31"/>
-    <p:sldId id="283" r:id="rId32"/>
-    <p:sldId id="286" r:id="rId33"/>
-    <p:sldId id="285" r:id="rId34"/>
+    <p:sldId id="291" r:id="rId32"/>
+    <p:sldId id="283" r:id="rId33"/>
+    <p:sldId id="286" r:id="rId34"/>
+    <p:sldId id="285" r:id="rId35"/>
   </p:sldIdLst>
   <p:sldSz cx="9144000" cy="5143500" type="screen16x9"/>
   <p:notesSz cx="6858000" cy="9144000"/>
@@ -2152,7 +2153,7 @@
           </a:ln>
           <a:extLst>
             <a:ext uri="{C572A759-6A51-4108-AA02-DFA0A04FC94B}">
-              <ma14:wrappingTextBoxFlag xmlns:ma14="http://schemas.microsoft.com/office/mac/drawingml/2011/main" xmlns:a14="http://schemas.microsoft.com/office/drawing/2010/main" xmlns:m="http://schemas.openxmlformats.org/officeDocument/2006/math" xmlns="" val="1"/>
+              <ma14:wrappingTextBoxFlag xmlns="" xmlns:m="http://schemas.openxmlformats.org/officeDocument/2006/math" xmlns:a14="http://schemas.microsoft.com/office/drawing/2010/main" xmlns:ma14="http://schemas.microsoft.com/office/mac/drawingml/2011/main" val="1"/>
             </a:ext>
           </a:extLst>
         </p:spPr>
@@ -2191,7 +2192,7 @@
           </a:ln>
           <a:extLst>
             <a:ext uri="{C572A759-6A51-4108-AA02-DFA0A04FC94B}">
-              <ma14:wrappingTextBoxFlag xmlns:ma14="http://schemas.microsoft.com/office/mac/drawingml/2011/main" xmlns:a14="http://schemas.microsoft.com/office/drawing/2010/main" xmlns:m="http://schemas.openxmlformats.org/officeDocument/2006/math" xmlns="" val="1"/>
+              <ma14:wrappingTextBoxFlag xmlns="" xmlns:m="http://schemas.openxmlformats.org/officeDocument/2006/math" xmlns:a14="http://schemas.microsoft.com/office/drawing/2010/main" xmlns:ma14="http://schemas.microsoft.com/office/mac/drawingml/2011/main" val="1"/>
             </a:ext>
           </a:extLst>
         </p:spPr>
@@ -3153,7 +3154,7 @@
           </a:ln>
           <a:extLst>
             <a:ext uri="{C572A759-6A51-4108-AA02-DFA0A04FC94B}">
-              <ma14:wrappingTextBoxFlag xmlns:ma14="http://schemas.microsoft.com/office/mac/drawingml/2011/main" xmlns:a14="http://schemas.microsoft.com/office/drawing/2010/main" xmlns:m="http://schemas.openxmlformats.org/officeDocument/2006/math" xmlns="" val="1"/>
+              <ma14:wrappingTextBoxFlag xmlns="" xmlns:m="http://schemas.openxmlformats.org/officeDocument/2006/math" xmlns:a14="http://schemas.microsoft.com/office/drawing/2010/main" xmlns:ma14="http://schemas.microsoft.com/office/mac/drawingml/2011/main" val="1"/>
             </a:ext>
           </a:extLst>
         </p:spPr>
@@ -3188,7 +3189,7 @@
           </a:ln>
           <a:extLst>
             <a:ext uri="{C572A759-6A51-4108-AA02-DFA0A04FC94B}">
-              <ma14:wrappingTextBoxFlag xmlns:ma14="http://schemas.microsoft.com/office/mac/drawingml/2011/main" xmlns:a14="http://schemas.microsoft.com/office/drawing/2010/main" xmlns:m="http://schemas.openxmlformats.org/officeDocument/2006/math" xmlns="" val="1"/>
+              <ma14:wrappingTextBoxFlag xmlns="" xmlns:m="http://schemas.openxmlformats.org/officeDocument/2006/math" xmlns:a14="http://schemas.microsoft.com/office/drawing/2010/main" xmlns:ma14="http://schemas.microsoft.com/office/mac/drawingml/2011/main" val="1"/>
             </a:ext>
           </a:extLst>
         </p:spPr>
@@ -3223,7 +3224,7 @@
           </a:ln>
           <a:extLst>
             <a:ext uri="{C572A759-6A51-4108-AA02-DFA0A04FC94B}">
-              <ma14:wrappingTextBoxFlag xmlns:ma14="http://schemas.microsoft.com/office/mac/drawingml/2011/main" xmlns:a14="http://schemas.microsoft.com/office/drawing/2010/main" xmlns:m="http://schemas.openxmlformats.org/officeDocument/2006/math" xmlns="" val="1"/>
+              <ma14:wrappingTextBoxFlag xmlns="" xmlns:m="http://schemas.openxmlformats.org/officeDocument/2006/math" xmlns:a14="http://schemas.microsoft.com/office/drawing/2010/main" xmlns:ma14="http://schemas.microsoft.com/office/mac/drawingml/2011/main" val="1"/>
             </a:ext>
           </a:extLst>
         </p:spPr>
@@ -3394,7 +3395,7 @@
           </a:ln>
           <a:extLst>
             <a:ext uri="{C572A759-6A51-4108-AA02-DFA0A04FC94B}">
-              <ma14:wrappingTextBoxFlag xmlns:ma14="http://schemas.microsoft.com/office/mac/drawingml/2011/main" xmlns:a14="http://schemas.microsoft.com/office/drawing/2010/main" xmlns:m="http://schemas.openxmlformats.org/officeDocument/2006/math" xmlns="" val="1"/>
+              <ma14:wrappingTextBoxFlag xmlns="" xmlns:m="http://schemas.openxmlformats.org/officeDocument/2006/math" xmlns:a14="http://schemas.microsoft.com/office/drawing/2010/main" xmlns:ma14="http://schemas.microsoft.com/office/mac/drawingml/2011/main" val="1"/>
             </a:ext>
           </a:extLst>
         </p:spPr>
@@ -3498,7 +3499,7 @@
           </a:ln>
           <a:extLst>
             <a:ext uri="{C572A759-6A51-4108-AA02-DFA0A04FC94B}">
-              <ma14:wrappingTextBoxFlag xmlns:ma14="http://schemas.microsoft.com/office/mac/drawingml/2011/main" xmlns:a14="http://schemas.microsoft.com/office/drawing/2010/main" xmlns:m="http://schemas.openxmlformats.org/officeDocument/2006/math" xmlns="" val="1"/>
+              <ma14:wrappingTextBoxFlag xmlns="" xmlns:m="http://schemas.openxmlformats.org/officeDocument/2006/math" xmlns:a14="http://schemas.microsoft.com/office/drawing/2010/main" xmlns:ma14="http://schemas.microsoft.com/office/mac/drawingml/2011/main" val="1"/>
             </a:ext>
           </a:extLst>
         </p:spPr>
@@ -3533,7 +3534,7 @@
           </a:ln>
           <a:extLst>
             <a:ext uri="{C572A759-6A51-4108-AA02-DFA0A04FC94B}">
-              <ma14:wrappingTextBoxFlag xmlns:ma14="http://schemas.microsoft.com/office/mac/drawingml/2011/main" xmlns:a14="http://schemas.microsoft.com/office/drawing/2010/main" xmlns:m="http://schemas.openxmlformats.org/officeDocument/2006/math" xmlns="" val="1"/>
+              <ma14:wrappingTextBoxFlag xmlns="" xmlns:m="http://schemas.openxmlformats.org/officeDocument/2006/math" xmlns:a14="http://schemas.microsoft.com/office/drawing/2010/main" xmlns:ma14="http://schemas.microsoft.com/office/mac/drawingml/2011/main" val="1"/>
             </a:ext>
           </a:extLst>
         </p:spPr>
@@ -3644,7 +3645,7 @@
           </a:ln>
           <a:extLst>
             <a:ext uri="{C572A759-6A51-4108-AA02-DFA0A04FC94B}">
-              <ma14:wrappingTextBoxFlag xmlns:ma14="http://schemas.microsoft.com/office/mac/drawingml/2011/main" xmlns:a14="http://schemas.microsoft.com/office/drawing/2010/main" xmlns:m="http://schemas.openxmlformats.org/officeDocument/2006/math" xmlns="" val="1"/>
+              <ma14:wrappingTextBoxFlag xmlns="" xmlns:m="http://schemas.openxmlformats.org/officeDocument/2006/math" xmlns:a14="http://schemas.microsoft.com/office/drawing/2010/main" xmlns:ma14="http://schemas.microsoft.com/office/mac/drawingml/2011/main" val="1"/>
             </a:ext>
           </a:extLst>
         </p:spPr>
@@ -3679,7 +3680,7 @@
           </a:ln>
           <a:extLst>
             <a:ext uri="{C572A759-6A51-4108-AA02-DFA0A04FC94B}">
-              <ma14:wrappingTextBoxFlag xmlns:ma14="http://schemas.microsoft.com/office/mac/drawingml/2011/main" xmlns:a14="http://schemas.microsoft.com/office/drawing/2010/main" xmlns:m="http://schemas.openxmlformats.org/officeDocument/2006/math" xmlns="" val="1"/>
+              <ma14:wrappingTextBoxFlag xmlns="" xmlns:m="http://schemas.openxmlformats.org/officeDocument/2006/math" xmlns:a14="http://schemas.microsoft.com/office/drawing/2010/main" xmlns:ma14="http://schemas.microsoft.com/office/mac/drawingml/2011/main" val="1"/>
             </a:ext>
           </a:extLst>
         </p:spPr>
@@ -3714,7 +3715,7 @@
           </a:ln>
           <a:extLst>
             <a:ext uri="{C572A759-6A51-4108-AA02-DFA0A04FC94B}">
-              <ma14:wrappingTextBoxFlag xmlns:ma14="http://schemas.microsoft.com/office/mac/drawingml/2011/main" xmlns:a14="http://schemas.microsoft.com/office/drawing/2010/main" xmlns:m="http://schemas.openxmlformats.org/officeDocument/2006/math" xmlns="" val="1"/>
+              <ma14:wrappingTextBoxFlag xmlns="" xmlns:m="http://schemas.openxmlformats.org/officeDocument/2006/math" xmlns:a14="http://schemas.microsoft.com/office/drawing/2010/main" xmlns:ma14="http://schemas.microsoft.com/office/mac/drawingml/2011/main" val="1"/>
             </a:ext>
           </a:extLst>
         </p:spPr>
@@ -3757,7 +3758,7 @@
           </a:ln>
           <a:extLst>
             <a:ext uri="{C572A759-6A51-4108-AA02-DFA0A04FC94B}">
-              <ma14:wrappingTextBoxFlag xmlns:ma14="http://schemas.microsoft.com/office/mac/drawingml/2011/main" xmlns:a14="http://schemas.microsoft.com/office/drawing/2010/main" xmlns:m="http://schemas.openxmlformats.org/officeDocument/2006/math" xmlns="" val="1"/>
+              <ma14:wrappingTextBoxFlag xmlns="" xmlns:m="http://schemas.openxmlformats.org/officeDocument/2006/math" xmlns:a14="http://schemas.microsoft.com/office/drawing/2010/main" xmlns:ma14="http://schemas.microsoft.com/office/mac/drawingml/2011/main" val="1"/>
             </a:ext>
           </a:extLst>
         </p:spPr>
@@ -3807,7 +3808,7 @@
           </a:ln>
           <a:extLst>
             <a:ext uri="{C572A759-6A51-4108-AA02-DFA0A04FC94B}">
-              <ma14:wrappingTextBoxFlag xmlns:ma14="http://schemas.microsoft.com/office/mac/drawingml/2011/main" xmlns:a14="http://schemas.microsoft.com/office/drawing/2010/main" xmlns:m="http://schemas.openxmlformats.org/officeDocument/2006/math" xmlns="" val="1"/>
+              <ma14:wrappingTextBoxFlag xmlns="" xmlns:m="http://schemas.openxmlformats.org/officeDocument/2006/math" xmlns:a14="http://schemas.microsoft.com/office/drawing/2010/main" xmlns:ma14="http://schemas.microsoft.com/office/mac/drawingml/2011/main" val="1"/>
             </a:ext>
           </a:extLst>
         </p:spPr>
@@ -3850,7 +3851,7 @@
           </a:ln>
           <a:extLst>
             <a:ext uri="{C572A759-6A51-4108-AA02-DFA0A04FC94B}">
-              <ma14:wrappingTextBoxFlag xmlns:ma14="http://schemas.microsoft.com/office/mac/drawingml/2011/main" xmlns:a14="http://schemas.microsoft.com/office/drawing/2010/main" xmlns:m="http://schemas.openxmlformats.org/officeDocument/2006/math" xmlns="" val="1"/>
+              <ma14:wrappingTextBoxFlag xmlns="" xmlns:m="http://schemas.openxmlformats.org/officeDocument/2006/math" xmlns:a14="http://schemas.microsoft.com/office/drawing/2010/main" xmlns:ma14="http://schemas.microsoft.com/office/mac/drawingml/2011/main" val="1"/>
             </a:ext>
           </a:extLst>
         </p:spPr>
@@ -3900,7 +3901,7 @@
           </a:ln>
           <a:extLst>
             <a:ext uri="{C572A759-6A51-4108-AA02-DFA0A04FC94B}">
-              <ma14:wrappingTextBoxFlag xmlns:ma14="http://schemas.microsoft.com/office/mac/drawingml/2011/main" xmlns:a14="http://schemas.microsoft.com/office/drawing/2010/main" xmlns:m="http://schemas.openxmlformats.org/officeDocument/2006/math" xmlns="" val="1"/>
+              <ma14:wrappingTextBoxFlag xmlns="" xmlns:m="http://schemas.openxmlformats.org/officeDocument/2006/math" xmlns:a14="http://schemas.microsoft.com/office/drawing/2010/main" xmlns:ma14="http://schemas.microsoft.com/office/mac/drawingml/2011/main" val="1"/>
             </a:ext>
           </a:extLst>
         </p:spPr>
@@ -3943,7 +3944,7 @@
           </a:ln>
           <a:extLst>
             <a:ext uri="{C572A759-6A51-4108-AA02-DFA0A04FC94B}">
-              <ma14:wrappingTextBoxFlag xmlns:ma14="http://schemas.microsoft.com/office/mac/drawingml/2011/main" xmlns:a14="http://schemas.microsoft.com/office/drawing/2010/main" xmlns:m="http://schemas.openxmlformats.org/officeDocument/2006/math" xmlns="" val="1"/>
+              <ma14:wrappingTextBoxFlag xmlns="" xmlns:m="http://schemas.openxmlformats.org/officeDocument/2006/math" xmlns:a14="http://schemas.microsoft.com/office/drawing/2010/main" xmlns:ma14="http://schemas.microsoft.com/office/mac/drawingml/2011/main" val="1"/>
             </a:ext>
           </a:extLst>
         </p:spPr>
@@ -4074,7 +4075,7 @@
           </a:ln>
           <a:extLst>
             <a:ext uri="{C572A759-6A51-4108-AA02-DFA0A04FC94B}">
-              <ma14:wrappingTextBoxFlag xmlns:ma14="http://schemas.microsoft.com/office/mac/drawingml/2011/main" xmlns:a14="http://schemas.microsoft.com/office/drawing/2010/main" xmlns:m="http://schemas.openxmlformats.org/officeDocument/2006/math" xmlns="" val="1"/>
+              <ma14:wrappingTextBoxFlag xmlns="" xmlns:m="http://schemas.openxmlformats.org/officeDocument/2006/math" xmlns:a14="http://schemas.microsoft.com/office/drawing/2010/main" xmlns:ma14="http://schemas.microsoft.com/office/mac/drawingml/2011/main" val="1"/>
             </a:ext>
           </a:extLst>
         </p:spPr>
@@ -4109,7 +4110,7 @@
           </a:ln>
           <a:extLst>
             <a:ext uri="{C572A759-6A51-4108-AA02-DFA0A04FC94B}">
-              <ma14:wrappingTextBoxFlag xmlns:ma14="http://schemas.microsoft.com/office/mac/drawingml/2011/main" xmlns:a14="http://schemas.microsoft.com/office/drawing/2010/main" xmlns:m="http://schemas.openxmlformats.org/officeDocument/2006/math" xmlns="" val="1"/>
+              <ma14:wrappingTextBoxFlag xmlns="" xmlns:m="http://schemas.openxmlformats.org/officeDocument/2006/math" xmlns:a14="http://schemas.microsoft.com/office/drawing/2010/main" xmlns:ma14="http://schemas.microsoft.com/office/mac/drawingml/2011/main" val="1"/>
             </a:ext>
           </a:extLst>
         </p:spPr>
@@ -4144,7 +4145,7 @@
           </a:ln>
           <a:extLst>
             <a:ext uri="{C572A759-6A51-4108-AA02-DFA0A04FC94B}">
-              <ma14:wrappingTextBoxFlag xmlns:ma14="http://schemas.microsoft.com/office/mac/drawingml/2011/main" xmlns:a14="http://schemas.microsoft.com/office/drawing/2010/main" xmlns:m="http://schemas.openxmlformats.org/officeDocument/2006/math" xmlns="" val="1"/>
+              <ma14:wrappingTextBoxFlag xmlns="" xmlns:m="http://schemas.openxmlformats.org/officeDocument/2006/math" xmlns:a14="http://schemas.microsoft.com/office/drawing/2010/main" xmlns:ma14="http://schemas.microsoft.com/office/mac/drawingml/2011/main" val="1"/>
             </a:ext>
           </a:extLst>
         </p:spPr>
@@ -4217,7 +4218,7 @@
           </a:ln>
           <a:extLst>
             <a:ext uri="{C572A759-6A51-4108-AA02-DFA0A04FC94B}">
-              <ma14:wrappingTextBoxFlag xmlns:ma14="http://schemas.microsoft.com/office/mac/drawingml/2011/main" xmlns:a14="http://schemas.microsoft.com/office/drawing/2010/main" xmlns:m="http://schemas.openxmlformats.org/officeDocument/2006/math" xmlns="" val="1"/>
+              <ma14:wrappingTextBoxFlag xmlns="" xmlns:m="http://schemas.openxmlformats.org/officeDocument/2006/math" xmlns:a14="http://schemas.microsoft.com/office/drawing/2010/main" xmlns:ma14="http://schemas.microsoft.com/office/mac/drawingml/2011/main" val="1"/>
             </a:ext>
           </a:extLst>
         </p:spPr>
@@ -4338,7 +4339,7 @@
           </a:ln>
           <a:extLst>
             <a:ext uri="{C572A759-6A51-4108-AA02-DFA0A04FC94B}">
-              <ma14:wrappingTextBoxFlag xmlns:ma14="http://schemas.microsoft.com/office/mac/drawingml/2011/main" xmlns:a14="http://schemas.microsoft.com/office/drawing/2010/main" xmlns:m="http://schemas.openxmlformats.org/officeDocument/2006/math" xmlns="" val="1"/>
+              <ma14:wrappingTextBoxFlag xmlns="" xmlns:m="http://schemas.openxmlformats.org/officeDocument/2006/math" xmlns:a14="http://schemas.microsoft.com/office/drawing/2010/main" xmlns:ma14="http://schemas.microsoft.com/office/mac/drawingml/2011/main" val="1"/>
             </a:ext>
           </a:extLst>
         </p:spPr>
@@ -4373,7 +4374,7 @@
           </a:ln>
           <a:extLst>
             <a:ext uri="{C572A759-6A51-4108-AA02-DFA0A04FC94B}">
-              <ma14:wrappingTextBoxFlag xmlns:ma14="http://schemas.microsoft.com/office/mac/drawingml/2011/main" xmlns:a14="http://schemas.microsoft.com/office/drawing/2010/main" xmlns:m="http://schemas.openxmlformats.org/officeDocument/2006/math" xmlns="" val="1"/>
+              <ma14:wrappingTextBoxFlag xmlns="" xmlns:m="http://schemas.openxmlformats.org/officeDocument/2006/math" xmlns:a14="http://schemas.microsoft.com/office/drawing/2010/main" xmlns:ma14="http://schemas.microsoft.com/office/mac/drawingml/2011/main" val="1"/>
             </a:ext>
           </a:extLst>
         </p:spPr>
@@ -4435,7 +4436,7 @@
           </a:ln>
           <a:extLst>
             <a:ext uri="{C572A759-6A51-4108-AA02-DFA0A04FC94B}">
-              <ma14:wrappingTextBoxFlag xmlns:ma14="http://schemas.microsoft.com/office/mac/drawingml/2011/main" xmlns:a14="http://schemas.microsoft.com/office/drawing/2010/main" xmlns:m="http://schemas.openxmlformats.org/officeDocument/2006/math" xmlns="" val="1"/>
+              <ma14:wrappingTextBoxFlag xmlns="" xmlns:m="http://schemas.openxmlformats.org/officeDocument/2006/math" xmlns:a14="http://schemas.microsoft.com/office/drawing/2010/main" xmlns:ma14="http://schemas.microsoft.com/office/mac/drawingml/2011/main" val="1"/>
             </a:ext>
           </a:extLst>
         </p:spPr>
@@ -4491,7 +4492,7 @@
           </a:ln>
           <a:extLst>
             <a:ext uri="{C572A759-6A51-4108-AA02-DFA0A04FC94B}">
-              <ma14:wrappingTextBoxFlag xmlns:ma14="http://schemas.microsoft.com/office/mac/drawingml/2011/main" xmlns:a14="http://schemas.microsoft.com/office/drawing/2010/main" xmlns:m="http://schemas.openxmlformats.org/officeDocument/2006/math" xmlns="" val="1"/>
+              <ma14:wrappingTextBoxFlag xmlns="" xmlns:m="http://schemas.openxmlformats.org/officeDocument/2006/math" xmlns:a14="http://schemas.microsoft.com/office/drawing/2010/main" xmlns:ma14="http://schemas.microsoft.com/office/mac/drawingml/2011/main" val="1"/>
             </a:ext>
           </a:extLst>
         </p:spPr>
@@ -4564,7 +4565,7 @@
           </a:ln>
           <a:extLst>
             <a:ext uri="{C572A759-6A51-4108-AA02-DFA0A04FC94B}">
-              <ma14:wrappingTextBoxFlag xmlns:ma14="http://schemas.microsoft.com/office/mac/drawingml/2011/main" xmlns:a14="http://schemas.microsoft.com/office/drawing/2010/main" xmlns:m="http://schemas.openxmlformats.org/officeDocument/2006/math" xmlns="" val="1"/>
+              <ma14:wrappingTextBoxFlag xmlns="" xmlns:m="http://schemas.openxmlformats.org/officeDocument/2006/math" xmlns:a14="http://schemas.microsoft.com/office/drawing/2010/main" xmlns:ma14="http://schemas.microsoft.com/office/mac/drawingml/2011/main" val="1"/>
             </a:ext>
           </a:extLst>
         </p:spPr>
@@ -4775,7 +4776,7 @@
           </a:ln>
           <a:extLst>
             <a:ext uri="{C572A759-6A51-4108-AA02-DFA0A04FC94B}">
-              <ma14:wrappingTextBoxFlag xmlns:ma14="http://schemas.microsoft.com/office/mac/drawingml/2011/main" xmlns:a14="http://schemas.microsoft.com/office/drawing/2010/main" xmlns:m="http://schemas.openxmlformats.org/officeDocument/2006/math" xmlns="" val="1"/>
+              <ma14:wrappingTextBoxFlag xmlns="" xmlns:m="http://schemas.openxmlformats.org/officeDocument/2006/math" xmlns:a14="http://schemas.microsoft.com/office/drawing/2010/main" xmlns:ma14="http://schemas.microsoft.com/office/mac/drawingml/2011/main" val="1"/>
             </a:ext>
           </a:extLst>
         </p:spPr>
@@ -4879,7 +4880,7 @@
           </a:ln>
           <a:extLst>
             <a:ext uri="{C572A759-6A51-4108-AA02-DFA0A04FC94B}">
-              <ma14:wrappingTextBoxFlag xmlns:ma14="http://schemas.microsoft.com/office/mac/drawingml/2011/main" xmlns:a14="http://schemas.microsoft.com/office/drawing/2010/main" xmlns:m="http://schemas.openxmlformats.org/officeDocument/2006/math" xmlns="" val="1"/>
+              <ma14:wrappingTextBoxFlag xmlns="" xmlns:m="http://schemas.openxmlformats.org/officeDocument/2006/math" xmlns:a14="http://schemas.microsoft.com/office/drawing/2010/main" xmlns:ma14="http://schemas.microsoft.com/office/mac/drawingml/2011/main" val="1"/>
             </a:ext>
           </a:extLst>
         </p:spPr>
@@ -4914,7 +4915,7 @@
           </a:ln>
           <a:extLst>
             <a:ext uri="{C572A759-6A51-4108-AA02-DFA0A04FC94B}">
-              <ma14:wrappingTextBoxFlag xmlns:ma14="http://schemas.microsoft.com/office/mac/drawingml/2011/main" xmlns:a14="http://schemas.microsoft.com/office/drawing/2010/main" xmlns:m="http://schemas.openxmlformats.org/officeDocument/2006/math" xmlns="" val="1"/>
+              <ma14:wrappingTextBoxFlag xmlns="" xmlns:m="http://schemas.openxmlformats.org/officeDocument/2006/math" xmlns:a14="http://schemas.microsoft.com/office/drawing/2010/main" xmlns:ma14="http://schemas.microsoft.com/office/mac/drawingml/2011/main" val="1"/>
             </a:ext>
           </a:extLst>
         </p:spPr>
@@ -5025,7 +5026,7 @@
           </a:ln>
           <a:extLst>
             <a:ext uri="{C572A759-6A51-4108-AA02-DFA0A04FC94B}">
-              <ma14:wrappingTextBoxFlag xmlns:ma14="http://schemas.microsoft.com/office/mac/drawingml/2011/main" xmlns:a14="http://schemas.microsoft.com/office/drawing/2010/main" xmlns:m="http://schemas.openxmlformats.org/officeDocument/2006/math" xmlns="" val="1"/>
+              <ma14:wrappingTextBoxFlag xmlns="" xmlns:m="http://schemas.openxmlformats.org/officeDocument/2006/math" xmlns:a14="http://schemas.microsoft.com/office/drawing/2010/main" xmlns:ma14="http://schemas.microsoft.com/office/mac/drawingml/2011/main" val="1"/>
             </a:ext>
           </a:extLst>
         </p:spPr>
@@ -5060,7 +5061,7 @@
           </a:ln>
           <a:extLst>
             <a:ext uri="{C572A759-6A51-4108-AA02-DFA0A04FC94B}">
-              <ma14:wrappingTextBoxFlag xmlns:ma14="http://schemas.microsoft.com/office/mac/drawingml/2011/main" xmlns:a14="http://schemas.microsoft.com/office/drawing/2010/main" xmlns:m="http://schemas.openxmlformats.org/officeDocument/2006/math" xmlns="" val="1"/>
+              <ma14:wrappingTextBoxFlag xmlns="" xmlns:m="http://schemas.openxmlformats.org/officeDocument/2006/math" xmlns:a14="http://schemas.microsoft.com/office/drawing/2010/main" xmlns:ma14="http://schemas.microsoft.com/office/mac/drawingml/2011/main" val="1"/>
             </a:ext>
           </a:extLst>
         </p:spPr>
@@ -5095,7 +5096,7 @@
           </a:ln>
           <a:extLst>
             <a:ext uri="{C572A759-6A51-4108-AA02-DFA0A04FC94B}">
-              <ma14:wrappingTextBoxFlag xmlns:ma14="http://schemas.microsoft.com/office/mac/drawingml/2011/main" xmlns:a14="http://schemas.microsoft.com/office/drawing/2010/main" xmlns:m="http://schemas.openxmlformats.org/officeDocument/2006/math" xmlns="" val="1"/>
+              <ma14:wrappingTextBoxFlag xmlns="" xmlns:m="http://schemas.openxmlformats.org/officeDocument/2006/math" xmlns:a14="http://schemas.microsoft.com/office/drawing/2010/main" xmlns:ma14="http://schemas.microsoft.com/office/mac/drawingml/2011/main" val="1"/>
             </a:ext>
           </a:extLst>
         </p:spPr>
@@ -5173,7 +5174,7 @@
           </a:ln>
           <a:extLst>
             <a:ext uri="{C572A759-6A51-4108-AA02-DFA0A04FC94B}">
-              <ma14:wrappingTextBoxFlag xmlns:ma14="http://schemas.microsoft.com/office/mac/drawingml/2011/main" xmlns:a14="http://schemas.microsoft.com/office/drawing/2010/main" xmlns:m="http://schemas.openxmlformats.org/officeDocument/2006/math" xmlns="" val="1"/>
+              <ma14:wrappingTextBoxFlag xmlns="" xmlns:m="http://schemas.openxmlformats.org/officeDocument/2006/math" xmlns:a14="http://schemas.microsoft.com/office/drawing/2010/main" xmlns:ma14="http://schemas.microsoft.com/office/mac/drawingml/2011/main" val="1"/>
             </a:ext>
           </a:extLst>
         </p:spPr>
@@ -5221,7 +5222,7 @@
           </a:ln>
           <a:extLst>
             <a:ext uri="{C572A759-6A51-4108-AA02-DFA0A04FC94B}">
-              <ma14:wrappingTextBoxFlag xmlns:ma14="http://schemas.microsoft.com/office/mac/drawingml/2011/main" xmlns:a14="http://schemas.microsoft.com/office/drawing/2010/main" xmlns:m="http://schemas.openxmlformats.org/officeDocument/2006/math" xmlns="" val="1"/>
+              <ma14:wrappingTextBoxFlag xmlns="" xmlns:m="http://schemas.openxmlformats.org/officeDocument/2006/math" xmlns:a14="http://schemas.microsoft.com/office/drawing/2010/main" xmlns:ma14="http://schemas.microsoft.com/office/mac/drawingml/2011/main" val="1"/>
             </a:ext>
           </a:extLst>
         </p:spPr>
@@ -5361,7 +5362,7 @@
           </a:ln>
           <a:extLst>
             <a:ext uri="{C572A759-6A51-4108-AA02-DFA0A04FC94B}">
-              <ma14:wrappingTextBoxFlag xmlns:ma14="http://schemas.microsoft.com/office/mac/drawingml/2011/main" xmlns:a14="http://schemas.microsoft.com/office/drawing/2010/main" xmlns:m="http://schemas.openxmlformats.org/officeDocument/2006/math" xmlns="" val="1"/>
+              <ma14:wrappingTextBoxFlag xmlns="" xmlns:m="http://schemas.openxmlformats.org/officeDocument/2006/math" xmlns:a14="http://schemas.microsoft.com/office/drawing/2010/main" xmlns:ma14="http://schemas.microsoft.com/office/mac/drawingml/2011/main" val="1"/>
             </a:ext>
           </a:extLst>
         </p:spPr>
@@ -5396,7 +5397,7 @@
           </a:ln>
           <a:extLst>
             <a:ext uri="{C572A759-6A51-4108-AA02-DFA0A04FC94B}">
-              <ma14:wrappingTextBoxFlag xmlns:ma14="http://schemas.microsoft.com/office/mac/drawingml/2011/main" xmlns:a14="http://schemas.microsoft.com/office/drawing/2010/main" xmlns:m="http://schemas.openxmlformats.org/officeDocument/2006/math" xmlns="" val="1"/>
+              <ma14:wrappingTextBoxFlag xmlns="" xmlns:m="http://schemas.openxmlformats.org/officeDocument/2006/math" xmlns:a14="http://schemas.microsoft.com/office/drawing/2010/main" xmlns:ma14="http://schemas.microsoft.com/office/mac/drawingml/2011/main" val="1"/>
             </a:ext>
           </a:extLst>
         </p:spPr>
@@ -5431,7 +5432,7 @@
           </a:ln>
           <a:extLst>
             <a:ext uri="{C572A759-6A51-4108-AA02-DFA0A04FC94B}">
-              <ma14:wrappingTextBoxFlag xmlns:ma14="http://schemas.microsoft.com/office/mac/drawingml/2011/main" xmlns:a14="http://schemas.microsoft.com/office/drawing/2010/main" xmlns:m="http://schemas.openxmlformats.org/officeDocument/2006/math" xmlns="" val="1"/>
+              <ma14:wrappingTextBoxFlag xmlns="" xmlns:m="http://schemas.openxmlformats.org/officeDocument/2006/math" xmlns:a14="http://schemas.microsoft.com/office/drawing/2010/main" xmlns:ma14="http://schemas.microsoft.com/office/mac/drawingml/2011/main" val="1"/>
             </a:ext>
           </a:extLst>
         </p:spPr>
@@ -5493,7 +5494,7 @@
           </a:ln>
           <a:extLst>
             <a:ext uri="{C572A759-6A51-4108-AA02-DFA0A04FC94B}">
-              <ma14:wrappingTextBoxFlag xmlns:ma14="http://schemas.microsoft.com/office/mac/drawingml/2011/main" xmlns:a14="http://schemas.microsoft.com/office/drawing/2010/main" xmlns:m="http://schemas.openxmlformats.org/officeDocument/2006/math" xmlns="" val="1"/>
+              <ma14:wrappingTextBoxFlag xmlns="" xmlns:m="http://schemas.openxmlformats.org/officeDocument/2006/math" xmlns:a14="http://schemas.microsoft.com/office/drawing/2010/main" xmlns:ma14="http://schemas.microsoft.com/office/mac/drawingml/2011/main" val="1"/>
             </a:ext>
           </a:extLst>
         </p:spPr>
@@ -5568,7 +5569,7 @@
           </a:ln>
           <a:extLst>
             <a:ext uri="{C572A759-6A51-4108-AA02-DFA0A04FC94B}">
-              <ma14:wrappingTextBoxFlag xmlns:ma14="http://schemas.microsoft.com/office/mac/drawingml/2011/main" xmlns:a14="http://schemas.microsoft.com/office/drawing/2010/main" xmlns:m="http://schemas.openxmlformats.org/officeDocument/2006/math" xmlns="" val="1"/>
+              <ma14:wrappingTextBoxFlag xmlns="" xmlns:m="http://schemas.openxmlformats.org/officeDocument/2006/math" xmlns:a14="http://schemas.microsoft.com/office/drawing/2010/main" xmlns:ma14="http://schemas.microsoft.com/office/mac/drawingml/2011/main" val="1"/>
             </a:ext>
           </a:extLst>
         </p:spPr>
@@ -5722,7 +5723,7 @@
           </a:ln>
           <a:extLst>
             <a:ext uri="{C572A759-6A51-4108-AA02-DFA0A04FC94B}">
-              <ma14:wrappingTextBoxFlag xmlns:ma14="http://schemas.microsoft.com/office/mac/drawingml/2011/main" xmlns:a14="http://schemas.microsoft.com/office/drawing/2010/main" xmlns:m="http://schemas.openxmlformats.org/officeDocument/2006/math" xmlns="" val="1"/>
+              <ma14:wrappingTextBoxFlag xmlns="" xmlns:m="http://schemas.openxmlformats.org/officeDocument/2006/math" xmlns:a14="http://schemas.microsoft.com/office/drawing/2010/main" xmlns:ma14="http://schemas.microsoft.com/office/mac/drawingml/2011/main" val="1"/>
             </a:ext>
           </a:extLst>
         </p:spPr>
@@ -5757,7 +5758,7 @@
           </a:ln>
           <a:extLst>
             <a:ext uri="{C572A759-6A51-4108-AA02-DFA0A04FC94B}">
-              <ma14:wrappingTextBoxFlag xmlns:ma14="http://schemas.microsoft.com/office/mac/drawingml/2011/main" xmlns:a14="http://schemas.microsoft.com/office/drawing/2010/main" xmlns:m="http://schemas.openxmlformats.org/officeDocument/2006/math" xmlns="" val="1"/>
+              <ma14:wrappingTextBoxFlag xmlns="" xmlns:m="http://schemas.openxmlformats.org/officeDocument/2006/math" xmlns:a14="http://schemas.microsoft.com/office/drawing/2010/main" xmlns:ma14="http://schemas.microsoft.com/office/mac/drawingml/2011/main" val="1"/>
             </a:ext>
           </a:extLst>
         </p:spPr>
@@ -5792,7 +5793,7 @@
           </a:ln>
           <a:extLst>
             <a:ext uri="{C572A759-6A51-4108-AA02-DFA0A04FC94B}">
-              <ma14:wrappingTextBoxFlag xmlns:ma14="http://schemas.microsoft.com/office/mac/drawingml/2011/main" xmlns:a14="http://schemas.microsoft.com/office/drawing/2010/main" xmlns:m="http://schemas.openxmlformats.org/officeDocument/2006/math" xmlns="" val="1"/>
+              <ma14:wrappingTextBoxFlag xmlns="" xmlns:m="http://schemas.openxmlformats.org/officeDocument/2006/math" xmlns:a14="http://schemas.microsoft.com/office/drawing/2010/main" xmlns:ma14="http://schemas.microsoft.com/office/mac/drawingml/2011/main" val="1"/>
             </a:ext>
           </a:extLst>
         </p:spPr>
@@ -5854,7 +5855,7 @@
           </a:ln>
           <a:extLst>
             <a:ext uri="{C572A759-6A51-4108-AA02-DFA0A04FC94B}">
-              <ma14:wrappingTextBoxFlag xmlns:ma14="http://schemas.microsoft.com/office/mac/drawingml/2011/main" xmlns:a14="http://schemas.microsoft.com/office/drawing/2010/main" xmlns:m="http://schemas.openxmlformats.org/officeDocument/2006/math" xmlns="" val="1"/>
+              <ma14:wrappingTextBoxFlag xmlns="" xmlns:m="http://schemas.openxmlformats.org/officeDocument/2006/math" xmlns:a14="http://schemas.microsoft.com/office/drawing/2010/main" xmlns:ma14="http://schemas.microsoft.com/office/mac/drawingml/2011/main" val="1"/>
             </a:ext>
           </a:extLst>
         </p:spPr>
@@ -6029,7 +6030,7 @@
           </a:ln>
           <a:extLst>
             <a:ext uri="{C572A759-6A51-4108-AA02-DFA0A04FC94B}">
-              <ma14:wrappingTextBoxFlag xmlns:ma14="http://schemas.microsoft.com/office/mac/drawingml/2011/main" xmlns:a14="http://schemas.microsoft.com/office/drawing/2010/main" xmlns:m="http://schemas.openxmlformats.org/officeDocument/2006/math" xmlns="" val="1"/>
+              <ma14:wrappingTextBoxFlag xmlns="" xmlns:m="http://schemas.openxmlformats.org/officeDocument/2006/math" xmlns:a14="http://schemas.microsoft.com/office/drawing/2010/main" xmlns:ma14="http://schemas.microsoft.com/office/mac/drawingml/2011/main" val="1"/>
             </a:ext>
           </a:extLst>
         </p:spPr>
@@ -6179,7 +6180,7 @@
           </a:ln>
           <a:extLst>
             <a:ext uri="{C572A759-6A51-4108-AA02-DFA0A04FC94B}">
-              <ma14:wrappingTextBoxFlag xmlns:ma14="http://schemas.microsoft.com/office/mac/drawingml/2011/main" xmlns:a14="http://schemas.microsoft.com/office/drawing/2010/main" xmlns:m="http://schemas.openxmlformats.org/officeDocument/2006/math" xmlns="" val="1"/>
+              <ma14:wrappingTextBoxFlag xmlns="" xmlns:m="http://schemas.openxmlformats.org/officeDocument/2006/math" xmlns:a14="http://schemas.microsoft.com/office/drawing/2010/main" xmlns:ma14="http://schemas.microsoft.com/office/mac/drawingml/2011/main" val="1"/>
             </a:ext>
           </a:extLst>
         </p:spPr>
@@ -6268,7 +6269,7 @@
           </a:ln>
           <a:extLst>
             <a:ext uri="{C572A759-6A51-4108-AA02-DFA0A04FC94B}">
-              <ma14:wrappingTextBoxFlag xmlns:ma14="http://schemas.microsoft.com/office/mac/drawingml/2011/main" xmlns:a14="http://schemas.microsoft.com/office/drawing/2010/main" xmlns:m="http://schemas.openxmlformats.org/officeDocument/2006/math" xmlns="" val="1"/>
+              <ma14:wrappingTextBoxFlag xmlns="" xmlns:m="http://schemas.openxmlformats.org/officeDocument/2006/math" xmlns:a14="http://schemas.microsoft.com/office/drawing/2010/main" xmlns:ma14="http://schemas.microsoft.com/office/mac/drawingml/2011/main" val="1"/>
             </a:ext>
           </a:extLst>
         </p:spPr>
@@ -6303,7 +6304,7 @@
           </a:ln>
           <a:extLst>
             <a:ext uri="{C572A759-6A51-4108-AA02-DFA0A04FC94B}">
-              <ma14:wrappingTextBoxFlag xmlns:ma14="http://schemas.microsoft.com/office/mac/drawingml/2011/main" xmlns:a14="http://schemas.microsoft.com/office/drawing/2010/main" xmlns:m="http://schemas.openxmlformats.org/officeDocument/2006/math" xmlns="" val="1"/>
+              <ma14:wrappingTextBoxFlag xmlns="" xmlns:m="http://schemas.openxmlformats.org/officeDocument/2006/math" xmlns:a14="http://schemas.microsoft.com/office/drawing/2010/main" xmlns:ma14="http://schemas.microsoft.com/office/mac/drawingml/2011/main" val="1"/>
             </a:ext>
           </a:extLst>
         </p:spPr>
@@ -6414,7 +6415,7 @@
           </a:ln>
           <a:extLst>
             <a:ext uri="{C572A759-6A51-4108-AA02-DFA0A04FC94B}">
-              <ma14:wrappingTextBoxFlag xmlns:ma14="http://schemas.microsoft.com/office/mac/drawingml/2011/main" xmlns:a14="http://schemas.microsoft.com/office/drawing/2010/main" xmlns:m="http://schemas.openxmlformats.org/officeDocument/2006/math" xmlns="" val="1"/>
+              <ma14:wrappingTextBoxFlag xmlns="" xmlns:m="http://schemas.openxmlformats.org/officeDocument/2006/math" xmlns:a14="http://schemas.microsoft.com/office/drawing/2010/main" xmlns:ma14="http://schemas.microsoft.com/office/mac/drawingml/2011/main" val="1"/>
             </a:ext>
           </a:extLst>
         </p:spPr>
@@ -6464,7 +6465,7 @@
           </a:ln>
           <a:extLst>
             <a:ext uri="{C572A759-6A51-4108-AA02-DFA0A04FC94B}">
-              <ma14:wrappingTextBoxFlag xmlns:ma14="http://schemas.microsoft.com/office/mac/drawingml/2011/main" xmlns:a14="http://schemas.microsoft.com/office/drawing/2010/main" xmlns:m="http://schemas.openxmlformats.org/officeDocument/2006/math" xmlns="" val="1"/>
+              <ma14:wrappingTextBoxFlag xmlns="" xmlns:m="http://schemas.openxmlformats.org/officeDocument/2006/math" xmlns:a14="http://schemas.microsoft.com/office/drawing/2010/main" xmlns:ma14="http://schemas.microsoft.com/office/mac/drawingml/2011/main" val="1"/>
             </a:ext>
           </a:extLst>
         </p:spPr>
@@ -6499,7 +6500,7 @@
           </a:ln>
           <a:extLst>
             <a:ext uri="{C572A759-6A51-4108-AA02-DFA0A04FC94B}">
-              <ma14:wrappingTextBoxFlag xmlns:ma14="http://schemas.microsoft.com/office/mac/drawingml/2011/main" xmlns:a14="http://schemas.microsoft.com/office/drawing/2010/main" xmlns:m="http://schemas.openxmlformats.org/officeDocument/2006/math" xmlns="" val="1"/>
+              <ma14:wrappingTextBoxFlag xmlns="" xmlns:m="http://schemas.openxmlformats.org/officeDocument/2006/math" xmlns:a14="http://schemas.microsoft.com/office/drawing/2010/main" xmlns:ma14="http://schemas.microsoft.com/office/mac/drawingml/2011/main" val="1"/>
             </a:ext>
           </a:extLst>
         </p:spPr>
@@ -6534,7 +6535,7 @@
           </a:ln>
           <a:extLst>
             <a:ext uri="{C572A759-6A51-4108-AA02-DFA0A04FC94B}">
-              <ma14:wrappingTextBoxFlag xmlns:ma14="http://schemas.microsoft.com/office/mac/drawingml/2011/main" xmlns:a14="http://schemas.microsoft.com/office/drawing/2010/main" xmlns:m="http://schemas.openxmlformats.org/officeDocument/2006/math" xmlns="" val="1"/>
+              <ma14:wrappingTextBoxFlag xmlns="" xmlns:m="http://schemas.openxmlformats.org/officeDocument/2006/math" xmlns:a14="http://schemas.microsoft.com/office/drawing/2010/main" xmlns:ma14="http://schemas.microsoft.com/office/mac/drawingml/2011/main" val="1"/>
             </a:ext>
           </a:extLst>
         </p:spPr>
@@ -6837,7 +6838,7 @@
           </a:ln>
           <a:extLst>
             <a:ext uri="{C572A759-6A51-4108-AA02-DFA0A04FC94B}">
-              <ma14:wrappingTextBoxFlag xmlns:ma14="http://schemas.microsoft.com/office/mac/drawingml/2011/main" xmlns:a14="http://schemas.microsoft.com/office/drawing/2010/main" xmlns:m="http://schemas.openxmlformats.org/officeDocument/2006/math" xmlns="" val="1"/>
+              <ma14:wrappingTextBoxFlag xmlns="" xmlns:m="http://schemas.openxmlformats.org/officeDocument/2006/math" xmlns:a14="http://schemas.microsoft.com/office/drawing/2010/main" xmlns:ma14="http://schemas.microsoft.com/office/mac/drawingml/2011/main" val="1"/>
             </a:ext>
           </a:extLst>
         </p:spPr>
@@ -6880,7 +6881,7 @@
           </a:ln>
           <a:extLst>
             <a:ext uri="{C572A759-6A51-4108-AA02-DFA0A04FC94B}">
-              <ma14:wrappingTextBoxFlag xmlns:ma14="http://schemas.microsoft.com/office/mac/drawingml/2011/main" xmlns:a14="http://schemas.microsoft.com/office/drawing/2010/main" xmlns:m="http://schemas.openxmlformats.org/officeDocument/2006/math" xmlns="" val="1"/>
+              <ma14:wrappingTextBoxFlag xmlns="" xmlns:m="http://schemas.openxmlformats.org/officeDocument/2006/math" xmlns:a14="http://schemas.microsoft.com/office/drawing/2010/main" xmlns:ma14="http://schemas.microsoft.com/office/mac/drawingml/2011/main" val="1"/>
             </a:ext>
           </a:extLst>
         </p:spPr>
@@ -6999,7 +7000,7 @@
           </a:ln>
           <a:extLst>
             <a:ext uri="{C572A759-6A51-4108-AA02-DFA0A04FC94B}">
-              <ma14:wrappingTextBoxFlag xmlns:ma14="http://schemas.microsoft.com/office/mac/drawingml/2011/main" xmlns:a14="http://schemas.microsoft.com/office/drawing/2010/main" xmlns:m="http://schemas.openxmlformats.org/officeDocument/2006/math" xmlns="" val="1"/>
+              <ma14:wrappingTextBoxFlag xmlns="" xmlns:m="http://schemas.openxmlformats.org/officeDocument/2006/math" xmlns:a14="http://schemas.microsoft.com/office/drawing/2010/main" xmlns:ma14="http://schemas.microsoft.com/office/mac/drawingml/2011/main" val="1"/>
             </a:ext>
           </a:extLst>
         </p:spPr>
@@ -7034,7 +7035,7 @@
           </a:ln>
           <a:extLst>
             <a:ext uri="{C572A759-6A51-4108-AA02-DFA0A04FC94B}">
-              <ma14:wrappingTextBoxFlag xmlns:ma14="http://schemas.microsoft.com/office/mac/drawingml/2011/main" xmlns:a14="http://schemas.microsoft.com/office/drawing/2010/main" xmlns:m="http://schemas.openxmlformats.org/officeDocument/2006/math" xmlns="" val="1"/>
+              <ma14:wrappingTextBoxFlag xmlns="" xmlns:m="http://schemas.openxmlformats.org/officeDocument/2006/math" xmlns:a14="http://schemas.microsoft.com/office/drawing/2010/main" xmlns:ma14="http://schemas.microsoft.com/office/mac/drawingml/2011/main" val="1"/>
             </a:ext>
           </a:extLst>
         </p:spPr>
@@ -7069,7 +7070,7 @@
           </a:ln>
           <a:extLst>
             <a:ext uri="{C572A759-6A51-4108-AA02-DFA0A04FC94B}">
-              <ma14:wrappingTextBoxFlag xmlns:ma14="http://schemas.microsoft.com/office/mac/drawingml/2011/main" xmlns:a14="http://schemas.microsoft.com/office/drawing/2010/main" xmlns:m="http://schemas.openxmlformats.org/officeDocument/2006/math" xmlns="" val="1"/>
+              <ma14:wrappingTextBoxFlag xmlns="" xmlns:m="http://schemas.openxmlformats.org/officeDocument/2006/math" xmlns:a14="http://schemas.microsoft.com/office/drawing/2010/main" xmlns:ma14="http://schemas.microsoft.com/office/mac/drawingml/2011/main" val="1"/>
             </a:ext>
           </a:extLst>
         </p:spPr>
@@ -7167,7 +7168,7 @@
           </a:ln>
           <a:extLst>
             <a:ext uri="{C572A759-6A51-4108-AA02-DFA0A04FC94B}">
-              <ma14:wrappingTextBoxFlag xmlns:ma14="http://schemas.microsoft.com/office/mac/drawingml/2011/main" xmlns:a14="http://schemas.microsoft.com/office/drawing/2010/main" xmlns:m="http://schemas.openxmlformats.org/officeDocument/2006/math" xmlns="" val="1"/>
+              <ma14:wrappingTextBoxFlag xmlns="" xmlns:m="http://schemas.openxmlformats.org/officeDocument/2006/math" xmlns:a14="http://schemas.microsoft.com/office/drawing/2010/main" xmlns:ma14="http://schemas.microsoft.com/office/mac/drawingml/2011/main" val="1"/>
             </a:ext>
           </a:extLst>
         </p:spPr>
@@ -7276,7 +7277,7 @@
           </a:ln>
           <a:extLst>
             <a:ext uri="{C572A759-6A51-4108-AA02-DFA0A04FC94B}">
-              <ma14:wrappingTextBoxFlag xmlns:ma14="http://schemas.microsoft.com/office/mac/drawingml/2011/main" xmlns:a14="http://schemas.microsoft.com/office/drawing/2010/main" xmlns:m="http://schemas.openxmlformats.org/officeDocument/2006/math" xmlns="" val="1"/>
+              <ma14:wrappingTextBoxFlag xmlns="" xmlns:m="http://schemas.openxmlformats.org/officeDocument/2006/math" xmlns:a14="http://schemas.microsoft.com/office/drawing/2010/main" xmlns:ma14="http://schemas.microsoft.com/office/mac/drawingml/2011/main" val="1"/>
             </a:ext>
           </a:extLst>
         </p:spPr>
@@ -7467,7 +7468,7 @@
           </a:ln>
           <a:extLst>
             <a:ext uri="{C572A759-6A51-4108-AA02-DFA0A04FC94B}">
-              <ma14:wrappingTextBoxFlag xmlns:ma14="http://schemas.microsoft.com/office/mac/drawingml/2011/main" xmlns:a14="http://schemas.microsoft.com/office/drawing/2010/main" xmlns:m="http://schemas.openxmlformats.org/officeDocument/2006/math" xmlns="" val="1"/>
+              <ma14:wrappingTextBoxFlag xmlns="" xmlns:m="http://schemas.openxmlformats.org/officeDocument/2006/math" xmlns:a14="http://schemas.microsoft.com/office/drawing/2010/main" xmlns:ma14="http://schemas.microsoft.com/office/mac/drawingml/2011/main" val="1"/>
             </a:ext>
           </a:extLst>
         </p:spPr>
@@ -7510,7 +7511,7 @@
           </a:ln>
           <a:extLst>
             <a:ext uri="{C572A759-6A51-4108-AA02-DFA0A04FC94B}">
-              <ma14:wrappingTextBoxFlag xmlns:ma14="http://schemas.microsoft.com/office/mac/drawingml/2011/main" xmlns:a14="http://schemas.microsoft.com/office/drawing/2010/main" xmlns:m="http://schemas.openxmlformats.org/officeDocument/2006/math" xmlns="" val="1"/>
+              <ma14:wrappingTextBoxFlag xmlns="" xmlns:m="http://schemas.openxmlformats.org/officeDocument/2006/math" xmlns:a14="http://schemas.microsoft.com/office/drawing/2010/main" xmlns:ma14="http://schemas.microsoft.com/office/mac/drawingml/2011/main" val="1"/>
             </a:ext>
           </a:extLst>
         </p:spPr>
@@ -7556,7 +7557,7 @@
           </a:ln>
           <a:extLst>
             <a:ext uri="{C572A759-6A51-4108-AA02-DFA0A04FC94B}">
-              <ma14:wrappingTextBoxFlag xmlns:ma14="http://schemas.microsoft.com/office/mac/drawingml/2011/main" xmlns:a14="http://schemas.microsoft.com/office/drawing/2010/main" xmlns:m="http://schemas.openxmlformats.org/officeDocument/2006/math" xmlns="" val="1"/>
+              <ma14:wrappingTextBoxFlag xmlns="" xmlns:m="http://schemas.openxmlformats.org/officeDocument/2006/math" xmlns:a14="http://schemas.microsoft.com/office/drawing/2010/main" xmlns:ma14="http://schemas.microsoft.com/office/mac/drawingml/2011/main" val="1"/>
             </a:ext>
           </a:extLst>
         </p:spPr>
@@ -7599,7 +7600,7 @@
           </a:ln>
           <a:extLst>
             <a:ext uri="{C572A759-6A51-4108-AA02-DFA0A04FC94B}">
-              <ma14:wrappingTextBoxFlag xmlns:ma14="http://schemas.microsoft.com/office/mac/drawingml/2011/main" xmlns:a14="http://schemas.microsoft.com/office/drawing/2010/main" xmlns:m="http://schemas.openxmlformats.org/officeDocument/2006/math" xmlns="" val="1"/>
+              <ma14:wrappingTextBoxFlag xmlns="" xmlns:m="http://schemas.openxmlformats.org/officeDocument/2006/math" xmlns:a14="http://schemas.microsoft.com/office/drawing/2010/main" xmlns:ma14="http://schemas.microsoft.com/office/mac/drawingml/2011/main" val="1"/>
             </a:ext>
           </a:extLst>
         </p:spPr>
@@ -7725,7 +7726,7 @@
           </a:ln>
           <a:extLst>
             <a:ext uri="{C572A759-6A51-4108-AA02-DFA0A04FC94B}">
-              <ma14:wrappingTextBoxFlag xmlns:ma14="http://schemas.microsoft.com/office/mac/drawingml/2011/main" xmlns:a14="http://schemas.microsoft.com/office/drawing/2010/main" xmlns:m="http://schemas.openxmlformats.org/officeDocument/2006/math" xmlns="" val="1"/>
+              <ma14:wrappingTextBoxFlag xmlns="" xmlns:m="http://schemas.openxmlformats.org/officeDocument/2006/math" xmlns:a14="http://schemas.microsoft.com/office/drawing/2010/main" xmlns:ma14="http://schemas.microsoft.com/office/mac/drawingml/2011/main" val="1"/>
             </a:ext>
           </a:extLst>
         </p:spPr>
@@ -7775,7 +7776,7 @@
           </a:ln>
           <a:extLst>
             <a:ext uri="{C572A759-6A51-4108-AA02-DFA0A04FC94B}">
-              <ma14:wrappingTextBoxFlag xmlns:ma14="http://schemas.microsoft.com/office/mac/drawingml/2011/main" xmlns:a14="http://schemas.microsoft.com/office/drawing/2010/main" xmlns:m="http://schemas.openxmlformats.org/officeDocument/2006/math" xmlns="" val="1"/>
+              <ma14:wrappingTextBoxFlag xmlns="" xmlns:m="http://schemas.openxmlformats.org/officeDocument/2006/math" xmlns:a14="http://schemas.microsoft.com/office/drawing/2010/main" xmlns:ma14="http://schemas.microsoft.com/office/mac/drawingml/2011/main" val="1"/>
             </a:ext>
           </a:extLst>
         </p:spPr>
@@ -7810,7 +7811,7 @@
           </a:ln>
           <a:extLst>
             <a:ext uri="{C572A759-6A51-4108-AA02-DFA0A04FC94B}">
-              <ma14:wrappingTextBoxFlag xmlns:ma14="http://schemas.microsoft.com/office/mac/drawingml/2011/main" xmlns:a14="http://schemas.microsoft.com/office/drawing/2010/main" xmlns:m="http://schemas.openxmlformats.org/officeDocument/2006/math" xmlns="" val="1"/>
+              <ma14:wrappingTextBoxFlag xmlns="" xmlns:m="http://schemas.openxmlformats.org/officeDocument/2006/math" xmlns:a14="http://schemas.microsoft.com/office/drawing/2010/main" xmlns:ma14="http://schemas.microsoft.com/office/mac/drawingml/2011/main" val="1"/>
             </a:ext>
           </a:extLst>
         </p:spPr>
@@ -7845,7 +7846,7 @@
           </a:ln>
           <a:extLst>
             <a:ext uri="{C572A759-6A51-4108-AA02-DFA0A04FC94B}">
-              <ma14:wrappingTextBoxFlag xmlns:ma14="http://schemas.microsoft.com/office/mac/drawingml/2011/main" xmlns:a14="http://schemas.microsoft.com/office/drawing/2010/main" xmlns:m="http://schemas.openxmlformats.org/officeDocument/2006/math" xmlns="" val="1"/>
+              <ma14:wrappingTextBoxFlag xmlns="" xmlns:m="http://schemas.openxmlformats.org/officeDocument/2006/math" xmlns:a14="http://schemas.microsoft.com/office/drawing/2010/main" xmlns:ma14="http://schemas.microsoft.com/office/mac/drawingml/2011/main" val="1"/>
             </a:ext>
           </a:extLst>
         </p:spPr>
@@ -8296,7 +8297,7 @@
           </a:ln>
           <a:extLst>
             <a:ext uri="{C572A759-6A51-4108-AA02-DFA0A04FC94B}">
-              <ma14:wrappingTextBoxFlag xmlns:ma14="http://schemas.microsoft.com/office/mac/drawingml/2011/main" xmlns:a14="http://schemas.microsoft.com/office/drawing/2010/main" xmlns:m="http://schemas.openxmlformats.org/officeDocument/2006/math" xmlns="" val="1"/>
+              <ma14:wrappingTextBoxFlag xmlns="" xmlns:m="http://schemas.openxmlformats.org/officeDocument/2006/math" xmlns:a14="http://schemas.microsoft.com/office/drawing/2010/main" xmlns:ma14="http://schemas.microsoft.com/office/mac/drawingml/2011/main" val="1"/>
             </a:ext>
           </a:extLst>
         </p:spPr>
@@ -8346,7 +8347,7 @@
           </a:ln>
           <a:extLst>
             <a:ext uri="{C572A759-6A51-4108-AA02-DFA0A04FC94B}">
-              <ma14:wrappingTextBoxFlag xmlns:ma14="http://schemas.microsoft.com/office/mac/drawingml/2011/main" xmlns:a14="http://schemas.microsoft.com/office/drawing/2010/main" xmlns:m="http://schemas.openxmlformats.org/officeDocument/2006/math" xmlns="" val="1"/>
+              <ma14:wrappingTextBoxFlag xmlns="" xmlns:m="http://schemas.openxmlformats.org/officeDocument/2006/math" xmlns:a14="http://schemas.microsoft.com/office/drawing/2010/main" xmlns:ma14="http://schemas.microsoft.com/office/mac/drawingml/2011/main" val="1"/>
             </a:ext>
           </a:extLst>
         </p:spPr>
@@ -8381,7 +8382,7 @@
           </a:ln>
           <a:extLst>
             <a:ext uri="{C572A759-6A51-4108-AA02-DFA0A04FC94B}">
-              <ma14:wrappingTextBoxFlag xmlns:ma14="http://schemas.microsoft.com/office/mac/drawingml/2011/main" xmlns:a14="http://schemas.microsoft.com/office/drawing/2010/main" xmlns:m="http://schemas.openxmlformats.org/officeDocument/2006/math" xmlns="" val="1"/>
+              <ma14:wrappingTextBoxFlag xmlns="" xmlns:m="http://schemas.openxmlformats.org/officeDocument/2006/math" xmlns:a14="http://schemas.microsoft.com/office/drawing/2010/main" xmlns:ma14="http://schemas.microsoft.com/office/mac/drawingml/2011/main" val="1"/>
             </a:ext>
           </a:extLst>
         </p:spPr>
@@ -8470,7 +8471,7 @@
           </a:ln>
           <a:extLst>
             <a:ext uri="{C572A759-6A51-4108-AA02-DFA0A04FC94B}">
-              <ma14:wrappingTextBoxFlag xmlns:ma14="http://schemas.microsoft.com/office/mac/drawingml/2011/main" xmlns:a14="http://schemas.microsoft.com/office/drawing/2010/main" xmlns:m="http://schemas.openxmlformats.org/officeDocument/2006/math" xmlns="" val="1"/>
+              <ma14:wrappingTextBoxFlag xmlns="" xmlns:m="http://schemas.openxmlformats.org/officeDocument/2006/math" xmlns:a14="http://schemas.microsoft.com/office/drawing/2010/main" xmlns:ma14="http://schemas.microsoft.com/office/mac/drawingml/2011/main" val="1"/>
             </a:ext>
           </a:extLst>
         </p:spPr>
@@ -8679,7 +8680,7 @@
           </a:ln>
           <a:extLst>
             <a:ext uri="{C572A759-6A51-4108-AA02-DFA0A04FC94B}">
-              <ma14:wrappingTextBoxFlag xmlns:ma14="http://schemas.microsoft.com/office/mac/drawingml/2011/main" xmlns:a14="http://schemas.microsoft.com/office/drawing/2010/main" xmlns:m="http://schemas.openxmlformats.org/officeDocument/2006/math" xmlns="" val="1"/>
+              <ma14:wrappingTextBoxFlag xmlns="" xmlns:m="http://schemas.openxmlformats.org/officeDocument/2006/math" xmlns:a14="http://schemas.microsoft.com/office/drawing/2010/main" xmlns:ma14="http://schemas.microsoft.com/office/mac/drawingml/2011/main" val="1"/>
             </a:ext>
           </a:extLst>
         </p:spPr>
@@ -8729,7 +8730,7 @@
           </a:ln>
           <a:extLst>
             <a:ext uri="{C572A759-6A51-4108-AA02-DFA0A04FC94B}">
-              <ma14:wrappingTextBoxFlag xmlns:ma14="http://schemas.microsoft.com/office/mac/drawingml/2011/main" xmlns:a14="http://schemas.microsoft.com/office/drawing/2010/main" xmlns:m="http://schemas.openxmlformats.org/officeDocument/2006/math" xmlns="" val="1"/>
+              <ma14:wrappingTextBoxFlag xmlns="" xmlns:m="http://schemas.openxmlformats.org/officeDocument/2006/math" xmlns:a14="http://schemas.microsoft.com/office/drawing/2010/main" xmlns:ma14="http://schemas.microsoft.com/office/mac/drawingml/2011/main" val="1"/>
             </a:ext>
           </a:extLst>
         </p:spPr>
@@ -8764,7 +8765,7 @@
           </a:ln>
           <a:extLst>
             <a:ext uri="{C572A759-6A51-4108-AA02-DFA0A04FC94B}">
-              <ma14:wrappingTextBoxFlag xmlns:ma14="http://schemas.microsoft.com/office/mac/drawingml/2011/main" xmlns:a14="http://schemas.microsoft.com/office/drawing/2010/main" xmlns:m="http://schemas.openxmlformats.org/officeDocument/2006/math" xmlns="" val="1"/>
+              <ma14:wrappingTextBoxFlag xmlns="" xmlns:m="http://schemas.openxmlformats.org/officeDocument/2006/math" xmlns:a14="http://schemas.microsoft.com/office/drawing/2010/main" xmlns:ma14="http://schemas.microsoft.com/office/mac/drawingml/2011/main" val="1"/>
             </a:ext>
           </a:extLst>
         </p:spPr>
@@ -8799,7 +8800,7 @@
           </a:ln>
           <a:extLst>
             <a:ext uri="{C572A759-6A51-4108-AA02-DFA0A04FC94B}">
-              <ma14:wrappingTextBoxFlag xmlns:ma14="http://schemas.microsoft.com/office/mac/drawingml/2011/main" xmlns:a14="http://schemas.microsoft.com/office/drawing/2010/main" xmlns:m="http://schemas.openxmlformats.org/officeDocument/2006/math" xmlns="" val="1"/>
+              <ma14:wrappingTextBoxFlag xmlns="" xmlns:m="http://schemas.openxmlformats.org/officeDocument/2006/math" xmlns:a14="http://schemas.microsoft.com/office/drawing/2010/main" xmlns:ma14="http://schemas.microsoft.com/office/mac/drawingml/2011/main" val="1"/>
             </a:ext>
           </a:extLst>
         </p:spPr>
@@ -9064,7 +9065,7 @@
           </a:ln>
           <a:extLst>
             <a:ext uri="{C572A759-6A51-4108-AA02-DFA0A04FC94B}">
-              <ma14:wrappingTextBoxFlag xmlns:ma14="http://schemas.microsoft.com/office/mac/drawingml/2011/main" xmlns:a14="http://schemas.microsoft.com/office/drawing/2010/main" xmlns:m="http://schemas.openxmlformats.org/officeDocument/2006/math" xmlns="" val="1"/>
+              <ma14:wrappingTextBoxFlag xmlns="" xmlns:m="http://schemas.openxmlformats.org/officeDocument/2006/math" xmlns:a14="http://schemas.microsoft.com/office/drawing/2010/main" xmlns:ma14="http://schemas.microsoft.com/office/mac/drawingml/2011/main" val="1"/>
             </a:ext>
           </a:extLst>
         </p:spPr>
@@ -9190,7 +9191,7 @@
           </a:ln>
           <a:extLst>
             <a:ext uri="{C572A759-6A51-4108-AA02-DFA0A04FC94B}">
-              <ma14:wrappingTextBoxFlag xmlns:ma14="http://schemas.microsoft.com/office/mac/drawingml/2011/main" xmlns:a14="http://schemas.microsoft.com/office/drawing/2010/main" xmlns:m="http://schemas.openxmlformats.org/officeDocument/2006/math" xmlns="" val="1"/>
+              <ma14:wrappingTextBoxFlag xmlns="" xmlns:m="http://schemas.openxmlformats.org/officeDocument/2006/math" xmlns:a14="http://schemas.microsoft.com/office/drawing/2010/main" xmlns:ma14="http://schemas.microsoft.com/office/mac/drawingml/2011/main" val="1"/>
             </a:ext>
           </a:extLst>
         </p:spPr>
@@ -9329,7 +9330,7 @@
           </a:ln>
           <a:extLst>
             <a:ext uri="{C572A759-6A51-4108-AA02-DFA0A04FC94B}">
-              <ma14:wrappingTextBoxFlag xmlns:ma14="http://schemas.microsoft.com/office/mac/drawingml/2011/main" xmlns:a14="http://schemas.microsoft.com/office/drawing/2010/main" xmlns:m="http://schemas.openxmlformats.org/officeDocument/2006/math" xmlns="" val="1"/>
+              <ma14:wrappingTextBoxFlag xmlns="" xmlns:m="http://schemas.openxmlformats.org/officeDocument/2006/math" xmlns:a14="http://schemas.microsoft.com/office/drawing/2010/main" xmlns:ma14="http://schemas.microsoft.com/office/mac/drawingml/2011/main" val="1"/>
             </a:ext>
           </a:extLst>
         </p:spPr>
@@ -9364,7 +9365,7 @@
           </a:ln>
           <a:extLst>
             <a:ext uri="{C572A759-6A51-4108-AA02-DFA0A04FC94B}">
-              <ma14:wrappingTextBoxFlag xmlns:ma14="http://schemas.microsoft.com/office/mac/drawingml/2011/main" xmlns:a14="http://schemas.microsoft.com/office/drawing/2010/main" xmlns:m="http://schemas.openxmlformats.org/officeDocument/2006/math" xmlns="" val="1"/>
+              <ma14:wrappingTextBoxFlag xmlns="" xmlns:m="http://schemas.openxmlformats.org/officeDocument/2006/math" xmlns:a14="http://schemas.microsoft.com/office/drawing/2010/main" xmlns:ma14="http://schemas.microsoft.com/office/mac/drawingml/2011/main" val="1"/>
             </a:ext>
           </a:extLst>
         </p:spPr>
@@ -9475,7 +9476,7 @@
           </a:ln>
           <a:extLst>
             <a:ext uri="{C572A759-6A51-4108-AA02-DFA0A04FC94B}">
-              <ma14:wrappingTextBoxFlag xmlns="" xmlns:m="http://schemas.openxmlformats.org/officeDocument/2006/math" xmlns:a14="http://schemas.microsoft.com/office/drawing/2010/main" xmlns:ma14="http://schemas.microsoft.com/office/mac/drawingml/2011/main" val="1"/>
+              <ma14:wrappingTextBoxFlag xmlns:ma14="http://schemas.microsoft.com/office/mac/drawingml/2011/main" xmlns:a14="http://schemas.microsoft.com/office/drawing/2010/main" xmlns:m="http://schemas.openxmlformats.org/officeDocument/2006/math" xmlns="" val="1"/>
             </a:ext>
           </a:extLst>
         </p:spPr>
@@ -9548,7 +9549,7 @@
           </a:ln>
           <a:extLst>
             <a:ext uri="{C572A759-6A51-4108-AA02-DFA0A04FC94B}">
-              <ma14:wrappingTextBoxFlag xmlns="" xmlns:m="http://schemas.openxmlformats.org/officeDocument/2006/math" xmlns:a14="http://schemas.microsoft.com/office/drawing/2010/main" xmlns:ma14="http://schemas.microsoft.com/office/mac/drawingml/2011/main" val="1"/>
+              <ma14:wrappingTextBoxFlag xmlns:ma14="http://schemas.microsoft.com/office/mac/drawingml/2011/main" xmlns:a14="http://schemas.microsoft.com/office/drawing/2010/main" xmlns:m="http://schemas.openxmlformats.org/officeDocument/2006/math" xmlns="" val="1"/>
             </a:ext>
           </a:extLst>
         </p:spPr>
@@ -9583,7 +9584,7 @@
           </a:ln>
           <a:extLst>
             <a:ext uri="{C572A759-6A51-4108-AA02-DFA0A04FC94B}">
-              <ma14:wrappingTextBoxFlag xmlns="" xmlns:m="http://schemas.openxmlformats.org/officeDocument/2006/math" xmlns:a14="http://schemas.microsoft.com/office/drawing/2010/main" xmlns:ma14="http://schemas.microsoft.com/office/mac/drawingml/2011/main" val="1"/>
+              <ma14:wrappingTextBoxFlag xmlns:ma14="http://schemas.microsoft.com/office/mac/drawingml/2011/main" xmlns:a14="http://schemas.microsoft.com/office/drawing/2010/main" xmlns:m="http://schemas.openxmlformats.org/officeDocument/2006/math" xmlns="" val="1"/>
             </a:ext>
           </a:extLst>
         </p:spPr>
@@ -9618,7 +9619,7 @@
           </a:ln>
           <a:extLst>
             <a:ext uri="{C572A759-6A51-4108-AA02-DFA0A04FC94B}">
-              <ma14:wrappingTextBoxFlag xmlns="" xmlns:m="http://schemas.openxmlformats.org/officeDocument/2006/math" xmlns:a14="http://schemas.microsoft.com/office/drawing/2010/main" xmlns:ma14="http://schemas.microsoft.com/office/mac/drawingml/2011/main" val="1"/>
+              <ma14:wrappingTextBoxFlag xmlns:ma14="http://schemas.microsoft.com/office/mac/drawingml/2011/main" xmlns:a14="http://schemas.microsoft.com/office/drawing/2010/main" xmlns:m="http://schemas.openxmlformats.org/officeDocument/2006/math" xmlns="" val="1"/>
             </a:ext>
           </a:extLst>
         </p:spPr>
@@ -10459,7 +10460,7 @@
           </a:ln>
           <a:extLst>
             <a:ext uri="{C572A759-6A51-4108-AA02-DFA0A04FC94B}">
-              <ma14:wrappingTextBoxFlag xmlns:ma14="http://schemas.microsoft.com/office/mac/drawingml/2011/main" xmlns:a14="http://schemas.microsoft.com/office/drawing/2010/main" xmlns:m="http://schemas.openxmlformats.org/officeDocument/2006/math" xmlns="" val="1"/>
+              <ma14:wrappingTextBoxFlag xmlns="" xmlns:m="http://schemas.openxmlformats.org/officeDocument/2006/math" xmlns:a14="http://schemas.microsoft.com/office/drawing/2010/main" xmlns:ma14="http://schemas.microsoft.com/office/mac/drawingml/2011/main" val="1"/>
             </a:ext>
           </a:extLst>
         </p:spPr>
@@ -10537,7 +10538,7 @@
           </a:ln>
           <a:extLst>
             <a:ext uri="{C572A759-6A51-4108-AA02-DFA0A04FC94B}">
-              <ma14:wrappingTextBoxFlag xmlns:ma14="http://schemas.microsoft.com/office/mac/drawingml/2011/main" xmlns:a14="http://schemas.microsoft.com/office/drawing/2010/main" xmlns:m="http://schemas.openxmlformats.org/officeDocument/2006/math" xmlns="" val="1"/>
+              <ma14:wrappingTextBoxFlag xmlns="" xmlns:m="http://schemas.openxmlformats.org/officeDocument/2006/math" xmlns:a14="http://schemas.microsoft.com/office/drawing/2010/main" xmlns:ma14="http://schemas.microsoft.com/office/mac/drawingml/2011/main" val="1"/>
             </a:ext>
           </a:extLst>
         </p:spPr>
@@ -10572,7 +10573,7 @@
           </a:ln>
           <a:extLst>
             <a:ext uri="{C572A759-6A51-4108-AA02-DFA0A04FC94B}">
-              <ma14:wrappingTextBoxFlag xmlns:ma14="http://schemas.microsoft.com/office/mac/drawingml/2011/main" xmlns:a14="http://schemas.microsoft.com/office/drawing/2010/main" xmlns:m="http://schemas.openxmlformats.org/officeDocument/2006/math" xmlns="" val="1"/>
+              <ma14:wrappingTextBoxFlag xmlns="" xmlns:m="http://schemas.openxmlformats.org/officeDocument/2006/math" xmlns:a14="http://schemas.microsoft.com/office/drawing/2010/main" xmlns:ma14="http://schemas.microsoft.com/office/mac/drawingml/2011/main" val="1"/>
             </a:ext>
           </a:extLst>
         </p:spPr>
@@ -10607,7 +10608,7 @@
           </a:ln>
           <a:extLst>
             <a:ext uri="{C572A759-6A51-4108-AA02-DFA0A04FC94B}">
-              <ma14:wrappingTextBoxFlag xmlns:ma14="http://schemas.microsoft.com/office/mac/drawingml/2011/main" xmlns:a14="http://schemas.microsoft.com/office/drawing/2010/main" xmlns:m="http://schemas.openxmlformats.org/officeDocument/2006/math" xmlns="" val="1"/>
+              <ma14:wrappingTextBoxFlag xmlns="" xmlns:m="http://schemas.openxmlformats.org/officeDocument/2006/math" xmlns:a14="http://schemas.microsoft.com/office/drawing/2010/main" xmlns:ma14="http://schemas.microsoft.com/office/mac/drawingml/2011/main" val="1"/>
             </a:ext>
           </a:extLst>
         </p:spPr>
@@ -11281,7 +11282,7 @@
           </a:ln>
           <a:extLst>
             <a:ext uri="{C572A759-6A51-4108-AA02-DFA0A04FC94B}">
-              <ma14:wrappingTextBoxFlag xmlns:ma14="http://schemas.microsoft.com/office/mac/drawingml/2011/main" xmlns:a14="http://schemas.microsoft.com/office/drawing/2010/main" xmlns:m="http://schemas.openxmlformats.org/officeDocument/2006/math" xmlns="" val="1"/>
+              <ma14:wrappingTextBoxFlag xmlns="" xmlns:m="http://schemas.openxmlformats.org/officeDocument/2006/math" xmlns:a14="http://schemas.microsoft.com/office/drawing/2010/main" xmlns:ma14="http://schemas.microsoft.com/office/mac/drawingml/2011/main" val="1"/>
             </a:ext>
           </a:extLst>
         </p:spPr>
@@ -11408,7 +11409,7 @@
           </a:ln>
           <a:extLst>
             <a:ext uri="{C572A759-6A51-4108-AA02-DFA0A04FC94B}">
-              <ma14:wrappingTextBoxFlag xmlns:ma14="http://schemas.microsoft.com/office/mac/drawingml/2011/main" xmlns:a14="http://schemas.microsoft.com/office/drawing/2010/main" xmlns:m="http://schemas.openxmlformats.org/officeDocument/2006/math" xmlns="" val="1"/>
+              <ma14:wrappingTextBoxFlag xmlns="" xmlns:m="http://schemas.openxmlformats.org/officeDocument/2006/math" xmlns:a14="http://schemas.microsoft.com/office/drawing/2010/main" xmlns:ma14="http://schemas.microsoft.com/office/mac/drawingml/2011/main" val="1"/>
             </a:ext>
           </a:extLst>
         </p:spPr>
@@ -11443,7 +11444,7 @@
           </a:ln>
           <a:extLst>
             <a:ext uri="{C572A759-6A51-4108-AA02-DFA0A04FC94B}">
-              <ma14:wrappingTextBoxFlag xmlns:ma14="http://schemas.microsoft.com/office/mac/drawingml/2011/main" xmlns:a14="http://schemas.microsoft.com/office/drawing/2010/main" xmlns:m="http://schemas.openxmlformats.org/officeDocument/2006/math" xmlns="" val="1"/>
+              <ma14:wrappingTextBoxFlag xmlns="" xmlns:m="http://schemas.openxmlformats.org/officeDocument/2006/math" xmlns:a14="http://schemas.microsoft.com/office/drawing/2010/main" xmlns:ma14="http://schemas.microsoft.com/office/mac/drawingml/2011/main" val="1"/>
             </a:ext>
           </a:extLst>
         </p:spPr>
@@ -11554,7 +11555,7 @@
           </a:ln>
           <a:extLst>
             <a:ext uri="{C572A759-6A51-4108-AA02-DFA0A04FC94B}">
-              <ma14:wrappingTextBoxFlag xmlns="" xmlns:m="http://schemas.openxmlformats.org/officeDocument/2006/math" xmlns:a14="http://schemas.microsoft.com/office/drawing/2010/main" xmlns:ma14="http://schemas.microsoft.com/office/mac/drawingml/2011/main" val="1"/>
+              <ma14:wrappingTextBoxFlag xmlns:ma14="http://schemas.microsoft.com/office/mac/drawingml/2011/main" xmlns:a14="http://schemas.microsoft.com/office/drawing/2010/main" xmlns:m="http://schemas.openxmlformats.org/officeDocument/2006/math" xmlns="" val="1"/>
             </a:ext>
           </a:extLst>
         </p:spPr>
@@ -11628,7 +11629,7 @@
           </a:ln>
           <a:extLst>
             <a:ext uri="{C572A759-6A51-4108-AA02-DFA0A04FC94B}">
-              <ma14:wrappingTextBoxFlag xmlns="" xmlns:m="http://schemas.openxmlformats.org/officeDocument/2006/math" xmlns:a14="http://schemas.microsoft.com/office/drawing/2010/main" xmlns:ma14="http://schemas.microsoft.com/office/mac/drawingml/2011/main" val="1"/>
+              <ma14:wrappingTextBoxFlag xmlns:ma14="http://schemas.microsoft.com/office/mac/drawingml/2011/main" xmlns:a14="http://schemas.microsoft.com/office/drawing/2010/main" xmlns:m="http://schemas.openxmlformats.org/officeDocument/2006/math" xmlns="" val="1"/>
             </a:ext>
           </a:extLst>
         </p:spPr>
@@ -11663,7 +11664,7 @@
           </a:ln>
           <a:extLst>
             <a:ext uri="{C572A759-6A51-4108-AA02-DFA0A04FC94B}">
-              <ma14:wrappingTextBoxFlag xmlns="" xmlns:m="http://schemas.openxmlformats.org/officeDocument/2006/math" xmlns:a14="http://schemas.microsoft.com/office/drawing/2010/main" xmlns:ma14="http://schemas.microsoft.com/office/mac/drawingml/2011/main" val="1"/>
+              <ma14:wrappingTextBoxFlag xmlns:ma14="http://schemas.microsoft.com/office/mac/drawingml/2011/main" xmlns:a14="http://schemas.microsoft.com/office/drawing/2010/main" xmlns:m="http://schemas.openxmlformats.org/officeDocument/2006/math" xmlns="" val="1"/>
             </a:ext>
           </a:extLst>
         </p:spPr>
@@ -11698,7 +11699,7 @@
           </a:ln>
           <a:extLst>
             <a:ext uri="{C572A759-6A51-4108-AA02-DFA0A04FC94B}">
-              <ma14:wrappingTextBoxFlag xmlns="" xmlns:m="http://schemas.openxmlformats.org/officeDocument/2006/math" xmlns:a14="http://schemas.microsoft.com/office/drawing/2010/main" xmlns:ma14="http://schemas.microsoft.com/office/mac/drawingml/2011/main" val="1"/>
+              <ma14:wrappingTextBoxFlag xmlns:ma14="http://schemas.microsoft.com/office/mac/drawingml/2011/main" xmlns:a14="http://schemas.microsoft.com/office/drawing/2010/main" xmlns:m="http://schemas.openxmlformats.org/officeDocument/2006/math" xmlns="" val="1"/>
             </a:ext>
           </a:extLst>
         </p:spPr>
@@ -11752,7 +11753,7 @@
         <p:spPr>
           <a:xfrm>
             <a:off x="3085875" y="2698938"/>
-            <a:ext cx="5947893" cy="2002728"/>
+            <a:ext cx="5947893" cy="1725729"/>
           </a:xfrm>
           <a:prstGeom prst="rect">
             <a:avLst/>
@@ -11939,59 +11940,8 @@
                 <a:effectLst/>
                 <a:latin typeface="Söhne"/>
               </a:rPr>
-              <a:t>. </a:t>
-            </a:r>
-          </a:p>
-          <a:p>
-            <a:pPr marL="285750" indent="-285750" algn="l">
-              <a:buFont typeface="Wingdings" pitchFamily="2" charset="2"/>
-              <a:buChar char="è"/>
-            </a:pPr>
-            <a:r>
-              <a:rPr lang="en-GB" sz="1200" b="1" dirty="0">
-                <a:solidFill>
-                  <a:srgbClr val="374151"/>
-                </a:solidFill>
-                <a:latin typeface="Söhne"/>
-              </a:rPr>
-              <a:t>G</a:t>
-            </a:r>
-            <a:r>
-              <a:rPr lang="en-GB" sz="1200" b="1" i="0" dirty="0">
-                <a:solidFill>
-                  <a:srgbClr val="374151"/>
-                </a:solidFill>
-                <a:effectLst/>
-                <a:latin typeface="Söhne"/>
-              </a:rPr>
-              <a:t>enerative model: </a:t>
-            </a:r>
-            <a:r>
-              <a:rPr lang="en-GB" sz="1200" b="1" dirty="0">
-                <a:solidFill>
-                  <a:srgbClr val="374151"/>
-                </a:solidFill>
-                <a:latin typeface="Söhne"/>
-              </a:rPr>
-              <a:t>once trained, </a:t>
-            </a:r>
-            <a:r>
-              <a:rPr lang="en-GB" sz="1200" i="0" dirty="0">
-                <a:solidFill>
-                  <a:srgbClr val="374151"/>
-                </a:solidFill>
-                <a:effectLst/>
-                <a:latin typeface="Söhne"/>
-              </a:rPr>
-              <a:t>can sample latent vector z and generate data point </a:t>
-            </a:r>
-            <a:endParaRPr lang="en-GB" sz="1200" i="0" dirty="0">
-              <a:solidFill>
-                <a:schemeClr val="bg2"/>
-              </a:solidFill>
-              <a:effectLst/>
-              <a:latin typeface="Söhne"/>
-            </a:endParaRPr>
+              <a:t>.</a:t>
+            </a:r>
           </a:p>
         </p:txBody>
       </p:sp>
@@ -12131,7 +12081,7 @@
           </a:ln>
           <a:extLst>
             <a:ext uri="{C572A759-6A51-4108-AA02-DFA0A04FC94B}">
-              <ma14:wrappingTextBoxFlag xmlns:ma14="http://schemas.microsoft.com/office/mac/drawingml/2011/main" xmlns:a14="http://schemas.microsoft.com/office/drawing/2010/main" xmlns:m="http://schemas.openxmlformats.org/officeDocument/2006/math" xmlns="" val="1"/>
+              <ma14:wrappingTextBoxFlag xmlns="" xmlns:m="http://schemas.openxmlformats.org/officeDocument/2006/math" xmlns:a14="http://schemas.microsoft.com/office/drawing/2010/main" xmlns:ma14="http://schemas.microsoft.com/office/mac/drawingml/2011/main" val="1"/>
             </a:ext>
           </a:extLst>
         </p:spPr>
@@ -12211,7 +12161,7 @@
           </a:ln>
           <a:extLst>
             <a:ext uri="{C572A759-6A51-4108-AA02-DFA0A04FC94B}">
-              <ma14:wrappingTextBoxFlag xmlns:ma14="http://schemas.microsoft.com/office/mac/drawingml/2011/main" xmlns:a14="http://schemas.microsoft.com/office/drawing/2010/main" xmlns:m="http://schemas.openxmlformats.org/officeDocument/2006/math" xmlns="" val="1"/>
+              <ma14:wrappingTextBoxFlag xmlns="" xmlns:m="http://schemas.openxmlformats.org/officeDocument/2006/math" xmlns:a14="http://schemas.microsoft.com/office/drawing/2010/main" xmlns:ma14="http://schemas.microsoft.com/office/mac/drawingml/2011/main" val="1"/>
             </a:ext>
           </a:extLst>
         </p:spPr>
@@ -12246,7 +12196,7 @@
           </a:ln>
           <a:extLst>
             <a:ext uri="{C572A759-6A51-4108-AA02-DFA0A04FC94B}">
-              <ma14:wrappingTextBoxFlag xmlns:ma14="http://schemas.microsoft.com/office/mac/drawingml/2011/main" xmlns:a14="http://schemas.microsoft.com/office/drawing/2010/main" xmlns:m="http://schemas.openxmlformats.org/officeDocument/2006/math" xmlns="" val="1"/>
+              <ma14:wrappingTextBoxFlag xmlns="" xmlns:m="http://schemas.openxmlformats.org/officeDocument/2006/math" xmlns:a14="http://schemas.microsoft.com/office/drawing/2010/main" xmlns:ma14="http://schemas.microsoft.com/office/mac/drawingml/2011/main" val="1"/>
             </a:ext>
           </a:extLst>
         </p:spPr>
@@ -12281,7 +12231,7 @@
           </a:ln>
           <a:extLst>
             <a:ext uri="{C572A759-6A51-4108-AA02-DFA0A04FC94B}">
-              <ma14:wrappingTextBoxFlag xmlns:ma14="http://schemas.microsoft.com/office/mac/drawingml/2011/main" xmlns:a14="http://schemas.microsoft.com/office/drawing/2010/main" xmlns:m="http://schemas.openxmlformats.org/officeDocument/2006/math" xmlns="" val="1"/>
+              <ma14:wrappingTextBoxFlag xmlns="" xmlns:m="http://schemas.openxmlformats.org/officeDocument/2006/math" xmlns:a14="http://schemas.microsoft.com/office/drawing/2010/main" xmlns:ma14="http://schemas.microsoft.com/office/mac/drawingml/2011/main" val="1"/>
             </a:ext>
           </a:extLst>
         </p:spPr>
@@ -12335,7 +12285,7 @@
         <p:spPr>
           <a:xfrm>
             <a:off x="3085875" y="2698938"/>
-            <a:ext cx="5947893" cy="2002664"/>
+            <a:ext cx="5947893" cy="2556726"/>
           </a:xfrm>
           <a:prstGeom prst="rect">
             <a:avLst/>
@@ -12528,6 +12478,60 @@
               </a:rPr>
               <a:t>data generation and interpolation.</a:t>
             </a:r>
+          </a:p>
+          <a:p>
+            <a:pPr marL="285750" indent="-285750" algn="l">
+              <a:buFont typeface="Wingdings" pitchFamily="2" charset="2"/>
+              <a:buChar char="è"/>
+            </a:pPr>
+            <a:r>
+              <a:rPr lang="en-GB" sz="1200" b="1" dirty="0">
+                <a:solidFill>
+                  <a:srgbClr val="374151"/>
+                </a:solidFill>
+                <a:latin typeface="Söhne"/>
+              </a:rPr>
+              <a:t>G</a:t>
+            </a:r>
+            <a:r>
+              <a:rPr lang="en-GB" sz="1200" b="1" i="0" dirty="0">
+                <a:solidFill>
+                  <a:srgbClr val="374151"/>
+                </a:solidFill>
+                <a:effectLst/>
+                <a:latin typeface="Söhne"/>
+              </a:rPr>
+              <a:t>enerative model: </a:t>
+            </a:r>
+            <a:r>
+              <a:rPr lang="en-GB" sz="1200" b="1" dirty="0">
+                <a:solidFill>
+                  <a:srgbClr val="374151"/>
+                </a:solidFill>
+                <a:latin typeface="Söhne"/>
+              </a:rPr>
+              <a:t>once trained, </a:t>
+            </a:r>
+            <a:r>
+              <a:rPr lang="en-GB" sz="1200" i="0" dirty="0">
+                <a:solidFill>
+                  <a:srgbClr val="374151"/>
+                </a:solidFill>
+                <a:effectLst/>
+                <a:latin typeface="Söhne"/>
+              </a:rPr>
+              <a:t>can sample latent vector z and generate data point </a:t>
+            </a:r>
+            <a:endParaRPr lang="en-GB" sz="1200" i="0" dirty="0">
+              <a:solidFill>
+                <a:schemeClr val="bg2"/>
+              </a:solidFill>
+              <a:effectLst/>
+              <a:latin typeface="Söhne"/>
+            </a:endParaRPr>
+          </a:p>
+          <a:p>
+            <a:pPr algn="l"/>
             <a:endParaRPr lang="en-DK" sz="1200" b="1" dirty="0">
               <a:solidFill>
                 <a:schemeClr val="bg2"/>
@@ -12671,7 +12675,7 @@
           </a:ln>
           <a:extLst>
             <a:ext uri="{C572A759-6A51-4108-AA02-DFA0A04FC94B}">
-              <ma14:wrappingTextBoxFlag xmlns="" xmlns:m="http://schemas.openxmlformats.org/officeDocument/2006/math" xmlns:a14="http://schemas.microsoft.com/office/drawing/2010/main" xmlns:ma14="http://schemas.microsoft.com/office/mac/drawingml/2011/main" val="1"/>
+              <ma14:wrappingTextBoxFlag xmlns:ma14="http://schemas.microsoft.com/office/mac/drawingml/2011/main" xmlns:a14="http://schemas.microsoft.com/office/drawing/2010/main" xmlns:m="http://schemas.openxmlformats.org/officeDocument/2006/math" xmlns="" val="1"/>
             </a:ext>
           </a:extLst>
         </p:spPr>
@@ -12751,7 +12755,7 @@
           </a:ln>
           <a:extLst>
             <a:ext uri="{C572A759-6A51-4108-AA02-DFA0A04FC94B}">
-              <ma14:wrappingTextBoxFlag xmlns="" xmlns:m="http://schemas.openxmlformats.org/officeDocument/2006/math" xmlns:a14="http://schemas.microsoft.com/office/drawing/2010/main" xmlns:ma14="http://schemas.microsoft.com/office/mac/drawingml/2011/main" val="1"/>
+              <ma14:wrappingTextBoxFlag xmlns:ma14="http://schemas.microsoft.com/office/mac/drawingml/2011/main" xmlns:a14="http://schemas.microsoft.com/office/drawing/2010/main" xmlns:m="http://schemas.openxmlformats.org/officeDocument/2006/math" xmlns="" val="1"/>
             </a:ext>
           </a:extLst>
         </p:spPr>
@@ -12786,7 +12790,7 @@
           </a:ln>
           <a:extLst>
             <a:ext uri="{C572A759-6A51-4108-AA02-DFA0A04FC94B}">
-              <ma14:wrappingTextBoxFlag xmlns="" xmlns:m="http://schemas.openxmlformats.org/officeDocument/2006/math" xmlns:a14="http://schemas.microsoft.com/office/drawing/2010/main" xmlns:ma14="http://schemas.microsoft.com/office/mac/drawingml/2011/main" val="1"/>
+              <ma14:wrappingTextBoxFlag xmlns:ma14="http://schemas.microsoft.com/office/mac/drawingml/2011/main" xmlns:a14="http://schemas.microsoft.com/office/drawing/2010/main" xmlns:m="http://schemas.openxmlformats.org/officeDocument/2006/math" xmlns="" val="1"/>
             </a:ext>
           </a:extLst>
         </p:spPr>
@@ -12821,7 +12825,7 @@
           </a:ln>
           <a:extLst>
             <a:ext uri="{C572A759-6A51-4108-AA02-DFA0A04FC94B}">
-              <ma14:wrappingTextBoxFlag xmlns="" xmlns:m="http://schemas.openxmlformats.org/officeDocument/2006/math" xmlns:a14="http://schemas.microsoft.com/office/drawing/2010/main" xmlns:ma14="http://schemas.microsoft.com/office/mac/drawingml/2011/main" val="1"/>
+              <ma14:wrappingTextBoxFlag xmlns:ma14="http://schemas.microsoft.com/office/mac/drawingml/2011/main" xmlns:a14="http://schemas.microsoft.com/office/drawing/2010/main" xmlns:m="http://schemas.openxmlformats.org/officeDocument/2006/math" xmlns="" val="1"/>
             </a:ext>
           </a:extLst>
         </p:spPr>
@@ -13097,7 +13101,7 @@
           </a:ln>
           <a:extLst>
             <a:ext uri="{C572A759-6A51-4108-AA02-DFA0A04FC94B}">
-              <ma14:wrappingTextBoxFlag xmlns:ma14="http://schemas.microsoft.com/office/mac/drawingml/2011/main" xmlns:a14="http://schemas.microsoft.com/office/drawing/2010/main" xmlns:m="http://schemas.openxmlformats.org/officeDocument/2006/math" xmlns="" val="1"/>
+              <ma14:wrappingTextBoxFlag xmlns="" xmlns:m="http://schemas.openxmlformats.org/officeDocument/2006/math" xmlns:a14="http://schemas.microsoft.com/office/drawing/2010/main" xmlns:ma14="http://schemas.microsoft.com/office/mac/drawingml/2011/main" val="1"/>
             </a:ext>
           </a:extLst>
         </p:spPr>
@@ -13165,7 +13169,7 @@
           </a:ln>
           <a:extLst>
             <a:ext uri="{C572A759-6A51-4108-AA02-DFA0A04FC94B}">
-              <ma14:wrappingTextBoxFlag xmlns:ma14="http://schemas.microsoft.com/office/mac/drawingml/2011/main" xmlns:a14="http://schemas.microsoft.com/office/drawing/2010/main" xmlns:m="http://schemas.openxmlformats.org/officeDocument/2006/math" xmlns="" val="1"/>
+              <ma14:wrappingTextBoxFlag xmlns="" xmlns:m="http://schemas.openxmlformats.org/officeDocument/2006/math" xmlns:a14="http://schemas.microsoft.com/office/drawing/2010/main" xmlns:ma14="http://schemas.microsoft.com/office/mac/drawingml/2011/main" val="1"/>
             </a:ext>
           </a:extLst>
         </p:spPr>
@@ -13200,7 +13204,7 @@
           </a:ln>
           <a:extLst>
             <a:ext uri="{C572A759-6A51-4108-AA02-DFA0A04FC94B}">
-              <ma14:wrappingTextBoxFlag xmlns:ma14="http://schemas.microsoft.com/office/mac/drawingml/2011/main" xmlns:a14="http://schemas.microsoft.com/office/drawing/2010/main" xmlns:m="http://schemas.openxmlformats.org/officeDocument/2006/math" xmlns="" val="1"/>
+              <ma14:wrappingTextBoxFlag xmlns="" xmlns:m="http://schemas.openxmlformats.org/officeDocument/2006/math" xmlns:a14="http://schemas.microsoft.com/office/drawing/2010/main" xmlns:ma14="http://schemas.microsoft.com/office/mac/drawingml/2011/main" val="1"/>
             </a:ext>
           </a:extLst>
         </p:spPr>
@@ -13262,7 +13266,7 @@
           </a:ln>
           <a:extLst>
             <a:ext uri="{C572A759-6A51-4108-AA02-DFA0A04FC94B}">
-              <ma14:wrappingTextBoxFlag xmlns:ma14="http://schemas.microsoft.com/office/mac/drawingml/2011/main" xmlns:a14="http://schemas.microsoft.com/office/drawing/2010/main" xmlns:m="http://schemas.openxmlformats.org/officeDocument/2006/math" xmlns="" val="1"/>
+              <ma14:wrappingTextBoxFlag xmlns="" xmlns:m="http://schemas.openxmlformats.org/officeDocument/2006/math" xmlns:a14="http://schemas.microsoft.com/office/drawing/2010/main" xmlns:ma14="http://schemas.microsoft.com/office/mac/drawingml/2011/main" val="1"/>
             </a:ext>
           </a:extLst>
         </p:spPr>
@@ -13377,7 +13381,7 @@
           </a:ln>
           <a:extLst>
             <a:ext uri="{C572A759-6A51-4108-AA02-DFA0A04FC94B}">
-              <ma14:wrappingTextBoxFlag xmlns:ma14="http://schemas.microsoft.com/office/mac/drawingml/2011/main" xmlns:a14="http://schemas.microsoft.com/office/drawing/2010/main" xmlns:m="http://schemas.openxmlformats.org/officeDocument/2006/math" xmlns="" val="1"/>
+              <ma14:wrappingTextBoxFlag xmlns="" xmlns:m="http://schemas.openxmlformats.org/officeDocument/2006/math" xmlns:a14="http://schemas.microsoft.com/office/drawing/2010/main" xmlns:ma14="http://schemas.microsoft.com/office/mac/drawingml/2011/main" val="1"/>
             </a:ext>
           </a:extLst>
         </p:spPr>
@@ -13452,7 +13456,7 @@
           </a:ln>
           <a:extLst>
             <a:ext uri="{C572A759-6A51-4108-AA02-DFA0A04FC94B}">
-              <ma14:wrappingTextBoxFlag xmlns:ma14="http://schemas.microsoft.com/office/mac/drawingml/2011/main" xmlns:a14="http://schemas.microsoft.com/office/drawing/2010/main" xmlns:m="http://schemas.openxmlformats.org/officeDocument/2006/math" xmlns="" val="1"/>
+              <ma14:wrappingTextBoxFlag xmlns="" xmlns:m="http://schemas.openxmlformats.org/officeDocument/2006/math" xmlns:a14="http://schemas.microsoft.com/office/drawing/2010/main" xmlns:ma14="http://schemas.microsoft.com/office/mac/drawingml/2011/main" val="1"/>
             </a:ext>
           </a:extLst>
         </p:spPr>
@@ -13487,7 +13491,7 @@
           </a:ln>
           <a:extLst>
             <a:ext uri="{C572A759-6A51-4108-AA02-DFA0A04FC94B}">
-              <ma14:wrappingTextBoxFlag xmlns:ma14="http://schemas.microsoft.com/office/mac/drawingml/2011/main" xmlns:a14="http://schemas.microsoft.com/office/drawing/2010/main" xmlns:m="http://schemas.openxmlformats.org/officeDocument/2006/math" xmlns="" val="1"/>
+              <ma14:wrappingTextBoxFlag xmlns="" xmlns:m="http://schemas.openxmlformats.org/officeDocument/2006/math" xmlns:a14="http://schemas.microsoft.com/office/drawing/2010/main" xmlns:ma14="http://schemas.microsoft.com/office/mac/drawingml/2011/main" val="1"/>
             </a:ext>
           </a:extLst>
         </p:spPr>
@@ -13522,7 +13526,7 @@
           </a:ln>
           <a:extLst>
             <a:ext uri="{C572A759-6A51-4108-AA02-DFA0A04FC94B}">
-              <ma14:wrappingTextBoxFlag xmlns:ma14="http://schemas.microsoft.com/office/mac/drawingml/2011/main" xmlns:a14="http://schemas.microsoft.com/office/drawing/2010/main" xmlns:m="http://schemas.openxmlformats.org/officeDocument/2006/math" xmlns="" val="1"/>
+              <ma14:wrappingTextBoxFlag xmlns="" xmlns:m="http://schemas.openxmlformats.org/officeDocument/2006/math" xmlns:a14="http://schemas.microsoft.com/office/drawing/2010/main" xmlns:ma14="http://schemas.microsoft.com/office/mac/drawingml/2011/main" val="1"/>
             </a:ext>
           </a:extLst>
         </p:spPr>
@@ -13602,7 +13606,7 @@
       </p:grpSpPr>
       <p:sp>
         <p:nvSpPr>
-          <p:cNvPr id="283" name="Google Shape;73;p15"/>
+          <p:cNvPr id="248" name="Google Shape;73;p15"/>
           <p:cNvSpPr/>
           <p:nvPr/>
         </p:nvSpPr>
@@ -13644,14 +13648,14 @@
       </p:sp>
       <p:sp>
         <p:nvSpPr>
-          <p:cNvPr id="284" name="Google Shape;124;p20"/>
+          <p:cNvPr id="249" name="Google Shape;124;p20"/>
           <p:cNvSpPr txBox="1"/>
           <p:nvPr/>
         </p:nvSpPr>
         <p:spPr>
           <a:xfrm>
-            <a:off x="1037780" y="1527824"/>
-            <a:ext cx="7068440" cy="2292903"/>
+            <a:off x="385389" y="938568"/>
+            <a:ext cx="8203440" cy="2492958"/>
           </a:xfrm>
           <a:prstGeom prst="rect">
             <a:avLst/>
@@ -13661,21 +13665,20 @@
           </a:ln>
           <a:extLst>
             <a:ext uri="{C572A759-6A51-4108-AA02-DFA0A04FC94B}">
-              <ma14:wrappingTextBoxFlag xmlns="" xmlns:m="http://schemas.openxmlformats.org/officeDocument/2006/math" xmlns:a14="http://schemas.microsoft.com/office/drawing/2010/main" xmlns:ma14="http://schemas.microsoft.com/office/mac/drawingml/2011/main" val="1"/>
+              <ma14:wrappingTextBoxFlag xmlns:ma14="http://schemas.microsoft.com/office/mac/drawingml/2011/main" xmlns:a14="http://schemas.microsoft.com/office/drawing/2010/main" xmlns:m="http://schemas.openxmlformats.org/officeDocument/2006/math" xmlns="" val="1"/>
             </a:ext>
           </a:extLst>
         </p:spPr>
         <p:txBody>
-          <a:bodyPr lIns="91424" tIns="91424" rIns="91424" bIns="91424">
+          <a:bodyPr wrap="square" lIns="91424" tIns="91424" rIns="91424" bIns="91424">
             <a:spAutoFit/>
           </a:bodyPr>
-          <a:lstStyle/>
-          <a:p>
-            <a:pPr algn="l">
-              <a:lnSpc>
-                <a:spcPct val="100000"/>
-              </a:lnSpc>
-              <a:defRPr sz="4200">
+          <a:lstStyle>
+            <a:lvl1pPr algn="l">
+              <a:lnSpc>
+                <a:spcPct val="100000"/>
+              </a:lnSpc>
+              <a:defRPr sz="2200">
                 <a:solidFill>
                   <a:srgbClr val="75910B"/>
                 </a:solidFill>
@@ -13684,131 +13687,59 @@
                 <a:cs typeface="+mn-cs"/>
                 <a:sym typeface="IBM Plex Sans"/>
               </a:defRPr>
-            </a:pPr>
-            <a:r>
-              <a:rPr dirty="0"/>
-              <a:t>LAB 0</a:t>
-            </a:r>
+            </a:lvl1pPr>
+          </a:lstStyle>
+          <a:p>
             <a:r>
               <a:rPr lang="da-DK" dirty="0"/>
-              <a:t>7</a:t>
-            </a:r>
-            <a:r>
-              <a:rPr dirty="0"/>
-              <a:t> </a:t>
-            </a:r>
-          </a:p>
-          <a:p>
-            <a:pPr algn="l">
-              <a:lnSpc>
-                <a:spcPct val="100000"/>
-              </a:lnSpc>
-              <a:defRPr sz="4200">
-                <a:solidFill>
-                  <a:srgbClr val="75910B"/>
-                </a:solidFill>
-                <a:latin typeface="+mn-lt"/>
-                <a:ea typeface="+mn-ea"/>
-                <a:cs typeface="+mn-cs"/>
-                <a:sym typeface="IBM Plex Sans"/>
-              </a:defRPr>
-            </a:pPr>
+              <a:t>Ressources:</a:t>
+            </a:r>
+          </a:p>
+          <a:p>
+            <a:endParaRPr lang="da-DK" dirty="0"/>
+          </a:p>
+          <a:p>
+            <a:r>
+              <a:rPr lang="da-DK" dirty="0" err="1"/>
+              <a:t>about</a:t>
+            </a:r>
             <a:r>
               <a:rPr lang="da-DK" dirty="0"/>
-              <a:t>GENETIC</a:t>
-            </a:r>
-            <a:endParaRPr dirty="0"/>
-          </a:p>
-          <a:p>
-            <a:pPr algn="l">
-              <a:lnSpc>
-                <a:spcPct val="100000"/>
-              </a:lnSpc>
-              <a:defRPr sz="4200">
-                <a:solidFill>
-                  <a:srgbClr val="75910B"/>
-                </a:solidFill>
-                <a:latin typeface="+mn-lt"/>
-                <a:ea typeface="+mn-ea"/>
-                <a:cs typeface="+mn-cs"/>
-                <a:sym typeface="IBM Plex Sans"/>
-              </a:defRPr>
-            </a:pPr>
-            <a:endParaRPr dirty="0"/>
-          </a:p>
-          <a:p>
-            <a:pPr algn="l">
-              <a:lnSpc>
-                <a:spcPct val="100000"/>
-              </a:lnSpc>
-              <a:defRPr sz="1100">
-                <a:solidFill>
-                  <a:srgbClr val="75910B"/>
-                </a:solidFill>
-                <a:latin typeface="+mn-lt"/>
-                <a:ea typeface="+mn-ea"/>
-                <a:cs typeface="+mn-cs"/>
-                <a:sym typeface="IBM Plex Sans"/>
-              </a:defRPr>
-            </a:pPr>
-            <a:r>
-              <a:rPr dirty="0"/>
-              <a:t>https://</a:t>
-            </a:r>
-            <a:r>
-              <a:rPr dirty="0" err="1"/>
-              <a:t>colab.research.google.com</a:t>
-            </a:r>
-            <a:r>
-              <a:rPr dirty="0"/>
-              <a:t>/</a:t>
-            </a:r>
-            <a:r>
-              <a:rPr dirty="0" err="1"/>
-              <a:t>github</a:t>
-            </a:r>
-            <a:r>
-              <a:rPr dirty="0"/>
-              <a:t>/</a:t>
-            </a:r>
-            <a:r>
-              <a:rPr dirty="0" err="1"/>
-              <a:t>claireaoi</a:t>
-            </a:r>
-            <a:r>
-              <a:rPr dirty="0"/>
-              <a:t>/</a:t>
-            </a:r>
-            <a:r>
-              <a:rPr dirty="0" err="1"/>
-              <a:t>dlgs</a:t>
-            </a:r>
-            <a:r>
-              <a:rPr dirty="0"/>
-              <a:t>/blob/main/labs/lab</a:t>
-            </a:r>
-            <a:r>
-              <a:rPr lang="da-DK" dirty="0"/>
-              <a:t>7</a:t>
-            </a:r>
-            <a:r>
-              <a:rPr dirty="0"/>
-              <a:t>_</a:t>
-            </a:r>
-            <a:r>
-              <a:rPr lang="da-DK" dirty="0" err="1"/>
-              <a:t>genetic</a:t>
-            </a:r>
-            <a:r>
-              <a:rPr dirty="0"/>
-              <a:t>.ipynb</a:t>
-            </a:r>
-          </a:p>
-        </p:txBody>
-      </p:sp>
-      <p:sp>
-        <p:nvSpPr>
-          <p:cNvPr id="285" name="Google Shape;55;p13"/>
+              <a:t> VAE:</a:t>
+            </a:r>
+          </a:p>
+          <a:p>
+            <a:endParaRPr lang="da-DK" sz="1400" dirty="0"/>
+          </a:p>
+          <a:p>
+            <a:r>
+              <a:rPr lang="da-DK" sz="1400" dirty="0">
+                <a:hlinkClick r:id="rId2"/>
+              </a:rPr>
+              <a:t>https://towardsdatascience.com/understanding-variational-autoencoders-vaes-f70510919f73</a:t>
+            </a:r>
+            <a:endParaRPr lang="da-DK" sz="1400" dirty="0"/>
+          </a:p>
+          <a:p>
+            <a:endParaRPr lang="da-DK" sz="1400" dirty="0"/>
+          </a:p>
+          <a:p>
+            <a:r>
+              <a:rPr lang="da-DK" sz="1400" dirty="0">
+                <a:hlinkClick r:id="rId3"/>
+              </a:rPr>
+              <a:t>https://towardsdatascience.com/difference-between-autoencoder-ae-and-variational-autoencoder-vae-ed7be1c038f2</a:t>
+            </a:r>
+            <a:endParaRPr lang="da-DK" sz="1400" dirty="0"/>
+          </a:p>
+          <a:p>
+            <a:endParaRPr lang="da-DK" sz="1400" dirty="0"/>
+          </a:p>
+        </p:txBody>
+      </p:sp>
+      <p:sp>
+        <p:nvSpPr>
+          <p:cNvPr id="250" name="Google Shape;55;p13"/>
           <p:cNvSpPr txBox="1"/>
           <p:nvPr/>
         </p:nvSpPr>
@@ -13825,7 +13756,7 @@
           </a:ln>
           <a:extLst>
             <a:ext uri="{C572A759-6A51-4108-AA02-DFA0A04FC94B}">
-              <ma14:wrappingTextBoxFlag xmlns="" xmlns:m="http://schemas.openxmlformats.org/officeDocument/2006/math" xmlns:a14="http://schemas.microsoft.com/office/drawing/2010/main" xmlns:ma14="http://schemas.microsoft.com/office/mac/drawingml/2011/main" val="1"/>
+              <ma14:wrappingTextBoxFlag xmlns:ma14="http://schemas.microsoft.com/office/mac/drawingml/2011/main" xmlns:a14="http://schemas.microsoft.com/office/drawing/2010/main" xmlns:m="http://schemas.openxmlformats.org/officeDocument/2006/math" xmlns="" val="1"/>
             </a:ext>
           </a:extLst>
         </p:spPr>
@@ -13843,7 +13774,7 @@
       </p:sp>
       <p:sp>
         <p:nvSpPr>
-          <p:cNvPr id="286" name="Google Shape;56;p13"/>
+          <p:cNvPr id="251" name="Google Shape;56;p13"/>
           <p:cNvSpPr txBox="1"/>
           <p:nvPr/>
         </p:nvSpPr>
@@ -13860,7 +13791,7 @@
           </a:ln>
           <a:extLst>
             <a:ext uri="{C572A759-6A51-4108-AA02-DFA0A04FC94B}">
-              <ma14:wrappingTextBoxFlag xmlns="" xmlns:m="http://schemas.openxmlformats.org/officeDocument/2006/math" xmlns:a14="http://schemas.microsoft.com/office/drawing/2010/main" xmlns:ma14="http://schemas.microsoft.com/office/mac/drawingml/2011/main" val="1"/>
+              <ma14:wrappingTextBoxFlag xmlns:ma14="http://schemas.microsoft.com/office/mac/drawingml/2011/main" xmlns:a14="http://schemas.microsoft.com/office/drawing/2010/main" xmlns:m="http://schemas.openxmlformats.org/officeDocument/2006/math" xmlns="" val="1"/>
             </a:ext>
           </a:extLst>
         </p:spPr>
@@ -13876,10 +13807,68 @@
           </a:p>
         </p:txBody>
       </p:sp>
+      <p:sp>
+        <p:nvSpPr>
+          <p:cNvPr id="252" name="Environment:…"/>
+          <p:cNvSpPr txBox="1"/>
+          <p:nvPr/>
+        </p:nvSpPr>
+        <p:spPr>
+          <a:xfrm>
+            <a:off x="2978608" y="1166231"/>
+            <a:ext cx="5711971" cy="369332"/>
+          </a:xfrm>
+          <a:prstGeom prst="rect">
+            <a:avLst/>
+          </a:prstGeom>
+          <a:ln w="12700">
+            <a:miter lim="400000"/>
+          </a:ln>
+          <a:extLst>
+            <a:ext uri="{C572A759-6A51-4108-AA02-DFA0A04FC94B}">
+              <ma14:wrappingTextBoxFlag xmlns:ma14="http://schemas.microsoft.com/office/mac/drawingml/2011/main" xmlns:a14="http://schemas.microsoft.com/office/drawing/2010/main" xmlns:m="http://schemas.openxmlformats.org/officeDocument/2006/math" xmlns="" val="1"/>
+            </a:ext>
+          </a:extLst>
+        </p:spPr>
+        <p:txBody>
+          <a:bodyPr wrap="square" lIns="0" tIns="0" rIns="0" bIns="0">
+            <a:spAutoFit/>
+          </a:bodyPr>
+          <a:lstStyle/>
+          <a:p>
+            <a:pPr lvl="1" algn="l" defTabSz="457200">
+              <a:lnSpc>
+                <a:spcPct val="100000"/>
+              </a:lnSpc>
+              <a:defRPr sz="1400">
+                <a:latin typeface="+mn-lt"/>
+                <a:ea typeface="+mn-ea"/>
+                <a:cs typeface="+mn-cs"/>
+                <a:sym typeface="IBM Plex Sans"/>
+              </a:defRPr>
+            </a:pPr>
+            <a:endParaRPr sz="1000" b="1" dirty="0"/>
+          </a:p>
+          <a:p>
+            <a:pPr algn="l" defTabSz="457200">
+              <a:lnSpc>
+                <a:spcPct val="100000"/>
+              </a:lnSpc>
+              <a:defRPr sz="1400">
+                <a:latin typeface="+mn-lt"/>
+                <a:ea typeface="+mn-ea"/>
+                <a:cs typeface="+mn-cs"/>
+                <a:sym typeface="IBM Plex Sans"/>
+              </a:defRPr>
+            </a:pPr>
+            <a:endParaRPr b="1" dirty="0"/>
+          </a:p>
+        </p:txBody>
+      </p:sp>
     </p:spTree>
     <p:extLst>
       <p:ext uri="{BB962C8B-B14F-4D97-AF65-F5344CB8AC3E}">
-        <p14:creationId xmlns:p14="http://schemas.microsoft.com/office/powerpoint/2010/main" val="3555731749"/>
+        <p14:creationId xmlns:p14="http://schemas.microsoft.com/office/powerpoint/2010/main" val="3452508176"/>
       </p:ext>
     </p:extLst>
   </p:cSld>
@@ -13917,7 +13906,7 @@
       </p:grpSpPr>
       <p:sp>
         <p:nvSpPr>
-          <p:cNvPr id="248" name="Google Shape;73;p15"/>
+          <p:cNvPr id="283" name="Google Shape;73;p15"/>
           <p:cNvSpPr/>
           <p:nvPr/>
         </p:nvSpPr>
@@ -13959,14 +13948,14 @@
       </p:sp>
       <p:sp>
         <p:nvSpPr>
-          <p:cNvPr id="249" name="Google Shape;124;p20"/>
+          <p:cNvPr id="284" name="Google Shape;124;p20"/>
           <p:cNvSpPr txBox="1"/>
           <p:nvPr/>
         </p:nvSpPr>
         <p:spPr>
           <a:xfrm>
-            <a:off x="385389" y="938568"/>
-            <a:ext cx="3264047" cy="3231622"/>
+            <a:off x="1037780" y="1527824"/>
+            <a:ext cx="7068440" cy="2292903"/>
           </a:xfrm>
           <a:prstGeom prst="rect">
             <a:avLst/>
@@ -13976,20 +13965,21 @@
           </a:ln>
           <a:extLst>
             <a:ext uri="{C572A759-6A51-4108-AA02-DFA0A04FC94B}">
-              <ma14:wrappingTextBoxFlag xmlns="" xmlns:m="http://schemas.openxmlformats.org/officeDocument/2006/math" xmlns:a14="http://schemas.microsoft.com/office/drawing/2010/main" xmlns:ma14="http://schemas.microsoft.com/office/mac/drawingml/2011/main" val="1"/>
+              <ma14:wrappingTextBoxFlag xmlns:ma14="http://schemas.microsoft.com/office/mac/drawingml/2011/main" xmlns:a14="http://schemas.microsoft.com/office/drawing/2010/main" xmlns:m="http://schemas.openxmlformats.org/officeDocument/2006/math" xmlns="" val="1"/>
             </a:ext>
           </a:extLst>
         </p:spPr>
         <p:txBody>
-          <a:bodyPr wrap="square" lIns="91424" tIns="91424" rIns="91424" bIns="91424">
+          <a:bodyPr lIns="91424" tIns="91424" rIns="91424" bIns="91424">
             <a:spAutoFit/>
           </a:bodyPr>
-          <a:lstStyle>
-            <a:lvl1pPr algn="l">
-              <a:lnSpc>
-                <a:spcPct val="100000"/>
-              </a:lnSpc>
-              <a:defRPr sz="2200">
+          <a:lstStyle/>
+          <a:p>
+            <a:pPr algn="l">
+              <a:lnSpc>
+                <a:spcPct val="100000"/>
+              </a:lnSpc>
+              <a:defRPr sz="4200">
                 <a:solidFill>
                   <a:srgbClr val="75910B"/>
                 </a:solidFill>
@@ -13998,59 +13988,131 @@
                 <a:cs typeface="+mn-cs"/>
                 <a:sym typeface="IBM Plex Sans"/>
               </a:defRPr>
-            </a:lvl1pPr>
-          </a:lstStyle>
-          <a:p>
-            <a:endParaRPr lang="da-DK" dirty="0"/>
-          </a:p>
-          <a:p>
+            </a:pPr>
+            <a:r>
+              <a:rPr dirty="0"/>
+              <a:t>LAB 0</a:t>
+            </a:r>
             <a:r>
               <a:rPr lang="da-DK" dirty="0"/>
-              <a:t>(1) ES Optimum</a:t>
-            </a:r>
-          </a:p>
-          <a:p>
-            <a:endParaRPr lang="da-DK" dirty="0"/>
-          </a:p>
-          <a:p>
-            <a:endParaRPr lang="da-DK" dirty="0"/>
-          </a:p>
-          <a:p>
-            <a:endParaRPr lang="da-DK" dirty="0"/>
-          </a:p>
-          <a:p>
-            <a:endParaRPr lang="da-DK" dirty="0"/>
-          </a:p>
-          <a:p>
-            <a:endParaRPr lang="da-DK" dirty="0"/>
-          </a:p>
-          <a:p>
+              <a:t>7</a:t>
+            </a:r>
+            <a:r>
+              <a:rPr dirty="0"/>
+              <a:t> </a:t>
+            </a:r>
+          </a:p>
+          <a:p>
+            <a:pPr algn="l">
+              <a:lnSpc>
+                <a:spcPct val="100000"/>
+              </a:lnSpc>
+              <a:defRPr sz="4200">
+                <a:solidFill>
+                  <a:srgbClr val="75910B"/>
+                </a:solidFill>
+                <a:latin typeface="+mn-lt"/>
+                <a:ea typeface="+mn-ea"/>
+                <a:cs typeface="+mn-cs"/>
+                <a:sym typeface="IBM Plex Sans"/>
+              </a:defRPr>
+            </a:pPr>
             <a:r>
               <a:rPr lang="da-DK" dirty="0"/>
-              <a:t>(2) </a:t>
+              <a:t>GENETIC</a:t>
+            </a:r>
+            <a:endParaRPr dirty="0"/>
+          </a:p>
+          <a:p>
+            <a:pPr algn="l">
+              <a:lnSpc>
+                <a:spcPct val="100000"/>
+              </a:lnSpc>
+              <a:defRPr sz="4200">
+                <a:solidFill>
+                  <a:srgbClr val="75910B"/>
+                </a:solidFill>
+                <a:latin typeface="+mn-lt"/>
+                <a:ea typeface="+mn-ea"/>
+                <a:cs typeface="+mn-cs"/>
+                <a:sym typeface="IBM Plex Sans"/>
+              </a:defRPr>
+            </a:pPr>
+            <a:endParaRPr dirty="0"/>
+          </a:p>
+          <a:p>
+            <a:pPr algn="l">
+              <a:lnSpc>
+                <a:spcPct val="100000"/>
+              </a:lnSpc>
+              <a:defRPr sz="1100">
+                <a:solidFill>
+                  <a:srgbClr val="75910B"/>
+                </a:solidFill>
+                <a:latin typeface="+mn-lt"/>
+                <a:ea typeface="+mn-ea"/>
+                <a:cs typeface="+mn-cs"/>
+                <a:sym typeface="IBM Plex Sans"/>
+              </a:defRPr>
+            </a:pPr>
+            <a:r>
+              <a:rPr dirty="0"/>
+              <a:t>https://</a:t>
+            </a:r>
+            <a:r>
+              <a:rPr dirty="0" err="1"/>
+              <a:t>colab.research.google.com</a:t>
+            </a:r>
+            <a:r>
+              <a:rPr dirty="0"/>
+              <a:t>/</a:t>
+            </a:r>
+            <a:r>
+              <a:rPr dirty="0" err="1"/>
+              <a:t>github</a:t>
+            </a:r>
+            <a:r>
+              <a:rPr dirty="0"/>
+              <a:t>/</a:t>
+            </a:r>
+            <a:r>
+              <a:rPr dirty="0" err="1"/>
+              <a:t>claireaoi</a:t>
+            </a:r>
+            <a:r>
+              <a:rPr dirty="0"/>
+              <a:t>/</a:t>
+            </a:r>
+            <a:r>
+              <a:rPr dirty="0" err="1"/>
+              <a:t>dlgs</a:t>
+            </a:r>
+            <a:r>
+              <a:rPr dirty="0"/>
+              <a:t>/blob/main/labs/lab</a:t>
+            </a:r>
+            <a:r>
+              <a:rPr lang="da-DK" dirty="0"/>
+              <a:t>7</a:t>
+            </a:r>
+            <a:r>
+              <a:rPr dirty="0"/>
+              <a:t>_</a:t>
             </a:r>
             <a:r>
               <a:rPr lang="da-DK" dirty="0" err="1"/>
-              <a:t>Evolve</a:t>
-            </a:r>
-            <a:r>
-              <a:rPr lang="da-DK" dirty="0"/>
-              <a:t> a </a:t>
-            </a:r>
-            <a:r>
-              <a:rPr lang="da-DK" dirty="0" err="1"/>
-              <a:t>GamingNN</a:t>
-            </a:r>
-            <a:endParaRPr lang="da-DK" dirty="0"/>
-          </a:p>
-          <a:p>
-            <a:endParaRPr dirty="0"/>
-          </a:p>
-        </p:txBody>
-      </p:sp>
-      <p:sp>
-        <p:nvSpPr>
-          <p:cNvPr id="250" name="Google Shape;55;p13"/>
+              <a:t>genetic</a:t>
+            </a:r>
+            <a:r>
+              <a:rPr dirty="0"/>
+              <a:t>.ipynb</a:t>
+            </a:r>
+          </a:p>
+        </p:txBody>
+      </p:sp>
+      <p:sp>
+        <p:nvSpPr>
+          <p:cNvPr id="285" name="Google Shape;55;p13"/>
           <p:cNvSpPr txBox="1"/>
           <p:nvPr/>
         </p:nvSpPr>
@@ -14067,7 +14129,7 @@
           </a:ln>
           <a:extLst>
             <a:ext uri="{C572A759-6A51-4108-AA02-DFA0A04FC94B}">
-              <ma14:wrappingTextBoxFlag xmlns="" xmlns:m="http://schemas.openxmlformats.org/officeDocument/2006/math" xmlns:a14="http://schemas.microsoft.com/office/drawing/2010/main" xmlns:ma14="http://schemas.microsoft.com/office/mac/drawingml/2011/main" val="1"/>
+              <ma14:wrappingTextBoxFlag xmlns:ma14="http://schemas.microsoft.com/office/mac/drawingml/2011/main" xmlns:a14="http://schemas.microsoft.com/office/drawing/2010/main" xmlns:m="http://schemas.openxmlformats.org/officeDocument/2006/math" xmlns="" val="1"/>
             </a:ext>
           </a:extLst>
         </p:spPr>
@@ -14085,7 +14147,7 @@
       </p:sp>
       <p:sp>
         <p:nvSpPr>
-          <p:cNvPr id="251" name="Google Shape;56;p13"/>
+          <p:cNvPr id="286" name="Google Shape;56;p13"/>
           <p:cNvSpPr txBox="1"/>
           <p:nvPr/>
         </p:nvSpPr>
@@ -14102,7 +14164,7 @@
           </a:ln>
           <a:extLst>
             <a:ext uri="{C572A759-6A51-4108-AA02-DFA0A04FC94B}">
-              <ma14:wrappingTextBoxFlag xmlns="" xmlns:m="http://schemas.openxmlformats.org/officeDocument/2006/math" xmlns:a14="http://schemas.microsoft.com/office/drawing/2010/main" xmlns:ma14="http://schemas.microsoft.com/office/mac/drawingml/2011/main" val="1"/>
+              <ma14:wrappingTextBoxFlag xmlns:ma14="http://schemas.microsoft.com/office/mac/drawingml/2011/main" xmlns:a14="http://schemas.microsoft.com/office/drawing/2010/main" xmlns:m="http://schemas.openxmlformats.org/officeDocument/2006/math" xmlns="" val="1"/>
             </a:ext>
           </a:extLst>
         </p:spPr>
@@ -14118,418 +14180,10 @@
           </a:p>
         </p:txBody>
       </p:sp>
-      <p:sp>
-        <p:nvSpPr>
-          <p:cNvPr id="252" name="Environment:…"/>
-          <p:cNvSpPr txBox="1"/>
-          <p:nvPr/>
-        </p:nvSpPr>
-        <p:spPr>
-          <a:xfrm>
-            <a:off x="3396343" y="1166231"/>
-            <a:ext cx="5294236" cy="584775"/>
-          </a:xfrm>
-          <a:prstGeom prst="rect">
-            <a:avLst/>
-          </a:prstGeom>
-          <a:ln w="12700">
-            <a:miter lim="400000"/>
-          </a:ln>
-          <a:extLst>
-            <a:ext uri="{C572A759-6A51-4108-AA02-DFA0A04FC94B}">
-              <ma14:wrappingTextBoxFlag xmlns="" xmlns:m="http://schemas.openxmlformats.org/officeDocument/2006/math" xmlns:a14="http://schemas.microsoft.com/office/drawing/2010/main" xmlns:ma14="http://schemas.microsoft.com/office/mac/drawingml/2011/main" val="1"/>
-            </a:ext>
-          </a:extLst>
-        </p:spPr>
-        <p:txBody>
-          <a:bodyPr wrap="square" lIns="0" tIns="0" rIns="0" bIns="0">
-            <a:spAutoFit/>
-          </a:bodyPr>
-          <a:lstStyle/>
-          <a:p>
-            <a:pPr algn="l">
-              <a:lnSpc>
-                <a:spcPct val="100000"/>
-              </a:lnSpc>
-              <a:defRPr sz="1400">
-                <a:solidFill>
-                  <a:srgbClr val="000000"/>
-                </a:solidFill>
-                <a:latin typeface="Helvetica"/>
-                <a:ea typeface="Helvetica"/>
-                <a:cs typeface="Helvetica"/>
-                <a:sym typeface="Helvetica"/>
-              </a:defRPr>
-            </a:pPr>
-            <a:endParaRPr lang="en-DK" b="1" dirty="0"/>
-          </a:p>
-          <a:p>
-            <a:pPr lvl="1" algn="l" defTabSz="457200">
-              <a:lnSpc>
-                <a:spcPct val="100000"/>
-              </a:lnSpc>
-              <a:defRPr sz="1400">
-                <a:latin typeface="+mn-lt"/>
-                <a:ea typeface="+mn-ea"/>
-                <a:cs typeface="+mn-cs"/>
-                <a:sym typeface="IBM Plex Sans"/>
-              </a:defRPr>
-            </a:pPr>
-            <a:endParaRPr sz="1000" b="1" dirty="0"/>
-          </a:p>
-          <a:p>
-            <a:pPr algn="l" defTabSz="457200">
-              <a:lnSpc>
-                <a:spcPct val="100000"/>
-              </a:lnSpc>
-              <a:defRPr sz="1400">
-                <a:latin typeface="+mn-lt"/>
-                <a:ea typeface="+mn-ea"/>
-                <a:cs typeface="+mn-cs"/>
-                <a:sym typeface="IBM Plex Sans"/>
-              </a:defRPr>
-            </a:pPr>
-            <a:endParaRPr b="1" dirty="0"/>
-          </a:p>
-        </p:txBody>
-      </p:sp>
-      <p:sp>
-        <p:nvSpPr>
-          <p:cNvPr id="3" name="TextBox 2">
-            <a:extLst>
-              <a:ext uri="{FF2B5EF4-FFF2-40B4-BE49-F238E27FC236}">
-                <a16:creationId xmlns:a16="http://schemas.microsoft.com/office/drawing/2014/main" id="{97F4E832-82A0-63B3-D441-1398C5EB98FA}"/>
-              </a:ext>
-            </a:extLst>
-          </p:cNvPr>
-          <p:cNvSpPr txBox="1"/>
-          <p:nvPr/>
-        </p:nvSpPr>
-        <p:spPr>
-          <a:xfrm>
-            <a:off x="4092196" y="1127257"/>
-            <a:ext cx="3902529" cy="3947234"/>
-          </a:xfrm>
-          <a:prstGeom prst="rect">
-            <a:avLst/>
-          </a:prstGeom>
-          <a:noFill/>
-          <a:ln w="12700" cap="flat">
-            <a:noFill/>
-            <a:miter lim="400000"/>
-          </a:ln>
-          <a:effectLst/>
-          <a:sp3d/>
-        </p:spPr>
-        <p:style>
-          <a:lnRef idx="0">
-            <a:scrgbClr r="0" g="0" b="0"/>
-          </a:lnRef>
-          <a:fillRef idx="0">
-            <a:scrgbClr r="0" g="0" b="0"/>
-          </a:fillRef>
-          <a:effectRef idx="0">
-            <a:scrgbClr r="0" g="0" b="0"/>
-          </a:effectRef>
-          <a:fontRef idx="none"/>
-        </p:style>
-        <p:txBody>
-          <a:bodyPr wrap="square">
-            <a:spAutoFit/>
-          </a:bodyPr>
-          <a:lstStyle/>
-          <a:p>
-            <a:pPr algn="l"/>
-            <a:endParaRPr lang="en-GB" sz="1200" b="0" dirty="0">
-              <a:solidFill>
-                <a:srgbClr val="0000FF"/>
-              </a:solidFill>
-              <a:effectLst/>
-              <a:latin typeface="Courier New" panose="02070309020205020404" pitchFamily="49" charset="0"/>
-            </a:endParaRPr>
-          </a:p>
-          <a:p>
-            <a:pPr algn="l"/>
-            <a:endParaRPr lang="en-GB" sz="1200" b="0" dirty="0">
-              <a:solidFill>
-                <a:srgbClr val="0000FF"/>
-              </a:solidFill>
-              <a:effectLst/>
-              <a:latin typeface="Courier New" panose="02070309020205020404" pitchFamily="49" charset="0"/>
-            </a:endParaRPr>
-          </a:p>
-          <a:p>
-            <a:pPr algn="l"/>
-            <a:endParaRPr lang="en-GB" sz="1200" dirty="0">
-              <a:solidFill>
-                <a:srgbClr val="0000FF"/>
-              </a:solidFill>
-              <a:latin typeface="Courier New" panose="02070309020205020404" pitchFamily="49" charset="0"/>
-            </a:endParaRPr>
-          </a:p>
-          <a:p>
-            <a:pPr algn="l"/>
-            <a:endParaRPr lang="en-GB" sz="1200" b="0" dirty="0">
-              <a:solidFill>
-                <a:srgbClr val="0000FF"/>
-              </a:solidFill>
-              <a:effectLst/>
-              <a:latin typeface="Courier New" panose="02070309020205020404" pitchFamily="49" charset="0"/>
-            </a:endParaRPr>
-          </a:p>
-          <a:p>
-            <a:pPr algn="l"/>
-            <a:endParaRPr lang="en-GB" sz="1200" dirty="0">
-              <a:solidFill>
-                <a:srgbClr val="0000FF"/>
-              </a:solidFill>
-              <a:latin typeface="Courier New" panose="02070309020205020404" pitchFamily="49" charset="0"/>
-            </a:endParaRPr>
-          </a:p>
-          <a:p>
-            <a:pPr algn="l"/>
-            <a:endParaRPr lang="en-GB" sz="1200" b="0" dirty="0">
-              <a:solidFill>
-                <a:srgbClr val="0000FF"/>
-              </a:solidFill>
-              <a:effectLst/>
-              <a:latin typeface="Courier New" panose="02070309020205020404" pitchFamily="49" charset="0"/>
-            </a:endParaRPr>
-          </a:p>
-          <a:p>
-            <a:pPr algn="l"/>
-            <a:endParaRPr lang="en-GB" sz="1200" b="0" dirty="0">
-              <a:solidFill>
-                <a:srgbClr val="000000"/>
-              </a:solidFill>
-              <a:effectLst/>
-              <a:latin typeface="Courier New" panose="02070309020205020404" pitchFamily="49" charset="0"/>
-            </a:endParaRPr>
-          </a:p>
-          <a:p>
-            <a:pPr algn="l"/>
-            <a:endParaRPr lang="en-GB" sz="1200" b="0" dirty="0">
-              <a:solidFill>
-                <a:srgbClr val="000000"/>
-              </a:solidFill>
-              <a:effectLst/>
-              <a:latin typeface="Courier New" panose="02070309020205020404" pitchFamily="49" charset="0"/>
-            </a:endParaRPr>
-          </a:p>
-          <a:p>
-            <a:pPr algn="l"/>
-            <a:r>
-              <a:rPr lang="en-GB" sz="1200" dirty="0">
-                <a:solidFill>
-                  <a:srgbClr val="000000"/>
-                </a:solidFill>
-                <a:latin typeface="Courier New" panose="02070309020205020404" pitchFamily="49" charset="0"/>
-              </a:rPr>
-              <a:t>&gt;</a:t>
-            </a:r>
-            <a:r>
-              <a:rPr lang="en-GB" sz="1200" b="0" dirty="0">
-                <a:solidFill>
-                  <a:srgbClr val="000000"/>
-                </a:solidFill>
-                <a:effectLst/>
-                <a:latin typeface="Courier New" panose="02070309020205020404" pitchFamily="49" charset="0"/>
-              </a:rPr>
-              <a:t>Setup Game Environment as Lunar Lander</a:t>
-            </a:r>
-          </a:p>
-          <a:p>
-            <a:pPr algn="l"/>
-            <a:r>
-              <a:rPr lang="en-GB" sz="1200" b="0" dirty="0">
-                <a:solidFill>
-                  <a:srgbClr val="000000"/>
-                </a:solidFill>
-                <a:effectLst/>
-                <a:latin typeface="Courier New" panose="02070309020205020404" pitchFamily="49" charset="0"/>
-              </a:rPr>
-              <a:t>(The fitness can be the game reward)</a:t>
-            </a:r>
-          </a:p>
-          <a:p>
-            <a:pPr algn="l"/>
-            <a:r>
-              <a:rPr lang="en-GB" sz="1200" b="0" dirty="0">
-                <a:solidFill>
-                  <a:srgbClr val="000000"/>
-                </a:solidFill>
-                <a:effectLst/>
-                <a:latin typeface="Courier New" panose="02070309020205020404" pitchFamily="49" charset="0"/>
-              </a:rPr>
-              <a:t>&gt;Define a Neural Network</a:t>
-            </a:r>
-            <a:br>
-              <a:rPr lang="en-GB" sz="1200" b="0" dirty="0">
-                <a:solidFill>
-                  <a:srgbClr val="000000"/>
-                </a:solidFill>
-                <a:effectLst/>
-                <a:latin typeface="Courier New" panose="02070309020205020404" pitchFamily="49" charset="0"/>
-              </a:rPr>
-            </a:br>
-            <a:r>
-              <a:rPr lang="en-GB" sz="1200" b="0" dirty="0">
-                <a:solidFill>
-                  <a:srgbClr val="000000"/>
-                </a:solidFill>
-                <a:effectLst/>
-                <a:latin typeface="Courier New" panose="02070309020205020404" pitchFamily="49" charset="0"/>
-              </a:rPr>
-              <a:t>&gt;Choose an Evolutionary Strategy</a:t>
-            </a:r>
-            <a:br>
-              <a:rPr lang="en-GB" sz="1200" b="0" dirty="0">
-                <a:solidFill>
-                  <a:srgbClr val="000000"/>
-                </a:solidFill>
-                <a:effectLst/>
-                <a:latin typeface="Courier New" panose="02070309020205020404" pitchFamily="49" charset="0"/>
-              </a:rPr>
-            </a:br>
-            <a:r>
-              <a:rPr lang="en-GB" sz="1200" b="0" dirty="0">
-                <a:solidFill>
-                  <a:srgbClr val="000000"/>
-                </a:solidFill>
-                <a:effectLst/>
-                <a:latin typeface="Courier New" panose="02070309020205020404" pitchFamily="49" charset="0"/>
-              </a:rPr>
-              <a:t>&gt;Evolve the Network</a:t>
-            </a:r>
-            <a:br>
-              <a:rPr lang="en-GB" sz="1200" b="0" dirty="0">
-                <a:solidFill>
-                  <a:srgbClr val="000000"/>
-                </a:solidFill>
-                <a:effectLst/>
-                <a:latin typeface="Courier New" panose="02070309020205020404" pitchFamily="49" charset="0"/>
-              </a:rPr>
-            </a:br>
-            <a:r>
-              <a:rPr lang="en-GB" sz="1200" b="0" dirty="0">
-                <a:solidFill>
-                  <a:srgbClr val="000000"/>
-                </a:solidFill>
-                <a:effectLst/>
-                <a:latin typeface="Courier New" panose="02070309020205020404" pitchFamily="49" charset="0"/>
-              </a:rPr>
-              <a:t>&gt;Evaluate / Visualise</a:t>
-            </a:r>
-          </a:p>
-        </p:txBody>
-      </p:sp>
-      <p:sp>
-        <p:nvSpPr>
-          <p:cNvPr id="4" name="TextBox 3">
-            <a:extLst>
-              <a:ext uri="{FF2B5EF4-FFF2-40B4-BE49-F238E27FC236}">
-                <a16:creationId xmlns:a16="http://schemas.microsoft.com/office/drawing/2014/main" id="{B1D2C1D4-1865-132B-3F82-2A6755028BEF}"/>
-              </a:ext>
-            </a:extLst>
-          </p:cNvPr>
-          <p:cNvSpPr txBox="1"/>
-          <p:nvPr/>
-        </p:nvSpPr>
-        <p:spPr>
-          <a:xfrm>
-            <a:off x="465477" y="4016243"/>
-            <a:ext cx="3183959" cy="900246"/>
-          </a:xfrm>
-          <a:prstGeom prst="rect">
-            <a:avLst/>
-          </a:prstGeom>
-          <a:noFill/>
-          <a:ln w="12700" cap="flat">
-            <a:noFill/>
-            <a:miter lim="400000"/>
-          </a:ln>
-          <a:effectLst/>
-          <a:sp3d/>
-        </p:spPr>
-        <p:style>
-          <a:lnRef idx="0">
-            <a:scrgbClr r="0" g="0" b="0"/>
-          </a:lnRef>
-          <a:fillRef idx="0">
-            <a:scrgbClr r="0" g="0" b="0"/>
-          </a:fillRef>
-          <a:effectRef idx="0">
-            <a:scrgbClr r="0" g="0" b="0"/>
-          </a:effectRef>
-          <a:fontRef idx="none"/>
-        </p:style>
-        <p:txBody>
-          <a:bodyPr wrap="square">
-            <a:spAutoFit/>
-          </a:bodyPr>
-          <a:lstStyle/>
-          <a:p>
-            <a:pPr algn="l"/>
-            <a:r>
-              <a:rPr lang="en-GB" sz="1200" b="0" dirty="0">
-                <a:solidFill>
-                  <a:schemeClr val="bg1">
-                    <a:lumMod val="50000"/>
-                  </a:schemeClr>
-                </a:solidFill>
-                <a:effectLst/>
-                <a:latin typeface="Courier New" panose="02070309020205020404" pitchFamily="49" charset="0"/>
-              </a:rPr>
-              <a:t>#For Box2D you </a:t>
-            </a:r>
-            <a:r>
-              <a:rPr lang="en-GB" sz="1200" dirty="0">
-                <a:solidFill>
-                  <a:schemeClr val="bg1">
-                    <a:lumMod val="50000"/>
-                  </a:schemeClr>
-                </a:solidFill>
-                <a:latin typeface="Courier New" panose="02070309020205020404" pitchFamily="49" charset="0"/>
-              </a:rPr>
-              <a:t>may need install:</a:t>
-            </a:r>
-          </a:p>
-          <a:p>
-            <a:pPr algn="l"/>
-            <a:r>
-              <a:rPr lang="en-GB" sz="1200" b="0" dirty="0">
-                <a:solidFill>
-                  <a:schemeClr val="bg1">
-                    <a:lumMod val="50000"/>
-                  </a:schemeClr>
-                </a:solidFill>
-                <a:effectLst/>
-                <a:latin typeface="Courier New" panose="02070309020205020404" pitchFamily="49" charset="0"/>
-              </a:rPr>
-              <a:t>!pip install swig</a:t>
-            </a:r>
-          </a:p>
-          <a:p>
-            <a:pPr algn="l"/>
-            <a:r>
-              <a:rPr lang="en-GB" sz="1200" b="0" dirty="0">
-                <a:solidFill>
-                  <a:schemeClr val="bg1">
-                    <a:lumMod val="50000"/>
-                  </a:schemeClr>
-                </a:solidFill>
-                <a:effectLst/>
-                <a:latin typeface="Courier New" panose="02070309020205020404" pitchFamily="49" charset="0"/>
-              </a:rPr>
-              <a:t>!pip install gym[box2D]</a:t>
-            </a:r>
-          </a:p>
-        </p:txBody>
-      </p:sp>
     </p:spTree>
     <p:extLst>
       <p:ext uri="{BB962C8B-B14F-4D97-AF65-F5344CB8AC3E}">
-        <p14:creationId xmlns:p14="http://schemas.microsoft.com/office/powerpoint/2010/main" val="494746275"/>
+        <p14:creationId xmlns:p14="http://schemas.microsoft.com/office/powerpoint/2010/main" val="3555731749"/>
       </p:ext>
     </p:extLst>
   </p:cSld>
@@ -14616,7 +14270,7 @@
         <p:spPr>
           <a:xfrm>
             <a:off x="385389" y="938568"/>
-            <a:ext cx="2924019" cy="3231622"/>
+            <a:ext cx="3264047" cy="3231622"/>
           </a:xfrm>
           <a:prstGeom prst="rect">
             <a:avLst/>
@@ -14631,7 +14285,7 @@
           </a:extLst>
         </p:spPr>
         <p:txBody>
-          <a:bodyPr lIns="91424" tIns="91424" rIns="91424" bIns="91424">
+          <a:bodyPr wrap="square" lIns="91424" tIns="91424" rIns="91424" bIns="91424">
             <a:spAutoFit/>
           </a:bodyPr>
           <a:lstStyle>
@@ -14651,64 +14305,47 @@
             </a:lvl1pPr>
           </a:lstStyle>
           <a:p>
+            <a:endParaRPr lang="da-DK" dirty="0"/>
+          </a:p>
+          <a:p>
             <a:r>
               <a:rPr lang="da-DK" dirty="0"/>
-              <a:t>(3) </a:t>
+              <a:t>(1) ES Optimum</a:t>
+            </a:r>
+          </a:p>
+          <a:p>
+            <a:endParaRPr lang="da-DK" dirty="0"/>
+          </a:p>
+          <a:p>
+            <a:endParaRPr lang="da-DK" dirty="0"/>
+          </a:p>
+          <a:p>
+            <a:endParaRPr lang="da-DK" dirty="0"/>
+          </a:p>
+          <a:p>
+            <a:endParaRPr lang="da-DK" dirty="0"/>
+          </a:p>
+          <a:p>
+            <a:endParaRPr lang="da-DK" dirty="0"/>
+          </a:p>
+          <a:p>
+            <a:r>
+              <a:rPr lang="da-DK" dirty="0"/>
+              <a:t>(2) </a:t>
             </a:r>
             <a:r>
               <a:rPr lang="da-DK" dirty="0" err="1"/>
-              <a:t>Hebbian</a:t>
+              <a:t>Evolve</a:t>
             </a:r>
             <a:r>
               <a:rPr lang="da-DK" dirty="0"/>
-              <a:t> Learning</a:t>
-            </a:r>
-          </a:p>
-          <a:p>
-            <a:r>
-              <a:rPr lang="da-DK" dirty="0"/>
-              <a:t>For </a:t>
+              <a:t> a </a:t>
             </a:r>
             <a:r>
               <a:rPr lang="da-DK" dirty="0" err="1"/>
-              <a:t>boolean</a:t>
-            </a:r>
-            <a:r>
-              <a:rPr lang="da-DK" dirty="0"/>
-              <a:t> Gate</a:t>
-            </a:r>
-          </a:p>
-          <a:p>
+              <a:t>GamingNN</a:t>
+            </a:r>
             <a:endParaRPr lang="da-DK" dirty="0"/>
-          </a:p>
-          <a:p>
-            <a:endParaRPr lang="da-DK" dirty="0"/>
-          </a:p>
-          <a:p>
-            <a:endParaRPr lang="da-DK" dirty="0"/>
-          </a:p>
-          <a:p>
-            <a:endParaRPr lang="da-DK" dirty="0"/>
-          </a:p>
-          <a:p>
-            <a:r>
-              <a:rPr lang="da-DK" dirty="0"/>
-              <a:t>(4) </a:t>
-            </a:r>
-            <a:r>
-              <a:rPr lang="da-DK" dirty="0" err="1"/>
-              <a:t>Hebbian</a:t>
-            </a:r>
-            <a:r>
-              <a:rPr lang="da-DK" dirty="0"/>
-              <a:t> Learning </a:t>
-            </a:r>
-          </a:p>
-          <a:p>
-            <a:r>
-              <a:rPr lang="da-DK" dirty="0"/>
-              <a:t> for RL Agent </a:t>
-            </a:r>
           </a:p>
           <a:p>
             <a:endParaRPr dirty="0"/>
@@ -14793,8 +14430,8 @@
         </p:nvSpPr>
         <p:spPr>
           <a:xfrm>
-            <a:off x="3319820" y="938568"/>
-            <a:ext cx="5675552" cy="4583242"/>
+            <a:off x="3396343" y="1166231"/>
+            <a:ext cx="5294236" cy="584775"/>
           </a:xfrm>
           <a:prstGeom prst="rect">
             <a:avLst/>
@@ -14805,6 +14442,673 @@
           <a:extLst>
             <a:ext uri="{C572A759-6A51-4108-AA02-DFA0A04FC94B}">
               <ma14:wrappingTextBoxFlag xmlns:ma14="http://schemas.microsoft.com/office/mac/drawingml/2011/main" xmlns:a14="http://schemas.microsoft.com/office/drawing/2010/main" xmlns:m="http://schemas.openxmlformats.org/officeDocument/2006/math" xmlns="" val="1"/>
+            </a:ext>
+          </a:extLst>
+        </p:spPr>
+        <p:txBody>
+          <a:bodyPr wrap="square" lIns="0" tIns="0" rIns="0" bIns="0">
+            <a:spAutoFit/>
+          </a:bodyPr>
+          <a:lstStyle/>
+          <a:p>
+            <a:pPr algn="l">
+              <a:lnSpc>
+                <a:spcPct val="100000"/>
+              </a:lnSpc>
+              <a:defRPr sz="1400">
+                <a:solidFill>
+                  <a:srgbClr val="000000"/>
+                </a:solidFill>
+                <a:latin typeface="Helvetica"/>
+                <a:ea typeface="Helvetica"/>
+                <a:cs typeface="Helvetica"/>
+                <a:sym typeface="Helvetica"/>
+              </a:defRPr>
+            </a:pPr>
+            <a:endParaRPr lang="en-DK" b="1" dirty="0"/>
+          </a:p>
+          <a:p>
+            <a:pPr lvl="1" algn="l" defTabSz="457200">
+              <a:lnSpc>
+                <a:spcPct val="100000"/>
+              </a:lnSpc>
+              <a:defRPr sz="1400">
+                <a:latin typeface="+mn-lt"/>
+                <a:ea typeface="+mn-ea"/>
+                <a:cs typeface="+mn-cs"/>
+                <a:sym typeface="IBM Plex Sans"/>
+              </a:defRPr>
+            </a:pPr>
+            <a:endParaRPr sz="1000" b="1" dirty="0"/>
+          </a:p>
+          <a:p>
+            <a:pPr algn="l" defTabSz="457200">
+              <a:lnSpc>
+                <a:spcPct val="100000"/>
+              </a:lnSpc>
+              <a:defRPr sz="1400">
+                <a:latin typeface="+mn-lt"/>
+                <a:ea typeface="+mn-ea"/>
+                <a:cs typeface="+mn-cs"/>
+                <a:sym typeface="IBM Plex Sans"/>
+              </a:defRPr>
+            </a:pPr>
+            <a:endParaRPr b="1" dirty="0"/>
+          </a:p>
+        </p:txBody>
+      </p:sp>
+      <p:sp>
+        <p:nvSpPr>
+          <p:cNvPr id="3" name="TextBox 2">
+            <a:extLst>
+              <a:ext uri="{FF2B5EF4-FFF2-40B4-BE49-F238E27FC236}">
+                <a16:creationId xmlns:a16="http://schemas.microsoft.com/office/drawing/2014/main" id="{97F4E832-82A0-63B3-D441-1398C5EB98FA}"/>
+              </a:ext>
+            </a:extLst>
+          </p:cNvPr>
+          <p:cNvSpPr txBox="1"/>
+          <p:nvPr/>
+        </p:nvSpPr>
+        <p:spPr>
+          <a:xfrm>
+            <a:off x="4092196" y="1127257"/>
+            <a:ext cx="3902529" cy="3947234"/>
+          </a:xfrm>
+          <a:prstGeom prst="rect">
+            <a:avLst/>
+          </a:prstGeom>
+          <a:noFill/>
+          <a:ln w="12700" cap="flat">
+            <a:noFill/>
+            <a:miter lim="400000"/>
+          </a:ln>
+          <a:effectLst/>
+          <a:sp3d/>
+        </p:spPr>
+        <p:style>
+          <a:lnRef idx="0">
+            <a:scrgbClr r="0" g="0" b="0"/>
+          </a:lnRef>
+          <a:fillRef idx="0">
+            <a:scrgbClr r="0" g="0" b="0"/>
+          </a:fillRef>
+          <a:effectRef idx="0">
+            <a:scrgbClr r="0" g="0" b="0"/>
+          </a:effectRef>
+          <a:fontRef idx="none"/>
+        </p:style>
+        <p:txBody>
+          <a:bodyPr wrap="square">
+            <a:spAutoFit/>
+          </a:bodyPr>
+          <a:lstStyle/>
+          <a:p>
+            <a:pPr algn="l"/>
+            <a:endParaRPr lang="en-GB" sz="1200" b="0" dirty="0">
+              <a:solidFill>
+                <a:srgbClr val="0000FF"/>
+              </a:solidFill>
+              <a:effectLst/>
+              <a:latin typeface="Courier New" panose="02070309020205020404" pitchFamily="49" charset="0"/>
+            </a:endParaRPr>
+          </a:p>
+          <a:p>
+            <a:pPr algn="l"/>
+            <a:endParaRPr lang="en-GB" sz="1200" b="0" dirty="0">
+              <a:solidFill>
+                <a:srgbClr val="0000FF"/>
+              </a:solidFill>
+              <a:effectLst/>
+              <a:latin typeface="Courier New" panose="02070309020205020404" pitchFamily="49" charset="0"/>
+            </a:endParaRPr>
+          </a:p>
+          <a:p>
+            <a:pPr algn="l"/>
+            <a:endParaRPr lang="en-GB" sz="1200" dirty="0">
+              <a:solidFill>
+                <a:srgbClr val="0000FF"/>
+              </a:solidFill>
+              <a:latin typeface="Courier New" panose="02070309020205020404" pitchFamily="49" charset="0"/>
+            </a:endParaRPr>
+          </a:p>
+          <a:p>
+            <a:pPr algn="l"/>
+            <a:endParaRPr lang="en-GB" sz="1200" b="0" dirty="0">
+              <a:solidFill>
+                <a:srgbClr val="0000FF"/>
+              </a:solidFill>
+              <a:effectLst/>
+              <a:latin typeface="Courier New" panose="02070309020205020404" pitchFamily="49" charset="0"/>
+            </a:endParaRPr>
+          </a:p>
+          <a:p>
+            <a:pPr algn="l"/>
+            <a:endParaRPr lang="en-GB" sz="1200" dirty="0">
+              <a:solidFill>
+                <a:srgbClr val="0000FF"/>
+              </a:solidFill>
+              <a:latin typeface="Courier New" panose="02070309020205020404" pitchFamily="49" charset="0"/>
+            </a:endParaRPr>
+          </a:p>
+          <a:p>
+            <a:pPr algn="l"/>
+            <a:endParaRPr lang="en-GB" sz="1200" b="0" dirty="0">
+              <a:solidFill>
+                <a:srgbClr val="0000FF"/>
+              </a:solidFill>
+              <a:effectLst/>
+              <a:latin typeface="Courier New" panose="02070309020205020404" pitchFamily="49" charset="0"/>
+            </a:endParaRPr>
+          </a:p>
+          <a:p>
+            <a:pPr algn="l"/>
+            <a:endParaRPr lang="en-GB" sz="1200" b="0" dirty="0">
+              <a:solidFill>
+                <a:srgbClr val="000000"/>
+              </a:solidFill>
+              <a:effectLst/>
+              <a:latin typeface="Courier New" panose="02070309020205020404" pitchFamily="49" charset="0"/>
+            </a:endParaRPr>
+          </a:p>
+          <a:p>
+            <a:pPr algn="l"/>
+            <a:endParaRPr lang="en-GB" sz="1200" b="0" dirty="0">
+              <a:solidFill>
+                <a:srgbClr val="000000"/>
+              </a:solidFill>
+              <a:effectLst/>
+              <a:latin typeface="Courier New" panose="02070309020205020404" pitchFamily="49" charset="0"/>
+            </a:endParaRPr>
+          </a:p>
+          <a:p>
+            <a:pPr algn="l"/>
+            <a:r>
+              <a:rPr lang="en-GB" sz="1200" dirty="0">
+                <a:solidFill>
+                  <a:srgbClr val="000000"/>
+                </a:solidFill>
+                <a:latin typeface="Courier New" panose="02070309020205020404" pitchFamily="49" charset="0"/>
+              </a:rPr>
+              <a:t>&gt;</a:t>
+            </a:r>
+            <a:r>
+              <a:rPr lang="en-GB" sz="1200" b="0" dirty="0">
+                <a:solidFill>
+                  <a:srgbClr val="000000"/>
+                </a:solidFill>
+                <a:effectLst/>
+                <a:latin typeface="Courier New" panose="02070309020205020404" pitchFamily="49" charset="0"/>
+              </a:rPr>
+              <a:t>Setup Game Environment as Lunar Lander</a:t>
+            </a:r>
+          </a:p>
+          <a:p>
+            <a:pPr algn="l"/>
+            <a:r>
+              <a:rPr lang="en-GB" sz="1200" b="0" dirty="0">
+                <a:solidFill>
+                  <a:srgbClr val="000000"/>
+                </a:solidFill>
+                <a:effectLst/>
+                <a:latin typeface="Courier New" panose="02070309020205020404" pitchFamily="49" charset="0"/>
+              </a:rPr>
+              <a:t>(The fitness can be the game reward)</a:t>
+            </a:r>
+          </a:p>
+          <a:p>
+            <a:pPr algn="l"/>
+            <a:r>
+              <a:rPr lang="en-GB" sz="1200" b="0" dirty="0">
+                <a:solidFill>
+                  <a:srgbClr val="000000"/>
+                </a:solidFill>
+                <a:effectLst/>
+                <a:latin typeface="Courier New" panose="02070309020205020404" pitchFamily="49" charset="0"/>
+              </a:rPr>
+              <a:t>&gt;Define a Neural Network</a:t>
+            </a:r>
+            <a:br>
+              <a:rPr lang="en-GB" sz="1200" b="0" dirty="0">
+                <a:solidFill>
+                  <a:srgbClr val="000000"/>
+                </a:solidFill>
+                <a:effectLst/>
+                <a:latin typeface="Courier New" panose="02070309020205020404" pitchFamily="49" charset="0"/>
+              </a:rPr>
+            </a:br>
+            <a:r>
+              <a:rPr lang="en-GB" sz="1200" b="0" dirty="0">
+                <a:solidFill>
+                  <a:srgbClr val="000000"/>
+                </a:solidFill>
+                <a:effectLst/>
+                <a:latin typeface="Courier New" panose="02070309020205020404" pitchFamily="49" charset="0"/>
+              </a:rPr>
+              <a:t>&gt;Choose an Evolutionary Strategy</a:t>
+            </a:r>
+            <a:br>
+              <a:rPr lang="en-GB" sz="1200" b="0" dirty="0">
+                <a:solidFill>
+                  <a:srgbClr val="000000"/>
+                </a:solidFill>
+                <a:effectLst/>
+                <a:latin typeface="Courier New" panose="02070309020205020404" pitchFamily="49" charset="0"/>
+              </a:rPr>
+            </a:br>
+            <a:r>
+              <a:rPr lang="en-GB" sz="1200" b="0" dirty="0">
+                <a:solidFill>
+                  <a:srgbClr val="000000"/>
+                </a:solidFill>
+                <a:effectLst/>
+                <a:latin typeface="Courier New" panose="02070309020205020404" pitchFamily="49" charset="0"/>
+              </a:rPr>
+              <a:t>&gt;Evolve the Network</a:t>
+            </a:r>
+            <a:br>
+              <a:rPr lang="en-GB" sz="1200" b="0" dirty="0">
+                <a:solidFill>
+                  <a:srgbClr val="000000"/>
+                </a:solidFill>
+                <a:effectLst/>
+                <a:latin typeface="Courier New" panose="02070309020205020404" pitchFamily="49" charset="0"/>
+              </a:rPr>
+            </a:br>
+            <a:r>
+              <a:rPr lang="en-GB" sz="1200" b="0" dirty="0">
+                <a:solidFill>
+                  <a:srgbClr val="000000"/>
+                </a:solidFill>
+                <a:effectLst/>
+                <a:latin typeface="Courier New" panose="02070309020205020404" pitchFamily="49" charset="0"/>
+              </a:rPr>
+              <a:t>&gt;Evaluate / Visualise</a:t>
+            </a:r>
+          </a:p>
+        </p:txBody>
+      </p:sp>
+      <p:sp>
+        <p:nvSpPr>
+          <p:cNvPr id="4" name="TextBox 3">
+            <a:extLst>
+              <a:ext uri="{FF2B5EF4-FFF2-40B4-BE49-F238E27FC236}">
+                <a16:creationId xmlns:a16="http://schemas.microsoft.com/office/drawing/2014/main" id="{B1D2C1D4-1865-132B-3F82-2A6755028BEF}"/>
+              </a:ext>
+            </a:extLst>
+          </p:cNvPr>
+          <p:cNvSpPr txBox="1"/>
+          <p:nvPr/>
+        </p:nvSpPr>
+        <p:spPr>
+          <a:xfrm>
+            <a:off x="465477" y="4016243"/>
+            <a:ext cx="3183959" cy="900246"/>
+          </a:xfrm>
+          <a:prstGeom prst="rect">
+            <a:avLst/>
+          </a:prstGeom>
+          <a:noFill/>
+          <a:ln w="12700" cap="flat">
+            <a:noFill/>
+            <a:miter lim="400000"/>
+          </a:ln>
+          <a:effectLst/>
+          <a:sp3d/>
+        </p:spPr>
+        <p:style>
+          <a:lnRef idx="0">
+            <a:scrgbClr r="0" g="0" b="0"/>
+          </a:lnRef>
+          <a:fillRef idx="0">
+            <a:scrgbClr r="0" g="0" b="0"/>
+          </a:fillRef>
+          <a:effectRef idx="0">
+            <a:scrgbClr r="0" g="0" b="0"/>
+          </a:effectRef>
+          <a:fontRef idx="none"/>
+        </p:style>
+        <p:txBody>
+          <a:bodyPr wrap="square">
+            <a:spAutoFit/>
+          </a:bodyPr>
+          <a:lstStyle/>
+          <a:p>
+            <a:pPr algn="l"/>
+            <a:r>
+              <a:rPr lang="en-GB" sz="1200" b="0" dirty="0">
+                <a:solidFill>
+                  <a:schemeClr val="bg1">
+                    <a:lumMod val="50000"/>
+                  </a:schemeClr>
+                </a:solidFill>
+                <a:effectLst/>
+                <a:latin typeface="Courier New" panose="02070309020205020404" pitchFamily="49" charset="0"/>
+              </a:rPr>
+              <a:t>#For Box2D you </a:t>
+            </a:r>
+            <a:r>
+              <a:rPr lang="en-GB" sz="1200" dirty="0">
+                <a:solidFill>
+                  <a:schemeClr val="bg1">
+                    <a:lumMod val="50000"/>
+                  </a:schemeClr>
+                </a:solidFill>
+                <a:latin typeface="Courier New" panose="02070309020205020404" pitchFamily="49" charset="0"/>
+              </a:rPr>
+              <a:t>may need install:</a:t>
+            </a:r>
+          </a:p>
+          <a:p>
+            <a:pPr algn="l"/>
+            <a:r>
+              <a:rPr lang="en-GB" sz="1200" b="0" dirty="0">
+                <a:solidFill>
+                  <a:schemeClr val="bg1">
+                    <a:lumMod val="50000"/>
+                  </a:schemeClr>
+                </a:solidFill>
+                <a:effectLst/>
+                <a:latin typeface="Courier New" panose="02070309020205020404" pitchFamily="49" charset="0"/>
+              </a:rPr>
+              <a:t>!pip install swig</a:t>
+            </a:r>
+          </a:p>
+          <a:p>
+            <a:pPr algn="l"/>
+            <a:r>
+              <a:rPr lang="en-GB" sz="1200" b="0" dirty="0">
+                <a:solidFill>
+                  <a:schemeClr val="bg1">
+                    <a:lumMod val="50000"/>
+                  </a:schemeClr>
+                </a:solidFill>
+                <a:effectLst/>
+                <a:latin typeface="Courier New" panose="02070309020205020404" pitchFamily="49" charset="0"/>
+              </a:rPr>
+              <a:t>!pip install gym[box2D]</a:t>
+            </a:r>
+          </a:p>
+        </p:txBody>
+      </p:sp>
+    </p:spTree>
+    <p:extLst>
+      <p:ext uri="{BB962C8B-B14F-4D97-AF65-F5344CB8AC3E}">
+        <p14:creationId xmlns:p14="http://schemas.microsoft.com/office/powerpoint/2010/main" val="494746275"/>
+      </p:ext>
+    </p:extLst>
+  </p:cSld>
+  <p:clrMapOvr>
+    <a:masterClrMapping/>
+  </p:clrMapOvr>
+  <p:transition spd="med"/>
+</p:sld>
+</file>
+
+<file path=ppt/slides/slide34.xml><?xml version="1.0" encoding="utf-8"?>
+<p:sld xmlns:a="http://schemas.openxmlformats.org/drawingml/2006/main" xmlns:r="http://schemas.openxmlformats.org/officeDocument/2006/relationships" xmlns:p="http://schemas.openxmlformats.org/presentationml/2006/main">
+  <p:cSld>
+    <p:bg>
+      <p:bgPr>
+        <a:solidFill>
+          <a:srgbClr val="D9D9D9"/>
+        </a:solidFill>
+        <a:effectLst/>
+      </p:bgPr>
+    </p:bg>
+    <p:spTree>
+      <p:nvGrpSpPr>
+        <p:cNvPr id="1" name=""/>
+        <p:cNvGrpSpPr/>
+        <p:nvPr/>
+      </p:nvGrpSpPr>
+      <p:grpSpPr>
+        <a:xfrm>
+          <a:off x="0" y="0"/>
+          <a:ext cx="0" cy="0"/>
+          <a:chOff x="0" y="0"/>
+          <a:chExt cx="0" cy="0"/>
+        </a:xfrm>
+      </p:grpSpPr>
+      <p:sp>
+        <p:nvSpPr>
+          <p:cNvPr id="248" name="Google Shape;73;p15"/>
+          <p:cNvSpPr/>
+          <p:nvPr/>
+        </p:nvSpPr>
+        <p:spPr>
+          <a:xfrm>
+            <a:off x="217499" y="245475"/>
+            <a:ext cx="8709002" cy="1"/>
+          </a:xfrm>
+          <a:prstGeom prst="line">
+            <a:avLst/>
+          </a:prstGeom>
+          <a:ln>
+            <a:solidFill>
+              <a:srgbClr val="073763"/>
+            </a:solidFill>
+          </a:ln>
+        </p:spPr>
+        <p:txBody>
+          <a:bodyPr lIns="0" tIns="0" rIns="0" bIns="0"/>
+          <a:lstStyle/>
+          <a:p>
+            <a:pPr algn="l">
+              <a:lnSpc>
+                <a:spcPct val="100000"/>
+              </a:lnSpc>
+              <a:defRPr sz="1400">
+                <a:solidFill>
+                  <a:srgbClr val="000000"/>
+                </a:solidFill>
+                <a:latin typeface="+mj-lt"/>
+                <a:ea typeface="+mj-ea"/>
+                <a:cs typeface="+mj-cs"/>
+                <a:sym typeface="Arial"/>
+              </a:defRPr>
+            </a:pPr>
+            <a:endParaRPr/>
+          </a:p>
+        </p:txBody>
+      </p:sp>
+      <p:sp>
+        <p:nvSpPr>
+          <p:cNvPr id="249" name="Google Shape;124;p20"/>
+          <p:cNvSpPr txBox="1"/>
+          <p:nvPr/>
+        </p:nvSpPr>
+        <p:spPr>
+          <a:xfrm>
+            <a:off x="385389" y="938568"/>
+            <a:ext cx="2924019" cy="3231622"/>
+          </a:xfrm>
+          <a:prstGeom prst="rect">
+            <a:avLst/>
+          </a:prstGeom>
+          <a:ln w="12700">
+            <a:miter lim="400000"/>
+          </a:ln>
+          <a:extLst>
+            <a:ext uri="{C572A759-6A51-4108-AA02-DFA0A04FC94B}">
+              <ma14:wrappingTextBoxFlag xmlns="" xmlns:m="http://schemas.openxmlformats.org/officeDocument/2006/math" xmlns:a14="http://schemas.microsoft.com/office/drawing/2010/main" xmlns:ma14="http://schemas.microsoft.com/office/mac/drawingml/2011/main" val="1"/>
+            </a:ext>
+          </a:extLst>
+        </p:spPr>
+        <p:txBody>
+          <a:bodyPr lIns="91424" tIns="91424" rIns="91424" bIns="91424">
+            <a:spAutoFit/>
+          </a:bodyPr>
+          <a:lstStyle>
+            <a:lvl1pPr algn="l">
+              <a:lnSpc>
+                <a:spcPct val="100000"/>
+              </a:lnSpc>
+              <a:defRPr sz="2200">
+                <a:solidFill>
+                  <a:srgbClr val="75910B"/>
+                </a:solidFill>
+                <a:latin typeface="+mn-lt"/>
+                <a:ea typeface="+mn-ea"/>
+                <a:cs typeface="+mn-cs"/>
+                <a:sym typeface="IBM Plex Sans"/>
+              </a:defRPr>
+            </a:lvl1pPr>
+          </a:lstStyle>
+          <a:p>
+            <a:r>
+              <a:rPr lang="da-DK" dirty="0"/>
+              <a:t>(3) </a:t>
+            </a:r>
+            <a:r>
+              <a:rPr lang="da-DK" dirty="0" err="1"/>
+              <a:t>Hebbian</a:t>
+            </a:r>
+            <a:r>
+              <a:rPr lang="da-DK" dirty="0"/>
+              <a:t> Learning</a:t>
+            </a:r>
+          </a:p>
+          <a:p>
+            <a:r>
+              <a:rPr lang="da-DK" dirty="0"/>
+              <a:t>For </a:t>
+            </a:r>
+            <a:r>
+              <a:rPr lang="da-DK" dirty="0" err="1"/>
+              <a:t>boolean</a:t>
+            </a:r>
+            <a:r>
+              <a:rPr lang="da-DK" dirty="0"/>
+              <a:t> Gate</a:t>
+            </a:r>
+          </a:p>
+          <a:p>
+            <a:endParaRPr lang="da-DK" dirty="0"/>
+          </a:p>
+          <a:p>
+            <a:endParaRPr lang="da-DK" dirty="0"/>
+          </a:p>
+          <a:p>
+            <a:endParaRPr lang="da-DK" dirty="0"/>
+          </a:p>
+          <a:p>
+            <a:endParaRPr lang="da-DK" dirty="0"/>
+          </a:p>
+          <a:p>
+            <a:r>
+              <a:rPr lang="da-DK" dirty="0"/>
+              <a:t>(4) </a:t>
+            </a:r>
+            <a:r>
+              <a:rPr lang="da-DK" dirty="0" err="1"/>
+              <a:t>Hebbian</a:t>
+            </a:r>
+            <a:r>
+              <a:rPr lang="da-DK" dirty="0"/>
+              <a:t> Learning </a:t>
+            </a:r>
+          </a:p>
+          <a:p>
+            <a:r>
+              <a:rPr lang="da-DK" dirty="0"/>
+              <a:t> for RL Agent </a:t>
+            </a:r>
+          </a:p>
+          <a:p>
+            <a:endParaRPr dirty="0"/>
+          </a:p>
+        </p:txBody>
+      </p:sp>
+      <p:sp>
+        <p:nvSpPr>
+          <p:cNvPr id="250" name="Google Shape;55;p13"/>
+          <p:cNvSpPr txBox="1"/>
+          <p:nvPr/>
+        </p:nvSpPr>
+        <p:spPr>
+          <a:xfrm>
+            <a:off x="130048" y="0"/>
+            <a:ext cx="3134841" cy="284451"/>
+          </a:xfrm>
+          <a:prstGeom prst="rect">
+            <a:avLst/>
+          </a:prstGeom>
+          <a:ln w="12700">
+            <a:miter lim="400000"/>
+          </a:ln>
+          <a:extLst>
+            <a:ext uri="{C572A759-6A51-4108-AA02-DFA0A04FC94B}">
+              <ma14:wrappingTextBoxFlag xmlns="" xmlns:m="http://schemas.openxmlformats.org/officeDocument/2006/math" xmlns:a14="http://schemas.microsoft.com/office/drawing/2010/main" xmlns:ma14="http://schemas.microsoft.com/office/mac/drawingml/2011/main" val="1"/>
+            </a:ext>
+          </a:extLst>
+        </p:spPr>
+        <p:txBody>
+          <a:bodyPr lIns="91424" tIns="91424" rIns="91424" bIns="91424">
+            <a:spAutoFit/>
+          </a:bodyPr>
+          <a:lstStyle/>
+          <a:p>
+            <a:r>
+              <a:t>Deep Learning for Games and Simulations</a:t>
+            </a:r>
+          </a:p>
+        </p:txBody>
+      </p:sp>
+      <p:sp>
+        <p:nvSpPr>
+          <p:cNvPr id="251" name="Google Shape;56;p13"/>
+          <p:cNvSpPr txBox="1"/>
+          <p:nvPr/>
+        </p:nvSpPr>
+        <p:spPr>
+          <a:xfrm>
+            <a:off x="6600259" y="0"/>
+            <a:ext cx="2384701" cy="284450"/>
+          </a:xfrm>
+          <a:prstGeom prst="rect">
+            <a:avLst/>
+          </a:prstGeom>
+          <a:ln w="12700">
+            <a:miter lim="400000"/>
+          </a:ln>
+          <a:extLst>
+            <a:ext uri="{C572A759-6A51-4108-AA02-DFA0A04FC94B}">
+              <ma14:wrappingTextBoxFlag xmlns="" xmlns:m="http://schemas.openxmlformats.org/officeDocument/2006/math" xmlns:a14="http://schemas.microsoft.com/office/drawing/2010/main" xmlns:ma14="http://schemas.microsoft.com/office/mac/drawingml/2011/main" val="1"/>
+            </a:ext>
+          </a:extLst>
+        </p:spPr>
+        <p:txBody>
+          <a:bodyPr lIns="91424" tIns="91424" rIns="91424" bIns="91424">
+            <a:spAutoFit/>
+          </a:bodyPr>
+          <a:lstStyle/>
+          <a:p>
+            <a:r>
+              <a:t>ITU Copenhagen, Fall 2023</a:t>
+            </a:r>
+          </a:p>
+        </p:txBody>
+      </p:sp>
+      <p:sp>
+        <p:nvSpPr>
+          <p:cNvPr id="252" name="Environment:…"/>
+          <p:cNvSpPr txBox="1"/>
+          <p:nvPr/>
+        </p:nvSpPr>
+        <p:spPr>
+          <a:xfrm>
+            <a:off x="3319820" y="938568"/>
+            <a:ext cx="5675552" cy="4583242"/>
+          </a:xfrm>
+          <a:prstGeom prst="rect">
+            <a:avLst/>
+          </a:prstGeom>
+          <a:ln w="12700">
+            <a:miter lim="400000"/>
+          </a:ln>
+          <a:extLst>
+            <a:ext uri="{C572A759-6A51-4108-AA02-DFA0A04FC94B}">
+              <ma14:wrappingTextBoxFlag xmlns="" xmlns:m="http://schemas.openxmlformats.org/officeDocument/2006/math" xmlns:a14="http://schemas.microsoft.com/office/drawing/2010/main" xmlns:ma14="http://schemas.microsoft.com/office/mac/drawingml/2011/main" val="1"/>
             </a:ext>
           </a:extLst>
         </p:spPr>
@@ -15383,7 +15687,7 @@
           </a:ln>
           <a:extLst>
             <a:ext uri="{C572A759-6A51-4108-AA02-DFA0A04FC94B}">
-              <ma14:wrappingTextBoxFlag xmlns:ma14="http://schemas.microsoft.com/office/mac/drawingml/2011/main" xmlns:a14="http://schemas.microsoft.com/office/drawing/2010/main" xmlns:m="http://schemas.openxmlformats.org/officeDocument/2006/math" xmlns="" val="1"/>
+              <ma14:wrappingTextBoxFlag xmlns="" xmlns:m="http://schemas.openxmlformats.org/officeDocument/2006/math" xmlns:a14="http://schemas.microsoft.com/office/drawing/2010/main" xmlns:ma14="http://schemas.microsoft.com/office/mac/drawingml/2011/main" val="1"/>
             </a:ext>
           </a:extLst>
         </p:spPr>
@@ -15418,7 +15722,7 @@
           </a:ln>
           <a:extLst>
             <a:ext uri="{C572A759-6A51-4108-AA02-DFA0A04FC94B}">
-              <ma14:wrappingTextBoxFlag xmlns:ma14="http://schemas.microsoft.com/office/mac/drawingml/2011/main" xmlns:a14="http://schemas.microsoft.com/office/drawing/2010/main" xmlns:m="http://schemas.openxmlformats.org/officeDocument/2006/math" xmlns="" val="1"/>
+              <ma14:wrappingTextBoxFlag xmlns="" xmlns:m="http://schemas.openxmlformats.org/officeDocument/2006/math" xmlns:a14="http://schemas.microsoft.com/office/drawing/2010/main" xmlns:ma14="http://schemas.microsoft.com/office/mac/drawingml/2011/main" val="1"/>
             </a:ext>
           </a:extLst>
         </p:spPr>
@@ -15453,7 +15757,7 @@
           </a:ln>
           <a:extLst>
             <a:ext uri="{C572A759-6A51-4108-AA02-DFA0A04FC94B}">
-              <ma14:wrappingTextBoxFlag xmlns:ma14="http://schemas.microsoft.com/office/mac/drawingml/2011/main" xmlns:a14="http://schemas.microsoft.com/office/drawing/2010/main" xmlns:m="http://schemas.openxmlformats.org/officeDocument/2006/math" xmlns="" val="1"/>
+              <ma14:wrappingTextBoxFlag xmlns="" xmlns:m="http://schemas.openxmlformats.org/officeDocument/2006/math" xmlns:a14="http://schemas.microsoft.com/office/drawing/2010/main" xmlns:ma14="http://schemas.microsoft.com/office/mac/drawingml/2011/main" val="1"/>
             </a:ext>
           </a:extLst>
         </p:spPr>
@@ -15529,7 +15833,7 @@
           </a:ln>
           <a:extLst>
             <a:ext uri="{C572A759-6A51-4108-AA02-DFA0A04FC94B}">
-              <ma14:wrappingTextBoxFlag xmlns:ma14="http://schemas.microsoft.com/office/mac/drawingml/2011/main" xmlns:a14="http://schemas.microsoft.com/office/drawing/2010/main" xmlns:m="http://schemas.openxmlformats.org/officeDocument/2006/math" xmlns="" val="1"/>
+              <ma14:wrappingTextBoxFlag xmlns="" xmlns:m="http://schemas.openxmlformats.org/officeDocument/2006/math" xmlns:a14="http://schemas.microsoft.com/office/drawing/2010/main" xmlns:ma14="http://schemas.microsoft.com/office/mac/drawingml/2011/main" val="1"/>
             </a:ext>
           </a:extLst>
         </p:spPr>
@@ -15655,7 +15959,7 @@
           </a:ln>
           <a:extLst>
             <a:ext uri="{C572A759-6A51-4108-AA02-DFA0A04FC94B}">
-              <ma14:wrappingTextBoxFlag xmlns:ma14="http://schemas.microsoft.com/office/mac/drawingml/2011/main" xmlns:a14="http://schemas.microsoft.com/office/drawing/2010/main" xmlns:m="http://schemas.openxmlformats.org/officeDocument/2006/math" xmlns="" val="1"/>
+              <ma14:wrappingTextBoxFlag xmlns="" xmlns:m="http://schemas.openxmlformats.org/officeDocument/2006/math" xmlns:a14="http://schemas.microsoft.com/office/drawing/2010/main" xmlns:ma14="http://schemas.microsoft.com/office/mac/drawingml/2011/main" val="1"/>
             </a:ext>
           </a:extLst>
         </p:spPr>
@@ -15690,7 +15994,7 @@
           </a:ln>
           <a:extLst>
             <a:ext uri="{C572A759-6A51-4108-AA02-DFA0A04FC94B}">
-              <ma14:wrappingTextBoxFlag xmlns:ma14="http://schemas.microsoft.com/office/mac/drawingml/2011/main" xmlns:a14="http://schemas.microsoft.com/office/drawing/2010/main" xmlns:m="http://schemas.openxmlformats.org/officeDocument/2006/math" xmlns="" val="1"/>
+              <ma14:wrappingTextBoxFlag xmlns="" xmlns:m="http://schemas.openxmlformats.org/officeDocument/2006/math" xmlns:a14="http://schemas.microsoft.com/office/drawing/2010/main" xmlns:ma14="http://schemas.microsoft.com/office/mac/drawingml/2011/main" val="1"/>
             </a:ext>
           </a:extLst>
         </p:spPr>
@@ -15725,7 +16029,7 @@
           </a:ln>
           <a:extLst>
             <a:ext uri="{C572A759-6A51-4108-AA02-DFA0A04FC94B}">
-              <ma14:wrappingTextBoxFlag xmlns:ma14="http://schemas.microsoft.com/office/mac/drawingml/2011/main" xmlns:a14="http://schemas.microsoft.com/office/drawing/2010/main" xmlns:m="http://schemas.openxmlformats.org/officeDocument/2006/math" xmlns="" val="1"/>
+              <ma14:wrappingTextBoxFlag xmlns="" xmlns:m="http://schemas.openxmlformats.org/officeDocument/2006/math" xmlns:a14="http://schemas.microsoft.com/office/drawing/2010/main" xmlns:ma14="http://schemas.microsoft.com/office/mac/drawingml/2011/main" val="1"/>
             </a:ext>
           </a:extLst>
         </p:spPr>
@@ -15777,7 +16081,7 @@
           </a:ln>
           <a:extLst>
             <a:ext uri="{C572A759-6A51-4108-AA02-DFA0A04FC94B}">
-              <ma14:wrappingTextBoxFlag xmlns:ma14="http://schemas.microsoft.com/office/mac/drawingml/2011/main" xmlns:a14="http://schemas.microsoft.com/office/drawing/2010/main" xmlns:m="http://schemas.openxmlformats.org/officeDocument/2006/math" xmlns="" val="1"/>
+              <ma14:wrappingTextBoxFlag xmlns="" xmlns:m="http://schemas.openxmlformats.org/officeDocument/2006/math" xmlns:a14="http://schemas.microsoft.com/office/drawing/2010/main" xmlns:ma14="http://schemas.microsoft.com/office/mac/drawingml/2011/main" val="1"/>
             </a:ext>
           </a:extLst>
         </p:spPr>
@@ -16042,7 +16346,7 @@
           </a:ln>
           <a:extLst>
             <a:ext uri="{C572A759-6A51-4108-AA02-DFA0A04FC94B}">
-              <ma14:wrappingTextBoxFlag xmlns:ma14="http://schemas.microsoft.com/office/mac/drawingml/2011/main" xmlns:a14="http://schemas.microsoft.com/office/drawing/2010/main" xmlns:m="http://schemas.openxmlformats.org/officeDocument/2006/math" xmlns="" val="1"/>
+              <ma14:wrappingTextBoxFlag xmlns="" xmlns:m="http://schemas.openxmlformats.org/officeDocument/2006/math" xmlns:a14="http://schemas.microsoft.com/office/drawing/2010/main" xmlns:ma14="http://schemas.microsoft.com/office/mac/drawingml/2011/main" val="1"/>
             </a:ext>
           </a:extLst>
         </p:spPr>
@@ -16077,7 +16381,7 @@
           </a:ln>
           <a:extLst>
             <a:ext uri="{C572A759-6A51-4108-AA02-DFA0A04FC94B}">
-              <ma14:wrappingTextBoxFlag xmlns:ma14="http://schemas.microsoft.com/office/mac/drawingml/2011/main" xmlns:a14="http://schemas.microsoft.com/office/drawing/2010/main" xmlns:m="http://schemas.openxmlformats.org/officeDocument/2006/math" xmlns="" val="1"/>
+              <ma14:wrappingTextBoxFlag xmlns="" xmlns:m="http://schemas.openxmlformats.org/officeDocument/2006/math" xmlns:a14="http://schemas.microsoft.com/office/drawing/2010/main" xmlns:ma14="http://schemas.microsoft.com/office/mac/drawingml/2011/main" val="1"/>
             </a:ext>
           </a:extLst>
         </p:spPr>
@@ -16112,7 +16416,7 @@
           </a:ln>
           <a:extLst>
             <a:ext uri="{C572A759-6A51-4108-AA02-DFA0A04FC94B}">
-              <ma14:wrappingTextBoxFlag xmlns:ma14="http://schemas.microsoft.com/office/mac/drawingml/2011/main" xmlns:a14="http://schemas.microsoft.com/office/drawing/2010/main" xmlns:m="http://schemas.openxmlformats.org/officeDocument/2006/math" xmlns="" val="1"/>
+              <ma14:wrappingTextBoxFlag xmlns="" xmlns:m="http://schemas.openxmlformats.org/officeDocument/2006/math" xmlns:a14="http://schemas.microsoft.com/office/drawing/2010/main" xmlns:ma14="http://schemas.microsoft.com/office/mac/drawingml/2011/main" val="1"/>
             </a:ext>
           </a:extLst>
         </p:spPr>
@@ -16250,7 +16554,7 @@
           </a:ln>
           <a:extLst>
             <a:ext uri="{C572A759-6A51-4108-AA02-DFA0A04FC94B}">
-              <ma14:wrappingTextBoxFlag xmlns:ma14="http://schemas.microsoft.com/office/mac/drawingml/2011/main" xmlns:a14="http://schemas.microsoft.com/office/drawing/2010/main" xmlns:m="http://schemas.openxmlformats.org/officeDocument/2006/math" xmlns="" val="1"/>
+              <ma14:wrappingTextBoxFlag xmlns="" xmlns:m="http://schemas.openxmlformats.org/officeDocument/2006/math" xmlns:a14="http://schemas.microsoft.com/office/drawing/2010/main" xmlns:ma14="http://schemas.microsoft.com/office/mac/drawingml/2011/main" val="1"/>
             </a:ext>
           </a:extLst>
         </p:spPr>
@@ -16302,7 +16606,7 @@
           </a:ln>
           <a:extLst>
             <a:ext uri="{C572A759-6A51-4108-AA02-DFA0A04FC94B}">
-              <ma14:wrappingTextBoxFlag xmlns:ma14="http://schemas.microsoft.com/office/mac/drawingml/2011/main" xmlns:a14="http://schemas.microsoft.com/office/drawing/2010/main" xmlns:m="http://schemas.openxmlformats.org/officeDocument/2006/math" xmlns="" val="1"/>
+              <ma14:wrappingTextBoxFlag xmlns="" xmlns:m="http://schemas.openxmlformats.org/officeDocument/2006/math" xmlns:a14="http://schemas.microsoft.com/office/drawing/2010/main" xmlns:ma14="http://schemas.microsoft.com/office/mac/drawingml/2011/main" val="1"/>
             </a:ext>
           </a:extLst>
         </p:spPr>
@@ -16502,7 +16806,7 @@
           </a:ln>
           <a:extLst>
             <a:ext uri="{C572A759-6A51-4108-AA02-DFA0A04FC94B}">
-              <ma14:wrappingTextBoxFlag xmlns:ma14="http://schemas.microsoft.com/office/mac/drawingml/2011/main" xmlns:a14="http://schemas.microsoft.com/office/drawing/2010/main" xmlns:m="http://schemas.openxmlformats.org/officeDocument/2006/math" xmlns="" val="1"/>
+              <ma14:wrappingTextBoxFlag xmlns="" xmlns:m="http://schemas.openxmlformats.org/officeDocument/2006/math" xmlns:a14="http://schemas.microsoft.com/office/drawing/2010/main" xmlns:ma14="http://schemas.microsoft.com/office/mac/drawingml/2011/main" val="1"/>
             </a:ext>
           </a:extLst>
         </p:spPr>
@@ -16621,7 +16925,7 @@
           </a:ln>
           <a:extLst>
             <a:ext uri="{C572A759-6A51-4108-AA02-DFA0A04FC94B}">
-              <ma14:wrappingTextBoxFlag xmlns:ma14="http://schemas.microsoft.com/office/mac/drawingml/2011/main" xmlns:a14="http://schemas.microsoft.com/office/drawing/2010/main" xmlns:m="http://schemas.openxmlformats.org/officeDocument/2006/math" xmlns="" val="1"/>
+              <ma14:wrappingTextBoxFlag xmlns="" xmlns:m="http://schemas.openxmlformats.org/officeDocument/2006/math" xmlns:a14="http://schemas.microsoft.com/office/drawing/2010/main" xmlns:ma14="http://schemas.microsoft.com/office/mac/drawingml/2011/main" val="1"/>
             </a:ext>
           </a:extLst>
         </p:spPr>
@@ -16656,7 +16960,7 @@
           </a:ln>
           <a:extLst>
             <a:ext uri="{C572A759-6A51-4108-AA02-DFA0A04FC94B}">
-              <ma14:wrappingTextBoxFlag xmlns:ma14="http://schemas.microsoft.com/office/mac/drawingml/2011/main" xmlns:a14="http://schemas.microsoft.com/office/drawing/2010/main" xmlns:m="http://schemas.openxmlformats.org/officeDocument/2006/math" xmlns="" val="1"/>
+              <ma14:wrappingTextBoxFlag xmlns="" xmlns:m="http://schemas.openxmlformats.org/officeDocument/2006/math" xmlns:a14="http://schemas.microsoft.com/office/drawing/2010/main" xmlns:ma14="http://schemas.microsoft.com/office/mac/drawingml/2011/main" val="1"/>
             </a:ext>
           </a:extLst>
         </p:spPr>
@@ -16691,7 +16995,7 @@
           </a:ln>
           <a:extLst>
             <a:ext uri="{C572A759-6A51-4108-AA02-DFA0A04FC94B}">
-              <ma14:wrappingTextBoxFlag xmlns:ma14="http://schemas.microsoft.com/office/mac/drawingml/2011/main" xmlns:a14="http://schemas.microsoft.com/office/drawing/2010/main" xmlns:m="http://schemas.openxmlformats.org/officeDocument/2006/math" xmlns="" val="1"/>
+              <ma14:wrappingTextBoxFlag xmlns="" xmlns:m="http://schemas.openxmlformats.org/officeDocument/2006/math" xmlns:a14="http://schemas.microsoft.com/office/drawing/2010/main" xmlns:ma14="http://schemas.microsoft.com/office/mac/drawingml/2011/main" val="1"/>
             </a:ext>
           </a:extLst>
         </p:spPr>
@@ -16743,7 +17047,7 @@
           </a:ln>
           <a:extLst>
             <a:ext uri="{C572A759-6A51-4108-AA02-DFA0A04FC94B}">
-              <ma14:wrappingTextBoxFlag xmlns:ma14="http://schemas.microsoft.com/office/mac/drawingml/2011/main" xmlns:a14="http://schemas.microsoft.com/office/drawing/2010/main" xmlns:m="http://schemas.openxmlformats.org/officeDocument/2006/math" xmlns="" val="1"/>
+              <ma14:wrappingTextBoxFlag xmlns="" xmlns:m="http://schemas.openxmlformats.org/officeDocument/2006/math" xmlns:a14="http://schemas.microsoft.com/office/drawing/2010/main" xmlns:ma14="http://schemas.microsoft.com/office/mac/drawingml/2011/main" val="1"/>
             </a:ext>
           </a:extLst>
         </p:spPr>
@@ -17166,7 +17470,7 @@
           </a:ln>
           <a:extLst>
             <a:ext uri="{C572A759-6A51-4108-AA02-DFA0A04FC94B}">
-              <ma14:wrappingTextBoxFlag xmlns:ma14="http://schemas.microsoft.com/office/mac/drawingml/2011/main" xmlns:a14="http://schemas.microsoft.com/office/drawing/2010/main" xmlns:m="http://schemas.openxmlformats.org/officeDocument/2006/math" xmlns="" val="1"/>
+              <ma14:wrappingTextBoxFlag xmlns="" xmlns:m="http://schemas.openxmlformats.org/officeDocument/2006/math" xmlns:a14="http://schemas.microsoft.com/office/drawing/2010/main" xmlns:ma14="http://schemas.microsoft.com/office/mac/drawingml/2011/main" val="1"/>
             </a:ext>
           </a:extLst>
         </p:spPr>
@@ -17295,7 +17599,7 @@
           </a:ln>
           <a:extLst>
             <a:ext uri="{C572A759-6A51-4108-AA02-DFA0A04FC94B}">
-              <ma14:wrappingTextBoxFlag xmlns:ma14="http://schemas.microsoft.com/office/mac/drawingml/2011/main" xmlns:a14="http://schemas.microsoft.com/office/drawing/2010/main" xmlns:m="http://schemas.openxmlformats.org/officeDocument/2006/math" xmlns="" val="1"/>
+              <ma14:wrappingTextBoxFlag xmlns="" xmlns:m="http://schemas.openxmlformats.org/officeDocument/2006/math" xmlns:a14="http://schemas.microsoft.com/office/drawing/2010/main" xmlns:ma14="http://schemas.microsoft.com/office/mac/drawingml/2011/main" val="1"/>
             </a:ext>
           </a:extLst>
         </p:spPr>
@@ -17414,7 +17718,7 @@
           </a:ln>
           <a:extLst>
             <a:ext uri="{C572A759-6A51-4108-AA02-DFA0A04FC94B}">
-              <ma14:wrappingTextBoxFlag xmlns:ma14="http://schemas.microsoft.com/office/mac/drawingml/2011/main" xmlns:a14="http://schemas.microsoft.com/office/drawing/2010/main" xmlns:m="http://schemas.openxmlformats.org/officeDocument/2006/math" xmlns="" val="1"/>
+              <ma14:wrappingTextBoxFlag xmlns="" xmlns:m="http://schemas.openxmlformats.org/officeDocument/2006/math" xmlns:a14="http://schemas.microsoft.com/office/drawing/2010/main" xmlns:ma14="http://schemas.microsoft.com/office/mac/drawingml/2011/main" val="1"/>
             </a:ext>
           </a:extLst>
         </p:spPr>
@@ -17449,7 +17753,7 @@
           </a:ln>
           <a:extLst>
             <a:ext uri="{C572A759-6A51-4108-AA02-DFA0A04FC94B}">
-              <ma14:wrappingTextBoxFlag xmlns:ma14="http://schemas.microsoft.com/office/mac/drawingml/2011/main" xmlns:a14="http://schemas.microsoft.com/office/drawing/2010/main" xmlns:m="http://schemas.openxmlformats.org/officeDocument/2006/math" xmlns="" val="1"/>
+              <ma14:wrappingTextBoxFlag xmlns="" xmlns:m="http://schemas.openxmlformats.org/officeDocument/2006/math" xmlns:a14="http://schemas.microsoft.com/office/drawing/2010/main" xmlns:ma14="http://schemas.microsoft.com/office/mac/drawingml/2011/main" val="1"/>
             </a:ext>
           </a:extLst>
         </p:spPr>
@@ -17484,7 +17788,7 @@
           </a:ln>
           <a:extLst>
             <a:ext uri="{C572A759-6A51-4108-AA02-DFA0A04FC94B}">
-              <ma14:wrappingTextBoxFlag xmlns:ma14="http://schemas.microsoft.com/office/mac/drawingml/2011/main" xmlns:a14="http://schemas.microsoft.com/office/drawing/2010/main" xmlns:m="http://schemas.openxmlformats.org/officeDocument/2006/math" xmlns="" val="1"/>
+              <ma14:wrappingTextBoxFlag xmlns="" xmlns:m="http://schemas.openxmlformats.org/officeDocument/2006/math" xmlns:a14="http://schemas.microsoft.com/office/drawing/2010/main" xmlns:ma14="http://schemas.microsoft.com/office/mac/drawingml/2011/main" val="1"/>
             </a:ext>
           </a:extLst>
         </p:spPr>
@@ -17536,7 +17840,7 @@
           </a:ln>
           <a:extLst>
             <a:ext uri="{C572A759-6A51-4108-AA02-DFA0A04FC94B}">
-              <ma14:wrappingTextBoxFlag xmlns:ma14="http://schemas.microsoft.com/office/mac/drawingml/2011/main" xmlns:a14="http://schemas.microsoft.com/office/drawing/2010/main" xmlns:m="http://schemas.openxmlformats.org/officeDocument/2006/math" xmlns="" val="1"/>
+              <ma14:wrappingTextBoxFlag xmlns="" xmlns:m="http://schemas.openxmlformats.org/officeDocument/2006/math" xmlns:a14="http://schemas.microsoft.com/office/drawing/2010/main" xmlns:ma14="http://schemas.microsoft.com/office/mac/drawingml/2011/main" val="1"/>
             </a:ext>
           </a:extLst>
         </p:spPr>
@@ -17970,7 +18274,7 @@
           </a:ln>
           <a:extLst>
             <a:ext uri="{C572A759-6A51-4108-AA02-DFA0A04FC94B}">
-              <ma14:wrappingTextBoxFlag xmlns:ma14="http://schemas.microsoft.com/office/mac/drawingml/2011/main" xmlns:a14="http://schemas.microsoft.com/office/drawing/2010/main" xmlns:m="http://schemas.openxmlformats.org/officeDocument/2006/math" xmlns="" val="1"/>
+              <ma14:wrappingTextBoxFlag xmlns="" xmlns:m="http://schemas.openxmlformats.org/officeDocument/2006/math" xmlns:a14="http://schemas.microsoft.com/office/drawing/2010/main" xmlns:ma14="http://schemas.microsoft.com/office/mac/drawingml/2011/main" val="1"/>
             </a:ext>
           </a:extLst>
         </p:spPr>
@@ -18089,7 +18393,7 @@
           </a:ln>
           <a:extLst>
             <a:ext uri="{C572A759-6A51-4108-AA02-DFA0A04FC94B}">
-              <ma14:wrappingTextBoxFlag xmlns:ma14="http://schemas.microsoft.com/office/mac/drawingml/2011/main" xmlns:a14="http://schemas.microsoft.com/office/drawing/2010/main" xmlns:m="http://schemas.openxmlformats.org/officeDocument/2006/math" xmlns="" val="1"/>
+              <ma14:wrappingTextBoxFlag xmlns="" xmlns:m="http://schemas.openxmlformats.org/officeDocument/2006/math" xmlns:a14="http://schemas.microsoft.com/office/drawing/2010/main" xmlns:ma14="http://schemas.microsoft.com/office/mac/drawingml/2011/main" val="1"/>
             </a:ext>
           </a:extLst>
         </p:spPr>
@@ -18124,7 +18428,7 @@
           </a:ln>
           <a:extLst>
             <a:ext uri="{C572A759-6A51-4108-AA02-DFA0A04FC94B}">
-              <ma14:wrappingTextBoxFlag xmlns:ma14="http://schemas.microsoft.com/office/mac/drawingml/2011/main" xmlns:a14="http://schemas.microsoft.com/office/drawing/2010/main" xmlns:m="http://schemas.openxmlformats.org/officeDocument/2006/math" xmlns="" val="1"/>
+              <ma14:wrappingTextBoxFlag xmlns="" xmlns:m="http://schemas.openxmlformats.org/officeDocument/2006/math" xmlns:a14="http://schemas.microsoft.com/office/drawing/2010/main" xmlns:ma14="http://schemas.microsoft.com/office/mac/drawingml/2011/main" val="1"/>
             </a:ext>
           </a:extLst>
         </p:spPr>
@@ -18159,7 +18463,7 @@
           </a:ln>
           <a:extLst>
             <a:ext uri="{C572A759-6A51-4108-AA02-DFA0A04FC94B}">
-              <ma14:wrappingTextBoxFlag xmlns:ma14="http://schemas.microsoft.com/office/mac/drawingml/2011/main" xmlns:a14="http://schemas.microsoft.com/office/drawing/2010/main" xmlns:m="http://schemas.openxmlformats.org/officeDocument/2006/math" xmlns="" val="1"/>
+              <ma14:wrappingTextBoxFlag xmlns="" xmlns:m="http://schemas.openxmlformats.org/officeDocument/2006/math" xmlns:a14="http://schemas.microsoft.com/office/drawing/2010/main" xmlns:ma14="http://schemas.microsoft.com/office/mac/drawingml/2011/main" val="1"/>
             </a:ext>
           </a:extLst>
         </p:spPr>
@@ -18203,7 +18507,7 @@
           </a:ln>
           <a:extLst>
             <a:ext uri="{C572A759-6A51-4108-AA02-DFA0A04FC94B}">
-              <ma14:wrappingTextBoxFlag xmlns:ma14="http://schemas.microsoft.com/office/mac/drawingml/2011/main" xmlns:a14="http://schemas.microsoft.com/office/drawing/2010/main" xmlns:m="http://schemas.openxmlformats.org/officeDocument/2006/math" xmlns="" val="1"/>
+              <ma14:wrappingTextBoxFlag xmlns="" xmlns:m="http://schemas.openxmlformats.org/officeDocument/2006/math" xmlns:a14="http://schemas.microsoft.com/office/drawing/2010/main" xmlns:ma14="http://schemas.microsoft.com/office/mac/drawingml/2011/main" val="1"/>
             </a:ext>
           </a:extLst>
         </p:spPr>

--- a/dlgs.pptx
+++ b/dlgs.pptx
@@ -5,7 +5,7 @@
     <p:sldMasterId id="2147483648" r:id="rId1"/>
   </p:sldMasterIdLst>
   <p:notesMasterIdLst>
-    <p:notesMasterId r:id="rId36"/>
+    <p:notesMasterId r:id="rId38"/>
   </p:notesMasterIdLst>
   <p:sldIdLst>
     <p:sldId id="256" r:id="rId2"/>
@@ -41,7 +41,9 @@
     <p:sldId id="291" r:id="rId32"/>
     <p:sldId id="283" r:id="rId33"/>
     <p:sldId id="286" r:id="rId34"/>
-    <p:sldId id="285" r:id="rId35"/>
+    <p:sldId id="292" r:id="rId35"/>
+    <p:sldId id="285" r:id="rId36"/>
+    <p:sldId id="293" r:id="rId37"/>
   </p:sldIdLst>
   <p:sldSz cx="9144000" cy="5143500" type="screen16x9"/>
   <p:notesSz cx="6858000" cy="9144000"/>
@@ -2153,7 +2155,7 @@
           </a:ln>
           <a:extLst>
             <a:ext uri="{C572A759-6A51-4108-AA02-DFA0A04FC94B}">
-              <ma14:wrappingTextBoxFlag xmlns="" xmlns:m="http://schemas.openxmlformats.org/officeDocument/2006/math" xmlns:a14="http://schemas.microsoft.com/office/drawing/2010/main" xmlns:ma14="http://schemas.microsoft.com/office/mac/drawingml/2011/main" val="1"/>
+              <ma14:wrappingTextBoxFlag xmlns:ma14="http://schemas.microsoft.com/office/mac/drawingml/2011/main" xmlns:a14="http://schemas.microsoft.com/office/drawing/2010/main" xmlns:m="http://schemas.openxmlformats.org/officeDocument/2006/math" xmlns="" val="1"/>
             </a:ext>
           </a:extLst>
         </p:spPr>
@@ -2192,7 +2194,7 @@
           </a:ln>
           <a:extLst>
             <a:ext uri="{C572A759-6A51-4108-AA02-DFA0A04FC94B}">
-              <ma14:wrappingTextBoxFlag xmlns="" xmlns:m="http://schemas.openxmlformats.org/officeDocument/2006/math" xmlns:a14="http://schemas.microsoft.com/office/drawing/2010/main" xmlns:ma14="http://schemas.microsoft.com/office/mac/drawingml/2011/main" val="1"/>
+              <ma14:wrappingTextBoxFlag xmlns:ma14="http://schemas.microsoft.com/office/mac/drawingml/2011/main" xmlns:a14="http://schemas.microsoft.com/office/drawing/2010/main" xmlns:m="http://schemas.openxmlformats.org/officeDocument/2006/math" xmlns="" val="1"/>
             </a:ext>
           </a:extLst>
         </p:spPr>
@@ -3154,7 +3156,7 @@
           </a:ln>
           <a:extLst>
             <a:ext uri="{C572A759-6A51-4108-AA02-DFA0A04FC94B}">
-              <ma14:wrappingTextBoxFlag xmlns="" xmlns:m="http://schemas.openxmlformats.org/officeDocument/2006/math" xmlns:a14="http://schemas.microsoft.com/office/drawing/2010/main" xmlns:ma14="http://schemas.microsoft.com/office/mac/drawingml/2011/main" val="1"/>
+              <ma14:wrappingTextBoxFlag xmlns:ma14="http://schemas.microsoft.com/office/mac/drawingml/2011/main" xmlns:a14="http://schemas.microsoft.com/office/drawing/2010/main" xmlns:m="http://schemas.openxmlformats.org/officeDocument/2006/math" xmlns="" val="1"/>
             </a:ext>
           </a:extLst>
         </p:spPr>
@@ -3189,7 +3191,7 @@
           </a:ln>
           <a:extLst>
             <a:ext uri="{C572A759-6A51-4108-AA02-DFA0A04FC94B}">
-              <ma14:wrappingTextBoxFlag xmlns="" xmlns:m="http://schemas.openxmlformats.org/officeDocument/2006/math" xmlns:a14="http://schemas.microsoft.com/office/drawing/2010/main" xmlns:ma14="http://schemas.microsoft.com/office/mac/drawingml/2011/main" val="1"/>
+              <ma14:wrappingTextBoxFlag xmlns:ma14="http://schemas.microsoft.com/office/mac/drawingml/2011/main" xmlns:a14="http://schemas.microsoft.com/office/drawing/2010/main" xmlns:m="http://schemas.openxmlformats.org/officeDocument/2006/math" xmlns="" val="1"/>
             </a:ext>
           </a:extLst>
         </p:spPr>
@@ -3224,7 +3226,7 @@
           </a:ln>
           <a:extLst>
             <a:ext uri="{C572A759-6A51-4108-AA02-DFA0A04FC94B}">
-              <ma14:wrappingTextBoxFlag xmlns="" xmlns:m="http://schemas.openxmlformats.org/officeDocument/2006/math" xmlns:a14="http://schemas.microsoft.com/office/drawing/2010/main" xmlns:ma14="http://schemas.microsoft.com/office/mac/drawingml/2011/main" val="1"/>
+              <ma14:wrappingTextBoxFlag xmlns:ma14="http://schemas.microsoft.com/office/mac/drawingml/2011/main" xmlns:a14="http://schemas.microsoft.com/office/drawing/2010/main" xmlns:m="http://schemas.openxmlformats.org/officeDocument/2006/math" xmlns="" val="1"/>
             </a:ext>
           </a:extLst>
         </p:spPr>
@@ -3395,7 +3397,7 @@
           </a:ln>
           <a:extLst>
             <a:ext uri="{C572A759-6A51-4108-AA02-DFA0A04FC94B}">
-              <ma14:wrappingTextBoxFlag xmlns="" xmlns:m="http://schemas.openxmlformats.org/officeDocument/2006/math" xmlns:a14="http://schemas.microsoft.com/office/drawing/2010/main" xmlns:ma14="http://schemas.microsoft.com/office/mac/drawingml/2011/main" val="1"/>
+              <ma14:wrappingTextBoxFlag xmlns:ma14="http://schemas.microsoft.com/office/mac/drawingml/2011/main" xmlns:a14="http://schemas.microsoft.com/office/drawing/2010/main" xmlns:m="http://schemas.openxmlformats.org/officeDocument/2006/math" xmlns="" val="1"/>
             </a:ext>
           </a:extLst>
         </p:spPr>
@@ -3499,7 +3501,7 @@
           </a:ln>
           <a:extLst>
             <a:ext uri="{C572A759-6A51-4108-AA02-DFA0A04FC94B}">
-              <ma14:wrappingTextBoxFlag xmlns="" xmlns:m="http://schemas.openxmlformats.org/officeDocument/2006/math" xmlns:a14="http://schemas.microsoft.com/office/drawing/2010/main" xmlns:ma14="http://schemas.microsoft.com/office/mac/drawingml/2011/main" val="1"/>
+              <ma14:wrappingTextBoxFlag xmlns:ma14="http://schemas.microsoft.com/office/mac/drawingml/2011/main" xmlns:a14="http://schemas.microsoft.com/office/drawing/2010/main" xmlns:m="http://schemas.openxmlformats.org/officeDocument/2006/math" xmlns="" val="1"/>
             </a:ext>
           </a:extLst>
         </p:spPr>
@@ -3534,7 +3536,7 @@
           </a:ln>
           <a:extLst>
             <a:ext uri="{C572A759-6A51-4108-AA02-DFA0A04FC94B}">
-              <ma14:wrappingTextBoxFlag xmlns="" xmlns:m="http://schemas.openxmlformats.org/officeDocument/2006/math" xmlns:a14="http://schemas.microsoft.com/office/drawing/2010/main" xmlns:ma14="http://schemas.microsoft.com/office/mac/drawingml/2011/main" val="1"/>
+              <ma14:wrappingTextBoxFlag xmlns:ma14="http://schemas.microsoft.com/office/mac/drawingml/2011/main" xmlns:a14="http://schemas.microsoft.com/office/drawing/2010/main" xmlns:m="http://schemas.openxmlformats.org/officeDocument/2006/math" xmlns="" val="1"/>
             </a:ext>
           </a:extLst>
         </p:spPr>
@@ -3645,7 +3647,7 @@
           </a:ln>
           <a:extLst>
             <a:ext uri="{C572A759-6A51-4108-AA02-DFA0A04FC94B}">
-              <ma14:wrappingTextBoxFlag xmlns="" xmlns:m="http://schemas.openxmlformats.org/officeDocument/2006/math" xmlns:a14="http://schemas.microsoft.com/office/drawing/2010/main" xmlns:ma14="http://schemas.microsoft.com/office/mac/drawingml/2011/main" val="1"/>
+              <ma14:wrappingTextBoxFlag xmlns:ma14="http://schemas.microsoft.com/office/mac/drawingml/2011/main" xmlns:a14="http://schemas.microsoft.com/office/drawing/2010/main" xmlns:m="http://schemas.openxmlformats.org/officeDocument/2006/math" xmlns="" val="1"/>
             </a:ext>
           </a:extLst>
         </p:spPr>
@@ -3680,7 +3682,7 @@
           </a:ln>
           <a:extLst>
             <a:ext uri="{C572A759-6A51-4108-AA02-DFA0A04FC94B}">
-              <ma14:wrappingTextBoxFlag xmlns="" xmlns:m="http://schemas.openxmlformats.org/officeDocument/2006/math" xmlns:a14="http://schemas.microsoft.com/office/drawing/2010/main" xmlns:ma14="http://schemas.microsoft.com/office/mac/drawingml/2011/main" val="1"/>
+              <ma14:wrappingTextBoxFlag xmlns:ma14="http://schemas.microsoft.com/office/mac/drawingml/2011/main" xmlns:a14="http://schemas.microsoft.com/office/drawing/2010/main" xmlns:m="http://schemas.openxmlformats.org/officeDocument/2006/math" xmlns="" val="1"/>
             </a:ext>
           </a:extLst>
         </p:spPr>
@@ -3715,7 +3717,7 @@
           </a:ln>
           <a:extLst>
             <a:ext uri="{C572A759-6A51-4108-AA02-DFA0A04FC94B}">
-              <ma14:wrappingTextBoxFlag xmlns="" xmlns:m="http://schemas.openxmlformats.org/officeDocument/2006/math" xmlns:a14="http://schemas.microsoft.com/office/drawing/2010/main" xmlns:ma14="http://schemas.microsoft.com/office/mac/drawingml/2011/main" val="1"/>
+              <ma14:wrappingTextBoxFlag xmlns:ma14="http://schemas.microsoft.com/office/mac/drawingml/2011/main" xmlns:a14="http://schemas.microsoft.com/office/drawing/2010/main" xmlns:m="http://schemas.openxmlformats.org/officeDocument/2006/math" xmlns="" val="1"/>
             </a:ext>
           </a:extLst>
         </p:spPr>
@@ -3758,7 +3760,7 @@
           </a:ln>
           <a:extLst>
             <a:ext uri="{C572A759-6A51-4108-AA02-DFA0A04FC94B}">
-              <ma14:wrappingTextBoxFlag xmlns="" xmlns:m="http://schemas.openxmlformats.org/officeDocument/2006/math" xmlns:a14="http://schemas.microsoft.com/office/drawing/2010/main" xmlns:ma14="http://schemas.microsoft.com/office/mac/drawingml/2011/main" val="1"/>
+              <ma14:wrappingTextBoxFlag xmlns:ma14="http://schemas.microsoft.com/office/mac/drawingml/2011/main" xmlns:a14="http://schemas.microsoft.com/office/drawing/2010/main" xmlns:m="http://schemas.openxmlformats.org/officeDocument/2006/math" xmlns="" val="1"/>
             </a:ext>
           </a:extLst>
         </p:spPr>
@@ -3808,7 +3810,7 @@
           </a:ln>
           <a:extLst>
             <a:ext uri="{C572A759-6A51-4108-AA02-DFA0A04FC94B}">
-              <ma14:wrappingTextBoxFlag xmlns="" xmlns:m="http://schemas.openxmlformats.org/officeDocument/2006/math" xmlns:a14="http://schemas.microsoft.com/office/drawing/2010/main" xmlns:ma14="http://schemas.microsoft.com/office/mac/drawingml/2011/main" val="1"/>
+              <ma14:wrappingTextBoxFlag xmlns:ma14="http://schemas.microsoft.com/office/mac/drawingml/2011/main" xmlns:a14="http://schemas.microsoft.com/office/drawing/2010/main" xmlns:m="http://schemas.openxmlformats.org/officeDocument/2006/math" xmlns="" val="1"/>
             </a:ext>
           </a:extLst>
         </p:spPr>
@@ -3851,7 +3853,7 @@
           </a:ln>
           <a:extLst>
             <a:ext uri="{C572A759-6A51-4108-AA02-DFA0A04FC94B}">
-              <ma14:wrappingTextBoxFlag xmlns="" xmlns:m="http://schemas.openxmlformats.org/officeDocument/2006/math" xmlns:a14="http://schemas.microsoft.com/office/drawing/2010/main" xmlns:ma14="http://schemas.microsoft.com/office/mac/drawingml/2011/main" val="1"/>
+              <ma14:wrappingTextBoxFlag xmlns:ma14="http://schemas.microsoft.com/office/mac/drawingml/2011/main" xmlns:a14="http://schemas.microsoft.com/office/drawing/2010/main" xmlns:m="http://schemas.openxmlformats.org/officeDocument/2006/math" xmlns="" val="1"/>
             </a:ext>
           </a:extLst>
         </p:spPr>
@@ -3901,7 +3903,7 @@
           </a:ln>
           <a:extLst>
             <a:ext uri="{C572A759-6A51-4108-AA02-DFA0A04FC94B}">
-              <ma14:wrappingTextBoxFlag xmlns="" xmlns:m="http://schemas.openxmlformats.org/officeDocument/2006/math" xmlns:a14="http://schemas.microsoft.com/office/drawing/2010/main" xmlns:ma14="http://schemas.microsoft.com/office/mac/drawingml/2011/main" val="1"/>
+              <ma14:wrappingTextBoxFlag xmlns:ma14="http://schemas.microsoft.com/office/mac/drawingml/2011/main" xmlns:a14="http://schemas.microsoft.com/office/drawing/2010/main" xmlns:m="http://schemas.openxmlformats.org/officeDocument/2006/math" xmlns="" val="1"/>
             </a:ext>
           </a:extLst>
         </p:spPr>
@@ -3944,7 +3946,7 @@
           </a:ln>
           <a:extLst>
             <a:ext uri="{C572A759-6A51-4108-AA02-DFA0A04FC94B}">
-              <ma14:wrappingTextBoxFlag xmlns="" xmlns:m="http://schemas.openxmlformats.org/officeDocument/2006/math" xmlns:a14="http://schemas.microsoft.com/office/drawing/2010/main" xmlns:ma14="http://schemas.microsoft.com/office/mac/drawingml/2011/main" val="1"/>
+              <ma14:wrappingTextBoxFlag xmlns:ma14="http://schemas.microsoft.com/office/mac/drawingml/2011/main" xmlns:a14="http://schemas.microsoft.com/office/drawing/2010/main" xmlns:m="http://schemas.openxmlformats.org/officeDocument/2006/math" xmlns="" val="1"/>
             </a:ext>
           </a:extLst>
         </p:spPr>
@@ -4075,7 +4077,7 @@
           </a:ln>
           <a:extLst>
             <a:ext uri="{C572A759-6A51-4108-AA02-DFA0A04FC94B}">
-              <ma14:wrappingTextBoxFlag xmlns="" xmlns:m="http://schemas.openxmlformats.org/officeDocument/2006/math" xmlns:a14="http://schemas.microsoft.com/office/drawing/2010/main" xmlns:ma14="http://schemas.microsoft.com/office/mac/drawingml/2011/main" val="1"/>
+              <ma14:wrappingTextBoxFlag xmlns:ma14="http://schemas.microsoft.com/office/mac/drawingml/2011/main" xmlns:a14="http://schemas.microsoft.com/office/drawing/2010/main" xmlns:m="http://schemas.openxmlformats.org/officeDocument/2006/math" xmlns="" val="1"/>
             </a:ext>
           </a:extLst>
         </p:spPr>
@@ -4110,7 +4112,7 @@
           </a:ln>
           <a:extLst>
             <a:ext uri="{C572A759-6A51-4108-AA02-DFA0A04FC94B}">
-              <ma14:wrappingTextBoxFlag xmlns="" xmlns:m="http://schemas.openxmlformats.org/officeDocument/2006/math" xmlns:a14="http://schemas.microsoft.com/office/drawing/2010/main" xmlns:ma14="http://schemas.microsoft.com/office/mac/drawingml/2011/main" val="1"/>
+              <ma14:wrappingTextBoxFlag xmlns:ma14="http://schemas.microsoft.com/office/mac/drawingml/2011/main" xmlns:a14="http://schemas.microsoft.com/office/drawing/2010/main" xmlns:m="http://schemas.openxmlformats.org/officeDocument/2006/math" xmlns="" val="1"/>
             </a:ext>
           </a:extLst>
         </p:spPr>
@@ -4145,7 +4147,7 @@
           </a:ln>
           <a:extLst>
             <a:ext uri="{C572A759-6A51-4108-AA02-DFA0A04FC94B}">
-              <ma14:wrappingTextBoxFlag xmlns="" xmlns:m="http://schemas.openxmlformats.org/officeDocument/2006/math" xmlns:a14="http://schemas.microsoft.com/office/drawing/2010/main" xmlns:ma14="http://schemas.microsoft.com/office/mac/drawingml/2011/main" val="1"/>
+              <ma14:wrappingTextBoxFlag xmlns:ma14="http://schemas.microsoft.com/office/mac/drawingml/2011/main" xmlns:a14="http://schemas.microsoft.com/office/drawing/2010/main" xmlns:m="http://schemas.openxmlformats.org/officeDocument/2006/math" xmlns="" val="1"/>
             </a:ext>
           </a:extLst>
         </p:spPr>
@@ -4218,7 +4220,7 @@
           </a:ln>
           <a:extLst>
             <a:ext uri="{C572A759-6A51-4108-AA02-DFA0A04FC94B}">
-              <ma14:wrappingTextBoxFlag xmlns="" xmlns:m="http://schemas.openxmlformats.org/officeDocument/2006/math" xmlns:a14="http://schemas.microsoft.com/office/drawing/2010/main" xmlns:ma14="http://schemas.microsoft.com/office/mac/drawingml/2011/main" val="1"/>
+              <ma14:wrappingTextBoxFlag xmlns:ma14="http://schemas.microsoft.com/office/mac/drawingml/2011/main" xmlns:a14="http://schemas.microsoft.com/office/drawing/2010/main" xmlns:m="http://schemas.openxmlformats.org/officeDocument/2006/math" xmlns="" val="1"/>
             </a:ext>
           </a:extLst>
         </p:spPr>
@@ -4339,7 +4341,7 @@
           </a:ln>
           <a:extLst>
             <a:ext uri="{C572A759-6A51-4108-AA02-DFA0A04FC94B}">
-              <ma14:wrappingTextBoxFlag xmlns="" xmlns:m="http://schemas.openxmlformats.org/officeDocument/2006/math" xmlns:a14="http://schemas.microsoft.com/office/drawing/2010/main" xmlns:ma14="http://schemas.microsoft.com/office/mac/drawingml/2011/main" val="1"/>
+              <ma14:wrappingTextBoxFlag xmlns:ma14="http://schemas.microsoft.com/office/mac/drawingml/2011/main" xmlns:a14="http://schemas.microsoft.com/office/drawing/2010/main" xmlns:m="http://schemas.openxmlformats.org/officeDocument/2006/math" xmlns="" val="1"/>
             </a:ext>
           </a:extLst>
         </p:spPr>
@@ -4374,7 +4376,7 @@
           </a:ln>
           <a:extLst>
             <a:ext uri="{C572A759-6A51-4108-AA02-DFA0A04FC94B}">
-              <ma14:wrappingTextBoxFlag xmlns="" xmlns:m="http://schemas.openxmlformats.org/officeDocument/2006/math" xmlns:a14="http://schemas.microsoft.com/office/drawing/2010/main" xmlns:ma14="http://schemas.microsoft.com/office/mac/drawingml/2011/main" val="1"/>
+              <ma14:wrappingTextBoxFlag xmlns:ma14="http://schemas.microsoft.com/office/mac/drawingml/2011/main" xmlns:a14="http://schemas.microsoft.com/office/drawing/2010/main" xmlns:m="http://schemas.openxmlformats.org/officeDocument/2006/math" xmlns="" val="1"/>
             </a:ext>
           </a:extLst>
         </p:spPr>
@@ -4436,7 +4438,7 @@
           </a:ln>
           <a:extLst>
             <a:ext uri="{C572A759-6A51-4108-AA02-DFA0A04FC94B}">
-              <ma14:wrappingTextBoxFlag xmlns="" xmlns:m="http://schemas.openxmlformats.org/officeDocument/2006/math" xmlns:a14="http://schemas.microsoft.com/office/drawing/2010/main" xmlns:ma14="http://schemas.microsoft.com/office/mac/drawingml/2011/main" val="1"/>
+              <ma14:wrappingTextBoxFlag xmlns:ma14="http://schemas.microsoft.com/office/mac/drawingml/2011/main" xmlns:a14="http://schemas.microsoft.com/office/drawing/2010/main" xmlns:m="http://schemas.openxmlformats.org/officeDocument/2006/math" xmlns="" val="1"/>
             </a:ext>
           </a:extLst>
         </p:spPr>
@@ -4492,7 +4494,7 @@
           </a:ln>
           <a:extLst>
             <a:ext uri="{C572A759-6A51-4108-AA02-DFA0A04FC94B}">
-              <ma14:wrappingTextBoxFlag xmlns="" xmlns:m="http://schemas.openxmlformats.org/officeDocument/2006/math" xmlns:a14="http://schemas.microsoft.com/office/drawing/2010/main" xmlns:ma14="http://schemas.microsoft.com/office/mac/drawingml/2011/main" val="1"/>
+              <ma14:wrappingTextBoxFlag xmlns:ma14="http://schemas.microsoft.com/office/mac/drawingml/2011/main" xmlns:a14="http://schemas.microsoft.com/office/drawing/2010/main" xmlns:m="http://schemas.openxmlformats.org/officeDocument/2006/math" xmlns="" val="1"/>
             </a:ext>
           </a:extLst>
         </p:spPr>
@@ -4565,7 +4567,7 @@
           </a:ln>
           <a:extLst>
             <a:ext uri="{C572A759-6A51-4108-AA02-DFA0A04FC94B}">
-              <ma14:wrappingTextBoxFlag xmlns="" xmlns:m="http://schemas.openxmlformats.org/officeDocument/2006/math" xmlns:a14="http://schemas.microsoft.com/office/drawing/2010/main" xmlns:ma14="http://schemas.microsoft.com/office/mac/drawingml/2011/main" val="1"/>
+              <ma14:wrappingTextBoxFlag xmlns:ma14="http://schemas.microsoft.com/office/mac/drawingml/2011/main" xmlns:a14="http://schemas.microsoft.com/office/drawing/2010/main" xmlns:m="http://schemas.openxmlformats.org/officeDocument/2006/math" xmlns="" val="1"/>
             </a:ext>
           </a:extLst>
         </p:spPr>
@@ -4776,7 +4778,7 @@
           </a:ln>
           <a:extLst>
             <a:ext uri="{C572A759-6A51-4108-AA02-DFA0A04FC94B}">
-              <ma14:wrappingTextBoxFlag xmlns="" xmlns:m="http://schemas.openxmlformats.org/officeDocument/2006/math" xmlns:a14="http://schemas.microsoft.com/office/drawing/2010/main" xmlns:ma14="http://schemas.microsoft.com/office/mac/drawingml/2011/main" val="1"/>
+              <ma14:wrappingTextBoxFlag xmlns:ma14="http://schemas.microsoft.com/office/mac/drawingml/2011/main" xmlns:a14="http://schemas.microsoft.com/office/drawing/2010/main" xmlns:m="http://schemas.openxmlformats.org/officeDocument/2006/math" xmlns="" val="1"/>
             </a:ext>
           </a:extLst>
         </p:spPr>
@@ -4880,7 +4882,7 @@
           </a:ln>
           <a:extLst>
             <a:ext uri="{C572A759-6A51-4108-AA02-DFA0A04FC94B}">
-              <ma14:wrappingTextBoxFlag xmlns="" xmlns:m="http://schemas.openxmlformats.org/officeDocument/2006/math" xmlns:a14="http://schemas.microsoft.com/office/drawing/2010/main" xmlns:ma14="http://schemas.microsoft.com/office/mac/drawingml/2011/main" val="1"/>
+              <ma14:wrappingTextBoxFlag xmlns:ma14="http://schemas.microsoft.com/office/mac/drawingml/2011/main" xmlns:a14="http://schemas.microsoft.com/office/drawing/2010/main" xmlns:m="http://schemas.openxmlformats.org/officeDocument/2006/math" xmlns="" val="1"/>
             </a:ext>
           </a:extLst>
         </p:spPr>
@@ -4915,7 +4917,7 @@
           </a:ln>
           <a:extLst>
             <a:ext uri="{C572A759-6A51-4108-AA02-DFA0A04FC94B}">
-              <ma14:wrappingTextBoxFlag xmlns="" xmlns:m="http://schemas.openxmlformats.org/officeDocument/2006/math" xmlns:a14="http://schemas.microsoft.com/office/drawing/2010/main" xmlns:ma14="http://schemas.microsoft.com/office/mac/drawingml/2011/main" val="1"/>
+              <ma14:wrappingTextBoxFlag xmlns:ma14="http://schemas.microsoft.com/office/mac/drawingml/2011/main" xmlns:a14="http://schemas.microsoft.com/office/drawing/2010/main" xmlns:m="http://schemas.openxmlformats.org/officeDocument/2006/math" xmlns="" val="1"/>
             </a:ext>
           </a:extLst>
         </p:spPr>
@@ -5026,7 +5028,7 @@
           </a:ln>
           <a:extLst>
             <a:ext uri="{C572A759-6A51-4108-AA02-DFA0A04FC94B}">
-              <ma14:wrappingTextBoxFlag xmlns="" xmlns:m="http://schemas.openxmlformats.org/officeDocument/2006/math" xmlns:a14="http://schemas.microsoft.com/office/drawing/2010/main" xmlns:ma14="http://schemas.microsoft.com/office/mac/drawingml/2011/main" val="1"/>
+              <ma14:wrappingTextBoxFlag xmlns:ma14="http://schemas.microsoft.com/office/mac/drawingml/2011/main" xmlns:a14="http://schemas.microsoft.com/office/drawing/2010/main" xmlns:m="http://schemas.openxmlformats.org/officeDocument/2006/math" xmlns="" val="1"/>
             </a:ext>
           </a:extLst>
         </p:spPr>
@@ -5061,7 +5063,7 @@
           </a:ln>
           <a:extLst>
             <a:ext uri="{C572A759-6A51-4108-AA02-DFA0A04FC94B}">
-              <ma14:wrappingTextBoxFlag xmlns="" xmlns:m="http://schemas.openxmlformats.org/officeDocument/2006/math" xmlns:a14="http://schemas.microsoft.com/office/drawing/2010/main" xmlns:ma14="http://schemas.microsoft.com/office/mac/drawingml/2011/main" val="1"/>
+              <ma14:wrappingTextBoxFlag xmlns:ma14="http://schemas.microsoft.com/office/mac/drawingml/2011/main" xmlns:a14="http://schemas.microsoft.com/office/drawing/2010/main" xmlns:m="http://schemas.openxmlformats.org/officeDocument/2006/math" xmlns="" val="1"/>
             </a:ext>
           </a:extLst>
         </p:spPr>
@@ -5096,7 +5098,7 @@
           </a:ln>
           <a:extLst>
             <a:ext uri="{C572A759-6A51-4108-AA02-DFA0A04FC94B}">
-              <ma14:wrappingTextBoxFlag xmlns="" xmlns:m="http://schemas.openxmlformats.org/officeDocument/2006/math" xmlns:a14="http://schemas.microsoft.com/office/drawing/2010/main" xmlns:ma14="http://schemas.microsoft.com/office/mac/drawingml/2011/main" val="1"/>
+              <ma14:wrappingTextBoxFlag xmlns:ma14="http://schemas.microsoft.com/office/mac/drawingml/2011/main" xmlns:a14="http://schemas.microsoft.com/office/drawing/2010/main" xmlns:m="http://schemas.openxmlformats.org/officeDocument/2006/math" xmlns="" val="1"/>
             </a:ext>
           </a:extLst>
         </p:spPr>
@@ -5174,7 +5176,7 @@
           </a:ln>
           <a:extLst>
             <a:ext uri="{C572A759-6A51-4108-AA02-DFA0A04FC94B}">
-              <ma14:wrappingTextBoxFlag xmlns="" xmlns:m="http://schemas.openxmlformats.org/officeDocument/2006/math" xmlns:a14="http://schemas.microsoft.com/office/drawing/2010/main" xmlns:ma14="http://schemas.microsoft.com/office/mac/drawingml/2011/main" val="1"/>
+              <ma14:wrappingTextBoxFlag xmlns:ma14="http://schemas.microsoft.com/office/mac/drawingml/2011/main" xmlns:a14="http://schemas.microsoft.com/office/drawing/2010/main" xmlns:m="http://schemas.openxmlformats.org/officeDocument/2006/math" xmlns="" val="1"/>
             </a:ext>
           </a:extLst>
         </p:spPr>
@@ -5222,7 +5224,7 @@
           </a:ln>
           <a:extLst>
             <a:ext uri="{C572A759-6A51-4108-AA02-DFA0A04FC94B}">
-              <ma14:wrappingTextBoxFlag xmlns="" xmlns:m="http://schemas.openxmlformats.org/officeDocument/2006/math" xmlns:a14="http://schemas.microsoft.com/office/drawing/2010/main" xmlns:ma14="http://schemas.microsoft.com/office/mac/drawingml/2011/main" val="1"/>
+              <ma14:wrappingTextBoxFlag xmlns:ma14="http://schemas.microsoft.com/office/mac/drawingml/2011/main" xmlns:a14="http://schemas.microsoft.com/office/drawing/2010/main" xmlns:m="http://schemas.openxmlformats.org/officeDocument/2006/math" xmlns="" val="1"/>
             </a:ext>
           </a:extLst>
         </p:spPr>
@@ -5362,7 +5364,7 @@
           </a:ln>
           <a:extLst>
             <a:ext uri="{C572A759-6A51-4108-AA02-DFA0A04FC94B}">
-              <ma14:wrappingTextBoxFlag xmlns="" xmlns:m="http://schemas.openxmlformats.org/officeDocument/2006/math" xmlns:a14="http://schemas.microsoft.com/office/drawing/2010/main" xmlns:ma14="http://schemas.microsoft.com/office/mac/drawingml/2011/main" val="1"/>
+              <ma14:wrappingTextBoxFlag xmlns:ma14="http://schemas.microsoft.com/office/mac/drawingml/2011/main" xmlns:a14="http://schemas.microsoft.com/office/drawing/2010/main" xmlns:m="http://schemas.openxmlformats.org/officeDocument/2006/math" xmlns="" val="1"/>
             </a:ext>
           </a:extLst>
         </p:spPr>
@@ -5397,7 +5399,7 @@
           </a:ln>
           <a:extLst>
             <a:ext uri="{C572A759-6A51-4108-AA02-DFA0A04FC94B}">
-              <ma14:wrappingTextBoxFlag xmlns="" xmlns:m="http://schemas.openxmlformats.org/officeDocument/2006/math" xmlns:a14="http://schemas.microsoft.com/office/drawing/2010/main" xmlns:ma14="http://schemas.microsoft.com/office/mac/drawingml/2011/main" val="1"/>
+              <ma14:wrappingTextBoxFlag xmlns:ma14="http://schemas.microsoft.com/office/mac/drawingml/2011/main" xmlns:a14="http://schemas.microsoft.com/office/drawing/2010/main" xmlns:m="http://schemas.openxmlformats.org/officeDocument/2006/math" xmlns="" val="1"/>
             </a:ext>
           </a:extLst>
         </p:spPr>
@@ -5432,7 +5434,7 @@
           </a:ln>
           <a:extLst>
             <a:ext uri="{C572A759-6A51-4108-AA02-DFA0A04FC94B}">
-              <ma14:wrappingTextBoxFlag xmlns="" xmlns:m="http://schemas.openxmlformats.org/officeDocument/2006/math" xmlns:a14="http://schemas.microsoft.com/office/drawing/2010/main" xmlns:ma14="http://schemas.microsoft.com/office/mac/drawingml/2011/main" val="1"/>
+              <ma14:wrappingTextBoxFlag xmlns:ma14="http://schemas.microsoft.com/office/mac/drawingml/2011/main" xmlns:a14="http://schemas.microsoft.com/office/drawing/2010/main" xmlns:m="http://schemas.openxmlformats.org/officeDocument/2006/math" xmlns="" val="1"/>
             </a:ext>
           </a:extLst>
         </p:spPr>
@@ -5494,7 +5496,7 @@
           </a:ln>
           <a:extLst>
             <a:ext uri="{C572A759-6A51-4108-AA02-DFA0A04FC94B}">
-              <ma14:wrappingTextBoxFlag xmlns="" xmlns:m="http://schemas.openxmlformats.org/officeDocument/2006/math" xmlns:a14="http://schemas.microsoft.com/office/drawing/2010/main" xmlns:ma14="http://schemas.microsoft.com/office/mac/drawingml/2011/main" val="1"/>
+              <ma14:wrappingTextBoxFlag xmlns:ma14="http://schemas.microsoft.com/office/mac/drawingml/2011/main" xmlns:a14="http://schemas.microsoft.com/office/drawing/2010/main" xmlns:m="http://schemas.openxmlformats.org/officeDocument/2006/math" xmlns="" val="1"/>
             </a:ext>
           </a:extLst>
         </p:spPr>
@@ -5569,7 +5571,7 @@
           </a:ln>
           <a:extLst>
             <a:ext uri="{C572A759-6A51-4108-AA02-DFA0A04FC94B}">
-              <ma14:wrappingTextBoxFlag xmlns="" xmlns:m="http://schemas.openxmlformats.org/officeDocument/2006/math" xmlns:a14="http://schemas.microsoft.com/office/drawing/2010/main" xmlns:ma14="http://schemas.microsoft.com/office/mac/drawingml/2011/main" val="1"/>
+              <ma14:wrappingTextBoxFlag xmlns:ma14="http://schemas.microsoft.com/office/mac/drawingml/2011/main" xmlns:a14="http://schemas.microsoft.com/office/drawing/2010/main" xmlns:m="http://schemas.openxmlformats.org/officeDocument/2006/math" xmlns="" val="1"/>
             </a:ext>
           </a:extLst>
         </p:spPr>
@@ -5723,7 +5725,7 @@
           </a:ln>
           <a:extLst>
             <a:ext uri="{C572A759-6A51-4108-AA02-DFA0A04FC94B}">
-              <ma14:wrappingTextBoxFlag xmlns="" xmlns:m="http://schemas.openxmlformats.org/officeDocument/2006/math" xmlns:a14="http://schemas.microsoft.com/office/drawing/2010/main" xmlns:ma14="http://schemas.microsoft.com/office/mac/drawingml/2011/main" val="1"/>
+              <ma14:wrappingTextBoxFlag xmlns:ma14="http://schemas.microsoft.com/office/mac/drawingml/2011/main" xmlns:a14="http://schemas.microsoft.com/office/drawing/2010/main" xmlns:m="http://schemas.openxmlformats.org/officeDocument/2006/math" xmlns="" val="1"/>
             </a:ext>
           </a:extLst>
         </p:spPr>
@@ -5758,7 +5760,7 @@
           </a:ln>
           <a:extLst>
             <a:ext uri="{C572A759-6A51-4108-AA02-DFA0A04FC94B}">
-              <ma14:wrappingTextBoxFlag xmlns="" xmlns:m="http://schemas.openxmlformats.org/officeDocument/2006/math" xmlns:a14="http://schemas.microsoft.com/office/drawing/2010/main" xmlns:ma14="http://schemas.microsoft.com/office/mac/drawingml/2011/main" val="1"/>
+              <ma14:wrappingTextBoxFlag xmlns:ma14="http://schemas.microsoft.com/office/mac/drawingml/2011/main" xmlns:a14="http://schemas.microsoft.com/office/drawing/2010/main" xmlns:m="http://schemas.openxmlformats.org/officeDocument/2006/math" xmlns="" val="1"/>
             </a:ext>
           </a:extLst>
         </p:spPr>
@@ -5793,7 +5795,7 @@
           </a:ln>
           <a:extLst>
             <a:ext uri="{C572A759-6A51-4108-AA02-DFA0A04FC94B}">
-              <ma14:wrappingTextBoxFlag xmlns="" xmlns:m="http://schemas.openxmlformats.org/officeDocument/2006/math" xmlns:a14="http://schemas.microsoft.com/office/drawing/2010/main" xmlns:ma14="http://schemas.microsoft.com/office/mac/drawingml/2011/main" val="1"/>
+              <ma14:wrappingTextBoxFlag xmlns:ma14="http://schemas.microsoft.com/office/mac/drawingml/2011/main" xmlns:a14="http://schemas.microsoft.com/office/drawing/2010/main" xmlns:m="http://schemas.openxmlformats.org/officeDocument/2006/math" xmlns="" val="1"/>
             </a:ext>
           </a:extLst>
         </p:spPr>
@@ -5855,7 +5857,7 @@
           </a:ln>
           <a:extLst>
             <a:ext uri="{C572A759-6A51-4108-AA02-DFA0A04FC94B}">
-              <ma14:wrappingTextBoxFlag xmlns="" xmlns:m="http://schemas.openxmlformats.org/officeDocument/2006/math" xmlns:a14="http://schemas.microsoft.com/office/drawing/2010/main" xmlns:ma14="http://schemas.microsoft.com/office/mac/drawingml/2011/main" val="1"/>
+              <ma14:wrappingTextBoxFlag xmlns:ma14="http://schemas.microsoft.com/office/mac/drawingml/2011/main" xmlns:a14="http://schemas.microsoft.com/office/drawing/2010/main" xmlns:m="http://schemas.openxmlformats.org/officeDocument/2006/math" xmlns="" val="1"/>
             </a:ext>
           </a:extLst>
         </p:spPr>
@@ -6030,7 +6032,7 @@
           </a:ln>
           <a:extLst>
             <a:ext uri="{C572A759-6A51-4108-AA02-DFA0A04FC94B}">
-              <ma14:wrappingTextBoxFlag xmlns="" xmlns:m="http://schemas.openxmlformats.org/officeDocument/2006/math" xmlns:a14="http://schemas.microsoft.com/office/drawing/2010/main" xmlns:ma14="http://schemas.microsoft.com/office/mac/drawingml/2011/main" val="1"/>
+              <ma14:wrappingTextBoxFlag xmlns:ma14="http://schemas.microsoft.com/office/mac/drawingml/2011/main" xmlns:a14="http://schemas.microsoft.com/office/drawing/2010/main" xmlns:m="http://schemas.openxmlformats.org/officeDocument/2006/math" xmlns="" val="1"/>
             </a:ext>
           </a:extLst>
         </p:spPr>
@@ -6180,7 +6182,7 @@
           </a:ln>
           <a:extLst>
             <a:ext uri="{C572A759-6A51-4108-AA02-DFA0A04FC94B}">
-              <ma14:wrappingTextBoxFlag xmlns="" xmlns:m="http://schemas.openxmlformats.org/officeDocument/2006/math" xmlns:a14="http://schemas.microsoft.com/office/drawing/2010/main" xmlns:ma14="http://schemas.microsoft.com/office/mac/drawingml/2011/main" val="1"/>
+              <ma14:wrappingTextBoxFlag xmlns:ma14="http://schemas.microsoft.com/office/mac/drawingml/2011/main" xmlns:a14="http://schemas.microsoft.com/office/drawing/2010/main" xmlns:m="http://schemas.openxmlformats.org/officeDocument/2006/math" xmlns="" val="1"/>
             </a:ext>
           </a:extLst>
         </p:spPr>
@@ -6269,7 +6271,7 @@
           </a:ln>
           <a:extLst>
             <a:ext uri="{C572A759-6A51-4108-AA02-DFA0A04FC94B}">
-              <ma14:wrappingTextBoxFlag xmlns="" xmlns:m="http://schemas.openxmlformats.org/officeDocument/2006/math" xmlns:a14="http://schemas.microsoft.com/office/drawing/2010/main" xmlns:ma14="http://schemas.microsoft.com/office/mac/drawingml/2011/main" val="1"/>
+              <ma14:wrappingTextBoxFlag xmlns:ma14="http://schemas.microsoft.com/office/mac/drawingml/2011/main" xmlns:a14="http://schemas.microsoft.com/office/drawing/2010/main" xmlns:m="http://schemas.openxmlformats.org/officeDocument/2006/math" xmlns="" val="1"/>
             </a:ext>
           </a:extLst>
         </p:spPr>
@@ -6304,7 +6306,7 @@
           </a:ln>
           <a:extLst>
             <a:ext uri="{C572A759-6A51-4108-AA02-DFA0A04FC94B}">
-              <ma14:wrappingTextBoxFlag xmlns="" xmlns:m="http://schemas.openxmlformats.org/officeDocument/2006/math" xmlns:a14="http://schemas.microsoft.com/office/drawing/2010/main" xmlns:ma14="http://schemas.microsoft.com/office/mac/drawingml/2011/main" val="1"/>
+              <ma14:wrappingTextBoxFlag xmlns:ma14="http://schemas.microsoft.com/office/mac/drawingml/2011/main" xmlns:a14="http://schemas.microsoft.com/office/drawing/2010/main" xmlns:m="http://schemas.openxmlformats.org/officeDocument/2006/math" xmlns="" val="1"/>
             </a:ext>
           </a:extLst>
         </p:spPr>
@@ -6415,7 +6417,7 @@
           </a:ln>
           <a:extLst>
             <a:ext uri="{C572A759-6A51-4108-AA02-DFA0A04FC94B}">
-              <ma14:wrappingTextBoxFlag xmlns="" xmlns:m="http://schemas.openxmlformats.org/officeDocument/2006/math" xmlns:a14="http://schemas.microsoft.com/office/drawing/2010/main" xmlns:ma14="http://schemas.microsoft.com/office/mac/drawingml/2011/main" val="1"/>
+              <ma14:wrappingTextBoxFlag xmlns:ma14="http://schemas.microsoft.com/office/mac/drawingml/2011/main" xmlns:a14="http://schemas.microsoft.com/office/drawing/2010/main" xmlns:m="http://schemas.openxmlformats.org/officeDocument/2006/math" xmlns="" val="1"/>
             </a:ext>
           </a:extLst>
         </p:spPr>
@@ -6465,7 +6467,7 @@
           </a:ln>
           <a:extLst>
             <a:ext uri="{C572A759-6A51-4108-AA02-DFA0A04FC94B}">
-              <ma14:wrappingTextBoxFlag xmlns="" xmlns:m="http://schemas.openxmlformats.org/officeDocument/2006/math" xmlns:a14="http://schemas.microsoft.com/office/drawing/2010/main" xmlns:ma14="http://schemas.microsoft.com/office/mac/drawingml/2011/main" val="1"/>
+              <ma14:wrappingTextBoxFlag xmlns:ma14="http://schemas.microsoft.com/office/mac/drawingml/2011/main" xmlns:a14="http://schemas.microsoft.com/office/drawing/2010/main" xmlns:m="http://schemas.openxmlformats.org/officeDocument/2006/math" xmlns="" val="1"/>
             </a:ext>
           </a:extLst>
         </p:spPr>
@@ -6500,7 +6502,7 @@
           </a:ln>
           <a:extLst>
             <a:ext uri="{C572A759-6A51-4108-AA02-DFA0A04FC94B}">
-              <ma14:wrappingTextBoxFlag xmlns="" xmlns:m="http://schemas.openxmlformats.org/officeDocument/2006/math" xmlns:a14="http://schemas.microsoft.com/office/drawing/2010/main" xmlns:ma14="http://schemas.microsoft.com/office/mac/drawingml/2011/main" val="1"/>
+              <ma14:wrappingTextBoxFlag xmlns:ma14="http://schemas.microsoft.com/office/mac/drawingml/2011/main" xmlns:a14="http://schemas.microsoft.com/office/drawing/2010/main" xmlns:m="http://schemas.openxmlformats.org/officeDocument/2006/math" xmlns="" val="1"/>
             </a:ext>
           </a:extLst>
         </p:spPr>
@@ -6535,7 +6537,7 @@
           </a:ln>
           <a:extLst>
             <a:ext uri="{C572A759-6A51-4108-AA02-DFA0A04FC94B}">
-              <ma14:wrappingTextBoxFlag xmlns="" xmlns:m="http://schemas.openxmlformats.org/officeDocument/2006/math" xmlns:a14="http://schemas.microsoft.com/office/drawing/2010/main" xmlns:ma14="http://schemas.microsoft.com/office/mac/drawingml/2011/main" val="1"/>
+              <ma14:wrappingTextBoxFlag xmlns:ma14="http://schemas.microsoft.com/office/mac/drawingml/2011/main" xmlns:a14="http://schemas.microsoft.com/office/drawing/2010/main" xmlns:m="http://schemas.openxmlformats.org/officeDocument/2006/math" xmlns="" val="1"/>
             </a:ext>
           </a:extLst>
         </p:spPr>
@@ -6838,7 +6840,7 @@
           </a:ln>
           <a:extLst>
             <a:ext uri="{C572A759-6A51-4108-AA02-DFA0A04FC94B}">
-              <ma14:wrappingTextBoxFlag xmlns="" xmlns:m="http://schemas.openxmlformats.org/officeDocument/2006/math" xmlns:a14="http://schemas.microsoft.com/office/drawing/2010/main" xmlns:ma14="http://schemas.microsoft.com/office/mac/drawingml/2011/main" val="1"/>
+              <ma14:wrappingTextBoxFlag xmlns:ma14="http://schemas.microsoft.com/office/mac/drawingml/2011/main" xmlns:a14="http://schemas.microsoft.com/office/drawing/2010/main" xmlns:m="http://schemas.openxmlformats.org/officeDocument/2006/math" xmlns="" val="1"/>
             </a:ext>
           </a:extLst>
         </p:spPr>
@@ -6881,7 +6883,7 @@
           </a:ln>
           <a:extLst>
             <a:ext uri="{C572A759-6A51-4108-AA02-DFA0A04FC94B}">
-              <ma14:wrappingTextBoxFlag xmlns="" xmlns:m="http://schemas.openxmlformats.org/officeDocument/2006/math" xmlns:a14="http://schemas.microsoft.com/office/drawing/2010/main" xmlns:ma14="http://schemas.microsoft.com/office/mac/drawingml/2011/main" val="1"/>
+              <ma14:wrappingTextBoxFlag xmlns:ma14="http://schemas.microsoft.com/office/mac/drawingml/2011/main" xmlns:a14="http://schemas.microsoft.com/office/drawing/2010/main" xmlns:m="http://schemas.openxmlformats.org/officeDocument/2006/math" xmlns="" val="1"/>
             </a:ext>
           </a:extLst>
         </p:spPr>
@@ -7000,7 +7002,7 @@
           </a:ln>
           <a:extLst>
             <a:ext uri="{C572A759-6A51-4108-AA02-DFA0A04FC94B}">
-              <ma14:wrappingTextBoxFlag xmlns="" xmlns:m="http://schemas.openxmlformats.org/officeDocument/2006/math" xmlns:a14="http://schemas.microsoft.com/office/drawing/2010/main" xmlns:ma14="http://schemas.microsoft.com/office/mac/drawingml/2011/main" val="1"/>
+              <ma14:wrappingTextBoxFlag xmlns:ma14="http://schemas.microsoft.com/office/mac/drawingml/2011/main" xmlns:a14="http://schemas.microsoft.com/office/drawing/2010/main" xmlns:m="http://schemas.openxmlformats.org/officeDocument/2006/math" xmlns="" val="1"/>
             </a:ext>
           </a:extLst>
         </p:spPr>
@@ -7035,7 +7037,7 @@
           </a:ln>
           <a:extLst>
             <a:ext uri="{C572A759-6A51-4108-AA02-DFA0A04FC94B}">
-              <ma14:wrappingTextBoxFlag xmlns="" xmlns:m="http://schemas.openxmlformats.org/officeDocument/2006/math" xmlns:a14="http://schemas.microsoft.com/office/drawing/2010/main" xmlns:ma14="http://schemas.microsoft.com/office/mac/drawingml/2011/main" val="1"/>
+              <ma14:wrappingTextBoxFlag xmlns:ma14="http://schemas.microsoft.com/office/mac/drawingml/2011/main" xmlns:a14="http://schemas.microsoft.com/office/drawing/2010/main" xmlns:m="http://schemas.openxmlformats.org/officeDocument/2006/math" xmlns="" val="1"/>
             </a:ext>
           </a:extLst>
         </p:spPr>
@@ -7070,7 +7072,7 @@
           </a:ln>
           <a:extLst>
             <a:ext uri="{C572A759-6A51-4108-AA02-DFA0A04FC94B}">
-              <ma14:wrappingTextBoxFlag xmlns="" xmlns:m="http://schemas.openxmlformats.org/officeDocument/2006/math" xmlns:a14="http://schemas.microsoft.com/office/drawing/2010/main" xmlns:ma14="http://schemas.microsoft.com/office/mac/drawingml/2011/main" val="1"/>
+              <ma14:wrappingTextBoxFlag xmlns:ma14="http://schemas.microsoft.com/office/mac/drawingml/2011/main" xmlns:a14="http://schemas.microsoft.com/office/drawing/2010/main" xmlns:m="http://schemas.openxmlformats.org/officeDocument/2006/math" xmlns="" val="1"/>
             </a:ext>
           </a:extLst>
         </p:spPr>
@@ -7168,7 +7170,7 @@
           </a:ln>
           <a:extLst>
             <a:ext uri="{C572A759-6A51-4108-AA02-DFA0A04FC94B}">
-              <ma14:wrappingTextBoxFlag xmlns="" xmlns:m="http://schemas.openxmlformats.org/officeDocument/2006/math" xmlns:a14="http://schemas.microsoft.com/office/drawing/2010/main" xmlns:ma14="http://schemas.microsoft.com/office/mac/drawingml/2011/main" val="1"/>
+              <ma14:wrappingTextBoxFlag xmlns:ma14="http://schemas.microsoft.com/office/mac/drawingml/2011/main" xmlns:a14="http://schemas.microsoft.com/office/drawing/2010/main" xmlns:m="http://schemas.openxmlformats.org/officeDocument/2006/math" xmlns="" val="1"/>
             </a:ext>
           </a:extLst>
         </p:spPr>
@@ -7277,7 +7279,7 @@
           </a:ln>
           <a:extLst>
             <a:ext uri="{C572A759-6A51-4108-AA02-DFA0A04FC94B}">
-              <ma14:wrappingTextBoxFlag xmlns="" xmlns:m="http://schemas.openxmlformats.org/officeDocument/2006/math" xmlns:a14="http://schemas.microsoft.com/office/drawing/2010/main" xmlns:ma14="http://schemas.microsoft.com/office/mac/drawingml/2011/main" val="1"/>
+              <ma14:wrappingTextBoxFlag xmlns:ma14="http://schemas.microsoft.com/office/mac/drawingml/2011/main" xmlns:a14="http://schemas.microsoft.com/office/drawing/2010/main" xmlns:m="http://schemas.openxmlformats.org/officeDocument/2006/math" xmlns="" val="1"/>
             </a:ext>
           </a:extLst>
         </p:spPr>
@@ -7468,7 +7470,7 @@
           </a:ln>
           <a:extLst>
             <a:ext uri="{C572A759-6A51-4108-AA02-DFA0A04FC94B}">
-              <ma14:wrappingTextBoxFlag xmlns="" xmlns:m="http://schemas.openxmlformats.org/officeDocument/2006/math" xmlns:a14="http://schemas.microsoft.com/office/drawing/2010/main" xmlns:ma14="http://schemas.microsoft.com/office/mac/drawingml/2011/main" val="1"/>
+              <ma14:wrappingTextBoxFlag xmlns:ma14="http://schemas.microsoft.com/office/mac/drawingml/2011/main" xmlns:a14="http://schemas.microsoft.com/office/drawing/2010/main" xmlns:m="http://schemas.openxmlformats.org/officeDocument/2006/math" xmlns="" val="1"/>
             </a:ext>
           </a:extLst>
         </p:spPr>
@@ -7511,7 +7513,7 @@
           </a:ln>
           <a:extLst>
             <a:ext uri="{C572A759-6A51-4108-AA02-DFA0A04FC94B}">
-              <ma14:wrappingTextBoxFlag xmlns="" xmlns:m="http://schemas.openxmlformats.org/officeDocument/2006/math" xmlns:a14="http://schemas.microsoft.com/office/drawing/2010/main" xmlns:ma14="http://schemas.microsoft.com/office/mac/drawingml/2011/main" val="1"/>
+              <ma14:wrappingTextBoxFlag xmlns:ma14="http://schemas.microsoft.com/office/mac/drawingml/2011/main" xmlns:a14="http://schemas.microsoft.com/office/drawing/2010/main" xmlns:m="http://schemas.openxmlformats.org/officeDocument/2006/math" xmlns="" val="1"/>
             </a:ext>
           </a:extLst>
         </p:spPr>
@@ -7557,7 +7559,7 @@
           </a:ln>
           <a:extLst>
             <a:ext uri="{C572A759-6A51-4108-AA02-DFA0A04FC94B}">
-              <ma14:wrappingTextBoxFlag xmlns="" xmlns:m="http://schemas.openxmlformats.org/officeDocument/2006/math" xmlns:a14="http://schemas.microsoft.com/office/drawing/2010/main" xmlns:ma14="http://schemas.microsoft.com/office/mac/drawingml/2011/main" val="1"/>
+              <ma14:wrappingTextBoxFlag xmlns:ma14="http://schemas.microsoft.com/office/mac/drawingml/2011/main" xmlns:a14="http://schemas.microsoft.com/office/drawing/2010/main" xmlns:m="http://schemas.openxmlformats.org/officeDocument/2006/math" xmlns="" val="1"/>
             </a:ext>
           </a:extLst>
         </p:spPr>
@@ -7600,7 +7602,7 @@
           </a:ln>
           <a:extLst>
             <a:ext uri="{C572A759-6A51-4108-AA02-DFA0A04FC94B}">
-              <ma14:wrappingTextBoxFlag xmlns="" xmlns:m="http://schemas.openxmlformats.org/officeDocument/2006/math" xmlns:a14="http://schemas.microsoft.com/office/drawing/2010/main" xmlns:ma14="http://schemas.microsoft.com/office/mac/drawingml/2011/main" val="1"/>
+              <ma14:wrappingTextBoxFlag xmlns:ma14="http://schemas.microsoft.com/office/mac/drawingml/2011/main" xmlns:a14="http://schemas.microsoft.com/office/drawing/2010/main" xmlns:m="http://schemas.openxmlformats.org/officeDocument/2006/math" xmlns="" val="1"/>
             </a:ext>
           </a:extLst>
         </p:spPr>
@@ -7726,7 +7728,7 @@
           </a:ln>
           <a:extLst>
             <a:ext uri="{C572A759-6A51-4108-AA02-DFA0A04FC94B}">
-              <ma14:wrappingTextBoxFlag xmlns="" xmlns:m="http://schemas.openxmlformats.org/officeDocument/2006/math" xmlns:a14="http://schemas.microsoft.com/office/drawing/2010/main" xmlns:ma14="http://schemas.microsoft.com/office/mac/drawingml/2011/main" val="1"/>
+              <ma14:wrappingTextBoxFlag xmlns:ma14="http://schemas.microsoft.com/office/mac/drawingml/2011/main" xmlns:a14="http://schemas.microsoft.com/office/drawing/2010/main" xmlns:m="http://schemas.openxmlformats.org/officeDocument/2006/math" xmlns="" val="1"/>
             </a:ext>
           </a:extLst>
         </p:spPr>
@@ -7776,7 +7778,7 @@
           </a:ln>
           <a:extLst>
             <a:ext uri="{C572A759-6A51-4108-AA02-DFA0A04FC94B}">
-              <ma14:wrappingTextBoxFlag xmlns="" xmlns:m="http://schemas.openxmlformats.org/officeDocument/2006/math" xmlns:a14="http://schemas.microsoft.com/office/drawing/2010/main" xmlns:ma14="http://schemas.microsoft.com/office/mac/drawingml/2011/main" val="1"/>
+              <ma14:wrappingTextBoxFlag xmlns:ma14="http://schemas.microsoft.com/office/mac/drawingml/2011/main" xmlns:a14="http://schemas.microsoft.com/office/drawing/2010/main" xmlns:m="http://schemas.openxmlformats.org/officeDocument/2006/math" xmlns="" val="1"/>
             </a:ext>
           </a:extLst>
         </p:spPr>
@@ -7811,7 +7813,7 @@
           </a:ln>
           <a:extLst>
             <a:ext uri="{C572A759-6A51-4108-AA02-DFA0A04FC94B}">
-              <ma14:wrappingTextBoxFlag xmlns="" xmlns:m="http://schemas.openxmlformats.org/officeDocument/2006/math" xmlns:a14="http://schemas.microsoft.com/office/drawing/2010/main" xmlns:ma14="http://schemas.microsoft.com/office/mac/drawingml/2011/main" val="1"/>
+              <ma14:wrappingTextBoxFlag xmlns:ma14="http://schemas.microsoft.com/office/mac/drawingml/2011/main" xmlns:a14="http://schemas.microsoft.com/office/drawing/2010/main" xmlns:m="http://schemas.openxmlformats.org/officeDocument/2006/math" xmlns="" val="1"/>
             </a:ext>
           </a:extLst>
         </p:spPr>
@@ -7846,7 +7848,7 @@
           </a:ln>
           <a:extLst>
             <a:ext uri="{C572A759-6A51-4108-AA02-DFA0A04FC94B}">
-              <ma14:wrappingTextBoxFlag xmlns="" xmlns:m="http://schemas.openxmlformats.org/officeDocument/2006/math" xmlns:a14="http://schemas.microsoft.com/office/drawing/2010/main" xmlns:ma14="http://schemas.microsoft.com/office/mac/drawingml/2011/main" val="1"/>
+              <ma14:wrappingTextBoxFlag xmlns:ma14="http://schemas.microsoft.com/office/mac/drawingml/2011/main" xmlns:a14="http://schemas.microsoft.com/office/drawing/2010/main" xmlns:m="http://schemas.openxmlformats.org/officeDocument/2006/math" xmlns="" val="1"/>
             </a:ext>
           </a:extLst>
         </p:spPr>
@@ -8297,7 +8299,7 @@
           </a:ln>
           <a:extLst>
             <a:ext uri="{C572A759-6A51-4108-AA02-DFA0A04FC94B}">
-              <ma14:wrappingTextBoxFlag xmlns="" xmlns:m="http://schemas.openxmlformats.org/officeDocument/2006/math" xmlns:a14="http://schemas.microsoft.com/office/drawing/2010/main" xmlns:ma14="http://schemas.microsoft.com/office/mac/drawingml/2011/main" val="1"/>
+              <ma14:wrappingTextBoxFlag xmlns:ma14="http://schemas.microsoft.com/office/mac/drawingml/2011/main" xmlns:a14="http://schemas.microsoft.com/office/drawing/2010/main" xmlns:m="http://schemas.openxmlformats.org/officeDocument/2006/math" xmlns="" val="1"/>
             </a:ext>
           </a:extLst>
         </p:spPr>
@@ -8347,7 +8349,7 @@
           </a:ln>
           <a:extLst>
             <a:ext uri="{C572A759-6A51-4108-AA02-DFA0A04FC94B}">
-              <ma14:wrappingTextBoxFlag xmlns="" xmlns:m="http://schemas.openxmlformats.org/officeDocument/2006/math" xmlns:a14="http://schemas.microsoft.com/office/drawing/2010/main" xmlns:ma14="http://schemas.microsoft.com/office/mac/drawingml/2011/main" val="1"/>
+              <ma14:wrappingTextBoxFlag xmlns:ma14="http://schemas.microsoft.com/office/mac/drawingml/2011/main" xmlns:a14="http://schemas.microsoft.com/office/drawing/2010/main" xmlns:m="http://schemas.openxmlformats.org/officeDocument/2006/math" xmlns="" val="1"/>
             </a:ext>
           </a:extLst>
         </p:spPr>
@@ -8382,7 +8384,7 @@
           </a:ln>
           <a:extLst>
             <a:ext uri="{C572A759-6A51-4108-AA02-DFA0A04FC94B}">
-              <ma14:wrappingTextBoxFlag xmlns="" xmlns:m="http://schemas.openxmlformats.org/officeDocument/2006/math" xmlns:a14="http://schemas.microsoft.com/office/drawing/2010/main" xmlns:ma14="http://schemas.microsoft.com/office/mac/drawingml/2011/main" val="1"/>
+              <ma14:wrappingTextBoxFlag xmlns:ma14="http://schemas.microsoft.com/office/mac/drawingml/2011/main" xmlns:a14="http://schemas.microsoft.com/office/drawing/2010/main" xmlns:m="http://schemas.openxmlformats.org/officeDocument/2006/math" xmlns="" val="1"/>
             </a:ext>
           </a:extLst>
         </p:spPr>
@@ -8471,7 +8473,7 @@
           </a:ln>
           <a:extLst>
             <a:ext uri="{C572A759-6A51-4108-AA02-DFA0A04FC94B}">
-              <ma14:wrappingTextBoxFlag xmlns="" xmlns:m="http://schemas.openxmlformats.org/officeDocument/2006/math" xmlns:a14="http://schemas.microsoft.com/office/drawing/2010/main" xmlns:ma14="http://schemas.microsoft.com/office/mac/drawingml/2011/main" val="1"/>
+              <ma14:wrappingTextBoxFlag xmlns:ma14="http://schemas.microsoft.com/office/mac/drawingml/2011/main" xmlns:a14="http://schemas.microsoft.com/office/drawing/2010/main" xmlns:m="http://schemas.openxmlformats.org/officeDocument/2006/math" xmlns="" val="1"/>
             </a:ext>
           </a:extLst>
         </p:spPr>
@@ -8680,7 +8682,7 @@
           </a:ln>
           <a:extLst>
             <a:ext uri="{C572A759-6A51-4108-AA02-DFA0A04FC94B}">
-              <ma14:wrappingTextBoxFlag xmlns="" xmlns:m="http://schemas.openxmlformats.org/officeDocument/2006/math" xmlns:a14="http://schemas.microsoft.com/office/drawing/2010/main" xmlns:ma14="http://schemas.microsoft.com/office/mac/drawingml/2011/main" val="1"/>
+              <ma14:wrappingTextBoxFlag xmlns:ma14="http://schemas.microsoft.com/office/mac/drawingml/2011/main" xmlns:a14="http://schemas.microsoft.com/office/drawing/2010/main" xmlns:m="http://schemas.openxmlformats.org/officeDocument/2006/math" xmlns="" val="1"/>
             </a:ext>
           </a:extLst>
         </p:spPr>
@@ -8730,7 +8732,7 @@
           </a:ln>
           <a:extLst>
             <a:ext uri="{C572A759-6A51-4108-AA02-DFA0A04FC94B}">
-              <ma14:wrappingTextBoxFlag xmlns="" xmlns:m="http://schemas.openxmlformats.org/officeDocument/2006/math" xmlns:a14="http://schemas.microsoft.com/office/drawing/2010/main" xmlns:ma14="http://schemas.microsoft.com/office/mac/drawingml/2011/main" val="1"/>
+              <ma14:wrappingTextBoxFlag xmlns:ma14="http://schemas.microsoft.com/office/mac/drawingml/2011/main" xmlns:a14="http://schemas.microsoft.com/office/drawing/2010/main" xmlns:m="http://schemas.openxmlformats.org/officeDocument/2006/math" xmlns="" val="1"/>
             </a:ext>
           </a:extLst>
         </p:spPr>
@@ -8765,7 +8767,7 @@
           </a:ln>
           <a:extLst>
             <a:ext uri="{C572A759-6A51-4108-AA02-DFA0A04FC94B}">
-              <ma14:wrappingTextBoxFlag xmlns="" xmlns:m="http://schemas.openxmlformats.org/officeDocument/2006/math" xmlns:a14="http://schemas.microsoft.com/office/drawing/2010/main" xmlns:ma14="http://schemas.microsoft.com/office/mac/drawingml/2011/main" val="1"/>
+              <ma14:wrappingTextBoxFlag xmlns:ma14="http://schemas.microsoft.com/office/mac/drawingml/2011/main" xmlns:a14="http://schemas.microsoft.com/office/drawing/2010/main" xmlns:m="http://schemas.openxmlformats.org/officeDocument/2006/math" xmlns="" val="1"/>
             </a:ext>
           </a:extLst>
         </p:spPr>
@@ -8800,7 +8802,7 @@
           </a:ln>
           <a:extLst>
             <a:ext uri="{C572A759-6A51-4108-AA02-DFA0A04FC94B}">
-              <ma14:wrappingTextBoxFlag xmlns="" xmlns:m="http://schemas.openxmlformats.org/officeDocument/2006/math" xmlns:a14="http://schemas.microsoft.com/office/drawing/2010/main" xmlns:ma14="http://schemas.microsoft.com/office/mac/drawingml/2011/main" val="1"/>
+              <ma14:wrappingTextBoxFlag xmlns:ma14="http://schemas.microsoft.com/office/mac/drawingml/2011/main" xmlns:a14="http://schemas.microsoft.com/office/drawing/2010/main" xmlns:m="http://schemas.openxmlformats.org/officeDocument/2006/math" xmlns="" val="1"/>
             </a:ext>
           </a:extLst>
         </p:spPr>
@@ -9065,7 +9067,7 @@
           </a:ln>
           <a:extLst>
             <a:ext uri="{C572A759-6A51-4108-AA02-DFA0A04FC94B}">
-              <ma14:wrappingTextBoxFlag xmlns="" xmlns:m="http://schemas.openxmlformats.org/officeDocument/2006/math" xmlns:a14="http://schemas.microsoft.com/office/drawing/2010/main" xmlns:ma14="http://schemas.microsoft.com/office/mac/drawingml/2011/main" val="1"/>
+              <ma14:wrappingTextBoxFlag xmlns:ma14="http://schemas.microsoft.com/office/mac/drawingml/2011/main" xmlns:a14="http://schemas.microsoft.com/office/drawing/2010/main" xmlns:m="http://schemas.openxmlformats.org/officeDocument/2006/math" xmlns="" val="1"/>
             </a:ext>
           </a:extLst>
         </p:spPr>
@@ -9191,7 +9193,7 @@
           </a:ln>
           <a:extLst>
             <a:ext uri="{C572A759-6A51-4108-AA02-DFA0A04FC94B}">
-              <ma14:wrappingTextBoxFlag xmlns="" xmlns:m="http://schemas.openxmlformats.org/officeDocument/2006/math" xmlns:a14="http://schemas.microsoft.com/office/drawing/2010/main" xmlns:ma14="http://schemas.microsoft.com/office/mac/drawingml/2011/main" val="1"/>
+              <ma14:wrappingTextBoxFlag xmlns:ma14="http://schemas.microsoft.com/office/mac/drawingml/2011/main" xmlns:a14="http://schemas.microsoft.com/office/drawing/2010/main" xmlns:m="http://schemas.openxmlformats.org/officeDocument/2006/math" xmlns="" val="1"/>
             </a:ext>
           </a:extLst>
         </p:spPr>
@@ -9330,7 +9332,7 @@
           </a:ln>
           <a:extLst>
             <a:ext uri="{C572A759-6A51-4108-AA02-DFA0A04FC94B}">
-              <ma14:wrappingTextBoxFlag xmlns="" xmlns:m="http://schemas.openxmlformats.org/officeDocument/2006/math" xmlns:a14="http://schemas.microsoft.com/office/drawing/2010/main" xmlns:ma14="http://schemas.microsoft.com/office/mac/drawingml/2011/main" val="1"/>
+              <ma14:wrappingTextBoxFlag xmlns:ma14="http://schemas.microsoft.com/office/mac/drawingml/2011/main" xmlns:a14="http://schemas.microsoft.com/office/drawing/2010/main" xmlns:m="http://schemas.openxmlformats.org/officeDocument/2006/math" xmlns="" val="1"/>
             </a:ext>
           </a:extLst>
         </p:spPr>
@@ -9365,7 +9367,7 @@
           </a:ln>
           <a:extLst>
             <a:ext uri="{C572A759-6A51-4108-AA02-DFA0A04FC94B}">
-              <ma14:wrappingTextBoxFlag xmlns="" xmlns:m="http://schemas.openxmlformats.org/officeDocument/2006/math" xmlns:a14="http://schemas.microsoft.com/office/drawing/2010/main" xmlns:ma14="http://schemas.microsoft.com/office/mac/drawingml/2011/main" val="1"/>
+              <ma14:wrappingTextBoxFlag xmlns:ma14="http://schemas.microsoft.com/office/mac/drawingml/2011/main" xmlns:a14="http://schemas.microsoft.com/office/drawing/2010/main" xmlns:m="http://schemas.openxmlformats.org/officeDocument/2006/math" xmlns="" val="1"/>
             </a:ext>
           </a:extLst>
         </p:spPr>
@@ -9476,7 +9478,7 @@
           </a:ln>
           <a:extLst>
             <a:ext uri="{C572A759-6A51-4108-AA02-DFA0A04FC94B}">
-              <ma14:wrappingTextBoxFlag xmlns:ma14="http://schemas.microsoft.com/office/mac/drawingml/2011/main" xmlns:a14="http://schemas.microsoft.com/office/drawing/2010/main" xmlns:m="http://schemas.openxmlformats.org/officeDocument/2006/math" xmlns="" val="1"/>
+              <ma14:wrappingTextBoxFlag xmlns="" xmlns:m="http://schemas.openxmlformats.org/officeDocument/2006/math" xmlns:a14="http://schemas.microsoft.com/office/drawing/2010/main" xmlns:ma14="http://schemas.microsoft.com/office/mac/drawingml/2011/main" val="1"/>
             </a:ext>
           </a:extLst>
         </p:spPr>
@@ -9549,7 +9551,7 @@
           </a:ln>
           <a:extLst>
             <a:ext uri="{C572A759-6A51-4108-AA02-DFA0A04FC94B}">
-              <ma14:wrappingTextBoxFlag xmlns:ma14="http://schemas.microsoft.com/office/mac/drawingml/2011/main" xmlns:a14="http://schemas.microsoft.com/office/drawing/2010/main" xmlns:m="http://schemas.openxmlformats.org/officeDocument/2006/math" xmlns="" val="1"/>
+              <ma14:wrappingTextBoxFlag xmlns="" xmlns:m="http://schemas.openxmlformats.org/officeDocument/2006/math" xmlns:a14="http://schemas.microsoft.com/office/drawing/2010/main" xmlns:ma14="http://schemas.microsoft.com/office/mac/drawingml/2011/main" val="1"/>
             </a:ext>
           </a:extLst>
         </p:spPr>
@@ -9584,7 +9586,7 @@
           </a:ln>
           <a:extLst>
             <a:ext uri="{C572A759-6A51-4108-AA02-DFA0A04FC94B}">
-              <ma14:wrappingTextBoxFlag xmlns:ma14="http://schemas.microsoft.com/office/mac/drawingml/2011/main" xmlns:a14="http://schemas.microsoft.com/office/drawing/2010/main" xmlns:m="http://schemas.openxmlformats.org/officeDocument/2006/math" xmlns="" val="1"/>
+              <ma14:wrappingTextBoxFlag xmlns="" xmlns:m="http://schemas.openxmlformats.org/officeDocument/2006/math" xmlns:a14="http://schemas.microsoft.com/office/drawing/2010/main" xmlns:ma14="http://schemas.microsoft.com/office/mac/drawingml/2011/main" val="1"/>
             </a:ext>
           </a:extLst>
         </p:spPr>
@@ -9619,7 +9621,7 @@
           </a:ln>
           <a:extLst>
             <a:ext uri="{C572A759-6A51-4108-AA02-DFA0A04FC94B}">
-              <ma14:wrappingTextBoxFlag xmlns:ma14="http://schemas.microsoft.com/office/mac/drawingml/2011/main" xmlns:a14="http://schemas.microsoft.com/office/drawing/2010/main" xmlns:m="http://schemas.openxmlformats.org/officeDocument/2006/math" xmlns="" val="1"/>
+              <ma14:wrappingTextBoxFlag xmlns="" xmlns:m="http://schemas.openxmlformats.org/officeDocument/2006/math" xmlns:a14="http://schemas.microsoft.com/office/drawing/2010/main" xmlns:ma14="http://schemas.microsoft.com/office/mac/drawingml/2011/main" val="1"/>
             </a:ext>
           </a:extLst>
         </p:spPr>
@@ -10460,7 +10462,7 @@
           </a:ln>
           <a:extLst>
             <a:ext uri="{C572A759-6A51-4108-AA02-DFA0A04FC94B}">
-              <ma14:wrappingTextBoxFlag xmlns="" xmlns:m="http://schemas.openxmlformats.org/officeDocument/2006/math" xmlns:a14="http://schemas.microsoft.com/office/drawing/2010/main" xmlns:ma14="http://schemas.microsoft.com/office/mac/drawingml/2011/main" val="1"/>
+              <ma14:wrappingTextBoxFlag xmlns:ma14="http://schemas.microsoft.com/office/mac/drawingml/2011/main" xmlns:a14="http://schemas.microsoft.com/office/drawing/2010/main" xmlns:m="http://schemas.openxmlformats.org/officeDocument/2006/math" xmlns="" val="1"/>
             </a:ext>
           </a:extLst>
         </p:spPr>
@@ -10538,7 +10540,7 @@
           </a:ln>
           <a:extLst>
             <a:ext uri="{C572A759-6A51-4108-AA02-DFA0A04FC94B}">
-              <ma14:wrappingTextBoxFlag xmlns="" xmlns:m="http://schemas.openxmlformats.org/officeDocument/2006/math" xmlns:a14="http://schemas.microsoft.com/office/drawing/2010/main" xmlns:ma14="http://schemas.microsoft.com/office/mac/drawingml/2011/main" val="1"/>
+              <ma14:wrappingTextBoxFlag xmlns:ma14="http://schemas.microsoft.com/office/mac/drawingml/2011/main" xmlns:a14="http://schemas.microsoft.com/office/drawing/2010/main" xmlns:m="http://schemas.openxmlformats.org/officeDocument/2006/math" xmlns="" val="1"/>
             </a:ext>
           </a:extLst>
         </p:spPr>
@@ -10573,7 +10575,7 @@
           </a:ln>
           <a:extLst>
             <a:ext uri="{C572A759-6A51-4108-AA02-DFA0A04FC94B}">
-              <ma14:wrappingTextBoxFlag xmlns="" xmlns:m="http://schemas.openxmlformats.org/officeDocument/2006/math" xmlns:a14="http://schemas.microsoft.com/office/drawing/2010/main" xmlns:ma14="http://schemas.microsoft.com/office/mac/drawingml/2011/main" val="1"/>
+              <ma14:wrappingTextBoxFlag xmlns:ma14="http://schemas.microsoft.com/office/mac/drawingml/2011/main" xmlns:a14="http://schemas.microsoft.com/office/drawing/2010/main" xmlns:m="http://schemas.openxmlformats.org/officeDocument/2006/math" xmlns="" val="1"/>
             </a:ext>
           </a:extLst>
         </p:spPr>
@@ -10608,7 +10610,7 @@
           </a:ln>
           <a:extLst>
             <a:ext uri="{C572A759-6A51-4108-AA02-DFA0A04FC94B}">
-              <ma14:wrappingTextBoxFlag xmlns="" xmlns:m="http://schemas.openxmlformats.org/officeDocument/2006/math" xmlns:a14="http://schemas.microsoft.com/office/drawing/2010/main" xmlns:ma14="http://schemas.microsoft.com/office/mac/drawingml/2011/main" val="1"/>
+              <ma14:wrappingTextBoxFlag xmlns:ma14="http://schemas.microsoft.com/office/mac/drawingml/2011/main" xmlns:a14="http://schemas.microsoft.com/office/drawing/2010/main" xmlns:m="http://schemas.openxmlformats.org/officeDocument/2006/math" xmlns="" val="1"/>
             </a:ext>
           </a:extLst>
         </p:spPr>
@@ -11282,7 +11284,7 @@
           </a:ln>
           <a:extLst>
             <a:ext uri="{C572A759-6A51-4108-AA02-DFA0A04FC94B}">
-              <ma14:wrappingTextBoxFlag xmlns="" xmlns:m="http://schemas.openxmlformats.org/officeDocument/2006/math" xmlns:a14="http://schemas.microsoft.com/office/drawing/2010/main" xmlns:ma14="http://schemas.microsoft.com/office/mac/drawingml/2011/main" val="1"/>
+              <ma14:wrappingTextBoxFlag xmlns:ma14="http://schemas.microsoft.com/office/mac/drawingml/2011/main" xmlns:a14="http://schemas.microsoft.com/office/drawing/2010/main" xmlns:m="http://schemas.openxmlformats.org/officeDocument/2006/math" xmlns="" val="1"/>
             </a:ext>
           </a:extLst>
         </p:spPr>
@@ -11409,7 +11411,7 @@
           </a:ln>
           <a:extLst>
             <a:ext uri="{C572A759-6A51-4108-AA02-DFA0A04FC94B}">
-              <ma14:wrappingTextBoxFlag xmlns="" xmlns:m="http://schemas.openxmlformats.org/officeDocument/2006/math" xmlns:a14="http://schemas.microsoft.com/office/drawing/2010/main" xmlns:ma14="http://schemas.microsoft.com/office/mac/drawingml/2011/main" val="1"/>
+              <ma14:wrappingTextBoxFlag xmlns:ma14="http://schemas.microsoft.com/office/mac/drawingml/2011/main" xmlns:a14="http://schemas.microsoft.com/office/drawing/2010/main" xmlns:m="http://schemas.openxmlformats.org/officeDocument/2006/math" xmlns="" val="1"/>
             </a:ext>
           </a:extLst>
         </p:spPr>
@@ -11444,7 +11446,7 @@
           </a:ln>
           <a:extLst>
             <a:ext uri="{C572A759-6A51-4108-AA02-DFA0A04FC94B}">
-              <ma14:wrappingTextBoxFlag xmlns="" xmlns:m="http://schemas.openxmlformats.org/officeDocument/2006/math" xmlns:a14="http://schemas.microsoft.com/office/drawing/2010/main" xmlns:ma14="http://schemas.microsoft.com/office/mac/drawingml/2011/main" val="1"/>
+              <ma14:wrappingTextBoxFlag xmlns:ma14="http://schemas.microsoft.com/office/mac/drawingml/2011/main" xmlns:a14="http://schemas.microsoft.com/office/drawing/2010/main" xmlns:m="http://schemas.openxmlformats.org/officeDocument/2006/math" xmlns="" val="1"/>
             </a:ext>
           </a:extLst>
         </p:spPr>
@@ -11555,7 +11557,7 @@
           </a:ln>
           <a:extLst>
             <a:ext uri="{C572A759-6A51-4108-AA02-DFA0A04FC94B}">
-              <ma14:wrappingTextBoxFlag xmlns:ma14="http://schemas.microsoft.com/office/mac/drawingml/2011/main" xmlns:a14="http://schemas.microsoft.com/office/drawing/2010/main" xmlns:m="http://schemas.openxmlformats.org/officeDocument/2006/math" xmlns="" val="1"/>
+              <ma14:wrappingTextBoxFlag xmlns="" xmlns:m="http://schemas.openxmlformats.org/officeDocument/2006/math" xmlns:a14="http://schemas.microsoft.com/office/drawing/2010/main" xmlns:ma14="http://schemas.microsoft.com/office/mac/drawingml/2011/main" val="1"/>
             </a:ext>
           </a:extLst>
         </p:spPr>
@@ -11629,7 +11631,7 @@
           </a:ln>
           <a:extLst>
             <a:ext uri="{C572A759-6A51-4108-AA02-DFA0A04FC94B}">
-              <ma14:wrappingTextBoxFlag xmlns:ma14="http://schemas.microsoft.com/office/mac/drawingml/2011/main" xmlns:a14="http://schemas.microsoft.com/office/drawing/2010/main" xmlns:m="http://schemas.openxmlformats.org/officeDocument/2006/math" xmlns="" val="1"/>
+              <ma14:wrappingTextBoxFlag xmlns="" xmlns:m="http://schemas.openxmlformats.org/officeDocument/2006/math" xmlns:a14="http://schemas.microsoft.com/office/drawing/2010/main" xmlns:ma14="http://schemas.microsoft.com/office/mac/drawingml/2011/main" val="1"/>
             </a:ext>
           </a:extLst>
         </p:spPr>
@@ -11664,7 +11666,7 @@
           </a:ln>
           <a:extLst>
             <a:ext uri="{C572A759-6A51-4108-AA02-DFA0A04FC94B}">
-              <ma14:wrappingTextBoxFlag xmlns:ma14="http://schemas.microsoft.com/office/mac/drawingml/2011/main" xmlns:a14="http://schemas.microsoft.com/office/drawing/2010/main" xmlns:m="http://schemas.openxmlformats.org/officeDocument/2006/math" xmlns="" val="1"/>
+              <ma14:wrappingTextBoxFlag xmlns="" xmlns:m="http://schemas.openxmlformats.org/officeDocument/2006/math" xmlns:a14="http://schemas.microsoft.com/office/drawing/2010/main" xmlns:ma14="http://schemas.microsoft.com/office/mac/drawingml/2011/main" val="1"/>
             </a:ext>
           </a:extLst>
         </p:spPr>
@@ -11699,7 +11701,7 @@
           </a:ln>
           <a:extLst>
             <a:ext uri="{C572A759-6A51-4108-AA02-DFA0A04FC94B}">
-              <ma14:wrappingTextBoxFlag xmlns:ma14="http://schemas.microsoft.com/office/mac/drawingml/2011/main" xmlns:a14="http://schemas.microsoft.com/office/drawing/2010/main" xmlns:m="http://schemas.openxmlformats.org/officeDocument/2006/math" xmlns="" val="1"/>
+              <ma14:wrappingTextBoxFlag xmlns="" xmlns:m="http://schemas.openxmlformats.org/officeDocument/2006/math" xmlns:a14="http://schemas.microsoft.com/office/drawing/2010/main" xmlns:ma14="http://schemas.microsoft.com/office/mac/drawingml/2011/main" val="1"/>
             </a:ext>
           </a:extLst>
         </p:spPr>
@@ -12081,7 +12083,7 @@
           </a:ln>
           <a:extLst>
             <a:ext uri="{C572A759-6A51-4108-AA02-DFA0A04FC94B}">
-              <ma14:wrappingTextBoxFlag xmlns="" xmlns:m="http://schemas.openxmlformats.org/officeDocument/2006/math" xmlns:a14="http://schemas.microsoft.com/office/drawing/2010/main" xmlns:ma14="http://schemas.microsoft.com/office/mac/drawingml/2011/main" val="1"/>
+              <ma14:wrappingTextBoxFlag xmlns:ma14="http://schemas.microsoft.com/office/mac/drawingml/2011/main" xmlns:a14="http://schemas.microsoft.com/office/drawing/2010/main" xmlns:m="http://schemas.openxmlformats.org/officeDocument/2006/math" xmlns="" val="1"/>
             </a:ext>
           </a:extLst>
         </p:spPr>
@@ -12161,7 +12163,7 @@
           </a:ln>
           <a:extLst>
             <a:ext uri="{C572A759-6A51-4108-AA02-DFA0A04FC94B}">
-              <ma14:wrappingTextBoxFlag xmlns="" xmlns:m="http://schemas.openxmlformats.org/officeDocument/2006/math" xmlns:a14="http://schemas.microsoft.com/office/drawing/2010/main" xmlns:ma14="http://schemas.microsoft.com/office/mac/drawingml/2011/main" val="1"/>
+              <ma14:wrappingTextBoxFlag xmlns:ma14="http://schemas.microsoft.com/office/mac/drawingml/2011/main" xmlns:a14="http://schemas.microsoft.com/office/drawing/2010/main" xmlns:m="http://schemas.openxmlformats.org/officeDocument/2006/math" xmlns="" val="1"/>
             </a:ext>
           </a:extLst>
         </p:spPr>
@@ -12196,7 +12198,7 @@
           </a:ln>
           <a:extLst>
             <a:ext uri="{C572A759-6A51-4108-AA02-DFA0A04FC94B}">
-              <ma14:wrappingTextBoxFlag xmlns="" xmlns:m="http://schemas.openxmlformats.org/officeDocument/2006/math" xmlns:a14="http://schemas.microsoft.com/office/drawing/2010/main" xmlns:ma14="http://schemas.microsoft.com/office/mac/drawingml/2011/main" val="1"/>
+              <ma14:wrappingTextBoxFlag xmlns:ma14="http://schemas.microsoft.com/office/mac/drawingml/2011/main" xmlns:a14="http://schemas.microsoft.com/office/drawing/2010/main" xmlns:m="http://schemas.openxmlformats.org/officeDocument/2006/math" xmlns="" val="1"/>
             </a:ext>
           </a:extLst>
         </p:spPr>
@@ -12231,7 +12233,7 @@
           </a:ln>
           <a:extLst>
             <a:ext uri="{C572A759-6A51-4108-AA02-DFA0A04FC94B}">
-              <ma14:wrappingTextBoxFlag xmlns="" xmlns:m="http://schemas.openxmlformats.org/officeDocument/2006/math" xmlns:a14="http://schemas.microsoft.com/office/drawing/2010/main" xmlns:ma14="http://schemas.microsoft.com/office/mac/drawingml/2011/main" val="1"/>
+              <ma14:wrappingTextBoxFlag xmlns:ma14="http://schemas.microsoft.com/office/mac/drawingml/2011/main" xmlns:a14="http://schemas.microsoft.com/office/drawing/2010/main" xmlns:m="http://schemas.openxmlformats.org/officeDocument/2006/math" xmlns="" val="1"/>
             </a:ext>
           </a:extLst>
         </p:spPr>
@@ -12675,7 +12677,7 @@
           </a:ln>
           <a:extLst>
             <a:ext uri="{C572A759-6A51-4108-AA02-DFA0A04FC94B}">
-              <ma14:wrappingTextBoxFlag xmlns:ma14="http://schemas.microsoft.com/office/mac/drawingml/2011/main" xmlns:a14="http://schemas.microsoft.com/office/drawing/2010/main" xmlns:m="http://schemas.openxmlformats.org/officeDocument/2006/math" xmlns="" val="1"/>
+              <ma14:wrappingTextBoxFlag xmlns="" xmlns:m="http://schemas.openxmlformats.org/officeDocument/2006/math" xmlns:a14="http://schemas.microsoft.com/office/drawing/2010/main" xmlns:ma14="http://schemas.microsoft.com/office/mac/drawingml/2011/main" val="1"/>
             </a:ext>
           </a:extLst>
         </p:spPr>
@@ -12755,7 +12757,7 @@
           </a:ln>
           <a:extLst>
             <a:ext uri="{C572A759-6A51-4108-AA02-DFA0A04FC94B}">
-              <ma14:wrappingTextBoxFlag xmlns:ma14="http://schemas.microsoft.com/office/mac/drawingml/2011/main" xmlns:a14="http://schemas.microsoft.com/office/drawing/2010/main" xmlns:m="http://schemas.openxmlformats.org/officeDocument/2006/math" xmlns="" val="1"/>
+              <ma14:wrappingTextBoxFlag xmlns="" xmlns:m="http://schemas.openxmlformats.org/officeDocument/2006/math" xmlns:a14="http://schemas.microsoft.com/office/drawing/2010/main" xmlns:ma14="http://schemas.microsoft.com/office/mac/drawingml/2011/main" val="1"/>
             </a:ext>
           </a:extLst>
         </p:spPr>
@@ -12790,7 +12792,7 @@
           </a:ln>
           <a:extLst>
             <a:ext uri="{C572A759-6A51-4108-AA02-DFA0A04FC94B}">
-              <ma14:wrappingTextBoxFlag xmlns:ma14="http://schemas.microsoft.com/office/mac/drawingml/2011/main" xmlns:a14="http://schemas.microsoft.com/office/drawing/2010/main" xmlns:m="http://schemas.openxmlformats.org/officeDocument/2006/math" xmlns="" val="1"/>
+              <ma14:wrappingTextBoxFlag xmlns="" xmlns:m="http://schemas.openxmlformats.org/officeDocument/2006/math" xmlns:a14="http://schemas.microsoft.com/office/drawing/2010/main" xmlns:ma14="http://schemas.microsoft.com/office/mac/drawingml/2011/main" val="1"/>
             </a:ext>
           </a:extLst>
         </p:spPr>
@@ -12825,7 +12827,7 @@
           </a:ln>
           <a:extLst>
             <a:ext uri="{C572A759-6A51-4108-AA02-DFA0A04FC94B}">
-              <ma14:wrappingTextBoxFlag xmlns:ma14="http://schemas.microsoft.com/office/mac/drawingml/2011/main" xmlns:a14="http://schemas.microsoft.com/office/drawing/2010/main" xmlns:m="http://schemas.openxmlformats.org/officeDocument/2006/math" xmlns="" val="1"/>
+              <ma14:wrappingTextBoxFlag xmlns="" xmlns:m="http://schemas.openxmlformats.org/officeDocument/2006/math" xmlns:a14="http://schemas.microsoft.com/office/drawing/2010/main" xmlns:ma14="http://schemas.microsoft.com/office/mac/drawingml/2011/main" val="1"/>
             </a:ext>
           </a:extLst>
         </p:spPr>
@@ -13101,7 +13103,7 @@
           </a:ln>
           <a:extLst>
             <a:ext uri="{C572A759-6A51-4108-AA02-DFA0A04FC94B}">
-              <ma14:wrappingTextBoxFlag xmlns="" xmlns:m="http://schemas.openxmlformats.org/officeDocument/2006/math" xmlns:a14="http://schemas.microsoft.com/office/drawing/2010/main" xmlns:ma14="http://schemas.microsoft.com/office/mac/drawingml/2011/main" val="1"/>
+              <ma14:wrappingTextBoxFlag xmlns:ma14="http://schemas.microsoft.com/office/mac/drawingml/2011/main" xmlns:a14="http://schemas.microsoft.com/office/drawing/2010/main" xmlns:m="http://schemas.openxmlformats.org/officeDocument/2006/math" xmlns="" val="1"/>
             </a:ext>
           </a:extLst>
         </p:spPr>
@@ -13169,7 +13171,7 @@
           </a:ln>
           <a:extLst>
             <a:ext uri="{C572A759-6A51-4108-AA02-DFA0A04FC94B}">
-              <ma14:wrappingTextBoxFlag xmlns="" xmlns:m="http://schemas.openxmlformats.org/officeDocument/2006/math" xmlns:a14="http://schemas.microsoft.com/office/drawing/2010/main" xmlns:ma14="http://schemas.microsoft.com/office/mac/drawingml/2011/main" val="1"/>
+              <ma14:wrappingTextBoxFlag xmlns:ma14="http://schemas.microsoft.com/office/mac/drawingml/2011/main" xmlns:a14="http://schemas.microsoft.com/office/drawing/2010/main" xmlns:m="http://schemas.openxmlformats.org/officeDocument/2006/math" xmlns="" val="1"/>
             </a:ext>
           </a:extLst>
         </p:spPr>
@@ -13204,7 +13206,7 @@
           </a:ln>
           <a:extLst>
             <a:ext uri="{C572A759-6A51-4108-AA02-DFA0A04FC94B}">
-              <ma14:wrappingTextBoxFlag xmlns="" xmlns:m="http://schemas.openxmlformats.org/officeDocument/2006/math" xmlns:a14="http://schemas.microsoft.com/office/drawing/2010/main" xmlns:ma14="http://schemas.microsoft.com/office/mac/drawingml/2011/main" val="1"/>
+              <ma14:wrappingTextBoxFlag xmlns:ma14="http://schemas.microsoft.com/office/mac/drawingml/2011/main" xmlns:a14="http://schemas.microsoft.com/office/drawing/2010/main" xmlns:m="http://schemas.openxmlformats.org/officeDocument/2006/math" xmlns="" val="1"/>
             </a:ext>
           </a:extLst>
         </p:spPr>
@@ -13266,7 +13268,7 @@
           </a:ln>
           <a:extLst>
             <a:ext uri="{C572A759-6A51-4108-AA02-DFA0A04FC94B}">
-              <ma14:wrappingTextBoxFlag xmlns="" xmlns:m="http://schemas.openxmlformats.org/officeDocument/2006/math" xmlns:a14="http://schemas.microsoft.com/office/drawing/2010/main" xmlns:ma14="http://schemas.microsoft.com/office/mac/drawingml/2011/main" val="1"/>
+              <ma14:wrappingTextBoxFlag xmlns:ma14="http://schemas.microsoft.com/office/mac/drawingml/2011/main" xmlns:a14="http://schemas.microsoft.com/office/drawing/2010/main" xmlns:m="http://schemas.openxmlformats.org/officeDocument/2006/math" xmlns="" val="1"/>
             </a:ext>
           </a:extLst>
         </p:spPr>
@@ -13381,7 +13383,7 @@
           </a:ln>
           <a:extLst>
             <a:ext uri="{C572A759-6A51-4108-AA02-DFA0A04FC94B}">
-              <ma14:wrappingTextBoxFlag xmlns="" xmlns:m="http://schemas.openxmlformats.org/officeDocument/2006/math" xmlns:a14="http://schemas.microsoft.com/office/drawing/2010/main" xmlns:ma14="http://schemas.microsoft.com/office/mac/drawingml/2011/main" val="1"/>
+              <ma14:wrappingTextBoxFlag xmlns:ma14="http://schemas.microsoft.com/office/mac/drawingml/2011/main" xmlns:a14="http://schemas.microsoft.com/office/drawing/2010/main" xmlns:m="http://schemas.openxmlformats.org/officeDocument/2006/math" xmlns="" val="1"/>
             </a:ext>
           </a:extLst>
         </p:spPr>
@@ -13456,7 +13458,7 @@
           </a:ln>
           <a:extLst>
             <a:ext uri="{C572A759-6A51-4108-AA02-DFA0A04FC94B}">
-              <ma14:wrappingTextBoxFlag xmlns="" xmlns:m="http://schemas.openxmlformats.org/officeDocument/2006/math" xmlns:a14="http://schemas.microsoft.com/office/drawing/2010/main" xmlns:ma14="http://schemas.microsoft.com/office/mac/drawingml/2011/main" val="1"/>
+              <ma14:wrappingTextBoxFlag xmlns:ma14="http://schemas.microsoft.com/office/mac/drawingml/2011/main" xmlns:a14="http://schemas.microsoft.com/office/drawing/2010/main" xmlns:m="http://schemas.openxmlformats.org/officeDocument/2006/math" xmlns="" val="1"/>
             </a:ext>
           </a:extLst>
         </p:spPr>
@@ -13491,7 +13493,7 @@
           </a:ln>
           <a:extLst>
             <a:ext uri="{C572A759-6A51-4108-AA02-DFA0A04FC94B}">
-              <ma14:wrappingTextBoxFlag xmlns="" xmlns:m="http://schemas.openxmlformats.org/officeDocument/2006/math" xmlns:a14="http://schemas.microsoft.com/office/drawing/2010/main" xmlns:ma14="http://schemas.microsoft.com/office/mac/drawingml/2011/main" val="1"/>
+              <ma14:wrappingTextBoxFlag xmlns:ma14="http://schemas.microsoft.com/office/mac/drawingml/2011/main" xmlns:a14="http://schemas.microsoft.com/office/drawing/2010/main" xmlns:m="http://schemas.openxmlformats.org/officeDocument/2006/math" xmlns="" val="1"/>
             </a:ext>
           </a:extLst>
         </p:spPr>
@@ -13526,7 +13528,7 @@
           </a:ln>
           <a:extLst>
             <a:ext uri="{C572A759-6A51-4108-AA02-DFA0A04FC94B}">
-              <ma14:wrappingTextBoxFlag xmlns="" xmlns:m="http://schemas.openxmlformats.org/officeDocument/2006/math" xmlns:a14="http://schemas.microsoft.com/office/drawing/2010/main" xmlns:ma14="http://schemas.microsoft.com/office/mac/drawingml/2011/main" val="1"/>
+              <ma14:wrappingTextBoxFlag xmlns:ma14="http://schemas.microsoft.com/office/mac/drawingml/2011/main" xmlns:a14="http://schemas.microsoft.com/office/drawing/2010/main" xmlns:m="http://schemas.openxmlformats.org/officeDocument/2006/math" xmlns="" val="1"/>
             </a:ext>
           </a:extLst>
         </p:spPr>
@@ -13665,7 +13667,7 @@
           </a:ln>
           <a:extLst>
             <a:ext uri="{C572A759-6A51-4108-AA02-DFA0A04FC94B}">
-              <ma14:wrappingTextBoxFlag xmlns:ma14="http://schemas.microsoft.com/office/mac/drawingml/2011/main" xmlns:a14="http://schemas.microsoft.com/office/drawing/2010/main" xmlns:m="http://schemas.openxmlformats.org/officeDocument/2006/math" xmlns="" val="1"/>
+              <ma14:wrappingTextBoxFlag xmlns="" xmlns:m="http://schemas.openxmlformats.org/officeDocument/2006/math" xmlns:a14="http://schemas.microsoft.com/office/drawing/2010/main" xmlns:ma14="http://schemas.microsoft.com/office/mac/drawingml/2011/main" val="1"/>
             </a:ext>
           </a:extLst>
         </p:spPr>
@@ -13756,7 +13758,7 @@
           </a:ln>
           <a:extLst>
             <a:ext uri="{C572A759-6A51-4108-AA02-DFA0A04FC94B}">
-              <ma14:wrappingTextBoxFlag xmlns:ma14="http://schemas.microsoft.com/office/mac/drawingml/2011/main" xmlns:a14="http://schemas.microsoft.com/office/drawing/2010/main" xmlns:m="http://schemas.openxmlformats.org/officeDocument/2006/math" xmlns="" val="1"/>
+              <ma14:wrappingTextBoxFlag xmlns="" xmlns:m="http://schemas.openxmlformats.org/officeDocument/2006/math" xmlns:a14="http://schemas.microsoft.com/office/drawing/2010/main" xmlns:ma14="http://schemas.microsoft.com/office/mac/drawingml/2011/main" val="1"/>
             </a:ext>
           </a:extLst>
         </p:spPr>
@@ -13791,7 +13793,7 @@
           </a:ln>
           <a:extLst>
             <a:ext uri="{C572A759-6A51-4108-AA02-DFA0A04FC94B}">
-              <ma14:wrappingTextBoxFlag xmlns:ma14="http://schemas.microsoft.com/office/mac/drawingml/2011/main" xmlns:a14="http://schemas.microsoft.com/office/drawing/2010/main" xmlns:m="http://schemas.openxmlformats.org/officeDocument/2006/math" xmlns="" val="1"/>
+              <ma14:wrappingTextBoxFlag xmlns="" xmlns:m="http://schemas.openxmlformats.org/officeDocument/2006/math" xmlns:a14="http://schemas.microsoft.com/office/drawing/2010/main" xmlns:ma14="http://schemas.microsoft.com/office/mac/drawingml/2011/main" val="1"/>
             </a:ext>
           </a:extLst>
         </p:spPr>
@@ -13826,7 +13828,7 @@
           </a:ln>
           <a:extLst>
             <a:ext uri="{C572A759-6A51-4108-AA02-DFA0A04FC94B}">
-              <ma14:wrappingTextBoxFlag xmlns:ma14="http://schemas.microsoft.com/office/mac/drawingml/2011/main" xmlns:a14="http://schemas.microsoft.com/office/drawing/2010/main" xmlns:m="http://schemas.openxmlformats.org/officeDocument/2006/math" xmlns="" val="1"/>
+              <ma14:wrappingTextBoxFlag xmlns="" xmlns:m="http://schemas.openxmlformats.org/officeDocument/2006/math" xmlns:a14="http://schemas.microsoft.com/office/drawing/2010/main" xmlns:ma14="http://schemas.microsoft.com/office/mac/drawingml/2011/main" val="1"/>
             </a:ext>
           </a:extLst>
         </p:spPr>
@@ -13965,7 +13967,7 @@
           </a:ln>
           <a:extLst>
             <a:ext uri="{C572A759-6A51-4108-AA02-DFA0A04FC94B}">
-              <ma14:wrappingTextBoxFlag xmlns:ma14="http://schemas.microsoft.com/office/mac/drawingml/2011/main" xmlns:a14="http://schemas.microsoft.com/office/drawing/2010/main" xmlns:m="http://schemas.openxmlformats.org/officeDocument/2006/math" xmlns="" val="1"/>
+              <ma14:wrappingTextBoxFlag xmlns="" xmlns:m="http://schemas.openxmlformats.org/officeDocument/2006/math" xmlns:a14="http://schemas.microsoft.com/office/drawing/2010/main" xmlns:ma14="http://schemas.microsoft.com/office/mac/drawingml/2011/main" val="1"/>
             </a:ext>
           </a:extLst>
         </p:spPr>
@@ -14129,7 +14131,7 @@
           </a:ln>
           <a:extLst>
             <a:ext uri="{C572A759-6A51-4108-AA02-DFA0A04FC94B}">
-              <ma14:wrappingTextBoxFlag xmlns:ma14="http://schemas.microsoft.com/office/mac/drawingml/2011/main" xmlns:a14="http://schemas.microsoft.com/office/drawing/2010/main" xmlns:m="http://schemas.openxmlformats.org/officeDocument/2006/math" xmlns="" val="1"/>
+              <ma14:wrappingTextBoxFlag xmlns="" xmlns:m="http://schemas.openxmlformats.org/officeDocument/2006/math" xmlns:a14="http://schemas.microsoft.com/office/drawing/2010/main" xmlns:ma14="http://schemas.microsoft.com/office/mac/drawingml/2011/main" val="1"/>
             </a:ext>
           </a:extLst>
         </p:spPr>
@@ -14164,7 +14166,7 @@
           </a:ln>
           <a:extLst>
             <a:ext uri="{C572A759-6A51-4108-AA02-DFA0A04FC94B}">
-              <ma14:wrappingTextBoxFlag xmlns:ma14="http://schemas.microsoft.com/office/mac/drawingml/2011/main" xmlns:a14="http://schemas.microsoft.com/office/drawing/2010/main" xmlns:m="http://schemas.openxmlformats.org/officeDocument/2006/math" xmlns="" val="1"/>
+              <ma14:wrappingTextBoxFlag xmlns="" xmlns:m="http://schemas.openxmlformats.org/officeDocument/2006/math" xmlns:a14="http://schemas.microsoft.com/office/drawing/2010/main" xmlns:ma14="http://schemas.microsoft.com/office/mac/drawingml/2011/main" val="1"/>
             </a:ext>
           </a:extLst>
         </p:spPr>
@@ -14270,7 +14272,7 @@
         <p:spPr>
           <a:xfrm>
             <a:off x="385389" y="938568"/>
-            <a:ext cx="3264047" cy="3231622"/>
+            <a:ext cx="3264047" cy="2893067"/>
           </a:xfrm>
           <a:prstGeom prst="rect">
             <a:avLst/>
@@ -14280,7 +14282,7 @@
           </a:ln>
           <a:extLst>
             <a:ext uri="{C572A759-6A51-4108-AA02-DFA0A04FC94B}">
-              <ma14:wrappingTextBoxFlag xmlns:ma14="http://schemas.microsoft.com/office/mac/drawingml/2011/main" xmlns:a14="http://schemas.microsoft.com/office/drawing/2010/main" xmlns:m="http://schemas.openxmlformats.org/officeDocument/2006/math" xmlns="" val="1"/>
+              <ma14:wrappingTextBoxFlag xmlns="" xmlns:m="http://schemas.openxmlformats.org/officeDocument/2006/math" xmlns:a14="http://schemas.microsoft.com/office/drawing/2010/main" xmlns:ma14="http://schemas.microsoft.com/office/mac/drawingml/2011/main" val="1"/>
             </a:ext>
           </a:extLst>
         </p:spPr>
@@ -14329,25 +14331,6 @@
             <a:endParaRPr lang="da-DK" dirty="0"/>
           </a:p>
           <a:p>
-            <a:r>
-              <a:rPr lang="da-DK" dirty="0"/>
-              <a:t>(2) </a:t>
-            </a:r>
-            <a:r>
-              <a:rPr lang="da-DK" dirty="0" err="1"/>
-              <a:t>Evolve</a:t>
-            </a:r>
-            <a:r>
-              <a:rPr lang="da-DK" dirty="0"/>
-              <a:t> a </a:t>
-            </a:r>
-            <a:r>
-              <a:rPr lang="da-DK" dirty="0" err="1"/>
-              <a:t>GamingNN</a:t>
-            </a:r>
-            <a:endParaRPr lang="da-DK" dirty="0"/>
-          </a:p>
-          <a:p>
             <a:endParaRPr dirty="0"/>
           </a:p>
         </p:txBody>
@@ -14371,7 +14354,7 @@
           </a:ln>
           <a:extLst>
             <a:ext uri="{C572A759-6A51-4108-AA02-DFA0A04FC94B}">
-              <ma14:wrappingTextBoxFlag xmlns:ma14="http://schemas.microsoft.com/office/mac/drawingml/2011/main" xmlns:a14="http://schemas.microsoft.com/office/drawing/2010/main" xmlns:m="http://schemas.openxmlformats.org/officeDocument/2006/math" xmlns="" val="1"/>
+              <ma14:wrappingTextBoxFlag xmlns="" xmlns:m="http://schemas.openxmlformats.org/officeDocument/2006/math" xmlns:a14="http://schemas.microsoft.com/office/drawing/2010/main" xmlns:ma14="http://schemas.microsoft.com/office/mac/drawingml/2011/main" val="1"/>
             </a:ext>
           </a:extLst>
         </p:spPr>
@@ -14406,7 +14389,7 @@
           </a:ln>
           <a:extLst>
             <a:ext uri="{C572A759-6A51-4108-AA02-DFA0A04FC94B}">
-              <ma14:wrappingTextBoxFlag xmlns:ma14="http://schemas.microsoft.com/office/mac/drawingml/2011/main" xmlns:a14="http://schemas.microsoft.com/office/drawing/2010/main" xmlns:m="http://schemas.openxmlformats.org/officeDocument/2006/math" xmlns="" val="1"/>
+              <ma14:wrappingTextBoxFlag xmlns="" xmlns:m="http://schemas.openxmlformats.org/officeDocument/2006/math" xmlns:a14="http://schemas.microsoft.com/office/drawing/2010/main" xmlns:ma14="http://schemas.microsoft.com/office/mac/drawingml/2011/main" val="1"/>
             </a:ext>
           </a:extLst>
         </p:spPr>
@@ -14441,7 +14424,7 @@
           </a:ln>
           <a:extLst>
             <a:ext uri="{C572A759-6A51-4108-AA02-DFA0A04FC94B}">
-              <ma14:wrappingTextBoxFlag xmlns:ma14="http://schemas.microsoft.com/office/mac/drawingml/2011/main" xmlns:a14="http://schemas.microsoft.com/office/drawing/2010/main" xmlns:m="http://schemas.openxmlformats.org/officeDocument/2006/math" xmlns="" val="1"/>
+              <ma14:wrappingTextBoxFlag xmlns="" xmlns:m="http://schemas.openxmlformats.org/officeDocument/2006/math" xmlns:a14="http://schemas.microsoft.com/office/drawing/2010/main" xmlns:ma14="http://schemas.microsoft.com/office/mac/drawingml/2011/main" val="1"/>
             </a:ext>
           </a:extLst>
         </p:spPr>
@@ -14511,8 +14494,8 @@
         </p:nvSpPr>
         <p:spPr>
           <a:xfrm>
-            <a:off x="4092196" y="1127257"/>
-            <a:ext cx="3902529" cy="3947234"/>
+            <a:off x="4092196" y="628325"/>
+            <a:ext cx="4666415" cy="4408899"/>
           </a:xfrm>
           <a:prstGeom prst="rect">
             <a:avLst/>
@@ -14544,61 +14527,63 @@
           <a:lstStyle/>
           <a:p>
             <a:pPr algn="l"/>
-            <a:endParaRPr lang="en-GB" sz="1200" b="0" dirty="0">
-              <a:solidFill>
-                <a:srgbClr val="0000FF"/>
-              </a:solidFill>
-              <a:effectLst/>
-              <a:latin typeface="Courier New" panose="02070309020205020404" pitchFamily="49" charset="0"/>
-            </a:endParaRPr>
+            <a:r>
+              <a:rPr lang="en-GB" sz="1200" dirty="0">
+                <a:solidFill>
+                  <a:srgbClr val="000000"/>
+                </a:solidFill>
+                <a:latin typeface="Courier New" panose="02070309020205020404" pitchFamily="49" charset="0"/>
+              </a:rPr>
+              <a:t>&gt;</a:t>
+            </a:r>
+            <a:r>
+              <a:rPr lang="en-GB" sz="1200" b="0" dirty="0">
+                <a:solidFill>
+                  <a:srgbClr val="000000"/>
+                </a:solidFill>
+                <a:effectLst/>
+                <a:latin typeface="Courier New" panose="02070309020205020404" pitchFamily="49" charset="0"/>
+              </a:rPr>
+              <a:t>Find the optimum for using an evolutionary strategy of a loss function of your choice.</a:t>
+            </a:r>
           </a:p>
           <a:p>
             <a:pPr algn="l"/>
-            <a:endParaRPr lang="en-GB" sz="1200" b="0" dirty="0">
-              <a:solidFill>
-                <a:srgbClr val="0000FF"/>
-              </a:solidFill>
-              <a:effectLst/>
-              <a:latin typeface="Courier New" panose="02070309020205020404" pitchFamily="49" charset="0"/>
-            </a:endParaRPr>
-          </a:p>
-          <a:p>
-            <a:pPr algn="l"/>
-            <a:endParaRPr lang="en-GB" sz="1200" dirty="0">
-              <a:solidFill>
-                <a:srgbClr val="0000FF"/>
-              </a:solidFill>
-              <a:latin typeface="Courier New" panose="02070309020205020404" pitchFamily="49" charset="0"/>
-            </a:endParaRPr>
-          </a:p>
-          <a:p>
-            <a:pPr algn="l"/>
-            <a:endParaRPr lang="en-GB" sz="1200" b="0" dirty="0">
-              <a:solidFill>
-                <a:srgbClr val="0000FF"/>
-              </a:solidFill>
-              <a:effectLst/>
-              <a:latin typeface="Courier New" panose="02070309020205020404" pitchFamily="49" charset="0"/>
-            </a:endParaRPr>
-          </a:p>
-          <a:p>
-            <a:pPr algn="l"/>
-            <a:endParaRPr lang="en-GB" sz="1200" dirty="0">
-              <a:solidFill>
-                <a:srgbClr val="0000FF"/>
-              </a:solidFill>
-              <a:latin typeface="Courier New" panose="02070309020205020404" pitchFamily="49" charset="0"/>
-            </a:endParaRPr>
-          </a:p>
-          <a:p>
-            <a:pPr algn="l"/>
-            <a:endParaRPr lang="en-GB" sz="1200" b="0" dirty="0">
-              <a:solidFill>
-                <a:srgbClr val="0000FF"/>
-              </a:solidFill>
-              <a:effectLst/>
-              <a:latin typeface="Courier New" panose="02070309020205020404" pitchFamily="49" charset="0"/>
-            </a:endParaRPr>
+            <a:br>
+              <a:rPr lang="en-GB" sz="1200" dirty="0">
+                <a:solidFill>
+                  <a:srgbClr val="000000"/>
+                </a:solidFill>
+                <a:latin typeface="Courier New" panose="02070309020205020404" pitchFamily="49" charset="0"/>
+              </a:rPr>
+            </a:br>
+            <a:r>
+              <a:rPr lang="en-GB" sz="1200" dirty="0">
+                <a:solidFill>
+                  <a:srgbClr val="000000"/>
+                </a:solidFill>
+                <a:latin typeface="Courier New" panose="02070309020205020404" pitchFamily="49" charset="0"/>
+              </a:rPr>
+              <a:t>You can simply evolve 1D parameters if the function has one argument. (I.e. every element in the population is a </a:t>
+            </a:r>
+            <a:r>
+              <a:rPr lang="en-GB" sz="1200" dirty="0" err="1">
+                <a:solidFill>
+                  <a:srgbClr val="000000"/>
+                </a:solidFill>
+                <a:latin typeface="Courier New" panose="02070309020205020404" pitchFamily="49" charset="0"/>
+              </a:rPr>
+              <a:t>numpy</a:t>
+            </a:r>
+            <a:r>
+              <a:rPr lang="en-GB" sz="1200" dirty="0">
+                <a:solidFill>
+                  <a:srgbClr val="000000"/>
+                </a:solidFill>
+                <a:latin typeface="Courier New" panose="02070309020205020404" pitchFamily="49" charset="0"/>
+              </a:rPr>
+              <a:t> array size 1)</a:t>
+            </a:r>
           </a:p>
           <a:p>
             <a:pPr algn="l"/>
@@ -14612,6 +14597,169 @@
           </a:p>
           <a:p>
             <a:pPr algn="l"/>
+            <a:r>
+              <a:rPr lang="en-GB" sz="1000" dirty="0">
+                <a:solidFill>
+                  <a:schemeClr val="accent1"/>
+                </a:solidFill>
+                <a:latin typeface="Courier New" panose="02070309020205020404" pitchFamily="49" charset="0"/>
+              </a:rPr>
+              <a:t>#initialise population</a:t>
+            </a:r>
+          </a:p>
+          <a:p>
+            <a:pPr algn="l"/>
+            <a:r>
+              <a:rPr lang="en-GB" sz="1000" dirty="0">
+                <a:solidFill>
+                  <a:schemeClr val="accent1"/>
+                </a:solidFill>
+                <a:latin typeface="Courier New" panose="02070309020205020404" pitchFamily="49" charset="0"/>
+              </a:rPr>
+              <a:t>p</a:t>
+            </a:r>
+            <a:r>
+              <a:rPr lang="en-GB" sz="1000" b="0" dirty="0">
+                <a:solidFill>
+                  <a:schemeClr val="accent1"/>
+                </a:solidFill>
+                <a:effectLst/>
+                <a:latin typeface="Courier New" panose="02070309020205020404" pitchFamily="49" charset="0"/>
+              </a:rPr>
+              <a:t>opulation=</a:t>
+            </a:r>
+          </a:p>
+          <a:p>
+            <a:pPr algn="l"/>
+            <a:r>
+              <a:rPr lang="en-GB" sz="1000" dirty="0">
+                <a:solidFill>
+                  <a:schemeClr val="accent1"/>
+                </a:solidFill>
+                <a:latin typeface="Courier New" panose="02070309020205020404" pitchFamily="49" charset="0"/>
+              </a:rPr>
+              <a:t>for _ in range(</a:t>
+            </a:r>
+            <a:r>
+              <a:rPr lang="en-GB" sz="1000" dirty="0" err="1">
+                <a:solidFill>
+                  <a:schemeClr val="accent1"/>
+                </a:solidFill>
+                <a:latin typeface="Courier New" panose="02070309020205020404" pitchFamily="49" charset="0"/>
+              </a:rPr>
+              <a:t>num_generations</a:t>
+            </a:r>
+            <a:r>
+              <a:rPr lang="en-GB" sz="1000" dirty="0">
+                <a:solidFill>
+                  <a:schemeClr val="accent1"/>
+                </a:solidFill>
+                <a:latin typeface="Courier New" panose="02070309020205020404" pitchFamily="49" charset="0"/>
+              </a:rPr>
+              <a:t>):</a:t>
+            </a:r>
+          </a:p>
+          <a:p>
+            <a:pPr algn="l"/>
+            <a:r>
+              <a:rPr lang="en-GB" sz="1000" dirty="0">
+                <a:solidFill>
+                  <a:schemeClr val="accent1"/>
+                </a:solidFill>
+                <a:latin typeface="Courier New" panose="02070309020205020404" pitchFamily="49" charset="0"/>
+              </a:rPr>
+              <a:t>	#1--- evaluation</a:t>
+            </a:r>
+          </a:p>
+          <a:p>
+            <a:pPr algn="l"/>
+            <a:r>
+              <a:rPr lang="en-GB" sz="1000" dirty="0">
+                <a:solidFill>
+                  <a:schemeClr val="accent1"/>
+                </a:solidFill>
+                <a:latin typeface="Courier New" panose="02070309020205020404" pitchFamily="49" charset="0"/>
+              </a:rPr>
+              <a:t>	</a:t>
+            </a:r>
+            <a:r>
+              <a:rPr lang="en-GB" sz="1000" dirty="0" err="1">
+                <a:solidFill>
+                  <a:schemeClr val="accent1"/>
+                </a:solidFill>
+                <a:latin typeface="Courier New" panose="02070309020205020404" pitchFamily="49" charset="0"/>
+              </a:rPr>
+              <a:t>fitness_scores</a:t>
+            </a:r>
+            <a:r>
+              <a:rPr lang="en-GB" sz="1000" dirty="0">
+                <a:solidFill>
+                  <a:schemeClr val="accent1"/>
+                </a:solidFill>
+                <a:latin typeface="Courier New" panose="02070309020205020404" pitchFamily="49" charset="0"/>
+              </a:rPr>
+              <a:t>=</a:t>
+            </a:r>
+          </a:p>
+          <a:p>
+            <a:pPr algn="l"/>
+            <a:r>
+              <a:rPr lang="en-GB" sz="1000" dirty="0">
+                <a:solidFill>
+                  <a:schemeClr val="accent1"/>
+                </a:solidFill>
+                <a:latin typeface="Courier New" panose="02070309020205020404" pitchFamily="49" charset="0"/>
+              </a:rPr>
+              <a:t>	#2–- selection best </a:t>
+            </a:r>
+          </a:p>
+          <a:p>
+            <a:pPr algn="l"/>
+            <a:r>
+              <a:rPr lang="en-GB" sz="1000" dirty="0">
+                <a:solidFill>
+                  <a:schemeClr val="accent1"/>
+                </a:solidFill>
+                <a:latin typeface="Courier New" panose="02070309020205020404" pitchFamily="49" charset="0"/>
+              </a:rPr>
+              <a:t>	elites =</a:t>
+            </a:r>
+          </a:p>
+          <a:p>
+            <a:pPr algn="l"/>
+            <a:r>
+              <a:rPr lang="en-GB" sz="1000" dirty="0">
+                <a:solidFill>
+                  <a:schemeClr val="accent1"/>
+                </a:solidFill>
+                <a:latin typeface="Courier New" panose="02070309020205020404" pitchFamily="49" charset="0"/>
+              </a:rPr>
+              <a:t>	#3– create new generation w/ crossover/mating</a:t>
+            </a:r>
+          </a:p>
+          <a:p>
+            <a:pPr algn="l"/>
+            <a:r>
+              <a:rPr lang="en-GB" sz="1000" dirty="0">
+                <a:solidFill>
+                  <a:schemeClr val="accent1"/>
+                </a:solidFill>
+                <a:latin typeface="Courier New" panose="02070309020205020404" pitchFamily="49" charset="0"/>
+              </a:rPr>
+              <a:t>	population=…</a:t>
+            </a:r>
+            <a:r>
+              <a:rPr lang="en-GB" sz="1200" dirty="0">
+                <a:solidFill>
+                  <a:srgbClr val="0000FF"/>
+                </a:solidFill>
+                <a:latin typeface="Courier New" panose="02070309020205020404" pitchFamily="49" charset="0"/>
+              </a:rPr>
+              <a:t>	</a:t>
+            </a:r>
+          </a:p>
+          <a:p>
+            <a:pPr algn="l"/>
             <a:endParaRPr lang="en-GB" sz="1200" b="0" dirty="0">
               <a:solidFill>
                 <a:srgbClr val="000000"/>
@@ -14619,214 +14767,6 @@
               <a:effectLst/>
               <a:latin typeface="Courier New" panose="02070309020205020404" pitchFamily="49" charset="0"/>
             </a:endParaRPr>
-          </a:p>
-          <a:p>
-            <a:pPr algn="l"/>
-            <a:r>
-              <a:rPr lang="en-GB" sz="1200" dirty="0">
-                <a:solidFill>
-                  <a:srgbClr val="000000"/>
-                </a:solidFill>
-                <a:latin typeface="Courier New" panose="02070309020205020404" pitchFamily="49" charset="0"/>
-              </a:rPr>
-              <a:t>&gt;</a:t>
-            </a:r>
-            <a:r>
-              <a:rPr lang="en-GB" sz="1200" b="0" dirty="0">
-                <a:solidFill>
-                  <a:srgbClr val="000000"/>
-                </a:solidFill>
-                <a:effectLst/>
-                <a:latin typeface="Courier New" panose="02070309020205020404" pitchFamily="49" charset="0"/>
-              </a:rPr>
-              <a:t>Setup Game Environment as Lunar Lander</a:t>
-            </a:r>
-          </a:p>
-          <a:p>
-            <a:pPr algn="l"/>
-            <a:r>
-              <a:rPr lang="en-GB" sz="1200" b="0" dirty="0">
-                <a:solidFill>
-                  <a:srgbClr val="000000"/>
-                </a:solidFill>
-                <a:effectLst/>
-                <a:latin typeface="Courier New" panose="02070309020205020404" pitchFamily="49" charset="0"/>
-              </a:rPr>
-              <a:t>(The fitness can be the game reward)</a:t>
-            </a:r>
-          </a:p>
-          <a:p>
-            <a:pPr algn="l"/>
-            <a:r>
-              <a:rPr lang="en-GB" sz="1200" b="0" dirty="0">
-                <a:solidFill>
-                  <a:srgbClr val="000000"/>
-                </a:solidFill>
-                <a:effectLst/>
-                <a:latin typeface="Courier New" panose="02070309020205020404" pitchFamily="49" charset="0"/>
-              </a:rPr>
-              <a:t>&gt;Define a Neural Network</a:t>
-            </a:r>
-            <a:br>
-              <a:rPr lang="en-GB" sz="1200" b="0" dirty="0">
-                <a:solidFill>
-                  <a:srgbClr val="000000"/>
-                </a:solidFill>
-                <a:effectLst/>
-                <a:latin typeface="Courier New" panose="02070309020205020404" pitchFamily="49" charset="0"/>
-              </a:rPr>
-            </a:br>
-            <a:r>
-              <a:rPr lang="en-GB" sz="1200" b="0" dirty="0">
-                <a:solidFill>
-                  <a:srgbClr val="000000"/>
-                </a:solidFill>
-                <a:effectLst/>
-                <a:latin typeface="Courier New" panose="02070309020205020404" pitchFamily="49" charset="0"/>
-              </a:rPr>
-              <a:t>&gt;Choose an Evolutionary Strategy</a:t>
-            </a:r>
-            <a:br>
-              <a:rPr lang="en-GB" sz="1200" b="0" dirty="0">
-                <a:solidFill>
-                  <a:srgbClr val="000000"/>
-                </a:solidFill>
-                <a:effectLst/>
-                <a:latin typeface="Courier New" panose="02070309020205020404" pitchFamily="49" charset="0"/>
-              </a:rPr>
-            </a:br>
-            <a:r>
-              <a:rPr lang="en-GB" sz="1200" b="0" dirty="0">
-                <a:solidFill>
-                  <a:srgbClr val="000000"/>
-                </a:solidFill>
-                <a:effectLst/>
-                <a:latin typeface="Courier New" panose="02070309020205020404" pitchFamily="49" charset="0"/>
-              </a:rPr>
-              <a:t>&gt;Evolve the Network</a:t>
-            </a:r>
-            <a:br>
-              <a:rPr lang="en-GB" sz="1200" b="0" dirty="0">
-                <a:solidFill>
-                  <a:srgbClr val="000000"/>
-                </a:solidFill>
-                <a:effectLst/>
-                <a:latin typeface="Courier New" panose="02070309020205020404" pitchFamily="49" charset="0"/>
-              </a:rPr>
-            </a:br>
-            <a:r>
-              <a:rPr lang="en-GB" sz="1200" b="0" dirty="0">
-                <a:solidFill>
-                  <a:srgbClr val="000000"/>
-                </a:solidFill>
-                <a:effectLst/>
-                <a:latin typeface="Courier New" panose="02070309020205020404" pitchFamily="49" charset="0"/>
-              </a:rPr>
-              <a:t>&gt;Evaluate / Visualise</a:t>
-            </a:r>
-          </a:p>
-        </p:txBody>
-      </p:sp>
-      <p:sp>
-        <p:nvSpPr>
-          <p:cNvPr id="4" name="TextBox 3">
-            <a:extLst>
-              <a:ext uri="{FF2B5EF4-FFF2-40B4-BE49-F238E27FC236}">
-                <a16:creationId xmlns:a16="http://schemas.microsoft.com/office/drawing/2014/main" id="{B1D2C1D4-1865-132B-3F82-2A6755028BEF}"/>
-              </a:ext>
-            </a:extLst>
-          </p:cNvPr>
-          <p:cNvSpPr txBox="1"/>
-          <p:nvPr/>
-        </p:nvSpPr>
-        <p:spPr>
-          <a:xfrm>
-            <a:off x="465477" y="4016243"/>
-            <a:ext cx="3183959" cy="900246"/>
-          </a:xfrm>
-          <a:prstGeom prst="rect">
-            <a:avLst/>
-          </a:prstGeom>
-          <a:noFill/>
-          <a:ln w="12700" cap="flat">
-            <a:noFill/>
-            <a:miter lim="400000"/>
-          </a:ln>
-          <a:effectLst/>
-          <a:sp3d/>
-        </p:spPr>
-        <p:style>
-          <a:lnRef idx="0">
-            <a:scrgbClr r="0" g="0" b="0"/>
-          </a:lnRef>
-          <a:fillRef idx="0">
-            <a:scrgbClr r="0" g="0" b="0"/>
-          </a:fillRef>
-          <a:effectRef idx="0">
-            <a:scrgbClr r="0" g="0" b="0"/>
-          </a:effectRef>
-          <a:fontRef idx="none"/>
-        </p:style>
-        <p:txBody>
-          <a:bodyPr wrap="square">
-            <a:spAutoFit/>
-          </a:bodyPr>
-          <a:lstStyle/>
-          <a:p>
-            <a:pPr algn="l"/>
-            <a:r>
-              <a:rPr lang="en-GB" sz="1200" b="0" dirty="0">
-                <a:solidFill>
-                  <a:schemeClr val="bg1">
-                    <a:lumMod val="50000"/>
-                  </a:schemeClr>
-                </a:solidFill>
-                <a:effectLst/>
-                <a:latin typeface="Courier New" panose="02070309020205020404" pitchFamily="49" charset="0"/>
-              </a:rPr>
-              <a:t>#For Box2D you </a:t>
-            </a:r>
-            <a:r>
-              <a:rPr lang="en-GB" sz="1200" dirty="0">
-                <a:solidFill>
-                  <a:schemeClr val="bg1">
-                    <a:lumMod val="50000"/>
-                  </a:schemeClr>
-                </a:solidFill>
-                <a:latin typeface="Courier New" panose="02070309020205020404" pitchFamily="49" charset="0"/>
-              </a:rPr>
-              <a:t>may need install:</a:t>
-            </a:r>
-          </a:p>
-          <a:p>
-            <a:pPr algn="l"/>
-            <a:r>
-              <a:rPr lang="en-GB" sz="1200" b="0" dirty="0">
-                <a:solidFill>
-                  <a:schemeClr val="bg1">
-                    <a:lumMod val="50000"/>
-                  </a:schemeClr>
-                </a:solidFill>
-                <a:effectLst/>
-                <a:latin typeface="Courier New" panose="02070309020205020404" pitchFamily="49" charset="0"/>
-              </a:rPr>
-              <a:t>!pip install swig</a:t>
-            </a:r>
-          </a:p>
-          <a:p>
-            <a:pPr algn="l"/>
-            <a:r>
-              <a:rPr lang="en-GB" sz="1200" b="0" dirty="0">
-                <a:solidFill>
-                  <a:schemeClr val="bg1">
-                    <a:lumMod val="50000"/>
-                  </a:schemeClr>
-                </a:solidFill>
-                <a:effectLst/>
-                <a:latin typeface="Courier New" panose="02070309020205020404" pitchFamily="49" charset="0"/>
-              </a:rPr>
-              <a:t>!pip install gym[box2D]</a:t>
-            </a:r>
           </a:p>
         </p:txBody>
       </p:sp>
@@ -14920,7 +14860,1359 @@
         <p:spPr>
           <a:xfrm>
             <a:off x="385389" y="938568"/>
-            <a:ext cx="2924019" cy="3231622"/>
+            <a:ext cx="3264047" cy="861742"/>
+          </a:xfrm>
+          <a:prstGeom prst="rect">
+            <a:avLst/>
+          </a:prstGeom>
+          <a:ln w="12700">
+            <a:miter lim="400000"/>
+          </a:ln>
+          <a:extLst>
+            <a:ext uri="{C572A759-6A51-4108-AA02-DFA0A04FC94B}">
+              <ma14:wrappingTextBoxFlag xmlns:ma14="http://schemas.microsoft.com/office/mac/drawingml/2011/main" xmlns:a14="http://schemas.microsoft.com/office/drawing/2010/main" xmlns:m="http://schemas.openxmlformats.org/officeDocument/2006/math" xmlns="" val="1"/>
+            </a:ext>
+          </a:extLst>
+        </p:spPr>
+        <p:txBody>
+          <a:bodyPr wrap="square" lIns="91424" tIns="91424" rIns="91424" bIns="91424">
+            <a:spAutoFit/>
+          </a:bodyPr>
+          <a:lstStyle>
+            <a:lvl1pPr algn="l">
+              <a:lnSpc>
+                <a:spcPct val="100000"/>
+              </a:lnSpc>
+              <a:defRPr sz="2200">
+                <a:solidFill>
+                  <a:srgbClr val="75910B"/>
+                </a:solidFill>
+                <a:latin typeface="+mn-lt"/>
+                <a:ea typeface="+mn-ea"/>
+                <a:cs typeface="+mn-cs"/>
+                <a:sym typeface="IBM Plex Sans"/>
+              </a:defRPr>
+            </a:lvl1pPr>
+          </a:lstStyle>
+          <a:p>
+            <a:r>
+              <a:rPr lang="da-DK" dirty="0"/>
+              <a:t>(2) </a:t>
+            </a:r>
+            <a:r>
+              <a:rPr lang="da-DK" dirty="0" err="1"/>
+              <a:t>Evolve</a:t>
+            </a:r>
+            <a:r>
+              <a:rPr lang="da-DK" dirty="0"/>
+              <a:t> a </a:t>
+            </a:r>
+            <a:r>
+              <a:rPr lang="da-DK" dirty="0" err="1"/>
+              <a:t>GamingNN</a:t>
+            </a:r>
+            <a:endParaRPr lang="da-DK" dirty="0"/>
+          </a:p>
+          <a:p>
+            <a:endParaRPr dirty="0"/>
+          </a:p>
+        </p:txBody>
+      </p:sp>
+      <p:sp>
+        <p:nvSpPr>
+          <p:cNvPr id="250" name="Google Shape;55;p13"/>
+          <p:cNvSpPr txBox="1"/>
+          <p:nvPr/>
+        </p:nvSpPr>
+        <p:spPr>
+          <a:xfrm>
+            <a:off x="130048" y="0"/>
+            <a:ext cx="3134841" cy="284451"/>
+          </a:xfrm>
+          <a:prstGeom prst="rect">
+            <a:avLst/>
+          </a:prstGeom>
+          <a:ln w="12700">
+            <a:miter lim="400000"/>
+          </a:ln>
+          <a:extLst>
+            <a:ext uri="{C572A759-6A51-4108-AA02-DFA0A04FC94B}">
+              <ma14:wrappingTextBoxFlag xmlns:ma14="http://schemas.microsoft.com/office/mac/drawingml/2011/main" xmlns:a14="http://schemas.microsoft.com/office/drawing/2010/main" xmlns:m="http://schemas.openxmlformats.org/officeDocument/2006/math" xmlns="" val="1"/>
+            </a:ext>
+          </a:extLst>
+        </p:spPr>
+        <p:txBody>
+          <a:bodyPr lIns="91424" tIns="91424" rIns="91424" bIns="91424">
+            <a:spAutoFit/>
+          </a:bodyPr>
+          <a:lstStyle/>
+          <a:p>
+            <a:r>
+              <a:t>Deep Learning for Games and Simulations</a:t>
+            </a:r>
+          </a:p>
+        </p:txBody>
+      </p:sp>
+      <p:sp>
+        <p:nvSpPr>
+          <p:cNvPr id="251" name="Google Shape;56;p13"/>
+          <p:cNvSpPr txBox="1"/>
+          <p:nvPr/>
+        </p:nvSpPr>
+        <p:spPr>
+          <a:xfrm>
+            <a:off x="6600259" y="0"/>
+            <a:ext cx="2384701" cy="284450"/>
+          </a:xfrm>
+          <a:prstGeom prst="rect">
+            <a:avLst/>
+          </a:prstGeom>
+          <a:ln w="12700">
+            <a:miter lim="400000"/>
+          </a:ln>
+          <a:extLst>
+            <a:ext uri="{C572A759-6A51-4108-AA02-DFA0A04FC94B}">
+              <ma14:wrappingTextBoxFlag xmlns:ma14="http://schemas.microsoft.com/office/mac/drawingml/2011/main" xmlns:a14="http://schemas.microsoft.com/office/drawing/2010/main" xmlns:m="http://schemas.openxmlformats.org/officeDocument/2006/math" xmlns="" val="1"/>
+            </a:ext>
+          </a:extLst>
+        </p:spPr>
+        <p:txBody>
+          <a:bodyPr lIns="91424" tIns="91424" rIns="91424" bIns="91424">
+            <a:spAutoFit/>
+          </a:bodyPr>
+          <a:lstStyle/>
+          <a:p>
+            <a:r>
+              <a:t>ITU Copenhagen, Fall 2023</a:t>
+            </a:r>
+          </a:p>
+        </p:txBody>
+      </p:sp>
+      <p:sp>
+        <p:nvSpPr>
+          <p:cNvPr id="252" name="Environment:…"/>
+          <p:cNvSpPr txBox="1"/>
+          <p:nvPr/>
+        </p:nvSpPr>
+        <p:spPr>
+          <a:xfrm>
+            <a:off x="3396343" y="1166231"/>
+            <a:ext cx="5294236" cy="584775"/>
+          </a:xfrm>
+          <a:prstGeom prst="rect">
+            <a:avLst/>
+          </a:prstGeom>
+          <a:ln w="12700">
+            <a:miter lim="400000"/>
+          </a:ln>
+          <a:extLst>
+            <a:ext uri="{C572A759-6A51-4108-AA02-DFA0A04FC94B}">
+              <ma14:wrappingTextBoxFlag xmlns:ma14="http://schemas.microsoft.com/office/mac/drawingml/2011/main" xmlns:a14="http://schemas.microsoft.com/office/drawing/2010/main" xmlns:m="http://schemas.openxmlformats.org/officeDocument/2006/math" xmlns="" val="1"/>
+            </a:ext>
+          </a:extLst>
+        </p:spPr>
+        <p:txBody>
+          <a:bodyPr wrap="square" lIns="0" tIns="0" rIns="0" bIns="0">
+            <a:spAutoFit/>
+          </a:bodyPr>
+          <a:lstStyle/>
+          <a:p>
+            <a:pPr algn="l">
+              <a:lnSpc>
+                <a:spcPct val="100000"/>
+              </a:lnSpc>
+              <a:defRPr sz="1400">
+                <a:solidFill>
+                  <a:srgbClr val="000000"/>
+                </a:solidFill>
+                <a:latin typeface="Helvetica"/>
+                <a:ea typeface="Helvetica"/>
+                <a:cs typeface="Helvetica"/>
+                <a:sym typeface="Helvetica"/>
+              </a:defRPr>
+            </a:pPr>
+            <a:endParaRPr lang="en-DK" b="1" dirty="0"/>
+          </a:p>
+          <a:p>
+            <a:pPr lvl="1" algn="l" defTabSz="457200">
+              <a:lnSpc>
+                <a:spcPct val="100000"/>
+              </a:lnSpc>
+              <a:defRPr sz="1400">
+                <a:latin typeface="+mn-lt"/>
+                <a:ea typeface="+mn-ea"/>
+                <a:cs typeface="+mn-cs"/>
+                <a:sym typeface="IBM Plex Sans"/>
+              </a:defRPr>
+            </a:pPr>
+            <a:endParaRPr sz="1000" b="1" dirty="0"/>
+          </a:p>
+          <a:p>
+            <a:pPr algn="l" defTabSz="457200">
+              <a:lnSpc>
+                <a:spcPct val="100000"/>
+              </a:lnSpc>
+              <a:defRPr sz="1400">
+                <a:latin typeface="+mn-lt"/>
+                <a:ea typeface="+mn-ea"/>
+                <a:cs typeface="+mn-cs"/>
+                <a:sym typeface="IBM Plex Sans"/>
+              </a:defRPr>
+            </a:pPr>
+            <a:endParaRPr b="1" dirty="0"/>
+          </a:p>
+        </p:txBody>
+      </p:sp>
+      <p:sp>
+        <p:nvSpPr>
+          <p:cNvPr id="3" name="TextBox 2">
+            <a:extLst>
+              <a:ext uri="{FF2B5EF4-FFF2-40B4-BE49-F238E27FC236}">
+                <a16:creationId xmlns:a16="http://schemas.microsoft.com/office/drawing/2014/main" id="{97F4E832-82A0-63B3-D441-1398C5EB98FA}"/>
+              </a:ext>
+            </a:extLst>
+          </p:cNvPr>
+          <p:cNvSpPr txBox="1"/>
+          <p:nvPr/>
+        </p:nvSpPr>
+        <p:spPr>
+          <a:xfrm>
+            <a:off x="4092196" y="490951"/>
+            <a:ext cx="4666415" cy="4895571"/>
+          </a:xfrm>
+          <a:prstGeom prst="rect">
+            <a:avLst/>
+          </a:prstGeom>
+          <a:noFill/>
+          <a:ln w="12700" cap="flat">
+            <a:noFill/>
+            <a:miter lim="400000"/>
+          </a:ln>
+          <a:effectLst/>
+          <a:sp3d/>
+        </p:spPr>
+        <p:style>
+          <a:lnRef idx="0">
+            <a:scrgbClr r="0" g="0" b="0"/>
+          </a:lnRef>
+          <a:fillRef idx="0">
+            <a:scrgbClr r="0" g="0" b="0"/>
+          </a:fillRef>
+          <a:effectRef idx="0">
+            <a:scrgbClr r="0" g="0" b="0"/>
+          </a:effectRef>
+          <a:fontRef idx="none"/>
+        </p:style>
+        <p:txBody>
+          <a:bodyPr wrap="square">
+            <a:spAutoFit/>
+          </a:bodyPr>
+          <a:lstStyle/>
+          <a:p>
+            <a:pPr algn="l"/>
+            <a:r>
+              <a:rPr lang="en-GB" sz="1100" dirty="0">
+                <a:solidFill>
+                  <a:srgbClr val="000000"/>
+                </a:solidFill>
+                <a:latin typeface="Courier New" panose="02070309020205020404" pitchFamily="49" charset="0"/>
+              </a:rPr>
+              <a:t>&gt;</a:t>
+            </a:r>
+            <a:r>
+              <a:rPr lang="en-GB" sz="1100" dirty="0">
+                <a:solidFill>
+                  <a:srgbClr val="000000"/>
+                </a:solidFill>
+                <a:effectLst/>
+                <a:latin typeface="Courier New" panose="02070309020205020404" pitchFamily="49" charset="0"/>
+              </a:rPr>
+              <a:t>Setup Game Environment such as Lunar Lander</a:t>
+            </a:r>
+          </a:p>
+          <a:p>
+            <a:pPr algn="l"/>
+            <a:endParaRPr lang="en-GB" sz="1100" b="0" dirty="0">
+              <a:solidFill>
+                <a:srgbClr val="000000"/>
+              </a:solidFill>
+              <a:effectLst/>
+              <a:latin typeface="Courier New" panose="02070309020205020404" pitchFamily="49" charset="0"/>
+            </a:endParaRPr>
+          </a:p>
+          <a:p>
+            <a:pPr algn="l"/>
+            <a:r>
+              <a:rPr lang="en-GB" sz="1100" b="0" dirty="0">
+                <a:solidFill>
+                  <a:srgbClr val="000000"/>
+                </a:solidFill>
+                <a:effectLst/>
+                <a:latin typeface="Courier New" panose="02070309020205020404" pitchFamily="49" charset="0"/>
+              </a:rPr>
+              <a:t>&gt;Define a Neural Network as your policy. </a:t>
+            </a:r>
+          </a:p>
+          <a:p>
+            <a:pPr algn="l"/>
+            <a:r>
+              <a:rPr lang="en-GB" sz="1100" dirty="0">
+                <a:solidFill>
+                  <a:srgbClr val="000000"/>
+                </a:solidFill>
+                <a:latin typeface="Courier New" panose="02070309020205020404" pitchFamily="49" charset="0"/>
+              </a:rPr>
+              <a:t>You will evolve its weights here. The input resp. output dimensions of your network should consider the game state resp. action dimension. </a:t>
+            </a:r>
+          </a:p>
+          <a:p>
+            <a:pPr algn="l"/>
+            <a:r>
+              <a:rPr lang="en-GB" sz="1100" b="0" dirty="0">
+                <a:solidFill>
+                  <a:schemeClr val="accent1"/>
+                </a:solidFill>
+                <a:effectLst/>
+                <a:latin typeface="Courier New" panose="02070309020205020404" pitchFamily="49" charset="0"/>
+              </a:rPr>
+              <a:t>action = </a:t>
+            </a:r>
+            <a:r>
+              <a:rPr lang="en-GB" sz="1100" b="0" dirty="0" err="1">
+                <a:solidFill>
+                  <a:schemeClr val="accent1"/>
+                </a:solidFill>
+                <a:effectLst/>
+                <a:latin typeface="Courier New" panose="02070309020205020404" pitchFamily="49" charset="0"/>
+              </a:rPr>
+              <a:t>policyNN</a:t>
+            </a:r>
+            <a:r>
+              <a:rPr lang="en-GB" sz="1100" b="0" dirty="0">
+                <a:solidFill>
+                  <a:schemeClr val="accent1"/>
+                </a:solidFill>
+                <a:effectLst/>
+                <a:latin typeface="Courier New" panose="02070309020205020404" pitchFamily="49" charset="0"/>
+              </a:rPr>
+              <a:t>(</a:t>
+            </a:r>
+            <a:r>
+              <a:rPr lang="en-GB" sz="1100" b="0" dirty="0" err="1">
+                <a:solidFill>
+                  <a:schemeClr val="accent1"/>
+                </a:solidFill>
+                <a:effectLst/>
+                <a:latin typeface="Courier New" panose="02070309020205020404" pitchFamily="49" charset="0"/>
+              </a:rPr>
+              <a:t>obs</a:t>
+            </a:r>
+            <a:r>
+              <a:rPr lang="en-GB" sz="1100" b="0" dirty="0">
+                <a:solidFill>
+                  <a:schemeClr val="accent1"/>
+                </a:solidFill>
+                <a:effectLst/>
+                <a:latin typeface="Courier New" panose="02070309020205020404" pitchFamily="49" charset="0"/>
+              </a:rPr>
+              <a:t>)</a:t>
+            </a:r>
+          </a:p>
+          <a:p>
+            <a:pPr algn="l"/>
+            <a:endParaRPr lang="en-GB" sz="1100" b="0" dirty="0">
+              <a:solidFill>
+                <a:srgbClr val="000000"/>
+              </a:solidFill>
+              <a:effectLst/>
+              <a:latin typeface="Courier New" panose="02070309020205020404" pitchFamily="49" charset="0"/>
+            </a:endParaRPr>
+          </a:p>
+          <a:p>
+            <a:pPr algn="l"/>
+            <a:r>
+              <a:rPr lang="en-GB" sz="1100" b="0" dirty="0">
+                <a:solidFill>
+                  <a:srgbClr val="000000"/>
+                </a:solidFill>
+                <a:effectLst/>
+                <a:latin typeface="Courier New" panose="02070309020205020404" pitchFamily="49" charset="0"/>
+              </a:rPr>
+              <a:t>&gt;Code an evaluate function (fitness). It should take as input an individual, run the game, and for instance return the game score.</a:t>
+            </a:r>
+          </a:p>
+          <a:p>
+            <a:pPr algn="l"/>
+            <a:endParaRPr lang="en-GB" sz="1100" b="0" dirty="0">
+              <a:solidFill>
+                <a:srgbClr val="000000"/>
+              </a:solidFill>
+              <a:effectLst/>
+              <a:latin typeface="Courier New" panose="02070309020205020404" pitchFamily="49" charset="0"/>
+            </a:endParaRPr>
+          </a:p>
+          <a:p>
+            <a:pPr algn="l"/>
+            <a:r>
+              <a:rPr lang="en-GB" sz="1100" b="0" dirty="0">
+                <a:solidFill>
+                  <a:srgbClr val="000000"/>
+                </a:solidFill>
+                <a:effectLst/>
+                <a:latin typeface="Courier New" panose="02070309020205020404" pitchFamily="49" charset="0"/>
+              </a:rPr>
+              <a:t>&gt;Choose an Evolutionary Strategy</a:t>
+            </a:r>
+            <a:br>
+              <a:rPr lang="en-GB" sz="1100" b="0" dirty="0">
+                <a:solidFill>
+                  <a:srgbClr val="000000"/>
+                </a:solidFill>
+                <a:effectLst/>
+                <a:latin typeface="Courier New" panose="02070309020205020404" pitchFamily="49" charset="0"/>
+              </a:rPr>
+            </a:br>
+            <a:endParaRPr lang="en-GB" sz="1100" b="0" dirty="0">
+              <a:solidFill>
+                <a:srgbClr val="000000"/>
+              </a:solidFill>
+              <a:effectLst/>
+              <a:latin typeface="Courier New" panose="02070309020205020404" pitchFamily="49" charset="0"/>
+            </a:endParaRPr>
+          </a:p>
+          <a:p>
+            <a:pPr algn="l"/>
+            <a:r>
+              <a:rPr lang="en-GB" sz="1100" b="0" dirty="0">
+                <a:solidFill>
+                  <a:srgbClr val="000000"/>
+                </a:solidFill>
+                <a:effectLst/>
+                <a:latin typeface="Courier New" panose="02070309020205020404" pitchFamily="49" charset="0"/>
+              </a:rPr>
+              <a:t>&gt;Evolve the Network: run the evolution loop!</a:t>
+            </a:r>
+            <a:br>
+              <a:rPr lang="en-GB" sz="1100" b="0" dirty="0">
+                <a:solidFill>
+                  <a:srgbClr val="000000"/>
+                </a:solidFill>
+                <a:effectLst/>
+                <a:latin typeface="Courier New" panose="02070309020205020404" pitchFamily="49" charset="0"/>
+              </a:rPr>
+            </a:br>
+            <a:endParaRPr lang="en-GB" sz="1100" b="0" dirty="0">
+              <a:solidFill>
+                <a:srgbClr val="000000"/>
+              </a:solidFill>
+              <a:effectLst/>
+              <a:latin typeface="Courier New" panose="02070309020205020404" pitchFamily="49" charset="0"/>
+            </a:endParaRPr>
+          </a:p>
+          <a:p>
+            <a:pPr algn="l"/>
+            <a:r>
+              <a:rPr lang="en-GB" sz="1100" b="0" dirty="0">
+                <a:solidFill>
+                  <a:srgbClr val="000000"/>
+                </a:solidFill>
+                <a:effectLst/>
+                <a:latin typeface="Courier New" panose="02070309020205020404" pitchFamily="49" charset="0"/>
+              </a:rPr>
+              <a:t>&gt;Evaluate / Visualise</a:t>
+            </a:r>
+          </a:p>
+          <a:p>
+            <a:pPr algn="l"/>
+            <a:endParaRPr lang="en-GB" sz="1100" dirty="0">
+              <a:solidFill>
+                <a:srgbClr val="000000"/>
+              </a:solidFill>
+              <a:latin typeface="Courier New" panose="02070309020205020404" pitchFamily="49" charset="0"/>
+            </a:endParaRPr>
+          </a:p>
+          <a:p>
+            <a:pPr algn="l"/>
+            <a:endParaRPr lang="en-GB" sz="1100" b="0" dirty="0">
+              <a:solidFill>
+                <a:srgbClr val="000000"/>
+              </a:solidFill>
+              <a:effectLst/>
+              <a:latin typeface="Courier New" panose="02070309020205020404" pitchFamily="49" charset="0"/>
+            </a:endParaRPr>
+          </a:p>
+        </p:txBody>
+      </p:sp>
+      <p:sp>
+        <p:nvSpPr>
+          <p:cNvPr id="4" name="TextBox 3">
+            <a:extLst>
+              <a:ext uri="{FF2B5EF4-FFF2-40B4-BE49-F238E27FC236}">
+                <a16:creationId xmlns:a16="http://schemas.microsoft.com/office/drawing/2014/main" id="{B1D2C1D4-1865-132B-3F82-2A6755028BEF}"/>
+              </a:ext>
+            </a:extLst>
+          </p:cNvPr>
+          <p:cNvSpPr txBox="1"/>
+          <p:nvPr/>
+        </p:nvSpPr>
+        <p:spPr>
+          <a:xfrm>
+            <a:off x="465477" y="2149193"/>
+            <a:ext cx="3183959" cy="900246"/>
+          </a:xfrm>
+          <a:prstGeom prst="rect">
+            <a:avLst/>
+          </a:prstGeom>
+          <a:noFill/>
+          <a:ln w="12700" cap="flat">
+            <a:noFill/>
+            <a:miter lim="400000"/>
+          </a:ln>
+          <a:effectLst/>
+          <a:sp3d/>
+        </p:spPr>
+        <p:style>
+          <a:lnRef idx="0">
+            <a:scrgbClr r="0" g="0" b="0"/>
+          </a:lnRef>
+          <a:fillRef idx="0">
+            <a:scrgbClr r="0" g="0" b="0"/>
+          </a:fillRef>
+          <a:effectRef idx="0">
+            <a:scrgbClr r="0" g="0" b="0"/>
+          </a:effectRef>
+          <a:fontRef idx="none"/>
+        </p:style>
+        <p:txBody>
+          <a:bodyPr wrap="square">
+            <a:spAutoFit/>
+          </a:bodyPr>
+          <a:lstStyle/>
+          <a:p>
+            <a:pPr algn="l"/>
+            <a:r>
+              <a:rPr lang="en-GB" sz="1200" b="0" dirty="0">
+                <a:solidFill>
+                  <a:schemeClr val="bg1">
+                    <a:lumMod val="50000"/>
+                  </a:schemeClr>
+                </a:solidFill>
+                <a:effectLst/>
+                <a:latin typeface="Courier New" panose="02070309020205020404" pitchFamily="49" charset="0"/>
+              </a:rPr>
+              <a:t>#For Box2D you </a:t>
+            </a:r>
+            <a:r>
+              <a:rPr lang="en-GB" sz="1200" dirty="0">
+                <a:solidFill>
+                  <a:schemeClr val="bg1">
+                    <a:lumMod val="50000"/>
+                  </a:schemeClr>
+                </a:solidFill>
+                <a:latin typeface="Courier New" panose="02070309020205020404" pitchFamily="49" charset="0"/>
+              </a:rPr>
+              <a:t>may need install:</a:t>
+            </a:r>
+          </a:p>
+          <a:p>
+            <a:pPr algn="l"/>
+            <a:r>
+              <a:rPr lang="en-GB" sz="1200" b="0" dirty="0">
+                <a:solidFill>
+                  <a:schemeClr val="bg1">
+                    <a:lumMod val="50000"/>
+                  </a:schemeClr>
+                </a:solidFill>
+                <a:effectLst/>
+                <a:latin typeface="Courier New" panose="02070309020205020404" pitchFamily="49" charset="0"/>
+              </a:rPr>
+              <a:t>!pip install swig</a:t>
+            </a:r>
+          </a:p>
+          <a:p>
+            <a:pPr algn="l"/>
+            <a:r>
+              <a:rPr lang="en-GB" sz="1200" b="0" dirty="0">
+                <a:solidFill>
+                  <a:schemeClr val="bg1">
+                    <a:lumMod val="50000"/>
+                  </a:schemeClr>
+                </a:solidFill>
+                <a:effectLst/>
+                <a:latin typeface="Courier New" panose="02070309020205020404" pitchFamily="49" charset="0"/>
+              </a:rPr>
+              <a:t>!pip install gym[box2D]</a:t>
+            </a:r>
+          </a:p>
+        </p:txBody>
+      </p:sp>
+    </p:spTree>
+    <p:extLst>
+      <p:ext uri="{BB962C8B-B14F-4D97-AF65-F5344CB8AC3E}">
+        <p14:creationId xmlns:p14="http://schemas.microsoft.com/office/powerpoint/2010/main" val="2854605997"/>
+      </p:ext>
+    </p:extLst>
+  </p:cSld>
+  <p:clrMapOvr>
+    <a:masterClrMapping/>
+  </p:clrMapOvr>
+  <p:transition spd="med"/>
+</p:sld>
+</file>
+
+<file path=ppt/slides/slide35.xml><?xml version="1.0" encoding="utf-8"?>
+<p:sld xmlns:a="http://schemas.openxmlformats.org/drawingml/2006/main" xmlns:r="http://schemas.openxmlformats.org/officeDocument/2006/relationships" xmlns:p="http://schemas.openxmlformats.org/presentationml/2006/main">
+  <p:cSld>
+    <p:bg>
+      <p:bgPr>
+        <a:solidFill>
+          <a:srgbClr val="D9D9D9"/>
+        </a:solidFill>
+        <a:effectLst/>
+      </p:bgPr>
+    </p:bg>
+    <p:spTree>
+      <p:nvGrpSpPr>
+        <p:cNvPr id="1" name=""/>
+        <p:cNvGrpSpPr/>
+        <p:nvPr/>
+      </p:nvGrpSpPr>
+      <p:grpSpPr>
+        <a:xfrm>
+          <a:off x="0" y="0"/>
+          <a:ext cx="0" cy="0"/>
+          <a:chOff x="0" y="0"/>
+          <a:chExt cx="0" cy="0"/>
+        </a:xfrm>
+      </p:grpSpPr>
+      <p:sp>
+        <p:nvSpPr>
+          <p:cNvPr id="248" name="Google Shape;73;p15"/>
+          <p:cNvSpPr/>
+          <p:nvPr/>
+        </p:nvSpPr>
+        <p:spPr>
+          <a:xfrm>
+            <a:off x="217499" y="245475"/>
+            <a:ext cx="8709002" cy="1"/>
+          </a:xfrm>
+          <a:prstGeom prst="line">
+            <a:avLst/>
+          </a:prstGeom>
+          <a:ln>
+            <a:solidFill>
+              <a:srgbClr val="073763"/>
+            </a:solidFill>
+          </a:ln>
+        </p:spPr>
+        <p:txBody>
+          <a:bodyPr lIns="0" tIns="0" rIns="0" bIns="0"/>
+          <a:lstStyle/>
+          <a:p>
+            <a:pPr algn="l">
+              <a:lnSpc>
+                <a:spcPct val="100000"/>
+              </a:lnSpc>
+              <a:defRPr sz="1400">
+                <a:solidFill>
+                  <a:srgbClr val="000000"/>
+                </a:solidFill>
+                <a:latin typeface="+mj-lt"/>
+                <a:ea typeface="+mj-ea"/>
+                <a:cs typeface="+mj-cs"/>
+                <a:sym typeface="Arial"/>
+              </a:defRPr>
+            </a:pPr>
+            <a:endParaRPr/>
+          </a:p>
+        </p:txBody>
+      </p:sp>
+      <p:sp>
+        <p:nvSpPr>
+          <p:cNvPr id="249" name="Google Shape;124;p20"/>
+          <p:cNvSpPr txBox="1"/>
+          <p:nvPr/>
+        </p:nvSpPr>
+        <p:spPr>
+          <a:xfrm>
+            <a:off x="385389" y="938568"/>
+            <a:ext cx="2924019" cy="2554513"/>
+          </a:xfrm>
+          <a:prstGeom prst="rect">
+            <a:avLst/>
+          </a:prstGeom>
+          <a:ln w="12700">
+            <a:miter lim="400000"/>
+          </a:ln>
+          <a:extLst>
+            <a:ext uri="{C572A759-6A51-4108-AA02-DFA0A04FC94B}">
+              <ma14:wrappingTextBoxFlag xmlns:ma14="http://schemas.microsoft.com/office/mac/drawingml/2011/main" xmlns:a14="http://schemas.microsoft.com/office/drawing/2010/main" xmlns:m="http://schemas.openxmlformats.org/officeDocument/2006/math" xmlns="" val="1"/>
+            </a:ext>
+          </a:extLst>
+        </p:spPr>
+        <p:txBody>
+          <a:bodyPr lIns="91424" tIns="91424" rIns="91424" bIns="91424">
+            <a:spAutoFit/>
+          </a:bodyPr>
+          <a:lstStyle>
+            <a:lvl1pPr algn="l">
+              <a:lnSpc>
+                <a:spcPct val="100000"/>
+              </a:lnSpc>
+              <a:defRPr sz="2200">
+                <a:solidFill>
+                  <a:srgbClr val="75910B"/>
+                </a:solidFill>
+                <a:latin typeface="+mn-lt"/>
+                <a:ea typeface="+mn-ea"/>
+                <a:cs typeface="+mn-cs"/>
+                <a:sym typeface="IBM Plex Sans"/>
+              </a:defRPr>
+            </a:lvl1pPr>
+          </a:lstStyle>
+          <a:p>
+            <a:r>
+              <a:rPr lang="da-DK" dirty="0"/>
+              <a:t>(3) </a:t>
+            </a:r>
+            <a:r>
+              <a:rPr lang="da-DK" dirty="0" err="1"/>
+              <a:t>Hebbian</a:t>
+            </a:r>
+            <a:r>
+              <a:rPr lang="da-DK" dirty="0"/>
+              <a:t> Learning</a:t>
+            </a:r>
+          </a:p>
+          <a:p>
+            <a:r>
+              <a:rPr lang="da-DK" dirty="0"/>
+              <a:t>For </a:t>
+            </a:r>
+            <a:r>
+              <a:rPr lang="da-DK" dirty="0" err="1"/>
+              <a:t>boolean</a:t>
+            </a:r>
+            <a:r>
+              <a:rPr lang="da-DK" dirty="0"/>
+              <a:t> Gate</a:t>
+            </a:r>
+          </a:p>
+          <a:p>
+            <a:endParaRPr lang="da-DK" dirty="0"/>
+          </a:p>
+          <a:p>
+            <a:endParaRPr lang="da-DK" dirty="0"/>
+          </a:p>
+          <a:p>
+            <a:endParaRPr lang="da-DK" dirty="0"/>
+          </a:p>
+          <a:p>
+            <a:endParaRPr lang="da-DK" dirty="0"/>
+          </a:p>
+          <a:p>
+            <a:endParaRPr dirty="0"/>
+          </a:p>
+        </p:txBody>
+      </p:sp>
+      <p:sp>
+        <p:nvSpPr>
+          <p:cNvPr id="250" name="Google Shape;55;p13"/>
+          <p:cNvSpPr txBox="1"/>
+          <p:nvPr/>
+        </p:nvSpPr>
+        <p:spPr>
+          <a:xfrm>
+            <a:off x="130048" y="0"/>
+            <a:ext cx="3134841" cy="284451"/>
+          </a:xfrm>
+          <a:prstGeom prst="rect">
+            <a:avLst/>
+          </a:prstGeom>
+          <a:ln w="12700">
+            <a:miter lim="400000"/>
+          </a:ln>
+          <a:extLst>
+            <a:ext uri="{C572A759-6A51-4108-AA02-DFA0A04FC94B}">
+              <ma14:wrappingTextBoxFlag xmlns:ma14="http://schemas.microsoft.com/office/mac/drawingml/2011/main" xmlns:a14="http://schemas.microsoft.com/office/drawing/2010/main" xmlns:m="http://schemas.openxmlformats.org/officeDocument/2006/math" xmlns="" val="1"/>
+            </a:ext>
+          </a:extLst>
+        </p:spPr>
+        <p:txBody>
+          <a:bodyPr lIns="91424" tIns="91424" rIns="91424" bIns="91424">
+            <a:spAutoFit/>
+          </a:bodyPr>
+          <a:lstStyle/>
+          <a:p>
+            <a:r>
+              <a:t>Deep Learning for Games and Simulations</a:t>
+            </a:r>
+          </a:p>
+        </p:txBody>
+      </p:sp>
+      <p:sp>
+        <p:nvSpPr>
+          <p:cNvPr id="251" name="Google Shape;56;p13"/>
+          <p:cNvSpPr txBox="1"/>
+          <p:nvPr/>
+        </p:nvSpPr>
+        <p:spPr>
+          <a:xfrm>
+            <a:off x="6600259" y="0"/>
+            <a:ext cx="2384701" cy="284450"/>
+          </a:xfrm>
+          <a:prstGeom prst="rect">
+            <a:avLst/>
+          </a:prstGeom>
+          <a:ln w="12700">
+            <a:miter lim="400000"/>
+          </a:ln>
+          <a:extLst>
+            <a:ext uri="{C572A759-6A51-4108-AA02-DFA0A04FC94B}">
+              <ma14:wrappingTextBoxFlag xmlns:ma14="http://schemas.microsoft.com/office/mac/drawingml/2011/main" xmlns:a14="http://schemas.microsoft.com/office/drawing/2010/main" xmlns:m="http://schemas.openxmlformats.org/officeDocument/2006/math" xmlns="" val="1"/>
+            </a:ext>
+          </a:extLst>
+        </p:spPr>
+        <p:txBody>
+          <a:bodyPr lIns="91424" tIns="91424" rIns="91424" bIns="91424">
+            <a:spAutoFit/>
+          </a:bodyPr>
+          <a:lstStyle/>
+          <a:p>
+            <a:r>
+              <a:t>ITU Copenhagen, Fall 2023</a:t>
+            </a:r>
+          </a:p>
+        </p:txBody>
+      </p:sp>
+      <p:sp>
+        <p:nvSpPr>
+          <p:cNvPr id="252" name="Environment:…"/>
+          <p:cNvSpPr txBox="1"/>
+          <p:nvPr/>
+        </p:nvSpPr>
+        <p:spPr>
+          <a:xfrm>
+            <a:off x="3309408" y="490951"/>
+            <a:ext cx="5675552" cy="4133824"/>
+          </a:xfrm>
+          <a:prstGeom prst="rect">
+            <a:avLst/>
+          </a:prstGeom>
+          <a:ln w="12700">
+            <a:miter lim="400000"/>
+          </a:ln>
+          <a:extLst>
+            <a:ext uri="{C572A759-6A51-4108-AA02-DFA0A04FC94B}">
+              <ma14:wrappingTextBoxFlag xmlns:ma14="http://schemas.microsoft.com/office/mac/drawingml/2011/main" xmlns:a14="http://schemas.microsoft.com/office/drawing/2010/main" xmlns:m="http://schemas.openxmlformats.org/officeDocument/2006/math" xmlns="" val="1"/>
+            </a:ext>
+          </a:extLst>
+        </p:spPr>
+        <p:txBody>
+          <a:bodyPr wrap="square" lIns="0" tIns="0" rIns="0" bIns="0">
+            <a:spAutoFit/>
+          </a:bodyPr>
+          <a:lstStyle/>
+          <a:p>
+            <a:pPr algn="l"/>
+            <a:r>
+              <a:rPr lang="en-GB" sz="1200" b="1" dirty="0">
+                <a:solidFill>
+                  <a:schemeClr val="tx1"/>
+                </a:solidFill>
+                <a:effectLst/>
+                <a:latin typeface="Courier New" panose="02070309020205020404" pitchFamily="49" charset="0"/>
+              </a:rPr>
+              <a:t>Synaptic Consolidation: neurons that fire together wire together</a:t>
+            </a:r>
+            <a:r>
+              <a:rPr lang="en-GB" sz="1200" b="1" dirty="0">
+                <a:solidFill>
+                  <a:schemeClr val="tx1"/>
+                </a:solidFill>
+                <a:latin typeface="Courier New" panose="02070309020205020404" pitchFamily="49" charset="0"/>
+              </a:rPr>
+              <a:t>:  </a:t>
+            </a:r>
+          </a:p>
+          <a:p>
+            <a:pPr algn="ctr"/>
+            <a:r>
+              <a:rPr lang="el-GR" sz="1200" b="1" dirty="0">
+                <a:effectLst/>
+                <a:latin typeface="+mn-ea"/>
+                <a:ea typeface="+mn-ea"/>
+              </a:rPr>
+              <a:t>Δ</a:t>
+            </a:r>
+            <a:r>
+              <a:rPr lang="en-GB" sz="1200" b="1" i="1" dirty="0" err="1">
+                <a:effectLst/>
+                <a:latin typeface="+mn-ea"/>
+                <a:ea typeface="+mn-ea"/>
+              </a:rPr>
+              <a:t>w</a:t>
+            </a:r>
+            <a:r>
+              <a:rPr lang="en-GB" sz="1200" b="1" i="1" baseline="-25000" dirty="0" err="1">
+                <a:effectLst/>
+                <a:latin typeface="+mn-ea"/>
+                <a:ea typeface="+mn-ea"/>
+              </a:rPr>
+              <a:t>ij</a:t>
+            </a:r>
+            <a:r>
+              <a:rPr lang="en-GB" sz="1200" b="1" dirty="0">
+                <a:effectLst/>
+                <a:latin typeface="+mn-ea"/>
+                <a:ea typeface="+mn-ea"/>
+              </a:rPr>
+              <a:t>​=</a:t>
+            </a:r>
+            <a:r>
+              <a:rPr lang="el-GR" sz="1200" b="1" i="1" dirty="0">
+                <a:effectLst/>
+                <a:latin typeface="+mn-ea"/>
+                <a:ea typeface="+mn-ea"/>
+              </a:rPr>
+              <a:t>η</a:t>
+            </a:r>
+            <a:r>
+              <a:rPr lang="el-GR" sz="1200" b="1" dirty="0">
+                <a:effectLst/>
+                <a:latin typeface="+mn-ea"/>
+                <a:ea typeface="+mn-ea"/>
+              </a:rPr>
+              <a:t>⋅</a:t>
+            </a:r>
+            <a:r>
+              <a:rPr lang="en-GB" sz="1200" b="1" i="1" dirty="0">
+                <a:effectLst/>
+                <a:latin typeface="+mn-ea"/>
+                <a:ea typeface="+mn-ea"/>
+              </a:rPr>
+              <a:t>x</a:t>
+            </a:r>
+            <a:r>
+              <a:rPr lang="en-GB" sz="1200" b="1" i="1" baseline="-25000" dirty="0">
+                <a:effectLst/>
+                <a:latin typeface="+mn-ea"/>
+                <a:ea typeface="+mn-ea"/>
+              </a:rPr>
+              <a:t>i</a:t>
+            </a:r>
+            <a:r>
+              <a:rPr lang="en-GB" sz="1200" b="1" dirty="0">
+                <a:effectLst/>
+                <a:latin typeface="+mn-ea"/>
+                <a:ea typeface="+mn-ea"/>
+              </a:rPr>
+              <a:t>​⋅</a:t>
+            </a:r>
+            <a:r>
+              <a:rPr lang="en-GB" sz="1200" b="1" i="1" dirty="0" err="1">
+                <a:effectLst/>
+                <a:latin typeface="+mn-ea"/>
+                <a:ea typeface="+mn-ea"/>
+              </a:rPr>
+              <a:t>y</a:t>
+            </a:r>
+            <a:r>
+              <a:rPr lang="en-GB" sz="1200" b="1" i="1" baseline="-25000" dirty="0" err="1">
+                <a:solidFill>
+                  <a:srgbClr val="374151"/>
+                </a:solidFill>
+                <a:effectLst/>
+                <a:latin typeface="+mn-ea"/>
+                <a:ea typeface="+mn-ea"/>
+              </a:rPr>
+              <a:t>j</a:t>
+            </a:r>
+            <a:r>
+              <a:rPr lang="en-GB" sz="1200" b="1" i="1" baseline="-25000" dirty="0">
+                <a:solidFill>
+                  <a:srgbClr val="374151"/>
+                </a:solidFill>
+                <a:effectLst/>
+                <a:latin typeface="+mn-ea"/>
+                <a:ea typeface="+mn-ea"/>
+              </a:rPr>
+              <a:t>,</a:t>
+            </a:r>
+          </a:p>
+          <a:p>
+            <a:pPr algn="ctr"/>
+            <a:r>
+              <a:rPr lang="el-GR" sz="1200" b="1" dirty="0">
+                <a:effectLst/>
+                <a:latin typeface="+mn-ea"/>
+                <a:ea typeface="+mn-ea"/>
+              </a:rPr>
+              <a:t>Δ</a:t>
+            </a:r>
+            <a:r>
+              <a:rPr lang="en-GB" sz="1200" b="1" i="1" dirty="0" err="1">
+                <a:latin typeface="+mn-ea"/>
+                <a:ea typeface="+mn-ea"/>
+              </a:rPr>
+              <a:t>b</a:t>
+            </a:r>
+            <a:r>
+              <a:rPr lang="en-GB" sz="1200" b="1" i="1" baseline="-25000" dirty="0" err="1">
+                <a:latin typeface="+mn-ea"/>
+                <a:ea typeface="+mn-ea"/>
+              </a:rPr>
+              <a:t>j</a:t>
+            </a:r>
+            <a:r>
+              <a:rPr lang="en-GB" sz="1200" b="1" dirty="0">
+                <a:effectLst/>
+                <a:latin typeface="+mn-ea"/>
+                <a:ea typeface="+mn-ea"/>
+              </a:rPr>
+              <a:t>​=</a:t>
+            </a:r>
+            <a:r>
+              <a:rPr lang="el-GR" sz="1200" b="1" i="1" dirty="0">
+                <a:effectLst/>
+                <a:latin typeface="+mn-ea"/>
+                <a:ea typeface="+mn-ea"/>
+              </a:rPr>
+              <a:t>η</a:t>
+            </a:r>
+            <a:r>
+              <a:rPr lang="el-GR" sz="1200" b="1" dirty="0">
+                <a:effectLst/>
+                <a:latin typeface="+mn-ea"/>
+                <a:ea typeface="+mn-ea"/>
+              </a:rPr>
+              <a:t>⋅</a:t>
+            </a:r>
+            <a:r>
+              <a:rPr lang="en-GB" sz="1200" b="1" i="1" dirty="0" err="1">
+                <a:effectLst/>
+                <a:latin typeface="+mn-ea"/>
+                <a:ea typeface="+mn-ea"/>
+              </a:rPr>
+              <a:t>y</a:t>
+            </a:r>
+            <a:r>
+              <a:rPr lang="en-GB" sz="1200" b="1" i="1" baseline="-25000" dirty="0" err="1">
+                <a:solidFill>
+                  <a:srgbClr val="374151"/>
+                </a:solidFill>
+                <a:effectLst/>
+                <a:latin typeface="+mn-ea"/>
+                <a:ea typeface="+mn-ea"/>
+              </a:rPr>
+              <a:t>j</a:t>
+            </a:r>
+            <a:r>
+              <a:rPr lang="en-GB" sz="1200" b="1" i="1" baseline="-25000" dirty="0">
+                <a:solidFill>
+                  <a:srgbClr val="374151"/>
+                </a:solidFill>
+                <a:effectLst/>
+                <a:latin typeface="+mn-ea"/>
+                <a:ea typeface="+mn-ea"/>
+              </a:rPr>
+              <a:t>,</a:t>
+            </a:r>
+          </a:p>
+          <a:p>
+            <a:pPr algn="l"/>
+            <a:endParaRPr lang="en-GB" sz="1100" dirty="0">
+              <a:solidFill>
+                <a:schemeClr val="accent1"/>
+              </a:solidFill>
+              <a:latin typeface="Courier New" panose="02070309020205020404" pitchFamily="49" charset="0"/>
+            </a:endParaRPr>
+          </a:p>
+          <a:p>
+            <a:pPr algn="l"/>
+            <a:endParaRPr lang="en-GB" sz="1100" dirty="0">
+              <a:solidFill>
+                <a:schemeClr val="accent1"/>
+              </a:solidFill>
+              <a:latin typeface="Courier New" panose="02070309020205020404" pitchFamily="49" charset="0"/>
+            </a:endParaRPr>
+          </a:p>
+          <a:p>
+            <a:pPr algn="l"/>
+            <a:r>
+              <a:rPr lang="en-GB" sz="1100" b="1" dirty="0">
+                <a:solidFill>
+                  <a:schemeClr val="accent1"/>
+                </a:solidFill>
+                <a:latin typeface="Courier New" panose="02070309020205020404" pitchFamily="49" charset="0"/>
+              </a:rPr>
+              <a:t>def </a:t>
+            </a:r>
+            <a:r>
+              <a:rPr lang="en-GB" sz="1100" b="1" dirty="0" err="1">
+                <a:solidFill>
+                  <a:schemeClr val="accent1"/>
+                </a:solidFill>
+                <a:latin typeface="Courier New" panose="02070309020205020404" pitchFamily="49" charset="0"/>
+              </a:rPr>
+              <a:t>hebbian_learning</a:t>
+            </a:r>
+            <a:r>
+              <a:rPr lang="en-GB" sz="1100" dirty="0">
+                <a:solidFill>
+                  <a:schemeClr val="accent1"/>
+                </a:solidFill>
+                <a:latin typeface="Courier New" panose="02070309020205020404" pitchFamily="49" charset="0"/>
+              </a:rPr>
+              <a:t>(inputs, targets, </a:t>
+            </a:r>
+            <a:r>
+              <a:rPr lang="en-GB" sz="1100" dirty="0" err="1">
+                <a:solidFill>
+                  <a:schemeClr val="accent1"/>
+                </a:solidFill>
+                <a:latin typeface="Courier New" panose="02070309020205020404" pitchFamily="49" charset="0"/>
+              </a:rPr>
+              <a:t>learning_rate</a:t>
+            </a:r>
+            <a:r>
+              <a:rPr lang="en-GB" sz="1100" dirty="0">
+                <a:solidFill>
+                  <a:schemeClr val="accent1"/>
+                </a:solidFill>
+                <a:latin typeface="Courier New" panose="02070309020205020404" pitchFamily="49" charset="0"/>
+              </a:rPr>
+              <a:t>=0.0001, epochs=10000, </a:t>
+            </a:r>
+            <a:r>
+              <a:rPr lang="en-GB" sz="1100" dirty="0" err="1">
+                <a:solidFill>
+                  <a:schemeClr val="accent1"/>
+                </a:solidFill>
+                <a:latin typeface="Courier New" panose="02070309020205020404" pitchFamily="49" charset="0"/>
+              </a:rPr>
+              <a:t>decay_factor</a:t>
+            </a:r>
+            <a:r>
+              <a:rPr lang="en-GB" sz="1100" dirty="0">
+                <a:solidFill>
+                  <a:schemeClr val="accent1"/>
+                </a:solidFill>
+                <a:latin typeface="Courier New" panose="02070309020205020404" pitchFamily="49" charset="0"/>
+              </a:rPr>
+              <a:t>=0.001):</a:t>
+            </a:r>
+          </a:p>
+          <a:p>
+            <a:pPr algn="l"/>
+            <a:r>
+              <a:rPr lang="en-GB" sz="1100" dirty="0">
+                <a:solidFill>
+                  <a:schemeClr val="accent1"/>
+                </a:solidFill>
+                <a:latin typeface="Courier New" panose="02070309020205020404" pitchFamily="49" charset="0"/>
+              </a:rPr>
+              <a:t>    # Initialize weights and bias - One layer enough here</a:t>
+            </a:r>
+          </a:p>
+          <a:p>
+            <a:pPr algn="l"/>
+            <a:endParaRPr lang="en-GB" sz="1100" dirty="0">
+              <a:solidFill>
+                <a:schemeClr val="accent1"/>
+              </a:solidFill>
+              <a:latin typeface="Courier New" panose="02070309020205020404" pitchFamily="49" charset="0"/>
+            </a:endParaRPr>
+          </a:p>
+          <a:p>
+            <a:pPr algn="l"/>
+            <a:r>
+              <a:rPr lang="en-GB" sz="1100" dirty="0">
+                <a:solidFill>
+                  <a:schemeClr val="accent1"/>
+                </a:solidFill>
+                <a:latin typeface="Courier New" panose="02070309020205020404" pitchFamily="49" charset="0"/>
+              </a:rPr>
+              <a:t>      for epoch in range(epochs):</a:t>
+            </a:r>
+          </a:p>
+          <a:p>
+            <a:pPr algn="l"/>
+            <a:r>
+              <a:rPr lang="en-GB" sz="1100" dirty="0">
+                <a:solidFill>
+                  <a:schemeClr val="accent1"/>
+                </a:solidFill>
+                <a:latin typeface="Courier New" panose="02070309020205020404" pitchFamily="49" charset="0"/>
+              </a:rPr>
+              <a:t>        for x, y in zip(inputs, targets):</a:t>
+            </a:r>
+          </a:p>
+          <a:p>
+            <a:pPr algn="l"/>
+            <a:r>
+              <a:rPr lang="en-GB" sz="1100" dirty="0">
+                <a:solidFill>
+                  <a:schemeClr val="accent1"/>
+                </a:solidFill>
+                <a:latin typeface="Courier New" panose="02070309020205020404" pitchFamily="49" charset="0"/>
+              </a:rPr>
+              <a:t>	# Hebbian rule to update weights and bias</a:t>
+            </a:r>
+          </a:p>
+          <a:p>
+            <a:pPr algn="l"/>
+            <a:r>
+              <a:rPr lang="en-GB" sz="1100" dirty="0">
+                <a:solidFill>
+                  <a:schemeClr val="accent1"/>
+                </a:solidFill>
+                <a:latin typeface="Courier New" panose="02070309020205020404" pitchFamily="49" charset="0"/>
+              </a:rPr>
+              <a:t>            # Advise: Calculate before the predicted output of the 	NN </a:t>
+            </a:r>
+            <a:r>
+              <a:rPr lang="en-GB" sz="1100" dirty="0" err="1">
+                <a:solidFill>
+                  <a:schemeClr val="accent1"/>
+                </a:solidFill>
+                <a:latin typeface="Courier New" panose="02070309020205020404" pitchFamily="49" charset="0"/>
+              </a:rPr>
+              <a:t>y_hat</a:t>
+            </a:r>
+            <a:r>
+              <a:rPr lang="en-GB" sz="1100" dirty="0">
+                <a:solidFill>
+                  <a:schemeClr val="accent1"/>
+                </a:solidFill>
+                <a:latin typeface="Courier New" panose="02070309020205020404" pitchFamily="49" charset="0"/>
+              </a:rPr>
+              <a:t> to use (y- </a:t>
+            </a:r>
+            <a:r>
+              <a:rPr lang="en-GB" sz="1100" dirty="0" err="1">
+                <a:solidFill>
+                  <a:schemeClr val="accent1"/>
+                </a:solidFill>
+                <a:latin typeface="Courier New" panose="02070309020205020404" pitchFamily="49" charset="0"/>
+              </a:rPr>
+              <a:t>y_hat</a:t>
+            </a:r>
+            <a:r>
+              <a:rPr lang="en-GB" sz="1100" dirty="0">
+                <a:solidFill>
+                  <a:schemeClr val="accent1"/>
+                </a:solidFill>
+                <a:latin typeface="Courier New" panose="02070309020205020404" pitchFamily="49" charset="0"/>
+              </a:rPr>
+              <a:t>) to avoid weight explosion</a:t>
+            </a:r>
+          </a:p>
+          <a:p>
+            <a:pPr algn="l"/>
+            <a:r>
+              <a:rPr lang="en-GB" sz="1100" dirty="0">
+                <a:solidFill>
+                  <a:schemeClr val="tx1"/>
+                </a:solidFill>
+                <a:latin typeface="Courier New" panose="02070309020205020404" pitchFamily="49" charset="0"/>
+              </a:rPr>
+              <a:t> </a:t>
+            </a:r>
+          </a:p>
+        </p:txBody>
+      </p:sp>
+    </p:spTree>
+    <p:extLst>
+      <p:ext uri="{BB962C8B-B14F-4D97-AF65-F5344CB8AC3E}">
+        <p14:creationId xmlns:p14="http://schemas.microsoft.com/office/powerpoint/2010/main" val="1029488718"/>
+      </p:ext>
+    </p:extLst>
+  </p:cSld>
+  <p:clrMapOvr>
+    <a:masterClrMapping/>
+  </p:clrMapOvr>
+  <p:transition spd="med"/>
+</p:sld>
+</file>
+
+<file path=ppt/slides/slide36.xml><?xml version="1.0" encoding="utf-8"?>
+<p:sld xmlns:a="http://schemas.openxmlformats.org/drawingml/2006/main" xmlns:r="http://schemas.openxmlformats.org/officeDocument/2006/relationships" xmlns:p="http://schemas.openxmlformats.org/presentationml/2006/main">
+  <p:cSld>
+    <p:bg>
+      <p:bgPr>
+        <a:solidFill>
+          <a:srgbClr val="D9D9D9"/>
+        </a:solidFill>
+        <a:effectLst/>
+      </p:bgPr>
+    </p:bg>
+    <p:spTree>
+      <p:nvGrpSpPr>
+        <p:cNvPr id="1" name=""/>
+        <p:cNvGrpSpPr/>
+        <p:nvPr/>
+      </p:nvGrpSpPr>
+      <p:grpSpPr>
+        <a:xfrm>
+          <a:off x="0" y="0"/>
+          <a:ext cx="0" cy="0"/>
+          <a:chOff x="0" y="0"/>
+          <a:chExt cx="0" cy="0"/>
+        </a:xfrm>
+      </p:grpSpPr>
+      <p:sp>
+        <p:nvSpPr>
+          <p:cNvPr id="248" name="Google Shape;73;p15"/>
+          <p:cNvSpPr/>
+          <p:nvPr/>
+        </p:nvSpPr>
+        <p:spPr>
+          <a:xfrm>
+            <a:off x="217499" y="245475"/>
+            <a:ext cx="8709002" cy="1"/>
+          </a:xfrm>
+          <a:prstGeom prst="line">
+            <a:avLst/>
+          </a:prstGeom>
+          <a:ln>
+            <a:solidFill>
+              <a:srgbClr val="073763"/>
+            </a:solidFill>
+          </a:ln>
+        </p:spPr>
+        <p:txBody>
+          <a:bodyPr lIns="0" tIns="0" rIns="0" bIns="0"/>
+          <a:lstStyle/>
+          <a:p>
+            <a:pPr algn="l">
+              <a:lnSpc>
+                <a:spcPct val="100000"/>
+              </a:lnSpc>
+              <a:defRPr sz="1400">
+                <a:solidFill>
+                  <a:srgbClr val="000000"/>
+                </a:solidFill>
+                <a:latin typeface="+mj-lt"/>
+                <a:ea typeface="+mj-ea"/>
+                <a:cs typeface="+mj-cs"/>
+                <a:sym typeface="Arial"/>
+              </a:defRPr>
+            </a:pPr>
+            <a:endParaRPr/>
+          </a:p>
+        </p:txBody>
+      </p:sp>
+      <p:sp>
+        <p:nvSpPr>
+          <p:cNvPr id="249" name="Google Shape;124;p20"/>
+          <p:cNvSpPr txBox="1"/>
+          <p:nvPr/>
+        </p:nvSpPr>
+        <p:spPr>
+          <a:xfrm>
+            <a:off x="385389" y="938568"/>
+            <a:ext cx="2924019" cy="1200296"/>
           </a:xfrm>
           <a:prstGeom prst="rect">
             <a:avLst/>
@@ -14957,46 +16249,6 @@
           <a:p>
             <a:r>
               <a:rPr lang="da-DK" dirty="0"/>
-              <a:t>(3) </a:t>
-            </a:r>
-            <a:r>
-              <a:rPr lang="da-DK" dirty="0" err="1"/>
-              <a:t>Hebbian</a:t>
-            </a:r>
-            <a:r>
-              <a:rPr lang="da-DK" dirty="0"/>
-              <a:t> Learning</a:t>
-            </a:r>
-          </a:p>
-          <a:p>
-            <a:r>
-              <a:rPr lang="da-DK" dirty="0"/>
-              <a:t>For </a:t>
-            </a:r>
-            <a:r>
-              <a:rPr lang="da-DK" dirty="0" err="1"/>
-              <a:t>boolean</a:t>
-            </a:r>
-            <a:r>
-              <a:rPr lang="da-DK" dirty="0"/>
-              <a:t> Gate</a:t>
-            </a:r>
-          </a:p>
-          <a:p>
-            <a:endParaRPr lang="da-DK" dirty="0"/>
-          </a:p>
-          <a:p>
-            <a:endParaRPr lang="da-DK" dirty="0"/>
-          </a:p>
-          <a:p>
-            <a:endParaRPr lang="da-DK" dirty="0"/>
-          </a:p>
-          <a:p>
-            <a:endParaRPr lang="da-DK" dirty="0"/>
-          </a:p>
-          <a:p>
-            <a:r>
-              <a:rPr lang="da-DK" dirty="0"/>
               <a:t>(4) </a:t>
             </a:r>
             <a:r>
@@ -15097,8 +16349,8 @@
         </p:nvSpPr>
         <p:spPr>
           <a:xfrm>
-            <a:off x="3319820" y="938568"/>
-            <a:ext cx="5675552" cy="4583242"/>
+            <a:off x="3309408" y="783447"/>
+            <a:ext cx="5675552" cy="2875082"/>
           </a:xfrm>
           <a:prstGeom prst="rect">
             <a:avLst/>
@@ -15119,146 +16371,6 @@
           <a:lstStyle/>
           <a:p>
             <a:pPr algn="l"/>
-            <a:r>
-              <a:rPr lang="en-GB" sz="1400" b="0" dirty="0">
-                <a:solidFill>
-                  <a:schemeClr val="tx1"/>
-                </a:solidFill>
-                <a:effectLst/>
-                <a:latin typeface="Courier New" panose="02070309020205020404" pitchFamily="49" charset="0"/>
-              </a:rPr>
-              <a:t>Synaptic Consolidation: neurons that fire together wire together.</a:t>
-            </a:r>
-            <a:br>
-              <a:rPr lang="en-GB" sz="1400" b="0" dirty="0">
-                <a:solidFill>
-                  <a:schemeClr val="tx1"/>
-                </a:solidFill>
-                <a:effectLst/>
-                <a:latin typeface="Courier New" panose="02070309020205020404" pitchFamily="49" charset="0"/>
-              </a:rPr>
-            </a:br>
-            <a:r>
-              <a:rPr lang="en-GB" sz="1400" b="0" dirty="0">
-                <a:solidFill>
-                  <a:schemeClr val="tx1"/>
-                </a:solidFill>
-                <a:effectLst/>
-                <a:latin typeface="Courier New" panose="02070309020205020404" pitchFamily="49" charset="0"/>
-              </a:rPr>
-              <a:t>		</a:t>
-            </a:r>
-            <a:r>
-              <a:rPr lang="el-GR" sz="1800" b="1" dirty="0">
-                <a:effectLst/>
-                <a:latin typeface="+mn-ea"/>
-                <a:ea typeface="+mn-ea"/>
-              </a:rPr>
-              <a:t>Δ</a:t>
-            </a:r>
-            <a:r>
-              <a:rPr lang="en-GB" sz="1800" b="1" i="1" dirty="0" err="1">
-                <a:effectLst/>
-                <a:latin typeface="+mn-ea"/>
-                <a:ea typeface="+mn-ea"/>
-              </a:rPr>
-              <a:t>w</a:t>
-            </a:r>
-            <a:r>
-              <a:rPr lang="en-GB" sz="1800" b="1" i="1" baseline="-25000" dirty="0" err="1">
-                <a:effectLst/>
-                <a:latin typeface="+mn-ea"/>
-                <a:ea typeface="+mn-ea"/>
-              </a:rPr>
-              <a:t>ij</a:t>
-            </a:r>
-            <a:r>
-              <a:rPr lang="en-GB" sz="1800" b="1" dirty="0">
-                <a:effectLst/>
-                <a:latin typeface="+mn-ea"/>
-                <a:ea typeface="+mn-ea"/>
-              </a:rPr>
-              <a:t>​=</a:t>
-            </a:r>
-            <a:r>
-              <a:rPr lang="el-GR" sz="1800" b="1" i="1" dirty="0">
-                <a:effectLst/>
-                <a:latin typeface="+mn-ea"/>
-                <a:ea typeface="+mn-ea"/>
-              </a:rPr>
-              <a:t>η</a:t>
-            </a:r>
-            <a:r>
-              <a:rPr lang="el-GR" sz="1800" b="1" dirty="0">
-                <a:effectLst/>
-                <a:latin typeface="+mn-ea"/>
-                <a:ea typeface="+mn-ea"/>
-              </a:rPr>
-              <a:t>⋅</a:t>
-            </a:r>
-            <a:r>
-              <a:rPr lang="en-GB" sz="1800" b="1" i="1" dirty="0">
-                <a:effectLst/>
-                <a:latin typeface="+mn-ea"/>
-                <a:ea typeface="+mn-ea"/>
-              </a:rPr>
-              <a:t>x</a:t>
-            </a:r>
-            <a:r>
-              <a:rPr lang="en-GB" sz="1800" b="1" i="1" baseline="-25000" dirty="0">
-                <a:effectLst/>
-                <a:latin typeface="+mn-ea"/>
-                <a:ea typeface="+mn-ea"/>
-              </a:rPr>
-              <a:t>i</a:t>
-            </a:r>
-            <a:r>
-              <a:rPr lang="en-GB" sz="1800" b="1" dirty="0">
-                <a:effectLst/>
-                <a:latin typeface="+mn-ea"/>
-                <a:ea typeface="+mn-ea"/>
-              </a:rPr>
-              <a:t>​⋅</a:t>
-            </a:r>
-            <a:r>
-              <a:rPr lang="en-GB" sz="1800" b="1" i="1" dirty="0" err="1">
-                <a:effectLst/>
-                <a:latin typeface="+mn-ea"/>
-                <a:ea typeface="+mn-ea"/>
-              </a:rPr>
-              <a:t>y</a:t>
-            </a:r>
-            <a:r>
-              <a:rPr lang="en-GB" sz="1800" b="1" i="1" baseline="-25000" dirty="0" err="1">
-                <a:solidFill>
-                  <a:srgbClr val="374151"/>
-                </a:solidFill>
-                <a:effectLst/>
-                <a:latin typeface="+mn-ea"/>
-                <a:ea typeface="+mn-ea"/>
-              </a:rPr>
-              <a:t>j</a:t>
-            </a:r>
-            <a:endParaRPr lang="en-GB" sz="1400" b="1" i="0" dirty="0">
-              <a:solidFill>
-                <a:srgbClr val="374151"/>
-              </a:solidFill>
-              <a:latin typeface="+mn-ea"/>
-              <a:ea typeface="+mn-ea"/>
-            </a:endParaRPr>
-          </a:p>
-          <a:p>
-            <a:pPr algn="l"/>
-            <a:endParaRPr lang="en-GB" sz="1400" b="0" dirty="0">
-              <a:solidFill>
-                <a:schemeClr val="tx1"/>
-              </a:solidFill>
-              <a:effectLst/>
-              <a:latin typeface="Courier New" panose="02070309020205020404" pitchFamily="49" charset="0"/>
-            </a:endParaRPr>
-          </a:p>
-          <a:p>
-            <a:pPr algn="l"/>
             <a:endParaRPr lang="en-GB" sz="1400" dirty="0">
               <a:solidFill>
                 <a:schemeClr val="tx1"/>
@@ -15268,16 +16380,6 @@
           </a:p>
           <a:p>
             <a:pPr algn="l"/>
-            <a:endParaRPr lang="en-GB" sz="1400" b="0" dirty="0">
-              <a:solidFill>
-                <a:schemeClr val="tx1"/>
-              </a:solidFill>
-              <a:effectLst/>
-              <a:latin typeface="Courier New" panose="02070309020205020404" pitchFamily="49" charset="0"/>
-            </a:endParaRPr>
-          </a:p>
-          <a:p>
-            <a:pPr algn="l"/>
             <a:r>
               <a:rPr lang="en-GB" sz="1400" b="0" dirty="0">
                 <a:solidFill>
@@ -15481,7 +16583,7 @@
                 </a:solidFill>
                 <a:latin typeface="Courier New" panose="02070309020205020404" pitchFamily="49" charset="0"/>
               </a:rPr>
-              <a:t>	#Can Update bias with </a:t>
+              <a:t>	# can update bias with </a:t>
             </a:r>
             <a:r>
               <a:rPr lang="en-GB" sz="1400" dirty="0" err="1">
@@ -15590,7 +16692,7 @@
     </p:spTree>
     <p:extLst>
       <p:ext uri="{BB962C8B-B14F-4D97-AF65-F5344CB8AC3E}">
-        <p14:creationId xmlns:p14="http://schemas.microsoft.com/office/powerpoint/2010/main" val="1029488718"/>
+        <p14:creationId xmlns:p14="http://schemas.microsoft.com/office/powerpoint/2010/main" val="648713514"/>
       </p:ext>
     </p:extLst>
   </p:cSld>
@@ -15687,7 +16789,7 @@
           </a:ln>
           <a:extLst>
             <a:ext uri="{C572A759-6A51-4108-AA02-DFA0A04FC94B}">
-              <ma14:wrappingTextBoxFlag xmlns="" xmlns:m="http://schemas.openxmlformats.org/officeDocument/2006/math" xmlns:a14="http://schemas.microsoft.com/office/drawing/2010/main" xmlns:ma14="http://schemas.microsoft.com/office/mac/drawingml/2011/main" val="1"/>
+              <ma14:wrappingTextBoxFlag xmlns:ma14="http://schemas.microsoft.com/office/mac/drawingml/2011/main" xmlns:a14="http://schemas.microsoft.com/office/drawing/2010/main" xmlns:m="http://schemas.openxmlformats.org/officeDocument/2006/math" xmlns="" val="1"/>
             </a:ext>
           </a:extLst>
         </p:spPr>
@@ -15722,7 +16824,7 @@
           </a:ln>
           <a:extLst>
             <a:ext uri="{C572A759-6A51-4108-AA02-DFA0A04FC94B}">
-              <ma14:wrappingTextBoxFlag xmlns="" xmlns:m="http://schemas.openxmlformats.org/officeDocument/2006/math" xmlns:a14="http://schemas.microsoft.com/office/drawing/2010/main" xmlns:ma14="http://schemas.microsoft.com/office/mac/drawingml/2011/main" val="1"/>
+              <ma14:wrappingTextBoxFlag xmlns:ma14="http://schemas.microsoft.com/office/mac/drawingml/2011/main" xmlns:a14="http://schemas.microsoft.com/office/drawing/2010/main" xmlns:m="http://schemas.openxmlformats.org/officeDocument/2006/math" xmlns="" val="1"/>
             </a:ext>
           </a:extLst>
         </p:spPr>
@@ -15757,7 +16859,7 @@
           </a:ln>
           <a:extLst>
             <a:ext uri="{C572A759-6A51-4108-AA02-DFA0A04FC94B}">
-              <ma14:wrappingTextBoxFlag xmlns="" xmlns:m="http://schemas.openxmlformats.org/officeDocument/2006/math" xmlns:a14="http://schemas.microsoft.com/office/drawing/2010/main" xmlns:ma14="http://schemas.microsoft.com/office/mac/drawingml/2011/main" val="1"/>
+              <ma14:wrappingTextBoxFlag xmlns:ma14="http://schemas.microsoft.com/office/mac/drawingml/2011/main" xmlns:a14="http://schemas.microsoft.com/office/drawing/2010/main" xmlns:m="http://schemas.openxmlformats.org/officeDocument/2006/math" xmlns="" val="1"/>
             </a:ext>
           </a:extLst>
         </p:spPr>
@@ -15833,7 +16935,7 @@
           </a:ln>
           <a:extLst>
             <a:ext uri="{C572A759-6A51-4108-AA02-DFA0A04FC94B}">
-              <ma14:wrappingTextBoxFlag xmlns="" xmlns:m="http://schemas.openxmlformats.org/officeDocument/2006/math" xmlns:a14="http://schemas.microsoft.com/office/drawing/2010/main" xmlns:ma14="http://schemas.microsoft.com/office/mac/drawingml/2011/main" val="1"/>
+              <ma14:wrappingTextBoxFlag xmlns:ma14="http://schemas.microsoft.com/office/mac/drawingml/2011/main" xmlns:a14="http://schemas.microsoft.com/office/drawing/2010/main" xmlns:m="http://schemas.openxmlformats.org/officeDocument/2006/math" xmlns="" val="1"/>
             </a:ext>
           </a:extLst>
         </p:spPr>
@@ -15959,7 +17061,7 @@
           </a:ln>
           <a:extLst>
             <a:ext uri="{C572A759-6A51-4108-AA02-DFA0A04FC94B}">
-              <ma14:wrappingTextBoxFlag xmlns="" xmlns:m="http://schemas.openxmlformats.org/officeDocument/2006/math" xmlns:a14="http://schemas.microsoft.com/office/drawing/2010/main" xmlns:ma14="http://schemas.microsoft.com/office/mac/drawingml/2011/main" val="1"/>
+              <ma14:wrappingTextBoxFlag xmlns:ma14="http://schemas.microsoft.com/office/mac/drawingml/2011/main" xmlns:a14="http://schemas.microsoft.com/office/drawing/2010/main" xmlns:m="http://schemas.openxmlformats.org/officeDocument/2006/math" xmlns="" val="1"/>
             </a:ext>
           </a:extLst>
         </p:spPr>
@@ -15994,7 +17096,7 @@
           </a:ln>
           <a:extLst>
             <a:ext uri="{C572A759-6A51-4108-AA02-DFA0A04FC94B}">
-              <ma14:wrappingTextBoxFlag xmlns="" xmlns:m="http://schemas.openxmlformats.org/officeDocument/2006/math" xmlns:a14="http://schemas.microsoft.com/office/drawing/2010/main" xmlns:ma14="http://schemas.microsoft.com/office/mac/drawingml/2011/main" val="1"/>
+              <ma14:wrappingTextBoxFlag xmlns:ma14="http://schemas.microsoft.com/office/mac/drawingml/2011/main" xmlns:a14="http://schemas.microsoft.com/office/drawing/2010/main" xmlns:m="http://schemas.openxmlformats.org/officeDocument/2006/math" xmlns="" val="1"/>
             </a:ext>
           </a:extLst>
         </p:spPr>
@@ -16029,7 +17131,7 @@
           </a:ln>
           <a:extLst>
             <a:ext uri="{C572A759-6A51-4108-AA02-DFA0A04FC94B}">
-              <ma14:wrappingTextBoxFlag xmlns="" xmlns:m="http://schemas.openxmlformats.org/officeDocument/2006/math" xmlns:a14="http://schemas.microsoft.com/office/drawing/2010/main" xmlns:ma14="http://schemas.microsoft.com/office/mac/drawingml/2011/main" val="1"/>
+              <ma14:wrappingTextBoxFlag xmlns:ma14="http://schemas.microsoft.com/office/mac/drawingml/2011/main" xmlns:a14="http://schemas.microsoft.com/office/drawing/2010/main" xmlns:m="http://schemas.openxmlformats.org/officeDocument/2006/math" xmlns="" val="1"/>
             </a:ext>
           </a:extLst>
         </p:spPr>
@@ -16081,7 +17183,7 @@
           </a:ln>
           <a:extLst>
             <a:ext uri="{C572A759-6A51-4108-AA02-DFA0A04FC94B}">
-              <ma14:wrappingTextBoxFlag xmlns="" xmlns:m="http://schemas.openxmlformats.org/officeDocument/2006/math" xmlns:a14="http://schemas.microsoft.com/office/drawing/2010/main" xmlns:ma14="http://schemas.microsoft.com/office/mac/drawingml/2011/main" val="1"/>
+              <ma14:wrappingTextBoxFlag xmlns:ma14="http://schemas.microsoft.com/office/mac/drawingml/2011/main" xmlns:a14="http://schemas.microsoft.com/office/drawing/2010/main" xmlns:m="http://schemas.openxmlformats.org/officeDocument/2006/math" xmlns="" val="1"/>
             </a:ext>
           </a:extLst>
         </p:spPr>
@@ -16346,7 +17448,7 @@
           </a:ln>
           <a:extLst>
             <a:ext uri="{C572A759-6A51-4108-AA02-DFA0A04FC94B}">
-              <ma14:wrappingTextBoxFlag xmlns="" xmlns:m="http://schemas.openxmlformats.org/officeDocument/2006/math" xmlns:a14="http://schemas.microsoft.com/office/drawing/2010/main" xmlns:ma14="http://schemas.microsoft.com/office/mac/drawingml/2011/main" val="1"/>
+              <ma14:wrappingTextBoxFlag xmlns:ma14="http://schemas.microsoft.com/office/mac/drawingml/2011/main" xmlns:a14="http://schemas.microsoft.com/office/drawing/2010/main" xmlns:m="http://schemas.openxmlformats.org/officeDocument/2006/math" xmlns="" val="1"/>
             </a:ext>
           </a:extLst>
         </p:spPr>
@@ -16381,7 +17483,7 @@
           </a:ln>
           <a:extLst>
             <a:ext uri="{C572A759-6A51-4108-AA02-DFA0A04FC94B}">
-              <ma14:wrappingTextBoxFlag xmlns="" xmlns:m="http://schemas.openxmlformats.org/officeDocument/2006/math" xmlns:a14="http://schemas.microsoft.com/office/drawing/2010/main" xmlns:ma14="http://schemas.microsoft.com/office/mac/drawingml/2011/main" val="1"/>
+              <ma14:wrappingTextBoxFlag xmlns:ma14="http://schemas.microsoft.com/office/mac/drawingml/2011/main" xmlns:a14="http://schemas.microsoft.com/office/drawing/2010/main" xmlns:m="http://schemas.openxmlformats.org/officeDocument/2006/math" xmlns="" val="1"/>
             </a:ext>
           </a:extLst>
         </p:spPr>
@@ -16416,7 +17518,7 @@
           </a:ln>
           <a:extLst>
             <a:ext uri="{C572A759-6A51-4108-AA02-DFA0A04FC94B}">
-              <ma14:wrappingTextBoxFlag xmlns="" xmlns:m="http://schemas.openxmlformats.org/officeDocument/2006/math" xmlns:a14="http://schemas.microsoft.com/office/drawing/2010/main" xmlns:ma14="http://schemas.microsoft.com/office/mac/drawingml/2011/main" val="1"/>
+              <ma14:wrappingTextBoxFlag xmlns:ma14="http://schemas.microsoft.com/office/mac/drawingml/2011/main" xmlns:a14="http://schemas.microsoft.com/office/drawing/2010/main" xmlns:m="http://schemas.openxmlformats.org/officeDocument/2006/math" xmlns="" val="1"/>
             </a:ext>
           </a:extLst>
         </p:spPr>
@@ -16554,7 +17656,7 @@
           </a:ln>
           <a:extLst>
             <a:ext uri="{C572A759-6A51-4108-AA02-DFA0A04FC94B}">
-              <ma14:wrappingTextBoxFlag xmlns="" xmlns:m="http://schemas.openxmlformats.org/officeDocument/2006/math" xmlns:a14="http://schemas.microsoft.com/office/drawing/2010/main" xmlns:ma14="http://schemas.microsoft.com/office/mac/drawingml/2011/main" val="1"/>
+              <ma14:wrappingTextBoxFlag xmlns:ma14="http://schemas.microsoft.com/office/mac/drawingml/2011/main" xmlns:a14="http://schemas.microsoft.com/office/drawing/2010/main" xmlns:m="http://schemas.openxmlformats.org/officeDocument/2006/math" xmlns="" val="1"/>
             </a:ext>
           </a:extLst>
         </p:spPr>
@@ -16606,7 +17708,7 @@
           </a:ln>
           <a:extLst>
             <a:ext uri="{C572A759-6A51-4108-AA02-DFA0A04FC94B}">
-              <ma14:wrappingTextBoxFlag xmlns="" xmlns:m="http://schemas.openxmlformats.org/officeDocument/2006/math" xmlns:a14="http://schemas.microsoft.com/office/drawing/2010/main" xmlns:ma14="http://schemas.microsoft.com/office/mac/drawingml/2011/main" val="1"/>
+              <ma14:wrappingTextBoxFlag xmlns:ma14="http://schemas.microsoft.com/office/mac/drawingml/2011/main" xmlns:a14="http://schemas.microsoft.com/office/drawing/2010/main" xmlns:m="http://schemas.openxmlformats.org/officeDocument/2006/math" xmlns="" val="1"/>
             </a:ext>
           </a:extLst>
         </p:spPr>
@@ -16806,7 +17908,7 @@
           </a:ln>
           <a:extLst>
             <a:ext uri="{C572A759-6A51-4108-AA02-DFA0A04FC94B}">
-              <ma14:wrappingTextBoxFlag xmlns="" xmlns:m="http://schemas.openxmlformats.org/officeDocument/2006/math" xmlns:a14="http://schemas.microsoft.com/office/drawing/2010/main" xmlns:ma14="http://schemas.microsoft.com/office/mac/drawingml/2011/main" val="1"/>
+              <ma14:wrappingTextBoxFlag xmlns:ma14="http://schemas.microsoft.com/office/mac/drawingml/2011/main" xmlns:a14="http://schemas.microsoft.com/office/drawing/2010/main" xmlns:m="http://schemas.openxmlformats.org/officeDocument/2006/math" xmlns="" val="1"/>
             </a:ext>
           </a:extLst>
         </p:spPr>
@@ -16925,7 +18027,7 @@
           </a:ln>
           <a:extLst>
             <a:ext uri="{C572A759-6A51-4108-AA02-DFA0A04FC94B}">
-              <ma14:wrappingTextBoxFlag xmlns="" xmlns:m="http://schemas.openxmlformats.org/officeDocument/2006/math" xmlns:a14="http://schemas.microsoft.com/office/drawing/2010/main" xmlns:ma14="http://schemas.microsoft.com/office/mac/drawingml/2011/main" val="1"/>
+              <ma14:wrappingTextBoxFlag xmlns:ma14="http://schemas.microsoft.com/office/mac/drawingml/2011/main" xmlns:a14="http://schemas.microsoft.com/office/drawing/2010/main" xmlns:m="http://schemas.openxmlformats.org/officeDocument/2006/math" xmlns="" val="1"/>
             </a:ext>
           </a:extLst>
         </p:spPr>
@@ -16960,7 +18062,7 @@
           </a:ln>
           <a:extLst>
             <a:ext uri="{C572A759-6A51-4108-AA02-DFA0A04FC94B}">
-              <ma14:wrappingTextBoxFlag xmlns="" xmlns:m="http://schemas.openxmlformats.org/officeDocument/2006/math" xmlns:a14="http://schemas.microsoft.com/office/drawing/2010/main" xmlns:ma14="http://schemas.microsoft.com/office/mac/drawingml/2011/main" val="1"/>
+              <ma14:wrappingTextBoxFlag xmlns:ma14="http://schemas.microsoft.com/office/mac/drawingml/2011/main" xmlns:a14="http://schemas.microsoft.com/office/drawing/2010/main" xmlns:m="http://schemas.openxmlformats.org/officeDocument/2006/math" xmlns="" val="1"/>
             </a:ext>
           </a:extLst>
         </p:spPr>
@@ -16995,7 +18097,7 @@
           </a:ln>
           <a:extLst>
             <a:ext uri="{C572A759-6A51-4108-AA02-DFA0A04FC94B}">
-              <ma14:wrappingTextBoxFlag xmlns="" xmlns:m="http://schemas.openxmlformats.org/officeDocument/2006/math" xmlns:a14="http://schemas.microsoft.com/office/drawing/2010/main" xmlns:ma14="http://schemas.microsoft.com/office/mac/drawingml/2011/main" val="1"/>
+              <ma14:wrappingTextBoxFlag xmlns:ma14="http://schemas.microsoft.com/office/mac/drawingml/2011/main" xmlns:a14="http://schemas.microsoft.com/office/drawing/2010/main" xmlns:m="http://schemas.openxmlformats.org/officeDocument/2006/math" xmlns="" val="1"/>
             </a:ext>
           </a:extLst>
         </p:spPr>
@@ -17047,7 +18149,7 @@
           </a:ln>
           <a:extLst>
             <a:ext uri="{C572A759-6A51-4108-AA02-DFA0A04FC94B}">
-              <ma14:wrappingTextBoxFlag xmlns="" xmlns:m="http://schemas.openxmlformats.org/officeDocument/2006/math" xmlns:a14="http://schemas.microsoft.com/office/drawing/2010/main" xmlns:ma14="http://schemas.microsoft.com/office/mac/drawingml/2011/main" val="1"/>
+              <ma14:wrappingTextBoxFlag xmlns:ma14="http://schemas.microsoft.com/office/mac/drawingml/2011/main" xmlns:a14="http://schemas.microsoft.com/office/drawing/2010/main" xmlns:m="http://schemas.openxmlformats.org/officeDocument/2006/math" xmlns="" val="1"/>
             </a:ext>
           </a:extLst>
         </p:spPr>
@@ -17470,7 +18572,7 @@
           </a:ln>
           <a:extLst>
             <a:ext uri="{C572A759-6A51-4108-AA02-DFA0A04FC94B}">
-              <ma14:wrappingTextBoxFlag xmlns="" xmlns:m="http://schemas.openxmlformats.org/officeDocument/2006/math" xmlns:a14="http://schemas.microsoft.com/office/drawing/2010/main" xmlns:ma14="http://schemas.microsoft.com/office/mac/drawingml/2011/main" val="1"/>
+              <ma14:wrappingTextBoxFlag xmlns:ma14="http://schemas.microsoft.com/office/mac/drawingml/2011/main" xmlns:a14="http://schemas.microsoft.com/office/drawing/2010/main" xmlns:m="http://schemas.openxmlformats.org/officeDocument/2006/math" xmlns="" val="1"/>
             </a:ext>
           </a:extLst>
         </p:spPr>
@@ -17599,7 +18701,7 @@
           </a:ln>
           <a:extLst>
             <a:ext uri="{C572A759-6A51-4108-AA02-DFA0A04FC94B}">
-              <ma14:wrappingTextBoxFlag xmlns="" xmlns:m="http://schemas.openxmlformats.org/officeDocument/2006/math" xmlns:a14="http://schemas.microsoft.com/office/drawing/2010/main" xmlns:ma14="http://schemas.microsoft.com/office/mac/drawingml/2011/main" val="1"/>
+              <ma14:wrappingTextBoxFlag xmlns:ma14="http://schemas.microsoft.com/office/mac/drawingml/2011/main" xmlns:a14="http://schemas.microsoft.com/office/drawing/2010/main" xmlns:m="http://schemas.openxmlformats.org/officeDocument/2006/math" xmlns="" val="1"/>
             </a:ext>
           </a:extLst>
         </p:spPr>
@@ -17718,7 +18820,7 @@
           </a:ln>
           <a:extLst>
             <a:ext uri="{C572A759-6A51-4108-AA02-DFA0A04FC94B}">
-              <ma14:wrappingTextBoxFlag xmlns="" xmlns:m="http://schemas.openxmlformats.org/officeDocument/2006/math" xmlns:a14="http://schemas.microsoft.com/office/drawing/2010/main" xmlns:ma14="http://schemas.microsoft.com/office/mac/drawingml/2011/main" val="1"/>
+              <ma14:wrappingTextBoxFlag xmlns:ma14="http://schemas.microsoft.com/office/mac/drawingml/2011/main" xmlns:a14="http://schemas.microsoft.com/office/drawing/2010/main" xmlns:m="http://schemas.openxmlformats.org/officeDocument/2006/math" xmlns="" val="1"/>
             </a:ext>
           </a:extLst>
         </p:spPr>
@@ -17753,7 +18855,7 @@
           </a:ln>
           <a:extLst>
             <a:ext uri="{C572A759-6A51-4108-AA02-DFA0A04FC94B}">
-              <ma14:wrappingTextBoxFlag xmlns="" xmlns:m="http://schemas.openxmlformats.org/officeDocument/2006/math" xmlns:a14="http://schemas.microsoft.com/office/drawing/2010/main" xmlns:ma14="http://schemas.microsoft.com/office/mac/drawingml/2011/main" val="1"/>
+              <ma14:wrappingTextBoxFlag xmlns:ma14="http://schemas.microsoft.com/office/mac/drawingml/2011/main" xmlns:a14="http://schemas.microsoft.com/office/drawing/2010/main" xmlns:m="http://schemas.openxmlformats.org/officeDocument/2006/math" xmlns="" val="1"/>
             </a:ext>
           </a:extLst>
         </p:spPr>
@@ -17788,7 +18890,7 @@
           </a:ln>
           <a:extLst>
             <a:ext uri="{C572A759-6A51-4108-AA02-DFA0A04FC94B}">
-              <ma14:wrappingTextBoxFlag xmlns="" xmlns:m="http://schemas.openxmlformats.org/officeDocument/2006/math" xmlns:a14="http://schemas.microsoft.com/office/drawing/2010/main" xmlns:ma14="http://schemas.microsoft.com/office/mac/drawingml/2011/main" val="1"/>
+              <ma14:wrappingTextBoxFlag xmlns:ma14="http://schemas.microsoft.com/office/mac/drawingml/2011/main" xmlns:a14="http://schemas.microsoft.com/office/drawing/2010/main" xmlns:m="http://schemas.openxmlformats.org/officeDocument/2006/math" xmlns="" val="1"/>
             </a:ext>
           </a:extLst>
         </p:spPr>
@@ -17840,7 +18942,7 @@
           </a:ln>
           <a:extLst>
             <a:ext uri="{C572A759-6A51-4108-AA02-DFA0A04FC94B}">
-              <ma14:wrappingTextBoxFlag xmlns="" xmlns:m="http://schemas.openxmlformats.org/officeDocument/2006/math" xmlns:a14="http://schemas.microsoft.com/office/drawing/2010/main" xmlns:ma14="http://schemas.microsoft.com/office/mac/drawingml/2011/main" val="1"/>
+              <ma14:wrappingTextBoxFlag xmlns:ma14="http://schemas.microsoft.com/office/mac/drawingml/2011/main" xmlns:a14="http://schemas.microsoft.com/office/drawing/2010/main" xmlns:m="http://schemas.openxmlformats.org/officeDocument/2006/math" xmlns="" val="1"/>
             </a:ext>
           </a:extLst>
         </p:spPr>
@@ -18274,7 +19376,7 @@
           </a:ln>
           <a:extLst>
             <a:ext uri="{C572A759-6A51-4108-AA02-DFA0A04FC94B}">
-              <ma14:wrappingTextBoxFlag xmlns="" xmlns:m="http://schemas.openxmlformats.org/officeDocument/2006/math" xmlns:a14="http://schemas.microsoft.com/office/drawing/2010/main" xmlns:ma14="http://schemas.microsoft.com/office/mac/drawingml/2011/main" val="1"/>
+              <ma14:wrappingTextBoxFlag xmlns:ma14="http://schemas.microsoft.com/office/mac/drawingml/2011/main" xmlns:a14="http://schemas.microsoft.com/office/drawing/2010/main" xmlns:m="http://schemas.openxmlformats.org/officeDocument/2006/math" xmlns="" val="1"/>
             </a:ext>
           </a:extLst>
         </p:spPr>
@@ -18393,7 +19495,7 @@
           </a:ln>
           <a:extLst>
             <a:ext uri="{C572A759-6A51-4108-AA02-DFA0A04FC94B}">
-              <ma14:wrappingTextBoxFlag xmlns="" xmlns:m="http://schemas.openxmlformats.org/officeDocument/2006/math" xmlns:a14="http://schemas.microsoft.com/office/drawing/2010/main" xmlns:ma14="http://schemas.microsoft.com/office/mac/drawingml/2011/main" val="1"/>
+              <ma14:wrappingTextBoxFlag xmlns:ma14="http://schemas.microsoft.com/office/mac/drawingml/2011/main" xmlns:a14="http://schemas.microsoft.com/office/drawing/2010/main" xmlns:m="http://schemas.openxmlformats.org/officeDocument/2006/math" xmlns="" val="1"/>
             </a:ext>
           </a:extLst>
         </p:spPr>
@@ -18428,7 +19530,7 @@
           </a:ln>
           <a:extLst>
             <a:ext uri="{C572A759-6A51-4108-AA02-DFA0A04FC94B}">
-              <ma14:wrappingTextBoxFlag xmlns="" xmlns:m="http://schemas.openxmlformats.org/officeDocument/2006/math" xmlns:a14="http://schemas.microsoft.com/office/drawing/2010/main" xmlns:ma14="http://schemas.microsoft.com/office/mac/drawingml/2011/main" val="1"/>
+              <ma14:wrappingTextBoxFlag xmlns:ma14="http://schemas.microsoft.com/office/mac/drawingml/2011/main" xmlns:a14="http://schemas.microsoft.com/office/drawing/2010/main" xmlns:m="http://schemas.openxmlformats.org/officeDocument/2006/math" xmlns="" val="1"/>
             </a:ext>
           </a:extLst>
         </p:spPr>
@@ -18463,7 +19565,7 @@
           </a:ln>
           <a:extLst>
             <a:ext uri="{C572A759-6A51-4108-AA02-DFA0A04FC94B}">
-              <ma14:wrappingTextBoxFlag xmlns="" xmlns:m="http://schemas.openxmlformats.org/officeDocument/2006/math" xmlns:a14="http://schemas.microsoft.com/office/drawing/2010/main" xmlns:ma14="http://schemas.microsoft.com/office/mac/drawingml/2011/main" val="1"/>
+              <ma14:wrappingTextBoxFlag xmlns:ma14="http://schemas.microsoft.com/office/mac/drawingml/2011/main" xmlns:a14="http://schemas.microsoft.com/office/drawing/2010/main" xmlns:m="http://schemas.openxmlformats.org/officeDocument/2006/math" xmlns="" val="1"/>
             </a:ext>
           </a:extLst>
         </p:spPr>
@@ -18507,7 +19609,7 @@
           </a:ln>
           <a:extLst>
             <a:ext uri="{C572A759-6A51-4108-AA02-DFA0A04FC94B}">
-              <ma14:wrappingTextBoxFlag xmlns="" xmlns:m="http://schemas.openxmlformats.org/officeDocument/2006/math" xmlns:a14="http://schemas.microsoft.com/office/drawing/2010/main" xmlns:ma14="http://schemas.microsoft.com/office/mac/drawingml/2011/main" val="1"/>
+              <ma14:wrappingTextBoxFlag xmlns:ma14="http://schemas.microsoft.com/office/mac/drawingml/2011/main" xmlns:a14="http://schemas.microsoft.com/office/drawing/2010/main" xmlns:m="http://schemas.openxmlformats.org/officeDocument/2006/math" xmlns="" val="1"/>
             </a:ext>
           </a:extLst>
         </p:spPr>
